--- a/tsibble and fable.pptx
+++ b/tsibble and fable.pptx
@@ -115,6 +115,11 @@
       </a:defRPr>
     </a:lvl9pPr>
   </p:defaultTextStyle>
+  <p:extLst>
+    <p:ext uri="{EFAFB233-063F-42B5-8137-9DF3F51BA10A}">
+      <p15:sldGuideLst xmlns:p15="http://schemas.microsoft.com/office/powerpoint/2012/main"/>
+    </p:ext>
+  </p:extLst>
 </p:presentation>
 </file>
 
@@ -5128,7 +5133,7 @@
         </p:nvSpPr>
         <p:spPr>
           <a:xfrm>
-            <a:off x="661147" y="566035"/>
+            <a:off x="661147" y="178904"/>
             <a:ext cx="4724400" cy="1466455"/>
           </a:xfrm>
         </p:spPr>
@@ -7070,10 +7075,10 @@
       </p:sp>
       <p:sp>
         <p:nvSpPr>
-          <p:cNvPr id="3" name="Inhaltsplatzhalter 2">
-            <a:extLst>
-              <a:ext uri="{FF2B5EF4-FFF2-40B4-BE49-F238E27FC236}">
-                <a16:creationId xmlns:a16="http://schemas.microsoft.com/office/drawing/2014/main" id="{46FA629A-CB43-6D4E-9CC2-CD8B835D3C9F}"/>
+          <p:cNvPr id="4" name="Inhaltsplatzhalter 2">
+            <a:extLst>
+              <a:ext uri="{FF2B5EF4-FFF2-40B4-BE49-F238E27FC236}">
+                <a16:creationId xmlns:a16="http://schemas.microsoft.com/office/drawing/2014/main" id="{DD18BD40-D1B9-EE54-8027-C28E5606F1F2}"/>
               </a:ext>
             </a:extLst>
           </p:cNvPr>
@@ -7084,12 +7089,213 @@
             <p:ph idx="1"/>
           </p:nvPr>
         </p:nvSpPr>
-        <p:spPr/>
-        <p:txBody>
-          <a:bodyPr/>
+        <p:spPr>
+          <a:xfrm>
+            <a:off x="896418" y="1697035"/>
+            <a:ext cx="8005763" cy="2403477"/>
+          </a:xfrm>
+          <a:solidFill>
+            <a:schemeClr val="bg1">
+              <a:lumMod val="95000"/>
+            </a:schemeClr>
+          </a:solidFill>
+        </p:spPr>
+        <p:txBody>
+          <a:bodyPr>
+            <a:noAutofit/>
+          </a:bodyPr>
           <a:lstStyle/>
           <a:p>
-            <a:endParaRPr lang="de-DE"/>
+            <a:pPr marL="0" indent="0">
+              <a:buNone/>
+            </a:pPr>
+            <a:r>
+              <a:rPr lang="de-DE" sz="2000" b="0" i="0" u="none" strike="noStrike" dirty="0">
+                <a:solidFill>
+                  <a:schemeClr val="bg1">
+                    <a:lumMod val="50000"/>
+                  </a:schemeClr>
+                </a:solidFill>
+                <a:effectLst/>
+                <a:latin typeface="SFMono-Regular"/>
+              </a:rPr>
+              <a:t># Create a tsibble </a:t>
+            </a:r>
+            <a:r>
+              <a:rPr lang="de-DE" sz="2000" b="0" i="0" u="none" strike="noStrike" dirty="0" err="1">
+                <a:solidFill>
+                  <a:schemeClr val="bg1">
+                    <a:lumMod val="50000"/>
+                  </a:schemeClr>
+                </a:solidFill>
+                <a:effectLst/>
+                <a:latin typeface="SFMono-Regular"/>
+              </a:rPr>
+              <a:t>object</a:t>
+            </a:r>
+            <a:r>
+              <a:rPr lang="de-DE" sz="2000" b="0" i="0" u="none" strike="noStrike" dirty="0">
+                <a:solidFill>
+                  <a:schemeClr val="bg1">
+                    <a:lumMod val="50000"/>
+                  </a:schemeClr>
+                </a:solidFill>
+                <a:effectLst/>
+                <a:latin typeface="SFMono-Regular"/>
+              </a:rPr>
+              <a:t> </a:t>
+            </a:r>
+            <a:r>
+              <a:rPr lang="de-DE" sz="2000" b="0" i="0" u="none" strike="noStrike" dirty="0" err="1">
+                <a:solidFill>
+                  <a:schemeClr val="bg1">
+                    <a:lumMod val="50000"/>
+                  </a:schemeClr>
+                </a:solidFill>
+                <a:effectLst/>
+                <a:latin typeface="SFMono-Regular"/>
+              </a:rPr>
+              <a:t>from</a:t>
+            </a:r>
+            <a:r>
+              <a:rPr lang="de-DE" sz="2000" b="0" i="0" u="none" strike="noStrike" dirty="0">
+                <a:solidFill>
+                  <a:schemeClr val="bg1">
+                    <a:lumMod val="50000"/>
+                  </a:schemeClr>
+                </a:solidFill>
+                <a:effectLst/>
+                <a:latin typeface="SFMono-Regular"/>
+              </a:rPr>
+              <a:t> </a:t>
+            </a:r>
+            <a:r>
+              <a:rPr lang="de-DE" sz="2000" b="0" i="0" u="none" strike="noStrike" dirty="0" err="1">
+                <a:solidFill>
+                  <a:schemeClr val="bg1">
+                    <a:lumMod val="50000"/>
+                  </a:schemeClr>
+                </a:solidFill>
+                <a:effectLst/>
+                <a:latin typeface="SFMono-Regular"/>
+              </a:rPr>
+              <a:t>scratch</a:t>
+            </a:r>
+            <a:endParaRPr lang="de-DE" sz="2000" b="0" i="0" u="none" strike="noStrike" dirty="0">
+              <a:solidFill>
+                <a:schemeClr val="bg1">
+                  <a:lumMod val="50000"/>
+                </a:schemeClr>
+              </a:solidFill>
+              <a:effectLst/>
+              <a:latin typeface="SFMono-Regular"/>
+            </a:endParaRPr>
+          </a:p>
+          <a:p>
+            <a:pPr marL="0" indent="0">
+              <a:buNone/>
+            </a:pPr>
+            <a:r>
+              <a:rPr lang="de-DE" sz="2000" b="0" i="0" u="none" strike="noStrike" dirty="0" err="1">
+                <a:solidFill>
+                  <a:srgbClr val="333333"/>
+                </a:solidFill>
+                <a:effectLst/>
+                <a:latin typeface="SFMono-Regular"/>
+              </a:rPr>
+              <a:t>y</a:t>
+            </a:r>
+            <a:r>
+              <a:rPr lang="de-DE" sz="2000" b="0" i="0" u="none" strike="noStrike" dirty="0">
+                <a:solidFill>
+                  <a:srgbClr val="333333"/>
+                </a:solidFill>
+                <a:effectLst/>
+                <a:latin typeface="SFMono-Regular"/>
+              </a:rPr>
+              <a:t> &lt;- tsibble(</a:t>
+            </a:r>
+          </a:p>
+          <a:p>
+            <a:pPr marL="0" indent="0">
+              <a:buNone/>
+            </a:pPr>
+            <a:r>
+              <a:rPr lang="de-DE" sz="2000" b="0" i="0" u="none" strike="noStrike" dirty="0">
+                <a:solidFill>
+                  <a:srgbClr val="333333"/>
+                </a:solidFill>
+                <a:effectLst/>
+                <a:latin typeface="SFMono-Regular"/>
+              </a:rPr>
+              <a:t>  Year = 2015:2019,</a:t>
+            </a:r>
+          </a:p>
+          <a:p>
+            <a:pPr marL="0" indent="0">
+              <a:buNone/>
+            </a:pPr>
+            <a:r>
+              <a:rPr lang="de-DE" sz="2000" b="0" i="0" u="none" strike="noStrike" dirty="0">
+                <a:solidFill>
+                  <a:srgbClr val="333333"/>
+                </a:solidFill>
+                <a:effectLst/>
+                <a:latin typeface="SFMono-Regular"/>
+              </a:rPr>
+              <a:t>  Observation = c(123, 5, 78, 7, 110),</a:t>
+            </a:r>
+          </a:p>
+          <a:p>
+            <a:pPr marL="0" indent="0">
+              <a:buNone/>
+            </a:pPr>
+            <a:r>
+              <a:rPr lang="de-DE" sz="2000" b="0" i="0" u="none" strike="noStrike" dirty="0">
+                <a:solidFill>
+                  <a:srgbClr val="333333"/>
+                </a:solidFill>
+                <a:effectLst/>
+                <a:latin typeface="SFMono-Regular"/>
+              </a:rPr>
+              <a:t>  </a:t>
+            </a:r>
+            <a:r>
+              <a:rPr lang="de-DE" sz="2000" b="0" i="0" u="none" strike="noStrike" dirty="0" err="1">
+                <a:solidFill>
+                  <a:srgbClr val="333333"/>
+                </a:solidFill>
+                <a:effectLst/>
+                <a:latin typeface="SFMono-Regular"/>
+              </a:rPr>
+              <a:t>index</a:t>
+            </a:r>
+            <a:r>
+              <a:rPr lang="de-DE" sz="2000" b="0" i="0" u="none" strike="noStrike" dirty="0">
+                <a:solidFill>
+                  <a:srgbClr val="333333"/>
+                </a:solidFill>
+                <a:effectLst/>
+                <a:latin typeface="SFMono-Regular"/>
+              </a:rPr>
+              <a:t> = Year</a:t>
+            </a:r>
+          </a:p>
+          <a:p>
+            <a:pPr marL="0" indent="0">
+              <a:buNone/>
+            </a:pPr>
+            <a:r>
+              <a:rPr lang="de-DE" sz="2000" b="0" i="0" u="none" strike="noStrike" dirty="0">
+                <a:solidFill>
+                  <a:srgbClr val="333333"/>
+                </a:solidFill>
+                <a:effectLst/>
+                <a:latin typeface="SFMono-Regular"/>
+              </a:rPr>
+              <a:t>)</a:t>
+            </a:r>
+            <a:endParaRPr lang="en-GB" sz="2000" dirty="0"/>
           </a:p>
         </p:txBody>
       </p:sp>
@@ -7672,12 +7878,634 @@
             <p:ph idx="1"/>
           </p:nvPr>
         </p:nvSpPr>
-        <p:spPr/>
-        <p:txBody>
-          <a:bodyPr/>
+        <p:spPr>
+          <a:xfrm>
+            <a:off x="896418" y="1697036"/>
+            <a:ext cx="8005763" cy="388938"/>
+          </a:xfrm>
+          <a:solidFill>
+            <a:schemeClr val="bg1">
+              <a:lumMod val="95000"/>
+            </a:schemeClr>
+          </a:solidFill>
+        </p:spPr>
+        <p:txBody>
+          <a:bodyPr>
+            <a:normAutofit/>
+          </a:bodyPr>
           <a:lstStyle/>
           <a:p>
-            <a:endParaRPr lang="en-GB"/>
+            <a:pPr marL="0" indent="0">
+              <a:buNone/>
+            </a:pPr>
+            <a:r>
+              <a:rPr lang="de-DE" sz="2000" b="0" i="0" u="none" strike="noStrike" dirty="0" err="1">
+                <a:solidFill>
+                  <a:srgbClr val="333333"/>
+                </a:solidFill>
+                <a:effectLst/>
+                <a:latin typeface="SFMono-Regular"/>
+              </a:rPr>
+              <a:t>tourism</a:t>
+            </a:r>
+            <a:endParaRPr lang="en-GB" sz="2000" dirty="0"/>
+          </a:p>
+        </p:txBody>
+      </p:sp>
+      <p:sp>
+        <p:nvSpPr>
+          <p:cNvPr id="4" name="Inhaltsplatzhalter 2">
+            <a:extLst>
+              <a:ext uri="{FF2B5EF4-FFF2-40B4-BE49-F238E27FC236}">
+                <a16:creationId xmlns:a16="http://schemas.microsoft.com/office/drawing/2014/main" id="{3BBADA47-A92A-A33F-3A27-131E68695AB2}"/>
+              </a:ext>
+            </a:extLst>
+          </p:cNvPr>
+          <p:cNvSpPr txBox="1">
+            <a:spLocks/>
+          </p:cNvSpPr>
+          <p:nvPr/>
+        </p:nvSpPr>
+        <p:spPr>
+          <a:xfrm>
+            <a:off x="896416" y="2214562"/>
+            <a:ext cx="8005763" cy="1720852"/>
+          </a:xfrm>
+          <a:prstGeom prst="rect">
+            <a:avLst/>
+          </a:prstGeom>
+          <a:solidFill>
+            <a:schemeClr val="bg1">
+              <a:lumMod val="95000"/>
+            </a:schemeClr>
+          </a:solidFill>
+        </p:spPr>
+        <p:txBody>
+          <a:bodyPr vert="horz" lIns="91440" tIns="45720" rIns="91440" bIns="45720" rtlCol="0">
+            <a:noAutofit/>
+          </a:bodyPr>
+          <a:lstStyle>
+            <a:lvl1pPr marL="228600" indent="-228600" algn="l" defTabSz="914400" rtl="0" eaLnBrk="1" latinLnBrk="0" hangingPunct="1">
+              <a:lnSpc>
+                <a:spcPct val="90000"/>
+              </a:lnSpc>
+              <a:spcBef>
+                <a:spcPts val="1000"/>
+              </a:spcBef>
+              <a:buFont typeface="Arial" panose="020B0604020202020204" pitchFamily="34" charset="0"/>
+              <a:buChar char="•"/>
+              <a:defRPr sz="2800" kern="1200">
+                <a:solidFill>
+                  <a:schemeClr val="tx1"/>
+                </a:solidFill>
+                <a:latin typeface="+mn-lt"/>
+                <a:ea typeface="+mn-ea"/>
+                <a:cs typeface="+mn-cs"/>
+              </a:defRPr>
+            </a:lvl1pPr>
+            <a:lvl2pPr marL="685800" indent="-228600" algn="l" defTabSz="914400" rtl="0" eaLnBrk="1" latinLnBrk="0" hangingPunct="1">
+              <a:lnSpc>
+                <a:spcPct val="90000"/>
+              </a:lnSpc>
+              <a:spcBef>
+                <a:spcPts val="500"/>
+              </a:spcBef>
+              <a:buFont typeface="Arial" panose="020B0604020202020204" pitchFamily="34" charset="0"/>
+              <a:buChar char="•"/>
+              <a:defRPr sz="2400" kern="1200">
+                <a:solidFill>
+                  <a:schemeClr val="tx1"/>
+                </a:solidFill>
+                <a:latin typeface="+mn-lt"/>
+                <a:ea typeface="+mn-ea"/>
+                <a:cs typeface="+mn-cs"/>
+              </a:defRPr>
+            </a:lvl2pPr>
+            <a:lvl3pPr marL="1143000" indent="-228600" algn="l" defTabSz="914400" rtl="0" eaLnBrk="1" latinLnBrk="0" hangingPunct="1">
+              <a:lnSpc>
+                <a:spcPct val="90000"/>
+              </a:lnSpc>
+              <a:spcBef>
+                <a:spcPts val="500"/>
+              </a:spcBef>
+              <a:buFont typeface="Arial" panose="020B0604020202020204" pitchFamily="34" charset="0"/>
+              <a:buChar char="•"/>
+              <a:defRPr sz="2000" kern="1200">
+                <a:solidFill>
+                  <a:schemeClr val="tx1"/>
+                </a:solidFill>
+                <a:latin typeface="+mn-lt"/>
+                <a:ea typeface="+mn-ea"/>
+                <a:cs typeface="+mn-cs"/>
+              </a:defRPr>
+            </a:lvl3pPr>
+            <a:lvl4pPr marL="1600200" indent="-228600" algn="l" defTabSz="914400" rtl="0" eaLnBrk="1" latinLnBrk="0" hangingPunct="1">
+              <a:lnSpc>
+                <a:spcPct val="90000"/>
+              </a:lnSpc>
+              <a:spcBef>
+                <a:spcPts val="500"/>
+              </a:spcBef>
+              <a:buFont typeface="Arial" panose="020B0604020202020204" pitchFamily="34" charset="0"/>
+              <a:buChar char="•"/>
+              <a:defRPr sz="1800" kern="1200">
+                <a:solidFill>
+                  <a:schemeClr val="tx1"/>
+                </a:solidFill>
+                <a:latin typeface="+mn-lt"/>
+                <a:ea typeface="+mn-ea"/>
+                <a:cs typeface="+mn-cs"/>
+              </a:defRPr>
+            </a:lvl4pPr>
+            <a:lvl5pPr marL="2057400" indent="-228600" algn="l" defTabSz="914400" rtl="0" eaLnBrk="1" latinLnBrk="0" hangingPunct="1">
+              <a:lnSpc>
+                <a:spcPct val="90000"/>
+              </a:lnSpc>
+              <a:spcBef>
+                <a:spcPts val="500"/>
+              </a:spcBef>
+              <a:buFont typeface="Arial" panose="020B0604020202020204" pitchFamily="34" charset="0"/>
+              <a:buChar char="•"/>
+              <a:defRPr sz="1800" kern="1200">
+                <a:solidFill>
+                  <a:schemeClr val="tx1"/>
+                </a:solidFill>
+                <a:latin typeface="+mn-lt"/>
+                <a:ea typeface="+mn-ea"/>
+                <a:cs typeface="+mn-cs"/>
+              </a:defRPr>
+            </a:lvl5pPr>
+            <a:lvl6pPr marL="2514600" indent="-228600" algn="l" defTabSz="914400" rtl="0" eaLnBrk="1" latinLnBrk="0" hangingPunct="1">
+              <a:lnSpc>
+                <a:spcPct val="90000"/>
+              </a:lnSpc>
+              <a:spcBef>
+                <a:spcPts val="500"/>
+              </a:spcBef>
+              <a:buFont typeface="Arial" panose="020B0604020202020204" pitchFamily="34" charset="0"/>
+              <a:buChar char="•"/>
+              <a:defRPr sz="1800" kern="1200">
+                <a:solidFill>
+                  <a:schemeClr val="tx1"/>
+                </a:solidFill>
+                <a:latin typeface="+mn-lt"/>
+                <a:ea typeface="+mn-ea"/>
+                <a:cs typeface="+mn-cs"/>
+              </a:defRPr>
+            </a:lvl6pPr>
+            <a:lvl7pPr marL="2971800" indent="-228600" algn="l" defTabSz="914400" rtl="0" eaLnBrk="1" latinLnBrk="0" hangingPunct="1">
+              <a:lnSpc>
+                <a:spcPct val="90000"/>
+              </a:lnSpc>
+              <a:spcBef>
+                <a:spcPts val="500"/>
+              </a:spcBef>
+              <a:buFont typeface="Arial" panose="020B0604020202020204" pitchFamily="34" charset="0"/>
+              <a:buChar char="•"/>
+              <a:defRPr sz="1800" kern="1200">
+                <a:solidFill>
+                  <a:schemeClr val="tx1"/>
+                </a:solidFill>
+                <a:latin typeface="+mn-lt"/>
+                <a:ea typeface="+mn-ea"/>
+                <a:cs typeface="+mn-cs"/>
+              </a:defRPr>
+            </a:lvl7pPr>
+            <a:lvl8pPr marL="3429000" indent="-228600" algn="l" defTabSz="914400" rtl="0" eaLnBrk="1" latinLnBrk="0" hangingPunct="1">
+              <a:lnSpc>
+                <a:spcPct val="90000"/>
+              </a:lnSpc>
+              <a:spcBef>
+                <a:spcPts val="500"/>
+              </a:spcBef>
+              <a:buFont typeface="Arial" panose="020B0604020202020204" pitchFamily="34" charset="0"/>
+              <a:buChar char="•"/>
+              <a:defRPr sz="1800" kern="1200">
+                <a:solidFill>
+                  <a:schemeClr val="tx1"/>
+                </a:solidFill>
+                <a:latin typeface="+mn-lt"/>
+                <a:ea typeface="+mn-ea"/>
+                <a:cs typeface="+mn-cs"/>
+              </a:defRPr>
+            </a:lvl8pPr>
+            <a:lvl9pPr marL="3886200" indent="-228600" algn="l" defTabSz="914400" rtl="0" eaLnBrk="1" latinLnBrk="0" hangingPunct="1">
+              <a:lnSpc>
+                <a:spcPct val="90000"/>
+              </a:lnSpc>
+              <a:spcBef>
+                <a:spcPts val="500"/>
+              </a:spcBef>
+              <a:buFont typeface="Arial" panose="020B0604020202020204" pitchFamily="34" charset="0"/>
+              <a:buChar char="•"/>
+              <a:defRPr sz="1800" kern="1200">
+                <a:solidFill>
+                  <a:schemeClr val="tx1"/>
+                </a:solidFill>
+                <a:latin typeface="+mn-lt"/>
+                <a:ea typeface="+mn-ea"/>
+                <a:cs typeface="+mn-cs"/>
+              </a:defRPr>
+            </a:lvl9pPr>
+          </a:lstStyle>
+          <a:p>
+            <a:pPr marL="0" indent="0">
+              <a:buFont typeface="Arial" panose="020B0604020202020204" pitchFamily="34" charset="0"/>
+              <a:buNone/>
+            </a:pPr>
+            <a:r>
+              <a:rPr lang="de-DE" sz="2000" dirty="0">
+                <a:solidFill>
+                  <a:schemeClr val="bg1">
+                    <a:lumMod val="50000"/>
+                  </a:schemeClr>
+                </a:solidFill>
+                <a:latin typeface="SFMono-Regular"/>
+              </a:rPr>
+              <a:t># Data Manipulation</a:t>
+            </a:r>
+          </a:p>
+          <a:p>
+            <a:pPr marL="0" indent="0">
+              <a:buFont typeface="Arial" panose="020B0604020202020204" pitchFamily="34" charset="0"/>
+              <a:buNone/>
+            </a:pPr>
+            <a:r>
+              <a:rPr lang="de-DE" sz="2000" dirty="0" err="1">
+                <a:solidFill>
+                  <a:srgbClr val="333333"/>
+                </a:solidFill>
+                <a:latin typeface="SFMono-Regular"/>
+              </a:rPr>
+              <a:t>tourism_t_trips</a:t>
+            </a:r>
+            <a:r>
+              <a:rPr lang="de-DE" sz="2000" dirty="0">
+                <a:solidFill>
+                  <a:srgbClr val="333333"/>
+                </a:solidFill>
+                <a:latin typeface="SFMono-Regular"/>
+              </a:rPr>
+              <a:t> &lt;- </a:t>
+            </a:r>
+            <a:r>
+              <a:rPr lang="de-DE" sz="2000" dirty="0" err="1">
+                <a:solidFill>
+                  <a:srgbClr val="333333"/>
+                </a:solidFill>
+                <a:latin typeface="SFMono-Regular"/>
+              </a:rPr>
+              <a:t>tourism</a:t>
+            </a:r>
+            <a:r>
+              <a:rPr lang="de-DE" sz="2000" dirty="0">
+                <a:solidFill>
+                  <a:srgbClr val="333333"/>
+                </a:solidFill>
+                <a:latin typeface="SFMono-Regular"/>
+              </a:rPr>
+              <a:t> %&gt;% </a:t>
+            </a:r>
+          </a:p>
+          <a:p>
+            <a:pPr marL="0" indent="0">
+              <a:buFont typeface="Arial" panose="020B0604020202020204" pitchFamily="34" charset="0"/>
+              <a:buNone/>
+            </a:pPr>
+            <a:r>
+              <a:rPr lang="de-DE" sz="2000" dirty="0">
+                <a:solidFill>
+                  <a:srgbClr val="333333"/>
+                </a:solidFill>
+                <a:latin typeface="SFMono-Regular"/>
+              </a:rPr>
+              <a:t>  </a:t>
+            </a:r>
+            <a:r>
+              <a:rPr lang="de-DE" sz="2000" dirty="0" err="1">
+                <a:solidFill>
+                  <a:srgbClr val="333333"/>
+                </a:solidFill>
+                <a:latin typeface="SFMono-Regular"/>
+              </a:rPr>
+              <a:t>summarise</a:t>
+            </a:r>
+            <a:r>
+              <a:rPr lang="de-DE" sz="2000" dirty="0">
+                <a:solidFill>
+                  <a:srgbClr val="333333"/>
+                </a:solidFill>
+                <a:latin typeface="SFMono-Regular"/>
+              </a:rPr>
+              <a:t>(Trips = </a:t>
+            </a:r>
+            <a:r>
+              <a:rPr lang="de-DE" sz="2000" dirty="0" err="1">
+                <a:solidFill>
+                  <a:srgbClr val="333333"/>
+                </a:solidFill>
+                <a:latin typeface="SFMono-Regular"/>
+              </a:rPr>
+              <a:t>sum</a:t>
+            </a:r>
+            <a:r>
+              <a:rPr lang="de-DE" sz="2000" dirty="0">
+                <a:solidFill>
+                  <a:srgbClr val="333333"/>
+                </a:solidFill>
+                <a:latin typeface="SFMono-Regular"/>
+              </a:rPr>
+              <a:t>(Trips))</a:t>
+            </a:r>
+          </a:p>
+          <a:p>
+            <a:pPr marL="0" indent="0">
+              <a:buFont typeface="Arial" panose="020B0604020202020204" pitchFamily="34" charset="0"/>
+              <a:buNone/>
+            </a:pPr>
+            <a:r>
+              <a:rPr lang="de-DE" sz="2000" dirty="0" err="1">
+                <a:solidFill>
+                  <a:srgbClr val="333333"/>
+                </a:solidFill>
+                <a:latin typeface="SFMono-Regular"/>
+              </a:rPr>
+              <a:t>tourism_t_trips</a:t>
+            </a:r>
+            <a:endParaRPr lang="en-GB" sz="2000" dirty="0"/>
+          </a:p>
+        </p:txBody>
+      </p:sp>
+      <p:sp>
+        <p:nvSpPr>
+          <p:cNvPr id="5" name="Inhaltsplatzhalter 2">
+            <a:extLst>
+              <a:ext uri="{FF2B5EF4-FFF2-40B4-BE49-F238E27FC236}">
+                <a16:creationId xmlns:a16="http://schemas.microsoft.com/office/drawing/2014/main" id="{5BAB8254-AE14-AB88-23DD-88BDF54CA4F6}"/>
+              </a:ext>
+            </a:extLst>
+          </p:cNvPr>
+          <p:cNvSpPr txBox="1">
+            <a:spLocks/>
+          </p:cNvSpPr>
+          <p:nvPr/>
+        </p:nvSpPr>
+        <p:spPr>
+          <a:xfrm>
+            <a:off x="896417" y="4064002"/>
+            <a:ext cx="8005763" cy="1203326"/>
+          </a:xfrm>
+          <a:prstGeom prst="rect">
+            <a:avLst/>
+          </a:prstGeom>
+          <a:solidFill>
+            <a:schemeClr val="bg1">
+              <a:lumMod val="95000"/>
+            </a:schemeClr>
+          </a:solidFill>
+        </p:spPr>
+        <p:txBody>
+          <a:bodyPr vert="horz" lIns="91440" tIns="45720" rIns="91440" bIns="45720" rtlCol="0">
+            <a:noAutofit/>
+          </a:bodyPr>
+          <a:lstStyle>
+            <a:lvl1pPr marL="228600" indent="-228600" algn="l" defTabSz="914400" rtl="0" eaLnBrk="1" latinLnBrk="0" hangingPunct="1">
+              <a:lnSpc>
+                <a:spcPct val="90000"/>
+              </a:lnSpc>
+              <a:spcBef>
+                <a:spcPts val="1000"/>
+              </a:spcBef>
+              <a:buFont typeface="Arial" panose="020B0604020202020204" pitchFamily="34" charset="0"/>
+              <a:buChar char="•"/>
+              <a:defRPr sz="2800" kern="1200">
+                <a:solidFill>
+                  <a:schemeClr val="tx1"/>
+                </a:solidFill>
+                <a:latin typeface="+mn-lt"/>
+                <a:ea typeface="+mn-ea"/>
+                <a:cs typeface="+mn-cs"/>
+              </a:defRPr>
+            </a:lvl1pPr>
+            <a:lvl2pPr marL="685800" indent="-228600" algn="l" defTabSz="914400" rtl="0" eaLnBrk="1" latinLnBrk="0" hangingPunct="1">
+              <a:lnSpc>
+                <a:spcPct val="90000"/>
+              </a:lnSpc>
+              <a:spcBef>
+                <a:spcPts val="500"/>
+              </a:spcBef>
+              <a:buFont typeface="Arial" panose="020B0604020202020204" pitchFamily="34" charset="0"/>
+              <a:buChar char="•"/>
+              <a:defRPr sz="2400" kern="1200">
+                <a:solidFill>
+                  <a:schemeClr val="tx1"/>
+                </a:solidFill>
+                <a:latin typeface="+mn-lt"/>
+                <a:ea typeface="+mn-ea"/>
+                <a:cs typeface="+mn-cs"/>
+              </a:defRPr>
+            </a:lvl2pPr>
+            <a:lvl3pPr marL="1143000" indent="-228600" algn="l" defTabSz="914400" rtl="0" eaLnBrk="1" latinLnBrk="0" hangingPunct="1">
+              <a:lnSpc>
+                <a:spcPct val="90000"/>
+              </a:lnSpc>
+              <a:spcBef>
+                <a:spcPts val="500"/>
+              </a:spcBef>
+              <a:buFont typeface="Arial" panose="020B0604020202020204" pitchFamily="34" charset="0"/>
+              <a:buChar char="•"/>
+              <a:defRPr sz="2000" kern="1200">
+                <a:solidFill>
+                  <a:schemeClr val="tx1"/>
+                </a:solidFill>
+                <a:latin typeface="+mn-lt"/>
+                <a:ea typeface="+mn-ea"/>
+                <a:cs typeface="+mn-cs"/>
+              </a:defRPr>
+            </a:lvl3pPr>
+            <a:lvl4pPr marL="1600200" indent="-228600" algn="l" defTabSz="914400" rtl="0" eaLnBrk="1" latinLnBrk="0" hangingPunct="1">
+              <a:lnSpc>
+                <a:spcPct val="90000"/>
+              </a:lnSpc>
+              <a:spcBef>
+                <a:spcPts val="500"/>
+              </a:spcBef>
+              <a:buFont typeface="Arial" panose="020B0604020202020204" pitchFamily="34" charset="0"/>
+              <a:buChar char="•"/>
+              <a:defRPr sz="1800" kern="1200">
+                <a:solidFill>
+                  <a:schemeClr val="tx1"/>
+                </a:solidFill>
+                <a:latin typeface="+mn-lt"/>
+                <a:ea typeface="+mn-ea"/>
+                <a:cs typeface="+mn-cs"/>
+              </a:defRPr>
+            </a:lvl4pPr>
+            <a:lvl5pPr marL="2057400" indent="-228600" algn="l" defTabSz="914400" rtl="0" eaLnBrk="1" latinLnBrk="0" hangingPunct="1">
+              <a:lnSpc>
+                <a:spcPct val="90000"/>
+              </a:lnSpc>
+              <a:spcBef>
+                <a:spcPts val="500"/>
+              </a:spcBef>
+              <a:buFont typeface="Arial" panose="020B0604020202020204" pitchFamily="34" charset="0"/>
+              <a:buChar char="•"/>
+              <a:defRPr sz="1800" kern="1200">
+                <a:solidFill>
+                  <a:schemeClr val="tx1"/>
+                </a:solidFill>
+                <a:latin typeface="+mn-lt"/>
+                <a:ea typeface="+mn-ea"/>
+                <a:cs typeface="+mn-cs"/>
+              </a:defRPr>
+            </a:lvl5pPr>
+            <a:lvl6pPr marL="2514600" indent="-228600" algn="l" defTabSz="914400" rtl="0" eaLnBrk="1" latinLnBrk="0" hangingPunct="1">
+              <a:lnSpc>
+                <a:spcPct val="90000"/>
+              </a:lnSpc>
+              <a:spcBef>
+                <a:spcPts val="500"/>
+              </a:spcBef>
+              <a:buFont typeface="Arial" panose="020B0604020202020204" pitchFamily="34" charset="0"/>
+              <a:buChar char="•"/>
+              <a:defRPr sz="1800" kern="1200">
+                <a:solidFill>
+                  <a:schemeClr val="tx1"/>
+                </a:solidFill>
+                <a:latin typeface="+mn-lt"/>
+                <a:ea typeface="+mn-ea"/>
+                <a:cs typeface="+mn-cs"/>
+              </a:defRPr>
+            </a:lvl6pPr>
+            <a:lvl7pPr marL="2971800" indent="-228600" algn="l" defTabSz="914400" rtl="0" eaLnBrk="1" latinLnBrk="0" hangingPunct="1">
+              <a:lnSpc>
+                <a:spcPct val="90000"/>
+              </a:lnSpc>
+              <a:spcBef>
+                <a:spcPts val="500"/>
+              </a:spcBef>
+              <a:buFont typeface="Arial" panose="020B0604020202020204" pitchFamily="34" charset="0"/>
+              <a:buChar char="•"/>
+              <a:defRPr sz="1800" kern="1200">
+                <a:solidFill>
+                  <a:schemeClr val="tx1"/>
+                </a:solidFill>
+                <a:latin typeface="+mn-lt"/>
+                <a:ea typeface="+mn-ea"/>
+                <a:cs typeface="+mn-cs"/>
+              </a:defRPr>
+            </a:lvl7pPr>
+            <a:lvl8pPr marL="3429000" indent="-228600" algn="l" defTabSz="914400" rtl="0" eaLnBrk="1" latinLnBrk="0" hangingPunct="1">
+              <a:lnSpc>
+                <a:spcPct val="90000"/>
+              </a:lnSpc>
+              <a:spcBef>
+                <a:spcPts val="500"/>
+              </a:spcBef>
+              <a:buFont typeface="Arial" panose="020B0604020202020204" pitchFamily="34" charset="0"/>
+              <a:buChar char="•"/>
+              <a:defRPr sz="1800" kern="1200">
+                <a:solidFill>
+                  <a:schemeClr val="tx1"/>
+                </a:solidFill>
+                <a:latin typeface="+mn-lt"/>
+                <a:ea typeface="+mn-ea"/>
+                <a:cs typeface="+mn-cs"/>
+              </a:defRPr>
+            </a:lvl8pPr>
+            <a:lvl9pPr marL="3886200" indent="-228600" algn="l" defTabSz="914400" rtl="0" eaLnBrk="1" latinLnBrk="0" hangingPunct="1">
+              <a:lnSpc>
+                <a:spcPct val="90000"/>
+              </a:lnSpc>
+              <a:spcBef>
+                <a:spcPts val="500"/>
+              </a:spcBef>
+              <a:buFont typeface="Arial" panose="020B0604020202020204" pitchFamily="34" charset="0"/>
+              <a:buChar char="•"/>
+              <a:defRPr sz="1800" kern="1200">
+                <a:solidFill>
+                  <a:schemeClr val="tx1"/>
+                </a:solidFill>
+                <a:latin typeface="+mn-lt"/>
+                <a:ea typeface="+mn-ea"/>
+                <a:cs typeface="+mn-cs"/>
+              </a:defRPr>
+            </a:lvl9pPr>
+          </a:lstStyle>
+          <a:p>
+            <a:pPr marL="0" indent="0">
+              <a:buFont typeface="Arial" panose="020B0604020202020204" pitchFamily="34" charset="0"/>
+              <a:buNone/>
+            </a:pPr>
+            <a:r>
+              <a:rPr lang="de-DE" sz="2000" dirty="0">
+                <a:solidFill>
+                  <a:schemeClr val="bg1">
+                    <a:lumMod val="50000"/>
+                  </a:schemeClr>
+                </a:solidFill>
+                <a:latin typeface="SFMono-Regular"/>
+              </a:rPr>
+              <a:t># Data Exploration</a:t>
+            </a:r>
+          </a:p>
+          <a:p>
+            <a:pPr marL="0" indent="0">
+              <a:buFont typeface="Arial" panose="020B0604020202020204" pitchFamily="34" charset="0"/>
+              <a:buNone/>
+            </a:pPr>
+            <a:r>
+              <a:rPr lang="de-DE" sz="2000" dirty="0" err="1">
+                <a:solidFill>
+                  <a:srgbClr val="333333"/>
+                </a:solidFill>
+                <a:latin typeface="SFMono-Regular"/>
+              </a:rPr>
+              <a:t>tourism_total_trips</a:t>
+            </a:r>
+            <a:r>
+              <a:rPr lang="de-DE" sz="2000" dirty="0">
+                <a:solidFill>
+                  <a:srgbClr val="333333"/>
+                </a:solidFill>
+                <a:latin typeface="SFMono-Regular"/>
+              </a:rPr>
+              <a:t> %&gt;% </a:t>
+            </a:r>
+          </a:p>
+          <a:p>
+            <a:pPr marL="0" indent="0">
+              <a:buFont typeface="Arial" panose="020B0604020202020204" pitchFamily="34" charset="0"/>
+              <a:buNone/>
+            </a:pPr>
+            <a:r>
+              <a:rPr lang="de-DE" sz="2000" dirty="0">
+                <a:solidFill>
+                  <a:srgbClr val="333333"/>
+                </a:solidFill>
+                <a:latin typeface="SFMono-Regular"/>
+              </a:rPr>
+              <a:t>  </a:t>
+            </a:r>
+            <a:r>
+              <a:rPr lang="de-DE" sz="2000" dirty="0" err="1">
+                <a:solidFill>
+                  <a:srgbClr val="333333"/>
+                </a:solidFill>
+                <a:latin typeface="SFMono-Regular"/>
+              </a:rPr>
+              <a:t>autoplot</a:t>
+            </a:r>
+            <a:r>
+              <a:rPr lang="de-DE" sz="2000" dirty="0">
+                <a:solidFill>
+                  <a:srgbClr val="333333"/>
+                </a:solidFill>
+                <a:latin typeface="SFMono-Regular"/>
+              </a:rPr>
+              <a:t>(Trips)</a:t>
+            </a:r>
+            <a:endParaRPr lang="en-GB" sz="2000" dirty="0"/>
           </a:p>
         </p:txBody>
       </p:sp>
@@ -7741,26 +8569,876 @@
       </p:sp>
       <p:sp>
         <p:nvSpPr>
-          <p:cNvPr id="3" name="Inhaltsplatzhalter 2">
-            <a:extLst>
-              <a:ext uri="{FF2B5EF4-FFF2-40B4-BE49-F238E27FC236}">
-                <a16:creationId xmlns:a16="http://schemas.microsoft.com/office/drawing/2014/main" id="{CAF59ED2-88B3-217E-DEDB-FF2850AE7EA2}"/>
-              </a:ext>
-            </a:extLst>
-          </p:cNvPr>
-          <p:cNvSpPr>
-            <a:spLocks noGrp="1"/>
-          </p:cNvSpPr>
-          <p:nvPr>
-            <p:ph idx="1"/>
-          </p:nvPr>
-        </p:nvSpPr>
-        <p:spPr/>
-        <p:txBody>
-          <a:bodyPr/>
-          <a:lstStyle/>
-          <a:p>
-            <a:endParaRPr lang="en-GB"/>
+          <p:cNvPr id="4" name="Inhaltsplatzhalter 2">
+            <a:extLst>
+              <a:ext uri="{FF2B5EF4-FFF2-40B4-BE49-F238E27FC236}">
+                <a16:creationId xmlns:a16="http://schemas.microsoft.com/office/drawing/2014/main" id="{28A58ABB-CFB8-4992-1CC2-3BDE01BB5B9B}"/>
+              </a:ext>
+            </a:extLst>
+          </p:cNvPr>
+          <p:cNvSpPr txBox="1">
+            <a:spLocks/>
+          </p:cNvSpPr>
+          <p:nvPr/>
+        </p:nvSpPr>
+        <p:spPr>
+          <a:xfrm>
+            <a:off x="838200" y="1443037"/>
+            <a:ext cx="8005763" cy="2857502"/>
+          </a:xfrm>
+          <a:prstGeom prst="rect">
+            <a:avLst/>
+          </a:prstGeom>
+          <a:solidFill>
+            <a:schemeClr val="bg1">
+              <a:lumMod val="95000"/>
+            </a:schemeClr>
+          </a:solidFill>
+        </p:spPr>
+        <p:txBody>
+          <a:bodyPr vert="horz" lIns="91440" tIns="45720" rIns="91440" bIns="45720" rtlCol="0">
+            <a:noAutofit/>
+          </a:bodyPr>
+          <a:lstStyle>
+            <a:lvl1pPr marL="228600" indent="-228600" algn="l" defTabSz="914400" rtl="0" eaLnBrk="1" latinLnBrk="0" hangingPunct="1">
+              <a:lnSpc>
+                <a:spcPct val="90000"/>
+              </a:lnSpc>
+              <a:spcBef>
+                <a:spcPts val="1000"/>
+              </a:spcBef>
+              <a:buFont typeface="Arial" panose="020B0604020202020204" pitchFamily="34" charset="0"/>
+              <a:buChar char="•"/>
+              <a:defRPr sz="2800" kern="1200">
+                <a:solidFill>
+                  <a:schemeClr val="tx1"/>
+                </a:solidFill>
+                <a:latin typeface="+mn-lt"/>
+                <a:ea typeface="+mn-ea"/>
+                <a:cs typeface="+mn-cs"/>
+              </a:defRPr>
+            </a:lvl1pPr>
+            <a:lvl2pPr marL="685800" indent="-228600" algn="l" defTabSz="914400" rtl="0" eaLnBrk="1" latinLnBrk="0" hangingPunct="1">
+              <a:lnSpc>
+                <a:spcPct val="90000"/>
+              </a:lnSpc>
+              <a:spcBef>
+                <a:spcPts val="500"/>
+              </a:spcBef>
+              <a:buFont typeface="Arial" panose="020B0604020202020204" pitchFamily="34" charset="0"/>
+              <a:buChar char="•"/>
+              <a:defRPr sz="2400" kern="1200">
+                <a:solidFill>
+                  <a:schemeClr val="tx1"/>
+                </a:solidFill>
+                <a:latin typeface="+mn-lt"/>
+                <a:ea typeface="+mn-ea"/>
+                <a:cs typeface="+mn-cs"/>
+              </a:defRPr>
+            </a:lvl2pPr>
+            <a:lvl3pPr marL="1143000" indent="-228600" algn="l" defTabSz="914400" rtl="0" eaLnBrk="1" latinLnBrk="0" hangingPunct="1">
+              <a:lnSpc>
+                <a:spcPct val="90000"/>
+              </a:lnSpc>
+              <a:spcBef>
+                <a:spcPts val="500"/>
+              </a:spcBef>
+              <a:buFont typeface="Arial" panose="020B0604020202020204" pitchFamily="34" charset="0"/>
+              <a:buChar char="•"/>
+              <a:defRPr sz="2000" kern="1200">
+                <a:solidFill>
+                  <a:schemeClr val="tx1"/>
+                </a:solidFill>
+                <a:latin typeface="+mn-lt"/>
+                <a:ea typeface="+mn-ea"/>
+                <a:cs typeface="+mn-cs"/>
+              </a:defRPr>
+            </a:lvl3pPr>
+            <a:lvl4pPr marL="1600200" indent="-228600" algn="l" defTabSz="914400" rtl="0" eaLnBrk="1" latinLnBrk="0" hangingPunct="1">
+              <a:lnSpc>
+                <a:spcPct val="90000"/>
+              </a:lnSpc>
+              <a:spcBef>
+                <a:spcPts val="500"/>
+              </a:spcBef>
+              <a:buFont typeface="Arial" panose="020B0604020202020204" pitchFamily="34" charset="0"/>
+              <a:buChar char="•"/>
+              <a:defRPr sz="1800" kern="1200">
+                <a:solidFill>
+                  <a:schemeClr val="tx1"/>
+                </a:solidFill>
+                <a:latin typeface="+mn-lt"/>
+                <a:ea typeface="+mn-ea"/>
+                <a:cs typeface="+mn-cs"/>
+              </a:defRPr>
+            </a:lvl4pPr>
+            <a:lvl5pPr marL="2057400" indent="-228600" algn="l" defTabSz="914400" rtl="0" eaLnBrk="1" latinLnBrk="0" hangingPunct="1">
+              <a:lnSpc>
+                <a:spcPct val="90000"/>
+              </a:lnSpc>
+              <a:spcBef>
+                <a:spcPts val="500"/>
+              </a:spcBef>
+              <a:buFont typeface="Arial" panose="020B0604020202020204" pitchFamily="34" charset="0"/>
+              <a:buChar char="•"/>
+              <a:defRPr sz="1800" kern="1200">
+                <a:solidFill>
+                  <a:schemeClr val="tx1"/>
+                </a:solidFill>
+                <a:latin typeface="+mn-lt"/>
+                <a:ea typeface="+mn-ea"/>
+                <a:cs typeface="+mn-cs"/>
+              </a:defRPr>
+            </a:lvl5pPr>
+            <a:lvl6pPr marL="2514600" indent="-228600" algn="l" defTabSz="914400" rtl="0" eaLnBrk="1" latinLnBrk="0" hangingPunct="1">
+              <a:lnSpc>
+                <a:spcPct val="90000"/>
+              </a:lnSpc>
+              <a:spcBef>
+                <a:spcPts val="500"/>
+              </a:spcBef>
+              <a:buFont typeface="Arial" panose="020B0604020202020204" pitchFamily="34" charset="0"/>
+              <a:buChar char="•"/>
+              <a:defRPr sz="1800" kern="1200">
+                <a:solidFill>
+                  <a:schemeClr val="tx1"/>
+                </a:solidFill>
+                <a:latin typeface="+mn-lt"/>
+                <a:ea typeface="+mn-ea"/>
+                <a:cs typeface="+mn-cs"/>
+              </a:defRPr>
+            </a:lvl6pPr>
+            <a:lvl7pPr marL="2971800" indent="-228600" algn="l" defTabSz="914400" rtl="0" eaLnBrk="1" latinLnBrk="0" hangingPunct="1">
+              <a:lnSpc>
+                <a:spcPct val="90000"/>
+              </a:lnSpc>
+              <a:spcBef>
+                <a:spcPts val="500"/>
+              </a:spcBef>
+              <a:buFont typeface="Arial" panose="020B0604020202020204" pitchFamily="34" charset="0"/>
+              <a:buChar char="•"/>
+              <a:defRPr sz="1800" kern="1200">
+                <a:solidFill>
+                  <a:schemeClr val="tx1"/>
+                </a:solidFill>
+                <a:latin typeface="+mn-lt"/>
+                <a:ea typeface="+mn-ea"/>
+                <a:cs typeface="+mn-cs"/>
+              </a:defRPr>
+            </a:lvl7pPr>
+            <a:lvl8pPr marL="3429000" indent="-228600" algn="l" defTabSz="914400" rtl="0" eaLnBrk="1" latinLnBrk="0" hangingPunct="1">
+              <a:lnSpc>
+                <a:spcPct val="90000"/>
+              </a:lnSpc>
+              <a:spcBef>
+                <a:spcPts val="500"/>
+              </a:spcBef>
+              <a:buFont typeface="Arial" panose="020B0604020202020204" pitchFamily="34" charset="0"/>
+              <a:buChar char="•"/>
+              <a:defRPr sz="1800" kern="1200">
+                <a:solidFill>
+                  <a:schemeClr val="tx1"/>
+                </a:solidFill>
+                <a:latin typeface="+mn-lt"/>
+                <a:ea typeface="+mn-ea"/>
+                <a:cs typeface="+mn-cs"/>
+              </a:defRPr>
+            </a:lvl8pPr>
+            <a:lvl9pPr marL="3886200" indent="-228600" algn="l" defTabSz="914400" rtl="0" eaLnBrk="1" latinLnBrk="0" hangingPunct="1">
+              <a:lnSpc>
+                <a:spcPct val="90000"/>
+              </a:lnSpc>
+              <a:spcBef>
+                <a:spcPts val="500"/>
+              </a:spcBef>
+              <a:buFont typeface="Arial" panose="020B0604020202020204" pitchFamily="34" charset="0"/>
+              <a:buChar char="•"/>
+              <a:defRPr sz="1800" kern="1200">
+                <a:solidFill>
+                  <a:schemeClr val="tx1"/>
+                </a:solidFill>
+                <a:latin typeface="+mn-lt"/>
+                <a:ea typeface="+mn-ea"/>
+                <a:cs typeface="+mn-cs"/>
+              </a:defRPr>
+            </a:lvl9pPr>
+          </a:lstStyle>
+          <a:p>
+            <a:pPr marL="0" indent="0">
+              <a:buFont typeface="Arial" panose="020B0604020202020204" pitchFamily="34" charset="0"/>
+              <a:buNone/>
+            </a:pPr>
+            <a:r>
+              <a:rPr lang="de-DE" sz="2000" dirty="0">
+                <a:solidFill>
+                  <a:schemeClr val="bg1">
+                    <a:lumMod val="50000"/>
+                  </a:schemeClr>
+                </a:solidFill>
+                <a:latin typeface="SFMono-Regular"/>
+              </a:rPr>
+              <a:t># </a:t>
+            </a:r>
+            <a:r>
+              <a:rPr lang="de-DE" sz="2000" dirty="0" err="1">
+                <a:solidFill>
+                  <a:schemeClr val="bg1">
+                    <a:lumMod val="50000"/>
+                  </a:schemeClr>
+                </a:solidFill>
+                <a:latin typeface="SFMono-Regular"/>
+              </a:rPr>
+              <a:t>Comparing</a:t>
+            </a:r>
+            <a:r>
+              <a:rPr lang="de-DE" sz="2000" dirty="0">
+                <a:solidFill>
+                  <a:schemeClr val="bg1">
+                    <a:lumMod val="50000"/>
+                  </a:schemeClr>
+                </a:solidFill>
+                <a:latin typeface="SFMono-Regular"/>
+              </a:rPr>
+              <a:t> multiple </a:t>
+            </a:r>
+            <a:r>
+              <a:rPr lang="de-DE" sz="2000" dirty="0" err="1">
+                <a:solidFill>
+                  <a:schemeClr val="bg1">
+                    <a:lumMod val="50000"/>
+                  </a:schemeClr>
+                </a:solidFill>
+                <a:latin typeface="SFMono-Regular"/>
+              </a:rPr>
+              <a:t>models</a:t>
+            </a:r>
+            <a:endParaRPr lang="de-DE" sz="2000" dirty="0">
+              <a:solidFill>
+                <a:schemeClr val="bg1">
+                  <a:lumMod val="50000"/>
+                </a:schemeClr>
+              </a:solidFill>
+              <a:latin typeface="SFMono-Regular"/>
+            </a:endParaRPr>
+          </a:p>
+          <a:p>
+            <a:pPr marL="0" indent="0">
+              <a:buFont typeface="Arial" panose="020B0604020202020204" pitchFamily="34" charset="0"/>
+              <a:buNone/>
+            </a:pPr>
+            <a:r>
+              <a:rPr lang="de-DE" sz="2000" dirty="0">
+                <a:solidFill>
+                  <a:srgbClr val="333333"/>
+                </a:solidFill>
+                <a:latin typeface="SFMono-Regular"/>
+              </a:rPr>
+              <a:t>fit &lt;- </a:t>
+            </a:r>
+            <a:r>
+              <a:rPr lang="de-DE" sz="2000" dirty="0" err="1">
+                <a:solidFill>
+                  <a:srgbClr val="333333"/>
+                </a:solidFill>
+                <a:latin typeface="SFMono-Regular"/>
+              </a:rPr>
+              <a:t>tourism_t_trips</a:t>
+            </a:r>
+            <a:r>
+              <a:rPr lang="de-DE" sz="2000" dirty="0">
+                <a:solidFill>
+                  <a:srgbClr val="333333"/>
+                </a:solidFill>
+                <a:latin typeface="SFMono-Regular"/>
+              </a:rPr>
+              <a:t> %&gt;% </a:t>
+            </a:r>
+          </a:p>
+          <a:p>
+            <a:pPr marL="0" indent="0">
+              <a:buFont typeface="Arial" panose="020B0604020202020204" pitchFamily="34" charset="0"/>
+              <a:buNone/>
+            </a:pPr>
+            <a:r>
+              <a:rPr lang="de-DE" sz="2000" dirty="0">
+                <a:solidFill>
+                  <a:srgbClr val="333333"/>
+                </a:solidFill>
+                <a:latin typeface="SFMono-Regular"/>
+              </a:rPr>
+              <a:t>  </a:t>
+            </a:r>
+            <a:r>
+              <a:rPr lang="de-DE" sz="2000" dirty="0" err="1">
+                <a:solidFill>
+                  <a:srgbClr val="333333"/>
+                </a:solidFill>
+                <a:latin typeface="SFMono-Regular"/>
+              </a:rPr>
+              <a:t>model</a:t>
+            </a:r>
+            <a:r>
+              <a:rPr lang="de-DE" sz="2000" dirty="0">
+                <a:solidFill>
+                  <a:srgbClr val="333333"/>
+                </a:solidFill>
+                <a:latin typeface="SFMono-Regular"/>
+              </a:rPr>
+              <a:t>(</a:t>
+            </a:r>
+          </a:p>
+          <a:p>
+            <a:pPr marL="0" indent="0">
+              <a:buFont typeface="Arial" panose="020B0604020202020204" pitchFamily="34" charset="0"/>
+              <a:buNone/>
+            </a:pPr>
+            <a:r>
+              <a:rPr lang="de-DE" sz="2000" dirty="0">
+                <a:solidFill>
+                  <a:srgbClr val="333333"/>
+                </a:solidFill>
+                <a:latin typeface="SFMono-Regular"/>
+              </a:rPr>
+              <a:t>    </a:t>
+            </a:r>
+            <a:r>
+              <a:rPr lang="de-DE" sz="2000" dirty="0" err="1">
+                <a:solidFill>
+                  <a:srgbClr val="333333"/>
+                </a:solidFill>
+                <a:latin typeface="SFMono-Regular"/>
+              </a:rPr>
+              <a:t>ets</a:t>
+            </a:r>
+            <a:r>
+              <a:rPr lang="de-DE" sz="2000" dirty="0">
+                <a:solidFill>
+                  <a:srgbClr val="333333"/>
+                </a:solidFill>
+                <a:latin typeface="SFMono-Regular"/>
+              </a:rPr>
+              <a:t> = ETS(Trips),</a:t>
+            </a:r>
+          </a:p>
+          <a:p>
+            <a:pPr marL="0" indent="0">
+              <a:buFont typeface="Arial" panose="020B0604020202020204" pitchFamily="34" charset="0"/>
+              <a:buNone/>
+            </a:pPr>
+            <a:r>
+              <a:rPr lang="de-DE" sz="2000" dirty="0">
+                <a:solidFill>
+                  <a:srgbClr val="333333"/>
+                </a:solidFill>
+                <a:latin typeface="SFMono-Regular"/>
+              </a:rPr>
+              <a:t>    </a:t>
+            </a:r>
+            <a:r>
+              <a:rPr lang="de-DE" sz="2000" dirty="0" err="1">
+                <a:solidFill>
+                  <a:srgbClr val="333333"/>
+                </a:solidFill>
+                <a:latin typeface="SFMono-Regular"/>
+              </a:rPr>
+              <a:t>arima</a:t>
+            </a:r>
+            <a:r>
+              <a:rPr lang="de-DE" sz="2000" dirty="0">
+                <a:solidFill>
+                  <a:srgbClr val="333333"/>
+                </a:solidFill>
+                <a:latin typeface="SFMono-Regular"/>
+              </a:rPr>
+              <a:t> = ARIMA(Trips),</a:t>
+            </a:r>
+          </a:p>
+          <a:p>
+            <a:pPr marL="0" indent="0">
+              <a:buFont typeface="Arial" panose="020B0604020202020204" pitchFamily="34" charset="0"/>
+              <a:buNone/>
+            </a:pPr>
+            <a:r>
+              <a:rPr lang="de-DE" sz="2000" dirty="0">
+                <a:solidFill>
+                  <a:srgbClr val="333333"/>
+                </a:solidFill>
+                <a:latin typeface="SFMono-Regular"/>
+              </a:rPr>
+              <a:t>    lm = TSLM(Trips ~ </a:t>
+            </a:r>
+            <a:r>
+              <a:rPr lang="de-DE" sz="2000" dirty="0" err="1">
+                <a:solidFill>
+                  <a:srgbClr val="333333"/>
+                </a:solidFill>
+                <a:latin typeface="SFMono-Regular"/>
+              </a:rPr>
+              <a:t>trend</a:t>
+            </a:r>
+            <a:r>
+              <a:rPr lang="de-DE" sz="2000" dirty="0">
+                <a:solidFill>
+                  <a:srgbClr val="333333"/>
+                </a:solidFill>
+                <a:latin typeface="SFMono-Regular"/>
+              </a:rPr>
+              <a:t>() + </a:t>
+            </a:r>
+            <a:r>
+              <a:rPr lang="de-DE" sz="2000" dirty="0" err="1">
+                <a:solidFill>
+                  <a:srgbClr val="333333"/>
+                </a:solidFill>
+                <a:latin typeface="SFMono-Regular"/>
+              </a:rPr>
+              <a:t>season</a:t>
+            </a:r>
+            <a:r>
+              <a:rPr lang="de-DE" sz="2000" dirty="0">
+                <a:solidFill>
+                  <a:srgbClr val="333333"/>
+                </a:solidFill>
+                <a:latin typeface="SFMono-Regular"/>
+              </a:rPr>
+              <a:t>())</a:t>
+            </a:r>
+          </a:p>
+          <a:p>
+            <a:pPr marL="0" indent="0">
+              <a:buFont typeface="Arial" panose="020B0604020202020204" pitchFamily="34" charset="0"/>
+              <a:buNone/>
+            </a:pPr>
+            <a:r>
+              <a:rPr lang="de-DE" sz="2000" dirty="0">
+                <a:solidFill>
+                  <a:srgbClr val="333333"/>
+                </a:solidFill>
+                <a:latin typeface="SFMono-Regular"/>
+              </a:rPr>
+              <a:t>  )</a:t>
+            </a:r>
+          </a:p>
+          <a:p>
+            <a:pPr marL="0" indent="0">
+              <a:buFont typeface="Arial" panose="020B0604020202020204" pitchFamily="34" charset="0"/>
+              <a:buNone/>
+            </a:pPr>
+            <a:endParaRPr lang="de-DE" sz="2000" dirty="0">
+              <a:solidFill>
+                <a:srgbClr val="333333"/>
+              </a:solidFill>
+              <a:latin typeface="SFMono-Regular"/>
+            </a:endParaRPr>
+          </a:p>
+        </p:txBody>
+      </p:sp>
+      <p:sp>
+        <p:nvSpPr>
+          <p:cNvPr id="5" name="Inhaltsplatzhalter 2">
+            <a:extLst>
+              <a:ext uri="{FF2B5EF4-FFF2-40B4-BE49-F238E27FC236}">
+                <a16:creationId xmlns:a16="http://schemas.microsoft.com/office/drawing/2014/main" id="{80EFA7C1-8B08-543E-12FE-E6106629774D}"/>
+              </a:ext>
+            </a:extLst>
+          </p:cNvPr>
+          <p:cNvSpPr txBox="1">
+            <a:spLocks/>
+          </p:cNvSpPr>
+          <p:nvPr/>
+        </p:nvSpPr>
+        <p:spPr>
+          <a:xfrm>
+            <a:off x="838199" y="4438650"/>
+            <a:ext cx="8005763" cy="1662113"/>
+          </a:xfrm>
+          <a:prstGeom prst="rect">
+            <a:avLst/>
+          </a:prstGeom>
+          <a:solidFill>
+            <a:schemeClr val="bg1">
+              <a:lumMod val="95000"/>
+            </a:schemeClr>
+          </a:solidFill>
+        </p:spPr>
+        <p:txBody>
+          <a:bodyPr vert="horz" lIns="91440" tIns="45720" rIns="91440" bIns="45720" rtlCol="0">
+            <a:noAutofit/>
+          </a:bodyPr>
+          <a:lstStyle>
+            <a:lvl1pPr marL="228600" indent="-228600" algn="l" defTabSz="914400" rtl="0" eaLnBrk="1" latinLnBrk="0" hangingPunct="1">
+              <a:lnSpc>
+                <a:spcPct val="90000"/>
+              </a:lnSpc>
+              <a:spcBef>
+                <a:spcPts val="1000"/>
+              </a:spcBef>
+              <a:buFont typeface="Arial" panose="020B0604020202020204" pitchFamily="34" charset="0"/>
+              <a:buChar char="•"/>
+              <a:defRPr sz="2800" kern="1200">
+                <a:solidFill>
+                  <a:schemeClr val="tx1"/>
+                </a:solidFill>
+                <a:latin typeface="+mn-lt"/>
+                <a:ea typeface="+mn-ea"/>
+                <a:cs typeface="+mn-cs"/>
+              </a:defRPr>
+            </a:lvl1pPr>
+            <a:lvl2pPr marL="685800" indent="-228600" algn="l" defTabSz="914400" rtl="0" eaLnBrk="1" latinLnBrk="0" hangingPunct="1">
+              <a:lnSpc>
+                <a:spcPct val="90000"/>
+              </a:lnSpc>
+              <a:spcBef>
+                <a:spcPts val="500"/>
+              </a:spcBef>
+              <a:buFont typeface="Arial" panose="020B0604020202020204" pitchFamily="34" charset="0"/>
+              <a:buChar char="•"/>
+              <a:defRPr sz="2400" kern="1200">
+                <a:solidFill>
+                  <a:schemeClr val="tx1"/>
+                </a:solidFill>
+                <a:latin typeface="+mn-lt"/>
+                <a:ea typeface="+mn-ea"/>
+                <a:cs typeface="+mn-cs"/>
+              </a:defRPr>
+            </a:lvl2pPr>
+            <a:lvl3pPr marL="1143000" indent="-228600" algn="l" defTabSz="914400" rtl="0" eaLnBrk="1" latinLnBrk="0" hangingPunct="1">
+              <a:lnSpc>
+                <a:spcPct val="90000"/>
+              </a:lnSpc>
+              <a:spcBef>
+                <a:spcPts val="500"/>
+              </a:spcBef>
+              <a:buFont typeface="Arial" panose="020B0604020202020204" pitchFamily="34" charset="0"/>
+              <a:buChar char="•"/>
+              <a:defRPr sz="2000" kern="1200">
+                <a:solidFill>
+                  <a:schemeClr val="tx1"/>
+                </a:solidFill>
+                <a:latin typeface="+mn-lt"/>
+                <a:ea typeface="+mn-ea"/>
+                <a:cs typeface="+mn-cs"/>
+              </a:defRPr>
+            </a:lvl3pPr>
+            <a:lvl4pPr marL="1600200" indent="-228600" algn="l" defTabSz="914400" rtl="0" eaLnBrk="1" latinLnBrk="0" hangingPunct="1">
+              <a:lnSpc>
+                <a:spcPct val="90000"/>
+              </a:lnSpc>
+              <a:spcBef>
+                <a:spcPts val="500"/>
+              </a:spcBef>
+              <a:buFont typeface="Arial" panose="020B0604020202020204" pitchFamily="34" charset="0"/>
+              <a:buChar char="•"/>
+              <a:defRPr sz="1800" kern="1200">
+                <a:solidFill>
+                  <a:schemeClr val="tx1"/>
+                </a:solidFill>
+                <a:latin typeface="+mn-lt"/>
+                <a:ea typeface="+mn-ea"/>
+                <a:cs typeface="+mn-cs"/>
+              </a:defRPr>
+            </a:lvl4pPr>
+            <a:lvl5pPr marL="2057400" indent="-228600" algn="l" defTabSz="914400" rtl="0" eaLnBrk="1" latinLnBrk="0" hangingPunct="1">
+              <a:lnSpc>
+                <a:spcPct val="90000"/>
+              </a:lnSpc>
+              <a:spcBef>
+                <a:spcPts val="500"/>
+              </a:spcBef>
+              <a:buFont typeface="Arial" panose="020B0604020202020204" pitchFamily="34" charset="0"/>
+              <a:buChar char="•"/>
+              <a:defRPr sz="1800" kern="1200">
+                <a:solidFill>
+                  <a:schemeClr val="tx1"/>
+                </a:solidFill>
+                <a:latin typeface="+mn-lt"/>
+                <a:ea typeface="+mn-ea"/>
+                <a:cs typeface="+mn-cs"/>
+              </a:defRPr>
+            </a:lvl5pPr>
+            <a:lvl6pPr marL="2514600" indent="-228600" algn="l" defTabSz="914400" rtl="0" eaLnBrk="1" latinLnBrk="0" hangingPunct="1">
+              <a:lnSpc>
+                <a:spcPct val="90000"/>
+              </a:lnSpc>
+              <a:spcBef>
+                <a:spcPts val="500"/>
+              </a:spcBef>
+              <a:buFont typeface="Arial" panose="020B0604020202020204" pitchFamily="34" charset="0"/>
+              <a:buChar char="•"/>
+              <a:defRPr sz="1800" kern="1200">
+                <a:solidFill>
+                  <a:schemeClr val="tx1"/>
+                </a:solidFill>
+                <a:latin typeface="+mn-lt"/>
+                <a:ea typeface="+mn-ea"/>
+                <a:cs typeface="+mn-cs"/>
+              </a:defRPr>
+            </a:lvl6pPr>
+            <a:lvl7pPr marL="2971800" indent="-228600" algn="l" defTabSz="914400" rtl="0" eaLnBrk="1" latinLnBrk="0" hangingPunct="1">
+              <a:lnSpc>
+                <a:spcPct val="90000"/>
+              </a:lnSpc>
+              <a:spcBef>
+                <a:spcPts val="500"/>
+              </a:spcBef>
+              <a:buFont typeface="Arial" panose="020B0604020202020204" pitchFamily="34" charset="0"/>
+              <a:buChar char="•"/>
+              <a:defRPr sz="1800" kern="1200">
+                <a:solidFill>
+                  <a:schemeClr val="tx1"/>
+                </a:solidFill>
+                <a:latin typeface="+mn-lt"/>
+                <a:ea typeface="+mn-ea"/>
+                <a:cs typeface="+mn-cs"/>
+              </a:defRPr>
+            </a:lvl7pPr>
+            <a:lvl8pPr marL="3429000" indent="-228600" algn="l" defTabSz="914400" rtl="0" eaLnBrk="1" latinLnBrk="0" hangingPunct="1">
+              <a:lnSpc>
+                <a:spcPct val="90000"/>
+              </a:lnSpc>
+              <a:spcBef>
+                <a:spcPts val="500"/>
+              </a:spcBef>
+              <a:buFont typeface="Arial" panose="020B0604020202020204" pitchFamily="34" charset="0"/>
+              <a:buChar char="•"/>
+              <a:defRPr sz="1800" kern="1200">
+                <a:solidFill>
+                  <a:schemeClr val="tx1"/>
+                </a:solidFill>
+                <a:latin typeface="+mn-lt"/>
+                <a:ea typeface="+mn-ea"/>
+                <a:cs typeface="+mn-cs"/>
+              </a:defRPr>
+            </a:lvl8pPr>
+            <a:lvl9pPr marL="3886200" indent="-228600" algn="l" defTabSz="914400" rtl="0" eaLnBrk="1" latinLnBrk="0" hangingPunct="1">
+              <a:lnSpc>
+                <a:spcPct val="90000"/>
+              </a:lnSpc>
+              <a:spcBef>
+                <a:spcPts val="500"/>
+              </a:spcBef>
+              <a:buFont typeface="Arial" panose="020B0604020202020204" pitchFamily="34" charset="0"/>
+              <a:buChar char="•"/>
+              <a:defRPr sz="1800" kern="1200">
+                <a:solidFill>
+                  <a:schemeClr val="tx1"/>
+                </a:solidFill>
+                <a:latin typeface="+mn-lt"/>
+                <a:ea typeface="+mn-ea"/>
+                <a:cs typeface="+mn-cs"/>
+              </a:defRPr>
+            </a:lvl9pPr>
+          </a:lstStyle>
+          <a:p>
+            <a:pPr marL="0" indent="0">
+              <a:buFont typeface="Arial" panose="020B0604020202020204" pitchFamily="34" charset="0"/>
+              <a:buNone/>
+            </a:pPr>
+            <a:r>
+              <a:rPr lang="de-DE" sz="2000" dirty="0">
+                <a:solidFill>
+                  <a:schemeClr val="bg1">
+                    <a:lumMod val="50000"/>
+                  </a:schemeClr>
+                </a:solidFill>
+                <a:latin typeface="SFMono-Regular"/>
+              </a:rPr>
+              <a:t># </a:t>
+            </a:r>
+            <a:r>
+              <a:rPr lang="de-DE" sz="2000" dirty="0" err="1">
+                <a:solidFill>
+                  <a:schemeClr val="bg1">
+                    <a:lumMod val="50000"/>
+                  </a:schemeClr>
+                </a:solidFill>
+                <a:latin typeface="SFMono-Regular"/>
+              </a:rPr>
+              <a:t>plot</a:t>
+            </a:r>
+            <a:r>
+              <a:rPr lang="de-DE" sz="2000" dirty="0">
+                <a:solidFill>
+                  <a:schemeClr val="bg1">
+                    <a:lumMod val="50000"/>
+                  </a:schemeClr>
+                </a:solidFill>
+                <a:latin typeface="SFMono-Regular"/>
+              </a:rPr>
+              <a:t> </a:t>
+            </a:r>
+            <a:r>
+              <a:rPr lang="de-DE" sz="2000" dirty="0" err="1">
+                <a:solidFill>
+                  <a:schemeClr val="bg1">
+                    <a:lumMod val="50000"/>
+                  </a:schemeClr>
+                </a:solidFill>
+                <a:latin typeface="SFMono-Regular"/>
+              </a:rPr>
+              <a:t>forecast</a:t>
+            </a:r>
+            <a:endParaRPr lang="de-DE" sz="2000" dirty="0">
+              <a:solidFill>
+                <a:schemeClr val="bg1">
+                  <a:lumMod val="50000"/>
+                </a:schemeClr>
+              </a:solidFill>
+              <a:latin typeface="SFMono-Regular"/>
+            </a:endParaRPr>
+          </a:p>
+          <a:p>
+            <a:pPr marL="0" indent="0">
+              <a:buFont typeface="Arial" panose="020B0604020202020204" pitchFamily="34" charset="0"/>
+              <a:buNone/>
+            </a:pPr>
+            <a:r>
+              <a:rPr lang="de-DE" sz="2000" dirty="0">
+                <a:solidFill>
+                  <a:srgbClr val="333333"/>
+                </a:solidFill>
+                <a:latin typeface="SFMono-Regular"/>
+              </a:rPr>
+              <a:t>fit %&gt;% </a:t>
+            </a:r>
+          </a:p>
+          <a:p>
+            <a:pPr marL="0" indent="0">
+              <a:buFont typeface="Arial" panose="020B0604020202020204" pitchFamily="34" charset="0"/>
+              <a:buNone/>
+            </a:pPr>
+            <a:r>
+              <a:rPr lang="de-DE" sz="2000" dirty="0">
+                <a:solidFill>
+                  <a:srgbClr val="333333"/>
+                </a:solidFill>
+                <a:latin typeface="SFMono-Regular"/>
+              </a:rPr>
+              <a:t>  </a:t>
+            </a:r>
+            <a:r>
+              <a:rPr lang="de-DE" sz="2000" dirty="0" err="1">
+                <a:solidFill>
+                  <a:srgbClr val="333333"/>
+                </a:solidFill>
+                <a:latin typeface="SFMono-Regular"/>
+              </a:rPr>
+              <a:t>forecast</a:t>
+            </a:r>
+            <a:r>
+              <a:rPr lang="de-DE" sz="2000" dirty="0">
+                <a:solidFill>
+                  <a:srgbClr val="333333"/>
+                </a:solidFill>
+                <a:latin typeface="SFMono-Regular"/>
+              </a:rPr>
+              <a:t>(h = "2 </a:t>
+            </a:r>
+            <a:r>
+              <a:rPr lang="de-DE" sz="2000" dirty="0" err="1">
+                <a:solidFill>
+                  <a:srgbClr val="333333"/>
+                </a:solidFill>
+                <a:latin typeface="SFMono-Regular"/>
+              </a:rPr>
+              <a:t>years</a:t>
+            </a:r>
+            <a:r>
+              <a:rPr lang="de-DE" sz="2000" dirty="0">
+                <a:solidFill>
+                  <a:srgbClr val="333333"/>
+                </a:solidFill>
+                <a:latin typeface="SFMono-Regular"/>
+              </a:rPr>
+              <a:t>") %&gt;% </a:t>
+            </a:r>
+          </a:p>
+          <a:p>
+            <a:pPr marL="0" indent="0">
+              <a:buFont typeface="Arial" panose="020B0604020202020204" pitchFamily="34" charset="0"/>
+              <a:buNone/>
+            </a:pPr>
+            <a:r>
+              <a:rPr lang="de-DE" sz="2000" dirty="0">
+                <a:solidFill>
+                  <a:srgbClr val="333333"/>
+                </a:solidFill>
+                <a:latin typeface="SFMono-Regular"/>
+              </a:rPr>
+              <a:t>  </a:t>
+            </a:r>
+            <a:r>
+              <a:rPr lang="de-DE" sz="2000" dirty="0" err="1">
+                <a:solidFill>
+                  <a:srgbClr val="333333"/>
+                </a:solidFill>
+                <a:latin typeface="SFMono-Regular"/>
+              </a:rPr>
+              <a:t>autoplot</a:t>
+            </a:r>
+            <a:r>
+              <a:rPr lang="de-DE" sz="2000" dirty="0">
+                <a:solidFill>
+                  <a:srgbClr val="333333"/>
+                </a:solidFill>
+                <a:latin typeface="SFMono-Regular"/>
+              </a:rPr>
+              <a:t>(</a:t>
+            </a:r>
+            <a:r>
+              <a:rPr lang="de-DE" sz="2000" dirty="0" err="1">
+                <a:solidFill>
+                  <a:srgbClr val="333333"/>
+                </a:solidFill>
+                <a:latin typeface="SFMono-Regular"/>
+              </a:rPr>
+              <a:t>tourism_t_trips</a:t>
+            </a:r>
+            <a:r>
+              <a:rPr lang="de-DE" sz="2000" dirty="0">
+                <a:solidFill>
+                  <a:srgbClr val="333333"/>
+                </a:solidFill>
+                <a:latin typeface="SFMono-Regular"/>
+              </a:rPr>
+              <a:t>, </a:t>
+            </a:r>
+            <a:r>
+              <a:rPr lang="de-DE" sz="2000" dirty="0" err="1">
+                <a:solidFill>
+                  <a:srgbClr val="333333"/>
+                </a:solidFill>
+                <a:latin typeface="SFMono-Regular"/>
+              </a:rPr>
+              <a:t>level</a:t>
+            </a:r>
+            <a:r>
+              <a:rPr lang="de-DE" sz="2000" dirty="0">
+                <a:solidFill>
+                  <a:srgbClr val="333333"/>
+                </a:solidFill>
+                <a:latin typeface="SFMono-Regular"/>
+              </a:rPr>
+              <a:t> = 80, </a:t>
+            </a:r>
+            <a:r>
+              <a:rPr lang="de-DE" sz="2000" dirty="0" err="1">
+                <a:solidFill>
+                  <a:srgbClr val="333333"/>
+                </a:solidFill>
+                <a:latin typeface="SFMono-Regular"/>
+              </a:rPr>
+              <a:t>alpha</a:t>
+            </a:r>
+            <a:r>
+              <a:rPr lang="de-DE" sz="2000" dirty="0">
+                <a:solidFill>
+                  <a:srgbClr val="333333"/>
+                </a:solidFill>
+                <a:latin typeface="SFMono-Regular"/>
+              </a:rPr>
+              <a:t> = 0.5)</a:t>
+            </a:r>
           </a:p>
         </p:txBody>
       </p:sp>

--- a/tsibble and fable.pptx
+++ b/tsibble and fable.pptx
@@ -5,18 +5,19 @@
     <p:sldMasterId id="2147483648" r:id="rId1"/>
   </p:sldMasterIdLst>
   <p:notesMasterIdLst>
-    <p:notesMasterId r:id="rId11"/>
+    <p:notesMasterId r:id="rId12"/>
   </p:notesMasterIdLst>
   <p:sldIdLst>
     <p:sldId id="256" r:id="rId2"/>
     <p:sldId id="257" r:id="rId3"/>
     <p:sldId id="268" r:id="rId4"/>
     <p:sldId id="267" r:id="rId5"/>
-    <p:sldId id="259" r:id="rId6"/>
+    <p:sldId id="269" r:id="rId6"/>
     <p:sldId id="263" r:id="rId7"/>
-    <p:sldId id="264" r:id="rId8"/>
-    <p:sldId id="265" r:id="rId9"/>
-    <p:sldId id="262" r:id="rId10"/>
+    <p:sldId id="270" r:id="rId8"/>
+    <p:sldId id="271" r:id="rId9"/>
+    <p:sldId id="265" r:id="rId10"/>
+    <p:sldId id="262" r:id="rId11"/>
   </p:sldIdLst>
   <p:sldSz cx="12192000" cy="6858000"/>
   <p:notesSz cx="6858000" cy="9144000"/>
@@ -538,7 +539,7 @@
           <a:p>
             <a:fld id="{809EEC96-AFE4-AB4C-9F77-BF8C435C8FB7}" type="slidenum">
               <a:rPr lang="en-GB" smtClean="0"/>
-              <a:t>2</a:t>
+              <a:t>1</a:t>
             </a:fld>
             <a:endParaRPr lang="en-GB"/>
           </a:p>
@@ -547,7 +548,7 @@
     </p:spTree>
     <p:extLst>
       <p:ext uri="{BB962C8B-B14F-4D97-AF65-F5344CB8AC3E}">
-        <p14:creationId xmlns:p14="http://schemas.microsoft.com/office/powerpoint/2010/main" val="2295077729"/>
+        <p14:creationId xmlns:p14="http://schemas.microsoft.com/office/powerpoint/2010/main" val="476575114"/>
       </p:ext>
     </p:extLst>
   </p:cSld>
@@ -622,7 +623,7 @@
           <a:p>
             <a:fld id="{809EEC96-AFE4-AB4C-9F77-BF8C435C8FB7}" type="slidenum">
               <a:rPr lang="en-GB" smtClean="0"/>
-              <a:t>3</a:t>
+              <a:t>2</a:t>
             </a:fld>
             <a:endParaRPr lang="en-GB"/>
           </a:p>
@@ -631,7 +632,7 @@
     </p:spTree>
     <p:extLst>
       <p:ext uri="{BB962C8B-B14F-4D97-AF65-F5344CB8AC3E}">
-        <p14:creationId xmlns:p14="http://schemas.microsoft.com/office/powerpoint/2010/main" val="262425401"/>
+        <p14:creationId xmlns:p14="http://schemas.microsoft.com/office/powerpoint/2010/main" val="2295077729"/>
       </p:ext>
     </p:extLst>
   </p:cSld>
@@ -685,109 +686,7 @@
           <a:bodyPr/>
           <a:lstStyle/>
           <a:p>
-            <a:r>
-              <a:rPr lang="en-GB" dirty="0"/>
-              <a:t>A time series can be thought of as a list of numbers (the measurements), along with some information about what times those numbers were recorded (the index).</a:t>
-            </a:r>
-          </a:p>
-          <a:p>
-            <a:r>
-              <a:rPr lang="en-GB" dirty="0"/>
-              <a:t>This information can be stored as a tsibble object in R.</a:t>
-            </a:r>
-          </a:p>
-          <a:p>
-            <a:endParaRPr lang="en-GB" dirty="0">
-              <a:effectLst/>
-            </a:endParaRPr>
-          </a:p>
-          <a:p>
-            <a:r>
-              <a:rPr lang="en-GB" dirty="0">
-                <a:effectLst/>
-              </a:rPr>
-              <a:t>The </a:t>
-            </a:r>
-            <a:r>
-              <a:rPr lang="en-GB" b="1" dirty="0">
-                <a:effectLst/>
-              </a:rPr>
-              <a:t>tsibble</a:t>
-            </a:r>
-            <a:r>
-              <a:rPr lang="en-GB" dirty="0">
-                <a:effectLst/>
-              </a:rPr>
-              <a:t> package provides a data class of </a:t>
-            </a:r>
-            <a:r>
-              <a:rPr lang="en-GB" dirty="0" err="1">
-                <a:effectLst/>
-              </a:rPr>
-              <a:t>tbl_ts</a:t>
-            </a:r>
-            <a:r>
-              <a:rPr lang="en-GB" dirty="0">
-                <a:effectLst/>
-              </a:rPr>
-              <a:t> to represent tidy temporal data. A tsibble consists of a time index, key, and other measured variables in a data-centric format, which is built on top of the </a:t>
-            </a:r>
-            <a:r>
-              <a:rPr lang="en-GB" dirty="0" err="1">
-                <a:effectLst/>
-              </a:rPr>
-              <a:t>tibble</a:t>
-            </a:r>
-            <a:r>
-              <a:rPr lang="en-GB" dirty="0">
-                <a:effectLst/>
-              </a:rPr>
-              <a:t>.</a:t>
-            </a:r>
-          </a:p>
-          <a:p>
-            <a:endParaRPr lang="en-GB" noProof="0" dirty="0"/>
-          </a:p>
-          <a:p>
-            <a:r>
-              <a:rPr lang="en-GB" b="0" i="0" u="none" strike="noStrike" dirty="0">
-                <a:solidFill>
-                  <a:srgbClr val="333333"/>
-                </a:solidFill>
-                <a:effectLst/>
-                <a:latin typeface="Source Sans Pro" panose="020B0503030403020204" pitchFamily="34" charset="0"/>
-              </a:rPr>
-              <a:t>Tsibble supports arbitrary index classes, as long as they can be ordered from past to future.</a:t>
-            </a:r>
-            <a:endParaRPr lang="en-GB" noProof="0" dirty="0"/>
-          </a:p>
-          <a:p>
-            <a:endParaRPr lang="en-GB" noProof="0" dirty="0"/>
-          </a:p>
-          <a:p>
-            <a:r>
-              <a:rPr lang="en-GB" noProof="0" dirty="0"/>
-              <a:t>In comparison to </a:t>
-            </a:r>
-            <a:r>
-              <a:rPr lang="en-GB" noProof="0" dirty="0" err="1"/>
-              <a:t>tibble</a:t>
-            </a:r>
-            <a:r>
-              <a:rPr lang="en-GB" noProof="0" dirty="0"/>
-              <a:t> </a:t>
-            </a:r>
-            <a:r>
-              <a:rPr lang="en-GB" b="0" i="0" u="none" strike="noStrike" noProof="0" dirty="0">
-                <a:solidFill>
-                  <a:srgbClr val="333333"/>
-                </a:solidFill>
-                <a:effectLst/>
-                <a:latin typeface="-apple-system"/>
-              </a:rPr>
-              <a:t>the column of data specifying the observation’s measurement time is now actually used in the data</a:t>
-            </a:r>
-            <a:endParaRPr lang="en-GB" noProof="0" dirty="0"/>
+            <a:endParaRPr lang="en-GB" dirty="0"/>
           </a:p>
         </p:txBody>
       </p:sp>
@@ -808,7 +707,7 @@
           <a:p>
             <a:fld id="{809EEC96-AFE4-AB4C-9F77-BF8C435C8FB7}" type="slidenum">
               <a:rPr lang="en-GB" smtClean="0"/>
-              <a:t>4</a:t>
+              <a:t>3</a:t>
             </a:fld>
             <a:endParaRPr lang="en-GB"/>
           </a:p>
@@ -817,7 +716,7 @@
     </p:spTree>
     <p:extLst>
       <p:ext uri="{BB962C8B-B14F-4D97-AF65-F5344CB8AC3E}">
-        <p14:creationId xmlns:p14="http://schemas.microsoft.com/office/powerpoint/2010/main" val="2848143340"/>
+        <p14:creationId xmlns:p14="http://schemas.microsoft.com/office/powerpoint/2010/main" val="262425401"/>
       </p:ext>
     </p:extLst>
   </p:cSld>
@@ -872,66 +771,106 @@
           <a:lstStyle/>
           <a:p>
             <a:r>
+              <a:rPr lang="en-GB" dirty="0"/>
+              <a:t>A time series can be thought of as a list of numbers (the measurements), along with some information about what times those numbers were recorded (the index).</a:t>
+            </a:r>
+          </a:p>
+          <a:p>
+            <a:r>
+              <a:rPr lang="en-GB" dirty="0"/>
+              <a:t>This information can be stored as a tsibble object in R.</a:t>
+            </a:r>
+          </a:p>
+          <a:p>
+            <a:endParaRPr lang="en-GB" dirty="0">
+              <a:effectLst/>
+            </a:endParaRPr>
+          </a:p>
+          <a:p>
+            <a:r>
+              <a:rPr lang="en-GB" dirty="0">
+                <a:effectLst/>
+              </a:rPr>
+              <a:t>The </a:t>
+            </a:r>
+            <a:r>
+              <a:rPr lang="en-GB" b="1" dirty="0">
+                <a:effectLst/>
+              </a:rPr>
+              <a:t>tsibble</a:t>
+            </a:r>
+            <a:r>
+              <a:rPr lang="en-GB" dirty="0">
+                <a:effectLst/>
+              </a:rPr>
+              <a:t> package provides a data class of </a:t>
+            </a:r>
+            <a:r>
+              <a:rPr lang="en-GB" dirty="0" err="1">
+                <a:effectLst/>
+              </a:rPr>
+              <a:t>tbl_ts</a:t>
+            </a:r>
+            <a:r>
+              <a:rPr lang="en-GB" dirty="0">
+                <a:effectLst/>
+              </a:rPr>
+              <a:t> to represent tidy temporal data. A tsibble consists of a time index, key, and other measured variables in a data-centric format, which is built on top of the </a:t>
+            </a:r>
+            <a:r>
+              <a:rPr lang="en-GB" dirty="0" err="1">
+                <a:effectLst/>
+              </a:rPr>
+              <a:t>tibble</a:t>
+            </a:r>
+            <a:r>
+              <a:rPr lang="en-GB" dirty="0">
+                <a:effectLst/>
+              </a:rPr>
+              <a:t>.</a:t>
+            </a:r>
+          </a:p>
+          <a:p>
+            <a:endParaRPr lang="en-GB" noProof="0" dirty="0"/>
+          </a:p>
+          <a:p>
+            <a:r>
+              <a:rPr lang="en-GB" b="0" i="0" u="none" strike="noStrike" dirty="0">
+                <a:solidFill>
+                  <a:srgbClr val="333333"/>
+                </a:solidFill>
+                <a:effectLst/>
+                <a:latin typeface="Source Sans Pro" panose="020B0503030403020204" pitchFamily="34" charset="0"/>
+              </a:rPr>
+              <a:t>Tsibble supports arbitrary index classes, as long as they can be ordered from past to future.</a:t>
+            </a:r>
+            <a:endParaRPr lang="en-GB" noProof="0" dirty="0"/>
+          </a:p>
+          <a:p>
+            <a:endParaRPr lang="en-GB" noProof="0" dirty="0"/>
+          </a:p>
+          <a:p>
+            <a:r>
+              <a:rPr lang="en-GB" noProof="0" dirty="0"/>
+              <a:t>In comparison to </a:t>
+            </a:r>
+            <a:r>
+              <a:rPr lang="en-GB" noProof="0" dirty="0" err="1"/>
+              <a:t>tibble</a:t>
+            </a:r>
+            <a:r>
+              <a:rPr lang="en-GB" noProof="0" dirty="0"/>
+              <a:t> </a:t>
+            </a:r>
+            <a:r>
               <a:rPr lang="en-GB" b="0" i="0" u="none" strike="noStrike" noProof="0" dirty="0">
                 <a:solidFill>
                   <a:srgbClr val="333333"/>
                 </a:solidFill>
                 <a:effectLst/>
-                <a:latin typeface="Merriweather" pitchFamily="2" charset="77"/>
-              </a:rPr>
-              <a:t>The first step in forecasting is to prepare data in the correct format.</a:t>
-            </a:r>
-          </a:p>
-          <a:p>
-            <a:r>
-              <a:rPr lang="en-GB" b="0" i="0" u="none" strike="noStrike" noProof="0" dirty="0">
-                <a:solidFill>
-                  <a:srgbClr val="333333"/>
-                </a:solidFill>
-                <a:effectLst/>
-                <a:latin typeface="Merriweather" pitchFamily="2" charset="77"/>
-              </a:rPr>
-              <a:t>This process may involve loading in data, identifying missing values, filtering the time series, and other pre-processing tasks.</a:t>
-            </a:r>
-          </a:p>
-          <a:p>
-            <a:r>
-              <a:rPr lang="en-GB" b="0" i="0" u="none" strike="noStrike" noProof="0" dirty="0">
-                <a:solidFill>
-                  <a:srgbClr val="333333"/>
-                </a:solidFill>
-                <a:effectLst/>
-                <a:latin typeface="Merriweather" pitchFamily="2" charset="77"/>
-              </a:rPr>
-              <a:t>This can be done with the functionality provided by </a:t>
-            </a:r>
-            <a:r>
-              <a:rPr lang="en-GB" noProof="0" dirty="0"/>
-              <a:t>tsibble</a:t>
-            </a:r>
-            <a:r>
-              <a:rPr lang="en-GB" b="0" i="0" u="none" strike="noStrike" noProof="0" dirty="0">
-                <a:solidFill>
-                  <a:srgbClr val="333333"/>
-                </a:solidFill>
-                <a:effectLst/>
-                <a:latin typeface="Merriweather" pitchFamily="2" charset="77"/>
-              </a:rPr>
-              <a:t> and the possibility to combine those with other packages in the </a:t>
-            </a:r>
-            <a:r>
-              <a:rPr lang="en-GB" noProof="0" dirty="0" err="1"/>
-              <a:t>tidyverse</a:t>
-            </a:r>
-            <a:r>
-              <a:rPr lang="en-GB" b="0" i="0" u="none" strike="noStrike" noProof="0" dirty="0">
-                <a:solidFill>
-                  <a:srgbClr val="333333"/>
-                </a:solidFill>
-                <a:effectLst/>
-                <a:latin typeface="Merriweather" pitchFamily="2" charset="77"/>
-              </a:rPr>
-              <a:t>.</a:t>
+                <a:latin typeface="-apple-system"/>
+              </a:rPr>
+              <a:t>the column of data specifying the observation’s measurement time is now actually used in the data</a:t>
             </a:r>
             <a:endParaRPr lang="en-GB" noProof="0" dirty="0"/>
           </a:p>
@@ -954,7 +893,7 @@
           <a:p>
             <a:fld id="{809EEC96-AFE4-AB4C-9F77-BF8C435C8FB7}" type="slidenum">
               <a:rPr lang="en-GB" smtClean="0"/>
-              <a:t>5</a:t>
+              <a:t>4</a:t>
             </a:fld>
             <a:endParaRPr lang="en-GB"/>
           </a:p>
@@ -963,7 +902,7 @@
     </p:spTree>
     <p:extLst>
       <p:ext uri="{BB962C8B-B14F-4D97-AF65-F5344CB8AC3E}">
-        <p14:creationId xmlns:p14="http://schemas.microsoft.com/office/powerpoint/2010/main" val="1700378449"/>
+        <p14:creationId xmlns:p14="http://schemas.microsoft.com/office/powerpoint/2010/main" val="2848143340"/>
       </p:ext>
     </p:extLst>
   </p:cSld>
@@ -1017,6 +956,90 @@
           <a:bodyPr/>
           <a:lstStyle/>
           <a:p>
+            <a:endParaRPr lang="en-GB" dirty="0"/>
+          </a:p>
+        </p:txBody>
+      </p:sp>
+      <p:sp>
+        <p:nvSpPr>
+          <p:cNvPr id="4" name="Foliennummernplatzhalter 3"/>
+          <p:cNvSpPr>
+            <a:spLocks noGrp="1"/>
+          </p:cNvSpPr>
+          <p:nvPr>
+            <p:ph type="sldNum" sz="quarter" idx="5"/>
+          </p:nvPr>
+        </p:nvSpPr>
+        <p:spPr/>
+        <p:txBody>
+          <a:bodyPr/>
+          <a:lstStyle/>
+          <a:p>
+            <a:fld id="{809EEC96-AFE4-AB4C-9F77-BF8C435C8FB7}" type="slidenum">
+              <a:rPr lang="en-GB" smtClean="0"/>
+              <a:t>5</a:t>
+            </a:fld>
+            <a:endParaRPr lang="en-GB"/>
+          </a:p>
+        </p:txBody>
+      </p:sp>
+    </p:spTree>
+    <p:extLst>
+      <p:ext uri="{BB962C8B-B14F-4D97-AF65-F5344CB8AC3E}">
+        <p14:creationId xmlns:p14="http://schemas.microsoft.com/office/powerpoint/2010/main" val="1151252466"/>
+      </p:ext>
+    </p:extLst>
+  </p:cSld>
+  <p:clrMapOvr>
+    <a:masterClrMapping/>
+  </p:clrMapOvr>
+</p:notes>
+</file>
+
+<file path=ppt/notesSlides/notesSlide6.xml><?xml version="1.0" encoding="utf-8"?>
+<p:notes xmlns:a="http://schemas.openxmlformats.org/drawingml/2006/main" xmlns:r="http://schemas.openxmlformats.org/officeDocument/2006/relationships" xmlns:p="http://schemas.openxmlformats.org/presentationml/2006/main">
+  <p:cSld>
+    <p:spTree>
+      <p:nvGrpSpPr>
+        <p:cNvPr id="1" name=""/>
+        <p:cNvGrpSpPr/>
+        <p:nvPr/>
+      </p:nvGrpSpPr>
+      <p:grpSpPr>
+        <a:xfrm>
+          <a:off x="0" y="0"/>
+          <a:ext cx="0" cy="0"/>
+          <a:chOff x="0" y="0"/>
+          <a:chExt cx="0" cy="0"/>
+        </a:xfrm>
+      </p:grpSpPr>
+      <p:sp>
+        <p:nvSpPr>
+          <p:cNvPr id="2" name="Folienbildplatzhalter 1"/>
+          <p:cNvSpPr>
+            <a:spLocks noGrp="1" noRot="1" noChangeAspect="1"/>
+          </p:cNvSpPr>
+          <p:nvPr>
+            <p:ph type="sldImg"/>
+          </p:nvPr>
+        </p:nvSpPr>
+        <p:spPr/>
+      </p:sp>
+      <p:sp>
+        <p:nvSpPr>
+          <p:cNvPr id="3" name="Notizenplatzhalter 2"/>
+          <p:cNvSpPr>
+            <a:spLocks noGrp="1"/>
+          </p:cNvSpPr>
+          <p:nvPr>
+            <p:ph type="body" idx="1"/>
+          </p:nvPr>
+        </p:nvSpPr>
+        <p:spPr/>
+        <p:txBody>
+          <a:bodyPr/>
+          <a:lstStyle/>
+          <a:p>
             <a:r>
               <a:rPr lang="en-GB" sz="2000" dirty="0"/>
               <a:t>Models in fable are specified using model </a:t>
@@ -1093,6 +1116,9 @@
           <a:p>
             <a:endParaRPr lang="en-GB" dirty="0"/>
           </a:p>
+          <a:p>
+            <a:endParaRPr lang="en-GB" dirty="0"/>
+          </a:p>
         </p:txBody>
       </p:sp>
       <p:sp>
@@ -1121,7 +1147,168 @@
     </p:spTree>
     <p:extLst>
       <p:ext uri="{BB962C8B-B14F-4D97-AF65-F5344CB8AC3E}">
-        <p14:creationId xmlns:p14="http://schemas.microsoft.com/office/powerpoint/2010/main" val="1942090836"/>
+        <p14:creationId xmlns:p14="http://schemas.microsoft.com/office/powerpoint/2010/main" val="2310774744"/>
+      </p:ext>
+    </p:extLst>
+  </p:cSld>
+  <p:clrMapOvr>
+    <a:masterClrMapping/>
+  </p:clrMapOvr>
+</p:notes>
+</file>
+
+<file path=ppt/notesSlides/notesSlide7.xml><?xml version="1.0" encoding="utf-8"?>
+<p:notes xmlns:a="http://schemas.openxmlformats.org/drawingml/2006/main" xmlns:r="http://schemas.openxmlformats.org/officeDocument/2006/relationships" xmlns:p="http://schemas.openxmlformats.org/presentationml/2006/main">
+  <p:cSld>
+    <p:spTree>
+      <p:nvGrpSpPr>
+        <p:cNvPr id="1" name=""/>
+        <p:cNvGrpSpPr/>
+        <p:nvPr/>
+      </p:nvGrpSpPr>
+      <p:grpSpPr>
+        <a:xfrm>
+          <a:off x="0" y="0"/>
+          <a:ext cx="0" cy="0"/>
+          <a:chOff x="0" y="0"/>
+          <a:chExt cx="0" cy="0"/>
+        </a:xfrm>
+      </p:grpSpPr>
+      <p:sp>
+        <p:nvSpPr>
+          <p:cNvPr id="2" name="Folienbildplatzhalter 1"/>
+          <p:cNvSpPr>
+            <a:spLocks noGrp="1" noRot="1" noChangeAspect="1"/>
+          </p:cNvSpPr>
+          <p:nvPr>
+            <p:ph type="sldImg"/>
+          </p:nvPr>
+        </p:nvSpPr>
+        <p:spPr/>
+      </p:sp>
+      <p:sp>
+        <p:nvSpPr>
+          <p:cNvPr id="3" name="Notizenplatzhalter 2"/>
+          <p:cNvSpPr>
+            <a:spLocks noGrp="1"/>
+          </p:cNvSpPr>
+          <p:nvPr>
+            <p:ph type="body" idx="1"/>
+          </p:nvPr>
+        </p:nvSpPr>
+        <p:spPr/>
+        <p:txBody>
+          <a:bodyPr/>
+          <a:lstStyle/>
+          <a:p>
+            <a:r>
+              <a:rPr lang="en-GB" sz="2000" dirty="0"/>
+              <a:t>Models in fable are specified using model </a:t>
+            </a:r>
+            <a:r>
+              <a:rPr lang="en-GB" sz="2000" b="1" dirty="0"/>
+              <a:t>functions</a:t>
+            </a:r>
+          </a:p>
+          <a:p>
+            <a:pPr marL="457200" lvl="1" indent="0">
+              <a:buNone/>
+            </a:pPr>
+            <a:r>
+              <a:rPr lang="en-GB" sz="2000" dirty="0"/>
+              <a:t>(y  </a:t>
+            </a:r>
+            <a:r>
+              <a:rPr lang="en-GB" sz="2000" dirty="0">
+                <a:effectLst/>
+              </a:rPr>
+              <a:t>~ </a:t>
+            </a:r>
+            <a:r>
+              <a:rPr lang="en-GB" sz="2000" dirty="0"/>
+              <a:t> X) </a:t>
+            </a:r>
+          </a:p>
+          <a:p>
+            <a:pPr marL="228600" lvl="1">
+              <a:spcBef>
+                <a:spcPts val="1000"/>
+              </a:spcBef>
+            </a:pPr>
+            <a:r>
+              <a:rPr lang="en-GB" sz="2000" dirty="0"/>
+              <a:t>Response variable(s) are specified </a:t>
+            </a:r>
+            <a:r>
+              <a:rPr lang="en-GB" sz="2000" b="1" dirty="0"/>
+              <a:t>on the left</a:t>
+            </a:r>
+            <a:r>
+              <a:rPr lang="en-GB" sz="2000" dirty="0"/>
+              <a:t> of the formula</a:t>
+            </a:r>
+          </a:p>
+          <a:p>
+            <a:pPr marL="228600" lvl="1">
+              <a:spcBef>
+                <a:spcPts val="1000"/>
+              </a:spcBef>
+            </a:pPr>
+            <a:r>
+              <a:rPr lang="en-GB" sz="2000" dirty="0"/>
+              <a:t>Structure of the model is written </a:t>
+            </a:r>
+            <a:r>
+              <a:rPr lang="en-GB" sz="2000" b="1" dirty="0"/>
+              <a:t>on the right</a:t>
+            </a:r>
+          </a:p>
+          <a:p>
+            <a:pPr marL="685800" lvl="2">
+              <a:spcBef>
+                <a:spcPts val="1000"/>
+              </a:spcBef>
+            </a:pPr>
+            <a:r>
+              <a:rPr lang="en-GB" dirty="0"/>
+              <a:t>One or more model specifications can be estimated using the model() function.</a:t>
+            </a:r>
+          </a:p>
+          <a:p>
+            <a:endParaRPr lang="en-GB" dirty="0"/>
+          </a:p>
+          <a:p>
+            <a:endParaRPr lang="en-GB" dirty="0"/>
+          </a:p>
+        </p:txBody>
+      </p:sp>
+      <p:sp>
+        <p:nvSpPr>
+          <p:cNvPr id="4" name="Foliennummernplatzhalter 3"/>
+          <p:cNvSpPr>
+            <a:spLocks noGrp="1"/>
+          </p:cNvSpPr>
+          <p:nvPr>
+            <p:ph type="sldNum" sz="quarter" idx="5"/>
+          </p:nvPr>
+        </p:nvSpPr>
+        <p:spPr/>
+        <p:txBody>
+          <a:bodyPr/>
+          <a:lstStyle/>
+          <a:p>
+            <a:fld id="{809EEC96-AFE4-AB4C-9F77-BF8C435C8FB7}" type="slidenum">
+              <a:rPr lang="en-GB" smtClean="0"/>
+              <a:t>8</a:t>
+            </a:fld>
+            <a:endParaRPr lang="en-GB"/>
+          </a:p>
+        </p:txBody>
+      </p:sp>
+    </p:spTree>
+    <p:extLst>
+      <p:ext uri="{BB962C8B-B14F-4D97-AF65-F5344CB8AC3E}">
+        <p14:creationId xmlns:p14="http://schemas.microsoft.com/office/powerpoint/2010/main" val="1768124088"/>
       </p:ext>
     </p:extLst>
   </p:cSld>
@@ -4711,7 +4898,7 @@
           <p:nvPr/>
         </p:nvPicPr>
         <p:blipFill>
-          <a:blip r:embed="rId2"/>
+          <a:blip r:embed="rId3"/>
           <a:stretch>
             <a:fillRect/>
           </a:stretch>
@@ -4889,7 +5076,7 @@
           <p:nvPr/>
         </p:nvPicPr>
         <p:blipFill>
-          <a:blip r:embed="rId3"/>
+          <a:blip r:embed="rId4"/>
           <a:stretch>
             <a:fillRect/>
           </a:stretch>
@@ -4908,6 +5095,146 @@
     <p:extLst>
       <p:ext uri="{BB962C8B-B14F-4D97-AF65-F5344CB8AC3E}">
         <p14:creationId xmlns:p14="http://schemas.microsoft.com/office/powerpoint/2010/main" val="3416930667"/>
+      </p:ext>
+    </p:extLst>
+  </p:cSld>
+  <p:clrMapOvr>
+    <a:masterClrMapping/>
+  </p:clrMapOvr>
+</p:sld>
+</file>
+
+<file path=ppt/slides/slide10.xml><?xml version="1.0" encoding="utf-8"?>
+<p:sld xmlns:a="http://schemas.openxmlformats.org/drawingml/2006/main" xmlns:r="http://schemas.openxmlformats.org/officeDocument/2006/relationships" xmlns:p="http://schemas.openxmlformats.org/presentationml/2006/main">
+  <p:cSld>
+    <p:spTree>
+      <p:nvGrpSpPr>
+        <p:cNvPr id="1" name=""/>
+        <p:cNvGrpSpPr/>
+        <p:nvPr/>
+      </p:nvGrpSpPr>
+      <p:grpSpPr>
+        <a:xfrm>
+          <a:off x="0" y="0"/>
+          <a:ext cx="0" cy="0"/>
+          <a:chOff x="0" y="0"/>
+          <a:chExt cx="0" cy="0"/>
+        </a:xfrm>
+      </p:grpSpPr>
+      <p:sp>
+        <p:nvSpPr>
+          <p:cNvPr id="2" name="Titel 1">
+            <a:extLst>
+              <a:ext uri="{FF2B5EF4-FFF2-40B4-BE49-F238E27FC236}">
+                <a16:creationId xmlns:a16="http://schemas.microsoft.com/office/drawing/2014/main" id="{0B48BBB3-6C1D-1C49-FE89-E5F0BEBE1942}"/>
+              </a:ext>
+            </a:extLst>
+          </p:cNvPr>
+          <p:cNvSpPr>
+            <a:spLocks noGrp="1"/>
+          </p:cNvSpPr>
+          <p:nvPr>
+            <p:ph type="title"/>
+          </p:nvPr>
+        </p:nvSpPr>
+        <p:spPr/>
+        <p:txBody>
+          <a:bodyPr/>
+          <a:lstStyle/>
+          <a:p>
+            <a:r>
+              <a:rPr lang="en-GB" dirty="0"/>
+              <a:t>Further Reading</a:t>
+            </a:r>
+          </a:p>
+        </p:txBody>
+      </p:sp>
+      <p:sp>
+        <p:nvSpPr>
+          <p:cNvPr id="3" name="Inhaltsplatzhalter 2">
+            <a:extLst>
+              <a:ext uri="{FF2B5EF4-FFF2-40B4-BE49-F238E27FC236}">
+                <a16:creationId xmlns:a16="http://schemas.microsoft.com/office/drawing/2014/main" id="{A19D6F9B-F207-802B-2B37-FF4683C12746}"/>
+              </a:ext>
+            </a:extLst>
+          </p:cNvPr>
+          <p:cNvSpPr>
+            <a:spLocks noGrp="1"/>
+          </p:cNvSpPr>
+          <p:nvPr>
+            <p:ph idx="1"/>
+          </p:nvPr>
+        </p:nvSpPr>
+        <p:spPr/>
+        <p:txBody>
+          <a:bodyPr/>
+          <a:lstStyle/>
+          <a:p>
+            <a:r>
+              <a:rPr lang="en-GB" dirty="0">
+                <a:hlinkClick r:id="rId2"/>
+              </a:rPr>
+              <a:t>https://tsibble.tidyverts.org</a:t>
+            </a:r>
+            <a:endParaRPr lang="en-GB" dirty="0"/>
+          </a:p>
+          <a:p>
+            <a:r>
+              <a:rPr lang="en-GB" dirty="0">
+                <a:hlinkClick r:id="rId3"/>
+              </a:rPr>
+              <a:t>https://fable.tidyverts.org</a:t>
+            </a:r>
+            <a:endParaRPr lang="en-GB" dirty="0"/>
+          </a:p>
+          <a:p>
+            <a:r>
+              <a:rPr lang="en-GB" dirty="0"/>
+              <a:t>http://</a:t>
+            </a:r>
+            <a:r>
+              <a:rPr lang="en-GB" dirty="0" err="1"/>
+              <a:t>cran.nexr.com</a:t>
+            </a:r>
+            <a:r>
+              <a:rPr lang="en-GB" dirty="0"/>
+              <a:t>/web/packages/tsibble/vignettes/intro-</a:t>
+            </a:r>
+            <a:r>
+              <a:rPr lang="en-GB" dirty="0" err="1"/>
+              <a:t>tsibble.html</a:t>
+            </a:r>
+            <a:endParaRPr lang="en-GB" dirty="0"/>
+          </a:p>
+          <a:p>
+            <a:r>
+              <a:rPr lang="en-GB" dirty="0">
+                <a:hlinkClick r:id="rId4"/>
+              </a:rPr>
+              <a:t>https://www.mitchelloharawild.com/blog/fable/</a:t>
+            </a:r>
+            <a:endParaRPr lang="en-GB" dirty="0"/>
+          </a:p>
+          <a:p>
+            <a:r>
+              <a:rPr lang="en-GB" dirty="0"/>
+              <a:t>https://</a:t>
+            </a:r>
+            <a:r>
+              <a:rPr lang="en-GB" dirty="0" err="1"/>
+              <a:t>otexts.com</a:t>
+            </a:r>
+            <a:r>
+              <a:rPr lang="en-GB" dirty="0"/>
+              <a:t>/fpp3/</a:t>
+            </a:r>
+          </a:p>
+        </p:txBody>
+      </p:sp>
+    </p:spTree>
+    <p:extLst>
+      <p:ext uri="{BB962C8B-B14F-4D97-AF65-F5344CB8AC3E}">
+        <p14:creationId xmlns:p14="http://schemas.microsoft.com/office/powerpoint/2010/main" val="3193531583"/>
       </p:ext>
     </p:extLst>
   </p:cSld>
@@ -7031,6 +7358,14 @@
 <file path=ppt/slides/slide5.xml><?xml version="1.0" encoding="utf-8"?>
 <p:sld xmlns:a="http://schemas.openxmlformats.org/drawingml/2006/main" xmlns:r="http://schemas.openxmlformats.org/officeDocument/2006/relationships" xmlns:p="http://schemas.openxmlformats.org/presentationml/2006/main">
   <p:cSld>
+    <p:bg>
+      <p:bgPr>
+        <a:solidFill>
+          <a:schemeClr val="bg1"/>
+        </a:solidFill>
+        <a:effectLst/>
+      </p:bgPr>
+    </p:bg>
     <p:spTree>
       <p:nvGrpSpPr>
         <p:cNvPr id="1" name=""/>
@@ -7045,54 +7380,449 @@
           <a:chExt cx="0" cy="0"/>
         </a:xfrm>
       </p:grpSpPr>
-      <p:sp>
-        <p:nvSpPr>
-          <p:cNvPr id="2" name="Titel 1">
-            <a:extLst>
-              <a:ext uri="{FF2B5EF4-FFF2-40B4-BE49-F238E27FC236}">
-                <a16:creationId xmlns:a16="http://schemas.microsoft.com/office/drawing/2014/main" id="{4FD046B8-D46D-7787-8C32-F98B5DF51089}"/>
-              </a:ext>
-            </a:extLst>
-          </p:cNvPr>
-          <p:cNvSpPr>
-            <a:spLocks noGrp="1"/>
-          </p:cNvSpPr>
-          <p:nvPr>
-            <p:ph type="title"/>
-          </p:nvPr>
-        </p:nvSpPr>
-        <p:spPr/>
-        <p:txBody>
-          <a:bodyPr/>
-          <a:lstStyle/>
-          <a:p>
-            <a:r>
-              <a:rPr lang="en-GB" dirty="0"/>
-              <a:t>Data preparation and manipulation (tsibble)</a:t>
-            </a:r>
-          </a:p>
-        </p:txBody>
-      </p:sp>
-      <p:sp>
-        <p:nvSpPr>
-          <p:cNvPr id="4" name="Inhaltsplatzhalter 2">
-            <a:extLst>
-              <a:ext uri="{FF2B5EF4-FFF2-40B4-BE49-F238E27FC236}">
-                <a16:creationId xmlns:a16="http://schemas.microsoft.com/office/drawing/2014/main" id="{DD18BD40-D1B9-EE54-8027-C28E5606F1F2}"/>
-              </a:ext>
-            </a:extLst>
-          </p:cNvPr>
-          <p:cNvSpPr>
-            <a:spLocks noGrp="1"/>
-          </p:cNvSpPr>
-          <p:nvPr>
-            <p:ph idx="1"/>
+      <p:sp useBgFill="1">
+        <p:nvSpPr>
+          <p:cNvPr id="15" name="Rectangle 14">
+            <a:extLst>
+              <a:ext uri="{FF2B5EF4-FFF2-40B4-BE49-F238E27FC236}">
+                <a16:creationId xmlns:a16="http://schemas.microsoft.com/office/drawing/2014/main" id="{149FB5C3-7336-4FE0-A30C-CC0A3646D499}"/>
+              </a:ext>
+              <a:ext uri="{C183D7F6-B498-43B3-948B-1728B52AA6E4}">
+                <adec:decorative xmlns:adec="http://schemas.microsoft.com/office/drawing/2017/decorative" val="1"/>
+              </a:ext>
+            </a:extLst>
+          </p:cNvPr>
+          <p:cNvSpPr>
+            <a:spLocks noGrp="1" noRot="1" noChangeAspect="1" noMove="1" noResize="1" noEditPoints="1" noAdjustHandles="1" noChangeArrowheads="1" noChangeShapeType="1" noTextEdit="1"/>
+          </p:cNvSpPr>
+          <p:nvPr>
+            <p:extLst>
+              <p:ext uri="{386F3935-93C4-4BCD-93E2-E3B085C9AB24}">
+                <p16:designElem xmlns:p16="http://schemas.microsoft.com/office/powerpoint/2015/main" val="1"/>
+              </p:ext>
+            </p:extLst>
           </p:nvPr>
         </p:nvSpPr>
         <p:spPr>
           <a:xfrm>
-            <a:off x="896418" y="1697035"/>
-            <a:ext cx="8005763" cy="2403477"/>
+            <a:off x="0" y="0"/>
+            <a:ext cx="12191999" cy="6857365"/>
+          </a:xfrm>
+          <a:prstGeom prst="rect">
+            <a:avLst/>
+          </a:prstGeom>
+          <a:ln>
+            <a:noFill/>
+          </a:ln>
+        </p:spPr>
+        <p:style>
+          <a:lnRef idx="2">
+            <a:schemeClr val="accent1">
+              <a:shade val="50000"/>
+            </a:schemeClr>
+          </a:lnRef>
+          <a:fillRef idx="1">
+            <a:schemeClr val="accent1"/>
+          </a:fillRef>
+          <a:effectRef idx="0">
+            <a:schemeClr val="accent1"/>
+          </a:effectRef>
+          <a:fontRef idx="minor">
+            <a:schemeClr val="lt1"/>
+          </a:fontRef>
+        </p:style>
+        <p:txBody>
+          <a:bodyPr rtlCol="0" anchor="ctr"/>
+          <a:lstStyle/>
+          <a:p>
+            <a:pPr algn="ctr"/>
+            <a:endParaRPr lang="en-US"/>
+          </a:p>
+        </p:txBody>
+      </p:sp>
+      <p:grpSp>
+        <p:nvGrpSpPr>
+          <p:cNvPr id="17" name="Group 16">
+            <a:extLst>
+              <a:ext uri="{FF2B5EF4-FFF2-40B4-BE49-F238E27FC236}">
+                <a16:creationId xmlns:a16="http://schemas.microsoft.com/office/drawing/2014/main" id="{19A6B5CE-CB1D-48EE-8B43-E952235C8371}"/>
+              </a:ext>
+              <a:ext uri="{C183D7F6-B498-43B3-948B-1728B52AA6E4}">
+                <adec:decorative xmlns:adec="http://schemas.microsoft.com/office/drawing/2017/decorative" val="1"/>
+              </a:ext>
+            </a:extLst>
+          </p:cNvPr>
+          <p:cNvGrpSpPr>
+            <a:grpSpLocks noGrp="1" noUngrp="1" noRot="1" noChangeAspect="1" noMove="1" noResize="1"/>
+          </p:cNvGrpSpPr>
+          <p:nvPr>
+            <p:extLst>
+              <p:ext uri="{386F3935-93C4-4BCD-93E2-E3B085C9AB24}">
+                <p16:designElem xmlns:p16="http://schemas.microsoft.com/office/powerpoint/2015/main" val="1"/>
+              </p:ext>
+            </p:extLst>
+          </p:nvPr>
+        </p:nvGrpSpPr>
+        <p:grpSpPr>
+          <a:xfrm rot="5400000">
+            <a:off x="-2340441" y="2666183"/>
+            <a:ext cx="5860051" cy="527712"/>
+            <a:chOff x="6081624" y="1998368"/>
+            <a:chExt cx="5613457" cy="782175"/>
+          </a:xfrm>
+          <a:solidFill>
+            <a:schemeClr val="accent4"/>
+          </a:solidFill>
+        </p:grpSpPr>
+        <p:sp>
+          <p:nvSpPr>
+            <p:cNvPr id="18" name="Rectangle 17">
+              <a:extLst>
+                <a:ext uri="{FF2B5EF4-FFF2-40B4-BE49-F238E27FC236}">
+                  <a16:creationId xmlns:a16="http://schemas.microsoft.com/office/drawing/2014/main" id="{E3F3EAA5-4E15-400B-BBA3-82B3F49A2178}"/>
+                </a:ext>
+                <a:ext uri="{C183D7F6-B498-43B3-948B-1728B52AA6E4}">
+                  <adec:decorative xmlns:adec="http://schemas.microsoft.com/office/drawing/2017/decorative" val="1"/>
+                </a:ext>
+              </a:extLst>
+            </p:cNvPr>
+            <p:cNvSpPr/>
+            <p:nvPr>
+              <p:extLst>
+                <p:ext uri="{386F3935-93C4-4BCD-93E2-E3B085C9AB24}">
+                  <p16:designElem xmlns:p16="http://schemas.microsoft.com/office/powerpoint/2015/main" val="1"/>
+                </p:ext>
+              </p:extLst>
+            </p:nvPr>
+          </p:nvSpPr>
+          <p:spPr>
+            <a:xfrm rot="5400000">
+              <a:off x="11228040" y="2313027"/>
+              <a:ext cx="781700" cy="152382"/>
+            </a:xfrm>
+            <a:prstGeom prst="rect">
+              <a:avLst/>
+            </a:prstGeom>
+            <a:grpFill/>
+            <a:ln>
+              <a:noFill/>
+            </a:ln>
+          </p:spPr>
+          <p:style>
+            <a:lnRef idx="2">
+              <a:schemeClr val="accent1">
+                <a:shade val="50000"/>
+              </a:schemeClr>
+            </a:lnRef>
+            <a:fillRef idx="1">
+              <a:schemeClr val="accent1"/>
+            </a:fillRef>
+            <a:effectRef idx="0">
+              <a:schemeClr val="accent1"/>
+            </a:effectRef>
+            <a:fontRef idx="minor">
+              <a:schemeClr val="lt1"/>
+            </a:fontRef>
+          </p:style>
+          <p:txBody>
+            <a:bodyPr rtlCol="0" anchor="ctr"/>
+            <a:lstStyle/>
+            <a:p>
+              <a:pPr algn="ctr"/>
+              <a:endParaRPr lang="en-US"/>
+            </a:p>
+          </p:txBody>
+        </p:sp>
+        <p:sp>
+          <p:nvSpPr>
+            <p:cNvPr id="19" name="Rectangle 18">
+              <a:extLst>
+                <a:ext uri="{FF2B5EF4-FFF2-40B4-BE49-F238E27FC236}">
+                  <a16:creationId xmlns:a16="http://schemas.microsoft.com/office/drawing/2014/main" id="{72BA2E40-BE9B-4C54-9CDD-40EE804CCE64}"/>
+                </a:ext>
+                <a:ext uri="{C183D7F6-B498-43B3-948B-1728B52AA6E4}">
+                  <adec:decorative xmlns:adec="http://schemas.microsoft.com/office/drawing/2017/decorative" val="1"/>
+                </a:ext>
+              </a:extLst>
+            </p:cNvPr>
+            <p:cNvSpPr/>
+            <p:nvPr>
+              <p:extLst>
+                <p:ext uri="{386F3935-93C4-4BCD-93E2-E3B085C9AB24}">
+                  <p16:designElem xmlns:p16="http://schemas.microsoft.com/office/powerpoint/2015/main" val="1"/>
+                </p:ext>
+              </p:extLst>
+            </p:nvPr>
+          </p:nvSpPr>
+          <p:spPr>
+            <a:xfrm flipH="1" flipV="1">
+              <a:off x="6081624" y="1998844"/>
+              <a:ext cx="5372968" cy="781699"/>
+            </a:xfrm>
+            <a:prstGeom prst="rect">
+              <a:avLst/>
+            </a:prstGeom>
+            <a:grpFill/>
+            <a:ln>
+              <a:noFill/>
+            </a:ln>
+          </p:spPr>
+          <p:style>
+            <a:lnRef idx="2">
+              <a:schemeClr val="accent1">
+                <a:shade val="50000"/>
+              </a:schemeClr>
+            </a:lnRef>
+            <a:fillRef idx="1">
+              <a:schemeClr val="accent1"/>
+            </a:fillRef>
+            <a:effectRef idx="0">
+              <a:schemeClr val="accent1"/>
+            </a:effectRef>
+            <a:fontRef idx="minor">
+              <a:schemeClr val="lt1"/>
+            </a:fontRef>
+          </p:style>
+          <p:txBody>
+            <a:bodyPr rtlCol="0" anchor="ctr"/>
+            <a:lstStyle/>
+            <a:p>
+              <a:pPr algn="ctr"/>
+              <a:endParaRPr lang="en-US"/>
+            </a:p>
+          </p:txBody>
+        </p:sp>
+      </p:grpSp>
+      <p:sp>
+        <p:nvSpPr>
+          <p:cNvPr id="21" name="Rectangle 20">
+            <a:extLst>
+              <a:ext uri="{FF2B5EF4-FFF2-40B4-BE49-F238E27FC236}">
+                <a16:creationId xmlns:a16="http://schemas.microsoft.com/office/drawing/2014/main" id="{0DA909B4-15FF-46A6-8A7F-7AEF977FE9ED}"/>
+              </a:ext>
+              <a:ext uri="{C183D7F6-B498-43B3-948B-1728B52AA6E4}">
+                <adec:decorative xmlns:adec="http://schemas.microsoft.com/office/drawing/2017/decorative" val="1"/>
+              </a:ext>
+            </a:extLst>
+          </p:cNvPr>
+          <p:cNvSpPr>
+            <a:spLocks noGrp="1" noRot="1" noChangeAspect="1" noMove="1" noResize="1" noEditPoints="1" noAdjustHandles="1" noChangeArrowheads="1" noChangeShapeType="1" noTextEdit="1"/>
+          </p:cNvSpPr>
+          <p:nvPr>
+            <p:extLst>
+              <p:ext uri="{386F3935-93C4-4BCD-93E2-E3B085C9AB24}">
+                <p16:designElem xmlns:p16="http://schemas.microsoft.com/office/powerpoint/2015/main" val="1"/>
+              </p:ext>
+            </p:extLst>
+          </p:nvPr>
+        </p:nvSpPr>
+        <p:spPr>
+          <a:xfrm>
+            <a:off x="579528" y="517897"/>
+            <a:ext cx="11111729" cy="5857966"/>
+          </a:xfrm>
+          <a:prstGeom prst="rect">
+            <a:avLst/>
+          </a:prstGeom>
+          <a:solidFill>
+            <a:schemeClr val="bg1"/>
+          </a:solidFill>
+          <a:ln>
+            <a:noFill/>
+          </a:ln>
+          <a:effectLst>
+            <a:outerShdw blurRad="139700" dist="127000" dir="5400000" algn="t" rotWithShape="0">
+              <a:prstClr val="black">
+                <a:alpha val="15000"/>
+              </a:prstClr>
+            </a:outerShdw>
+          </a:effectLst>
+        </p:spPr>
+        <p:style>
+          <a:lnRef idx="2">
+            <a:schemeClr val="accent1">
+              <a:shade val="50000"/>
+            </a:schemeClr>
+          </a:lnRef>
+          <a:fillRef idx="1">
+            <a:schemeClr val="accent1"/>
+          </a:fillRef>
+          <a:effectRef idx="0">
+            <a:schemeClr val="accent1"/>
+          </a:effectRef>
+          <a:fontRef idx="minor">
+            <a:schemeClr val="lt1"/>
+          </a:fontRef>
+        </p:style>
+        <p:txBody>
+          <a:bodyPr rtlCol="0" anchor="ctr"/>
+          <a:lstStyle/>
+          <a:p>
+            <a:pPr algn="ctr"/>
+            <a:endParaRPr lang="en-US"/>
+          </a:p>
+        </p:txBody>
+      </p:sp>
+      <p:sp>
+        <p:nvSpPr>
+          <p:cNvPr id="2" name="Titel 1">
+            <a:extLst>
+              <a:ext uri="{FF2B5EF4-FFF2-40B4-BE49-F238E27FC236}">
+                <a16:creationId xmlns:a16="http://schemas.microsoft.com/office/drawing/2014/main" id="{F6655BA3-676A-D955-E13C-5A2890900397}"/>
+              </a:ext>
+            </a:extLst>
+          </p:cNvPr>
+          <p:cNvSpPr>
+            <a:spLocks noGrp="1"/>
+          </p:cNvSpPr>
+          <p:nvPr>
+            <p:ph type="title"/>
+          </p:nvPr>
+        </p:nvSpPr>
+        <p:spPr>
+          <a:xfrm>
+            <a:off x="1057025" y="922644"/>
+            <a:ext cx="7845156" cy="1169585"/>
+          </a:xfrm>
+        </p:spPr>
+        <p:txBody>
+          <a:bodyPr anchor="b">
+            <a:normAutofit fontScale="90000"/>
+          </a:bodyPr>
+          <a:lstStyle/>
+          <a:p>
+            <a:r>
+              <a:rPr lang="en-GB" sz="4000" dirty="0"/>
+              <a:t>Data preparation and manipulation (tsibble)</a:t>
+            </a:r>
+            <a:endParaRPr lang="en-GB" sz="3700" dirty="0"/>
+          </a:p>
+        </p:txBody>
+      </p:sp>
+      <p:sp>
+        <p:nvSpPr>
+          <p:cNvPr id="23" name="Rectangle 22">
+            <a:extLst>
+              <a:ext uri="{FF2B5EF4-FFF2-40B4-BE49-F238E27FC236}">
+                <a16:creationId xmlns:a16="http://schemas.microsoft.com/office/drawing/2014/main" id="{1382A32C-5B0C-4B1C-A074-76C6DBCC9F87}"/>
+              </a:ext>
+              <a:ext uri="{C183D7F6-B498-43B3-948B-1728B52AA6E4}">
+                <adec:decorative xmlns:adec="http://schemas.microsoft.com/office/drawing/2017/decorative" val="1"/>
+              </a:ext>
+            </a:extLst>
+          </p:cNvPr>
+          <p:cNvSpPr>
+            <a:spLocks noGrp="1" noRot="1" noChangeAspect="1" noMove="1" noResize="1" noEditPoints="1" noAdjustHandles="1" noChangeArrowheads="1" noChangeShapeType="1" noTextEdit="1"/>
+          </p:cNvSpPr>
+          <p:nvPr>
+            <p:extLst>
+              <p:ext uri="{386F3935-93C4-4BCD-93E2-E3B085C9AB24}">
+                <p16:designElem xmlns:p16="http://schemas.microsoft.com/office/powerpoint/2015/main" val="1"/>
+              </p:ext>
+            </p:extLst>
+          </p:nvPr>
+        </p:nvSpPr>
+        <p:spPr>
+          <a:xfrm flipH="1">
+            <a:off x="1055714" y="2263365"/>
+            <a:ext cx="4937760" cy="27432"/>
+          </a:xfrm>
+          <a:prstGeom prst="rect">
+            <a:avLst/>
+          </a:prstGeom>
+          <a:solidFill>
+            <a:schemeClr val="accent4"/>
+          </a:solidFill>
+          <a:ln>
+            <a:noFill/>
+          </a:ln>
+        </p:spPr>
+        <p:style>
+          <a:lnRef idx="2">
+            <a:schemeClr val="accent1">
+              <a:shade val="50000"/>
+            </a:schemeClr>
+          </a:lnRef>
+          <a:fillRef idx="1">
+            <a:schemeClr val="accent1"/>
+          </a:fillRef>
+          <a:effectRef idx="0">
+            <a:schemeClr val="accent1"/>
+          </a:effectRef>
+          <a:fontRef idx="minor">
+            <a:schemeClr val="lt1"/>
+          </a:fontRef>
+        </p:style>
+        <p:txBody>
+          <a:bodyPr rtlCol="0" anchor="ctr"/>
+          <a:lstStyle/>
+          <a:p>
+            <a:pPr algn="ctr"/>
+            <a:endParaRPr lang="en-US"/>
+          </a:p>
+        </p:txBody>
+      </p:sp>
+      <p:pic>
+        <p:nvPicPr>
+          <p:cNvPr id="3" name="Kamera 2">
+            <a:extLst>
+              <a:ext uri="{FF2B5EF4-FFF2-40B4-BE49-F238E27FC236}">
+                <a16:creationId xmlns:a16="http://schemas.microsoft.com/office/drawing/2014/main" id="{18C3FFBC-239F-FC30-2E9D-D5022F0510C7}"/>
+              </a:ext>
+            </a:extLst>
+          </p:cNvPr>
+          <p:cNvPicPr>
+            <a:picLocks noChangeAspect="1"/>
+            <a:extLst>
+              <a:ext uri="{51228E76-BA90-4043-B771-695A4F85340A}">
+                <alf:liveFeedProps xmlns:alf="http://schemas.microsoft.com/office/drawing/2021/livefeed"/>
+              </a:ext>
+            </a:extLst>
+          </p:cNvPicPr>
+          <p:nvPr/>
+        </p:nvPicPr>
+        <p:blipFill>
+          <a:blip r:embed="rId3">
+            <a:extLst>
+              <a:ext uri="{96DAC541-7B7A-43D3-8B79-37D633B846F1}">
+                <asvg:svgBlip xmlns:asvg="http://schemas.microsoft.com/office/drawing/2016/SVG/main" r:embed="rId4"/>
+              </a:ext>
+            </a:extLst>
+          </a:blip>
+          <a:stretch>
+            <a:fillRect/>
+          </a:stretch>
+        </p:blipFill>
+        <p:spPr>
+          <a:xfrm>
+            <a:off x="8961406" y="178904"/>
+            <a:ext cx="3048000" cy="1714500"/>
+          </a:xfrm>
+          <a:prstGeom prst="rect">
+            <a:avLst/>
+          </a:prstGeom>
+        </p:spPr>
+      </p:pic>
+      <p:sp>
+        <p:nvSpPr>
+          <p:cNvPr id="5" name="Inhaltsplatzhalter 2">
+            <a:extLst>
+              <a:ext uri="{FF2B5EF4-FFF2-40B4-BE49-F238E27FC236}">
+                <a16:creationId xmlns:a16="http://schemas.microsoft.com/office/drawing/2014/main" id="{AF1D1ADA-5604-79C1-62B8-3B296728FC92}"/>
+              </a:ext>
+            </a:extLst>
+          </p:cNvPr>
+          <p:cNvSpPr>
+            <a:spLocks noGrp="1"/>
+          </p:cNvSpPr>
+          <p:nvPr>
+            <p:ph idx="1"/>
+          </p:nvPr>
+        </p:nvSpPr>
+        <p:spPr>
+          <a:xfrm>
+            <a:off x="1077013" y="2522373"/>
+            <a:ext cx="7884393" cy="2403477"/>
           </a:xfrm>
           <a:solidFill>
             <a:schemeClr val="bg1">
@@ -7302,7 +8032,7 @@
     </p:spTree>
     <p:extLst>
       <p:ext uri="{BB962C8B-B14F-4D97-AF65-F5344CB8AC3E}">
-        <p14:creationId xmlns:p14="http://schemas.microsoft.com/office/powerpoint/2010/main" val="1362626014"/>
+        <p14:creationId xmlns:p14="http://schemas.microsoft.com/office/powerpoint/2010/main" val="3018277471"/>
       </p:ext>
     </p:extLst>
   </p:cSld>
@@ -7820,6 +8550,14 @@
 <file path=ppt/slides/slide7.xml><?xml version="1.0" encoding="utf-8"?>
 <p:sld xmlns:a="http://schemas.openxmlformats.org/drawingml/2006/main" xmlns:r="http://schemas.openxmlformats.org/officeDocument/2006/relationships" xmlns:p="http://schemas.openxmlformats.org/presentationml/2006/main">
   <p:cSld>
+    <p:bg>
+      <p:bgPr>
+        <a:solidFill>
+          <a:schemeClr val="bg1"/>
+        </a:solidFill>
+        <a:effectLst/>
+      </p:bgPr>
+    </p:bg>
     <p:spTree>
       <p:nvGrpSpPr>
         <p:cNvPr id="1" name=""/>
@@ -7834,53 +8572,448 @@
           <a:chExt cx="0" cy="0"/>
         </a:xfrm>
       </p:grpSpPr>
-      <p:sp>
-        <p:nvSpPr>
-          <p:cNvPr id="2" name="Titel 1">
-            <a:extLst>
-              <a:ext uri="{FF2B5EF4-FFF2-40B4-BE49-F238E27FC236}">
-                <a16:creationId xmlns:a16="http://schemas.microsoft.com/office/drawing/2014/main" id="{B2B21D8E-C881-C2DA-C320-B1C18BEAE16A}"/>
-              </a:ext>
-            </a:extLst>
-          </p:cNvPr>
-          <p:cNvSpPr>
-            <a:spLocks noGrp="1"/>
-          </p:cNvSpPr>
-          <p:nvPr>
-            <p:ph type="title"/>
-          </p:nvPr>
-        </p:nvSpPr>
-        <p:spPr/>
-        <p:txBody>
-          <a:bodyPr/>
-          <a:lstStyle/>
-          <a:p>
-            <a:r>
-              <a:rPr lang="en-GB" dirty="0"/>
-              <a:t>Model specification and estimation (fable)</a:t>
-            </a:r>
-          </a:p>
-        </p:txBody>
-      </p:sp>
-      <p:sp>
-        <p:nvSpPr>
-          <p:cNvPr id="3" name="Inhaltsplatzhalter 2">
-            <a:extLst>
-              <a:ext uri="{FF2B5EF4-FFF2-40B4-BE49-F238E27FC236}">
-                <a16:creationId xmlns:a16="http://schemas.microsoft.com/office/drawing/2014/main" id="{1CCE8582-EB6B-9B4B-C327-A907C1F3D744}"/>
-              </a:ext>
-            </a:extLst>
-          </p:cNvPr>
-          <p:cNvSpPr>
-            <a:spLocks noGrp="1"/>
-          </p:cNvSpPr>
-          <p:nvPr>
-            <p:ph idx="1"/>
+      <p:sp useBgFill="1">
+        <p:nvSpPr>
+          <p:cNvPr id="15" name="Rectangle 14">
+            <a:extLst>
+              <a:ext uri="{FF2B5EF4-FFF2-40B4-BE49-F238E27FC236}">
+                <a16:creationId xmlns:a16="http://schemas.microsoft.com/office/drawing/2014/main" id="{149FB5C3-7336-4FE0-A30C-CC0A3646D499}"/>
+              </a:ext>
+              <a:ext uri="{C183D7F6-B498-43B3-948B-1728B52AA6E4}">
+                <adec:decorative xmlns:adec="http://schemas.microsoft.com/office/drawing/2017/decorative" val="1"/>
+              </a:ext>
+            </a:extLst>
+          </p:cNvPr>
+          <p:cNvSpPr>
+            <a:spLocks noGrp="1" noRot="1" noChangeAspect="1" noMove="1" noResize="1" noEditPoints="1" noAdjustHandles="1" noChangeArrowheads="1" noChangeShapeType="1" noTextEdit="1"/>
+          </p:cNvSpPr>
+          <p:nvPr>
+            <p:extLst>
+              <p:ext uri="{386F3935-93C4-4BCD-93E2-E3B085C9AB24}">
+                <p16:designElem xmlns:p16="http://schemas.microsoft.com/office/powerpoint/2015/main" val="1"/>
+              </p:ext>
+            </p:extLst>
           </p:nvPr>
         </p:nvSpPr>
         <p:spPr>
           <a:xfrm>
-            <a:off x="896418" y="1697036"/>
+            <a:off x="0" y="0"/>
+            <a:ext cx="12191999" cy="6857365"/>
+          </a:xfrm>
+          <a:prstGeom prst="rect">
+            <a:avLst/>
+          </a:prstGeom>
+          <a:ln>
+            <a:noFill/>
+          </a:ln>
+        </p:spPr>
+        <p:style>
+          <a:lnRef idx="2">
+            <a:schemeClr val="accent1">
+              <a:shade val="50000"/>
+            </a:schemeClr>
+          </a:lnRef>
+          <a:fillRef idx="1">
+            <a:schemeClr val="accent1"/>
+          </a:fillRef>
+          <a:effectRef idx="0">
+            <a:schemeClr val="accent1"/>
+          </a:effectRef>
+          <a:fontRef idx="minor">
+            <a:schemeClr val="lt1"/>
+          </a:fontRef>
+        </p:style>
+        <p:txBody>
+          <a:bodyPr rtlCol="0" anchor="ctr"/>
+          <a:lstStyle/>
+          <a:p>
+            <a:pPr algn="ctr"/>
+            <a:endParaRPr lang="en-US"/>
+          </a:p>
+        </p:txBody>
+      </p:sp>
+      <p:grpSp>
+        <p:nvGrpSpPr>
+          <p:cNvPr id="17" name="Group 16">
+            <a:extLst>
+              <a:ext uri="{FF2B5EF4-FFF2-40B4-BE49-F238E27FC236}">
+                <a16:creationId xmlns:a16="http://schemas.microsoft.com/office/drawing/2014/main" id="{19A6B5CE-CB1D-48EE-8B43-E952235C8371}"/>
+              </a:ext>
+              <a:ext uri="{C183D7F6-B498-43B3-948B-1728B52AA6E4}">
+                <adec:decorative xmlns:adec="http://schemas.microsoft.com/office/drawing/2017/decorative" val="1"/>
+              </a:ext>
+            </a:extLst>
+          </p:cNvPr>
+          <p:cNvGrpSpPr>
+            <a:grpSpLocks noGrp="1" noUngrp="1" noRot="1" noChangeAspect="1" noMove="1" noResize="1"/>
+          </p:cNvGrpSpPr>
+          <p:nvPr>
+            <p:extLst>
+              <p:ext uri="{386F3935-93C4-4BCD-93E2-E3B085C9AB24}">
+                <p16:designElem xmlns:p16="http://schemas.microsoft.com/office/powerpoint/2015/main" val="1"/>
+              </p:ext>
+            </p:extLst>
+          </p:nvPr>
+        </p:nvGrpSpPr>
+        <p:grpSpPr>
+          <a:xfrm rot="5400000">
+            <a:off x="-2340441" y="2666183"/>
+            <a:ext cx="5860051" cy="527712"/>
+            <a:chOff x="6081624" y="1998368"/>
+            <a:chExt cx="5613457" cy="782175"/>
+          </a:xfrm>
+          <a:solidFill>
+            <a:schemeClr val="accent4"/>
+          </a:solidFill>
+        </p:grpSpPr>
+        <p:sp>
+          <p:nvSpPr>
+            <p:cNvPr id="18" name="Rectangle 17">
+              <a:extLst>
+                <a:ext uri="{FF2B5EF4-FFF2-40B4-BE49-F238E27FC236}">
+                  <a16:creationId xmlns:a16="http://schemas.microsoft.com/office/drawing/2014/main" id="{E3F3EAA5-4E15-400B-BBA3-82B3F49A2178}"/>
+                </a:ext>
+                <a:ext uri="{C183D7F6-B498-43B3-948B-1728B52AA6E4}">
+                  <adec:decorative xmlns:adec="http://schemas.microsoft.com/office/drawing/2017/decorative" val="1"/>
+                </a:ext>
+              </a:extLst>
+            </p:cNvPr>
+            <p:cNvSpPr/>
+            <p:nvPr>
+              <p:extLst>
+                <p:ext uri="{386F3935-93C4-4BCD-93E2-E3B085C9AB24}">
+                  <p16:designElem xmlns:p16="http://schemas.microsoft.com/office/powerpoint/2015/main" val="1"/>
+                </p:ext>
+              </p:extLst>
+            </p:nvPr>
+          </p:nvSpPr>
+          <p:spPr>
+            <a:xfrm rot="5400000">
+              <a:off x="11228040" y="2313027"/>
+              <a:ext cx="781700" cy="152382"/>
+            </a:xfrm>
+            <a:prstGeom prst="rect">
+              <a:avLst/>
+            </a:prstGeom>
+            <a:grpFill/>
+            <a:ln>
+              <a:noFill/>
+            </a:ln>
+          </p:spPr>
+          <p:style>
+            <a:lnRef idx="2">
+              <a:schemeClr val="accent1">
+                <a:shade val="50000"/>
+              </a:schemeClr>
+            </a:lnRef>
+            <a:fillRef idx="1">
+              <a:schemeClr val="accent1"/>
+            </a:fillRef>
+            <a:effectRef idx="0">
+              <a:schemeClr val="accent1"/>
+            </a:effectRef>
+            <a:fontRef idx="minor">
+              <a:schemeClr val="lt1"/>
+            </a:fontRef>
+          </p:style>
+          <p:txBody>
+            <a:bodyPr rtlCol="0" anchor="ctr"/>
+            <a:lstStyle/>
+            <a:p>
+              <a:pPr algn="ctr"/>
+              <a:endParaRPr lang="en-US"/>
+            </a:p>
+          </p:txBody>
+        </p:sp>
+        <p:sp>
+          <p:nvSpPr>
+            <p:cNvPr id="19" name="Rectangle 18">
+              <a:extLst>
+                <a:ext uri="{FF2B5EF4-FFF2-40B4-BE49-F238E27FC236}">
+                  <a16:creationId xmlns:a16="http://schemas.microsoft.com/office/drawing/2014/main" id="{72BA2E40-BE9B-4C54-9CDD-40EE804CCE64}"/>
+                </a:ext>
+                <a:ext uri="{C183D7F6-B498-43B3-948B-1728B52AA6E4}">
+                  <adec:decorative xmlns:adec="http://schemas.microsoft.com/office/drawing/2017/decorative" val="1"/>
+                </a:ext>
+              </a:extLst>
+            </p:cNvPr>
+            <p:cNvSpPr/>
+            <p:nvPr>
+              <p:extLst>
+                <p:ext uri="{386F3935-93C4-4BCD-93E2-E3B085C9AB24}">
+                  <p16:designElem xmlns:p16="http://schemas.microsoft.com/office/powerpoint/2015/main" val="1"/>
+                </p:ext>
+              </p:extLst>
+            </p:nvPr>
+          </p:nvSpPr>
+          <p:spPr>
+            <a:xfrm flipH="1" flipV="1">
+              <a:off x="6081624" y="1998844"/>
+              <a:ext cx="5372968" cy="781699"/>
+            </a:xfrm>
+            <a:prstGeom prst="rect">
+              <a:avLst/>
+            </a:prstGeom>
+            <a:grpFill/>
+            <a:ln>
+              <a:noFill/>
+            </a:ln>
+          </p:spPr>
+          <p:style>
+            <a:lnRef idx="2">
+              <a:schemeClr val="accent1">
+                <a:shade val="50000"/>
+              </a:schemeClr>
+            </a:lnRef>
+            <a:fillRef idx="1">
+              <a:schemeClr val="accent1"/>
+            </a:fillRef>
+            <a:effectRef idx="0">
+              <a:schemeClr val="accent1"/>
+            </a:effectRef>
+            <a:fontRef idx="minor">
+              <a:schemeClr val="lt1"/>
+            </a:fontRef>
+          </p:style>
+          <p:txBody>
+            <a:bodyPr rtlCol="0" anchor="ctr"/>
+            <a:lstStyle/>
+            <a:p>
+              <a:pPr algn="ctr"/>
+              <a:endParaRPr lang="en-US"/>
+            </a:p>
+          </p:txBody>
+        </p:sp>
+      </p:grpSp>
+      <p:sp>
+        <p:nvSpPr>
+          <p:cNvPr id="21" name="Rectangle 20">
+            <a:extLst>
+              <a:ext uri="{FF2B5EF4-FFF2-40B4-BE49-F238E27FC236}">
+                <a16:creationId xmlns:a16="http://schemas.microsoft.com/office/drawing/2014/main" id="{0DA909B4-15FF-46A6-8A7F-7AEF977FE9ED}"/>
+              </a:ext>
+              <a:ext uri="{C183D7F6-B498-43B3-948B-1728B52AA6E4}">
+                <adec:decorative xmlns:adec="http://schemas.microsoft.com/office/drawing/2017/decorative" val="1"/>
+              </a:ext>
+            </a:extLst>
+          </p:cNvPr>
+          <p:cNvSpPr>
+            <a:spLocks noGrp="1" noRot="1" noChangeAspect="1" noMove="1" noResize="1" noEditPoints="1" noAdjustHandles="1" noChangeArrowheads="1" noChangeShapeType="1" noTextEdit="1"/>
+          </p:cNvSpPr>
+          <p:nvPr>
+            <p:extLst>
+              <p:ext uri="{386F3935-93C4-4BCD-93E2-E3B085C9AB24}">
+                <p16:designElem xmlns:p16="http://schemas.microsoft.com/office/powerpoint/2015/main" val="1"/>
+              </p:ext>
+            </p:extLst>
+          </p:nvPr>
+        </p:nvSpPr>
+        <p:spPr>
+          <a:xfrm>
+            <a:off x="579528" y="517897"/>
+            <a:ext cx="11111729" cy="5857966"/>
+          </a:xfrm>
+          <a:prstGeom prst="rect">
+            <a:avLst/>
+          </a:prstGeom>
+          <a:solidFill>
+            <a:schemeClr val="bg1"/>
+          </a:solidFill>
+          <a:ln>
+            <a:noFill/>
+          </a:ln>
+          <a:effectLst>
+            <a:outerShdw blurRad="139700" dist="127000" dir="5400000" algn="t" rotWithShape="0">
+              <a:prstClr val="black">
+                <a:alpha val="15000"/>
+              </a:prstClr>
+            </a:outerShdw>
+          </a:effectLst>
+        </p:spPr>
+        <p:style>
+          <a:lnRef idx="2">
+            <a:schemeClr val="accent1">
+              <a:shade val="50000"/>
+            </a:schemeClr>
+          </a:lnRef>
+          <a:fillRef idx="1">
+            <a:schemeClr val="accent1"/>
+          </a:fillRef>
+          <a:effectRef idx="0">
+            <a:schemeClr val="accent1"/>
+          </a:effectRef>
+          <a:fontRef idx="minor">
+            <a:schemeClr val="lt1"/>
+          </a:fontRef>
+        </p:style>
+        <p:txBody>
+          <a:bodyPr rtlCol="0" anchor="ctr"/>
+          <a:lstStyle/>
+          <a:p>
+            <a:pPr algn="ctr"/>
+            <a:endParaRPr lang="en-US"/>
+          </a:p>
+        </p:txBody>
+      </p:sp>
+      <p:sp>
+        <p:nvSpPr>
+          <p:cNvPr id="2" name="Titel 1">
+            <a:extLst>
+              <a:ext uri="{FF2B5EF4-FFF2-40B4-BE49-F238E27FC236}">
+                <a16:creationId xmlns:a16="http://schemas.microsoft.com/office/drawing/2014/main" id="{F6655BA3-676A-D955-E13C-5A2890900397}"/>
+              </a:ext>
+            </a:extLst>
+          </p:cNvPr>
+          <p:cNvSpPr>
+            <a:spLocks noGrp="1"/>
+          </p:cNvSpPr>
+          <p:nvPr>
+            <p:ph type="title"/>
+          </p:nvPr>
+        </p:nvSpPr>
+        <p:spPr>
+          <a:xfrm>
+            <a:off x="1057025" y="922644"/>
+            <a:ext cx="7845156" cy="1169585"/>
+          </a:xfrm>
+        </p:spPr>
+        <p:txBody>
+          <a:bodyPr anchor="b">
+            <a:normAutofit fontScale="90000"/>
+          </a:bodyPr>
+          <a:lstStyle/>
+          <a:p>
+            <a:r>
+              <a:rPr lang="en-GB" sz="4000" dirty="0"/>
+              <a:t>Model specification and estimation (fable)</a:t>
+            </a:r>
+            <a:endParaRPr lang="en-GB" sz="3700" dirty="0"/>
+          </a:p>
+        </p:txBody>
+      </p:sp>
+      <p:sp>
+        <p:nvSpPr>
+          <p:cNvPr id="23" name="Rectangle 22">
+            <a:extLst>
+              <a:ext uri="{FF2B5EF4-FFF2-40B4-BE49-F238E27FC236}">
+                <a16:creationId xmlns:a16="http://schemas.microsoft.com/office/drawing/2014/main" id="{1382A32C-5B0C-4B1C-A074-76C6DBCC9F87}"/>
+              </a:ext>
+              <a:ext uri="{C183D7F6-B498-43B3-948B-1728B52AA6E4}">
+                <adec:decorative xmlns:adec="http://schemas.microsoft.com/office/drawing/2017/decorative" val="1"/>
+              </a:ext>
+            </a:extLst>
+          </p:cNvPr>
+          <p:cNvSpPr>
+            <a:spLocks noGrp="1" noRot="1" noChangeAspect="1" noMove="1" noResize="1" noEditPoints="1" noAdjustHandles="1" noChangeArrowheads="1" noChangeShapeType="1" noTextEdit="1"/>
+          </p:cNvSpPr>
+          <p:nvPr>
+            <p:extLst>
+              <p:ext uri="{386F3935-93C4-4BCD-93E2-E3B085C9AB24}">
+                <p16:designElem xmlns:p16="http://schemas.microsoft.com/office/powerpoint/2015/main" val="1"/>
+              </p:ext>
+            </p:extLst>
+          </p:nvPr>
+        </p:nvSpPr>
+        <p:spPr>
+          <a:xfrm flipH="1">
+            <a:off x="1055714" y="2263365"/>
+            <a:ext cx="4937760" cy="27432"/>
+          </a:xfrm>
+          <a:prstGeom prst="rect">
+            <a:avLst/>
+          </a:prstGeom>
+          <a:solidFill>
+            <a:schemeClr val="accent4"/>
+          </a:solidFill>
+          <a:ln>
+            <a:noFill/>
+          </a:ln>
+        </p:spPr>
+        <p:style>
+          <a:lnRef idx="2">
+            <a:schemeClr val="accent1">
+              <a:shade val="50000"/>
+            </a:schemeClr>
+          </a:lnRef>
+          <a:fillRef idx="1">
+            <a:schemeClr val="accent1"/>
+          </a:fillRef>
+          <a:effectRef idx="0">
+            <a:schemeClr val="accent1"/>
+          </a:effectRef>
+          <a:fontRef idx="minor">
+            <a:schemeClr val="lt1"/>
+          </a:fontRef>
+        </p:style>
+        <p:txBody>
+          <a:bodyPr rtlCol="0" anchor="ctr"/>
+          <a:lstStyle/>
+          <a:p>
+            <a:pPr algn="ctr"/>
+            <a:endParaRPr lang="en-US"/>
+          </a:p>
+        </p:txBody>
+      </p:sp>
+      <p:pic>
+        <p:nvPicPr>
+          <p:cNvPr id="3" name="Kamera 2">
+            <a:extLst>
+              <a:ext uri="{FF2B5EF4-FFF2-40B4-BE49-F238E27FC236}">
+                <a16:creationId xmlns:a16="http://schemas.microsoft.com/office/drawing/2014/main" id="{18C3FFBC-239F-FC30-2E9D-D5022F0510C7}"/>
+              </a:ext>
+            </a:extLst>
+          </p:cNvPr>
+          <p:cNvPicPr>
+            <a:picLocks noChangeAspect="1"/>
+            <a:extLst>
+              <a:ext uri="{51228E76-BA90-4043-B771-695A4F85340A}">
+                <alf:liveFeedProps xmlns:alf="http://schemas.microsoft.com/office/drawing/2021/livefeed"/>
+              </a:ext>
+            </a:extLst>
+          </p:cNvPicPr>
+          <p:nvPr/>
+        </p:nvPicPr>
+        <p:blipFill>
+          <a:blip r:embed="rId3">
+            <a:extLst>
+              <a:ext uri="{96DAC541-7B7A-43D3-8B79-37D633B846F1}">
+                <asvg:svgBlip xmlns:asvg="http://schemas.microsoft.com/office/drawing/2016/SVG/main" r:embed="rId4"/>
+              </a:ext>
+            </a:extLst>
+          </a:blip>
+          <a:stretch>
+            <a:fillRect/>
+          </a:stretch>
+        </p:blipFill>
+        <p:spPr>
+          <a:xfrm>
+            <a:off x="8961406" y="178904"/>
+            <a:ext cx="3048000" cy="1714500"/>
+          </a:xfrm>
+          <a:prstGeom prst="rect">
+            <a:avLst/>
+          </a:prstGeom>
+        </p:spPr>
+      </p:pic>
+      <p:sp>
+        <p:nvSpPr>
+          <p:cNvPr id="11" name="Inhaltsplatzhalter 2">
+            <a:extLst>
+              <a:ext uri="{FF2B5EF4-FFF2-40B4-BE49-F238E27FC236}">
+                <a16:creationId xmlns:a16="http://schemas.microsoft.com/office/drawing/2014/main" id="{3F8E8AAF-2421-7C99-0BC5-9C914EFA9112}"/>
+              </a:ext>
+            </a:extLst>
+          </p:cNvPr>
+          <p:cNvSpPr>
+            <a:spLocks noGrp="1"/>
+          </p:cNvSpPr>
+          <p:nvPr>
+            <p:ph idx="1"/>
+          </p:nvPr>
+        </p:nvSpPr>
+        <p:spPr>
+          <a:xfrm>
+            <a:off x="1055716" y="2437907"/>
             <a:ext cx="8005763" cy="388938"/>
           </a:xfrm>
           <a:solidFill>
@@ -7914,10 +9047,10 @@
       </p:sp>
       <p:sp>
         <p:nvSpPr>
-          <p:cNvPr id="4" name="Inhaltsplatzhalter 2">
-            <a:extLst>
-              <a:ext uri="{FF2B5EF4-FFF2-40B4-BE49-F238E27FC236}">
-                <a16:creationId xmlns:a16="http://schemas.microsoft.com/office/drawing/2014/main" id="{3BBADA47-A92A-A33F-3A27-131E68695AB2}"/>
+          <p:cNvPr id="12" name="Inhaltsplatzhalter 2">
+            <a:extLst>
+              <a:ext uri="{FF2B5EF4-FFF2-40B4-BE49-F238E27FC236}">
+                <a16:creationId xmlns:a16="http://schemas.microsoft.com/office/drawing/2014/main" id="{EA54F9E1-A830-8A5B-E662-8AB815638810}"/>
               </a:ext>
             </a:extLst>
           </p:cNvPr>
@@ -7928,7 +9061,7 @@
         </p:nvSpPr>
         <p:spPr>
           <a:xfrm>
-            <a:off x="896416" y="2214562"/>
+            <a:off x="1055714" y="2955433"/>
             <a:ext cx="8005763" cy="1720852"/>
           </a:xfrm>
           <a:prstGeom prst="rect">
@@ -8238,10 +9371,10 @@
       </p:sp>
       <p:sp>
         <p:nvSpPr>
-          <p:cNvPr id="5" name="Inhaltsplatzhalter 2">
-            <a:extLst>
-              <a:ext uri="{FF2B5EF4-FFF2-40B4-BE49-F238E27FC236}">
-                <a16:creationId xmlns:a16="http://schemas.microsoft.com/office/drawing/2014/main" id="{5BAB8254-AE14-AB88-23DD-88BDF54CA4F6}"/>
+          <p:cNvPr id="13" name="Inhaltsplatzhalter 2">
+            <a:extLst>
+              <a:ext uri="{FF2B5EF4-FFF2-40B4-BE49-F238E27FC236}">
+                <a16:creationId xmlns:a16="http://schemas.microsoft.com/office/drawing/2014/main" id="{80B511CA-465F-C37C-3EAC-5F3EA969B4E0}"/>
               </a:ext>
             </a:extLst>
           </p:cNvPr>
@@ -8252,7 +9385,7 @@
         </p:nvSpPr>
         <p:spPr>
           <a:xfrm>
-            <a:off x="896417" y="4064002"/>
+            <a:off x="1055715" y="4804873"/>
             <a:ext cx="8005763" cy="1203326"/>
           </a:xfrm>
           <a:prstGeom prst="rect">
@@ -8512,7 +9645,7 @@
     </p:spTree>
     <p:extLst>
       <p:ext uri="{BB962C8B-B14F-4D97-AF65-F5344CB8AC3E}">
-        <p14:creationId xmlns:p14="http://schemas.microsoft.com/office/powerpoint/2010/main" val="3916708116"/>
+        <p14:creationId xmlns:p14="http://schemas.microsoft.com/office/powerpoint/2010/main" val="1486188251"/>
       </p:ext>
     </p:extLst>
   </p:cSld>
@@ -8525,6 +9658,14 @@
 <file path=ppt/slides/slide8.xml><?xml version="1.0" encoding="utf-8"?>
 <p:sld xmlns:a="http://schemas.openxmlformats.org/drawingml/2006/main" xmlns:r="http://schemas.openxmlformats.org/officeDocument/2006/relationships" xmlns:p="http://schemas.openxmlformats.org/presentationml/2006/main">
   <p:cSld>
+    <p:bg>
+      <p:bgPr>
+        <a:solidFill>
+          <a:schemeClr val="bg1"/>
+        </a:solidFill>
+        <a:effectLst/>
+      </p:bgPr>
+    </p:bg>
     <p:spTree>
       <p:nvGrpSpPr>
         <p:cNvPr id="1" name=""/>
@@ -8539,12 +9680,295 @@
           <a:chExt cx="0" cy="0"/>
         </a:xfrm>
       </p:grpSpPr>
+      <p:sp useBgFill="1">
+        <p:nvSpPr>
+          <p:cNvPr id="15" name="Rectangle 14">
+            <a:extLst>
+              <a:ext uri="{FF2B5EF4-FFF2-40B4-BE49-F238E27FC236}">
+                <a16:creationId xmlns:a16="http://schemas.microsoft.com/office/drawing/2014/main" id="{149FB5C3-7336-4FE0-A30C-CC0A3646D499}"/>
+              </a:ext>
+              <a:ext uri="{C183D7F6-B498-43B3-948B-1728B52AA6E4}">
+                <adec:decorative xmlns:adec="http://schemas.microsoft.com/office/drawing/2017/decorative" val="1"/>
+              </a:ext>
+            </a:extLst>
+          </p:cNvPr>
+          <p:cNvSpPr>
+            <a:spLocks noGrp="1" noRot="1" noChangeAspect="1" noMove="1" noResize="1" noEditPoints="1" noAdjustHandles="1" noChangeArrowheads="1" noChangeShapeType="1" noTextEdit="1"/>
+          </p:cNvSpPr>
+          <p:nvPr>
+            <p:extLst>
+              <p:ext uri="{386F3935-93C4-4BCD-93E2-E3B085C9AB24}">
+                <p16:designElem xmlns:p16="http://schemas.microsoft.com/office/powerpoint/2015/main" val="1"/>
+              </p:ext>
+            </p:extLst>
+          </p:nvPr>
+        </p:nvSpPr>
+        <p:spPr>
+          <a:xfrm>
+            <a:off x="0" y="0"/>
+            <a:ext cx="12191999" cy="6857365"/>
+          </a:xfrm>
+          <a:prstGeom prst="rect">
+            <a:avLst/>
+          </a:prstGeom>
+          <a:ln>
+            <a:noFill/>
+          </a:ln>
+        </p:spPr>
+        <p:style>
+          <a:lnRef idx="2">
+            <a:schemeClr val="accent1">
+              <a:shade val="50000"/>
+            </a:schemeClr>
+          </a:lnRef>
+          <a:fillRef idx="1">
+            <a:schemeClr val="accent1"/>
+          </a:fillRef>
+          <a:effectRef idx="0">
+            <a:schemeClr val="accent1"/>
+          </a:effectRef>
+          <a:fontRef idx="minor">
+            <a:schemeClr val="lt1"/>
+          </a:fontRef>
+        </p:style>
+        <p:txBody>
+          <a:bodyPr rtlCol="0" anchor="ctr"/>
+          <a:lstStyle/>
+          <a:p>
+            <a:pPr algn="ctr"/>
+            <a:endParaRPr lang="en-US"/>
+          </a:p>
+        </p:txBody>
+      </p:sp>
+      <p:grpSp>
+        <p:nvGrpSpPr>
+          <p:cNvPr id="17" name="Group 16">
+            <a:extLst>
+              <a:ext uri="{FF2B5EF4-FFF2-40B4-BE49-F238E27FC236}">
+                <a16:creationId xmlns:a16="http://schemas.microsoft.com/office/drawing/2014/main" id="{19A6B5CE-CB1D-48EE-8B43-E952235C8371}"/>
+              </a:ext>
+              <a:ext uri="{C183D7F6-B498-43B3-948B-1728B52AA6E4}">
+                <adec:decorative xmlns:adec="http://schemas.microsoft.com/office/drawing/2017/decorative" val="1"/>
+              </a:ext>
+            </a:extLst>
+          </p:cNvPr>
+          <p:cNvGrpSpPr>
+            <a:grpSpLocks noGrp="1" noUngrp="1" noRot="1" noChangeAspect="1" noMove="1" noResize="1"/>
+          </p:cNvGrpSpPr>
+          <p:nvPr>
+            <p:extLst>
+              <p:ext uri="{386F3935-93C4-4BCD-93E2-E3B085C9AB24}">
+                <p16:designElem xmlns:p16="http://schemas.microsoft.com/office/powerpoint/2015/main" val="1"/>
+              </p:ext>
+            </p:extLst>
+          </p:nvPr>
+        </p:nvGrpSpPr>
+        <p:grpSpPr>
+          <a:xfrm rot="5400000">
+            <a:off x="-2340441" y="2666183"/>
+            <a:ext cx="5860051" cy="527712"/>
+            <a:chOff x="6081624" y="1998368"/>
+            <a:chExt cx="5613457" cy="782175"/>
+          </a:xfrm>
+          <a:solidFill>
+            <a:schemeClr val="accent4"/>
+          </a:solidFill>
+        </p:grpSpPr>
+        <p:sp>
+          <p:nvSpPr>
+            <p:cNvPr id="18" name="Rectangle 17">
+              <a:extLst>
+                <a:ext uri="{FF2B5EF4-FFF2-40B4-BE49-F238E27FC236}">
+                  <a16:creationId xmlns:a16="http://schemas.microsoft.com/office/drawing/2014/main" id="{E3F3EAA5-4E15-400B-BBA3-82B3F49A2178}"/>
+                </a:ext>
+                <a:ext uri="{C183D7F6-B498-43B3-948B-1728B52AA6E4}">
+                  <adec:decorative xmlns:adec="http://schemas.microsoft.com/office/drawing/2017/decorative" val="1"/>
+                </a:ext>
+              </a:extLst>
+            </p:cNvPr>
+            <p:cNvSpPr/>
+            <p:nvPr>
+              <p:extLst>
+                <p:ext uri="{386F3935-93C4-4BCD-93E2-E3B085C9AB24}">
+                  <p16:designElem xmlns:p16="http://schemas.microsoft.com/office/powerpoint/2015/main" val="1"/>
+                </p:ext>
+              </p:extLst>
+            </p:nvPr>
+          </p:nvSpPr>
+          <p:spPr>
+            <a:xfrm rot="5400000">
+              <a:off x="11228040" y="2313027"/>
+              <a:ext cx="781700" cy="152382"/>
+            </a:xfrm>
+            <a:prstGeom prst="rect">
+              <a:avLst/>
+            </a:prstGeom>
+            <a:grpFill/>
+            <a:ln>
+              <a:noFill/>
+            </a:ln>
+          </p:spPr>
+          <p:style>
+            <a:lnRef idx="2">
+              <a:schemeClr val="accent1">
+                <a:shade val="50000"/>
+              </a:schemeClr>
+            </a:lnRef>
+            <a:fillRef idx="1">
+              <a:schemeClr val="accent1"/>
+            </a:fillRef>
+            <a:effectRef idx="0">
+              <a:schemeClr val="accent1"/>
+            </a:effectRef>
+            <a:fontRef idx="minor">
+              <a:schemeClr val="lt1"/>
+            </a:fontRef>
+          </p:style>
+          <p:txBody>
+            <a:bodyPr rtlCol="0" anchor="ctr"/>
+            <a:lstStyle/>
+            <a:p>
+              <a:pPr algn="ctr"/>
+              <a:endParaRPr lang="en-US"/>
+            </a:p>
+          </p:txBody>
+        </p:sp>
+        <p:sp>
+          <p:nvSpPr>
+            <p:cNvPr id="19" name="Rectangle 18">
+              <a:extLst>
+                <a:ext uri="{FF2B5EF4-FFF2-40B4-BE49-F238E27FC236}">
+                  <a16:creationId xmlns:a16="http://schemas.microsoft.com/office/drawing/2014/main" id="{72BA2E40-BE9B-4C54-9CDD-40EE804CCE64}"/>
+                </a:ext>
+                <a:ext uri="{C183D7F6-B498-43B3-948B-1728B52AA6E4}">
+                  <adec:decorative xmlns:adec="http://schemas.microsoft.com/office/drawing/2017/decorative" val="1"/>
+                </a:ext>
+              </a:extLst>
+            </p:cNvPr>
+            <p:cNvSpPr/>
+            <p:nvPr>
+              <p:extLst>
+                <p:ext uri="{386F3935-93C4-4BCD-93E2-E3B085C9AB24}">
+                  <p16:designElem xmlns:p16="http://schemas.microsoft.com/office/powerpoint/2015/main" val="1"/>
+                </p:ext>
+              </p:extLst>
+            </p:nvPr>
+          </p:nvSpPr>
+          <p:spPr>
+            <a:xfrm flipH="1" flipV="1">
+              <a:off x="6081624" y="1998844"/>
+              <a:ext cx="5372968" cy="781699"/>
+            </a:xfrm>
+            <a:prstGeom prst="rect">
+              <a:avLst/>
+            </a:prstGeom>
+            <a:grpFill/>
+            <a:ln>
+              <a:noFill/>
+            </a:ln>
+          </p:spPr>
+          <p:style>
+            <a:lnRef idx="2">
+              <a:schemeClr val="accent1">
+                <a:shade val="50000"/>
+              </a:schemeClr>
+            </a:lnRef>
+            <a:fillRef idx="1">
+              <a:schemeClr val="accent1"/>
+            </a:fillRef>
+            <a:effectRef idx="0">
+              <a:schemeClr val="accent1"/>
+            </a:effectRef>
+            <a:fontRef idx="minor">
+              <a:schemeClr val="lt1"/>
+            </a:fontRef>
+          </p:style>
+          <p:txBody>
+            <a:bodyPr rtlCol="0" anchor="ctr"/>
+            <a:lstStyle/>
+            <a:p>
+              <a:pPr algn="ctr"/>
+              <a:endParaRPr lang="en-US"/>
+            </a:p>
+          </p:txBody>
+        </p:sp>
+      </p:grpSp>
+      <p:sp>
+        <p:nvSpPr>
+          <p:cNvPr id="21" name="Rectangle 20">
+            <a:extLst>
+              <a:ext uri="{FF2B5EF4-FFF2-40B4-BE49-F238E27FC236}">
+                <a16:creationId xmlns:a16="http://schemas.microsoft.com/office/drawing/2014/main" id="{0DA909B4-15FF-46A6-8A7F-7AEF977FE9ED}"/>
+              </a:ext>
+              <a:ext uri="{C183D7F6-B498-43B3-948B-1728B52AA6E4}">
+                <adec:decorative xmlns:adec="http://schemas.microsoft.com/office/drawing/2017/decorative" val="1"/>
+              </a:ext>
+            </a:extLst>
+          </p:cNvPr>
+          <p:cNvSpPr>
+            <a:spLocks noGrp="1" noRot="1" noChangeAspect="1" noMove="1" noResize="1" noEditPoints="1" noAdjustHandles="1" noChangeArrowheads="1" noChangeShapeType="1" noTextEdit="1"/>
+          </p:cNvSpPr>
+          <p:nvPr>
+            <p:extLst>
+              <p:ext uri="{386F3935-93C4-4BCD-93E2-E3B085C9AB24}">
+                <p16:designElem xmlns:p16="http://schemas.microsoft.com/office/powerpoint/2015/main" val="1"/>
+              </p:ext>
+            </p:extLst>
+          </p:nvPr>
+        </p:nvSpPr>
+        <p:spPr>
+          <a:xfrm>
+            <a:off x="579528" y="517897"/>
+            <a:ext cx="11111729" cy="5857966"/>
+          </a:xfrm>
+          <a:prstGeom prst="rect">
+            <a:avLst/>
+          </a:prstGeom>
+          <a:solidFill>
+            <a:schemeClr val="bg1"/>
+          </a:solidFill>
+          <a:ln>
+            <a:noFill/>
+          </a:ln>
+          <a:effectLst>
+            <a:outerShdw blurRad="139700" dist="127000" dir="5400000" algn="t" rotWithShape="0">
+              <a:prstClr val="black">
+                <a:alpha val="15000"/>
+              </a:prstClr>
+            </a:outerShdw>
+          </a:effectLst>
+        </p:spPr>
+        <p:style>
+          <a:lnRef idx="2">
+            <a:schemeClr val="accent1">
+              <a:shade val="50000"/>
+            </a:schemeClr>
+          </a:lnRef>
+          <a:fillRef idx="1">
+            <a:schemeClr val="accent1"/>
+          </a:fillRef>
+          <a:effectRef idx="0">
+            <a:schemeClr val="accent1"/>
+          </a:effectRef>
+          <a:fontRef idx="minor">
+            <a:schemeClr val="lt1"/>
+          </a:fontRef>
+        </p:style>
+        <p:txBody>
+          <a:bodyPr rtlCol="0" anchor="ctr"/>
+          <a:lstStyle/>
+          <a:p>
+            <a:pPr algn="ctr"/>
+            <a:endParaRPr lang="en-US"/>
+          </a:p>
+        </p:txBody>
+      </p:sp>
       <p:sp>
         <p:nvSpPr>
           <p:cNvPr id="2" name="Titel 1">
             <a:extLst>
               <a:ext uri="{FF2B5EF4-FFF2-40B4-BE49-F238E27FC236}">
-                <a16:creationId xmlns:a16="http://schemas.microsoft.com/office/drawing/2014/main" id="{4F0C1F02-5EC5-6063-FC3C-E0BFAADBE912}"/>
+                <a16:creationId xmlns:a16="http://schemas.microsoft.com/office/drawing/2014/main" id="{F6655BA3-676A-D955-E13C-5A2890900397}"/>
               </a:ext>
             </a:extLst>
           </p:cNvPr>
@@ -8555,24 +9979,136 @@
             <p:ph type="title"/>
           </p:nvPr>
         </p:nvSpPr>
-        <p:spPr/>
-        <p:txBody>
-          <a:bodyPr/>
+        <p:spPr>
+          <a:xfrm>
+            <a:off x="1057025" y="922644"/>
+            <a:ext cx="7845156" cy="1169585"/>
+          </a:xfrm>
+        </p:spPr>
+        <p:txBody>
+          <a:bodyPr anchor="t">
+            <a:normAutofit/>
+          </a:bodyPr>
           <a:lstStyle/>
           <a:p>
             <a:r>
-              <a:rPr lang="en-GB" dirty="0"/>
+              <a:rPr lang="en-GB" sz="4000" dirty="0"/>
               <a:t>Producing forecasts</a:t>
             </a:r>
-          </a:p>
-        </p:txBody>
-      </p:sp>
-      <p:sp>
-        <p:nvSpPr>
-          <p:cNvPr id="4" name="Inhaltsplatzhalter 2">
-            <a:extLst>
-              <a:ext uri="{FF2B5EF4-FFF2-40B4-BE49-F238E27FC236}">
-                <a16:creationId xmlns:a16="http://schemas.microsoft.com/office/drawing/2014/main" id="{28A58ABB-CFB8-4992-1CC2-3BDE01BB5B9B}"/>
+            <a:endParaRPr lang="en-GB" sz="3700" dirty="0"/>
+          </a:p>
+        </p:txBody>
+      </p:sp>
+      <p:sp>
+        <p:nvSpPr>
+          <p:cNvPr id="23" name="Rectangle 22">
+            <a:extLst>
+              <a:ext uri="{FF2B5EF4-FFF2-40B4-BE49-F238E27FC236}">
+                <a16:creationId xmlns:a16="http://schemas.microsoft.com/office/drawing/2014/main" id="{1382A32C-5B0C-4B1C-A074-76C6DBCC9F87}"/>
+              </a:ext>
+              <a:ext uri="{C183D7F6-B498-43B3-948B-1728B52AA6E4}">
+                <adec:decorative xmlns:adec="http://schemas.microsoft.com/office/drawing/2017/decorative" val="1"/>
+              </a:ext>
+            </a:extLst>
+          </p:cNvPr>
+          <p:cNvSpPr>
+            <a:spLocks noGrp="1" noRot="1" noChangeAspect="1" noMove="1" noResize="1" noEditPoints="1" noAdjustHandles="1" noChangeArrowheads="1" noChangeShapeType="1" noTextEdit="1"/>
+          </p:cNvSpPr>
+          <p:nvPr>
+            <p:extLst>
+              <p:ext uri="{386F3935-93C4-4BCD-93E2-E3B085C9AB24}">
+                <p16:designElem xmlns:p16="http://schemas.microsoft.com/office/powerpoint/2015/main" val="1"/>
+              </p:ext>
+            </p:extLst>
+          </p:nvPr>
+        </p:nvSpPr>
+        <p:spPr>
+          <a:xfrm flipH="1">
+            <a:off x="1055714" y="2263365"/>
+            <a:ext cx="4937760" cy="27432"/>
+          </a:xfrm>
+          <a:prstGeom prst="rect">
+            <a:avLst/>
+          </a:prstGeom>
+          <a:solidFill>
+            <a:schemeClr val="accent4"/>
+          </a:solidFill>
+          <a:ln>
+            <a:noFill/>
+          </a:ln>
+        </p:spPr>
+        <p:style>
+          <a:lnRef idx="2">
+            <a:schemeClr val="accent1">
+              <a:shade val="50000"/>
+            </a:schemeClr>
+          </a:lnRef>
+          <a:fillRef idx="1">
+            <a:schemeClr val="accent1"/>
+          </a:fillRef>
+          <a:effectRef idx="0">
+            <a:schemeClr val="accent1"/>
+          </a:effectRef>
+          <a:fontRef idx="minor">
+            <a:schemeClr val="lt1"/>
+          </a:fontRef>
+        </p:style>
+        <p:txBody>
+          <a:bodyPr rtlCol="0" anchor="ctr"/>
+          <a:lstStyle/>
+          <a:p>
+            <a:pPr algn="ctr"/>
+            <a:endParaRPr lang="en-US"/>
+          </a:p>
+        </p:txBody>
+      </p:sp>
+      <p:pic>
+        <p:nvPicPr>
+          <p:cNvPr id="3" name="Kamera 2">
+            <a:extLst>
+              <a:ext uri="{FF2B5EF4-FFF2-40B4-BE49-F238E27FC236}">
+                <a16:creationId xmlns:a16="http://schemas.microsoft.com/office/drawing/2014/main" id="{18C3FFBC-239F-FC30-2E9D-D5022F0510C7}"/>
+              </a:ext>
+            </a:extLst>
+          </p:cNvPr>
+          <p:cNvPicPr>
+            <a:picLocks noChangeAspect="1"/>
+            <a:extLst>
+              <a:ext uri="{51228E76-BA90-4043-B771-695A4F85340A}">
+                <alf:liveFeedProps xmlns:alf="http://schemas.microsoft.com/office/drawing/2021/livefeed"/>
+              </a:ext>
+            </a:extLst>
+          </p:cNvPicPr>
+          <p:nvPr/>
+        </p:nvPicPr>
+        <p:blipFill>
+          <a:blip r:embed="rId3">
+            <a:extLst>
+              <a:ext uri="{96DAC541-7B7A-43D3-8B79-37D633B846F1}">
+                <asvg:svgBlip xmlns:asvg="http://schemas.microsoft.com/office/drawing/2016/SVG/main" r:embed="rId4"/>
+              </a:ext>
+            </a:extLst>
+          </a:blip>
+          <a:stretch>
+            <a:fillRect/>
+          </a:stretch>
+        </p:blipFill>
+        <p:spPr>
+          <a:xfrm>
+            <a:off x="8961406" y="178904"/>
+            <a:ext cx="3048000" cy="1714500"/>
+          </a:xfrm>
+          <a:prstGeom prst="rect">
+            <a:avLst/>
+          </a:prstGeom>
+        </p:spPr>
+      </p:pic>
+      <p:sp>
+        <p:nvSpPr>
+          <p:cNvPr id="6" name="Inhaltsplatzhalter 2">
+            <a:extLst>
+              <a:ext uri="{FF2B5EF4-FFF2-40B4-BE49-F238E27FC236}">
+                <a16:creationId xmlns:a16="http://schemas.microsoft.com/office/drawing/2014/main" id="{24C731EB-458D-8FFD-F2BC-52C0B595C719}"/>
               </a:ext>
             </a:extLst>
           </p:cNvPr>
@@ -8583,8 +10119,8 @@
         </p:nvSpPr>
         <p:spPr>
           <a:xfrm>
-            <a:off x="838200" y="1443037"/>
-            <a:ext cx="8005763" cy="2857502"/>
+            <a:off x="1055714" y="1555592"/>
+            <a:ext cx="7587544" cy="2857502"/>
           </a:xfrm>
           <a:prstGeom prst="rect">
             <a:avLst/>
@@ -9035,10 +10571,10 @@
       </p:sp>
       <p:sp>
         <p:nvSpPr>
-          <p:cNvPr id="5" name="Inhaltsplatzhalter 2">
-            <a:extLst>
-              <a:ext uri="{FF2B5EF4-FFF2-40B4-BE49-F238E27FC236}">
-                <a16:creationId xmlns:a16="http://schemas.microsoft.com/office/drawing/2014/main" id="{80EFA7C1-8B08-543E-12FE-E6106629774D}"/>
+          <p:cNvPr id="7" name="Inhaltsplatzhalter 2">
+            <a:extLst>
+              <a:ext uri="{FF2B5EF4-FFF2-40B4-BE49-F238E27FC236}">
+                <a16:creationId xmlns:a16="http://schemas.microsoft.com/office/drawing/2014/main" id="{B71C08A0-C059-75BC-C319-EA2F45DDA59B}"/>
               </a:ext>
             </a:extLst>
           </p:cNvPr>
@@ -9049,8 +10585,8 @@
         </p:nvSpPr>
         <p:spPr>
           <a:xfrm>
-            <a:off x="838199" y="4438650"/>
-            <a:ext cx="8005763" cy="1662113"/>
+            <a:off x="1055715" y="4473086"/>
+            <a:ext cx="7587544" cy="1662113"/>
           </a:xfrm>
           <a:prstGeom prst="rect">
             <a:avLst/>
@@ -9445,7 +10981,7 @@
     </p:spTree>
     <p:extLst>
       <p:ext uri="{BB962C8B-B14F-4D97-AF65-F5344CB8AC3E}">
-        <p14:creationId xmlns:p14="http://schemas.microsoft.com/office/powerpoint/2010/main" val="1046997977"/>
+        <p14:creationId xmlns:p14="http://schemas.microsoft.com/office/powerpoint/2010/main" val="3654422286"/>
       </p:ext>
     </p:extLst>
   </p:cSld>
@@ -9477,7 +11013,7 @@
           <p:cNvPr id="2" name="Titel 1">
             <a:extLst>
               <a:ext uri="{FF2B5EF4-FFF2-40B4-BE49-F238E27FC236}">
-                <a16:creationId xmlns:a16="http://schemas.microsoft.com/office/drawing/2014/main" id="{0B48BBB3-6C1D-1C49-FE89-E5F0BEBE1942}"/>
+                <a16:creationId xmlns:a16="http://schemas.microsoft.com/office/drawing/2014/main" id="{4F0C1F02-5EC5-6063-FC3C-E0BFAADBE912}"/>
               </a:ext>
             </a:extLst>
           </p:cNvPr>
@@ -9495,89 +11031,882 @@
           <a:p>
             <a:r>
               <a:rPr lang="en-GB" dirty="0"/>
-              <a:t>Further Reading</a:t>
-            </a:r>
-          </a:p>
-        </p:txBody>
-      </p:sp>
-      <p:sp>
-        <p:nvSpPr>
-          <p:cNvPr id="3" name="Inhaltsplatzhalter 2">
-            <a:extLst>
-              <a:ext uri="{FF2B5EF4-FFF2-40B4-BE49-F238E27FC236}">
-                <a16:creationId xmlns:a16="http://schemas.microsoft.com/office/drawing/2014/main" id="{A19D6F9B-F207-802B-2B37-FF4683C12746}"/>
-              </a:ext>
-            </a:extLst>
-          </p:cNvPr>
-          <p:cNvSpPr>
-            <a:spLocks noGrp="1"/>
-          </p:cNvSpPr>
-          <p:nvPr>
-            <p:ph idx="1"/>
-          </p:nvPr>
-        </p:nvSpPr>
-        <p:spPr/>
-        <p:txBody>
-          <a:bodyPr/>
-          <a:lstStyle/>
-          <a:p>
-            <a:r>
-              <a:rPr lang="en-GB" dirty="0">
-                <a:hlinkClick r:id="rId2"/>
-              </a:rPr>
-              <a:t>https://tsibble.tidyverts.org</a:t>
-            </a:r>
-            <a:endParaRPr lang="en-GB" dirty="0"/>
-          </a:p>
-          <a:p>
-            <a:r>
-              <a:rPr lang="en-GB" dirty="0">
-                <a:hlinkClick r:id="rId3"/>
-              </a:rPr>
-              <a:t>https://fable.tidyverts.org</a:t>
-            </a:r>
-            <a:endParaRPr lang="en-GB" dirty="0"/>
-          </a:p>
-          <a:p>
-            <a:r>
-              <a:rPr lang="en-GB" dirty="0"/>
-              <a:t>http://</a:t>
-            </a:r>
-            <a:r>
-              <a:rPr lang="en-GB" dirty="0" err="1"/>
-              <a:t>cran.nexr.com</a:t>
-            </a:r>
-            <a:r>
-              <a:rPr lang="en-GB" dirty="0"/>
-              <a:t>/web/packages/tsibble/vignettes/intro-</a:t>
-            </a:r>
-            <a:r>
-              <a:rPr lang="en-GB" dirty="0" err="1"/>
-              <a:t>tsibble.html</a:t>
-            </a:r>
-            <a:endParaRPr lang="en-GB" dirty="0"/>
-          </a:p>
-          <a:p>
-            <a:r>
-              <a:rPr lang="en-GB" dirty="0">
-                <a:hlinkClick r:id="rId4"/>
-              </a:rPr>
-              <a:t>https://www.mitchelloharawild.com/blog/fable/</a:t>
-            </a:r>
-            <a:endParaRPr lang="en-GB" dirty="0"/>
-          </a:p>
-          <a:p>
-            <a:r>
-              <a:rPr lang="en-GB" dirty="0"/>
-              <a:t>https://</a:t>
-            </a:r>
-            <a:r>
-              <a:rPr lang="en-GB" dirty="0" err="1"/>
-              <a:t>otexts.com</a:t>
-            </a:r>
-            <a:r>
-              <a:rPr lang="en-GB" dirty="0"/>
-              <a:t>/fpp3/</a:t>
+              <a:t>Producing forecasts</a:t>
+            </a:r>
+          </a:p>
+        </p:txBody>
+      </p:sp>
+      <p:sp>
+        <p:nvSpPr>
+          <p:cNvPr id="4" name="Inhaltsplatzhalter 2">
+            <a:extLst>
+              <a:ext uri="{FF2B5EF4-FFF2-40B4-BE49-F238E27FC236}">
+                <a16:creationId xmlns:a16="http://schemas.microsoft.com/office/drawing/2014/main" id="{28A58ABB-CFB8-4992-1CC2-3BDE01BB5B9B}"/>
+              </a:ext>
+            </a:extLst>
+          </p:cNvPr>
+          <p:cNvSpPr txBox="1">
+            <a:spLocks/>
+          </p:cNvSpPr>
+          <p:nvPr/>
+        </p:nvSpPr>
+        <p:spPr>
+          <a:xfrm>
+            <a:off x="838200" y="1443037"/>
+            <a:ext cx="8005763" cy="2857502"/>
+          </a:xfrm>
+          <a:prstGeom prst="rect">
+            <a:avLst/>
+          </a:prstGeom>
+          <a:solidFill>
+            <a:schemeClr val="bg1">
+              <a:lumMod val="95000"/>
+            </a:schemeClr>
+          </a:solidFill>
+        </p:spPr>
+        <p:txBody>
+          <a:bodyPr vert="horz" lIns="91440" tIns="45720" rIns="91440" bIns="45720" rtlCol="0">
+            <a:noAutofit/>
+          </a:bodyPr>
+          <a:lstStyle>
+            <a:lvl1pPr marL="228600" indent="-228600" algn="l" defTabSz="914400" rtl="0" eaLnBrk="1" latinLnBrk="0" hangingPunct="1">
+              <a:lnSpc>
+                <a:spcPct val="90000"/>
+              </a:lnSpc>
+              <a:spcBef>
+                <a:spcPts val="1000"/>
+              </a:spcBef>
+              <a:buFont typeface="Arial" panose="020B0604020202020204" pitchFamily="34" charset="0"/>
+              <a:buChar char="•"/>
+              <a:defRPr sz="2800" kern="1200">
+                <a:solidFill>
+                  <a:schemeClr val="tx1"/>
+                </a:solidFill>
+                <a:latin typeface="+mn-lt"/>
+                <a:ea typeface="+mn-ea"/>
+                <a:cs typeface="+mn-cs"/>
+              </a:defRPr>
+            </a:lvl1pPr>
+            <a:lvl2pPr marL="685800" indent="-228600" algn="l" defTabSz="914400" rtl="0" eaLnBrk="1" latinLnBrk="0" hangingPunct="1">
+              <a:lnSpc>
+                <a:spcPct val="90000"/>
+              </a:lnSpc>
+              <a:spcBef>
+                <a:spcPts val="500"/>
+              </a:spcBef>
+              <a:buFont typeface="Arial" panose="020B0604020202020204" pitchFamily="34" charset="0"/>
+              <a:buChar char="•"/>
+              <a:defRPr sz="2400" kern="1200">
+                <a:solidFill>
+                  <a:schemeClr val="tx1"/>
+                </a:solidFill>
+                <a:latin typeface="+mn-lt"/>
+                <a:ea typeface="+mn-ea"/>
+                <a:cs typeface="+mn-cs"/>
+              </a:defRPr>
+            </a:lvl2pPr>
+            <a:lvl3pPr marL="1143000" indent="-228600" algn="l" defTabSz="914400" rtl="0" eaLnBrk="1" latinLnBrk="0" hangingPunct="1">
+              <a:lnSpc>
+                <a:spcPct val="90000"/>
+              </a:lnSpc>
+              <a:spcBef>
+                <a:spcPts val="500"/>
+              </a:spcBef>
+              <a:buFont typeface="Arial" panose="020B0604020202020204" pitchFamily="34" charset="0"/>
+              <a:buChar char="•"/>
+              <a:defRPr sz="2000" kern="1200">
+                <a:solidFill>
+                  <a:schemeClr val="tx1"/>
+                </a:solidFill>
+                <a:latin typeface="+mn-lt"/>
+                <a:ea typeface="+mn-ea"/>
+                <a:cs typeface="+mn-cs"/>
+              </a:defRPr>
+            </a:lvl3pPr>
+            <a:lvl4pPr marL="1600200" indent="-228600" algn="l" defTabSz="914400" rtl="0" eaLnBrk="1" latinLnBrk="0" hangingPunct="1">
+              <a:lnSpc>
+                <a:spcPct val="90000"/>
+              </a:lnSpc>
+              <a:spcBef>
+                <a:spcPts val="500"/>
+              </a:spcBef>
+              <a:buFont typeface="Arial" panose="020B0604020202020204" pitchFamily="34" charset="0"/>
+              <a:buChar char="•"/>
+              <a:defRPr sz="1800" kern="1200">
+                <a:solidFill>
+                  <a:schemeClr val="tx1"/>
+                </a:solidFill>
+                <a:latin typeface="+mn-lt"/>
+                <a:ea typeface="+mn-ea"/>
+                <a:cs typeface="+mn-cs"/>
+              </a:defRPr>
+            </a:lvl4pPr>
+            <a:lvl5pPr marL="2057400" indent="-228600" algn="l" defTabSz="914400" rtl="0" eaLnBrk="1" latinLnBrk="0" hangingPunct="1">
+              <a:lnSpc>
+                <a:spcPct val="90000"/>
+              </a:lnSpc>
+              <a:spcBef>
+                <a:spcPts val="500"/>
+              </a:spcBef>
+              <a:buFont typeface="Arial" panose="020B0604020202020204" pitchFamily="34" charset="0"/>
+              <a:buChar char="•"/>
+              <a:defRPr sz="1800" kern="1200">
+                <a:solidFill>
+                  <a:schemeClr val="tx1"/>
+                </a:solidFill>
+                <a:latin typeface="+mn-lt"/>
+                <a:ea typeface="+mn-ea"/>
+                <a:cs typeface="+mn-cs"/>
+              </a:defRPr>
+            </a:lvl5pPr>
+            <a:lvl6pPr marL="2514600" indent="-228600" algn="l" defTabSz="914400" rtl="0" eaLnBrk="1" latinLnBrk="0" hangingPunct="1">
+              <a:lnSpc>
+                <a:spcPct val="90000"/>
+              </a:lnSpc>
+              <a:spcBef>
+                <a:spcPts val="500"/>
+              </a:spcBef>
+              <a:buFont typeface="Arial" panose="020B0604020202020204" pitchFamily="34" charset="0"/>
+              <a:buChar char="•"/>
+              <a:defRPr sz="1800" kern="1200">
+                <a:solidFill>
+                  <a:schemeClr val="tx1"/>
+                </a:solidFill>
+                <a:latin typeface="+mn-lt"/>
+                <a:ea typeface="+mn-ea"/>
+                <a:cs typeface="+mn-cs"/>
+              </a:defRPr>
+            </a:lvl6pPr>
+            <a:lvl7pPr marL="2971800" indent="-228600" algn="l" defTabSz="914400" rtl="0" eaLnBrk="1" latinLnBrk="0" hangingPunct="1">
+              <a:lnSpc>
+                <a:spcPct val="90000"/>
+              </a:lnSpc>
+              <a:spcBef>
+                <a:spcPts val="500"/>
+              </a:spcBef>
+              <a:buFont typeface="Arial" panose="020B0604020202020204" pitchFamily="34" charset="0"/>
+              <a:buChar char="•"/>
+              <a:defRPr sz="1800" kern="1200">
+                <a:solidFill>
+                  <a:schemeClr val="tx1"/>
+                </a:solidFill>
+                <a:latin typeface="+mn-lt"/>
+                <a:ea typeface="+mn-ea"/>
+                <a:cs typeface="+mn-cs"/>
+              </a:defRPr>
+            </a:lvl7pPr>
+            <a:lvl8pPr marL="3429000" indent="-228600" algn="l" defTabSz="914400" rtl="0" eaLnBrk="1" latinLnBrk="0" hangingPunct="1">
+              <a:lnSpc>
+                <a:spcPct val="90000"/>
+              </a:lnSpc>
+              <a:spcBef>
+                <a:spcPts val="500"/>
+              </a:spcBef>
+              <a:buFont typeface="Arial" panose="020B0604020202020204" pitchFamily="34" charset="0"/>
+              <a:buChar char="•"/>
+              <a:defRPr sz="1800" kern="1200">
+                <a:solidFill>
+                  <a:schemeClr val="tx1"/>
+                </a:solidFill>
+                <a:latin typeface="+mn-lt"/>
+                <a:ea typeface="+mn-ea"/>
+                <a:cs typeface="+mn-cs"/>
+              </a:defRPr>
+            </a:lvl8pPr>
+            <a:lvl9pPr marL="3886200" indent="-228600" algn="l" defTabSz="914400" rtl="0" eaLnBrk="1" latinLnBrk="0" hangingPunct="1">
+              <a:lnSpc>
+                <a:spcPct val="90000"/>
+              </a:lnSpc>
+              <a:spcBef>
+                <a:spcPts val="500"/>
+              </a:spcBef>
+              <a:buFont typeface="Arial" panose="020B0604020202020204" pitchFamily="34" charset="0"/>
+              <a:buChar char="•"/>
+              <a:defRPr sz="1800" kern="1200">
+                <a:solidFill>
+                  <a:schemeClr val="tx1"/>
+                </a:solidFill>
+                <a:latin typeface="+mn-lt"/>
+                <a:ea typeface="+mn-ea"/>
+                <a:cs typeface="+mn-cs"/>
+              </a:defRPr>
+            </a:lvl9pPr>
+          </a:lstStyle>
+          <a:p>
+            <a:pPr marL="0" indent="0">
+              <a:buFont typeface="Arial" panose="020B0604020202020204" pitchFamily="34" charset="0"/>
+              <a:buNone/>
+            </a:pPr>
+            <a:r>
+              <a:rPr lang="de-DE" sz="2000" dirty="0">
+                <a:solidFill>
+                  <a:schemeClr val="bg1">
+                    <a:lumMod val="50000"/>
+                  </a:schemeClr>
+                </a:solidFill>
+                <a:latin typeface="SFMono-Regular"/>
+              </a:rPr>
+              <a:t># </a:t>
+            </a:r>
+            <a:r>
+              <a:rPr lang="de-DE" sz="2000" dirty="0" err="1">
+                <a:solidFill>
+                  <a:schemeClr val="bg1">
+                    <a:lumMod val="50000"/>
+                  </a:schemeClr>
+                </a:solidFill>
+                <a:latin typeface="SFMono-Regular"/>
+              </a:rPr>
+              <a:t>Comparing</a:t>
+            </a:r>
+            <a:r>
+              <a:rPr lang="de-DE" sz="2000" dirty="0">
+                <a:solidFill>
+                  <a:schemeClr val="bg1">
+                    <a:lumMod val="50000"/>
+                  </a:schemeClr>
+                </a:solidFill>
+                <a:latin typeface="SFMono-Regular"/>
+              </a:rPr>
+              <a:t> multiple </a:t>
+            </a:r>
+            <a:r>
+              <a:rPr lang="de-DE" sz="2000" dirty="0" err="1">
+                <a:solidFill>
+                  <a:schemeClr val="bg1">
+                    <a:lumMod val="50000"/>
+                  </a:schemeClr>
+                </a:solidFill>
+                <a:latin typeface="SFMono-Regular"/>
+              </a:rPr>
+              <a:t>models</a:t>
+            </a:r>
+            <a:endParaRPr lang="de-DE" sz="2000" dirty="0">
+              <a:solidFill>
+                <a:schemeClr val="bg1">
+                  <a:lumMod val="50000"/>
+                </a:schemeClr>
+              </a:solidFill>
+              <a:latin typeface="SFMono-Regular"/>
+            </a:endParaRPr>
+          </a:p>
+          <a:p>
+            <a:pPr marL="0" indent="0">
+              <a:buFont typeface="Arial" panose="020B0604020202020204" pitchFamily="34" charset="0"/>
+              <a:buNone/>
+            </a:pPr>
+            <a:r>
+              <a:rPr lang="de-DE" sz="2000" dirty="0">
+                <a:solidFill>
+                  <a:srgbClr val="333333"/>
+                </a:solidFill>
+                <a:latin typeface="SFMono-Regular"/>
+              </a:rPr>
+              <a:t>fit &lt;- </a:t>
+            </a:r>
+            <a:r>
+              <a:rPr lang="de-DE" sz="2000" dirty="0" err="1">
+                <a:solidFill>
+                  <a:srgbClr val="333333"/>
+                </a:solidFill>
+                <a:latin typeface="SFMono-Regular"/>
+              </a:rPr>
+              <a:t>tourism_t_trips</a:t>
+            </a:r>
+            <a:r>
+              <a:rPr lang="de-DE" sz="2000" dirty="0">
+                <a:solidFill>
+                  <a:srgbClr val="333333"/>
+                </a:solidFill>
+                <a:latin typeface="SFMono-Regular"/>
+              </a:rPr>
+              <a:t> %&gt;% </a:t>
+            </a:r>
+          </a:p>
+          <a:p>
+            <a:pPr marL="0" indent="0">
+              <a:buFont typeface="Arial" panose="020B0604020202020204" pitchFamily="34" charset="0"/>
+              <a:buNone/>
+            </a:pPr>
+            <a:r>
+              <a:rPr lang="de-DE" sz="2000" dirty="0">
+                <a:solidFill>
+                  <a:srgbClr val="333333"/>
+                </a:solidFill>
+                <a:latin typeface="SFMono-Regular"/>
+              </a:rPr>
+              <a:t>  </a:t>
+            </a:r>
+            <a:r>
+              <a:rPr lang="de-DE" sz="2000" dirty="0" err="1">
+                <a:solidFill>
+                  <a:srgbClr val="333333"/>
+                </a:solidFill>
+                <a:latin typeface="SFMono-Regular"/>
+              </a:rPr>
+              <a:t>model</a:t>
+            </a:r>
+            <a:r>
+              <a:rPr lang="de-DE" sz="2000" dirty="0">
+                <a:solidFill>
+                  <a:srgbClr val="333333"/>
+                </a:solidFill>
+                <a:latin typeface="SFMono-Regular"/>
+              </a:rPr>
+              <a:t>(</a:t>
+            </a:r>
+          </a:p>
+          <a:p>
+            <a:pPr marL="0" indent="0">
+              <a:buFont typeface="Arial" panose="020B0604020202020204" pitchFamily="34" charset="0"/>
+              <a:buNone/>
+            </a:pPr>
+            <a:r>
+              <a:rPr lang="de-DE" sz="2000" dirty="0">
+                <a:solidFill>
+                  <a:srgbClr val="333333"/>
+                </a:solidFill>
+                <a:latin typeface="SFMono-Regular"/>
+              </a:rPr>
+              <a:t>    </a:t>
+            </a:r>
+            <a:r>
+              <a:rPr lang="de-DE" sz="2000" dirty="0" err="1">
+                <a:solidFill>
+                  <a:srgbClr val="333333"/>
+                </a:solidFill>
+                <a:latin typeface="SFMono-Regular"/>
+              </a:rPr>
+              <a:t>ets</a:t>
+            </a:r>
+            <a:r>
+              <a:rPr lang="de-DE" sz="2000" dirty="0">
+                <a:solidFill>
+                  <a:srgbClr val="333333"/>
+                </a:solidFill>
+                <a:latin typeface="SFMono-Regular"/>
+              </a:rPr>
+              <a:t> = ETS(Trips),</a:t>
+            </a:r>
+          </a:p>
+          <a:p>
+            <a:pPr marL="0" indent="0">
+              <a:buFont typeface="Arial" panose="020B0604020202020204" pitchFamily="34" charset="0"/>
+              <a:buNone/>
+            </a:pPr>
+            <a:r>
+              <a:rPr lang="de-DE" sz="2000" dirty="0">
+                <a:solidFill>
+                  <a:srgbClr val="333333"/>
+                </a:solidFill>
+                <a:latin typeface="SFMono-Regular"/>
+              </a:rPr>
+              <a:t>    </a:t>
+            </a:r>
+            <a:r>
+              <a:rPr lang="de-DE" sz="2000" dirty="0" err="1">
+                <a:solidFill>
+                  <a:srgbClr val="333333"/>
+                </a:solidFill>
+                <a:latin typeface="SFMono-Regular"/>
+              </a:rPr>
+              <a:t>arima</a:t>
+            </a:r>
+            <a:r>
+              <a:rPr lang="de-DE" sz="2000" dirty="0">
+                <a:solidFill>
+                  <a:srgbClr val="333333"/>
+                </a:solidFill>
+                <a:latin typeface="SFMono-Regular"/>
+              </a:rPr>
+              <a:t> = ARIMA(Trips),</a:t>
+            </a:r>
+          </a:p>
+          <a:p>
+            <a:pPr marL="0" indent="0">
+              <a:buFont typeface="Arial" panose="020B0604020202020204" pitchFamily="34" charset="0"/>
+              <a:buNone/>
+            </a:pPr>
+            <a:r>
+              <a:rPr lang="de-DE" sz="2000" dirty="0">
+                <a:solidFill>
+                  <a:srgbClr val="333333"/>
+                </a:solidFill>
+                <a:latin typeface="SFMono-Regular"/>
+              </a:rPr>
+              <a:t>    lm = TSLM(Trips ~ </a:t>
+            </a:r>
+            <a:r>
+              <a:rPr lang="de-DE" sz="2000" dirty="0" err="1">
+                <a:solidFill>
+                  <a:srgbClr val="333333"/>
+                </a:solidFill>
+                <a:latin typeface="SFMono-Regular"/>
+              </a:rPr>
+              <a:t>trend</a:t>
+            </a:r>
+            <a:r>
+              <a:rPr lang="de-DE" sz="2000" dirty="0">
+                <a:solidFill>
+                  <a:srgbClr val="333333"/>
+                </a:solidFill>
+                <a:latin typeface="SFMono-Regular"/>
+              </a:rPr>
+              <a:t>() + </a:t>
+            </a:r>
+            <a:r>
+              <a:rPr lang="de-DE" sz="2000" dirty="0" err="1">
+                <a:solidFill>
+                  <a:srgbClr val="333333"/>
+                </a:solidFill>
+                <a:latin typeface="SFMono-Regular"/>
+              </a:rPr>
+              <a:t>season</a:t>
+            </a:r>
+            <a:r>
+              <a:rPr lang="de-DE" sz="2000" dirty="0">
+                <a:solidFill>
+                  <a:srgbClr val="333333"/>
+                </a:solidFill>
+                <a:latin typeface="SFMono-Regular"/>
+              </a:rPr>
+              <a:t>())</a:t>
+            </a:r>
+          </a:p>
+          <a:p>
+            <a:pPr marL="0" indent="0">
+              <a:buFont typeface="Arial" panose="020B0604020202020204" pitchFamily="34" charset="0"/>
+              <a:buNone/>
+            </a:pPr>
+            <a:r>
+              <a:rPr lang="de-DE" sz="2000" dirty="0">
+                <a:solidFill>
+                  <a:srgbClr val="333333"/>
+                </a:solidFill>
+                <a:latin typeface="SFMono-Regular"/>
+              </a:rPr>
+              <a:t>  )</a:t>
+            </a:r>
+          </a:p>
+          <a:p>
+            <a:pPr marL="0" indent="0">
+              <a:buFont typeface="Arial" panose="020B0604020202020204" pitchFamily="34" charset="0"/>
+              <a:buNone/>
+            </a:pPr>
+            <a:endParaRPr lang="de-DE" sz="2000" dirty="0">
+              <a:solidFill>
+                <a:srgbClr val="333333"/>
+              </a:solidFill>
+              <a:latin typeface="SFMono-Regular"/>
+            </a:endParaRPr>
+          </a:p>
+        </p:txBody>
+      </p:sp>
+      <p:sp>
+        <p:nvSpPr>
+          <p:cNvPr id="5" name="Inhaltsplatzhalter 2">
+            <a:extLst>
+              <a:ext uri="{FF2B5EF4-FFF2-40B4-BE49-F238E27FC236}">
+                <a16:creationId xmlns:a16="http://schemas.microsoft.com/office/drawing/2014/main" id="{80EFA7C1-8B08-543E-12FE-E6106629774D}"/>
+              </a:ext>
+            </a:extLst>
+          </p:cNvPr>
+          <p:cNvSpPr txBox="1">
+            <a:spLocks/>
+          </p:cNvSpPr>
+          <p:nvPr/>
+        </p:nvSpPr>
+        <p:spPr>
+          <a:xfrm>
+            <a:off x="838199" y="4438650"/>
+            <a:ext cx="8005763" cy="1662113"/>
+          </a:xfrm>
+          <a:prstGeom prst="rect">
+            <a:avLst/>
+          </a:prstGeom>
+          <a:solidFill>
+            <a:schemeClr val="bg1">
+              <a:lumMod val="95000"/>
+            </a:schemeClr>
+          </a:solidFill>
+        </p:spPr>
+        <p:txBody>
+          <a:bodyPr vert="horz" lIns="91440" tIns="45720" rIns="91440" bIns="45720" rtlCol="0">
+            <a:noAutofit/>
+          </a:bodyPr>
+          <a:lstStyle>
+            <a:lvl1pPr marL="228600" indent="-228600" algn="l" defTabSz="914400" rtl="0" eaLnBrk="1" latinLnBrk="0" hangingPunct="1">
+              <a:lnSpc>
+                <a:spcPct val="90000"/>
+              </a:lnSpc>
+              <a:spcBef>
+                <a:spcPts val="1000"/>
+              </a:spcBef>
+              <a:buFont typeface="Arial" panose="020B0604020202020204" pitchFamily="34" charset="0"/>
+              <a:buChar char="•"/>
+              <a:defRPr sz="2800" kern="1200">
+                <a:solidFill>
+                  <a:schemeClr val="tx1"/>
+                </a:solidFill>
+                <a:latin typeface="+mn-lt"/>
+                <a:ea typeface="+mn-ea"/>
+                <a:cs typeface="+mn-cs"/>
+              </a:defRPr>
+            </a:lvl1pPr>
+            <a:lvl2pPr marL="685800" indent="-228600" algn="l" defTabSz="914400" rtl="0" eaLnBrk="1" latinLnBrk="0" hangingPunct="1">
+              <a:lnSpc>
+                <a:spcPct val="90000"/>
+              </a:lnSpc>
+              <a:spcBef>
+                <a:spcPts val="500"/>
+              </a:spcBef>
+              <a:buFont typeface="Arial" panose="020B0604020202020204" pitchFamily="34" charset="0"/>
+              <a:buChar char="•"/>
+              <a:defRPr sz="2400" kern="1200">
+                <a:solidFill>
+                  <a:schemeClr val="tx1"/>
+                </a:solidFill>
+                <a:latin typeface="+mn-lt"/>
+                <a:ea typeface="+mn-ea"/>
+                <a:cs typeface="+mn-cs"/>
+              </a:defRPr>
+            </a:lvl2pPr>
+            <a:lvl3pPr marL="1143000" indent="-228600" algn="l" defTabSz="914400" rtl="0" eaLnBrk="1" latinLnBrk="0" hangingPunct="1">
+              <a:lnSpc>
+                <a:spcPct val="90000"/>
+              </a:lnSpc>
+              <a:spcBef>
+                <a:spcPts val="500"/>
+              </a:spcBef>
+              <a:buFont typeface="Arial" panose="020B0604020202020204" pitchFamily="34" charset="0"/>
+              <a:buChar char="•"/>
+              <a:defRPr sz="2000" kern="1200">
+                <a:solidFill>
+                  <a:schemeClr val="tx1"/>
+                </a:solidFill>
+                <a:latin typeface="+mn-lt"/>
+                <a:ea typeface="+mn-ea"/>
+                <a:cs typeface="+mn-cs"/>
+              </a:defRPr>
+            </a:lvl3pPr>
+            <a:lvl4pPr marL="1600200" indent="-228600" algn="l" defTabSz="914400" rtl="0" eaLnBrk="1" latinLnBrk="0" hangingPunct="1">
+              <a:lnSpc>
+                <a:spcPct val="90000"/>
+              </a:lnSpc>
+              <a:spcBef>
+                <a:spcPts val="500"/>
+              </a:spcBef>
+              <a:buFont typeface="Arial" panose="020B0604020202020204" pitchFamily="34" charset="0"/>
+              <a:buChar char="•"/>
+              <a:defRPr sz="1800" kern="1200">
+                <a:solidFill>
+                  <a:schemeClr val="tx1"/>
+                </a:solidFill>
+                <a:latin typeface="+mn-lt"/>
+                <a:ea typeface="+mn-ea"/>
+                <a:cs typeface="+mn-cs"/>
+              </a:defRPr>
+            </a:lvl4pPr>
+            <a:lvl5pPr marL="2057400" indent="-228600" algn="l" defTabSz="914400" rtl="0" eaLnBrk="1" latinLnBrk="0" hangingPunct="1">
+              <a:lnSpc>
+                <a:spcPct val="90000"/>
+              </a:lnSpc>
+              <a:spcBef>
+                <a:spcPts val="500"/>
+              </a:spcBef>
+              <a:buFont typeface="Arial" panose="020B0604020202020204" pitchFamily="34" charset="0"/>
+              <a:buChar char="•"/>
+              <a:defRPr sz="1800" kern="1200">
+                <a:solidFill>
+                  <a:schemeClr val="tx1"/>
+                </a:solidFill>
+                <a:latin typeface="+mn-lt"/>
+                <a:ea typeface="+mn-ea"/>
+                <a:cs typeface="+mn-cs"/>
+              </a:defRPr>
+            </a:lvl5pPr>
+            <a:lvl6pPr marL="2514600" indent="-228600" algn="l" defTabSz="914400" rtl="0" eaLnBrk="1" latinLnBrk="0" hangingPunct="1">
+              <a:lnSpc>
+                <a:spcPct val="90000"/>
+              </a:lnSpc>
+              <a:spcBef>
+                <a:spcPts val="500"/>
+              </a:spcBef>
+              <a:buFont typeface="Arial" panose="020B0604020202020204" pitchFamily="34" charset="0"/>
+              <a:buChar char="•"/>
+              <a:defRPr sz="1800" kern="1200">
+                <a:solidFill>
+                  <a:schemeClr val="tx1"/>
+                </a:solidFill>
+                <a:latin typeface="+mn-lt"/>
+                <a:ea typeface="+mn-ea"/>
+                <a:cs typeface="+mn-cs"/>
+              </a:defRPr>
+            </a:lvl6pPr>
+            <a:lvl7pPr marL="2971800" indent="-228600" algn="l" defTabSz="914400" rtl="0" eaLnBrk="1" latinLnBrk="0" hangingPunct="1">
+              <a:lnSpc>
+                <a:spcPct val="90000"/>
+              </a:lnSpc>
+              <a:spcBef>
+                <a:spcPts val="500"/>
+              </a:spcBef>
+              <a:buFont typeface="Arial" panose="020B0604020202020204" pitchFamily="34" charset="0"/>
+              <a:buChar char="•"/>
+              <a:defRPr sz="1800" kern="1200">
+                <a:solidFill>
+                  <a:schemeClr val="tx1"/>
+                </a:solidFill>
+                <a:latin typeface="+mn-lt"/>
+                <a:ea typeface="+mn-ea"/>
+                <a:cs typeface="+mn-cs"/>
+              </a:defRPr>
+            </a:lvl7pPr>
+            <a:lvl8pPr marL="3429000" indent="-228600" algn="l" defTabSz="914400" rtl="0" eaLnBrk="1" latinLnBrk="0" hangingPunct="1">
+              <a:lnSpc>
+                <a:spcPct val="90000"/>
+              </a:lnSpc>
+              <a:spcBef>
+                <a:spcPts val="500"/>
+              </a:spcBef>
+              <a:buFont typeface="Arial" panose="020B0604020202020204" pitchFamily="34" charset="0"/>
+              <a:buChar char="•"/>
+              <a:defRPr sz="1800" kern="1200">
+                <a:solidFill>
+                  <a:schemeClr val="tx1"/>
+                </a:solidFill>
+                <a:latin typeface="+mn-lt"/>
+                <a:ea typeface="+mn-ea"/>
+                <a:cs typeface="+mn-cs"/>
+              </a:defRPr>
+            </a:lvl8pPr>
+            <a:lvl9pPr marL="3886200" indent="-228600" algn="l" defTabSz="914400" rtl="0" eaLnBrk="1" latinLnBrk="0" hangingPunct="1">
+              <a:lnSpc>
+                <a:spcPct val="90000"/>
+              </a:lnSpc>
+              <a:spcBef>
+                <a:spcPts val="500"/>
+              </a:spcBef>
+              <a:buFont typeface="Arial" panose="020B0604020202020204" pitchFamily="34" charset="0"/>
+              <a:buChar char="•"/>
+              <a:defRPr sz="1800" kern="1200">
+                <a:solidFill>
+                  <a:schemeClr val="tx1"/>
+                </a:solidFill>
+                <a:latin typeface="+mn-lt"/>
+                <a:ea typeface="+mn-ea"/>
+                <a:cs typeface="+mn-cs"/>
+              </a:defRPr>
+            </a:lvl9pPr>
+          </a:lstStyle>
+          <a:p>
+            <a:pPr marL="0" indent="0">
+              <a:buFont typeface="Arial" panose="020B0604020202020204" pitchFamily="34" charset="0"/>
+              <a:buNone/>
+            </a:pPr>
+            <a:r>
+              <a:rPr lang="de-DE" sz="2000" dirty="0">
+                <a:solidFill>
+                  <a:schemeClr val="bg1">
+                    <a:lumMod val="50000"/>
+                  </a:schemeClr>
+                </a:solidFill>
+                <a:latin typeface="SFMono-Regular"/>
+              </a:rPr>
+              <a:t># </a:t>
+            </a:r>
+            <a:r>
+              <a:rPr lang="de-DE" sz="2000" dirty="0" err="1">
+                <a:solidFill>
+                  <a:schemeClr val="bg1">
+                    <a:lumMod val="50000"/>
+                  </a:schemeClr>
+                </a:solidFill>
+                <a:latin typeface="SFMono-Regular"/>
+              </a:rPr>
+              <a:t>plot</a:t>
+            </a:r>
+            <a:r>
+              <a:rPr lang="de-DE" sz="2000" dirty="0">
+                <a:solidFill>
+                  <a:schemeClr val="bg1">
+                    <a:lumMod val="50000"/>
+                  </a:schemeClr>
+                </a:solidFill>
+                <a:latin typeface="SFMono-Regular"/>
+              </a:rPr>
+              <a:t> </a:t>
+            </a:r>
+            <a:r>
+              <a:rPr lang="de-DE" sz="2000" dirty="0" err="1">
+                <a:solidFill>
+                  <a:schemeClr val="bg1">
+                    <a:lumMod val="50000"/>
+                  </a:schemeClr>
+                </a:solidFill>
+                <a:latin typeface="SFMono-Regular"/>
+              </a:rPr>
+              <a:t>forecast</a:t>
+            </a:r>
+            <a:endParaRPr lang="de-DE" sz="2000" dirty="0">
+              <a:solidFill>
+                <a:schemeClr val="bg1">
+                  <a:lumMod val="50000"/>
+                </a:schemeClr>
+              </a:solidFill>
+              <a:latin typeface="SFMono-Regular"/>
+            </a:endParaRPr>
+          </a:p>
+          <a:p>
+            <a:pPr marL="0" indent="0">
+              <a:buFont typeface="Arial" panose="020B0604020202020204" pitchFamily="34" charset="0"/>
+              <a:buNone/>
+            </a:pPr>
+            <a:r>
+              <a:rPr lang="de-DE" sz="2000" dirty="0">
+                <a:solidFill>
+                  <a:srgbClr val="333333"/>
+                </a:solidFill>
+                <a:latin typeface="SFMono-Regular"/>
+              </a:rPr>
+              <a:t>fit %&gt;% </a:t>
+            </a:r>
+          </a:p>
+          <a:p>
+            <a:pPr marL="0" indent="0">
+              <a:buFont typeface="Arial" panose="020B0604020202020204" pitchFamily="34" charset="0"/>
+              <a:buNone/>
+            </a:pPr>
+            <a:r>
+              <a:rPr lang="de-DE" sz="2000" dirty="0">
+                <a:solidFill>
+                  <a:srgbClr val="333333"/>
+                </a:solidFill>
+                <a:latin typeface="SFMono-Regular"/>
+              </a:rPr>
+              <a:t>  </a:t>
+            </a:r>
+            <a:r>
+              <a:rPr lang="de-DE" sz="2000" dirty="0" err="1">
+                <a:solidFill>
+                  <a:srgbClr val="333333"/>
+                </a:solidFill>
+                <a:latin typeface="SFMono-Regular"/>
+              </a:rPr>
+              <a:t>forecast</a:t>
+            </a:r>
+            <a:r>
+              <a:rPr lang="de-DE" sz="2000" dirty="0">
+                <a:solidFill>
+                  <a:srgbClr val="333333"/>
+                </a:solidFill>
+                <a:latin typeface="SFMono-Regular"/>
+              </a:rPr>
+              <a:t>(h = "2 </a:t>
+            </a:r>
+            <a:r>
+              <a:rPr lang="de-DE" sz="2000" dirty="0" err="1">
+                <a:solidFill>
+                  <a:srgbClr val="333333"/>
+                </a:solidFill>
+                <a:latin typeface="SFMono-Regular"/>
+              </a:rPr>
+              <a:t>years</a:t>
+            </a:r>
+            <a:r>
+              <a:rPr lang="de-DE" sz="2000" dirty="0">
+                <a:solidFill>
+                  <a:srgbClr val="333333"/>
+                </a:solidFill>
+                <a:latin typeface="SFMono-Regular"/>
+              </a:rPr>
+              <a:t>") %&gt;% </a:t>
+            </a:r>
+          </a:p>
+          <a:p>
+            <a:pPr marL="0" indent="0">
+              <a:buFont typeface="Arial" panose="020B0604020202020204" pitchFamily="34" charset="0"/>
+              <a:buNone/>
+            </a:pPr>
+            <a:r>
+              <a:rPr lang="de-DE" sz="2000" dirty="0">
+                <a:solidFill>
+                  <a:srgbClr val="333333"/>
+                </a:solidFill>
+                <a:latin typeface="SFMono-Regular"/>
+              </a:rPr>
+              <a:t>  </a:t>
+            </a:r>
+            <a:r>
+              <a:rPr lang="de-DE" sz="2000" dirty="0" err="1">
+                <a:solidFill>
+                  <a:srgbClr val="333333"/>
+                </a:solidFill>
+                <a:latin typeface="SFMono-Regular"/>
+              </a:rPr>
+              <a:t>autoplot</a:t>
+            </a:r>
+            <a:r>
+              <a:rPr lang="de-DE" sz="2000" dirty="0">
+                <a:solidFill>
+                  <a:srgbClr val="333333"/>
+                </a:solidFill>
+                <a:latin typeface="SFMono-Regular"/>
+              </a:rPr>
+              <a:t>(</a:t>
+            </a:r>
+            <a:r>
+              <a:rPr lang="de-DE" sz="2000" dirty="0" err="1">
+                <a:solidFill>
+                  <a:srgbClr val="333333"/>
+                </a:solidFill>
+                <a:latin typeface="SFMono-Regular"/>
+              </a:rPr>
+              <a:t>tourism_t_trips</a:t>
+            </a:r>
+            <a:r>
+              <a:rPr lang="de-DE" sz="2000" dirty="0">
+                <a:solidFill>
+                  <a:srgbClr val="333333"/>
+                </a:solidFill>
+                <a:latin typeface="SFMono-Regular"/>
+              </a:rPr>
+              <a:t>, </a:t>
+            </a:r>
+            <a:r>
+              <a:rPr lang="de-DE" sz="2000" dirty="0" err="1">
+                <a:solidFill>
+                  <a:srgbClr val="333333"/>
+                </a:solidFill>
+                <a:latin typeface="SFMono-Regular"/>
+              </a:rPr>
+              <a:t>level</a:t>
+            </a:r>
+            <a:r>
+              <a:rPr lang="de-DE" sz="2000" dirty="0">
+                <a:solidFill>
+                  <a:srgbClr val="333333"/>
+                </a:solidFill>
+                <a:latin typeface="SFMono-Regular"/>
+              </a:rPr>
+              <a:t> = 80, </a:t>
+            </a:r>
+            <a:r>
+              <a:rPr lang="de-DE" sz="2000" dirty="0" err="1">
+                <a:solidFill>
+                  <a:srgbClr val="333333"/>
+                </a:solidFill>
+                <a:latin typeface="SFMono-Regular"/>
+              </a:rPr>
+              <a:t>alpha</a:t>
+            </a:r>
+            <a:r>
+              <a:rPr lang="de-DE" sz="2000" dirty="0">
+                <a:solidFill>
+                  <a:srgbClr val="333333"/>
+                </a:solidFill>
+                <a:latin typeface="SFMono-Regular"/>
+              </a:rPr>
+              <a:t> = 0.5)</a:t>
             </a:r>
           </a:p>
         </p:txBody>
@@ -9585,7 +11914,7 @@
     </p:spTree>
     <p:extLst>
       <p:ext uri="{BB962C8B-B14F-4D97-AF65-F5344CB8AC3E}">
-        <p14:creationId xmlns:p14="http://schemas.microsoft.com/office/powerpoint/2010/main" val="3193531583"/>
+        <p14:creationId xmlns:p14="http://schemas.microsoft.com/office/powerpoint/2010/main" val="1046997977"/>
       </p:ext>
     </p:extLst>
   </p:cSld>

--- a/tsibble and fable.pptx
+++ b/tsibble and fable.pptx
@@ -5,7 +5,7 @@
     <p:sldMasterId id="2147483648" r:id="rId1"/>
   </p:sldMasterIdLst>
   <p:notesMasterIdLst>
-    <p:notesMasterId r:id="rId12"/>
+    <p:notesMasterId r:id="rId11"/>
   </p:notesMasterIdLst>
   <p:sldIdLst>
     <p:sldId id="256" r:id="rId2"/>
@@ -16,8 +16,7 @@
     <p:sldId id="263" r:id="rId7"/>
     <p:sldId id="270" r:id="rId8"/>
     <p:sldId id="271" r:id="rId9"/>
-    <p:sldId id="265" r:id="rId10"/>
-    <p:sldId id="262" r:id="rId11"/>
+    <p:sldId id="262" r:id="rId10"/>
   </p:sldIdLst>
   <p:sldSz cx="12192000" cy="6858000"/>
   <p:notesSz cx="6858000" cy="9144000"/>
@@ -1202,76 +1201,8 @@
           <a:lstStyle/>
           <a:p>
             <a:r>
-              <a:rPr lang="en-GB" sz="2000" dirty="0"/>
-              <a:t>Models in fable are specified using model </a:t>
-            </a:r>
-            <a:r>
-              <a:rPr lang="en-GB" sz="2000" b="1" dirty="0"/>
-              <a:t>functions</a:t>
-            </a:r>
-          </a:p>
-          <a:p>
-            <a:pPr marL="457200" lvl="1" indent="0">
-              <a:buNone/>
-            </a:pPr>
-            <a:r>
-              <a:rPr lang="en-GB" sz="2000" dirty="0"/>
-              <a:t>(y  </a:t>
-            </a:r>
-            <a:r>
-              <a:rPr lang="en-GB" sz="2000" dirty="0">
-                <a:effectLst/>
-              </a:rPr>
-              <a:t>~ </a:t>
-            </a:r>
-            <a:r>
-              <a:rPr lang="en-GB" sz="2000" dirty="0"/>
-              <a:t> X) </a:t>
-            </a:r>
-          </a:p>
-          <a:p>
-            <a:pPr marL="228600" lvl="1">
-              <a:spcBef>
-                <a:spcPts val="1000"/>
-              </a:spcBef>
-            </a:pPr>
-            <a:r>
-              <a:rPr lang="en-GB" sz="2000" dirty="0"/>
-              <a:t>Response variable(s) are specified </a:t>
-            </a:r>
-            <a:r>
-              <a:rPr lang="en-GB" sz="2000" b="1" dirty="0"/>
-              <a:t>on the left</a:t>
-            </a:r>
-            <a:r>
-              <a:rPr lang="en-GB" sz="2000" dirty="0"/>
-              <a:t> of the formula</a:t>
-            </a:r>
-          </a:p>
-          <a:p>
-            <a:pPr marL="228600" lvl="1">
-              <a:spcBef>
-                <a:spcPts val="1000"/>
-              </a:spcBef>
-            </a:pPr>
-            <a:r>
-              <a:rPr lang="en-GB" sz="2000" dirty="0"/>
-              <a:t>Structure of the model is written </a:t>
-            </a:r>
-            <a:r>
-              <a:rPr lang="en-GB" sz="2000" b="1" dirty="0"/>
-              <a:t>on the right</a:t>
-            </a:r>
-          </a:p>
-          <a:p>
-            <a:pPr marL="685800" lvl="2">
-              <a:spcBef>
-                <a:spcPts val="1000"/>
-              </a:spcBef>
-            </a:pPr>
-            <a:r>
               <a:rPr lang="en-GB" dirty="0"/>
-              <a:t>One or more model specifications can be estimated using the model() function.</a:t>
+              <a:t>.</a:t>
             </a:r>
           </a:p>
           <a:p>
@@ -1444,10 +1375,10 @@
       </p:sp>
       <p:sp>
         <p:nvSpPr>
-          <p:cNvPr id="4" name="Datumsplatzhalter 3">
-            <a:extLst>
-              <a:ext uri="{FF2B5EF4-FFF2-40B4-BE49-F238E27FC236}">
-                <a16:creationId xmlns:a16="http://schemas.microsoft.com/office/drawing/2014/main" id="{C15D6D91-93C5-83A9-5295-43949BDB638F}"/>
+          <p:cNvPr id="5" name="Fußzeilenplatzhalter 4">
+            <a:extLst>
+              <a:ext uri="{FF2B5EF4-FFF2-40B4-BE49-F238E27FC236}">
+                <a16:creationId xmlns:a16="http://schemas.microsoft.com/office/drawing/2014/main" id="{29DDADD1-BC83-3E4C-DD3C-FD4D37FBA8AF}"/>
               </a:ext>
             </a:extLst>
           </p:cNvPr>
@@ -1455,7 +1386,7 @@
             <a:spLocks noGrp="1"/>
           </p:cNvSpPr>
           <p:nvPr>
-            <p:ph type="dt" sz="half" idx="10"/>
+            <p:ph type="ftr" sz="quarter" idx="11"/>
           </p:nvPr>
         </p:nvSpPr>
         <p:spPr/>
@@ -1463,20 +1394,16 @@
           <a:bodyPr/>
           <a:lstStyle/>
           <a:p>
-            <a:fld id="{BEF02291-782B-9549-871A-FF6FFCBF48E9}" type="datetime1">
-              <a:rPr lang="de-DE" smtClean="0"/>
-              <a:t>15.11.22</a:t>
-            </a:fld>
             <a:endParaRPr lang="de-DE"/>
           </a:p>
         </p:txBody>
       </p:sp>
       <p:sp>
         <p:nvSpPr>
-          <p:cNvPr id="5" name="Fußzeilenplatzhalter 4">
-            <a:extLst>
-              <a:ext uri="{FF2B5EF4-FFF2-40B4-BE49-F238E27FC236}">
-                <a16:creationId xmlns:a16="http://schemas.microsoft.com/office/drawing/2014/main" id="{29DDADD1-BC83-3E4C-DD3C-FD4D37FBA8AF}"/>
+          <p:cNvPr id="6" name="Foliennummernplatzhalter 5">
+            <a:extLst>
+              <a:ext uri="{FF2B5EF4-FFF2-40B4-BE49-F238E27FC236}">
+                <a16:creationId xmlns:a16="http://schemas.microsoft.com/office/drawing/2014/main" id="{FB8D20C9-1FFB-D5C9-EDD0-AB8C5ADCA65B}"/>
               </a:ext>
             </a:extLst>
           </p:cNvPr>
@@ -1484,7 +1411,7 @@
             <a:spLocks noGrp="1"/>
           </p:cNvSpPr>
           <p:nvPr>
-            <p:ph type="ftr" sz="quarter" idx="11"/>
+            <p:ph type="sldNum" sz="quarter" idx="12"/>
           </p:nvPr>
         </p:nvSpPr>
         <p:spPr/>
@@ -1492,36 +1419,7 @@
           <a:bodyPr/>
           <a:lstStyle/>
           <a:p>
-            <a:endParaRPr lang="de-DE"/>
-          </a:p>
-        </p:txBody>
-      </p:sp>
-      <p:sp>
-        <p:nvSpPr>
-          <p:cNvPr id="6" name="Foliennummernplatzhalter 5">
-            <a:extLst>
-              <a:ext uri="{FF2B5EF4-FFF2-40B4-BE49-F238E27FC236}">
-                <a16:creationId xmlns:a16="http://schemas.microsoft.com/office/drawing/2014/main" id="{FB8D20C9-1FFB-D5C9-EDD0-AB8C5ADCA65B}"/>
-              </a:ext>
-            </a:extLst>
-          </p:cNvPr>
-          <p:cNvSpPr>
-            <a:spLocks noGrp="1"/>
-          </p:cNvSpPr>
-          <p:nvPr>
-            <p:ph type="sldNum" sz="quarter" idx="12"/>
-          </p:nvPr>
-        </p:nvSpPr>
-        <p:spPr/>
-        <p:txBody>
-          <a:bodyPr/>
-          <a:lstStyle/>
-          <a:p>
-            <a:fld id="{D841047C-AC16-3847-8358-E80D41A378BA}" type="slidenum">
-              <a:rPr lang="de-DE" smtClean="0"/>
-              <a:t>‹Nr.›</a:t>
-            </a:fld>
-            <a:endParaRPr lang="de-DE"/>
+            <a:endParaRPr lang="de-DE" dirty="0"/>
           </a:p>
         </p:txBody>
       </p:sp>
@@ -1671,35 +1569,6 @@
       </p:sp>
       <p:sp>
         <p:nvSpPr>
-          <p:cNvPr id="4" name="Datumsplatzhalter 3">
-            <a:extLst>
-              <a:ext uri="{FF2B5EF4-FFF2-40B4-BE49-F238E27FC236}">
-                <a16:creationId xmlns:a16="http://schemas.microsoft.com/office/drawing/2014/main" id="{D6AFFAF4-FA96-6323-9F55-898D56D2F3AA}"/>
-              </a:ext>
-            </a:extLst>
-          </p:cNvPr>
-          <p:cNvSpPr>
-            <a:spLocks noGrp="1"/>
-          </p:cNvSpPr>
-          <p:nvPr>
-            <p:ph type="dt" sz="half" idx="10"/>
-          </p:nvPr>
-        </p:nvSpPr>
-        <p:spPr/>
-        <p:txBody>
-          <a:bodyPr/>
-          <a:lstStyle/>
-          <a:p>
-            <a:fld id="{4D4979D5-0141-E549-80F7-FDD73EBD0BFA}" type="datetime1">
-              <a:rPr lang="de-DE" smtClean="0"/>
-              <a:t>15.11.22</a:t>
-            </a:fld>
-            <a:endParaRPr lang="de-DE"/>
-          </a:p>
-        </p:txBody>
-      </p:sp>
-      <p:sp>
-        <p:nvSpPr>
           <p:cNvPr id="5" name="Fußzeilenplatzhalter 4">
             <a:extLst>
               <a:ext uri="{FF2B5EF4-FFF2-40B4-BE49-F238E27FC236}">
@@ -1752,6 +1621,35 @@
           </a:p>
         </p:txBody>
       </p:sp>
+      <p:pic>
+        <p:nvPicPr>
+          <p:cNvPr id="7" name="Grafik 6">
+            <a:extLst>
+              <a:ext uri="{FF2B5EF4-FFF2-40B4-BE49-F238E27FC236}">
+                <a16:creationId xmlns:a16="http://schemas.microsoft.com/office/drawing/2014/main" id="{8CA3304E-2846-6363-858C-2D68A282CB9F}"/>
+              </a:ext>
+            </a:extLst>
+          </p:cNvPr>
+          <p:cNvPicPr>
+            <a:picLocks noChangeAspect="1"/>
+          </p:cNvPicPr>
+          <p:nvPr userDrawn="1"/>
+        </p:nvPicPr>
+        <p:blipFill rotWithShape="1">
+          <a:blip r:embed="rId2"/>
+          <a:srcRect t="29012" b="35494"/>
+          <a:stretch/>
+        </p:blipFill>
+        <p:spPr>
+          <a:xfrm>
+            <a:off x="9578622" y="6034724"/>
+            <a:ext cx="2408414" cy="446722"/>
+          </a:xfrm>
+          <a:prstGeom prst="rect">
+            <a:avLst/>
+          </a:prstGeom>
+        </p:spPr>
+      </p:pic>
     </p:spTree>
     <p:extLst>
       <p:ext uri="{BB962C8B-B14F-4D97-AF65-F5344CB8AC3E}">
@@ -1893,15 +1791,19 @@
             <p:ph type="dt" sz="half" idx="10"/>
           </p:nvPr>
         </p:nvSpPr>
-        <p:spPr/>
+        <p:spPr>
+          <a:xfrm>
+            <a:off x="730624" y="6421531"/>
+            <a:ext cx="2743200" cy="365125"/>
+          </a:xfrm>
+          <a:prstGeom prst="rect">
+            <a:avLst/>
+          </a:prstGeom>
+        </p:spPr>
         <p:txBody>
           <a:bodyPr/>
           <a:lstStyle/>
           <a:p>
-            <a:fld id="{2F6873BF-20B9-724E-85CF-A75BBE370E46}" type="datetime1">
-              <a:rPr lang="de-DE" smtClean="0"/>
-              <a:t>15.11.22</a:t>
-            </a:fld>
             <a:endParaRPr lang="de-DE"/>
           </a:p>
         </p:txBody>
@@ -2077,35 +1979,6 @@
       </p:sp>
       <p:sp>
         <p:nvSpPr>
-          <p:cNvPr id="4" name="Datumsplatzhalter 3">
-            <a:extLst>
-              <a:ext uri="{FF2B5EF4-FFF2-40B4-BE49-F238E27FC236}">
-                <a16:creationId xmlns:a16="http://schemas.microsoft.com/office/drawing/2014/main" id="{2130F886-2376-D603-13BC-97B0133102B0}"/>
-              </a:ext>
-            </a:extLst>
-          </p:cNvPr>
-          <p:cNvSpPr>
-            <a:spLocks noGrp="1"/>
-          </p:cNvSpPr>
-          <p:nvPr>
-            <p:ph type="dt" sz="half" idx="10"/>
-          </p:nvPr>
-        </p:nvSpPr>
-        <p:spPr/>
-        <p:txBody>
-          <a:bodyPr/>
-          <a:lstStyle/>
-          <a:p>
-            <a:fld id="{B45E3C4E-A7FF-444F-B425-8830E3A0185B}" type="datetime1">
-              <a:rPr lang="de-DE" smtClean="0"/>
-              <a:t>15.11.22</a:t>
-            </a:fld>
-            <a:endParaRPr lang="de-DE"/>
-          </a:p>
-        </p:txBody>
-      </p:sp>
-      <p:sp>
-        <p:nvSpPr>
           <p:cNvPr id="5" name="Fußzeilenplatzhalter 4">
             <a:extLst>
               <a:ext uri="{FF2B5EF4-FFF2-40B4-BE49-F238E27FC236}">
@@ -2158,6 +2031,35 @@
           </a:p>
         </p:txBody>
       </p:sp>
+      <p:pic>
+        <p:nvPicPr>
+          <p:cNvPr id="7" name="Grafik 6">
+            <a:extLst>
+              <a:ext uri="{FF2B5EF4-FFF2-40B4-BE49-F238E27FC236}">
+                <a16:creationId xmlns:a16="http://schemas.microsoft.com/office/drawing/2014/main" id="{1E845969-2541-2009-4CC9-5BEDB8EF7C2C}"/>
+              </a:ext>
+            </a:extLst>
+          </p:cNvPr>
+          <p:cNvPicPr>
+            <a:picLocks noChangeAspect="1"/>
+          </p:cNvPicPr>
+          <p:nvPr userDrawn="1"/>
+        </p:nvPicPr>
+        <p:blipFill rotWithShape="1">
+          <a:blip r:embed="rId2"/>
+          <a:srcRect t="29012" b="35494"/>
+          <a:stretch/>
+        </p:blipFill>
+        <p:spPr>
+          <a:xfrm>
+            <a:off x="9578622" y="6034724"/>
+            <a:ext cx="2408414" cy="446722"/>
+          </a:xfrm>
+          <a:prstGeom prst="rect">
+            <a:avLst/>
+          </a:prstGeom>
+        </p:spPr>
+      </p:pic>
     </p:spTree>
     <p:extLst>
       <p:ext uri="{BB962C8B-B14F-4D97-AF65-F5344CB8AC3E}">
@@ -2352,10 +2254,10 @@
       </p:sp>
       <p:sp>
         <p:nvSpPr>
-          <p:cNvPr id="4" name="Datumsplatzhalter 3">
-            <a:extLst>
-              <a:ext uri="{FF2B5EF4-FFF2-40B4-BE49-F238E27FC236}">
-                <a16:creationId xmlns:a16="http://schemas.microsoft.com/office/drawing/2014/main" id="{722908C4-93C8-688F-D386-165BE62357AD}"/>
+          <p:cNvPr id="5" name="Fußzeilenplatzhalter 4">
+            <a:extLst>
+              <a:ext uri="{FF2B5EF4-FFF2-40B4-BE49-F238E27FC236}">
+                <a16:creationId xmlns:a16="http://schemas.microsoft.com/office/drawing/2014/main" id="{A51AF14F-6547-0CE9-6FDF-FC23605038ED}"/>
               </a:ext>
             </a:extLst>
           </p:cNvPr>
@@ -2363,7 +2265,7 @@
             <a:spLocks noGrp="1"/>
           </p:cNvSpPr>
           <p:nvPr>
-            <p:ph type="dt" sz="half" idx="10"/>
+            <p:ph type="ftr" sz="quarter" idx="11"/>
           </p:nvPr>
         </p:nvSpPr>
         <p:spPr/>
@@ -2371,20 +2273,16 @@
           <a:bodyPr/>
           <a:lstStyle/>
           <a:p>
-            <a:fld id="{62362527-3045-E44A-8FE9-1F5094714C64}" type="datetime1">
-              <a:rPr lang="de-DE" smtClean="0"/>
-              <a:t>15.11.22</a:t>
-            </a:fld>
             <a:endParaRPr lang="de-DE"/>
           </a:p>
         </p:txBody>
       </p:sp>
       <p:sp>
         <p:nvSpPr>
-          <p:cNvPr id="5" name="Fußzeilenplatzhalter 4">
-            <a:extLst>
-              <a:ext uri="{FF2B5EF4-FFF2-40B4-BE49-F238E27FC236}">
-                <a16:creationId xmlns:a16="http://schemas.microsoft.com/office/drawing/2014/main" id="{A51AF14F-6547-0CE9-6FDF-FC23605038ED}"/>
+          <p:cNvPr id="6" name="Foliennummernplatzhalter 5">
+            <a:extLst>
+              <a:ext uri="{FF2B5EF4-FFF2-40B4-BE49-F238E27FC236}">
+                <a16:creationId xmlns:a16="http://schemas.microsoft.com/office/drawing/2014/main" id="{0E01DC96-BB6C-F2A1-0749-6EF49BC38CF8}"/>
               </a:ext>
             </a:extLst>
           </p:cNvPr>
@@ -2392,7 +2290,7 @@
             <a:spLocks noGrp="1"/>
           </p:cNvSpPr>
           <p:nvPr>
-            <p:ph type="ftr" sz="quarter" idx="11"/>
+            <p:ph type="sldNum" sz="quarter" idx="12"/>
           </p:nvPr>
         </p:nvSpPr>
         <p:spPr/>
@@ -2400,39 +2298,39 @@
           <a:bodyPr/>
           <a:lstStyle/>
           <a:p>
-            <a:endParaRPr lang="de-DE"/>
-          </a:p>
-        </p:txBody>
-      </p:sp>
-      <p:sp>
-        <p:nvSpPr>
-          <p:cNvPr id="6" name="Foliennummernplatzhalter 5">
-            <a:extLst>
-              <a:ext uri="{FF2B5EF4-FFF2-40B4-BE49-F238E27FC236}">
-                <a16:creationId xmlns:a16="http://schemas.microsoft.com/office/drawing/2014/main" id="{0E01DC96-BB6C-F2A1-0749-6EF49BC38CF8}"/>
-              </a:ext>
-            </a:extLst>
-          </p:cNvPr>
-          <p:cNvSpPr>
-            <a:spLocks noGrp="1"/>
-          </p:cNvSpPr>
-          <p:nvPr>
-            <p:ph type="sldNum" sz="quarter" idx="12"/>
-          </p:nvPr>
-        </p:nvSpPr>
-        <p:spPr/>
-        <p:txBody>
-          <a:bodyPr/>
-          <a:lstStyle/>
-          <a:p>
-            <a:fld id="{D841047C-AC16-3847-8358-E80D41A378BA}" type="slidenum">
-              <a:rPr lang="de-DE" smtClean="0"/>
-              <a:t>‹Nr.›</a:t>
-            </a:fld>
-            <a:endParaRPr lang="de-DE"/>
-          </a:p>
-        </p:txBody>
-      </p:sp>
+            <a:endParaRPr lang="de-DE" dirty="0"/>
+          </a:p>
+        </p:txBody>
+      </p:sp>
+      <p:pic>
+        <p:nvPicPr>
+          <p:cNvPr id="7" name="Grafik 6">
+            <a:extLst>
+              <a:ext uri="{FF2B5EF4-FFF2-40B4-BE49-F238E27FC236}">
+                <a16:creationId xmlns:a16="http://schemas.microsoft.com/office/drawing/2014/main" id="{7F78A2A2-B610-4666-B9B2-050D8BFDBA58}"/>
+              </a:ext>
+            </a:extLst>
+          </p:cNvPr>
+          <p:cNvPicPr>
+            <a:picLocks noChangeAspect="1"/>
+          </p:cNvPicPr>
+          <p:nvPr userDrawn="1"/>
+        </p:nvPicPr>
+        <p:blipFill rotWithShape="1">
+          <a:blip r:embed="rId2"/>
+          <a:srcRect t="29012" b="35494"/>
+          <a:stretch/>
+        </p:blipFill>
+        <p:spPr>
+          <a:xfrm>
+            <a:off x="9578622" y="6034724"/>
+            <a:ext cx="2408414" cy="446722"/>
+          </a:xfrm>
+          <a:prstGeom prst="rect">
+            <a:avLst/>
+          </a:prstGeom>
+        </p:spPr>
+      </p:pic>
     </p:spTree>
     <p:extLst>
       <p:ext uri="{BB962C8B-B14F-4D97-AF65-F5344CB8AC3E}">
@@ -2617,35 +2515,6 @@
       </p:sp>
       <p:sp>
         <p:nvSpPr>
-          <p:cNvPr id="5" name="Datumsplatzhalter 4">
-            <a:extLst>
-              <a:ext uri="{FF2B5EF4-FFF2-40B4-BE49-F238E27FC236}">
-                <a16:creationId xmlns:a16="http://schemas.microsoft.com/office/drawing/2014/main" id="{9AA8276E-7B0C-3B3A-CF62-54A88EF6701C}"/>
-              </a:ext>
-            </a:extLst>
-          </p:cNvPr>
-          <p:cNvSpPr>
-            <a:spLocks noGrp="1"/>
-          </p:cNvSpPr>
-          <p:nvPr>
-            <p:ph type="dt" sz="half" idx="10"/>
-          </p:nvPr>
-        </p:nvSpPr>
-        <p:spPr/>
-        <p:txBody>
-          <a:bodyPr/>
-          <a:lstStyle/>
-          <a:p>
-            <a:fld id="{85B474F6-E3D1-BC47-A5C8-EF76CF2394B6}" type="datetime1">
-              <a:rPr lang="de-DE" smtClean="0"/>
-              <a:t>15.11.22</a:t>
-            </a:fld>
-            <a:endParaRPr lang="de-DE"/>
-          </a:p>
-        </p:txBody>
-      </p:sp>
-      <p:sp>
-        <p:nvSpPr>
           <p:cNvPr id="6" name="Fußzeilenplatzhalter 5">
             <a:extLst>
               <a:ext uri="{FF2B5EF4-FFF2-40B4-BE49-F238E27FC236}">
@@ -2698,6 +2567,35 @@
           </a:p>
         </p:txBody>
       </p:sp>
+      <p:pic>
+        <p:nvPicPr>
+          <p:cNvPr id="8" name="Grafik 7">
+            <a:extLst>
+              <a:ext uri="{FF2B5EF4-FFF2-40B4-BE49-F238E27FC236}">
+                <a16:creationId xmlns:a16="http://schemas.microsoft.com/office/drawing/2014/main" id="{427E5A92-4095-D2C0-D428-CD082E531AC4}"/>
+              </a:ext>
+            </a:extLst>
+          </p:cNvPr>
+          <p:cNvPicPr>
+            <a:picLocks noChangeAspect="1"/>
+          </p:cNvPicPr>
+          <p:nvPr userDrawn="1"/>
+        </p:nvPicPr>
+        <p:blipFill rotWithShape="1">
+          <a:blip r:embed="rId2"/>
+          <a:srcRect t="29012" b="35494"/>
+          <a:stretch/>
+        </p:blipFill>
+        <p:spPr>
+          <a:xfrm>
+            <a:off x="9578622" y="6034724"/>
+            <a:ext cx="2408414" cy="446722"/>
+          </a:xfrm>
+          <a:prstGeom prst="rect">
+            <a:avLst/>
+          </a:prstGeom>
+        </p:spPr>
+      </p:pic>
     </p:spTree>
     <p:extLst>
       <p:ext uri="{BB962C8B-B14F-4D97-AF65-F5344CB8AC3E}">
@@ -3029,35 +2927,6 @@
       </p:sp>
       <p:sp>
         <p:nvSpPr>
-          <p:cNvPr id="7" name="Datumsplatzhalter 6">
-            <a:extLst>
-              <a:ext uri="{FF2B5EF4-FFF2-40B4-BE49-F238E27FC236}">
-                <a16:creationId xmlns:a16="http://schemas.microsoft.com/office/drawing/2014/main" id="{760E5890-7991-63BE-B028-9DB5594BA157}"/>
-              </a:ext>
-            </a:extLst>
-          </p:cNvPr>
-          <p:cNvSpPr>
-            <a:spLocks noGrp="1"/>
-          </p:cNvSpPr>
-          <p:nvPr>
-            <p:ph type="dt" sz="half" idx="10"/>
-          </p:nvPr>
-        </p:nvSpPr>
-        <p:spPr/>
-        <p:txBody>
-          <a:bodyPr/>
-          <a:lstStyle/>
-          <a:p>
-            <a:fld id="{1D5B79FA-293C-1549-9E44-A574025941B7}" type="datetime1">
-              <a:rPr lang="de-DE" smtClean="0"/>
-              <a:t>15.11.22</a:t>
-            </a:fld>
-            <a:endParaRPr lang="de-DE"/>
-          </a:p>
-        </p:txBody>
-      </p:sp>
-      <p:sp>
-        <p:nvSpPr>
           <p:cNvPr id="8" name="Fußzeilenplatzhalter 7">
             <a:extLst>
               <a:ext uri="{FF2B5EF4-FFF2-40B4-BE49-F238E27FC236}">
@@ -3110,6 +2979,35 @@
           </a:p>
         </p:txBody>
       </p:sp>
+      <p:pic>
+        <p:nvPicPr>
+          <p:cNvPr id="10" name="Grafik 9">
+            <a:extLst>
+              <a:ext uri="{FF2B5EF4-FFF2-40B4-BE49-F238E27FC236}">
+                <a16:creationId xmlns:a16="http://schemas.microsoft.com/office/drawing/2014/main" id="{7F8CDCDC-644C-300F-501A-D9B41322A8D1}"/>
+              </a:ext>
+            </a:extLst>
+          </p:cNvPr>
+          <p:cNvPicPr>
+            <a:picLocks noChangeAspect="1"/>
+          </p:cNvPicPr>
+          <p:nvPr userDrawn="1"/>
+        </p:nvPicPr>
+        <p:blipFill rotWithShape="1">
+          <a:blip r:embed="rId2"/>
+          <a:srcRect t="29012" b="35494"/>
+          <a:stretch/>
+        </p:blipFill>
+        <p:spPr>
+          <a:xfrm>
+            <a:off x="9578622" y="6034724"/>
+            <a:ext cx="2408414" cy="446722"/>
+          </a:xfrm>
+          <a:prstGeom prst="rect">
+            <a:avLst/>
+          </a:prstGeom>
+        </p:spPr>
+      </p:pic>
     </p:spTree>
     <p:extLst>
       <p:ext uri="{BB962C8B-B14F-4D97-AF65-F5344CB8AC3E}">
@@ -3170,35 +3068,6 @@
       </p:sp>
       <p:sp>
         <p:nvSpPr>
-          <p:cNvPr id="3" name="Datumsplatzhalter 2">
-            <a:extLst>
-              <a:ext uri="{FF2B5EF4-FFF2-40B4-BE49-F238E27FC236}">
-                <a16:creationId xmlns:a16="http://schemas.microsoft.com/office/drawing/2014/main" id="{317CA493-D028-0C15-0789-277876026A20}"/>
-              </a:ext>
-            </a:extLst>
-          </p:cNvPr>
-          <p:cNvSpPr>
-            <a:spLocks noGrp="1"/>
-          </p:cNvSpPr>
-          <p:nvPr>
-            <p:ph type="dt" sz="half" idx="10"/>
-          </p:nvPr>
-        </p:nvSpPr>
-        <p:spPr/>
-        <p:txBody>
-          <a:bodyPr/>
-          <a:lstStyle/>
-          <a:p>
-            <a:fld id="{B7BF61DB-3E29-A241-AF47-B4017889DE79}" type="datetime1">
-              <a:rPr lang="de-DE" smtClean="0"/>
-              <a:t>15.11.22</a:t>
-            </a:fld>
-            <a:endParaRPr lang="de-DE"/>
-          </a:p>
-        </p:txBody>
-      </p:sp>
-      <p:sp>
-        <p:nvSpPr>
           <p:cNvPr id="4" name="Fußzeilenplatzhalter 3">
             <a:extLst>
               <a:ext uri="{FF2B5EF4-FFF2-40B4-BE49-F238E27FC236}">
@@ -3251,6 +3120,35 @@
           </a:p>
         </p:txBody>
       </p:sp>
+      <p:pic>
+        <p:nvPicPr>
+          <p:cNvPr id="6" name="Grafik 5">
+            <a:extLst>
+              <a:ext uri="{FF2B5EF4-FFF2-40B4-BE49-F238E27FC236}">
+                <a16:creationId xmlns:a16="http://schemas.microsoft.com/office/drawing/2014/main" id="{3075521D-E94D-6032-102F-CE856E628EA4}"/>
+              </a:ext>
+            </a:extLst>
+          </p:cNvPr>
+          <p:cNvPicPr>
+            <a:picLocks noChangeAspect="1"/>
+          </p:cNvPicPr>
+          <p:nvPr userDrawn="1"/>
+        </p:nvPicPr>
+        <p:blipFill rotWithShape="1">
+          <a:blip r:embed="rId2"/>
+          <a:srcRect t="29012" b="35494"/>
+          <a:stretch/>
+        </p:blipFill>
+        <p:spPr>
+          <a:xfrm>
+            <a:off x="9578622" y="6034724"/>
+            <a:ext cx="2408414" cy="446722"/>
+          </a:xfrm>
+          <a:prstGeom prst="rect">
+            <a:avLst/>
+          </a:prstGeom>
+        </p:spPr>
+      </p:pic>
     </p:spTree>
     <p:extLst>
       <p:ext uri="{BB962C8B-B14F-4D97-AF65-F5344CB8AC3E}">
@@ -3283,35 +3181,6 @@
       </p:grpSpPr>
       <p:sp>
         <p:nvSpPr>
-          <p:cNvPr id="2" name="Datumsplatzhalter 1">
-            <a:extLst>
-              <a:ext uri="{FF2B5EF4-FFF2-40B4-BE49-F238E27FC236}">
-                <a16:creationId xmlns:a16="http://schemas.microsoft.com/office/drawing/2014/main" id="{76FABB04-E832-726E-D218-366C226CFD8E}"/>
-              </a:ext>
-            </a:extLst>
-          </p:cNvPr>
-          <p:cNvSpPr>
-            <a:spLocks noGrp="1"/>
-          </p:cNvSpPr>
-          <p:nvPr>
-            <p:ph type="dt" sz="half" idx="10"/>
-          </p:nvPr>
-        </p:nvSpPr>
-        <p:spPr/>
-        <p:txBody>
-          <a:bodyPr/>
-          <a:lstStyle/>
-          <a:p>
-            <a:fld id="{EBD08C3E-5451-9140-8D2B-6E2A741F54B7}" type="datetime1">
-              <a:rPr lang="de-DE" smtClean="0"/>
-              <a:t>15.11.22</a:t>
-            </a:fld>
-            <a:endParaRPr lang="de-DE"/>
-          </a:p>
-        </p:txBody>
-      </p:sp>
-      <p:sp>
-        <p:nvSpPr>
           <p:cNvPr id="3" name="Fußzeilenplatzhalter 2">
             <a:extLst>
               <a:ext uri="{FF2B5EF4-FFF2-40B4-BE49-F238E27FC236}">
@@ -3364,6 +3233,35 @@
           </a:p>
         </p:txBody>
       </p:sp>
+      <p:pic>
+        <p:nvPicPr>
+          <p:cNvPr id="5" name="Grafik 4">
+            <a:extLst>
+              <a:ext uri="{FF2B5EF4-FFF2-40B4-BE49-F238E27FC236}">
+                <a16:creationId xmlns:a16="http://schemas.microsoft.com/office/drawing/2014/main" id="{8F08ED3C-B4AC-4D00-B5B0-4B6C5A957F3B}"/>
+              </a:ext>
+            </a:extLst>
+          </p:cNvPr>
+          <p:cNvPicPr>
+            <a:picLocks noChangeAspect="1"/>
+          </p:cNvPicPr>
+          <p:nvPr userDrawn="1"/>
+        </p:nvPicPr>
+        <p:blipFill rotWithShape="1">
+          <a:blip r:embed="rId2"/>
+          <a:srcRect t="29012" b="35494"/>
+          <a:stretch/>
+        </p:blipFill>
+        <p:spPr>
+          <a:xfrm>
+            <a:off x="9578622" y="6034724"/>
+            <a:ext cx="2408414" cy="446722"/>
+          </a:xfrm>
+          <a:prstGeom prst="rect">
+            <a:avLst/>
+          </a:prstGeom>
+        </p:spPr>
+      </p:pic>
     </p:spTree>
     <p:extLst>
       <p:ext uri="{BB962C8B-B14F-4D97-AF65-F5344CB8AC3E}">
@@ -3594,35 +3492,6 @@
       </p:sp>
       <p:sp>
         <p:nvSpPr>
-          <p:cNvPr id="5" name="Datumsplatzhalter 4">
-            <a:extLst>
-              <a:ext uri="{FF2B5EF4-FFF2-40B4-BE49-F238E27FC236}">
-                <a16:creationId xmlns:a16="http://schemas.microsoft.com/office/drawing/2014/main" id="{B2DBA864-2BD8-C40A-4155-F12228234AFB}"/>
-              </a:ext>
-            </a:extLst>
-          </p:cNvPr>
-          <p:cNvSpPr>
-            <a:spLocks noGrp="1"/>
-          </p:cNvSpPr>
-          <p:nvPr>
-            <p:ph type="dt" sz="half" idx="10"/>
-          </p:nvPr>
-        </p:nvSpPr>
-        <p:spPr/>
-        <p:txBody>
-          <a:bodyPr/>
-          <a:lstStyle/>
-          <a:p>
-            <a:fld id="{7B447DB3-0877-3949-9A3A-B7A95BD2861F}" type="datetime1">
-              <a:rPr lang="de-DE" smtClean="0"/>
-              <a:t>15.11.22</a:t>
-            </a:fld>
-            <a:endParaRPr lang="de-DE"/>
-          </a:p>
-        </p:txBody>
-      </p:sp>
-      <p:sp>
-        <p:nvSpPr>
           <p:cNvPr id="6" name="Fußzeilenplatzhalter 5">
             <a:extLst>
               <a:ext uri="{FF2B5EF4-FFF2-40B4-BE49-F238E27FC236}">
@@ -3675,6 +3544,35 @@
           </a:p>
         </p:txBody>
       </p:sp>
+      <p:pic>
+        <p:nvPicPr>
+          <p:cNvPr id="8" name="Grafik 7">
+            <a:extLst>
+              <a:ext uri="{FF2B5EF4-FFF2-40B4-BE49-F238E27FC236}">
+                <a16:creationId xmlns:a16="http://schemas.microsoft.com/office/drawing/2014/main" id="{278525DA-C3A0-1248-89FA-8FA337578B80}"/>
+              </a:ext>
+            </a:extLst>
+          </p:cNvPr>
+          <p:cNvPicPr>
+            <a:picLocks noChangeAspect="1"/>
+          </p:cNvPicPr>
+          <p:nvPr userDrawn="1"/>
+        </p:nvPicPr>
+        <p:blipFill rotWithShape="1">
+          <a:blip r:embed="rId2"/>
+          <a:srcRect t="29012" b="35494"/>
+          <a:stretch/>
+        </p:blipFill>
+        <p:spPr>
+          <a:xfrm>
+            <a:off x="9578622" y="6034724"/>
+            <a:ext cx="2408414" cy="446722"/>
+          </a:xfrm>
+          <a:prstGeom prst="rect">
+            <a:avLst/>
+          </a:prstGeom>
+        </p:spPr>
+      </p:pic>
     </p:spTree>
     <p:extLst>
       <p:ext uri="{BB962C8B-B14F-4D97-AF65-F5344CB8AC3E}">
@@ -3882,35 +3780,6 @@
       </p:sp>
       <p:sp>
         <p:nvSpPr>
-          <p:cNvPr id="5" name="Datumsplatzhalter 4">
-            <a:extLst>
-              <a:ext uri="{FF2B5EF4-FFF2-40B4-BE49-F238E27FC236}">
-                <a16:creationId xmlns:a16="http://schemas.microsoft.com/office/drawing/2014/main" id="{4097A82D-74F6-2878-047E-B7CC9FFFAEC8}"/>
-              </a:ext>
-            </a:extLst>
-          </p:cNvPr>
-          <p:cNvSpPr>
-            <a:spLocks noGrp="1"/>
-          </p:cNvSpPr>
-          <p:nvPr>
-            <p:ph type="dt" sz="half" idx="10"/>
-          </p:nvPr>
-        </p:nvSpPr>
-        <p:spPr/>
-        <p:txBody>
-          <a:bodyPr/>
-          <a:lstStyle/>
-          <a:p>
-            <a:fld id="{1809CC06-FBA7-2C4B-992F-9326B6DA7B58}" type="datetime1">
-              <a:rPr lang="de-DE" smtClean="0"/>
-              <a:t>15.11.22</a:t>
-            </a:fld>
-            <a:endParaRPr lang="de-DE"/>
-          </a:p>
-        </p:txBody>
-      </p:sp>
-      <p:sp>
-        <p:nvSpPr>
           <p:cNvPr id="6" name="Fußzeilenplatzhalter 5">
             <a:extLst>
               <a:ext uri="{FF2B5EF4-FFF2-40B4-BE49-F238E27FC236}">
@@ -3963,6 +3832,35 @@
           </a:p>
         </p:txBody>
       </p:sp>
+      <p:pic>
+        <p:nvPicPr>
+          <p:cNvPr id="8" name="Grafik 7">
+            <a:extLst>
+              <a:ext uri="{FF2B5EF4-FFF2-40B4-BE49-F238E27FC236}">
+                <a16:creationId xmlns:a16="http://schemas.microsoft.com/office/drawing/2014/main" id="{11DA431B-0B82-A92D-DFE2-615FDC2D7244}"/>
+              </a:ext>
+            </a:extLst>
+          </p:cNvPr>
+          <p:cNvPicPr>
+            <a:picLocks noChangeAspect="1"/>
+          </p:cNvPicPr>
+          <p:nvPr userDrawn="1"/>
+        </p:nvPicPr>
+        <p:blipFill rotWithShape="1">
+          <a:blip r:embed="rId2"/>
+          <a:srcRect t="29012" b="35494"/>
+          <a:stretch/>
+        </p:blipFill>
+        <p:spPr>
+          <a:xfrm>
+            <a:off x="9578622" y="6034724"/>
+            <a:ext cx="2408414" cy="446722"/>
+          </a:xfrm>
+          <a:prstGeom prst="rect">
+            <a:avLst/>
+          </a:prstGeom>
+        </p:spPr>
+      </p:pic>
     </p:spTree>
     <p:extLst>
       <p:ext uri="{BB962C8B-B14F-4D97-AF65-F5344CB8AC3E}">
@@ -4069,35 +3967,35 @@
           <a:p>
             <a:pPr lvl="0"/>
             <a:r>
-              <a:rPr lang="de-DE"/>
+              <a:rPr lang="de-DE" dirty="0"/>
               <a:t>Mastertextformat bearbeiten</a:t>
             </a:r>
           </a:p>
           <a:p>
             <a:pPr lvl="1"/>
             <a:r>
-              <a:rPr lang="de-DE"/>
+              <a:rPr lang="de-DE" dirty="0"/>
               <a:t>Zweite Ebene</a:t>
             </a:r>
           </a:p>
           <a:p>
             <a:pPr lvl="2"/>
             <a:r>
-              <a:rPr lang="de-DE"/>
+              <a:rPr lang="de-DE" dirty="0"/>
               <a:t>Dritte Ebene</a:t>
             </a:r>
           </a:p>
           <a:p>
             <a:pPr lvl="3"/>
             <a:r>
-              <a:rPr lang="de-DE"/>
+              <a:rPr lang="de-DE" dirty="0"/>
               <a:t>Vierte Ebene</a:t>
             </a:r>
           </a:p>
           <a:p>
             <a:pPr lvl="4"/>
             <a:r>
-              <a:rPr lang="de-DE"/>
+              <a:rPr lang="de-DE" dirty="0"/>
               <a:t>Fünfte Ebene</a:t>
             </a:r>
           </a:p>
@@ -4105,10 +4003,10 @@
       </p:sp>
       <p:sp>
         <p:nvSpPr>
-          <p:cNvPr id="4" name="Datumsplatzhalter 3">
-            <a:extLst>
-              <a:ext uri="{FF2B5EF4-FFF2-40B4-BE49-F238E27FC236}">
-                <a16:creationId xmlns:a16="http://schemas.microsoft.com/office/drawing/2014/main" id="{100CFCA2-C011-219F-94E3-D3417FDD3F7B}"/>
+          <p:cNvPr id="5" name="Fußzeilenplatzhalter 4">
+            <a:extLst>
+              <a:ext uri="{FF2B5EF4-FFF2-40B4-BE49-F238E27FC236}">
+                <a16:creationId xmlns:a16="http://schemas.microsoft.com/office/drawing/2014/main" id="{50FB75BF-745E-5509-2A23-ED5FEA2BF0A9}"/>
               </a:ext>
             </a:extLst>
           </p:cNvPr>
@@ -4116,7 +4014,50 @@
             <a:spLocks noGrp="1"/>
           </p:cNvSpPr>
           <p:nvPr>
-            <p:ph type="dt" sz="half" idx="2"/>
+            <p:ph type="ftr" sz="quarter" idx="3"/>
+          </p:nvPr>
+        </p:nvSpPr>
+        <p:spPr>
+          <a:xfrm>
+            <a:off x="4038600" y="6356350"/>
+            <a:ext cx="4114800" cy="365125"/>
+          </a:xfrm>
+          <a:prstGeom prst="rect">
+            <a:avLst/>
+          </a:prstGeom>
+        </p:spPr>
+        <p:txBody>
+          <a:bodyPr vert="horz" lIns="91440" tIns="45720" rIns="91440" bIns="45720" rtlCol="0" anchor="ctr"/>
+          <a:lstStyle>
+            <a:lvl1pPr algn="ctr">
+              <a:defRPr sz="1200">
+                <a:solidFill>
+                  <a:schemeClr val="tx1">
+                    <a:tint val="75000"/>
+                  </a:schemeClr>
+                </a:solidFill>
+              </a:defRPr>
+            </a:lvl1pPr>
+          </a:lstStyle>
+          <a:p>
+            <a:endParaRPr lang="de-DE"/>
+          </a:p>
+        </p:txBody>
+      </p:sp>
+      <p:sp>
+        <p:nvSpPr>
+          <p:cNvPr id="6" name="Foliennummernplatzhalter 5">
+            <a:extLst>
+              <a:ext uri="{FF2B5EF4-FFF2-40B4-BE49-F238E27FC236}">
+                <a16:creationId xmlns:a16="http://schemas.microsoft.com/office/drawing/2014/main" id="{D3C73E8E-65CD-D508-DE7B-D3368BC3D15C}"/>
+              </a:ext>
+            </a:extLst>
+          </p:cNvPr>
+          <p:cNvSpPr>
+            <a:spLocks noGrp="1"/>
+          </p:cNvSpPr>
+          <p:nvPr>
+            <p:ph type="sldNum" sz="quarter" idx="4"/>
           </p:nvPr>
         </p:nvSpPr>
         <p:spPr>
@@ -4142,101 +4083,7 @@
             </a:lvl1pPr>
           </a:lstStyle>
           <a:p>
-            <a:fld id="{CC999D17-D425-F74E-B991-7E3DDE766998}" type="datetime1">
-              <a:rPr lang="de-DE" smtClean="0"/>
-              <a:t>15.11.22</a:t>
-            </a:fld>
-            <a:endParaRPr lang="de-DE"/>
-          </a:p>
-        </p:txBody>
-      </p:sp>
-      <p:sp>
-        <p:nvSpPr>
-          <p:cNvPr id="5" name="Fußzeilenplatzhalter 4">
-            <a:extLst>
-              <a:ext uri="{FF2B5EF4-FFF2-40B4-BE49-F238E27FC236}">
-                <a16:creationId xmlns:a16="http://schemas.microsoft.com/office/drawing/2014/main" id="{50FB75BF-745E-5509-2A23-ED5FEA2BF0A9}"/>
-              </a:ext>
-            </a:extLst>
-          </p:cNvPr>
-          <p:cNvSpPr>
-            <a:spLocks noGrp="1"/>
-          </p:cNvSpPr>
-          <p:nvPr>
-            <p:ph type="ftr" sz="quarter" idx="3"/>
-          </p:nvPr>
-        </p:nvSpPr>
-        <p:spPr>
-          <a:xfrm>
-            <a:off x="4038600" y="6356350"/>
-            <a:ext cx="4114800" cy="365125"/>
-          </a:xfrm>
-          <a:prstGeom prst="rect">
-            <a:avLst/>
-          </a:prstGeom>
-        </p:spPr>
-        <p:txBody>
-          <a:bodyPr vert="horz" lIns="91440" tIns="45720" rIns="91440" bIns="45720" rtlCol="0" anchor="ctr"/>
-          <a:lstStyle>
-            <a:lvl1pPr algn="ctr">
-              <a:defRPr sz="1200">
-                <a:solidFill>
-                  <a:schemeClr val="tx1">
-                    <a:tint val="75000"/>
-                  </a:schemeClr>
-                </a:solidFill>
-              </a:defRPr>
-            </a:lvl1pPr>
-          </a:lstStyle>
-          <a:p>
-            <a:endParaRPr lang="de-DE"/>
-          </a:p>
-        </p:txBody>
-      </p:sp>
-      <p:sp>
-        <p:nvSpPr>
-          <p:cNvPr id="6" name="Foliennummernplatzhalter 5">
-            <a:extLst>
-              <a:ext uri="{FF2B5EF4-FFF2-40B4-BE49-F238E27FC236}">
-                <a16:creationId xmlns:a16="http://schemas.microsoft.com/office/drawing/2014/main" id="{D3C73E8E-65CD-D508-DE7B-D3368BC3D15C}"/>
-              </a:ext>
-            </a:extLst>
-          </p:cNvPr>
-          <p:cNvSpPr>
-            <a:spLocks noGrp="1"/>
-          </p:cNvSpPr>
-          <p:nvPr>
-            <p:ph type="sldNum" sz="quarter" idx="4"/>
-          </p:nvPr>
-        </p:nvSpPr>
-        <p:spPr>
-          <a:xfrm>
-            <a:off x="8610600" y="6356350"/>
-            <a:ext cx="2743200" cy="365125"/>
-          </a:xfrm>
-          <a:prstGeom prst="rect">
-            <a:avLst/>
-          </a:prstGeom>
-        </p:spPr>
-        <p:txBody>
-          <a:bodyPr vert="horz" lIns="91440" tIns="45720" rIns="91440" bIns="45720" rtlCol="0" anchor="ctr"/>
-          <a:lstStyle>
-            <a:lvl1pPr algn="r">
-              <a:defRPr sz="1200">
-                <a:solidFill>
-                  <a:schemeClr val="tx1">
-                    <a:tint val="75000"/>
-                  </a:schemeClr>
-                </a:solidFill>
-              </a:defRPr>
-            </a:lvl1pPr>
-          </a:lstStyle>
-          <a:p>
-            <a:fld id="{D841047C-AC16-3847-8358-E80D41A378BA}" type="slidenum">
-              <a:rPr lang="de-DE" smtClean="0"/>
-              <a:t>‹Nr.›</a:t>
-            </a:fld>
-            <a:endParaRPr lang="de-DE"/>
+            <a:endParaRPr lang="de-DE" dirty="0"/>
           </a:p>
         </p:txBody>
       </p:sp>
@@ -4302,7 +4149,7 @@
     <p:sldLayoutId id="2147483658" r:id="rId10"/>
     <p:sldLayoutId id="2147483659" r:id="rId11"/>
   </p:sldLayoutIdLst>
-  <p:hf sldNum="0" hdr="0" ftr="0" dt="0"/>
+  <p:hf hdr="0" ftr="0" dt="0"/>
   <p:txStyles>
     <p:titleStyle>
       <a:lvl1pPr algn="l" defTabSz="914400" rtl="0" eaLnBrk="1" latinLnBrk="0" hangingPunct="1">
@@ -5091,150 +4938,38 @@
           </a:prstGeom>
         </p:spPr>
       </p:pic>
+      <p:sp>
+        <p:nvSpPr>
+          <p:cNvPr id="6" name="Foliennummernplatzhalter 5">
+            <a:extLst>
+              <a:ext uri="{FF2B5EF4-FFF2-40B4-BE49-F238E27FC236}">
+                <a16:creationId xmlns:a16="http://schemas.microsoft.com/office/drawing/2014/main" id="{87ED2F28-605E-234F-B5F2-34227C345480}"/>
+              </a:ext>
+            </a:extLst>
+          </p:cNvPr>
+          <p:cNvSpPr>
+            <a:spLocks noGrp="1"/>
+          </p:cNvSpPr>
+          <p:nvPr>
+            <p:ph type="sldNum" sz="quarter" idx="12"/>
+          </p:nvPr>
+        </p:nvSpPr>
+        <p:spPr/>
+        <p:txBody>
+          <a:bodyPr/>
+          <a:lstStyle/>
+          <a:p>
+            <a:r>
+              <a:rPr lang="de-DE" dirty="0"/>
+              <a:t>1/9</a:t>
+            </a:r>
+          </a:p>
+        </p:txBody>
+      </p:sp>
     </p:spTree>
     <p:extLst>
       <p:ext uri="{BB962C8B-B14F-4D97-AF65-F5344CB8AC3E}">
         <p14:creationId xmlns:p14="http://schemas.microsoft.com/office/powerpoint/2010/main" val="3416930667"/>
-      </p:ext>
-    </p:extLst>
-  </p:cSld>
-  <p:clrMapOvr>
-    <a:masterClrMapping/>
-  </p:clrMapOvr>
-</p:sld>
-</file>
-
-<file path=ppt/slides/slide10.xml><?xml version="1.0" encoding="utf-8"?>
-<p:sld xmlns:a="http://schemas.openxmlformats.org/drawingml/2006/main" xmlns:r="http://schemas.openxmlformats.org/officeDocument/2006/relationships" xmlns:p="http://schemas.openxmlformats.org/presentationml/2006/main">
-  <p:cSld>
-    <p:spTree>
-      <p:nvGrpSpPr>
-        <p:cNvPr id="1" name=""/>
-        <p:cNvGrpSpPr/>
-        <p:nvPr/>
-      </p:nvGrpSpPr>
-      <p:grpSpPr>
-        <a:xfrm>
-          <a:off x="0" y="0"/>
-          <a:ext cx="0" cy="0"/>
-          <a:chOff x="0" y="0"/>
-          <a:chExt cx="0" cy="0"/>
-        </a:xfrm>
-      </p:grpSpPr>
-      <p:sp>
-        <p:nvSpPr>
-          <p:cNvPr id="2" name="Titel 1">
-            <a:extLst>
-              <a:ext uri="{FF2B5EF4-FFF2-40B4-BE49-F238E27FC236}">
-                <a16:creationId xmlns:a16="http://schemas.microsoft.com/office/drawing/2014/main" id="{0B48BBB3-6C1D-1C49-FE89-E5F0BEBE1942}"/>
-              </a:ext>
-            </a:extLst>
-          </p:cNvPr>
-          <p:cNvSpPr>
-            <a:spLocks noGrp="1"/>
-          </p:cNvSpPr>
-          <p:nvPr>
-            <p:ph type="title"/>
-          </p:nvPr>
-        </p:nvSpPr>
-        <p:spPr/>
-        <p:txBody>
-          <a:bodyPr/>
-          <a:lstStyle/>
-          <a:p>
-            <a:r>
-              <a:rPr lang="en-GB" dirty="0"/>
-              <a:t>Further Reading</a:t>
-            </a:r>
-          </a:p>
-        </p:txBody>
-      </p:sp>
-      <p:sp>
-        <p:nvSpPr>
-          <p:cNvPr id="3" name="Inhaltsplatzhalter 2">
-            <a:extLst>
-              <a:ext uri="{FF2B5EF4-FFF2-40B4-BE49-F238E27FC236}">
-                <a16:creationId xmlns:a16="http://schemas.microsoft.com/office/drawing/2014/main" id="{A19D6F9B-F207-802B-2B37-FF4683C12746}"/>
-              </a:ext>
-            </a:extLst>
-          </p:cNvPr>
-          <p:cNvSpPr>
-            <a:spLocks noGrp="1"/>
-          </p:cNvSpPr>
-          <p:nvPr>
-            <p:ph idx="1"/>
-          </p:nvPr>
-        </p:nvSpPr>
-        <p:spPr/>
-        <p:txBody>
-          <a:bodyPr/>
-          <a:lstStyle/>
-          <a:p>
-            <a:r>
-              <a:rPr lang="en-GB" dirty="0">
-                <a:hlinkClick r:id="rId2"/>
-              </a:rPr>
-              <a:t>https://tsibble.tidyverts.org</a:t>
-            </a:r>
-            <a:endParaRPr lang="en-GB" dirty="0"/>
-          </a:p>
-          <a:p>
-            <a:r>
-              <a:rPr lang="en-GB" dirty="0">
-                <a:hlinkClick r:id="rId3"/>
-              </a:rPr>
-              <a:t>https://fable.tidyverts.org</a:t>
-            </a:r>
-            <a:endParaRPr lang="en-GB" dirty="0"/>
-          </a:p>
-          <a:p>
-            <a:r>
-              <a:rPr lang="en-GB" dirty="0"/>
-              <a:t>http://</a:t>
-            </a:r>
-            <a:r>
-              <a:rPr lang="en-GB" dirty="0" err="1"/>
-              <a:t>cran.nexr.com</a:t>
-            </a:r>
-            <a:r>
-              <a:rPr lang="en-GB" dirty="0"/>
-              <a:t>/web/packages/tsibble/vignettes/intro-</a:t>
-            </a:r>
-            <a:r>
-              <a:rPr lang="en-GB" dirty="0" err="1"/>
-              <a:t>tsibble.html</a:t>
-            </a:r>
-            <a:endParaRPr lang="en-GB" dirty="0"/>
-          </a:p>
-          <a:p>
-            <a:r>
-              <a:rPr lang="en-GB" dirty="0">
-                <a:hlinkClick r:id="rId4"/>
-              </a:rPr>
-              <a:t>https://www.mitchelloharawild.com/blog/fable/</a:t>
-            </a:r>
-            <a:endParaRPr lang="en-GB" dirty="0"/>
-          </a:p>
-          <a:p>
-            <a:r>
-              <a:rPr lang="en-GB" dirty="0"/>
-              <a:t>https://</a:t>
-            </a:r>
-            <a:r>
-              <a:rPr lang="en-GB" dirty="0" err="1"/>
-              <a:t>otexts.com</a:t>
-            </a:r>
-            <a:r>
-              <a:rPr lang="en-GB" dirty="0"/>
-              <a:t>/fpp3/</a:t>
-            </a:r>
-          </a:p>
-        </p:txBody>
-      </p:sp>
-    </p:spTree>
-    <p:extLst>
-      <p:ext uri="{BB962C8B-B14F-4D97-AF65-F5344CB8AC3E}">
-        <p14:creationId xmlns:p14="http://schemas.microsoft.com/office/powerpoint/2010/main" val="3193531583"/>
       </p:ext>
     </p:extLst>
   </p:cSld>
@@ -5756,6 +5491,38 @@
           </a:prstGeom>
         </p:spPr>
       </p:pic>
+      <p:sp>
+        <p:nvSpPr>
+          <p:cNvPr id="3" name="Foliennummernplatzhalter 2">
+            <a:extLst>
+              <a:ext uri="{FF2B5EF4-FFF2-40B4-BE49-F238E27FC236}">
+                <a16:creationId xmlns:a16="http://schemas.microsoft.com/office/drawing/2014/main" id="{10DF0BFB-E456-3BC0-6B57-FFC59426BF26}"/>
+              </a:ext>
+            </a:extLst>
+          </p:cNvPr>
+          <p:cNvSpPr>
+            <a:spLocks noGrp="1"/>
+          </p:cNvSpPr>
+          <p:nvPr>
+            <p:ph type="sldNum" sz="quarter" idx="12"/>
+          </p:nvPr>
+        </p:nvSpPr>
+        <p:spPr/>
+        <p:txBody>
+          <a:bodyPr/>
+          <a:lstStyle/>
+          <a:p>
+            <a:fld id="{D841047C-AC16-3847-8358-E80D41A378BA}" type="slidenum">
+              <a:rPr lang="de-DE" smtClean="0"/>
+              <a:t>2</a:t>
+            </a:fld>
+            <a:r>
+              <a:rPr lang="de-DE" dirty="0"/>
+              <a:t>/9</a:t>
+            </a:r>
+          </a:p>
+        </p:txBody>
+      </p:sp>
     </p:spTree>
     <p:extLst>
       <p:ext uri="{BB962C8B-B14F-4D97-AF65-F5344CB8AC3E}">
@@ -6195,6 +5962,38 @@
           </a:prstGeom>
         </p:spPr>
       </p:pic>
+      <p:sp>
+        <p:nvSpPr>
+          <p:cNvPr id="3" name="Foliennummernplatzhalter 2">
+            <a:extLst>
+              <a:ext uri="{FF2B5EF4-FFF2-40B4-BE49-F238E27FC236}">
+                <a16:creationId xmlns:a16="http://schemas.microsoft.com/office/drawing/2014/main" id="{0955E503-DA4B-204F-5959-257BA90AE429}"/>
+              </a:ext>
+            </a:extLst>
+          </p:cNvPr>
+          <p:cNvSpPr>
+            <a:spLocks noGrp="1"/>
+          </p:cNvSpPr>
+          <p:nvPr>
+            <p:ph type="sldNum" sz="quarter" idx="12"/>
+          </p:nvPr>
+        </p:nvSpPr>
+        <p:spPr/>
+        <p:txBody>
+          <a:bodyPr/>
+          <a:lstStyle/>
+          <a:p>
+            <a:fld id="{D841047C-AC16-3847-8358-E80D41A378BA}" type="slidenum">
+              <a:rPr lang="de-DE" smtClean="0"/>
+              <a:t>3</a:t>
+            </a:fld>
+            <a:r>
+              <a:rPr lang="de-DE" dirty="0"/>
+              <a:t>/9</a:t>
+            </a:r>
+          </a:p>
+        </p:txBody>
+      </p:sp>
     </p:spTree>
     <p:extLst>
       <p:ext uri="{BB962C8B-B14F-4D97-AF65-F5344CB8AC3E}">
@@ -7342,6 +7141,38 @@
           </a:prstGeom>
         </p:spPr>
       </p:pic>
+      <p:sp>
+        <p:nvSpPr>
+          <p:cNvPr id="6" name="Foliennummernplatzhalter 5">
+            <a:extLst>
+              <a:ext uri="{FF2B5EF4-FFF2-40B4-BE49-F238E27FC236}">
+                <a16:creationId xmlns:a16="http://schemas.microsoft.com/office/drawing/2014/main" id="{4216E544-2CAD-FE69-DCC5-C180B972605D}"/>
+              </a:ext>
+            </a:extLst>
+          </p:cNvPr>
+          <p:cNvSpPr>
+            <a:spLocks noGrp="1"/>
+          </p:cNvSpPr>
+          <p:nvPr>
+            <p:ph type="sldNum" sz="quarter" idx="12"/>
+          </p:nvPr>
+        </p:nvSpPr>
+        <p:spPr/>
+        <p:txBody>
+          <a:bodyPr/>
+          <a:lstStyle/>
+          <a:p>
+            <a:fld id="{D841047C-AC16-3847-8358-E80D41A378BA}" type="slidenum">
+              <a:rPr lang="de-DE" smtClean="0"/>
+              <a:t>4</a:t>
+            </a:fld>
+            <a:r>
+              <a:rPr lang="de-DE" dirty="0"/>
+              <a:t>/9</a:t>
+            </a:r>
+          </a:p>
+        </p:txBody>
+      </p:sp>
     </p:spTree>
     <p:extLst>
       <p:ext uri="{BB962C8B-B14F-4D97-AF65-F5344CB8AC3E}">
@@ -7681,7 +7512,7 @@
         </p:nvSpPr>
         <p:spPr>
           <a:xfrm>
-            <a:off x="1057025" y="922644"/>
+            <a:off x="1055714" y="320820"/>
             <a:ext cx="7845156" cy="1169585"/>
           </a:xfrm>
         </p:spPr>
@@ -7821,8 +7652,8 @@
         </p:nvSpPr>
         <p:spPr>
           <a:xfrm>
-            <a:off x="1077013" y="2522373"/>
-            <a:ext cx="7884393" cy="2403477"/>
+            <a:off x="1106599" y="1490405"/>
+            <a:ext cx="7672214" cy="2007129"/>
           </a:xfrm>
           <a:solidFill>
             <a:schemeClr val="bg1">
@@ -8008,19 +7839,676 @@
                 <a:effectLst/>
                 <a:latin typeface="SFMono-Regular"/>
               </a:rPr>
-              <a:t> = Year</a:t>
-            </a:r>
-          </a:p>
+              <a:t> = Year)</a:t>
+            </a:r>
+            <a:endParaRPr lang="en-GB" sz="2000" dirty="0"/>
+          </a:p>
+        </p:txBody>
+      </p:sp>
+      <p:sp>
+        <p:nvSpPr>
+          <p:cNvPr id="8" name="Foliennummernplatzhalter 7">
+            <a:extLst>
+              <a:ext uri="{FF2B5EF4-FFF2-40B4-BE49-F238E27FC236}">
+                <a16:creationId xmlns:a16="http://schemas.microsoft.com/office/drawing/2014/main" id="{21B88208-71CB-B358-B44C-15EC3D213BC4}"/>
+              </a:ext>
+            </a:extLst>
+          </p:cNvPr>
+          <p:cNvSpPr>
+            <a:spLocks noGrp="1"/>
+          </p:cNvSpPr>
+          <p:nvPr>
+            <p:ph type="sldNum" sz="quarter" idx="12"/>
+          </p:nvPr>
+        </p:nvSpPr>
+        <p:spPr/>
+        <p:txBody>
+          <a:bodyPr/>
+          <a:lstStyle/>
+          <a:p>
+            <a:fld id="{D841047C-AC16-3847-8358-E80D41A378BA}" type="slidenum">
+              <a:rPr lang="de-DE" smtClean="0"/>
+              <a:t>5</a:t>
+            </a:fld>
+            <a:r>
+              <a:rPr lang="de-DE" dirty="0"/>
+              <a:t>/9</a:t>
+            </a:r>
+          </a:p>
+        </p:txBody>
+      </p:sp>
+      <p:sp>
+        <p:nvSpPr>
+          <p:cNvPr id="11" name="Inhaltsplatzhalter 2">
+            <a:extLst>
+              <a:ext uri="{FF2B5EF4-FFF2-40B4-BE49-F238E27FC236}">
+                <a16:creationId xmlns:a16="http://schemas.microsoft.com/office/drawing/2014/main" id="{11A43BA0-7A8A-6A92-9B9A-0D22A8AA9811}"/>
+              </a:ext>
+            </a:extLst>
+          </p:cNvPr>
+          <p:cNvSpPr txBox="1">
+            <a:spLocks/>
+          </p:cNvSpPr>
+          <p:nvPr/>
+        </p:nvSpPr>
+        <p:spPr>
+          <a:xfrm>
+            <a:off x="1106599" y="3579204"/>
+            <a:ext cx="7672214" cy="2641256"/>
+          </a:xfrm>
+          <a:prstGeom prst="rect">
+            <a:avLst/>
+          </a:prstGeom>
+          <a:solidFill>
+            <a:schemeClr val="bg1">
+              <a:lumMod val="95000"/>
+            </a:schemeClr>
+          </a:solidFill>
+        </p:spPr>
+        <p:txBody>
+          <a:bodyPr vert="horz" lIns="91440" tIns="45720" rIns="91440" bIns="45720" rtlCol="0">
+            <a:noAutofit/>
+          </a:bodyPr>
+          <a:lstStyle>
+            <a:lvl1pPr marL="228600" indent="-228600" algn="l" defTabSz="914400" rtl="0" eaLnBrk="1" latinLnBrk="0" hangingPunct="1">
+              <a:lnSpc>
+                <a:spcPct val="90000"/>
+              </a:lnSpc>
+              <a:spcBef>
+                <a:spcPts val="1000"/>
+              </a:spcBef>
+              <a:buFont typeface="Arial" panose="020B0604020202020204" pitchFamily="34" charset="0"/>
+              <a:buChar char="•"/>
+              <a:defRPr sz="2800" kern="1200">
+                <a:solidFill>
+                  <a:schemeClr val="tx1"/>
+                </a:solidFill>
+                <a:latin typeface="+mn-lt"/>
+                <a:ea typeface="+mn-ea"/>
+                <a:cs typeface="+mn-cs"/>
+              </a:defRPr>
+            </a:lvl1pPr>
+            <a:lvl2pPr marL="685800" indent="-228600" algn="l" defTabSz="914400" rtl="0" eaLnBrk="1" latinLnBrk="0" hangingPunct="1">
+              <a:lnSpc>
+                <a:spcPct val="90000"/>
+              </a:lnSpc>
+              <a:spcBef>
+                <a:spcPts val="500"/>
+              </a:spcBef>
+              <a:buFont typeface="Arial" panose="020B0604020202020204" pitchFamily="34" charset="0"/>
+              <a:buChar char="•"/>
+              <a:defRPr sz="2400" kern="1200">
+                <a:solidFill>
+                  <a:schemeClr val="tx1"/>
+                </a:solidFill>
+                <a:latin typeface="+mn-lt"/>
+                <a:ea typeface="+mn-ea"/>
+                <a:cs typeface="+mn-cs"/>
+              </a:defRPr>
+            </a:lvl2pPr>
+            <a:lvl3pPr marL="1143000" indent="-228600" algn="l" defTabSz="914400" rtl="0" eaLnBrk="1" latinLnBrk="0" hangingPunct="1">
+              <a:lnSpc>
+                <a:spcPct val="90000"/>
+              </a:lnSpc>
+              <a:spcBef>
+                <a:spcPts val="500"/>
+              </a:spcBef>
+              <a:buFont typeface="Arial" panose="020B0604020202020204" pitchFamily="34" charset="0"/>
+              <a:buChar char="•"/>
+              <a:defRPr sz="2000" kern="1200">
+                <a:solidFill>
+                  <a:schemeClr val="tx1"/>
+                </a:solidFill>
+                <a:latin typeface="+mn-lt"/>
+                <a:ea typeface="+mn-ea"/>
+                <a:cs typeface="+mn-cs"/>
+              </a:defRPr>
+            </a:lvl3pPr>
+            <a:lvl4pPr marL="1600200" indent="-228600" algn="l" defTabSz="914400" rtl="0" eaLnBrk="1" latinLnBrk="0" hangingPunct="1">
+              <a:lnSpc>
+                <a:spcPct val="90000"/>
+              </a:lnSpc>
+              <a:spcBef>
+                <a:spcPts val="500"/>
+              </a:spcBef>
+              <a:buFont typeface="Arial" panose="020B0604020202020204" pitchFamily="34" charset="0"/>
+              <a:buChar char="•"/>
+              <a:defRPr sz="1800" kern="1200">
+                <a:solidFill>
+                  <a:schemeClr val="tx1"/>
+                </a:solidFill>
+                <a:latin typeface="+mn-lt"/>
+                <a:ea typeface="+mn-ea"/>
+                <a:cs typeface="+mn-cs"/>
+              </a:defRPr>
+            </a:lvl4pPr>
+            <a:lvl5pPr marL="2057400" indent="-228600" algn="l" defTabSz="914400" rtl="0" eaLnBrk="1" latinLnBrk="0" hangingPunct="1">
+              <a:lnSpc>
+                <a:spcPct val="90000"/>
+              </a:lnSpc>
+              <a:spcBef>
+                <a:spcPts val="500"/>
+              </a:spcBef>
+              <a:buFont typeface="Arial" panose="020B0604020202020204" pitchFamily="34" charset="0"/>
+              <a:buChar char="•"/>
+              <a:defRPr sz="1800" kern="1200">
+                <a:solidFill>
+                  <a:schemeClr val="tx1"/>
+                </a:solidFill>
+                <a:latin typeface="+mn-lt"/>
+                <a:ea typeface="+mn-ea"/>
+                <a:cs typeface="+mn-cs"/>
+              </a:defRPr>
+            </a:lvl5pPr>
+            <a:lvl6pPr marL="2514600" indent="-228600" algn="l" defTabSz="914400" rtl="0" eaLnBrk="1" latinLnBrk="0" hangingPunct="1">
+              <a:lnSpc>
+                <a:spcPct val="90000"/>
+              </a:lnSpc>
+              <a:spcBef>
+                <a:spcPts val="500"/>
+              </a:spcBef>
+              <a:buFont typeface="Arial" panose="020B0604020202020204" pitchFamily="34" charset="0"/>
+              <a:buChar char="•"/>
+              <a:defRPr sz="1800" kern="1200">
+                <a:solidFill>
+                  <a:schemeClr val="tx1"/>
+                </a:solidFill>
+                <a:latin typeface="+mn-lt"/>
+                <a:ea typeface="+mn-ea"/>
+                <a:cs typeface="+mn-cs"/>
+              </a:defRPr>
+            </a:lvl6pPr>
+            <a:lvl7pPr marL="2971800" indent="-228600" algn="l" defTabSz="914400" rtl="0" eaLnBrk="1" latinLnBrk="0" hangingPunct="1">
+              <a:lnSpc>
+                <a:spcPct val="90000"/>
+              </a:lnSpc>
+              <a:spcBef>
+                <a:spcPts val="500"/>
+              </a:spcBef>
+              <a:buFont typeface="Arial" panose="020B0604020202020204" pitchFamily="34" charset="0"/>
+              <a:buChar char="•"/>
+              <a:defRPr sz="1800" kern="1200">
+                <a:solidFill>
+                  <a:schemeClr val="tx1"/>
+                </a:solidFill>
+                <a:latin typeface="+mn-lt"/>
+                <a:ea typeface="+mn-ea"/>
+                <a:cs typeface="+mn-cs"/>
+              </a:defRPr>
+            </a:lvl7pPr>
+            <a:lvl8pPr marL="3429000" indent="-228600" algn="l" defTabSz="914400" rtl="0" eaLnBrk="1" latinLnBrk="0" hangingPunct="1">
+              <a:lnSpc>
+                <a:spcPct val="90000"/>
+              </a:lnSpc>
+              <a:spcBef>
+                <a:spcPts val="500"/>
+              </a:spcBef>
+              <a:buFont typeface="Arial" panose="020B0604020202020204" pitchFamily="34" charset="0"/>
+              <a:buChar char="•"/>
+              <a:defRPr sz="1800" kern="1200">
+                <a:solidFill>
+                  <a:schemeClr val="tx1"/>
+                </a:solidFill>
+                <a:latin typeface="+mn-lt"/>
+                <a:ea typeface="+mn-ea"/>
+                <a:cs typeface="+mn-cs"/>
+              </a:defRPr>
+            </a:lvl8pPr>
+            <a:lvl9pPr marL="3886200" indent="-228600" algn="l" defTabSz="914400" rtl="0" eaLnBrk="1" latinLnBrk="0" hangingPunct="1">
+              <a:lnSpc>
+                <a:spcPct val="90000"/>
+              </a:lnSpc>
+              <a:spcBef>
+                <a:spcPts val="500"/>
+              </a:spcBef>
+              <a:buFont typeface="Arial" panose="020B0604020202020204" pitchFamily="34" charset="0"/>
+              <a:buChar char="•"/>
+              <a:defRPr sz="1800" kern="1200">
+                <a:solidFill>
+                  <a:schemeClr val="tx1"/>
+                </a:solidFill>
+                <a:latin typeface="+mn-lt"/>
+                <a:ea typeface="+mn-ea"/>
+                <a:cs typeface="+mn-cs"/>
+              </a:defRPr>
+            </a:lvl9pPr>
+          </a:lstStyle>
           <a:p>
             <a:pPr marL="0" indent="0">
+              <a:buFont typeface="Arial" panose="020B0604020202020204" pitchFamily="34" charset="0"/>
               <a:buNone/>
             </a:pPr>
             <a:r>
-              <a:rPr lang="de-DE" sz="2000" b="0" i="0" u="none" strike="noStrike" dirty="0">
+              <a:rPr lang="de-DE" sz="2000" dirty="0">
+                <a:solidFill>
+                  <a:schemeClr val="bg1">
+                    <a:lumMod val="50000"/>
+                  </a:schemeClr>
+                </a:solidFill>
+                <a:latin typeface="SFMono-Regular"/>
+              </a:rPr>
+              <a:t># </a:t>
+            </a:r>
+            <a:r>
+              <a:rPr lang="de-DE" sz="2000" dirty="0" err="1">
+                <a:solidFill>
+                  <a:schemeClr val="bg1">
+                    <a:lumMod val="50000"/>
+                  </a:schemeClr>
+                </a:solidFill>
+                <a:latin typeface="SFMono-Regular"/>
+              </a:rPr>
+              <a:t>convert</a:t>
+            </a:r>
+            <a:r>
+              <a:rPr lang="de-DE" sz="2000" dirty="0">
+                <a:solidFill>
+                  <a:schemeClr val="bg1">
+                    <a:lumMod val="50000"/>
+                  </a:schemeClr>
+                </a:solidFill>
+                <a:latin typeface="SFMono-Regular"/>
+              </a:rPr>
+              <a:t> "</a:t>
+            </a:r>
+            <a:r>
+              <a:rPr lang="de-DE" sz="2000" dirty="0" err="1">
+                <a:solidFill>
+                  <a:schemeClr val="bg1">
+                    <a:lumMod val="50000"/>
+                  </a:schemeClr>
+                </a:solidFill>
+                <a:latin typeface="SFMono-Regular"/>
+              </a:rPr>
+              <a:t>monthly</a:t>
+            </a:r>
+            <a:r>
+              <a:rPr lang="de-DE" sz="2000" dirty="0">
+                <a:solidFill>
+                  <a:schemeClr val="bg1">
+                    <a:lumMod val="50000"/>
+                  </a:schemeClr>
+                </a:solidFill>
+                <a:latin typeface="SFMono-Regular"/>
+              </a:rPr>
+              <a:t>/</a:t>
+            </a:r>
+            <a:r>
+              <a:rPr lang="de-DE" sz="2000" dirty="0" err="1">
+                <a:solidFill>
+                  <a:schemeClr val="bg1">
+                    <a:lumMod val="50000"/>
+                  </a:schemeClr>
+                </a:solidFill>
+                <a:latin typeface="SFMono-Regular"/>
+              </a:rPr>
+              <a:t>weekly</a:t>
+            </a:r>
+            <a:r>
+              <a:rPr lang="de-DE" sz="2000" dirty="0">
+                <a:solidFill>
+                  <a:schemeClr val="bg1">
+                    <a:lumMod val="50000"/>
+                  </a:schemeClr>
+                </a:solidFill>
+                <a:latin typeface="SFMono-Regular"/>
+              </a:rPr>
+              <a:t>/</a:t>
+            </a:r>
+            <a:r>
+              <a:rPr lang="de-DE" sz="2000" dirty="0" err="1">
+                <a:solidFill>
+                  <a:schemeClr val="bg1">
+                    <a:lumMod val="50000"/>
+                  </a:schemeClr>
+                </a:solidFill>
+                <a:latin typeface="SFMono-Regular"/>
+              </a:rPr>
+              <a:t>daily</a:t>
+            </a:r>
+            <a:r>
+              <a:rPr lang="de-DE" sz="2000" dirty="0">
+                <a:solidFill>
+                  <a:schemeClr val="bg1">
+                    <a:lumMod val="50000"/>
+                  </a:schemeClr>
+                </a:solidFill>
+                <a:latin typeface="SFMono-Regular"/>
+              </a:rPr>
+              <a:t>" </a:t>
+            </a:r>
+            <a:r>
+              <a:rPr lang="de-DE" sz="2000" dirty="0" err="1">
+                <a:solidFill>
+                  <a:schemeClr val="bg1">
+                    <a:lumMod val="50000"/>
+                  </a:schemeClr>
+                </a:solidFill>
+                <a:latin typeface="SFMono-Regular"/>
+              </a:rPr>
+              <a:t>data</a:t>
+            </a:r>
+            <a:r>
+              <a:rPr lang="de-DE" sz="2000" dirty="0">
+                <a:solidFill>
+                  <a:schemeClr val="bg1">
+                    <a:lumMod val="50000"/>
+                  </a:schemeClr>
+                </a:solidFill>
+                <a:latin typeface="SFMono-Regular"/>
+              </a:rPr>
+              <a:t> </a:t>
+            </a:r>
+            <a:r>
+              <a:rPr lang="de-DE" sz="2000" dirty="0" err="1">
+                <a:solidFill>
+                  <a:schemeClr val="bg1">
+                    <a:lumMod val="50000"/>
+                  </a:schemeClr>
+                </a:solidFill>
+                <a:latin typeface="SFMono-Regular"/>
+              </a:rPr>
+              <a:t>into</a:t>
+            </a:r>
+            <a:r>
+              <a:rPr lang="de-DE" sz="2000" dirty="0">
+                <a:solidFill>
+                  <a:schemeClr val="bg1">
+                    <a:lumMod val="50000"/>
+                  </a:schemeClr>
+                </a:solidFill>
+                <a:latin typeface="SFMono-Regular"/>
+              </a:rPr>
+              <a:t> tsibble </a:t>
+            </a:r>
+            <a:r>
+              <a:rPr lang="de-DE" sz="2000" dirty="0" err="1">
+                <a:solidFill>
+                  <a:schemeClr val="bg1">
+                    <a:lumMod val="50000"/>
+                  </a:schemeClr>
+                </a:solidFill>
+                <a:latin typeface="SFMono-Regular"/>
+              </a:rPr>
+              <a:t>object</a:t>
+            </a:r>
+            <a:endParaRPr lang="de-DE" sz="2000" dirty="0">
+              <a:solidFill>
+                <a:schemeClr val="bg1">
+                  <a:lumMod val="50000"/>
+                </a:schemeClr>
+              </a:solidFill>
+              <a:latin typeface="SFMono-Regular"/>
+            </a:endParaRPr>
+          </a:p>
+          <a:p>
+            <a:pPr marL="0" indent="0">
+              <a:buFont typeface="Arial" panose="020B0604020202020204" pitchFamily="34" charset="0"/>
+              <a:buNone/>
+            </a:pPr>
+            <a:r>
+              <a:rPr lang="de-DE" sz="2000" dirty="0" err="1">
                 <a:solidFill>
                   <a:srgbClr val="333333"/>
                 </a:solidFill>
-                <a:effectLst/>
+                <a:latin typeface="SFMono-Regular"/>
+              </a:rPr>
+              <a:t>z</a:t>
+            </a:r>
+            <a:r>
+              <a:rPr lang="de-DE" sz="2000" dirty="0">
+                <a:solidFill>
+                  <a:srgbClr val="333333"/>
+                </a:solidFill>
+                <a:latin typeface="SFMono-Regular"/>
+              </a:rPr>
+              <a:t> &lt;- </a:t>
+            </a:r>
+            <a:r>
+              <a:rPr lang="de-DE" sz="2000" dirty="0" err="1">
+                <a:solidFill>
+                  <a:srgbClr val="333333"/>
+                </a:solidFill>
+                <a:latin typeface="SFMono-Regular"/>
+              </a:rPr>
+              <a:t>data.frame</a:t>
+            </a:r>
+            <a:r>
+              <a:rPr lang="de-DE" sz="2000" dirty="0">
+                <a:solidFill>
+                  <a:srgbClr val="333333"/>
+                </a:solidFill>
+                <a:latin typeface="SFMono-Regular"/>
+              </a:rPr>
+              <a:t>(</a:t>
+            </a:r>
+            <a:r>
+              <a:rPr lang="de-DE" sz="2000" dirty="0" err="1">
+                <a:solidFill>
+                  <a:srgbClr val="333333"/>
+                </a:solidFill>
+                <a:latin typeface="SFMono-Regular"/>
+              </a:rPr>
+              <a:t>Month</a:t>
+            </a:r>
+            <a:r>
+              <a:rPr lang="de-DE" sz="2000" dirty="0">
+                <a:solidFill>
+                  <a:srgbClr val="333333"/>
+                </a:solidFill>
+                <a:latin typeface="SFMono-Regular"/>
+              </a:rPr>
+              <a:t> = c("2022 Jan", "2022 Feb", "2022 Mar", "2022 Apr", "2022 May"),</a:t>
+            </a:r>
+          </a:p>
+          <a:p>
+            <a:pPr marL="0" indent="0">
+              <a:buFont typeface="Arial" panose="020B0604020202020204" pitchFamily="34" charset="0"/>
+              <a:buNone/>
+            </a:pPr>
+            <a:r>
+              <a:rPr lang="de-DE" sz="2000" dirty="0">
+                <a:solidFill>
+                  <a:srgbClr val="333333"/>
+                </a:solidFill>
+                <a:latin typeface="SFMono-Regular"/>
+              </a:rPr>
+              <a:t>                </a:t>
+            </a:r>
+            <a:r>
+              <a:rPr lang="de-DE" sz="2000" dirty="0" err="1">
+                <a:solidFill>
+                  <a:srgbClr val="333333"/>
+                </a:solidFill>
+                <a:latin typeface="SFMono-Regular"/>
+              </a:rPr>
+              <a:t>Observations</a:t>
+            </a:r>
+            <a:r>
+              <a:rPr lang="de-DE" sz="2000" dirty="0">
+                <a:solidFill>
+                  <a:srgbClr val="333333"/>
+                </a:solidFill>
+                <a:latin typeface="SFMono-Regular"/>
+              </a:rPr>
+              <a:t> = c(50, 23, 34, 30, 25))</a:t>
+            </a:r>
+          </a:p>
+          <a:p>
+            <a:pPr marL="0" indent="0">
+              <a:buFont typeface="Arial" panose="020B0604020202020204" pitchFamily="34" charset="0"/>
+              <a:buNone/>
+            </a:pPr>
+            <a:r>
+              <a:rPr lang="de-DE" sz="2000" dirty="0" err="1">
+                <a:solidFill>
+                  <a:srgbClr val="333333"/>
+                </a:solidFill>
+                <a:latin typeface="SFMono-Regular"/>
+              </a:rPr>
+              <a:t>z</a:t>
+            </a:r>
+            <a:r>
+              <a:rPr lang="de-DE" sz="2000" dirty="0">
+                <a:solidFill>
+                  <a:srgbClr val="333333"/>
+                </a:solidFill>
+                <a:latin typeface="SFMono-Regular"/>
+              </a:rPr>
+              <a:t> %&gt;%</a:t>
+            </a:r>
+          </a:p>
+          <a:p>
+            <a:pPr marL="0" indent="0">
+              <a:buFont typeface="Arial" panose="020B0604020202020204" pitchFamily="34" charset="0"/>
+              <a:buNone/>
+            </a:pPr>
+            <a:r>
+              <a:rPr lang="de-DE" sz="2000" dirty="0">
+                <a:solidFill>
+                  <a:srgbClr val="333333"/>
+                </a:solidFill>
+                <a:latin typeface="SFMono-Regular"/>
+              </a:rPr>
+              <a:t>  </a:t>
+            </a:r>
+            <a:r>
+              <a:rPr lang="de-DE" sz="2000" dirty="0" err="1">
+                <a:solidFill>
+                  <a:srgbClr val="333333"/>
+                </a:solidFill>
+                <a:latin typeface="SFMono-Regular"/>
+              </a:rPr>
+              <a:t>mutate</a:t>
+            </a:r>
+            <a:r>
+              <a:rPr lang="de-DE" sz="2000" dirty="0">
+                <a:solidFill>
+                  <a:srgbClr val="333333"/>
+                </a:solidFill>
+                <a:latin typeface="SFMono-Regular"/>
+              </a:rPr>
+              <a:t>(</a:t>
+            </a:r>
+            <a:r>
+              <a:rPr lang="de-DE" sz="2000" dirty="0" err="1">
+                <a:solidFill>
+                  <a:srgbClr val="333333"/>
+                </a:solidFill>
+                <a:latin typeface="SFMono-Regular"/>
+              </a:rPr>
+              <a:t>Month</a:t>
+            </a:r>
+            <a:r>
+              <a:rPr lang="de-DE" sz="2000" dirty="0">
+                <a:solidFill>
+                  <a:srgbClr val="333333"/>
+                </a:solidFill>
+                <a:latin typeface="SFMono-Regular"/>
+              </a:rPr>
+              <a:t> = </a:t>
+            </a:r>
+            <a:r>
+              <a:rPr lang="de-DE" sz="2000" dirty="0" err="1">
+                <a:solidFill>
+                  <a:srgbClr val="333333"/>
+                </a:solidFill>
+                <a:latin typeface="SFMono-Regular"/>
+              </a:rPr>
+              <a:t>yearmonth</a:t>
+            </a:r>
+            <a:r>
+              <a:rPr lang="de-DE" sz="2000" dirty="0">
+                <a:solidFill>
+                  <a:srgbClr val="333333"/>
+                </a:solidFill>
+                <a:latin typeface="SFMono-Regular"/>
+              </a:rPr>
+              <a:t>(</a:t>
+            </a:r>
+            <a:r>
+              <a:rPr lang="de-DE" sz="2000" dirty="0" err="1">
+                <a:solidFill>
+                  <a:srgbClr val="333333"/>
+                </a:solidFill>
+                <a:latin typeface="SFMono-Regular"/>
+              </a:rPr>
+              <a:t>Month</a:t>
+            </a:r>
+            <a:r>
+              <a:rPr lang="de-DE" sz="2000" dirty="0">
+                <a:solidFill>
+                  <a:srgbClr val="333333"/>
+                </a:solidFill>
+                <a:latin typeface="SFMono-Regular"/>
+              </a:rPr>
+              <a:t>)) %&gt;%</a:t>
+            </a:r>
+          </a:p>
+          <a:p>
+            <a:pPr marL="0" indent="0">
+              <a:buFont typeface="Arial" panose="020B0604020202020204" pitchFamily="34" charset="0"/>
+              <a:buNone/>
+            </a:pPr>
+            <a:r>
+              <a:rPr lang="de-DE" sz="2000" dirty="0">
+                <a:solidFill>
+                  <a:srgbClr val="333333"/>
+                </a:solidFill>
+                <a:latin typeface="SFMono-Regular"/>
+              </a:rPr>
+              <a:t>  </a:t>
+            </a:r>
+            <a:r>
+              <a:rPr lang="de-DE" sz="2000" dirty="0" err="1">
+                <a:solidFill>
+                  <a:srgbClr val="333333"/>
+                </a:solidFill>
+                <a:latin typeface="SFMono-Regular"/>
+              </a:rPr>
+              <a:t>as_tsibble</a:t>
+            </a:r>
+            <a:r>
+              <a:rPr lang="de-DE" sz="2000" dirty="0">
+                <a:solidFill>
+                  <a:srgbClr val="333333"/>
+                </a:solidFill>
+                <a:latin typeface="SFMono-Regular"/>
+              </a:rPr>
+              <a:t>(</a:t>
+            </a:r>
+            <a:r>
+              <a:rPr lang="de-DE" sz="2000" dirty="0" err="1">
+                <a:solidFill>
+                  <a:srgbClr val="333333"/>
+                </a:solidFill>
+                <a:latin typeface="SFMono-Regular"/>
+              </a:rPr>
+              <a:t>index</a:t>
+            </a:r>
+            <a:r>
+              <a:rPr lang="de-DE" sz="2000" dirty="0">
+                <a:solidFill>
+                  <a:srgbClr val="333333"/>
+                </a:solidFill>
+                <a:latin typeface="SFMono-Regular"/>
+              </a:rPr>
+              <a:t> = </a:t>
+            </a:r>
+            <a:r>
+              <a:rPr lang="de-DE" sz="2000" dirty="0" err="1">
+                <a:solidFill>
+                  <a:srgbClr val="333333"/>
+                </a:solidFill>
+                <a:latin typeface="SFMono-Regular"/>
+              </a:rPr>
+              <a:t>Month</a:t>
+            </a:r>
+            <a:r>
+              <a:rPr lang="de-DE" sz="2000" dirty="0">
+                <a:solidFill>
+                  <a:srgbClr val="333333"/>
+                </a:solidFill>
                 <a:latin typeface="SFMono-Regular"/>
               </a:rPr>
               <a:t>)</a:t>
@@ -8534,6 +9022,34 @@
           </a:prstGeom>
         </p:spPr>
       </p:pic>
+      <p:sp>
+        <p:nvSpPr>
+          <p:cNvPr id="3" name="Foliennummernplatzhalter 2">
+            <a:extLst>
+              <a:ext uri="{FF2B5EF4-FFF2-40B4-BE49-F238E27FC236}">
+                <a16:creationId xmlns:a16="http://schemas.microsoft.com/office/drawing/2014/main" id="{EB91D102-A544-EE3F-4615-D0257246EABE}"/>
+              </a:ext>
+            </a:extLst>
+          </p:cNvPr>
+          <p:cNvSpPr>
+            <a:spLocks noGrp="1"/>
+          </p:cNvSpPr>
+          <p:nvPr>
+            <p:ph type="sldNum" sz="quarter" idx="12"/>
+          </p:nvPr>
+        </p:nvSpPr>
+        <p:spPr/>
+        <p:txBody>
+          <a:bodyPr/>
+          <a:lstStyle/>
+          <a:p>
+            <a:r>
+              <a:rPr lang="de-DE" dirty="0"/>
+              <a:t>6/9</a:t>
+            </a:r>
+          </a:p>
+        </p:txBody>
+      </p:sp>
     </p:spTree>
     <p:extLst>
       <p:ext uri="{BB962C8B-B14F-4D97-AF65-F5344CB8AC3E}">
@@ -9642,6 +10158,38 @@
           </a:p>
         </p:txBody>
       </p:sp>
+      <p:sp>
+        <p:nvSpPr>
+          <p:cNvPr id="14" name="Foliennummernplatzhalter 13">
+            <a:extLst>
+              <a:ext uri="{FF2B5EF4-FFF2-40B4-BE49-F238E27FC236}">
+                <a16:creationId xmlns:a16="http://schemas.microsoft.com/office/drawing/2014/main" id="{AB322DF1-4328-EF18-75D4-BBB5A8DE0ADF}"/>
+              </a:ext>
+            </a:extLst>
+          </p:cNvPr>
+          <p:cNvSpPr>
+            <a:spLocks noGrp="1"/>
+          </p:cNvSpPr>
+          <p:nvPr>
+            <p:ph type="sldNum" sz="quarter" idx="12"/>
+          </p:nvPr>
+        </p:nvSpPr>
+        <p:spPr/>
+        <p:txBody>
+          <a:bodyPr/>
+          <a:lstStyle/>
+          <a:p>
+            <a:fld id="{D841047C-AC16-3847-8358-E80D41A378BA}" type="slidenum">
+              <a:rPr lang="de-DE" smtClean="0"/>
+              <a:t>7</a:t>
+            </a:fld>
+            <a:r>
+              <a:rPr lang="de-DE" dirty="0"/>
+              <a:t>/9</a:t>
+            </a:r>
+          </a:p>
+        </p:txBody>
+      </p:sp>
     </p:spTree>
     <p:extLst>
       <p:ext uri="{BB962C8B-B14F-4D97-AF65-F5344CB8AC3E}">
@@ -9981,7 +10529,7 @@
         </p:nvSpPr>
         <p:spPr>
           <a:xfrm>
-            <a:off x="1057025" y="922644"/>
+            <a:off x="1055713" y="663695"/>
             <a:ext cx="7845156" cy="1169585"/>
           </a:xfrm>
         </p:spPr>
@@ -10119,8 +10667,8 @@
         </p:nvSpPr>
         <p:spPr>
           <a:xfrm>
-            <a:off x="1055714" y="1555592"/>
-            <a:ext cx="7587544" cy="2857502"/>
+            <a:off x="1055713" y="1367441"/>
+            <a:ext cx="7587544" cy="2802764"/>
           </a:xfrm>
           <a:prstGeom prst="rect">
             <a:avLst/>
@@ -10585,7 +11133,7 @@
         </p:nvSpPr>
         <p:spPr>
           <a:xfrm>
-            <a:off x="1055715" y="4473086"/>
+            <a:off x="1055713" y="4278852"/>
             <a:ext cx="7587544" cy="1662113"/>
           </a:xfrm>
           <a:prstGeom prst="rect">
@@ -10974,6 +11522,43 @@
                 <a:latin typeface="SFMono-Regular"/>
               </a:rPr>
               <a:t> = 0.5)</a:t>
+            </a:r>
+          </a:p>
+        </p:txBody>
+      </p:sp>
+      <p:sp>
+        <p:nvSpPr>
+          <p:cNvPr id="8" name="Foliennummernplatzhalter 7">
+            <a:extLst>
+              <a:ext uri="{FF2B5EF4-FFF2-40B4-BE49-F238E27FC236}">
+                <a16:creationId xmlns:a16="http://schemas.microsoft.com/office/drawing/2014/main" id="{C57FCD47-3CAE-D407-D927-2FF9B96BA6B9}"/>
+              </a:ext>
+            </a:extLst>
+          </p:cNvPr>
+          <p:cNvSpPr>
+            <a:spLocks noGrp="1"/>
+          </p:cNvSpPr>
+          <p:nvPr>
+            <p:ph type="sldNum" sz="quarter" idx="12"/>
+          </p:nvPr>
+        </p:nvSpPr>
+        <p:spPr>
+          <a:xfrm>
+            <a:off x="838200" y="6356350"/>
+            <a:ext cx="2743200" cy="365125"/>
+          </a:xfrm>
+        </p:spPr>
+        <p:txBody>
+          <a:bodyPr/>
+          <a:lstStyle/>
+          <a:p>
+            <a:fld id="{D841047C-AC16-3847-8358-E80D41A378BA}" type="slidenum">
+              <a:rPr lang="de-DE" smtClean="0"/>
+              <a:t>8</a:t>
+            </a:fld>
+            <a:r>
+              <a:rPr lang="de-DE" dirty="0"/>
+              <a:t>/9</a:t>
             </a:r>
           </a:p>
         </p:txBody>
@@ -11013,7 +11598,7 @@
           <p:cNvPr id="2" name="Titel 1">
             <a:extLst>
               <a:ext uri="{FF2B5EF4-FFF2-40B4-BE49-F238E27FC236}">
-                <a16:creationId xmlns:a16="http://schemas.microsoft.com/office/drawing/2014/main" id="{4F0C1F02-5EC5-6063-FC3C-E0BFAADBE912}"/>
+                <a16:creationId xmlns:a16="http://schemas.microsoft.com/office/drawing/2014/main" id="{0B48BBB3-6C1D-1C49-FE89-E5F0BEBE1942}"/>
               </a:ext>
             </a:extLst>
           </p:cNvPr>
@@ -11031,882 +11616,121 @@
           <a:p>
             <a:r>
               <a:rPr lang="en-GB" dirty="0"/>
-              <a:t>Producing forecasts</a:t>
-            </a:r>
-          </a:p>
-        </p:txBody>
-      </p:sp>
-      <p:sp>
-        <p:nvSpPr>
-          <p:cNvPr id="4" name="Inhaltsplatzhalter 2">
-            <a:extLst>
-              <a:ext uri="{FF2B5EF4-FFF2-40B4-BE49-F238E27FC236}">
-                <a16:creationId xmlns:a16="http://schemas.microsoft.com/office/drawing/2014/main" id="{28A58ABB-CFB8-4992-1CC2-3BDE01BB5B9B}"/>
-              </a:ext>
-            </a:extLst>
-          </p:cNvPr>
-          <p:cNvSpPr txBox="1">
-            <a:spLocks/>
-          </p:cNvSpPr>
-          <p:nvPr/>
-        </p:nvSpPr>
-        <p:spPr>
-          <a:xfrm>
-            <a:off x="838200" y="1443037"/>
-            <a:ext cx="8005763" cy="2857502"/>
-          </a:xfrm>
-          <a:prstGeom prst="rect">
-            <a:avLst/>
-          </a:prstGeom>
-          <a:solidFill>
-            <a:schemeClr val="bg1">
-              <a:lumMod val="95000"/>
-            </a:schemeClr>
-          </a:solidFill>
-        </p:spPr>
-        <p:txBody>
-          <a:bodyPr vert="horz" lIns="91440" tIns="45720" rIns="91440" bIns="45720" rtlCol="0">
-            <a:noAutofit/>
-          </a:bodyPr>
-          <a:lstStyle>
-            <a:lvl1pPr marL="228600" indent="-228600" algn="l" defTabSz="914400" rtl="0" eaLnBrk="1" latinLnBrk="0" hangingPunct="1">
-              <a:lnSpc>
-                <a:spcPct val="90000"/>
-              </a:lnSpc>
-              <a:spcBef>
-                <a:spcPts val="1000"/>
-              </a:spcBef>
-              <a:buFont typeface="Arial" panose="020B0604020202020204" pitchFamily="34" charset="0"/>
-              <a:buChar char="•"/>
-              <a:defRPr sz="2800" kern="1200">
-                <a:solidFill>
-                  <a:schemeClr val="tx1"/>
-                </a:solidFill>
-                <a:latin typeface="+mn-lt"/>
-                <a:ea typeface="+mn-ea"/>
-                <a:cs typeface="+mn-cs"/>
-              </a:defRPr>
-            </a:lvl1pPr>
-            <a:lvl2pPr marL="685800" indent="-228600" algn="l" defTabSz="914400" rtl="0" eaLnBrk="1" latinLnBrk="0" hangingPunct="1">
-              <a:lnSpc>
-                <a:spcPct val="90000"/>
-              </a:lnSpc>
-              <a:spcBef>
-                <a:spcPts val="500"/>
-              </a:spcBef>
-              <a:buFont typeface="Arial" panose="020B0604020202020204" pitchFamily="34" charset="0"/>
-              <a:buChar char="•"/>
-              <a:defRPr sz="2400" kern="1200">
-                <a:solidFill>
-                  <a:schemeClr val="tx1"/>
-                </a:solidFill>
-                <a:latin typeface="+mn-lt"/>
-                <a:ea typeface="+mn-ea"/>
-                <a:cs typeface="+mn-cs"/>
-              </a:defRPr>
-            </a:lvl2pPr>
-            <a:lvl3pPr marL="1143000" indent="-228600" algn="l" defTabSz="914400" rtl="0" eaLnBrk="1" latinLnBrk="0" hangingPunct="1">
-              <a:lnSpc>
-                <a:spcPct val="90000"/>
-              </a:lnSpc>
-              <a:spcBef>
-                <a:spcPts val="500"/>
-              </a:spcBef>
-              <a:buFont typeface="Arial" panose="020B0604020202020204" pitchFamily="34" charset="0"/>
-              <a:buChar char="•"/>
-              <a:defRPr sz="2000" kern="1200">
-                <a:solidFill>
-                  <a:schemeClr val="tx1"/>
-                </a:solidFill>
-                <a:latin typeface="+mn-lt"/>
-                <a:ea typeface="+mn-ea"/>
-                <a:cs typeface="+mn-cs"/>
-              </a:defRPr>
-            </a:lvl3pPr>
-            <a:lvl4pPr marL="1600200" indent="-228600" algn="l" defTabSz="914400" rtl="0" eaLnBrk="1" latinLnBrk="0" hangingPunct="1">
-              <a:lnSpc>
-                <a:spcPct val="90000"/>
-              </a:lnSpc>
-              <a:spcBef>
-                <a:spcPts val="500"/>
-              </a:spcBef>
-              <a:buFont typeface="Arial" panose="020B0604020202020204" pitchFamily="34" charset="0"/>
-              <a:buChar char="•"/>
-              <a:defRPr sz="1800" kern="1200">
-                <a:solidFill>
-                  <a:schemeClr val="tx1"/>
-                </a:solidFill>
-                <a:latin typeface="+mn-lt"/>
-                <a:ea typeface="+mn-ea"/>
-                <a:cs typeface="+mn-cs"/>
-              </a:defRPr>
-            </a:lvl4pPr>
-            <a:lvl5pPr marL="2057400" indent="-228600" algn="l" defTabSz="914400" rtl="0" eaLnBrk="1" latinLnBrk="0" hangingPunct="1">
-              <a:lnSpc>
-                <a:spcPct val="90000"/>
-              </a:lnSpc>
-              <a:spcBef>
-                <a:spcPts val="500"/>
-              </a:spcBef>
-              <a:buFont typeface="Arial" panose="020B0604020202020204" pitchFamily="34" charset="0"/>
-              <a:buChar char="•"/>
-              <a:defRPr sz="1800" kern="1200">
-                <a:solidFill>
-                  <a:schemeClr val="tx1"/>
-                </a:solidFill>
-                <a:latin typeface="+mn-lt"/>
-                <a:ea typeface="+mn-ea"/>
-                <a:cs typeface="+mn-cs"/>
-              </a:defRPr>
-            </a:lvl5pPr>
-            <a:lvl6pPr marL="2514600" indent="-228600" algn="l" defTabSz="914400" rtl="0" eaLnBrk="1" latinLnBrk="0" hangingPunct="1">
-              <a:lnSpc>
-                <a:spcPct val="90000"/>
-              </a:lnSpc>
-              <a:spcBef>
-                <a:spcPts val="500"/>
-              </a:spcBef>
-              <a:buFont typeface="Arial" panose="020B0604020202020204" pitchFamily="34" charset="0"/>
-              <a:buChar char="•"/>
-              <a:defRPr sz="1800" kern="1200">
-                <a:solidFill>
-                  <a:schemeClr val="tx1"/>
-                </a:solidFill>
-                <a:latin typeface="+mn-lt"/>
-                <a:ea typeface="+mn-ea"/>
-                <a:cs typeface="+mn-cs"/>
-              </a:defRPr>
-            </a:lvl6pPr>
-            <a:lvl7pPr marL="2971800" indent="-228600" algn="l" defTabSz="914400" rtl="0" eaLnBrk="1" latinLnBrk="0" hangingPunct="1">
-              <a:lnSpc>
-                <a:spcPct val="90000"/>
-              </a:lnSpc>
-              <a:spcBef>
-                <a:spcPts val="500"/>
-              </a:spcBef>
-              <a:buFont typeface="Arial" panose="020B0604020202020204" pitchFamily="34" charset="0"/>
-              <a:buChar char="•"/>
-              <a:defRPr sz="1800" kern="1200">
-                <a:solidFill>
-                  <a:schemeClr val="tx1"/>
-                </a:solidFill>
-                <a:latin typeface="+mn-lt"/>
-                <a:ea typeface="+mn-ea"/>
-                <a:cs typeface="+mn-cs"/>
-              </a:defRPr>
-            </a:lvl7pPr>
-            <a:lvl8pPr marL="3429000" indent="-228600" algn="l" defTabSz="914400" rtl="0" eaLnBrk="1" latinLnBrk="0" hangingPunct="1">
-              <a:lnSpc>
-                <a:spcPct val="90000"/>
-              </a:lnSpc>
-              <a:spcBef>
-                <a:spcPts val="500"/>
-              </a:spcBef>
-              <a:buFont typeface="Arial" panose="020B0604020202020204" pitchFamily="34" charset="0"/>
-              <a:buChar char="•"/>
-              <a:defRPr sz="1800" kern="1200">
-                <a:solidFill>
-                  <a:schemeClr val="tx1"/>
-                </a:solidFill>
-                <a:latin typeface="+mn-lt"/>
-                <a:ea typeface="+mn-ea"/>
-                <a:cs typeface="+mn-cs"/>
-              </a:defRPr>
-            </a:lvl8pPr>
-            <a:lvl9pPr marL="3886200" indent="-228600" algn="l" defTabSz="914400" rtl="0" eaLnBrk="1" latinLnBrk="0" hangingPunct="1">
-              <a:lnSpc>
-                <a:spcPct val="90000"/>
-              </a:lnSpc>
-              <a:spcBef>
-                <a:spcPts val="500"/>
-              </a:spcBef>
-              <a:buFont typeface="Arial" panose="020B0604020202020204" pitchFamily="34" charset="0"/>
-              <a:buChar char="•"/>
-              <a:defRPr sz="1800" kern="1200">
-                <a:solidFill>
-                  <a:schemeClr val="tx1"/>
-                </a:solidFill>
-                <a:latin typeface="+mn-lt"/>
-                <a:ea typeface="+mn-ea"/>
-                <a:cs typeface="+mn-cs"/>
-              </a:defRPr>
-            </a:lvl9pPr>
-          </a:lstStyle>
-          <a:p>
-            <a:pPr marL="0" indent="0">
-              <a:buFont typeface="Arial" panose="020B0604020202020204" pitchFamily="34" charset="0"/>
-              <a:buNone/>
-            </a:pPr>
-            <a:r>
-              <a:rPr lang="de-DE" sz="2000" dirty="0">
-                <a:solidFill>
-                  <a:schemeClr val="bg1">
-                    <a:lumMod val="50000"/>
-                  </a:schemeClr>
-                </a:solidFill>
-                <a:latin typeface="SFMono-Regular"/>
-              </a:rPr>
-              <a:t># </a:t>
-            </a:r>
-            <a:r>
-              <a:rPr lang="de-DE" sz="2000" dirty="0" err="1">
-                <a:solidFill>
-                  <a:schemeClr val="bg1">
-                    <a:lumMod val="50000"/>
-                  </a:schemeClr>
-                </a:solidFill>
-                <a:latin typeface="SFMono-Regular"/>
-              </a:rPr>
-              <a:t>Comparing</a:t>
-            </a:r>
-            <a:r>
-              <a:rPr lang="de-DE" sz="2000" dirty="0">
-                <a:solidFill>
-                  <a:schemeClr val="bg1">
-                    <a:lumMod val="50000"/>
-                  </a:schemeClr>
-                </a:solidFill>
-                <a:latin typeface="SFMono-Regular"/>
-              </a:rPr>
-              <a:t> multiple </a:t>
-            </a:r>
-            <a:r>
-              <a:rPr lang="de-DE" sz="2000" dirty="0" err="1">
-                <a:solidFill>
-                  <a:schemeClr val="bg1">
-                    <a:lumMod val="50000"/>
-                  </a:schemeClr>
-                </a:solidFill>
-                <a:latin typeface="SFMono-Regular"/>
-              </a:rPr>
-              <a:t>models</a:t>
-            </a:r>
-            <a:endParaRPr lang="de-DE" sz="2000" dirty="0">
-              <a:solidFill>
-                <a:schemeClr val="bg1">
-                  <a:lumMod val="50000"/>
-                </a:schemeClr>
-              </a:solidFill>
-              <a:latin typeface="SFMono-Regular"/>
-            </a:endParaRPr>
-          </a:p>
-          <a:p>
-            <a:pPr marL="0" indent="0">
-              <a:buFont typeface="Arial" panose="020B0604020202020204" pitchFamily="34" charset="0"/>
-              <a:buNone/>
-            </a:pPr>
-            <a:r>
-              <a:rPr lang="de-DE" sz="2000" dirty="0">
-                <a:solidFill>
-                  <a:srgbClr val="333333"/>
-                </a:solidFill>
-                <a:latin typeface="SFMono-Regular"/>
-              </a:rPr>
-              <a:t>fit &lt;- </a:t>
-            </a:r>
-            <a:r>
-              <a:rPr lang="de-DE" sz="2000" dirty="0" err="1">
-                <a:solidFill>
-                  <a:srgbClr val="333333"/>
-                </a:solidFill>
-                <a:latin typeface="SFMono-Regular"/>
-              </a:rPr>
-              <a:t>tourism_t_trips</a:t>
-            </a:r>
-            <a:r>
-              <a:rPr lang="de-DE" sz="2000" dirty="0">
-                <a:solidFill>
-                  <a:srgbClr val="333333"/>
-                </a:solidFill>
-                <a:latin typeface="SFMono-Regular"/>
-              </a:rPr>
-              <a:t> %&gt;% </a:t>
-            </a:r>
-          </a:p>
-          <a:p>
-            <a:pPr marL="0" indent="0">
-              <a:buFont typeface="Arial" panose="020B0604020202020204" pitchFamily="34" charset="0"/>
-              <a:buNone/>
-            </a:pPr>
-            <a:r>
-              <a:rPr lang="de-DE" sz="2000" dirty="0">
-                <a:solidFill>
-                  <a:srgbClr val="333333"/>
-                </a:solidFill>
-                <a:latin typeface="SFMono-Regular"/>
-              </a:rPr>
-              <a:t>  </a:t>
-            </a:r>
-            <a:r>
-              <a:rPr lang="de-DE" sz="2000" dirty="0" err="1">
-                <a:solidFill>
-                  <a:srgbClr val="333333"/>
-                </a:solidFill>
-                <a:latin typeface="SFMono-Regular"/>
-              </a:rPr>
-              <a:t>model</a:t>
-            </a:r>
-            <a:r>
-              <a:rPr lang="de-DE" sz="2000" dirty="0">
-                <a:solidFill>
-                  <a:srgbClr val="333333"/>
-                </a:solidFill>
-                <a:latin typeface="SFMono-Regular"/>
-              </a:rPr>
-              <a:t>(</a:t>
-            </a:r>
-          </a:p>
-          <a:p>
-            <a:pPr marL="0" indent="0">
-              <a:buFont typeface="Arial" panose="020B0604020202020204" pitchFamily="34" charset="0"/>
-              <a:buNone/>
-            </a:pPr>
-            <a:r>
-              <a:rPr lang="de-DE" sz="2000" dirty="0">
-                <a:solidFill>
-                  <a:srgbClr val="333333"/>
-                </a:solidFill>
-                <a:latin typeface="SFMono-Regular"/>
-              </a:rPr>
-              <a:t>    </a:t>
-            </a:r>
-            <a:r>
-              <a:rPr lang="de-DE" sz="2000" dirty="0" err="1">
-                <a:solidFill>
-                  <a:srgbClr val="333333"/>
-                </a:solidFill>
-                <a:latin typeface="SFMono-Regular"/>
-              </a:rPr>
-              <a:t>ets</a:t>
-            </a:r>
-            <a:r>
-              <a:rPr lang="de-DE" sz="2000" dirty="0">
-                <a:solidFill>
-                  <a:srgbClr val="333333"/>
-                </a:solidFill>
-                <a:latin typeface="SFMono-Regular"/>
-              </a:rPr>
-              <a:t> = ETS(Trips),</a:t>
-            </a:r>
-          </a:p>
-          <a:p>
-            <a:pPr marL="0" indent="0">
-              <a:buFont typeface="Arial" panose="020B0604020202020204" pitchFamily="34" charset="0"/>
-              <a:buNone/>
-            </a:pPr>
-            <a:r>
-              <a:rPr lang="de-DE" sz="2000" dirty="0">
-                <a:solidFill>
-                  <a:srgbClr val="333333"/>
-                </a:solidFill>
-                <a:latin typeface="SFMono-Regular"/>
-              </a:rPr>
-              <a:t>    </a:t>
-            </a:r>
-            <a:r>
-              <a:rPr lang="de-DE" sz="2000" dirty="0" err="1">
-                <a:solidFill>
-                  <a:srgbClr val="333333"/>
-                </a:solidFill>
-                <a:latin typeface="SFMono-Regular"/>
-              </a:rPr>
-              <a:t>arima</a:t>
-            </a:r>
-            <a:r>
-              <a:rPr lang="de-DE" sz="2000" dirty="0">
-                <a:solidFill>
-                  <a:srgbClr val="333333"/>
-                </a:solidFill>
-                <a:latin typeface="SFMono-Regular"/>
-              </a:rPr>
-              <a:t> = ARIMA(Trips),</a:t>
-            </a:r>
-          </a:p>
-          <a:p>
-            <a:pPr marL="0" indent="0">
-              <a:buFont typeface="Arial" panose="020B0604020202020204" pitchFamily="34" charset="0"/>
-              <a:buNone/>
-            </a:pPr>
-            <a:r>
-              <a:rPr lang="de-DE" sz="2000" dirty="0">
-                <a:solidFill>
-                  <a:srgbClr val="333333"/>
-                </a:solidFill>
-                <a:latin typeface="SFMono-Regular"/>
-              </a:rPr>
-              <a:t>    lm = TSLM(Trips ~ </a:t>
-            </a:r>
-            <a:r>
-              <a:rPr lang="de-DE" sz="2000" dirty="0" err="1">
-                <a:solidFill>
-                  <a:srgbClr val="333333"/>
-                </a:solidFill>
-                <a:latin typeface="SFMono-Regular"/>
-              </a:rPr>
-              <a:t>trend</a:t>
-            </a:r>
-            <a:r>
-              <a:rPr lang="de-DE" sz="2000" dirty="0">
-                <a:solidFill>
-                  <a:srgbClr val="333333"/>
-                </a:solidFill>
-                <a:latin typeface="SFMono-Regular"/>
-              </a:rPr>
-              <a:t>() + </a:t>
-            </a:r>
-            <a:r>
-              <a:rPr lang="de-DE" sz="2000" dirty="0" err="1">
-                <a:solidFill>
-                  <a:srgbClr val="333333"/>
-                </a:solidFill>
-                <a:latin typeface="SFMono-Regular"/>
-              </a:rPr>
-              <a:t>season</a:t>
-            </a:r>
-            <a:r>
-              <a:rPr lang="de-DE" sz="2000" dirty="0">
-                <a:solidFill>
-                  <a:srgbClr val="333333"/>
-                </a:solidFill>
-                <a:latin typeface="SFMono-Regular"/>
-              </a:rPr>
-              <a:t>())</a:t>
-            </a:r>
-          </a:p>
-          <a:p>
-            <a:pPr marL="0" indent="0">
-              <a:buFont typeface="Arial" panose="020B0604020202020204" pitchFamily="34" charset="0"/>
-              <a:buNone/>
-            </a:pPr>
-            <a:r>
-              <a:rPr lang="de-DE" sz="2000" dirty="0">
-                <a:solidFill>
-                  <a:srgbClr val="333333"/>
-                </a:solidFill>
-                <a:latin typeface="SFMono-Regular"/>
-              </a:rPr>
-              <a:t>  )</a:t>
-            </a:r>
-          </a:p>
-          <a:p>
-            <a:pPr marL="0" indent="0">
-              <a:buFont typeface="Arial" panose="020B0604020202020204" pitchFamily="34" charset="0"/>
-              <a:buNone/>
-            </a:pPr>
-            <a:endParaRPr lang="de-DE" sz="2000" dirty="0">
-              <a:solidFill>
-                <a:srgbClr val="333333"/>
-              </a:solidFill>
-              <a:latin typeface="SFMono-Regular"/>
-            </a:endParaRPr>
-          </a:p>
-        </p:txBody>
-      </p:sp>
-      <p:sp>
-        <p:nvSpPr>
-          <p:cNvPr id="5" name="Inhaltsplatzhalter 2">
-            <a:extLst>
-              <a:ext uri="{FF2B5EF4-FFF2-40B4-BE49-F238E27FC236}">
-                <a16:creationId xmlns:a16="http://schemas.microsoft.com/office/drawing/2014/main" id="{80EFA7C1-8B08-543E-12FE-E6106629774D}"/>
-              </a:ext>
-            </a:extLst>
-          </p:cNvPr>
-          <p:cNvSpPr txBox="1">
-            <a:spLocks/>
-          </p:cNvSpPr>
-          <p:nvPr/>
-        </p:nvSpPr>
-        <p:spPr>
-          <a:xfrm>
-            <a:off x="838199" y="4438650"/>
-            <a:ext cx="8005763" cy="1662113"/>
-          </a:xfrm>
-          <a:prstGeom prst="rect">
-            <a:avLst/>
-          </a:prstGeom>
-          <a:solidFill>
-            <a:schemeClr val="bg1">
-              <a:lumMod val="95000"/>
-            </a:schemeClr>
-          </a:solidFill>
-        </p:spPr>
-        <p:txBody>
-          <a:bodyPr vert="horz" lIns="91440" tIns="45720" rIns="91440" bIns="45720" rtlCol="0">
-            <a:noAutofit/>
-          </a:bodyPr>
-          <a:lstStyle>
-            <a:lvl1pPr marL="228600" indent="-228600" algn="l" defTabSz="914400" rtl="0" eaLnBrk="1" latinLnBrk="0" hangingPunct="1">
-              <a:lnSpc>
-                <a:spcPct val="90000"/>
-              </a:lnSpc>
-              <a:spcBef>
-                <a:spcPts val="1000"/>
-              </a:spcBef>
-              <a:buFont typeface="Arial" panose="020B0604020202020204" pitchFamily="34" charset="0"/>
-              <a:buChar char="•"/>
-              <a:defRPr sz="2800" kern="1200">
-                <a:solidFill>
-                  <a:schemeClr val="tx1"/>
-                </a:solidFill>
-                <a:latin typeface="+mn-lt"/>
-                <a:ea typeface="+mn-ea"/>
-                <a:cs typeface="+mn-cs"/>
-              </a:defRPr>
-            </a:lvl1pPr>
-            <a:lvl2pPr marL="685800" indent="-228600" algn="l" defTabSz="914400" rtl="0" eaLnBrk="1" latinLnBrk="0" hangingPunct="1">
-              <a:lnSpc>
-                <a:spcPct val="90000"/>
-              </a:lnSpc>
-              <a:spcBef>
-                <a:spcPts val="500"/>
-              </a:spcBef>
-              <a:buFont typeface="Arial" panose="020B0604020202020204" pitchFamily="34" charset="0"/>
-              <a:buChar char="•"/>
-              <a:defRPr sz="2400" kern="1200">
-                <a:solidFill>
-                  <a:schemeClr val="tx1"/>
-                </a:solidFill>
-                <a:latin typeface="+mn-lt"/>
-                <a:ea typeface="+mn-ea"/>
-                <a:cs typeface="+mn-cs"/>
-              </a:defRPr>
-            </a:lvl2pPr>
-            <a:lvl3pPr marL="1143000" indent="-228600" algn="l" defTabSz="914400" rtl="0" eaLnBrk="1" latinLnBrk="0" hangingPunct="1">
-              <a:lnSpc>
-                <a:spcPct val="90000"/>
-              </a:lnSpc>
-              <a:spcBef>
-                <a:spcPts val="500"/>
-              </a:spcBef>
-              <a:buFont typeface="Arial" panose="020B0604020202020204" pitchFamily="34" charset="0"/>
-              <a:buChar char="•"/>
-              <a:defRPr sz="2000" kern="1200">
-                <a:solidFill>
-                  <a:schemeClr val="tx1"/>
-                </a:solidFill>
-                <a:latin typeface="+mn-lt"/>
-                <a:ea typeface="+mn-ea"/>
-                <a:cs typeface="+mn-cs"/>
-              </a:defRPr>
-            </a:lvl3pPr>
-            <a:lvl4pPr marL="1600200" indent="-228600" algn="l" defTabSz="914400" rtl="0" eaLnBrk="1" latinLnBrk="0" hangingPunct="1">
-              <a:lnSpc>
-                <a:spcPct val="90000"/>
-              </a:lnSpc>
-              <a:spcBef>
-                <a:spcPts val="500"/>
-              </a:spcBef>
-              <a:buFont typeface="Arial" panose="020B0604020202020204" pitchFamily="34" charset="0"/>
-              <a:buChar char="•"/>
-              <a:defRPr sz="1800" kern="1200">
-                <a:solidFill>
-                  <a:schemeClr val="tx1"/>
-                </a:solidFill>
-                <a:latin typeface="+mn-lt"/>
-                <a:ea typeface="+mn-ea"/>
-                <a:cs typeface="+mn-cs"/>
-              </a:defRPr>
-            </a:lvl4pPr>
-            <a:lvl5pPr marL="2057400" indent="-228600" algn="l" defTabSz="914400" rtl="0" eaLnBrk="1" latinLnBrk="0" hangingPunct="1">
-              <a:lnSpc>
-                <a:spcPct val="90000"/>
-              </a:lnSpc>
-              <a:spcBef>
-                <a:spcPts val="500"/>
-              </a:spcBef>
-              <a:buFont typeface="Arial" panose="020B0604020202020204" pitchFamily="34" charset="0"/>
-              <a:buChar char="•"/>
-              <a:defRPr sz="1800" kern="1200">
-                <a:solidFill>
-                  <a:schemeClr val="tx1"/>
-                </a:solidFill>
-                <a:latin typeface="+mn-lt"/>
-                <a:ea typeface="+mn-ea"/>
-                <a:cs typeface="+mn-cs"/>
-              </a:defRPr>
-            </a:lvl5pPr>
-            <a:lvl6pPr marL="2514600" indent="-228600" algn="l" defTabSz="914400" rtl="0" eaLnBrk="1" latinLnBrk="0" hangingPunct="1">
-              <a:lnSpc>
-                <a:spcPct val="90000"/>
-              </a:lnSpc>
-              <a:spcBef>
-                <a:spcPts val="500"/>
-              </a:spcBef>
-              <a:buFont typeface="Arial" panose="020B0604020202020204" pitchFamily="34" charset="0"/>
-              <a:buChar char="•"/>
-              <a:defRPr sz="1800" kern="1200">
-                <a:solidFill>
-                  <a:schemeClr val="tx1"/>
-                </a:solidFill>
-                <a:latin typeface="+mn-lt"/>
-                <a:ea typeface="+mn-ea"/>
-                <a:cs typeface="+mn-cs"/>
-              </a:defRPr>
-            </a:lvl6pPr>
-            <a:lvl7pPr marL="2971800" indent="-228600" algn="l" defTabSz="914400" rtl="0" eaLnBrk="1" latinLnBrk="0" hangingPunct="1">
-              <a:lnSpc>
-                <a:spcPct val="90000"/>
-              </a:lnSpc>
-              <a:spcBef>
-                <a:spcPts val="500"/>
-              </a:spcBef>
-              <a:buFont typeface="Arial" panose="020B0604020202020204" pitchFamily="34" charset="0"/>
-              <a:buChar char="•"/>
-              <a:defRPr sz="1800" kern="1200">
-                <a:solidFill>
-                  <a:schemeClr val="tx1"/>
-                </a:solidFill>
-                <a:latin typeface="+mn-lt"/>
-                <a:ea typeface="+mn-ea"/>
-                <a:cs typeface="+mn-cs"/>
-              </a:defRPr>
-            </a:lvl7pPr>
-            <a:lvl8pPr marL="3429000" indent="-228600" algn="l" defTabSz="914400" rtl="0" eaLnBrk="1" latinLnBrk="0" hangingPunct="1">
-              <a:lnSpc>
-                <a:spcPct val="90000"/>
-              </a:lnSpc>
-              <a:spcBef>
-                <a:spcPts val="500"/>
-              </a:spcBef>
-              <a:buFont typeface="Arial" panose="020B0604020202020204" pitchFamily="34" charset="0"/>
-              <a:buChar char="•"/>
-              <a:defRPr sz="1800" kern="1200">
-                <a:solidFill>
-                  <a:schemeClr val="tx1"/>
-                </a:solidFill>
-                <a:latin typeface="+mn-lt"/>
-                <a:ea typeface="+mn-ea"/>
-                <a:cs typeface="+mn-cs"/>
-              </a:defRPr>
-            </a:lvl8pPr>
-            <a:lvl9pPr marL="3886200" indent="-228600" algn="l" defTabSz="914400" rtl="0" eaLnBrk="1" latinLnBrk="0" hangingPunct="1">
-              <a:lnSpc>
-                <a:spcPct val="90000"/>
-              </a:lnSpc>
-              <a:spcBef>
-                <a:spcPts val="500"/>
-              </a:spcBef>
-              <a:buFont typeface="Arial" panose="020B0604020202020204" pitchFamily="34" charset="0"/>
-              <a:buChar char="•"/>
-              <a:defRPr sz="1800" kern="1200">
-                <a:solidFill>
-                  <a:schemeClr val="tx1"/>
-                </a:solidFill>
-                <a:latin typeface="+mn-lt"/>
-                <a:ea typeface="+mn-ea"/>
-                <a:cs typeface="+mn-cs"/>
-              </a:defRPr>
-            </a:lvl9pPr>
-          </a:lstStyle>
-          <a:p>
-            <a:pPr marL="0" indent="0">
-              <a:buFont typeface="Arial" panose="020B0604020202020204" pitchFamily="34" charset="0"/>
-              <a:buNone/>
-            </a:pPr>
-            <a:r>
-              <a:rPr lang="de-DE" sz="2000" dirty="0">
-                <a:solidFill>
-                  <a:schemeClr val="bg1">
-                    <a:lumMod val="50000"/>
-                  </a:schemeClr>
-                </a:solidFill>
-                <a:latin typeface="SFMono-Regular"/>
-              </a:rPr>
-              <a:t># </a:t>
-            </a:r>
-            <a:r>
-              <a:rPr lang="de-DE" sz="2000" dirty="0" err="1">
-                <a:solidFill>
-                  <a:schemeClr val="bg1">
-                    <a:lumMod val="50000"/>
-                  </a:schemeClr>
-                </a:solidFill>
-                <a:latin typeface="SFMono-Regular"/>
-              </a:rPr>
-              <a:t>plot</a:t>
-            </a:r>
-            <a:r>
-              <a:rPr lang="de-DE" sz="2000" dirty="0">
-                <a:solidFill>
-                  <a:schemeClr val="bg1">
-                    <a:lumMod val="50000"/>
-                  </a:schemeClr>
-                </a:solidFill>
-                <a:latin typeface="SFMono-Regular"/>
-              </a:rPr>
-              <a:t> </a:t>
-            </a:r>
-            <a:r>
-              <a:rPr lang="de-DE" sz="2000" dirty="0" err="1">
-                <a:solidFill>
-                  <a:schemeClr val="bg1">
-                    <a:lumMod val="50000"/>
-                  </a:schemeClr>
-                </a:solidFill>
-                <a:latin typeface="SFMono-Regular"/>
-              </a:rPr>
-              <a:t>forecast</a:t>
-            </a:r>
-            <a:endParaRPr lang="de-DE" sz="2000" dirty="0">
-              <a:solidFill>
-                <a:schemeClr val="bg1">
-                  <a:lumMod val="50000"/>
-                </a:schemeClr>
-              </a:solidFill>
-              <a:latin typeface="SFMono-Regular"/>
-            </a:endParaRPr>
-          </a:p>
-          <a:p>
-            <a:pPr marL="0" indent="0">
-              <a:buFont typeface="Arial" panose="020B0604020202020204" pitchFamily="34" charset="0"/>
-              <a:buNone/>
-            </a:pPr>
-            <a:r>
-              <a:rPr lang="de-DE" sz="2000" dirty="0">
-                <a:solidFill>
-                  <a:srgbClr val="333333"/>
-                </a:solidFill>
-                <a:latin typeface="SFMono-Regular"/>
-              </a:rPr>
-              <a:t>fit %&gt;% </a:t>
-            </a:r>
-          </a:p>
-          <a:p>
-            <a:pPr marL="0" indent="0">
-              <a:buFont typeface="Arial" panose="020B0604020202020204" pitchFamily="34" charset="0"/>
-              <a:buNone/>
-            </a:pPr>
-            <a:r>
-              <a:rPr lang="de-DE" sz="2000" dirty="0">
-                <a:solidFill>
-                  <a:srgbClr val="333333"/>
-                </a:solidFill>
-                <a:latin typeface="SFMono-Regular"/>
-              </a:rPr>
-              <a:t>  </a:t>
-            </a:r>
-            <a:r>
-              <a:rPr lang="de-DE" sz="2000" dirty="0" err="1">
-                <a:solidFill>
-                  <a:srgbClr val="333333"/>
-                </a:solidFill>
-                <a:latin typeface="SFMono-Regular"/>
-              </a:rPr>
-              <a:t>forecast</a:t>
-            </a:r>
-            <a:r>
-              <a:rPr lang="de-DE" sz="2000" dirty="0">
-                <a:solidFill>
-                  <a:srgbClr val="333333"/>
-                </a:solidFill>
-                <a:latin typeface="SFMono-Regular"/>
-              </a:rPr>
-              <a:t>(h = "2 </a:t>
-            </a:r>
-            <a:r>
-              <a:rPr lang="de-DE" sz="2000" dirty="0" err="1">
-                <a:solidFill>
-                  <a:srgbClr val="333333"/>
-                </a:solidFill>
-                <a:latin typeface="SFMono-Regular"/>
-              </a:rPr>
-              <a:t>years</a:t>
-            </a:r>
-            <a:r>
-              <a:rPr lang="de-DE" sz="2000" dirty="0">
-                <a:solidFill>
-                  <a:srgbClr val="333333"/>
-                </a:solidFill>
-                <a:latin typeface="SFMono-Regular"/>
-              </a:rPr>
-              <a:t>") %&gt;% </a:t>
-            </a:r>
-          </a:p>
-          <a:p>
-            <a:pPr marL="0" indent="0">
-              <a:buFont typeface="Arial" panose="020B0604020202020204" pitchFamily="34" charset="0"/>
-              <a:buNone/>
-            </a:pPr>
-            <a:r>
-              <a:rPr lang="de-DE" sz="2000" dirty="0">
-                <a:solidFill>
-                  <a:srgbClr val="333333"/>
-                </a:solidFill>
-                <a:latin typeface="SFMono-Regular"/>
-              </a:rPr>
-              <a:t>  </a:t>
-            </a:r>
-            <a:r>
-              <a:rPr lang="de-DE" sz="2000" dirty="0" err="1">
-                <a:solidFill>
-                  <a:srgbClr val="333333"/>
-                </a:solidFill>
-                <a:latin typeface="SFMono-Regular"/>
-              </a:rPr>
-              <a:t>autoplot</a:t>
-            </a:r>
-            <a:r>
-              <a:rPr lang="de-DE" sz="2000" dirty="0">
-                <a:solidFill>
-                  <a:srgbClr val="333333"/>
-                </a:solidFill>
-                <a:latin typeface="SFMono-Regular"/>
-              </a:rPr>
-              <a:t>(</a:t>
-            </a:r>
-            <a:r>
-              <a:rPr lang="de-DE" sz="2000" dirty="0" err="1">
-                <a:solidFill>
-                  <a:srgbClr val="333333"/>
-                </a:solidFill>
-                <a:latin typeface="SFMono-Regular"/>
-              </a:rPr>
-              <a:t>tourism_t_trips</a:t>
-            </a:r>
-            <a:r>
-              <a:rPr lang="de-DE" sz="2000" dirty="0">
-                <a:solidFill>
-                  <a:srgbClr val="333333"/>
-                </a:solidFill>
-                <a:latin typeface="SFMono-Regular"/>
-              </a:rPr>
-              <a:t>, </a:t>
-            </a:r>
-            <a:r>
-              <a:rPr lang="de-DE" sz="2000" dirty="0" err="1">
-                <a:solidFill>
-                  <a:srgbClr val="333333"/>
-                </a:solidFill>
-                <a:latin typeface="SFMono-Regular"/>
-              </a:rPr>
-              <a:t>level</a:t>
-            </a:r>
-            <a:r>
-              <a:rPr lang="de-DE" sz="2000" dirty="0">
-                <a:solidFill>
-                  <a:srgbClr val="333333"/>
-                </a:solidFill>
-                <a:latin typeface="SFMono-Regular"/>
-              </a:rPr>
-              <a:t> = 80, </a:t>
-            </a:r>
-            <a:r>
-              <a:rPr lang="de-DE" sz="2000" dirty="0" err="1">
-                <a:solidFill>
-                  <a:srgbClr val="333333"/>
-                </a:solidFill>
-                <a:latin typeface="SFMono-Regular"/>
-              </a:rPr>
-              <a:t>alpha</a:t>
-            </a:r>
-            <a:r>
-              <a:rPr lang="de-DE" sz="2000" dirty="0">
-                <a:solidFill>
-                  <a:srgbClr val="333333"/>
-                </a:solidFill>
-                <a:latin typeface="SFMono-Regular"/>
-              </a:rPr>
-              <a:t> = 0.5)</a:t>
+              <a:t>Further Reading</a:t>
+            </a:r>
+          </a:p>
+        </p:txBody>
+      </p:sp>
+      <p:sp>
+        <p:nvSpPr>
+          <p:cNvPr id="3" name="Inhaltsplatzhalter 2">
+            <a:extLst>
+              <a:ext uri="{FF2B5EF4-FFF2-40B4-BE49-F238E27FC236}">
+                <a16:creationId xmlns:a16="http://schemas.microsoft.com/office/drawing/2014/main" id="{A19D6F9B-F207-802B-2B37-FF4683C12746}"/>
+              </a:ext>
+            </a:extLst>
+          </p:cNvPr>
+          <p:cNvSpPr>
+            <a:spLocks noGrp="1"/>
+          </p:cNvSpPr>
+          <p:nvPr>
+            <p:ph idx="1"/>
+          </p:nvPr>
+        </p:nvSpPr>
+        <p:spPr/>
+        <p:txBody>
+          <a:bodyPr/>
+          <a:lstStyle/>
+          <a:p>
+            <a:r>
+              <a:rPr lang="en-GB" dirty="0">
+                <a:hlinkClick r:id="rId2"/>
+              </a:rPr>
+              <a:t>https://tsibble.tidyverts.org</a:t>
+            </a:r>
+            <a:endParaRPr lang="en-GB" dirty="0"/>
+          </a:p>
+          <a:p>
+            <a:r>
+              <a:rPr lang="en-GB" dirty="0">
+                <a:hlinkClick r:id="rId3"/>
+              </a:rPr>
+              <a:t>https://fable.tidyverts.org</a:t>
+            </a:r>
+            <a:endParaRPr lang="en-GB" dirty="0"/>
+          </a:p>
+          <a:p>
+            <a:r>
+              <a:rPr lang="en-GB" dirty="0"/>
+              <a:t>http://</a:t>
+            </a:r>
+            <a:r>
+              <a:rPr lang="en-GB" dirty="0" err="1"/>
+              <a:t>cran.nexr.com</a:t>
+            </a:r>
+            <a:r>
+              <a:rPr lang="en-GB" dirty="0"/>
+              <a:t>/web/packages/tsibble/vignettes/intro-</a:t>
+            </a:r>
+            <a:r>
+              <a:rPr lang="en-GB" dirty="0" err="1"/>
+              <a:t>tsibble.html</a:t>
+            </a:r>
+            <a:endParaRPr lang="en-GB" dirty="0"/>
+          </a:p>
+          <a:p>
+            <a:r>
+              <a:rPr lang="en-GB" dirty="0">
+                <a:hlinkClick r:id="rId4"/>
+              </a:rPr>
+              <a:t>https://www.mitchelloharawild.com/blog/fable/</a:t>
+            </a:r>
+            <a:endParaRPr lang="en-GB" dirty="0"/>
+          </a:p>
+          <a:p>
+            <a:r>
+              <a:rPr lang="en-GB" dirty="0"/>
+              <a:t>https://</a:t>
+            </a:r>
+            <a:r>
+              <a:rPr lang="en-GB" dirty="0" err="1"/>
+              <a:t>otexts.com</a:t>
+            </a:r>
+            <a:r>
+              <a:rPr lang="en-GB" dirty="0"/>
+              <a:t>/fpp3/</a:t>
+            </a:r>
+          </a:p>
+        </p:txBody>
+      </p:sp>
+      <p:sp>
+        <p:nvSpPr>
+          <p:cNvPr id="4" name="Foliennummernplatzhalter 3">
+            <a:extLst>
+              <a:ext uri="{FF2B5EF4-FFF2-40B4-BE49-F238E27FC236}">
+                <a16:creationId xmlns:a16="http://schemas.microsoft.com/office/drawing/2014/main" id="{96EB39EB-659F-8718-8BA4-CA86BC6E3375}"/>
+              </a:ext>
+            </a:extLst>
+          </p:cNvPr>
+          <p:cNvSpPr>
+            <a:spLocks noGrp="1"/>
+          </p:cNvSpPr>
+          <p:nvPr>
+            <p:ph type="sldNum" sz="quarter" idx="12"/>
+          </p:nvPr>
+        </p:nvSpPr>
+        <p:spPr/>
+        <p:txBody>
+          <a:bodyPr/>
+          <a:lstStyle/>
+          <a:p>
+            <a:fld id="{D841047C-AC16-3847-8358-E80D41A378BA}" type="slidenum">
+              <a:rPr lang="de-DE" smtClean="0"/>
+              <a:t>9</a:t>
+            </a:fld>
+            <a:r>
+              <a:rPr lang="de-DE" dirty="0"/>
+              <a:t>/9</a:t>
             </a:r>
           </a:p>
         </p:txBody>
@@ -11914,7 +11738,7 @@
     </p:spTree>
     <p:extLst>
       <p:ext uri="{BB962C8B-B14F-4D97-AF65-F5344CB8AC3E}">
-        <p14:creationId xmlns:p14="http://schemas.microsoft.com/office/powerpoint/2010/main" val="1046997977"/>
+        <p14:creationId xmlns:p14="http://schemas.microsoft.com/office/powerpoint/2010/main" val="3193531583"/>
       </p:ext>
     </p:extLst>
   </p:cSld>

--- a/tsibble and fable.pptx
+++ b/tsibble and fable.pptx
@@ -5,18 +5,17 @@
     <p:sldMasterId id="2147483648" r:id="rId1"/>
   </p:sldMasterIdLst>
   <p:notesMasterIdLst>
-    <p:notesMasterId r:id="rId11"/>
+    <p:notesMasterId r:id="rId10"/>
   </p:notesMasterIdLst>
   <p:sldIdLst>
     <p:sldId id="256" r:id="rId2"/>
     <p:sldId id="257" r:id="rId3"/>
-    <p:sldId id="268" r:id="rId4"/>
-    <p:sldId id="267" r:id="rId5"/>
-    <p:sldId id="269" r:id="rId6"/>
-    <p:sldId id="263" r:id="rId7"/>
-    <p:sldId id="270" r:id="rId8"/>
-    <p:sldId id="271" r:id="rId9"/>
-    <p:sldId id="262" r:id="rId10"/>
+    <p:sldId id="267" r:id="rId4"/>
+    <p:sldId id="269" r:id="rId5"/>
+    <p:sldId id="263" r:id="rId6"/>
+    <p:sldId id="270" r:id="rId7"/>
+    <p:sldId id="271" r:id="rId8"/>
+    <p:sldId id="262" r:id="rId9"/>
   </p:sldIdLst>
   <p:sldSz cx="12192000" cy="6858000"/>
   <p:notesSz cx="6858000" cy="9144000"/>
@@ -685,7 +684,109 @@
           <a:bodyPr/>
           <a:lstStyle/>
           <a:p>
-            <a:endParaRPr lang="en-GB" dirty="0"/>
+            <a:r>
+              <a:rPr lang="en-GB" dirty="0"/>
+              <a:t>A time series can be thought of as a list of numbers (the measurements), along with some information about what times those numbers were recorded (the index).</a:t>
+            </a:r>
+          </a:p>
+          <a:p>
+            <a:r>
+              <a:rPr lang="en-GB" dirty="0"/>
+              <a:t>This information can be stored as a tsibble object in R.</a:t>
+            </a:r>
+          </a:p>
+          <a:p>
+            <a:endParaRPr lang="en-GB" dirty="0">
+              <a:effectLst/>
+            </a:endParaRPr>
+          </a:p>
+          <a:p>
+            <a:r>
+              <a:rPr lang="en-GB" dirty="0">
+                <a:effectLst/>
+              </a:rPr>
+              <a:t>The </a:t>
+            </a:r>
+            <a:r>
+              <a:rPr lang="en-GB" b="1" dirty="0">
+                <a:effectLst/>
+              </a:rPr>
+              <a:t>tsibble</a:t>
+            </a:r>
+            <a:r>
+              <a:rPr lang="en-GB" dirty="0">
+                <a:effectLst/>
+              </a:rPr>
+              <a:t> package provides a data class of </a:t>
+            </a:r>
+            <a:r>
+              <a:rPr lang="en-GB" dirty="0" err="1">
+                <a:effectLst/>
+              </a:rPr>
+              <a:t>tbl_ts</a:t>
+            </a:r>
+            <a:r>
+              <a:rPr lang="en-GB" dirty="0">
+                <a:effectLst/>
+              </a:rPr>
+              <a:t> to represent tidy temporal data. A tsibble consists of a time index, key, and other measured variables in a data-centric format, which is built on top of the </a:t>
+            </a:r>
+            <a:r>
+              <a:rPr lang="en-GB" dirty="0" err="1">
+                <a:effectLst/>
+              </a:rPr>
+              <a:t>tibble</a:t>
+            </a:r>
+            <a:r>
+              <a:rPr lang="en-GB" dirty="0">
+                <a:effectLst/>
+              </a:rPr>
+              <a:t>.</a:t>
+            </a:r>
+          </a:p>
+          <a:p>
+            <a:endParaRPr lang="en-GB" noProof="0" dirty="0"/>
+          </a:p>
+          <a:p>
+            <a:r>
+              <a:rPr lang="en-GB" b="0" i="0" u="none" strike="noStrike" dirty="0">
+                <a:solidFill>
+                  <a:srgbClr val="333333"/>
+                </a:solidFill>
+                <a:effectLst/>
+                <a:latin typeface="Source Sans Pro" panose="020B0503030403020204" pitchFamily="34" charset="0"/>
+              </a:rPr>
+              <a:t>Tsibble supports arbitrary index classes, as long as they can be ordered from past to future.</a:t>
+            </a:r>
+            <a:endParaRPr lang="en-GB" noProof="0" dirty="0"/>
+          </a:p>
+          <a:p>
+            <a:endParaRPr lang="en-GB" noProof="0" dirty="0"/>
+          </a:p>
+          <a:p>
+            <a:r>
+              <a:rPr lang="en-GB" noProof="0" dirty="0"/>
+              <a:t>In comparison to </a:t>
+            </a:r>
+            <a:r>
+              <a:rPr lang="en-GB" noProof="0" dirty="0" err="1"/>
+              <a:t>tibble</a:t>
+            </a:r>
+            <a:r>
+              <a:rPr lang="en-GB" noProof="0" dirty="0"/>
+              <a:t> </a:t>
+            </a:r>
+            <a:r>
+              <a:rPr lang="en-GB" b="0" i="0" u="none" strike="noStrike" noProof="0" dirty="0">
+                <a:solidFill>
+                  <a:srgbClr val="333333"/>
+                </a:solidFill>
+                <a:effectLst/>
+                <a:latin typeface="-apple-system"/>
+              </a:rPr>
+              <a:t>the column of data specifying the observation’s measurement time is now actually used in the data</a:t>
+            </a:r>
+            <a:endParaRPr lang="en-GB" noProof="0" dirty="0"/>
           </a:p>
         </p:txBody>
       </p:sp>
@@ -715,7 +816,7 @@
     </p:spTree>
     <p:extLst>
       <p:ext uri="{BB962C8B-B14F-4D97-AF65-F5344CB8AC3E}">
-        <p14:creationId xmlns:p14="http://schemas.microsoft.com/office/powerpoint/2010/main" val="262425401"/>
+        <p14:creationId xmlns:p14="http://schemas.microsoft.com/office/powerpoint/2010/main" val="2848143340"/>
       </p:ext>
     </p:extLst>
   </p:cSld>
@@ -769,109 +870,7 @@
           <a:bodyPr/>
           <a:lstStyle/>
           <a:p>
-            <a:r>
-              <a:rPr lang="en-GB" dirty="0"/>
-              <a:t>A time series can be thought of as a list of numbers (the measurements), along with some information about what times those numbers were recorded (the index).</a:t>
-            </a:r>
-          </a:p>
-          <a:p>
-            <a:r>
-              <a:rPr lang="en-GB" dirty="0"/>
-              <a:t>This information can be stored as a tsibble object in R.</a:t>
-            </a:r>
-          </a:p>
-          <a:p>
-            <a:endParaRPr lang="en-GB" dirty="0">
-              <a:effectLst/>
-            </a:endParaRPr>
-          </a:p>
-          <a:p>
-            <a:r>
-              <a:rPr lang="en-GB" dirty="0">
-                <a:effectLst/>
-              </a:rPr>
-              <a:t>The </a:t>
-            </a:r>
-            <a:r>
-              <a:rPr lang="en-GB" b="1" dirty="0">
-                <a:effectLst/>
-              </a:rPr>
-              <a:t>tsibble</a:t>
-            </a:r>
-            <a:r>
-              <a:rPr lang="en-GB" dirty="0">
-                <a:effectLst/>
-              </a:rPr>
-              <a:t> package provides a data class of </a:t>
-            </a:r>
-            <a:r>
-              <a:rPr lang="en-GB" dirty="0" err="1">
-                <a:effectLst/>
-              </a:rPr>
-              <a:t>tbl_ts</a:t>
-            </a:r>
-            <a:r>
-              <a:rPr lang="en-GB" dirty="0">
-                <a:effectLst/>
-              </a:rPr>
-              <a:t> to represent tidy temporal data. A tsibble consists of a time index, key, and other measured variables in a data-centric format, which is built on top of the </a:t>
-            </a:r>
-            <a:r>
-              <a:rPr lang="en-GB" dirty="0" err="1">
-                <a:effectLst/>
-              </a:rPr>
-              <a:t>tibble</a:t>
-            </a:r>
-            <a:r>
-              <a:rPr lang="en-GB" dirty="0">
-                <a:effectLst/>
-              </a:rPr>
-              <a:t>.</a:t>
-            </a:r>
-          </a:p>
-          <a:p>
-            <a:endParaRPr lang="en-GB" noProof="0" dirty="0"/>
-          </a:p>
-          <a:p>
-            <a:r>
-              <a:rPr lang="en-GB" b="0" i="0" u="none" strike="noStrike" dirty="0">
-                <a:solidFill>
-                  <a:srgbClr val="333333"/>
-                </a:solidFill>
-                <a:effectLst/>
-                <a:latin typeface="Source Sans Pro" panose="020B0503030403020204" pitchFamily="34" charset="0"/>
-              </a:rPr>
-              <a:t>Tsibble supports arbitrary index classes, as long as they can be ordered from past to future.</a:t>
-            </a:r>
-            <a:endParaRPr lang="en-GB" noProof="0" dirty="0"/>
-          </a:p>
-          <a:p>
-            <a:endParaRPr lang="en-GB" noProof="0" dirty="0"/>
-          </a:p>
-          <a:p>
-            <a:r>
-              <a:rPr lang="en-GB" noProof="0" dirty="0"/>
-              <a:t>In comparison to </a:t>
-            </a:r>
-            <a:r>
-              <a:rPr lang="en-GB" noProof="0" dirty="0" err="1"/>
-              <a:t>tibble</a:t>
-            </a:r>
-            <a:r>
-              <a:rPr lang="en-GB" noProof="0" dirty="0"/>
-              <a:t> </a:t>
-            </a:r>
-            <a:r>
-              <a:rPr lang="en-GB" b="0" i="0" u="none" strike="noStrike" noProof="0" dirty="0">
-                <a:solidFill>
-                  <a:srgbClr val="333333"/>
-                </a:solidFill>
-                <a:effectLst/>
-                <a:latin typeface="-apple-system"/>
-              </a:rPr>
-              <a:t>the column of data specifying the observation’s measurement time is now actually used in the data</a:t>
-            </a:r>
-            <a:endParaRPr lang="en-GB" noProof="0" dirty="0"/>
+            <a:endParaRPr lang="en-GB" dirty="0"/>
           </a:p>
         </p:txBody>
       </p:sp>
@@ -901,7 +900,7 @@
     </p:spTree>
     <p:extLst>
       <p:ext uri="{BB962C8B-B14F-4D97-AF65-F5344CB8AC3E}">
-        <p14:creationId xmlns:p14="http://schemas.microsoft.com/office/powerpoint/2010/main" val="2848143340"/>
+        <p14:creationId xmlns:p14="http://schemas.microsoft.com/office/powerpoint/2010/main" val="1151252466"/>
       </p:ext>
     </p:extLst>
   </p:cSld>
@@ -955,6 +954,83 @@
           <a:bodyPr/>
           <a:lstStyle/>
           <a:p>
+            <a:r>
+              <a:rPr lang="en-GB" sz="2000" dirty="0"/>
+              <a:t>Models in fable are specified using model </a:t>
+            </a:r>
+            <a:r>
+              <a:rPr lang="en-GB" sz="2000" b="1" dirty="0"/>
+              <a:t>functions</a:t>
+            </a:r>
+          </a:p>
+          <a:p>
+            <a:pPr marL="457200" lvl="1" indent="0">
+              <a:buNone/>
+            </a:pPr>
+            <a:r>
+              <a:rPr lang="en-GB" sz="2000" dirty="0"/>
+              <a:t>(y  </a:t>
+            </a:r>
+            <a:r>
+              <a:rPr lang="en-GB" sz="2000" dirty="0">
+                <a:effectLst/>
+              </a:rPr>
+              <a:t>~ </a:t>
+            </a:r>
+            <a:r>
+              <a:rPr lang="en-GB" sz="2000" dirty="0"/>
+              <a:t> X) </a:t>
+            </a:r>
+          </a:p>
+          <a:p>
+            <a:pPr marL="228600" lvl="1">
+              <a:spcBef>
+                <a:spcPts val="1000"/>
+              </a:spcBef>
+            </a:pPr>
+            <a:r>
+              <a:rPr lang="en-GB" sz="2000" dirty="0"/>
+              <a:t>Response variable(s) are specified </a:t>
+            </a:r>
+            <a:r>
+              <a:rPr lang="en-GB" sz="2000" b="1" dirty="0"/>
+              <a:t>on the left</a:t>
+            </a:r>
+            <a:r>
+              <a:rPr lang="en-GB" sz="2000" dirty="0"/>
+              <a:t> of the formula</a:t>
+            </a:r>
+          </a:p>
+          <a:p>
+            <a:pPr marL="228600" lvl="1">
+              <a:spcBef>
+                <a:spcPts val="1000"/>
+              </a:spcBef>
+            </a:pPr>
+            <a:r>
+              <a:rPr lang="en-GB" sz="2000" dirty="0"/>
+              <a:t>Structure of the model is written </a:t>
+            </a:r>
+            <a:r>
+              <a:rPr lang="en-GB" sz="2000" b="1" dirty="0"/>
+              <a:t>on the right</a:t>
+            </a:r>
+          </a:p>
+          <a:p>
+            <a:pPr marL="685800" lvl="2">
+              <a:spcBef>
+                <a:spcPts val="1000"/>
+              </a:spcBef>
+            </a:pPr>
+            <a:r>
+              <a:rPr lang="en-GB" dirty="0"/>
+              <a:t>One or more model specifications can be estimated using the model() function.</a:t>
+            </a:r>
+          </a:p>
+          <a:p>
+            <a:endParaRPr lang="en-GB" dirty="0"/>
+          </a:p>
+          <a:p>
             <a:endParaRPr lang="en-GB" dirty="0"/>
           </a:p>
         </p:txBody>
@@ -976,7 +1052,7 @@
           <a:p>
             <a:fld id="{809EEC96-AFE4-AB4C-9F77-BF8C435C8FB7}" type="slidenum">
               <a:rPr lang="en-GB" smtClean="0"/>
-              <a:t>5</a:t>
+              <a:t>6</a:t>
             </a:fld>
             <a:endParaRPr lang="en-GB"/>
           </a:p>
@@ -985,7 +1061,7 @@
     </p:spTree>
     <p:extLst>
       <p:ext uri="{BB962C8B-B14F-4D97-AF65-F5344CB8AC3E}">
-        <p14:creationId xmlns:p14="http://schemas.microsoft.com/office/powerpoint/2010/main" val="1151252466"/>
+        <p14:creationId xmlns:p14="http://schemas.microsoft.com/office/powerpoint/2010/main" val="2310774744"/>
       </p:ext>
     </p:extLst>
   </p:cSld>
@@ -1040,76 +1116,8 @@
           <a:lstStyle/>
           <a:p>
             <a:r>
-              <a:rPr lang="en-GB" sz="2000" dirty="0"/>
-              <a:t>Models in fable are specified using model </a:t>
-            </a:r>
-            <a:r>
-              <a:rPr lang="en-GB" sz="2000" b="1" dirty="0"/>
-              <a:t>functions</a:t>
-            </a:r>
-          </a:p>
-          <a:p>
-            <a:pPr marL="457200" lvl="1" indent="0">
-              <a:buNone/>
-            </a:pPr>
-            <a:r>
-              <a:rPr lang="en-GB" sz="2000" dirty="0"/>
-              <a:t>(y  </a:t>
-            </a:r>
-            <a:r>
-              <a:rPr lang="en-GB" sz="2000" dirty="0">
-                <a:effectLst/>
-              </a:rPr>
-              <a:t>~ </a:t>
-            </a:r>
-            <a:r>
-              <a:rPr lang="en-GB" sz="2000" dirty="0"/>
-              <a:t> X) </a:t>
-            </a:r>
-          </a:p>
-          <a:p>
-            <a:pPr marL="228600" lvl="1">
-              <a:spcBef>
-                <a:spcPts val="1000"/>
-              </a:spcBef>
-            </a:pPr>
-            <a:r>
-              <a:rPr lang="en-GB" sz="2000" dirty="0"/>
-              <a:t>Response variable(s) are specified </a:t>
-            </a:r>
-            <a:r>
-              <a:rPr lang="en-GB" sz="2000" b="1" dirty="0"/>
-              <a:t>on the left</a:t>
-            </a:r>
-            <a:r>
-              <a:rPr lang="en-GB" sz="2000" dirty="0"/>
-              <a:t> of the formula</a:t>
-            </a:r>
-          </a:p>
-          <a:p>
-            <a:pPr marL="228600" lvl="1">
-              <a:spcBef>
-                <a:spcPts val="1000"/>
-              </a:spcBef>
-            </a:pPr>
-            <a:r>
-              <a:rPr lang="en-GB" sz="2000" dirty="0"/>
-              <a:t>Structure of the model is written </a:t>
-            </a:r>
-            <a:r>
-              <a:rPr lang="en-GB" sz="2000" b="1" dirty="0"/>
-              <a:t>on the right</a:t>
-            </a:r>
-          </a:p>
-          <a:p>
-            <a:pPr marL="685800" lvl="2">
-              <a:spcBef>
-                <a:spcPts val="1000"/>
-              </a:spcBef>
-            </a:pPr>
-            <a:r>
               <a:rPr lang="en-GB" dirty="0"/>
-              <a:t>One or more model specifications can be estimated using the model() function.</a:t>
+              <a:t>.</a:t>
             </a:r>
           </a:p>
           <a:p>
@@ -1138,99 +1146,6 @@
             <a:fld id="{809EEC96-AFE4-AB4C-9F77-BF8C435C8FB7}" type="slidenum">
               <a:rPr lang="en-GB" smtClean="0"/>
               <a:t>7</a:t>
-            </a:fld>
-            <a:endParaRPr lang="en-GB"/>
-          </a:p>
-        </p:txBody>
-      </p:sp>
-    </p:spTree>
-    <p:extLst>
-      <p:ext uri="{BB962C8B-B14F-4D97-AF65-F5344CB8AC3E}">
-        <p14:creationId xmlns:p14="http://schemas.microsoft.com/office/powerpoint/2010/main" val="2310774744"/>
-      </p:ext>
-    </p:extLst>
-  </p:cSld>
-  <p:clrMapOvr>
-    <a:masterClrMapping/>
-  </p:clrMapOvr>
-</p:notes>
-</file>
-
-<file path=ppt/notesSlides/notesSlide7.xml><?xml version="1.0" encoding="utf-8"?>
-<p:notes xmlns:a="http://schemas.openxmlformats.org/drawingml/2006/main" xmlns:r="http://schemas.openxmlformats.org/officeDocument/2006/relationships" xmlns:p="http://schemas.openxmlformats.org/presentationml/2006/main">
-  <p:cSld>
-    <p:spTree>
-      <p:nvGrpSpPr>
-        <p:cNvPr id="1" name=""/>
-        <p:cNvGrpSpPr/>
-        <p:nvPr/>
-      </p:nvGrpSpPr>
-      <p:grpSpPr>
-        <a:xfrm>
-          <a:off x="0" y="0"/>
-          <a:ext cx="0" cy="0"/>
-          <a:chOff x="0" y="0"/>
-          <a:chExt cx="0" cy="0"/>
-        </a:xfrm>
-      </p:grpSpPr>
-      <p:sp>
-        <p:nvSpPr>
-          <p:cNvPr id="2" name="Folienbildplatzhalter 1"/>
-          <p:cNvSpPr>
-            <a:spLocks noGrp="1" noRot="1" noChangeAspect="1"/>
-          </p:cNvSpPr>
-          <p:nvPr>
-            <p:ph type="sldImg"/>
-          </p:nvPr>
-        </p:nvSpPr>
-        <p:spPr/>
-      </p:sp>
-      <p:sp>
-        <p:nvSpPr>
-          <p:cNvPr id="3" name="Notizenplatzhalter 2"/>
-          <p:cNvSpPr>
-            <a:spLocks noGrp="1"/>
-          </p:cNvSpPr>
-          <p:nvPr>
-            <p:ph type="body" idx="1"/>
-          </p:nvPr>
-        </p:nvSpPr>
-        <p:spPr/>
-        <p:txBody>
-          <a:bodyPr/>
-          <a:lstStyle/>
-          <a:p>
-            <a:r>
-              <a:rPr lang="en-GB" dirty="0"/>
-              <a:t>.</a:t>
-            </a:r>
-          </a:p>
-          <a:p>
-            <a:endParaRPr lang="en-GB" dirty="0"/>
-          </a:p>
-          <a:p>
-            <a:endParaRPr lang="en-GB" dirty="0"/>
-          </a:p>
-        </p:txBody>
-      </p:sp>
-      <p:sp>
-        <p:nvSpPr>
-          <p:cNvPr id="4" name="Foliennummernplatzhalter 3"/>
-          <p:cNvSpPr>
-            <a:spLocks noGrp="1"/>
-          </p:cNvSpPr>
-          <p:nvPr>
-            <p:ph type="sldNum" sz="quarter" idx="5"/>
-          </p:nvPr>
-        </p:nvSpPr>
-        <p:spPr/>
-        <p:txBody>
-          <a:bodyPr/>
-          <a:lstStyle/>
-          <a:p>
-            <a:fld id="{809EEC96-AFE4-AB4C-9F77-BF8C435C8FB7}" type="slidenum">
-              <a:rPr lang="en-GB" smtClean="0"/>
-              <a:t>8</a:t>
             </a:fld>
             <a:endParaRPr lang="en-GB"/>
           </a:p>
@@ -4961,7 +4876,7 @@
           <a:p>
             <a:r>
               <a:rPr lang="de-DE" dirty="0"/>
-              <a:t>1/9</a:t>
+              <a:t>1/8</a:t>
             </a:r>
           </a:p>
         </p:txBody>
@@ -5091,7 +5006,7 @@
         </p:blipFill>
         <p:spPr>
           <a:xfrm>
-            <a:off x="3023346" y="10"/>
+            <a:off x="3048769" y="-3548"/>
             <a:ext cx="9168653" cy="6857990"/>
           </a:xfrm>
           <a:prstGeom prst="rect">
@@ -5195,8 +5110,8 @@
         </p:nvSpPr>
         <p:spPr>
           <a:xfrm>
-            <a:off x="661147" y="178904"/>
-            <a:ext cx="4724400" cy="1466455"/>
+            <a:off x="661147" y="178905"/>
+            <a:ext cx="4724400" cy="1124806"/>
           </a:xfrm>
         </p:spPr>
         <p:txBody>
@@ -5230,8 +5145,8 @@
         </p:nvSpPr>
         <p:spPr>
           <a:xfrm>
-            <a:off x="661147" y="2387449"/>
-            <a:ext cx="5268166" cy="3015849"/>
+            <a:off x="648002" y="1451324"/>
+            <a:ext cx="5268166" cy="2861422"/>
           </a:xfrm>
           <a:prstGeom prst="rect">
             <a:avLst/>
@@ -5265,7 +5180,23 @@
                   <a:schemeClr val="bg1"/>
                 </a:solidFill>
               </a:rPr>
-              <a:t>tidy data analysis workflow for time series data</a:t>
+              <a:t>tidy </a:t>
+            </a:r>
+            <a:r>
+              <a:rPr lang="en-US" dirty="0">
+                <a:solidFill>
+                  <a:schemeClr val="bg1"/>
+                </a:solidFill>
+              </a:rPr>
+              <a:t>data an</a:t>
+            </a:r>
+            <a:r>
+              <a:rPr lang="en-US" sz="2000" dirty="0">
+                <a:solidFill>
+                  <a:schemeClr val="bg1"/>
+                </a:solidFill>
+              </a:rPr>
+              <a:t>alysis workflow for time series data</a:t>
             </a:r>
           </a:p>
           <a:p>
@@ -5518,11 +5449,634 @@
             </a:fld>
             <a:r>
               <a:rPr lang="de-DE" dirty="0"/>
-              <a:t>/9</a:t>
+              <a:t>/8</a:t>
             </a:r>
           </a:p>
         </p:txBody>
       </p:sp>
+      <p:grpSp>
+        <p:nvGrpSpPr>
+          <p:cNvPr id="31" name="Gruppieren 30">
+            <a:extLst>
+              <a:ext uri="{FF2B5EF4-FFF2-40B4-BE49-F238E27FC236}">
+                <a16:creationId xmlns:a16="http://schemas.microsoft.com/office/drawing/2014/main" id="{F02D2951-F73C-FC0F-1953-1B598E5923F8}"/>
+              </a:ext>
+            </a:extLst>
+          </p:cNvPr>
+          <p:cNvGrpSpPr/>
+          <p:nvPr/>
+        </p:nvGrpSpPr>
+        <p:grpSpPr>
+          <a:xfrm>
+            <a:off x="344813" y="4365652"/>
+            <a:ext cx="5874544" cy="2082048"/>
+            <a:chOff x="661147" y="4327529"/>
+            <a:chExt cx="5874544" cy="2082048"/>
+          </a:xfrm>
+        </p:grpSpPr>
+        <p:sp>
+          <p:nvSpPr>
+            <p:cNvPr id="10" name="Rechteck 9">
+              <a:extLst>
+                <a:ext uri="{FF2B5EF4-FFF2-40B4-BE49-F238E27FC236}">
+                  <a16:creationId xmlns:a16="http://schemas.microsoft.com/office/drawing/2014/main" id="{727AB3CA-C5AB-2D5F-6176-567C6424AE00}"/>
+                </a:ext>
+              </a:extLst>
+            </p:cNvPr>
+            <p:cNvSpPr/>
+            <p:nvPr/>
+          </p:nvSpPr>
+          <p:spPr>
+            <a:xfrm>
+              <a:off x="661147" y="4327529"/>
+              <a:ext cx="5748338" cy="2082048"/>
+            </a:xfrm>
+            <a:prstGeom prst="rect">
+              <a:avLst/>
+            </a:prstGeom>
+            <a:noFill/>
+            <a:ln>
+              <a:solidFill>
+                <a:schemeClr val="accent2"/>
+              </a:solidFill>
+            </a:ln>
+          </p:spPr>
+          <p:style>
+            <a:lnRef idx="2">
+              <a:schemeClr val="accent1">
+                <a:shade val="50000"/>
+              </a:schemeClr>
+            </a:lnRef>
+            <a:fillRef idx="1">
+              <a:schemeClr val="accent1"/>
+            </a:fillRef>
+            <a:effectRef idx="0">
+              <a:schemeClr val="accent1"/>
+            </a:effectRef>
+            <a:fontRef idx="minor">
+              <a:schemeClr val="lt1"/>
+            </a:fontRef>
+          </p:style>
+          <p:txBody>
+            <a:bodyPr rtlCol="0" anchor="ctr"/>
+            <a:lstStyle/>
+            <a:p>
+              <a:pPr algn="ctr"/>
+              <a:endParaRPr lang="en-GB"/>
+            </a:p>
+          </p:txBody>
+        </p:sp>
+        <p:sp>
+          <p:nvSpPr>
+            <p:cNvPr id="11" name="Textfeld 10">
+              <a:extLst>
+                <a:ext uri="{FF2B5EF4-FFF2-40B4-BE49-F238E27FC236}">
+                  <a16:creationId xmlns:a16="http://schemas.microsoft.com/office/drawing/2014/main" id="{BF5B936E-CA2B-CA32-5B4F-4C2166A8EFBA}"/>
+                </a:ext>
+              </a:extLst>
+            </p:cNvPr>
+            <p:cNvSpPr txBox="1"/>
+            <p:nvPr/>
+          </p:nvSpPr>
+          <p:spPr>
+            <a:xfrm>
+              <a:off x="661147" y="5182815"/>
+              <a:ext cx="661988" cy="371475"/>
+            </a:xfrm>
+            <a:prstGeom prst="rect">
+              <a:avLst/>
+            </a:prstGeom>
+            <a:noFill/>
+          </p:spPr>
+          <p:txBody>
+            <a:bodyPr wrap="square" rtlCol="0">
+              <a:spAutoFit/>
+            </a:bodyPr>
+            <a:lstStyle/>
+            <a:p>
+              <a:r>
+                <a:rPr lang="en-GB" dirty="0">
+                  <a:solidFill>
+                    <a:schemeClr val="bg1"/>
+                  </a:solidFill>
+                </a:rPr>
+                <a:t>Tidy</a:t>
+              </a:r>
+            </a:p>
+          </p:txBody>
+        </p:sp>
+        <p:pic>
+          <p:nvPicPr>
+            <p:cNvPr id="13" name="Grafik 12" descr="Pfeil nach oben Silhouette">
+              <a:extLst>
+                <a:ext uri="{FF2B5EF4-FFF2-40B4-BE49-F238E27FC236}">
+                  <a16:creationId xmlns:a16="http://schemas.microsoft.com/office/drawing/2014/main" id="{67BA1D34-AC3D-3276-38D0-C0FAE7850F52}"/>
+                </a:ext>
+              </a:extLst>
+            </p:cNvPr>
+            <p:cNvPicPr>
+              <a:picLocks noChangeAspect="1"/>
+            </p:cNvPicPr>
+            <p:nvPr/>
+          </p:nvPicPr>
+          <p:blipFill>
+            <a:blip r:embed="rId6">
+              <a:extLst>
+                <a:ext uri="{96DAC541-7B7A-43D3-8B79-37D633B846F1}">
+                  <asvg:svgBlip xmlns:asvg="http://schemas.microsoft.com/office/drawing/2016/SVG/main" r:embed="rId7"/>
+                </a:ext>
+              </a:extLst>
+            </a:blip>
+            <a:stretch>
+              <a:fillRect/>
+            </a:stretch>
+          </p:blipFill>
+          <p:spPr>
+            <a:xfrm rot="5400000">
+              <a:off x="1231421" y="4911352"/>
+              <a:ext cx="914400" cy="914400"/>
+            </a:xfrm>
+            <a:prstGeom prst="rect">
+              <a:avLst/>
+            </a:prstGeom>
+          </p:spPr>
+        </p:pic>
+        <p:sp>
+          <p:nvSpPr>
+            <p:cNvPr id="15" name="Textfeld 14">
+              <a:extLst>
+                <a:ext uri="{FF2B5EF4-FFF2-40B4-BE49-F238E27FC236}">
+                  <a16:creationId xmlns:a16="http://schemas.microsoft.com/office/drawing/2014/main" id="{544ACA7F-E080-C76B-FF3A-5EDC4CE8491F}"/>
+                </a:ext>
+              </a:extLst>
+            </p:cNvPr>
+            <p:cNvSpPr txBox="1"/>
+            <p:nvPr/>
+          </p:nvSpPr>
+          <p:spPr>
+            <a:xfrm>
+              <a:off x="2093888" y="5193970"/>
+              <a:ext cx="1049361" cy="369332"/>
+            </a:xfrm>
+            <a:prstGeom prst="rect">
+              <a:avLst/>
+            </a:prstGeom>
+            <a:noFill/>
+          </p:spPr>
+          <p:txBody>
+            <a:bodyPr wrap="square" rtlCol="0">
+              <a:spAutoFit/>
+            </a:bodyPr>
+            <a:lstStyle/>
+            <a:p>
+              <a:r>
+                <a:rPr lang="en-GB" dirty="0">
+                  <a:solidFill>
+                    <a:schemeClr val="bg1"/>
+                  </a:solidFill>
+                </a:rPr>
+                <a:t>Visualise</a:t>
+              </a:r>
+            </a:p>
+          </p:txBody>
+        </p:sp>
+        <p:sp>
+          <p:nvSpPr>
+            <p:cNvPr id="16" name="Textfeld 15">
+              <a:extLst>
+                <a:ext uri="{FF2B5EF4-FFF2-40B4-BE49-F238E27FC236}">
+                  <a16:creationId xmlns:a16="http://schemas.microsoft.com/office/drawing/2014/main" id="{707E4AC4-DD91-FF16-61ED-EB9CA9164D4D}"/>
+                </a:ext>
+              </a:extLst>
+            </p:cNvPr>
+            <p:cNvSpPr txBox="1"/>
+            <p:nvPr/>
+          </p:nvSpPr>
+          <p:spPr>
+            <a:xfrm>
+              <a:off x="3088831" y="4407069"/>
+              <a:ext cx="892969" cy="369332"/>
+            </a:xfrm>
+            <a:prstGeom prst="rect">
+              <a:avLst/>
+            </a:prstGeom>
+            <a:noFill/>
+          </p:spPr>
+          <p:txBody>
+            <a:bodyPr wrap="square" rtlCol="0">
+              <a:spAutoFit/>
+            </a:bodyPr>
+            <a:lstStyle/>
+            <a:p>
+              <a:r>
+                <a:rPr lang="en-GB" dirty="0">
+                  <a:solidFill>
+                    <a:schemeClr val="bg1"/>
+                  </a:solidFill>
+                </a:rPr>
+                <a:t>Specify</a:t>
+              </a:r>
+            </a:p>
+          </p:txBody>
+        </p:sp>
+        <p:sp>
+          <p:nvSpPr>
+            <p:cNvPr id="17" name="Textfeld 16">
+              <a:extLst>
+                <a:ext uri="{FF2B5EF4-FFF2-40B4-BE49-F238E27FC236}">
+                  <a16:creationId xmlns:a16="http://schemas.microsoft.com/office/drawing/2014/main" id="{2F1076F3-91C9-3985-E5BF-B2645AFC9C88}"/>
+                </a:ext>
+              </a:extLst>
+            </p:cNvPr>
+            <p:cNvSpPr txBox="1"/>
+            <p:nvPr/>
+          </p:nvSpPr>
+          <p:spPr>
+            <a:xfrm>
+              <a:off x="3048769" y="5911398"/>
+              <a:ext cx="973092" cy="369332"/>
+            </a:xfrm>
+            <a:prstGeom prst="rect">
+              <a:avLst/>
+            </a:prstGeom>
+            <a:noFill/>
+          </p:spPr>
+          <p:txBody>
+            <a:bodyPr wrap="square" rtlCol="0">
+              <a:spAutoFit/>
+            </a:bodyPr>
+            <a:lstStyle/>
+            <a:p>
+              <a:r>
+                <a:rPr lang="en-GB" dirty="0">
+                  <a:solidFill>
+                    <a:schemeClr val="bg1"/>
+                  </a:solidFill>
+                </a:rPr>
+                <a:t>Evaluate</a:t>
+              </a:r>
+            </a:p>
+          </p:txBody>
+        </p:sp>
+        <p:sp>
+          <p:nvSpPr>
+            <p:cNvPr id="18" name="Textfeld 17">
+              <a:extLst>
+                <a:ext uri="{FF2B5EF4-FFF2-40B4-BE49-F238E27FC236}">
+                  <a16:creationId xmlns:a16="http://schemas.microsoft.com/office/drawing/2014/main" id="{47F82036-C1EC-D854-B4D1-808578FFE911}"/>
+                </a:ext>
+              </a:extLst>
+            </p:cNvPr>
+            <p:cNvSpPr txBox="1"/>
+            <p:nvPr/>
+          </p:nvSpPr>
+          <p:spPr>
+            <a:xfrm>
+              <a:off x="3914002" y="5208836"/>
+              <a:ext cx="1003193" cy="369332"/>
+            </a:xfrm>
+            <a:prstGeom prst="rect">
+              <a:avLst/>
+            </a:prstGeom>
+            <a:noFill/>
+          </p:spPr>
+          <p:txBody>
+            <a:bodyPr wrap="square" rtlCol="0">
+              <a:spAutoFit/>
+            </a:bodyPr>
+            <a:lstStyle/>
+            <a:p>
+              <a:r>
+                <a:rPr lang="en-GB" dirty="0">
+                  <a:solidFill>
+                    <a:schemeClr val="bg1"/>
+                  </a:solidFill>
+                </a:rPr>
+                <a:t>Estimate</a:t>
+              </a:r>
+            </a:p>
+          </p:txBody>
+        </p:sp>
+        <p:sp>
+          <p:nvSpPr>
+            <p:cNvPr id="19" name="Textfeld 18">
+              <a:extLst>
+                <a:ext uri="{FF2B5EF4-FFF2-40B4-BE49-F238E27FC236}">
+                  <a16:creationId xmlns:a16="http://schemas.microsoft.com/office/drawing/2014/main" id="{11042FCA-2AA0-7D2B-2024-8254DBADEEB6}"/>
+                </a:ext>
+              </a:extLst>
+            </p:cNvPr>
+            <p:cNvSpPr txBox="1"/>
+            <p:nvPr/>
+          </p:nvSpPr>
+          <p:spPr>
+            <a:xfrm>
+              <a:off x="5486330" y="5208836"/>
+              <a:ext cx="1049361" cy="369332"/>
+            </a:xfrm>
+            <a:prstGeom prst="rect">
+              <a:avLst/>
+            </a:prstGeom>
+            <a:noFill/>
+          </p:spPr>
+          <p:txBody>
+            <a:bodyPr wrap="square" rtlCol="0">
+              <a:spAutoFit/>
+            </a:bodyPr>
+            <a:lstStyle/>
+            <a:p>
+              <a:r>
+                <a:rPr lang="en-GB" dirty="0">
+                  <a:solidFill>
+                    <a:schemeClr val="bg1"/>
+                  </a:solidFill>
+                </a:rPr>
+                <a:t>Forecast</a:t>
+              </a:r>
+            </a:p>
+          </p:txBody>
+        </p:sp>
+        <p:pic>
+          <p:nvPicPr>
+            <p:cNvPr id="20" name="Grafik 19" descr="Pfeil nach oben Silhouette">
+              <a:extLst>
+                <a:ext uri="{FF2B5EF4-FFF2-40B4-BE49-F238E27FC236}">
+                  <a16:creationId xmlns:a16="http://schemas.microsoft.com/office/drawing/2014/main" id="{ED89A44F-DEF6-B6BC-0A92-1F9BBCC45F7D}"/>
+                </a:ext>
+              </a:extLst>
+            </p:cNvPr>
+            <p:cNvPicPr>
+              <a:picLocks noChangeAspect="1"/>
+            </p:cNvPicPr>
+            <p:nvPr/>
+          </p:nvPicPr>
+          <p:blipFill>
+            <a:blip r:embed="rId6">
+              <a:extLst>
+                <a:ext uri="{96DAC541-7B7A-43D3-8B79-37D633B846F1}">
+                  <asvg:svgBlip xmlns:asvg="http://schemas.microsoft.com/office/drawing/2016/SVG/main" r:embed="rId7"/>
+                </a:ext>
+              </a:extLst>
+            </a:blip>
+            <a:stretch>
+              <a:fillRect/>
+            </a:stretch>
+          </p:blipFill>
+          <p:spPr>
+            <a:xfrm rot="5400000">
+              <a:off x="4737390" y="5071798"/>
+              <a:ext cx="914400" cy="613676"/>
+            </a:xfrm>
+            <a:prstGeom prst="rect">
+              <a:avLst/>
+            </a:prstGeom>
+          </p:spPr>
+        </p:pic>
+        <p:sp>
+          <p:nvSpPr>
+            <p:cNvPr id="24" name="Rechteckiger Pfeil 23">
+              <a:extLst>
+                <a:ext uri="{FF2B5EF4-FFF2-40B4-BE49-F238E27FC236}">
+                  <a16:creationId xmlns:a16="http://schemas.microsoft.com/office/drawing/2014/main" id="{62D790C3-66CC-A35B-957F-0393BE3055A9}"/>
+                </a:ext>
+              </a:extLst>
+            </p:cNvPr>
+            <p:cNvSpPr/>
+            <p:nvPr/>
+          </p:nvSpPr>
+          <p:spPr>
+            <a:xfrm>
+              <a:off x="2468726" y="4453467"/>
+              <a:ext cx="600074" cy="729347"/>
+            </a:xfrm>
+            <a:prstGeom prst="bentArrow">
+              <a:avLst>
+                <a:gd name="adj1" fmla="val 4130"/>
+                <a:gd name="adj2" fmla="val 25000"/>
+                <a:gd name="adj3" fmla="val 25000"/>
+                <a:gd name="adj4" fmla="val 43750"/>
+              </a:avLst>
+            </a:prstGeom>
+            <a:solidFill>
+              <a:schemeClr val="bg1"/>
+            </a:solidFill>
+            <a:ln>
+              <a:noFill/>
+            </a:ln>
+          </p:spPr>
+          <p:style>
+            <a:lnRef idx="2">
+              <a:schemeClr val="accent1">
+                <a:shade val="50000"/>
+              </a:schemeClr>
+            </a:lnRef>
+            <a:fillRef idx="1">
+              <a:schemeClr val="accent1"/>
+            </a:fillRef>
+            <a:effectRef idx="0">
+              <a:schemeClr val="accent1"/>
+            </a:effectRef>
+            <a:fontRef idx="minor">
+              <a:schemeClr val="lt1"/>
+            </a:fontRef>
+          </p:style>
+          <p:txBody>
+            <a:bodyPr rtlCol="0" anchor="ctr"/>
+            <a:lstStyle/>
+            <a:p>
+              <a:pPr algn="ctr"/>
+              <a:endParaRPr lang="en-GB">
+                <a:solidFill>
+                  <a:schemeClr val="bg1"/>
+                </a:solidFill>
+              </a:endParaRPr>
+            </a:p>
+          </p:txBody>
+        </p:sp>
+        <p:sp>
+          <p:nvSpPr>
+            <p:cNvPr id="26" name="Rechteckiger Pfeil 25">
+              <a:extLst>
+                <a:ext uri="{FF2B5EF4-FFF2-40B4-BE49-F238E27FC236}">
+                  <a16:creationId xmlns:a16="http://schemas.microsoft.com/office/drawing/2014/main" id="{C96EDC08-5A4E-9D75-081B-36C910FA5B31}"/>
+                </a:ext>
+              </a:extLst>
+            </p:cNvPr>
+            <p:cNvSpPr/>
+            <p:nvPr/>
+          </p:nvSpPr>
+          <p:spPr>
+            <a:xfrm rot="5400000">
+              <a:off x="3966330" y="4557338"/>
+              <a:ext cx="600074" cy="729347"/>
+            </a:xfrm>
+            <a:prstGeom prst="bentArrow">
+              <a:avLst>
+                <a:gd name="adj1" fmla="val 4130"/>
+                <a:gd name="adj2" fmla="val 25000"/>
+                <a:gd name="adj3" fmla="val 25000"/>
+                <a:gd name="adj4" fmla="val 43750"/>
+              </a:avLst>
+            </a:prstGeom>
+            <a:solidFill>
+              <a:schemeClr val="bg1"/>
+            </a:solidFill>
+            <a:ln>
+              <a:noFill/>
+            </a:ln>
+          </p:spPr>
+          <p:style>
+            <a:lnRef idx="2">
+              <a:schemeClr val="accent1">
+                <a:shade val="50000"/>
+              </a:schemeClr>
+            </a:lnRef>
+            <a:fillRef idx="1">
+              <a:schemeClr val="accent1"/>
+            </a:fillRef>
+            <a:effectRef idx="0">
+              <a:schemeClr val="accent1"/>
+            </a:effectRef>
+            <a:fontRef idx="minor">
+              <a:schemeClr val="lt1"/>
+            </a:fontRef>
+          </p:style>
+          <p:txBody>
+            <a:bodyPr rtlCol="0" anchor="ctr"/>
+            <a:lstStyle/>
+            <a:p>
+              <a:pPr algn="ctr"/>
+              <a:endParaRPr lang="en-GB">
+                <a:solidFill>
+                  <a:schemeClr val="bg1"/>
+                </a:solidFill>
+              </a:endParaRPr>
+            </a:p>
+          </p:txBody>
+        </p:sp>
+        <p:sp>
+          <p:nvSpPr>
+            <p:cNvPr id="28" name="Rechteckiger Pfeil 27">
+              <a:extLst>
+                <a:ext uri="{FF2B5EF4-FFF2-40B4-BE49-F238E27FC236}">
+                  <a16:creationId xmlns:a16="http://schemas.microsoft.com/office/drawing/2014/main" id="{A368EEF1-D375-BB96-7C78-FD9830233359}"/>
+                </a:ext>
+              </a:extLst>
+            </p:cNvPr>
+            <p:cNvSpPr/>
+            <p:nvPr/>
+          </p:nvSpPr>
+          <p:spPr>
+            <a:xfrm rot="10800000">
+              <a:off x="4004036" y="5543497"/>
+              <a:ext cx="483324" cy="689349"/>
+            </a:xfrm>
+            <a:prstGeom prst="bentArrow">
+              <a:avLst>
+                <a:gd name="adj1" fmla="val 4130"/>
+                <a:gd name="adj2" fmla="val 25000"/>
+                <a:gd name="adj3" fmla="val 25000"/>
+                <a:gd name="adj4" fmla="val 43750"/>
+              </a:avLst>
+            </a:prstGeom>
+            <a:solidFill>
+              <a:schemeClr val="bg1"/>
+            </a:solidFill>
+            <a:ln>
+              <a:noFill/>
+            </a:ln>
+          </p:spPr>
+          <p:style>
+            <a:lnRef idx="2">
+              <a:schemeClr val="accent1">
+                <a:shade val="50000"/>
+              </a:schemeClr>
+            </a:lnRef>
+            <a:fillRef idx="1">
+              <a:schemeClr val="accent1"/>
+            </a:fillRef>
+            <a:effectRef idx="0">
+              <a:schemeClr val="accent1"/>
+            </a:effectRef>
+            <a:fontRef idx="minor">
+              <a:schemeClr val="lt1"/>
+            </a:fontRef>
+          </p:style>
+          <p:txBody>
+            <a:bodyPr rtlCol="0" anchor="ctr"/>
+            <a:lstStyle/>
+            <a:p>
+              <a:pPr algn="ctr"/>
+              <a:endParaRPr lang="en-GB">
+                <a:solidFill>
+                  <a:schemeClr val="bg1"/>
+                </a:solidFill>
+              </a:endParaRPr>
+            </a:p>
+          </p:txBody>
+        </p:sp>
+        <p:sp>
+          <p:nvSpPr>
+            <p:cNvPr id="30" name="Rechteckiger Pfeil 29">
+              <a:extLst>
+                <a:ext uri="{FF2B5EF4-FFF2-40B4-BE49-F238E27FC236}">
+                  <a16:creationId xmlns:a16="http://schemas.microsoft.com/office/drawing/2014/main" id="{0EF4626F-06F4-7085-AA0A-C702173D8478}"/>
+                </a:ext>
+              </a:extLst>
+            </p:cNvPr>
+            <p:cNvSpPr/>
+            <p:nvPr/>
+          </p:nvSpPr>
+          <p:spPr>
+            <a:xfrm rot="16200000">
+              <a:off x="2393829" y="5491161"/>
+              <a:ext cx="573865" cy="689349"/>
+            </a:xfrm>
+            <a:prstGeom prst="bentArrow">
+              <a:avLst>
+                <a:gd name="adj1" fmla="val 4130"/>
+                <a:gd name="adj2" fmla="val 25000"/>
+                <a:gd name="adj3" fmla="val 25000"/>
+                <a:gd name="adj4" fmla="val 43750"/>
+              </a:avLst>
+            </a:prstGeom>
+            <a:solidFill>
+              <a:schemeClr val="bg1"/>
+            </a:solidFill>
+            <a:ln>
+              <a:noFill/>
+            </a:ln>
+          </p:spPr>
+          <p:style>
+            <a:lnRef idx="2">
+              <a:schemeClr val="accent1">
+                <a:shade val="50000"/>
+              </a:schemeClr>
+            </a:lnRef>
+            <a:fillRef idx="1">
+              <a:schemeClr val="accent1"/>
+            </a:fillRef>
+            <a:effectRef idx="0">
+              <a:schemeClr val="accent1"/>
+            </a:effectRef>
+            <a:fontRef idx="minor">
+              <a:schemeClr val="lt1"/>
+            </a:fontRef>
+          </p:style>
+          <p:txBody>
+            <a:bodyPr rtlCol="0" anchor="ctr"/>
+            <a:lstStyle/>
+            <a:p>
+              <a:pPr algn="ctr"/>
+              <a:endParaRPr lang="en-GB">
+                <a:solidFill>
+                  <a:schemeClr val="bg1"/>
+                </a:solidFill>
+              </a:endParaRPr>
+            </a:p>
+          </p:txBody>
+        </p:sp>
+      </p:grpSp>
     </p:spTree>
     <p:extLst>
       <p:ext uri="{BB962C8B-B14F-4D97-AF65-F5344CB8AC3E}">
@@ -5537,477 +6091,6 @@
 </file>
 
 <file path=ppt/slides/slide3.xml><?xml version="1.0" encoding="utf-8"?>
-<p:sld xmlns:a="http://schemas.openxmlformats.org/drawingml/2006/main" xmlns:r="http://schemas.openxmlformats.org/officeDocument/2006/relationships" xmlns:p="http://schemas.openxmlformats.org/presentationml/2006/main">
-  <p:cSld>
-    <p:bg>
-      <p:bgPr>
-        <a:solidFill>
-          <a:schemeClr val="bg1"/>
-        </a:solidFill>
-        <a:effectLst/>
-      </p:bgPr>
-    </p:bg>
-    <p:spTree>
-      <p:nvGrpSpPr>
-        <p:cNvPr id="1" name=""/>
-        <p:cNvGrpSpPr/>
-        <p:nvPr/>
-      </p:nvGrpSpPr>
-      <p:grpSpPr>
-        <a:xfrm>
-          <a:off x="0" y="0"/>
-          <a:ext cx="0" cy="0"/>
-          <a:chOff x="0" y="0"/>
-          <a:chExt cx="0" cy="0"/>
-        </a:xfrm>
-      </p:grpSpPr>
-      <p:sp useBgFill="1">
-        <p:nvSpPr>
-          <p:cNvPr id="13" name="Rectangle 12">
-            <a:extLst>
-              <a:ext uri="{FF2B5EF4-FFF2-40B4-BE49-F238E27FC236}">
-                <a16:creationId xmlns:a16="http://schemas.microsoft.com/office/drawing/2014/main" id="{058A14AF-9FB5-4CC7-BA35-E8E85D3EDF0E}"/>
-              </a:ext>
-              <a:ext uri="{C183D7F6-B498-43B3-948B-1728B52AA6E4}">
-                <adec:decorative xmlns:adec="http://schemas.microsoft.com/office/drawing/2017/decorative" val="1"/>
-              </a:ext>
-            </a:extLst>
-          </p:cNvPr>
-          <p:cNvSpPr>
-            <a:spLocks noGrp="1" noRot="1" noChangeAspect="1" noMove="1" noResize="1" noEditPoints="1" noAdjustHandles="1" noChangeArrowheads="1" noChangeShapeType="1" noTextEdit="1"/>
-          </p:cNvSpPr>
-          <p:nvPr>
-            <p:extLst>
-              <p:ext uri="{386F3935-93C4-4BCD-93E2-E3B085C9AB24}">
-                <p16:designElem xmlns:p16="http://schemas.microsoft.com/office/powerpoint/2015/main" val="1"/>
-              </p:ext>
-            </p:extLst>
-          </p:nvPr>
-        </p:nvSpPr>
-        <p:spPr>
-          <a:xfrm>
-            <a:off x="0" y="0"/>
-            <a:ext cx="12191999" cy="6857365"/>
-          </a:xfrm>
-          <a:prstGeom prst="rect">
-            <a:avLst/>
-          </a:prstGeom>
-          <a:ln>
-            <a:noFill/>
-          </a:ln>
-        </p:spPr>
-        <p:style>
-          <a:lnRef idx="2">
-            <a:schemeClr val="accent1">
-              <a:shade val="50000"/>
-            </a:schemeClr>
-          </a:lnRef>
-          <a:fillRef idx="1">
-            <a:schemeClr val="accent1"/>
-          </a:fillRef>
-          <a:effectRef idx="0">
-            <a:schemeClr val="accent1"/>
-          </a:effectRef>
-          <a:fontRef idx="minor">
-            <a:schemeClr val="lt1"/>
-          </a:fontRef>
-        </p:style>
-        <p:txBody>
-          <a:bodyPr rtlCol="0" anchor="ctr"/>
-          <a:lstStyle/>
-          <a:p>
-            <a:pPr algn="ctr"/>
-            <a:endParaRPr lang="en-US"/>
-          </a:p>
-        </p:txBody>
-      </p:sp>
-      <p:sp>
-        <p:nvSpPr>
-          <p:cNvPr id="2" name="Titel 1">
-            <a:extLst>
-              <a:ext uri="{FF2B5EF4-FFF2-40B4-BE49-F238E27FC236}">
-                <a16:creationId xmlns:a16="http://schemas.microsoft.com/office/drawing/2014/main" id="{F6655BA3-676A-D955-E13C-5A2890900397}"/>
-              </a:ext>
-            </a:extLst>
-          </p:cNvPr>
-          <p:cNvSpPr>
-            <a:spLocks noGrp="1"/>
-          </p:cNvSpPr>
-          <p:nvPr>
-            <p:ph type="title"/>
-          </p:nvPr>
-        </p:nvSpPr>
-        <p:spPr>
-          <a:xfrm>
-            <a:off x="793662" y="386930"/>
-            <a:ext cx="7985151" cy="1298448"/>
-          </a:xfrm>
-        </p:spPr>
-        <p:txBody>
-          <a:bodyPr anchor="b">
-            <a:normAutofit/>
-          </a:bodyPr>
-          <a:lstStyle/>
-          <a:p>
-            <a:r>
-              <a:rPr lang="en-GB" dirty="0"/>
-              <a:t>What is Forecasting and </a:t>
-            </a:r>
-            <a:br>
-              <a:rPr lang="en-GB" dirty="0"/>
-            </a:br>
-            <a:r>
-              <a:rPr lang="en-GB" dirty="0"/>
-              <a:t>Time-Series Analysis?</a:t>
-            </a:r>
-          </a:p>
-        </p:txBody>
-      </p:sp>
-      <p:sp>
-        <p:nvSpPr>
-          <p:cNvPr id="15" name="Rectangle 14">
-            <a:extLst>
-              <a:ext uri="{FF2B5EF4-FFF2-40B4-BE49-F238E27FC236}">
-                <a16:creationId xmlns:a16="http://schemas.microsoft.com/office/drawing/2014/main" id="{3A9A4357-BD1D-4622-A4FE-766E6AB8DE84}"/>
-              </a:ext>
-              <a:ext uri="{C183D7F6-B498-43B3-948B-1728B52AA6E4}">
-                <adec:decorative xmlns:adec="http://schemas.microsoft.com/office/drawing/2017/decorative" val="1"/>
-              </a:ext>
-            </a:extLst>
-          </p:cNvPr>
-          <p:cNvSpPr>
-            <a:spLocks noGrp="1" noRot="1" noChangeAspect="1" noMove="1" noResize="1" noEditPoints="1" noAdjustHandles="1" noChangeArrowheads="1" noChangeShapeType="1" noTextEdit="1"/>
-          </p:cNvSpPr>
-          <p:nvPr>
-            <p:extLst>
-              <p:ext uri="{386F3935-93C4-4BCD-93E2-E3B085C9AB24}">
-                <p16:designElem xmlns:p16="http://schemas.microsoft.com/office/powerpoint/2015/main" val="1"/>
-              </p:ext>
-            </p:extLst>
-          </p:nvPr>
-        </p:nvSpPr>
-        <p:spPr>
-          <a:xfrm flipH="1" flipV="1">
-            <a:off x="-2" y="1998845"/>
-            <a:ext cx="11454595" cy="781699"/>
-          </a:xfrm>
-          <a:prstGeom prst="rect">
-            <a:avLst/>
-          </a:prstGeom>
-          <a:solidFill>
-            <a:schemeClr val="accent4"/>
-          </a:solidFill>
-          <a:ln>
-            <a:noFill/>
-          </a:ln>
-        </p:spPr>
-        <p:style>
-          <a:lnRef idx="2">
-            <a:schemeClr val="accent1">
-              <a:shade val="50000"/>
-            </a:schemeClr>
-          </a:lnRef>
-          <a:fillRef idx="1">
-            <a:schemeClr val="accent1"/>
-          </a:fillRef>
-          <a:effectRef idx="0">
-            <a:schemeClr val="accent1"/>
-          </a:effectRef>
-          <a:fontRef idx="minor">
-            <a:schemeClr val="lt1"/>
-          </a:fontRef>
-        </p:style>
-        <p:txBody>
-          <a:bodyPr rtlCol="0" anchor="ctr"/>
-          <a:lstStyle/>
-          <a:p>
-            <a:pPr algn="ctr"/>
-            <a:endParaRPr lang="en-US"/>
-          </a:p>
-        </p:txBody>
-      </p:sp>
-      <p:sp>
-        <p:nvSpPr>
-          <p:cNvPr id="17" name="Rectangle 16">
-            <a:extLst>
-              <a:ext uri="{FF2B5EF4-FFF2-40B4-BE49-F238E27FC236}">
-                <a16:creationId xmlns:a16="http://schemas.microsoft.com/office/drawing/2014/main" id="{E659831F-0D9A-4C63-9EBB-8435B85A440F}"/>
-              </a:ext>
-              <a:ext uri="{C183D7F6-B498-43B3-948B-1728B52AA6E4}">
-                <adec:decorative xmlns:adec="http://schemas.microsoft.com/office/drawing/2017/decorative" val="1"/>
-              </a:ext>
-            </a:extLst>
-          </p:cNvPr>
-          <p:cNvSpPr>
-            <a:spLocks noGrp="1" noRot="1" noChangeAspect="1" noMove="1" noResize="1" noEditPoints="1" noAdjustHandles="1" noChangeArrowheads="1" noChangeShapeType="1" noTextEdit="1"/>
-          </p:cNvSpPr>
-          <p:nvPr>
-            <p:extLst>
-              <p:ext uri="{386F3935-93C4-4BCD-93E2-E3B085C9AB24}">
-                <p16:designElem xmlns:p16="http://schemas.microsoft.com/office/powerpoint/2015/main" val="1"/>
-              </p:ext>
-            </p:extLst>
-          </p:nvPr>
-        </p:nvSpPr>
-        <p:spPr>
-          <a:xfrm>
-            <a:off x="0" y="2203079"/>
-            <a:ext cx="11383362" cy="4267991"/>
-          </a:xfrm>
-          <a:prstGeom prst="rect">
-            <a:avLst/>
-          </a:prstGeom>
-          <a:solidFill>
-            <a:schemeClr val="bg1"/>
-          </a:solidFill>
-          <a:ln>
-            <a:noFill/>
-          </a:ln>
-          <a:effectLst>
-            <a:outerShdw blurRad="139700" dist="127000" dir="5400000" algn="t" rotWithShape="0">
-              <a:prstClr val="black">
-                <a:alpha val="15000"/>
-              </a:prstClr>
-            </a:outerShdw>
-          </a:effectLst>
-        </p:spPr>
-        <p:style>
-          <a:lnRef idx="2">
-            <a:schemeClr val="accent1">
-              <a:shade val="50000"/>
-            </a:schemeClr>
-          </a:lnRef>
-          <a:fillRef idx="1">
-            <a:schemeClr val="accent1"/>
-          </a:fillRef>
-          <a:effectRef idx="0">
-            <a:schemeClr val="accent1"/>
-          </a:effectRef>
-          <a:fontRef idx="minor">
-            <a:schemeClr val="lt1"/>
-          </a:fontRef>
-        </p:style>
-        <p:txBody>
-          <a:bodyPr rtlCol="0" anchor="ctr"/>
-          <a:lstStyle/>
-          <a:p>
-            <a:pPr algn="ctr"/>
-            <a:endParaRPr lang="en-US"/>
-          </a:p>
-        </p:txBody>
-      </p:sp>
-      <p:sp>
-        <p:nvSpPr>
-          <p:cNvPr id="10" name="Content Placeholder 9">
-            <a:extLst>
-              <a:ext uri="{FF2B5EF4-FFF2-40B4-BE49-F238E27FC236}">
-                <a16:creationId xmlns:a16="http://schemas.microsoft.com/office/drawing/2014/main" id="{81527325-8190-DFCC-C427-98769E859088}"/>
-              </a:ext>
-            </a:extLst>
-          </p:cNvPr>
-          <p:cNvSpPr>
-            <a:spLocks noGrp="1"/>
-          </p:cNvSpPr>
-          <p:nvPr>
-            <p:ph idx="1"/>
-          </p:nvPr>
-        </p:nvSpPr>
-        <p:spPr>
-          <a:xfrm>
-            <a:off x="793661" y="2599509"/>
-            <a:ext cx="4530898" cy="3639450"/>
-          </a:xfrm>
-        </p:spPr>
-        <p:txBody>
-          <a:bodyPr anchor="ctr">
-            <a:normAutofit/>
-          </a:bodyPr>
-          <a:lstStyle/>
-          <a:p>
-            <a:endParaRPr lang="en-US" sz="2000" dirty="0"/>
-          </a:p>
-        </p:txBody>
-      </p:sp>
-      <p:pic>
-        <p:nvPicPr>
-          <p:cNvPr id="6" name="Inhaltsplatzhalter 5">
-            <a:extLst>
-              <a:ext uri="{FF2B5EF4-FFF2-40B4-BE49-F238E27FC236}">
-                <a16:creationId xmlns:a16="http://schemas.microsoft.com/office/drawing/2014/main" id="{A20599AF-781E-451E-C6CF-C7AF45E5394F}"/>
-              </a:ext>
-            </a:extLst>
-          </p:cNvPr>
-          <p:cNvPicPr>
-            <a:picLocks noChangeAspect="1"/>
-          </p:cNvPicPr>
-          <p:nvPr/>
-        </p:nvPicPr>
-        <p:blipFill>
-          <a:blip r:embed="rId3"/>
-          <a:stretch>
-            <a:fillRect/>
-          </a:stretch>
-        </p:blipFill>
-        <p:spPr>
-          <a:xfrm>
-            <a:off x="5324559" y="3220188"/>
-            <a:ext cx="6013128" cy="2398092"/>
-          </a:xfrm>
-          <a:prstGeom prst="rect">
-            <a:avLst/>
-          </a:prstGeom>
-        </p:spPr>
-      </p:pic>
-      <p:sp>
-        <p:nvSpPr>
-          <p:cNvPr id="19" name="Rectangle 18">
-            <a:extLst>
-              <a:ext uri="{FF2B5EF4-FFF2-40B4-BE49-F238E27FC236}">
-                <a16:creationId xmlns:a16="http://schemas.microsoft.com/office/drawing/2014/main" id="{E6995CE5-F890-4ABA-82A2-26507CE8D2A3}"/>
-              </a:ext>
-              <a:ext uri="{C183D7F6-B498-43B3-948B-1728B52AA6E4}">
-                <adec:decorative xmlns:adec="http://schemas.microsoft.com/office/drawing/2017/decorative" val="1"/>
-              </a:ext>
-            </a:extLst>
-          </p:cNvPr>
-          <p:cNvSpPr>
-            <a:spLocks noGrp="1" noRot="1" noChangeAspect="1" noMove="1" noResize="1" noEditPoints="1" noAdjustHandles="1" noChangeArrowheads="1" noChangeShapeType="1" noTextEdit="1"/>
-          </p:cNvSpPr>
-          <p:nvPr>
-            <p:extLst>
-              <p:ext uri="{386F3935-93C4-4BCD-93E2-E3B085C9AB24}">
-                <p16:designElem xmlns:p16="http://schemas.microsoft.com/office/powerpoint/2015/main" val="1"/>
-              </p:ext>
-            </p:extLst>
-          </p:nvPr>
-        </p:nvSpPr>
-        <p:spPr>
-          <a:xfrm rot="5400000">
-            <a:off x="11228040" y="2313027"/>
-            <a:ext cx="781700" cy="152382"/>
-          </a:xfrm>
-          <a:prstGeom prst="rect">
-            <a:avLst/>
-          </a:prstGeom>
-          <a:solidFill>
-            <a:schemeClr val="accent4"/>
-          </a:solidFill>
-          <a:ln>
-            <a:noFill/>
-          </a:ln>
-        </p:spPr>
-        <p:style>
-          <a:lnRef idx="2">
-            <a:schemeClr val="accent1">
-              <a:shade val="50000"/>
-            </a:schemeClr>
-          </a:lnRef>
-          <a:fillRef idx="1">
-            <a:schemeClr val="accent1"/>
-          </a:fillRef>
-          <a:effectRef idx="0">
-            <a:schemeClr val="accent1"/>
-          </a:effectRef>
-          <a:fontRef idx="minor">
-            <a:schemeClr val="lt1"/>
-          </a:fontRef>
-        </p:style>
-        <p:txBody>
-          <a:bodyPr rtlCol="0" anchor="ctr"/>
-          <a:lstStyle/>
-          <a:p>
-            <a:pPr algn="ctr"/>
-            <a:endParaRPr lang="en-US"/>
-          </a:p>
-        </p:txBody>
-      </p:sp>
-      <p:pic>
-        <p:nvPicPr>
-          <p:cNvPr id="7" name="Kamera 6">
-            <a:extLst>
-              <a:ext uri="{FF2B5EF4-FFF2-40B4-BE49-F238E27FC236}">
-                <a16:creationId xmlns:a16="http://schemas.microsoft.com/office/drawing/2014/main" id="{3E6B78A7-AFAF-0689-2FDD-A2FB8140626A}"/>
-              </a:ext>
-            </a:extLst>
-          </p:cNvPr>
-          <p:cNvPicPr>
-            <a:picLocks noChangeAspect="1"/>
-            <a:extLst>
-              <a:ext uri="{51228E76-BA90-4043-B771-695A4F85340A}">
-                <alf:liveFeedProps xmlns:alf="http://schemas.microsoft.com/office/drawing/2021/livefeed"/>
-              </a:ext>
-            </a:extLst>
-          </p:cNvPicPr>
-          <p:nvPr/>
-        </p:nvPicPr>
-        <p:blipFill>
-          <a:blip r:embed="rId4">
-            <a:extLst>
-              <a:ext uri="{96DAC541-7B7A-43D3-8B79-37D633B846F1}">
-                <asvg:svgBlip xmlns:asvg="http://schemas.microsoft.com/office/drawing/2016/SVG/main" r:embed="rId5"/>
-              </a:ext>
-            </a:extLst>
-          </a:blip>
-          <a:stretch>
-            <a:fillRect/>
-          </a:stretch>
-        </p:blipFill>
-        <p:spPr>
-          <a:xfrm>
-            <a:off x="8961406" y="178904"/>
-            <a:ext cx="3048000" cy="1714500"/>
-          </a:xfrm>
-          <a:prstGeom prst="rect">
-            <a:avLst/>
-          </a:prstGeom>
-        </p:spPr>
-      </p:pic>
-      <p:sp>
-        <p:nvSpPr>
-          <p:cNvPr id="3" name="Foliennummernplatzhalter 2">
-            <a:extLst>
-              <a:ext uri="{FF2B5EF4-FFF2-40B4-BE49-F238E27FC236}">
-                <a16:creationId xmlns:a16="http://schemas.microsoft.com/office/drawing/2014/main" id="{0955E503-DA4B-204F-5959-257BA90AE429}"/>
-              </a:ext>
-            </a:extLst>
-          </p:cNvPr>
-          <p:cNvSpPr>
-            <a:spLocks noGrp="1"/>
-          </p:cNvSpPr>
-          <p:nvPr>
-            <p:ph type="sldNum" sz="quarter" idx="12"/>
-          </p:nvPr>
-        </p:nvSpPr>
-        <p:spPr/>
-        <p:txBody>
-          <a:bodyPr/>
-          <a:lstStyle/>
-          <a:p>
-            <a:fld id="{D841047C-AC16-3847-8358-E80D41A378BA}" type="slidenum">
-              <a:rPr lang="de-DE" smtClean="0"/>
-              <a:t>3</a:t>
-            </a:fld>
-            <a:r>
-              <a:rPr lang="de-DE" dirty="0"/>
-              <a:t>/9</a:t>
-            </a:r>
-          </a:p>
-        </p:txBody>
-      </p:sp>
-    </p:spTree>
-    <p:extLst>
-      <p:ext uri="{BB962C8B-B14F-4D97-AF65-F5344CB8AC3E}">
-        <p14:creationId xmlns:p14="http://schemas.microsoft.com/office/powerpoint/2010/main" val="1009995766"/>
-      </p:ext>
-    </p:extLst>
-  </p:cSld>
-  <p:clrMapOvr>
-    <a:masterClrMapping/>
-  </p:clrMapOvr>
-</p:sld>
-</file>
-
-<file path=ppt/slides/slide4.xml><?xml version="1.0" encoding="utf-8"?>
 <p:sld xmlns:a="http://schemas.openxmlformats.org/drawingml/2006/main" xmlns:r="http://schemas.openxmlformats.org/officeDocument/2006/relationships" xmlns:p="http://schemas.openxmlformats.org/presentationml/2006/main">
   <p:cSld>
     <p:bg>
@@ -7164,11 +7247,11 @@
           <a:p>
             <a:fld id="{D841047C-AC16-3847-8358-E80D41A378BA}" type="slidenum">
               <a:rPr lang="de-DE" smtClean="0"/>
-              <a:t>4</a:t>
+              <a:t>3</a:t>
             </a:fld>
             <a:r>
               <a:rPr lang="de-DE" dirty="0"/>
-              <a:t>/9</a:t>
+              <a:t>/8</a:t>
             </a:r>
           </a:p>
         </p:txBody>
@@ -7186,7 +7269,7 @@
 </p:sld>
 </file>
 
-<file path=ppt/slides/slide5.xml><?xml version="1.0" encoding="utf-8"?>
+<file path=ppt/slides/slide4.xml><?xml version="1.0" encoding="utf-8"?>
 <p:sld xmlns:a="http://schemas.openxmlformats.org/drawingml/2006/main" xmlns:r="http://schemas.openxmlformats.org/officeDocument/2006/relationships" xmlns:p="http://schemas.openxmlformats.org/presentationml/2006/main">
   <p:cSld>
     <p:bg>
@@ -7868,11 +7951,11 @@
           <a:p>
             <a:fld id="{D841047C-AC16-3847-8358-E80D41A378BA}" type="slidenum">
               <a:rPr lang="de-DE" smtClean="0"/>
-              <a:t>5</a:t>
+              <a:t>4</a:t>
             </a:fld>
             <a:r>
               <a:rPr lang="de-DE" dirty="0"/>
-              <a:t>/9</a:t>
+              <a:t>/8</a:t>
             </a:r>
           </a:p>
         </p:txBody>
@@ -8530,7 +8613,7 @@
 </p:sld>
 </file>
 
-<file path=ppt/slides/slide6.xml><?xml version="1.0" encoding="utf-8"?>
+<file path=ppt/slides/slide5.xml><?xml version="1.0" encoding="utf-8"?>
 <p:sld xmlns:a="http://schemas.openxmlformats.org/drawingml/2006/main" xmlns:r="http://schemas.openxmlformats.org/officeDocument/2006/relationships" xmlns:p="http://schemas.openxmlformats.org/presentationml/2006/main">
   <p:cSld>
     <p:bg>
@@ -9045,7 +9128,7 @@
           <a:p>
             <a:r>
               <a:rPr lang="de-DE" dirty="0"/>
-              <a:t>6/9</a:t>
+              <a:t>5/8</a:t>
             </a:r>
           </a:p>
         </p:txBody>
@@ -9063,7 +9146,7 @@
 </p:sld>
 </file>
 
-<file path=ppt/slides/slide7.xml><?xml version="1.0" encoding="utf-8"?>
+<file path=ppt/slides/slide6.xml><?xml version="1.0" encoding="utf-8"?>
 <p:sld xmlns:a="http://schemas.openxmlformats.org/drawingml/2006/main" xmlns:r="http://schemas.openxmlformats.org/officeDocument/2006/relationships" xmlns:p="http://schemas.openxmlformats.org/presentationml/2006/main">
   <p:cSld>
     <p:bg>
@@ -10181,11 +10264,11 @@
           <a:p>
             <a:fld id="{D841047C-AC16-3847-8358-E80D41A378BA}" type="slidenum">
               <a:rPr lang="de-DE" smtClean="0"/>
-              <a:t>7</a:t>
+              <a:t>6</a:t>
             </a:fld>
             <a:r>
               <a:rPr lang="de-DE" dirty="0"/>
-              <a:t>/9</a:t>
+              <a:t>/8</a:t>
             </a:r>
           </a:p>
         </p:txBody>
@@ -10203,7 +10286,7 @@
 </p:sld>
 </file>
 
-<file path=ppt/slides/slide8.xml><?xml version="1.0" encoding="utf-8"?>
+<file path=ppt/slides/slide7.xml><?xml version="1.0" encoding="utf-8"?>
 <p:sld xmlns:a="http://schemas.openxmlformats.org/drawingml/2006/main" xmlns:r="http://schemas.openxmlformats.org/officeDocument/2006/relationships" xmlns:p="http://schemas.openxmlformats.org/presentationml/2006/main">
   <p:cSld>
     <p:bg>
@@ -11554,11 +11637,11 @@
           <a:p>
             <a:fld id="{D841047C-AC16-3847-8358-E80D41A378BA}" type="slidenum">
               <a:rPr lang="de-DE" smtClean="0"/>
-              <a:t>8</a:t>
+              <a:t>7</a:t>
             </a:fld>
             <a:r>
               <a:rPr lang="de-DE" dirty="0"/>
-              <a:t>/9</a:t>
+              <a:t>/8</a:t>
             </a:r>
           </a:p>
         </p:txBody>
@@ -11576,7 +11659,7 @@
 </p:sld>
 </file>
 
-<file path=ppt/slides/slide9.xml><?xml version="1.0" encoding="utf-8"?>
+<file path=ppt/slides/slide8.xml><?xml version="1.0" encoding="utf-8"?>
 <p:sld xmlns:a="http://schemas.openxmlformats.org/drawingml/2006/main" xmlns:r="http://schemas.openxmlformats.org/officeDocument/2006/relationships" xmlns:p="http://schemas.openxmlformats.org/presentationml/2006/main">
   <p:cSld>
     <p:spTree>
@@ -11726,11 +11809,11 @@
           <a:p>
             <a:fld id="{D841047C-AC16-3847-8358-E80D41A378BA}" type="slidenum">
               <a:rPr lang="de-DE" smtClean="0"/>
-              <a:t>9</a:t>
+              <a:t>8</a:t>
             </a:fld>
             <a:r>
               <a:rPr lang="de-DE" dirty="0"/>
-              <a:t>/9</a:t>
+              <a:t>/8</a:t>
             </a:r>
           </a:p>
         </p:txBody>

--- a/tsibble and fable.pptx
+++ b/tsibble and fable.pptx
@@ -5,17 +5,19 @@
     <p:sldMasterId id="2147483648" r:id="rId1"/>
   </p:sldMasterIdLst>
   <p:notesMasterIdLst>
-    <p:notesMasterId r:id="rId10"/>
+    <p:notesMasterId r:id="rId12"/>
   </p:notesMasterIdLst>
   <p:sldIdLst>
     <p:sldId id="256" r:id="rId2"/>
     <p:sldId id="257" r:id="rId3"/>
     <p:sldId id="267" r:id="rId4"/>
     <p:sldId id="269" r:id="rId5"/>
-    <p:sldId id="263" r:id="rId6"/>
-    <p:sldId id="270" r:id="rId7"/>
-    <p:sldId id="271" r:id="rId8"/>
-    <p:sldId id="262" r:id="rId9"/>
+    <p:sldId id="272" r:id="rId6"/>
+    <p:sldId id="263" r:id="rId7"/>
+    <p:sldId id="270" r:id="rId8"/>
+    <p:sldId id="271" r:id="rId9"/>
+    <p:sldId id="262" r:id="rId10"/>
+    <p:sldId id="273" r:id="rId11"/>
   </p:sldIdLst>
   <p:sldSz cx="12192000" cy="6858000"/>
   <p:notesSz cx="6858000" cy="9144000"/>
@@ -954,83 +956,6 @@
           <a:bodyPr/>
           <a:lstStyle/>
           <a:p>
-            <a:r>
-              <a:rPr lang="en-GB" sz="2000" dirty="0"/>
-              <a:t>Models in fable are specified using model </a:t>
-            </a:r>
-            <a:r>
-              <a:rPr lang="en-GB" sz="2000" b="1" dirty="0"/>
-              <a:t>functions</a:t>
-            </a:r>
-          </a:p>
-          <a:p>
-            <a:pPr marL="457200" lvl="1" indent="0">
-              <a:buNone/>
-            </a:pPr>
-            <a:r>
-              <a:rPr lang="en-GB" sz="2000" dirty="0"/>
-              <a:t>(y  </a:t>
-            </a:r>
-            <a:r>
-              <a:rPr lang="en-GB" sz="2000" dirty="0">
-                <a:effectLst/>
-              </a:rPr>
-              <a:t>~ </a:t>
-            </a:r>
-            <a:r>
-              <a:rPr lang="en-GB" sz="2000" dirty="0"/>
-              <a:t> X) </a:t>
-            </a:r>
-          </a:p>
-          <a:p>
-            <a:pPr marL="228600" lvl="1">
-              <a:spcBef>
-                <a:spcPts val="1000"/>
-              </a:spcBef>
-            </a:pPr>
-            <a:r>
-              <a:rPr lang="en-GB" sz="2000" dirty="0"/>
-              <a:t>Response variable(s) are specified </a:t>
-            </a:r>
-            <a:r>
-              <a:rPr lang="en-GB" sz="2000" b="1" dirty="0"/>
-              <a:t>on the left</a:t>
-            </a:r>
-            <a:r>
-              <a:rPr lang="en-GB" sz="2000" dirty="0"/>
-              <a:t> of the formula</a:t>
-            </a:r>
-          </a:p>
-          <a:p>
-            <a:pPr marL="228600" lvl="1">
-              <a:spcBef>
-                <a:spcPts val="1000"/>
-              </a:spcBef>
-            </a:pPr>
-            <a:r>
-              <a:rPr lang="en-GB" sz="2000" dirty="0"/>
-              <a:t>Structure of the model is written </a:t>
-            </a:r>
-            <a:r>
-              <a:rPr lang="en-GB" sz="2000" b="1" dirty="0"/>
-              <a:t>on the right</a:t>
-            </a:r>
-          </a:p>
-          <a:p>
-            <a:pPr marL="685800" lvl="2">
-              <a:spcBef>
-                <a:spcPts val="1000"/>
-              </a:spcBef>
-            </a:pPr>
-            <a:r>
-              <a:rPr lang="en-GB" dirty="0"/>
-              <a:t>One or more model specifications can be estimated using the model() function.</a:t>
-            </a:r>
-          </a:p>
-          <a:p>
-            <a:endParaRPr lang="en-GB" dirty="0"/>
-          </a:p>
-          <a:p>
             <a:endParaRPr lang="en-GB" dirty="0"/>
           </a:p>
         </p:txBody>
@@ -1052,7 +977,7 @@
           <a:p>
             <a:fld id="{809EEC96-AFE4-AB4C-9F77-BF8C435C8FB7}" type="slidenum">
               <a:rPr lang="en-GB" smtClean="0"/>
-              <a:t>6</a:t>
+              <a:t>5</a:t>
             </a:fld>
             <a:endParaRPr lang="en-GB"/>
           </a:p>
@@ -1061,7 +986,7 @@
     </p:spTree>
     <p:extLst>
       <p:ext uri="{BB962C8B-B14F-4D97-AF65-F5344CB8AC3E}">
-        <p14:creationId xmlns:p14="http://schemas.microsoft.com/office/powerpoint/2010/main" val="2310774744"/>
+        <p14:creationId xmlns:p14="http://schemas.microsoft.com/office/powerpoint/2010/main" val="3132940046"/>
       </p:ext>
     </p:extLst>
   </p:cSld>
@@ -1116,8 +1041,76 @@
           <a:lstStyle/>
           <a:p>
             <a:r>
+              <a:rPr lang="en-GB" sz="2000" dirty="0"/>
+              <a:t>Models in fable are specified using model </a:t>
+            </a:r>
+            <a:r>
+              <a:rPr lang="en-GB" sz="2000" b="1" dirty="0"/>
+              <a:t>functions</a:t>
+            </a:r>
+          </a:p>
+          <a:p>
+            <a:pPr marL="457200" lvl="1" indent="0">
+              <a:buNone/>
+            </a:pPr>
+            <a:r>
+              <a:rPr lang="en-GB" sz="2000" dirty="0"/>
+              <a:t>(y  </a:t>
+            </a:r>
+            <a:r>
+              <a:rPr lang="en-GB" sz="2000" dirty="0">
+                <a:effectLst/>
+              </a:rPr>
+              <a:t>~ </a:t>
+            </a:r>
+            <a:r>
+              <a:rPr lang="en-GB" sz="2000" dirty="0"/>
+              <a:t> X) </a:t>
+            </a:r>
+          </a:p>
+          <a:p>
+            <a:pPr marL="228600" lvl="1">
+              <a:spcBef>
+                <a:spcPts val="1000"/>
+              </a:spcBef>
+            </a:pPr>
+            <a:r>
+              <a:rPr lang="en-GB" sz="2000" dirty="0"/>
+              <a:t>Response variable(s) are specified </a:t>
+            </a:r>
+            <a:r>
+              <a:rPr lang="en-GB" sz="2000" b="1" dirty="0"/>
+              <a:t>on the left</a:t>
+            </a:r>
+            <a:r>
+              <a:rPr lang="en-GB" sz="2000" dirty="0"/>
+              <a:t> of the formula</a:t>
+            </a:r>
+          </a:p>
+          <a:p>
+            <a:pPr marL="228600" lvl="1">
+              <a:spcBef>
+                <a:spcPts val="1000"/>
+              </a:spcBef>
+            </a:pPr>
+            <a:r>
+              <a:rPr lang="en-GB" sz="2000" dirty="0"/>
+              <a:t>Structure of the model is written </a:t>
+            </a:r>
+            <a:r>
+              <a:rPr lang="en-GB" sz="2000" b="1" dirty="0"/>
+              <a:t>on the right</a:t>
+            </a:r>
+          </a:p>
+          <a:p>
+            <a:pPr marL="685800" lvl="2">
+              <a:spcBef>
+                <a:spcPts val="1000"/>
+              </a:spcBef>
+            </a:pPr>
+            <a:r>
               <a:rPr lang="en-GB" dirty="0"/>
-              <a:t>.</a:t>
+              <a:t>One or more model specifications can be estimated using the model() function.</a:t>
             </a:r>
           </a:p>
           <a:p>
@@ -1146,6 +1139,99 @@
             <a:fld id="{809EEC96-AFE4-AB4C-9F77-BF8C435C8FB7}" type="slidenum">
               <a:rPr lang="en-GB" smtClean="0"/>
               <a:t>7</a:t>
+            </a:fld>
+            <a:endParaRPr lang="en-GB"/>
+          </a:p>
+        </p:txBody>
+      </p:sp>
+    </p:spTree>
+    <p:extLst>
+      <p:ext uri="{BB962C8B-B14F-4D97-AF65-F5344CB8AC3E}">
+        <p14:creationId xmlns:p14="http://schemas.microsoft.com/office/powerpoint/2010/main" val="2310774744"/>
+      </p:ext>
+    </p:extLst>
+  </p:cSld>
+  <p:clrMapOvr>
+    <a:masterClrMapping/>
+  </p:clrMapOvr>
+</p:notes>
+</file>
+
+<file path=ppt/notesSlides/notesSlide7.xml><?xml version="1.0" encoding="utf-8"?>
+<p:notes xmlns:a="http://schemas.openxmlformats.org/drawingml/2006/main" xmlns:r="http://schemas.openxmlformats.org/officeDocument/2006/relationships" xmlns:p="http://schemas.openxmlformats.org/presentationml/2006/main">
+  <p:cSld>
+    <p:spTree>
+      <p:nvGrpSpPr>
+        <p:cNvPr id="1" name=""/>
+        <p:cNvGrpSpPr/>
+        <p:nvPr/>
+      </p:nvGrpSpPr>
+      <p:grpSpPr>
+        <a:xfrm>
+          <a:off x="0" y="0"/>
+          <a:ext cx="0" cy="0"/>
+          <a:chOff x="0" y="0"/>
+          <a:chExt cx="0" cy="0"/>
+        </a:xfrm>
+      </p:grpSpPr>
+      <p:sp>
+        <p:nvSpPr>
+          <p:cNvPr id="2" name="Folienbildplatzhalter 1"/>
+          <p:cNvSpPr>
+            <a:spLocks noGrp="1" noRot="1" noChangeAspect="1"/>
+          </p:cNvSpPr>
+          <p:nvPr>
+            <p:ph type="sldImg"/>
+          </p:nvPr>
+        </p:nvSpPr>
+        <p:spPr/>
+      </p:sp>
+      <p:sp>
+        <p:nvSpPr>
+          <p:cNvPr id="3" name="Notizenplatzhalter 2"/>
+          <p:cNvSpPr>
+            <a:spLocks noGrp="1"/>
+          </p:cNvSpPr>
+          <p:nvPr>
+            <p:ph type="body" idx="1"/>
+          </p:nvPr>
+        </p:nvSpPr>
+        <p:spPr/>
+        <p:txBody>
+          <a:bodyPr/>
+          <a:lstStyle/>
+          <a:p>
+            <a:r>
+              <a:rPr lang="en-GB" dirty="0"/>
+              <a:t>.</a:t>
+            </a:r>
+          </a:p>
+          <a:p>
+            <a:endParaRPr lang="en-GB" dirty="0"/>
+          </a:p>
+          <a:p>
+            <a:endParaRPr lang="en-GB" dirty="0"/>
+          </a:p>
+        </p:txBody>
+      </p:sp>
+      <p:sp>
+        <p:nvSpPr>
+          <p:cNvPr id="4" name="Foliennummernplatzhalter 3"/>
+          <p:cNvSpPr>
+            <a:spLocks noGrp="1"/>
+          </p:cNvSpPr>
+          <p:nvPr>
+            <p:ph type="sldNum" sz="quarter" idx="5"/>
+          </p:nvPr>
+        </p:nvSpPr>
+        <p:spPr/>
+        <p:txBody>
+          <a:bodyPr/>
+          <a:lstStyle/>
+          <a:p>
+            <a:fld id="{809EEC96-AFE4-AB4C-9F77-BF8C435C8FB7}" type="slidenum">
+              <a:rPr lang="en-GB" smtClean="0"/>
+              <a:t>8</a:t>
             </a:fld>
             <a:endParaRPr lang="en-GB"/>
           </a:p>
@@ -4002,47 +4088,6 @@
           </a:p>
         </p:txBody>
       </p:sp>
-      <p:pic>
-        <p:nvPicPr>
-          <p:cNvPr id="7" name="Kamera 6">
-            <a:extLst>
-              <a:ext uri="{FF2B5EF4-FFF2-40B4-BE49-F238E27FC236}">
-                <a16:creationId xmlns:a16="http://schemas.microsoft.com/office/drawing/2014/main" id="{35AA2F16-87E7-467A-B22B-5525F3FF7BE0}"/>
-              </a:ext>
-            </a:extLst>
-          </p:cNvPr>
-          <p:cNvPicPr>
-            <a:picLocks noChangeAspect="1"/>
-            <a:extLst>
-              <a:ext uri="{51228E76-BA90-4043-B771-695A4F85340A}">
-                <alf:liveFeedProps xmlns:alf="http://schemas.microsoft.com/office/drawing/2021/livefeed"/>
-              </a:ext>
-            </a:extLst>
-          </p:cNvPicPr>
-          <p:nvPr userDrawn="1"/>
-        </p:nvPicPr>
-        <p:blipFill>
-          <a:blip r:embed="rId13">
-            <a:extLst>
-              <a:ext uri="{96DAC541-7B7A-43D3-8B79-37D633B846F1}">
-                <asvg:svgBlip xmlns:asvg="http://schemas.microsoft.com/office/drawing/2016/SVG/main" r:embed="rId14"/>
-              </a:ext>
-            </a:extLst>
-          </a:blip>
-          <a:stretch>
-            <a:fillRect/>
-          </a:stretch>
-        </p:blipFill>
-        <p:spPr>
-          <a:xfrm>
-            <a:off x="8960400" y="180000"/>
-            <a:ext cx="3048000" cy="1714500"/>
-          </a:xfrm>
-          <a:prstGeom prst="rect">
-            <a:avLst/>
-          </a:prstGeom>
-        </p:spPr>
-      </p:pic>
     </p:spTree>
     <p:extLst>
       <p:ext uri="{BB962C8B-B14F-4D97-AF65-F5344CB8AC3E}">
@@ -4064,7 +4109,7 @@
     <p:sldLayoutId id="2147483658" r:id="rId10"/>
     <p:sldLayoutId id="2147483659" r:id="rId11"/>
   </p:sldLayoutIdLst>
-  <p:hf hdr="0" ftr="0" dt="0"/>
+  <p:hf sldNum="0" hdr="0" ftr="0" dt="0"/>
   <p:txStyles>
     <p:titleStyle>
       <a:lvl1pPr algn="l" defTabSz="914400" rtl="0" eaLnBrk="1" latinLnBrk="0" hangingPunct="1">
@@ -4853,12 +4898,83 @@
           </a:prstGeom>
         </p:spPr>
       </p:pic>
+      <p:pic>
+        <p:nvPicPr>
+          <p:cNvPr id="11" name="Kamera 10">
+            <a:extLst>
+              <a:ext uri="{FF2B5EF4-FFF2-40B4-BE49-F238E27FC236}">
+                <a16:creationId xmlns:a16="http://schemas.microsoft.com/office/drawing/2014/main" id="{C6F909ED-0427-314B-C96A-1A5FDF835DF7}"/>
+              </a:ext>
+            </a:extLst>
+          </p:cNvPr>
+          <p:cNvPicPr>
+            <a:picLocks noChangeAspect="1"/>
+            <a:extLst>
+              <a:ext uri="{51228E76-BA90-4043-B771-695A4F85340A}">
+                <alf:liveFeedProps xmlns:alf="http://schemas.microsoft.com/office/drawing/2021/livefeed"/>
+              </a:ext>
+            </a:extLst>
+          </p:cNvPicPr>
+          <p:nvPr/>
+        </p:nvPicPr>
+        <p:blipFill>
+          <a:blip r:embed="rId5">
+            <a:extLst>
+              <a:ext uri="{96DAC541-7B7A-43D3-8B79-37D633B846F1}">
+                <asvg:svgBlip xmlns:asvg="http://schemas.microsoft.com/office/drawing/2016/SVG/main" r:embed="rId6"/>
+              </a:ext>
+            </a:extLst>
+          </a:blip>
+          <a:stretch>
+            <a:fillRect/>
+          </a:stretch>
+        </p:blipFill>
+        <p:spPr>
+          <a:xfrm>
+            <a:off x="8961406" y="178904"/>
+            <a:ext cx="3048000" cy="1714500"/>
+          </a:xfrm>
+          <a:prstGeom prst="rect">
+            <a:avLst/>
+          </a:prstGeom>
+        </p:spPr>
+      </p:pic>
+    </p:spTree>
+    <p:extLst>
+      <p:ext uri="{BB962C8B-B14F-4D97-AF65-F5344CB8AC3E}">
+        <p14:creationId xmlns:p14="http://schemas.microsoft.com/office/powerpoint/2010/main" val="3416930667"/>
+      </p:ext>
+    </p:extLst>
+  </p:cSld>
+  <p:clrMapOvr>
+    <a:masterClrMapping/>
+  </p:clrMapOvr>
+</p:sld>
+</file>
+
+<file path=ppt/slides/slide10.xml><?xml version="1.0" encoding="utf-8"?>
+<p:sld xmlns:a="http://schemas.openxmlformats.org/drawingml/2006/main" xmlns:r="http://schemas.openxmlformats.org/officeDocument/2006/relationships" xmlns:p="http://schemas.openxmlformats.org/presentationml/2006/main">
+  <p:cSld>
+    <p:spTree>
+      <p:nvGrpSpPr>
+        <p:cNvPr id="1" name=""/>
+        <p:cNvGrpSpPr/>
+        <p:nvPr/>
+      </p:nvGrpSpPr>
+      <p:grpSpPr>
+        <a:xfrm>
+          <a:off x="0" y="0"/>
+          <a:ext cx="0" cy="0"/>
+          <a:chOff x="0" y="0"/>
+          <a:chExt cx="0" cy="0"/>
+        </a:xfrm>
+      </p:grpSpPr>
       <p:sp>
         <p:nvSpPr>
-          <p:cNvPr id="6" name="Foliennummernplatzhalter 5">
+          <p:cNvPr id="2" name="Titel 1">
             <a:extLst>
               <a:ext uri="{FF2B5EF4-FFF2-40B4-BE49-F238E27FC236}">
-                <a16:creationId xmlns:a16="http://schemas.microsoft.com/office/drawing/2014/main" id="{87ED2F28-605E-234F-B5F2-34227C345480}"/>
+                <a16:creationId xmlns:a16="http://schemas.microsoft.com/office/drawing/2014/main" id="{0B48BBB3-6C1D-1C49-FE89-E5F0BEBE1942}"/>
               </a:ext>
             </a:extLst>
           </p:cNvPr>
@@ -4866,7 +4982,7 @@
             <a:spLocks noGrp="1"/>
           </p:cNvSpPr>
           <p:nvPr>
-            <p:ph type="sldNum" sz="quarter" idx="12"/>
+            <p:ph type="title"/>
           </p:nvPr>
         </p:nvSpPr>
         <p:spPr/>
@@ -4875,8 +4991,81 @@
           <a:lstStyle/>
           <a:p>
             <a:r>
-              <a:rPr lang="de-DE" dirty="0"/>
-              <a:t>1/8</a:t>
+              <a:rPr lang="en-GB" dirty="0"/>
+              <a:t>Further Reading</a:t>
+            </a:r>
+          </a:p>
+        </p:txBody>
+      </p:sp>
+      <p:sp>
+        <p:nvSpPr>
+          <p:cNvPr id="3" name="Inhaltsplatzhalter 2">
+            <a:extLst>
+              <a:ext uri="{FF2B5EF4-FFF2-40B4-BE49-F238E27FC236}">
+                <a16:creationId xmlns:a16="http://schemas.microsoft.com/office/drawing/2014/main" id="{A19D6F9B-F207-802B-2B37-FF4683C12746}"/>
+              </a:ext>
+            </a:extLst>
+          </p:cNvPr>
+          <p:cNvSpPr>
+            <a:spLocks noGrp="1"/>
+          </p:cNvSpPr>
+          <p:nvPr>
+            <p:ph idx="1"/>
+          </p:nvPr>
+        </p:nvSpPr>
+        <p:spPr/>
+        <p:txBody>
+          <a:bodyPr/>
+          <a:lstStyle/>
+          <a:p>
+            <a:r>
+              <a:rPr lang="en-GB" dirty="0"/>
+              <a:t>https://tsibble.tidyverts.org</a:t>
+            </a:r>
+          </a:p>
+          <a:p>
+            <a:r>
+              <a:rPr lang="en-GB" dirty="0"/>
+              <a:t>https://fable.tidyverts.org</a:t>
+            </a:r>
+          </a:p>
+          <a:p>
+            <a:r>
+              <a:rPr lang="en-GB" dirty="0"/>
+              <a:t>http://</a:t>
+            </a:r>
+            <a:r>
+              <a:rPr lang="en-GB" dirty="0" err="1"/>
+              <a:t>cran.nexr.com</a:t>
+            </a:r>
+            <a:r>
+              <a:rPr lang="en-GB" dirty="0"/>
+              <a:t>/web/packages/tsibble/vignettes/intro-</a:t>
+            </a:r>
+            <a:r>
+              <a:rPr lang="en-GB" dirty="0" err="1"/>
+              <a:t>tsibble.html</a:t>
+            </a:r>
+            <a:endParaRPr lang="en-GB" dirty="0"/>
+          </a:p>
+          <a:p>
+            <a:r>
+              <a:rPr lang="en-GB" dirty="0"/>
+              <a:t>https://www.mitchelloharawild.com/blog/fable/</a:t>
+            </a:r>
+          </a:p>
+          <a:p>
+            <a:r>
+              <a:rPr lang="en-GB" dirty="0"/>
+              <a:t>https://</a:t>
+            </a:r>
+            <a:r>
+              <a:rPr lang="en-GB" dirty="0" err="1"/>
+              <a:t>otexts.com</a:t>
+            </a:r>
+            <a:r>
+              <a:rPr lang="en-GB" dirty="0"/>
+              <a:t>/fpp3/</a:t>
             </a:r>
           </a:p>
         </p:txBody>
@@ -4884,7 +5073,7 @@
     </p:spTree>
     <p:extLst>
       <p:ext uri="{BB962C8B-B14F-4D97-AF65-F5344CB8AC3E}">
-        <p14:creationId xmlns:p14="http://schemas.microsoft.com/office/powerpoint/2010/main" val="3416930667"/>
+        <p14:creationId xmlns:p14="http://schemas.microsoft.com/office/powerpoint/2010/main" val="3339227301"/>
       </p:ext>
     </p:extLst>
   </p:cSld>
@@ -5422,38 +5611,6 @@
           </a:prstGeom>
         </p:spPr>
       </p:pic>
-      <p:sp>
-        <p:nvSpPr>
-          <p:cNvPr id="3" name="Foliennummernplatzhalter 2">
-            <a:extLst>
-              <a:ext uri="{FF2B5EF4-FFF2-40B4-BE49-F238E27FC236}">
-                <a16:creationId xmlns:a16="http://schemas.microsoft.com/office/drawing/2014/main" id="{10DF0BFB-E456-3BC0-6B57-FFC59426BF26}"/>
-              </a:ext>
-            </a:extLst>
-          </p:cNvPr>
-          <p:cNvSpPr>
-            <a:spLocks noGrp="1"/>
-          </p:cNvSpPr>
-          <p:nvPr>
-            <p:ph type="sldNum" sz="quarter" idx="12"/>
-          </p:nvPr>
-        </p:nvSpPr>
-        <p:spPr/>
-        <p:txBody>
-          <a:bodyPr/>
-          <a:lstStyle/>
-          <a:p>
-            <a:fld id="{D841047C-AC16-3847-8358-E80D41A378BA}" type="slidenum">
-              <a:rPr lang="de-DE" smtClean="0"/>
-              <a:t>2</a:t>
-            </a:fld>
-            <a:r>
-              <a:rPr lang="de-DE" dirty="0"/>
-              <a:t>/8</a:t>
-            </a:r>
-          </a:p>
-        </p:txBody>
-      </p:sp>
       <p:grpSp>
         <p:nvGrpSpPr>
           <p:cNvPr id="31" name="Gruppieren 30">
@@ -7224,38 +7381,6 @@
           </a:prstGeom>
         </p:spPr>
       </p:pic>
-      <p:sp>
-        <p:nvSpPr>
-          <p:cNvPr id="6" name="Foliennummernplatzhalter 5">
-            <a:extLst>
-              <a:ext uri="{FF2B5EF4-FFF2-40B4-BE49-F238E27FC236}">
-                <a16:creationId xmlns:a16="http://schemas.microsoft.com/office/drawing/2014/main" id="{4216E544-2CAD-FE69-DCC5-C180B972605D}"/>
-              </a:ext>
-            </a:extLst>
-          </p:cNvPr>
-          <p:cNvSpPr>
-            <a:spLocks noGrp="1"/>
-          </p:cNvSpPr>
-          <p:nvPr>
-            <p:ph type="sldNum" sz="quarter" idx="12"/>
-          </p:nvPr>
-        </p:nvSpPr>
-        <p:spPr/>
-        <p:txBody>
-          <a:bodyPr/>
-          <a:lstStyle/>
-          <a:p>
-            <a:fld id="{D841047C-AC16-3847-8358-E80D41A378BA}" type="slidenum">
-              <a:rPr lang="de-DE" smtClean="0"/>
-              <a:t>3</a:t>
-            </a:fld>
-            <a:r>
-              <a:rPr lang="de-DE" dirty="0"/>
-              <a:t>/8</a:t>
-            </a:r>
-          </a:p>
-        </p:txBody>
-      </p:sp>
     </p:spTree>
     <p:extLst>
       <p:ext uri="{BB962C8B-B14F-4D97-AF65-F5344CB8AC3E}">
@@ -7930,38 +8055,6 @@
       </p:sp>
       <p:sp>
         <p:nvSpPr>
-          <p:cNvPr id="8" name="Foliennummernplatzhalter 7">
-            <a:extLst>
-              <a:ext uri="{FF2B5EF4-FFF2-40B4-BE49-F238E27FC236}">
-                <a16:creationId xmlns:a16="http://schemas.microsoft.com/office/drawing/2014/main" id="{21B88208-71CB-B358-B44C-15EC3D213BC4}"/>
-              </a:ext>
-            </a:extLst>
-          </p:cNvPr>
-          <p:cNvSpPr>
-            <a:spLocks noGrp="1"/>
-          </p:cNvSpPr>
-          <p:nvPr>
-            <p:ph type="sldNum" sz="quarter" idx="12"/>
-          </p:nvPr>
-        </p:nvSpPr>
-        <p:spPr/>
-        <p:txBody>
-          <a:bodyPr/>
-          <a:lstStyle/>
-          <a:p>
-            <a:fld id="{D841047C-AC16-3847-8358-E80D41A378BA}" type="slidenum">
-              <a:rPr lang="de-DE" smtClean="0"/>
-              <a:t>4</a:t>
-            </a:fld>
-            <a:r>
-              <a:rPr lang="de-DE" dirty="0"/>
-              <a:t>/8</a:t>
-            </a:r>
-          </a:p>
-        </p:txBody>
-      </p:sp>
-      <p:sp>
-        <p:nvSpPr>
           <p:cNvPr id="11" name="Inhaltsplatzhalter 2">
             <a:extLst>
               <a:ext uri="{FF2B5EF4-FFF2-40B4-BE49-F238E27FC236}">
@@ -8614,539 +8707,6 @@
 </file>
 
 <file path=ppt/slides/slide5.xml><?xml version="1.0" encoding="utf-8"?>
-<p:sld xmlns:a="http://schemas.openxmlformats.org/drawingml/2006/main" xmlns:r="http://schemas.openxmlformats.org/officeDocument/2006/relationships" xmlns:p="http://schemas.openxmlformats.org/presentationml/2006/main">
-  <p:cSld>
-    <p:bg>
-      <p:bgPr>
-        <a:solidFill>
-          <a:schemeClr val="bg1"/>
-        </a:solidFill>
-        <a:effectLst/>
-      </p:bgPr>
-    </p:bg>
-    <p:spTree>
-      <p:nvGrpSpPr>
-        <p:cNvPr id="1" name=""/>
-        <p:cNvGrpSpPr/>
-        <p:nvPr/>
-      </p:nvGrpSpPr>
-      <p:grpSpPr>
-        <a:xfrm>
-          <a:off x="0" y="0"/>
-          <a:ext cx="0" cy="0"/>
-          <a:chOff x="0" y="0"/>
-          <a:chExt cx="0" cy="0"/>
-        </a:xfrm>
-      </p:grpSpPr>
-      <p:sp useBgFill="1">
-        <p:nvSpPr>
-          <p:cNvPr id="8" name="Rectangle 7">
-            <a:extLst>
-              <a:ext uri="{FF2B5EF4-FFF2-40B4-BE49-F238E27FC236}">
-                <a16:creationId xmlns:a16="http://schemas.microsoft.com/office/drawing/2014/main" id="{0671A8AE-40A1-4631-A6B8-581AFF065482}"/>
-              </a:ext>
-              <a:ext uri="{C183D7F6-B498-43B3-948B-1728B52AA6E4}">
-                <adec:decorative xmlns:adec="http://schemas.microsoft.com/office/drawing/2017/decorative" val="1"/>
-              </a:ext>
-            </a:extLst>
-          </p:cNvPr>
-          <p:cNvSpPr>
-            <a:spLocks noGrp="1" noRot="1" noChangeAspect="1" noMove="1" noResize="1" noEditPoints="1" noAdjustHandles="1" noChangeArrowheads="1" noChangeShapeType="1" noTextEdit="1"/>
-          </p:cNvSpPr>
-          <p:nvPr>
-            <p:extLst>
-              <p:ext uri="{386F3935-93C4-4BCD-93E2-E3B085C9AB24}">
-                <p16:designElem xmlns:p16="http://schemas.microsoft.com/office/powerpoint/2015/main" val="1"/>
-              </p:ext>
-            </p:extLst>
-          </p:nvPr>
-        </p:nvSpPr>
-        <p:spPr>
-          <a:xfrm>
-            <a:off x="0" y="0"/>
-            <a:ext cx="12192000" cy="6858000"/>
-          </a:xfrm>
-          <a:prstGeom prst="rect">
-            <a:avLst/>
-          </a:prstGeom>
-          <a:ln>
-            <a:noFill/>
-          </a:ln>
-        </p:spPr>
-        <p:style>
-          <a:lnRef idx="2">
-            <a:schemeClr val="accent1">
-              <a:shade val="50000"/>
-            </a:schemeClr>
-          </a:lnRef>
-          <a:fillRef idx="1">
-            <a:schemeClr val="accent1"/>
-          </a:fillRef>
-          <a:effectRef idx="0">
-            <a:schemeClr val="accent1"/>
-          </a:effectRef>
-          <a:fontRef idx="minor">
-            <a:schemeClr val="lt1"/>
-          </a:fontRef>
-        </p:style>
-        <p:txBody>
-          <a:bodyPr rtlCol="0" anchor="ctr"/>
-          <a:lstStyle/>
-          <a:p>
-            <a:pPr algn="ctr"/>
-            <a:endParaRPr lang="en-US"/>
-          </a:p>
-        </p:txBody>
-      </p:sp>
-      <p:pic>
-        <p:nvPicPr>
-          <p:cNvPr id="4" name="Picture 3" descr="Hourglass and a calendar">
-            <a:extLst>
-              <a:ext uri="{FF2B5EF4-FFF2-40B4-BE49-F238E27FC236}">
-                <a16:creationId xmlns:a16="http://schemas.microsoft.com/office/drawing/2014/main" id="{798E75FF-AB79-541B-A1F7-C4F35E1F0802}"/>
-              </a:ext>
-            </a:extLst>
-          </p:cNvPr>
-          <p:cNvPicPr>
-            <a:picLocks noChangeAspect="1"/>
-          </p:cNvPicPr>
-          <p:nvPr/>
-        </p:nvPicPr>
-        <p:blipFill rotWithShape="1">
-          <a:blip r:embed="rId2"/>
-          <a:srcRect l="15312" r="2" b="2"/>
-          <a:stretch/>
-        </p:blipFill>
-        <p:spPr>
-          <a:xfrm>
-            <a:off x="3523488" y="10"/>
-            <a:ext cx="8668512" cy="6857990"/>
-          </a:xfrm>
-          <a:prstGeom prst="rect">
-            <a:avLst/>
-          </a:prstGeom>
-        </p:spPr>
-      </p:pic>
-      <p:sp>
-        <p:nvSpPr>
-          <p:cNvPr id="10" name="Rectangle 9">
-            <a:extLst>
-              <a:ext uri="{FF2B5EF4-FFF2-40B4-BE49-F238E27FC236}">
-                <a16:creationId xmlns:a16="http://schemas.microsoft.com/office/drawing/2014/main" id="{AB58EF07-17C2-48CF-ABB0-EEF1F17CB8F0}"/>
-              </a:ext>
-              <a:ext uri="{C183D7F6-B498-43B3-948B-1728B52AA6E4}">
-                <adec:decorative xmlns:adec="http://schemas.microsoft.com/office/drawing/2017/decorative" val="1"/>
-              </a:ext>
-            </a:extLst>
-          </p:cNvPr>
-          <p:cNvSpPr>
-            <a:spLocks noGrp="1" noRot="1" noChangeAspect="1" noMove="1" noResize="1" noEditPoints="1" noAdjustHandles="1" noChangeArrowheads="1" noChangeShapeType="1" noTextEdit="1"/>
-          </p:cNvSpPr>
-          <p:nvPr>
-            <p:extLst>
-              <p:ext uri="{386F3935-93C4-4BCD-93E2-E3B085C9AB24}">
-                <p16:designElem xmlns:p16="http://schemas.microsoft.com/office/powerpoint/2015/main" val="1"/>
-              </p:ext>
-            </p:extLst>
-          </p:nvPr>
-        </p:nvSpPr>
-        <p:spPr>
-          <a:xfrm>
-            <a:off x="3" y="0"/>
-            <a:ext cx="9339206" cy="6858000"/>
-          </a:xfrm>
-          <a:prstGeom prst="rect">
-            <a:avLst/>
-          </a:prstGeom>
-          <a:gradFill>
-            <a:gsLst>
-              <a:gs pos="58000">
-                <a:schemeClr val="bg1"/>
-              </a:gs>
-              <a:gs pos="33000">
-                <a:schemeClr val="bg1">
-                  <a:alpha val="64000"/>
-                </a:schemeClr>
-              </a:gs>
-              <a:gs pos="0">
-                <a:schemeClr val="bg1">
-                  <a:alpha val="0"/>
-                </a:schemeClr>
-              </a:gs>
-              <a:gs pos="100000">
-                <a:schemeClr val="bg1"/>
-              </a:gs>
-            </a:gsLst>
-            <a:lin ang="10800000" scaled="0"/>
-          </a:gradFill>
-          <a:ln>
-            <a:noFill/>
-          </a:ln>
-        </p:spPr>
-        <p:style>
-          <a:lnRef idx="2">
-            <a:schemeClr val="accent1">
-              <a:shade val="50000"/>
-            </a:schemeClr>
-          </a:lnRef>
-          <a:fillRef idx="1">
-            <a:schemeClr val="accent1"/>
-          </a:fillRef>
-          <a:effectRef idx="0">
-            <a:schemeClr val="accent1"/>
-          </a:effectRef>
-          <a:fontRef idx="minor">
-            <a:schemeClr val="lt1"/>
-          </a:fontRef>
-        </p:style>
-        <p:txBody>
-          <a:bodyPr rtlCol="0" anchor="ctr"/>
-          <a:lstStyle/>
-          <a:p>
-            <a:pPr algn="ctr"/>
-            <a:endParaRPr lang="en-US" dirty="0"/>
-          </a:p>
-        </p:txBody>
-      </p:sp>
-      <p:sp>
-        <p:nvSpPr>
-          <p:cNvPr id="2" name="Titel 1">
-            <a:extLst>
-              <a:ext uri="{FF2B5EF4-FFF2-40B4-BE49-F238E27FC236}">
-                <a16:creationId xmlns:a16="http://schemas.microsoft.com/office/drawing/2014/main" id="{47024D5E-66BD-6B91-A518-691F8219D3DE}"/>
-              </a:ext>
-            </a:extLst>
-          </p:cNvPr>
-          <p:cNvSpPr>
-            <a:spLocks noGrp="1"/>
-          </p:cNvSpPr>
-          <p:nvPr>
-            <p:ph type="ctrTitle"/>
-          </p:nvPr>
-        </p:nvSpPr>
-        <p:spPr>
-          <a:xfrm>
-            <a:off x="477980" y="1213866"/>
-            <a:ext cx="4508357" cy="3009889"/>
-          </a:xfrm>
-        </p:spPr>
-        <p:txBody>
-          <a:bodyPr anchor="b">
-            <a:noAutofit/>
-          </a:bodyPr>
-          <a:lstStyle/>
-          <a:p>
-            <a:pPr algn="l"/>
-            <a:r>
-              <a:rPr lang="en-GB" sz="5400" dirty="0"/>
-              <a:t>A forecasting workflow for time series data</a:t>
-            </a:r>
-          </a:p>
-        </p:txBody>
-      </p:sp>
-      <p:sp>
-        <p:nvSpPr>
-          <p:cNvPr id="12" name="Rectangle 11">
-            <a:extLst>
-              <a:ext uri="{FF2B5EF4-FFF2-40B4-BE49-F238E27FC236}">
-                <a16:creationId xmlns:a16="http://schemas.microsoft.com/office/drawing/2014/main" id="{AF2F604E-43BE-4DC3-B983-E071523364F8}"/>
-              </a:ext>
-              <a:ext uri="{C183D7F6-B498-43B3-948B-1728B52AA6E4}">
-                <adec:decorative xmlns:adec="http://schemas.microsoft.com/office/drawing/2017/decorative" val="1"/>
-              </a:ext>
-            </a:extLst>
-          </p:cNvPr>
-          <p:cNvSpPr>
-            <a:spLocks noGrp="1" noRot="1" noChangeAspect="1" noMove="1" noResize="1" noEditPoints="1" noAdjustHandles="1" noChangeArrowheads="1" noChangeShapeType="1" noTextEdit="1"/>
-          </p:cNvSpPr>
-          <p:nvPr>
-            <p:extLst>
-              <p:ext uri="{386F3935-93C4-4BCD-93E2-E3B085C9AB24}">
-                <p16:designElem xmlns:p16="http://schemas.microsoft.com/office/powerpoint/2015/main" val="1"/>
-              </p:ext>
-            </p:extLst>
-          </p:nvPr>
-        </p:nvSpPr>
-        <p:spPr>
-          <a:xfrm rot="5400000">
-            <a:off x="759921" y="346791"/>
-            <a:ext cx="146304" cy="704088"/>
-          </a:xfrm>
-          <a:prstGeom prst="rect">
-            <a:avLst/>
-          </a:prstGeom>
-          <a:solidFill>
-            <a:schemeClr val="accent2"/>
-          </a:solidFill>
-          <a:ln>
-            <a:noFill/>
-          </a:ln>
-        </p:spPr>
-        <p:style>
-          <a:lnRef idx="2">
-            <a:schemeClr val="accent1">
-              <a:shade val="50000"/>
-            </a:schemeClr>
-          </a:lnRef>
-          <a:fillRef idx="1">
-            <a:schemeClr val="accent1"/>
-          </a:fillRef>
-          <a:effectRef idx="0">
-            <a:schemeClr val="accent1"/>
-          </a:effectRef>
-          <a:fontRef idx="minor">
-            <a:schemeClr val="lt1"/>
-          </a:fontRef>
-        </p:style>
-        <p:txBody>
-          <a:bodyPr rtlCol="0" anchor="ctr"/>
-          <a:lstStyle/>
-          <a:p>
-            <a:pPr algn="ctr"/>
-            <a:endParaRPr lang="en-US">
-              <a:solidFill>
-                <a:prstClr val="white"/>
-              </a:solidFill>
-              <a:latin typeface="Calibri" panose="020F0502020204030204"/>
-            </a:endParaRPr>
-          </a:p>
-        </p:txBody>
-      </p:sp>
-      <p:sp>
-        <p:nvSpPr>
-          <p:cNvPr id="14" name="Rectangle 13">
-            <a:extLst>
-              <a:ext uri="{FF2B5EF4-FFF2-40B4-BE49-F238E27FC236}">
-                <a16:creationId xmlns:a16="http://schemas.microsoft.com/office/drawing/2014/main" id="{08C9B587-E65E-4B52-B37C-ABEBB6E87928}"/>
-              </a:ext>
-              <a:ext uri="{C183D7F6-B498-43B3-948B-1728B52AA6E4}">
-                <adec:decorative xmlns:adec="http://schemas.microsoft.com/office/drawing/2017/decorative" val="1"/>
-              </a:ext>
-            </a:extLst>
-          </p:cNvPr>
-          <p:cNvSpPr>
-            <a:spLocks noGrp="1" noRot="1" noChangeAspect="1" noMove="1" noResize="1" noEditPoints="1" noAdjustHandles="1" noChangeArrowheads="1" noChangeShapeType="1" noTextEdit="1"/>
-          </p:cNvSpPr>
-          <p:nvPr>
-            <p:extLst>
-              <p:ext uri="{386F3935-93C4-4BCD-93E2-E3B085C9AB24}">
-                <p16:designElem xmlns:p16="http://schemas.microsoft.com/office/powerpoint/2015/main" val="1"/>
-              </p:ext>
-            </p:extLst>
-          </p:nvPr>
-        </p:nvSpPr>
-        <p:spPr>
-          <a:xfrm>
-            <a:off x="481029" y="4546920"/>
-            <a:ext cx="3977640" cy="18288"/>
-          </a:xfrm>
-          <a:prstGeom prst="rect">
-            <a:avLst/>
-          </a:prstGeom>
-          <a:solidFill>
-            <a:schemeClr val="tx1"/>
-          </a:solidFill>
-          <a:ln w="3175">
-            <a:noFill/>
-          </a:ln>
-          <a:effectLst/>
-        </p:spPr>
-        <p:style>
-          <a:lnRef idx="2">
-            <a:schemeClr val="accent1">
-              <a:shade val="50000"/>
-            </a:schemeClr>
-          </a:lnRef>
-          <a:fillRef idx="1">
-            <a:schemeClr val="accent1"/>
-          </a:fillRef>
-          <a:effectRef idx="0">
-            <a:schemeClr val="accent1"/>
-          </a:effectRef>
-          <a:fontRef idx="minor">
-            <a:schemeClr val="lt1"/>
-          </a:fontRef>
-        </p:style>
-        <p:txBody>
-          <a:bodyPr rtlCol="0" anchor="ctr"/>
-          <a:lstStyle/>
-          <a:p>
-            <a:pPr marL="0" marR="0" lvl="0" indent="0" algn="ctr" defTabSz="914400" rtl="0" eaLnBrk="1" fontAlgn="auto" latinLnBrk="0" hangingPunct="1">
-              <a:lnSpc>
-                <a:spcPct val="100000"/>
-              </a:lnSpc>
-              <a:spcBef>
-                <a:spcPts val="0"/>
-              </a:spcBef>
-              <a:spcAft>
-                <a:spcPts val="0"/>
-              </a:spcAft>
-              <a:buClrTx/>
-              <a:buSzTx/>
-              <a:buFontTx/>
-              <a:buNone/>
-              <a:tabLst/>
-              <a:defRPr/>
-            </a:pPr>
-            <a:endParaRPr kumimoji="0" lang="en-US" sz="1800" b="0" i="0" u="none" strike="noStrike" kern="1200" cap="none" spc="0" normalizeH="0" baseline="0" noProof="0">
-              <a:ln>
-                <a:noFill/>
-              </a:ln>
-              <a:solidFill>
-                <a:prstClr val="white"/>
-              </a:solidFill>
-              <a:effectLst/>
-              <a:uLnTx/>
-              <a:uFillTx/>
-              <a:latin typeface="Calibri" panose="020F0502020204030204"/>
-              <a:ea typeface="+mn-ea"/>
-              <a:cs typeface="+mn-cs"/>
-            </a:endParaRPr>
-          </a:p>
-        </p:txBody>
-      </p:sp>
-      <p:sp>
-        <p:nvSpPr>
-          <p:cNvPr id="11" name="Textfeld 10">
-            <a:extLst>
-              <a:ext uri="{FF2B5EF4-FFF2-40B4-BE49-F238E27FC236}">
-                <a16:creationId xmlns:a16="http://schemas.microsoft.com/office/drawing/2014/main" id="{57FBD265-BCE3-04C8-3447-FDB89F50B7D9}"/>
-              </a:ext>
-            </a:extLst>
-          </p:cNvPr>
-          <p:cNvSpPr txBox="1"/>
-          <p:nvPr/>
-        </p:nvSpPr>
-        <p:spPr>
-          <a:xfrm>
-            <a:off x="477980" y="4735681"/>
-            <a:ext cx="6100762" cy="1200329"/>
-          </a:xfrm>
-          <a:prstGeom prst="rect">
-            <a:avLst/>
-          </a:prstGeom>
-          <a:noFill/>
-        </p:spPr>
-        <p:txBody>
-          <a:bodyPr wrap="square">
-            <a:spAutoFit/>
-          </a:bodyPr>
-          <a:lstStyle/>
-          <a:p>
-            <a:pPr marL="285750" indent="-285750">
-              <a:buFont typeface="Symbol" pitchFamily="2" charset="2"/>
-              <a:buChar char="-"/>
-            </a:pPr>
-            <a:r>
-              <a:rPr lang="en-GB" sz="2400" dirty="0"/>
-              <a:t>Data preparation and manipulation</a:t>
-            </a:r>
-          </a:p>
-          <a:p>
-            <a:pPr marL="285750" indent="-285750">
-              <a:buFont typeface="Symbol" pitchFamily="2" charset="2"/>
-              <a:buChar char="-"/>
-            </a:pPr>
-            <a:r>
-              <a:rPr lang="en-GB" sz="2400" dirty="0"/>
-              <a:t>Model specification and estimation</a:t>
-            </a:r>
-          </a:p>
-          <a:p>
-            <a:pPr marL="285750" indent="-285750">
-              <a:buFont typeface="Symbol" pitchFamily="2" charset="2"/>
-              <a:buChar char="-"/>
-            </a:pPr>
-            <a:r>
-              <a:rPr lang="en-GB" sz="2400" dirty="0"/>
-              <a:t>Forecasting and choosing the best Model</a:t>
-            </a:r>
-          </a:p>
-        </p:txBody>
-      </p:sp>
-      <p:pic>
-        <p:nvPicPr>
-          <p:cNvPr id="15" name="Kamera 14">
-            <a:extLst>
-              <a:ext uri="{FF2B5EF4-FFF2-40B4-BE49-F238E27FC236}">
-                <a16:creationId xmlns:a16="http://schemas.microsoft.com/office/drawing/2014/main" id="{081F9653-B5D1-6409-002A-8289A08A96E3}"/>
-              </a:ext>
-            </a:extLst>
-          </p:cNvPr>
-          <p:cNvPicPr>
-            <a:picLocks noChangeAspect="1"/>
-            <a:extLst>
-              <a:ext uri="{51228E76-BA90-4043-B771-695A4F85340A}">
-                <alf:liveFeedProps xmlns:alf="http://schemas.microsoft.com/office/drawing/2021/livefeed"/>
-              </a:ext>
-            </a:extLst>
-          </p:cNvPicPr>
-          <p:nvPr/>
-        </p:nvPicPr>
-        <p:blipFill>
-          <a:blip r:embed="rId3">
-            <a:extLst>
-              <a:ext uri="{96DAC541-7B7A-43D3-8B79-37D633B846F1}">
-                <asvg:svgBlip xmlns:asvg="http://schemas.microsoft.com/office/drawing/2016/SVG/main" r:embed="rId4"/>
-              </a:ext>
-            </a:extLst>
-          </a:blip>
-          <a:stretch>
-            <a:fillRect/>
-          </a:stretch>
-        </p:blipFill>
-        <p:spPr>
-          <a:xfrm>
-            <a:off x="8961406" y="178904"/>
-            <a:ext cx="3048000" cy="1714500"/>
-          </a:xfrm>
-          <a:prstGeom prst="rect">
-            <a:avLst/>
-          </a:prstGeom>
-        </p:spPr>
-      </p:pic>
-      <p:sp>
-        <p:nvSpPr>
-          <p:cNvPr id="3" name="Foliennummernplatzhalter 2">
-            <a:extLst>
-              <a:ext uri="{FF2B5EF4-FFF2-40B4-BE49-F238E27FC236}">
-                <a16:creationId xmlns:a16="http://schemas.microsoft.com/office/drawing/2014/main" id="{EB91D102-A544-EE3F-4615-D0257246EABE}"/>
-              </a:ext>
-            </a:extLst>
-          </p:cNvPr>
-          <p:cNvSpPr>
-            <a:spLocks noGrp="1"/>
-          </p:cNvSpPr>
-          <p:nvPr>
-            <p:ph type="sldNum" sz="quarter" idx="12"/>
-          </p:nvPr>
-        </p:nvSpPr>
-        <p:spPr/>
-        <p:txBody>
-          <a:bodyPr/>
-          <a:lstStyle/>
-          <a:p>
-            <a:r>
-              <a:rPr lang="de-DE" dirty="0"/>
-              <a:t>5/8</a:t>
-            </a:r>
-          </a:p>
-        </p:txBody>
-      </p:sp>
-    </p:spTree>
-    <p:extLst>
-      <p:ext uri="{BB962C8B-B14F-4D97-AF65-F5344CB8AC3E}">
-        <p14:creationId xmlns:p14="http://schemas.microsoft.com/office/powerpoint/2010/main" val="66292996"/>
-      </p:ext>
-    </p:extLst>
-  </p:cSld>
-  <p:clrMapOvr>
-    <a:overrideClrMapping bg1="dk1" tx1="lt1" bg2="dk2" tx2="lt2" accent1="accent1" accent2="accent2" accent3="accent3" accent4="accent4" accent5="accent5" accent6="accent6" hlink="hlink" folHlink="folHlink"/>
-  </p:clrMapOvr>
-</p:sld>
-</file>
-
-<file path=ppt/slides/slide6.xml><?xml version="1.0" encoding="utf-8"?>
 <p:sld xmlns:a="http://schemas.openxmlformats.org/drawingml/2006/main" xmlns:r="http://schemas.openxmlformats.org/officeDocument/2006/relationships" xmlns:p="http://schemas.openxmlformats.org/presentationml/2006/main">
   <p:cSld>
     <p:bg>
@@ -9472,7 +9032,7 @@
         </p:nvSpPr>
         <p:spPr>
           <a:xfrm>
-            <a:off x="1057025" y="922644"/>
+            <a:off x="1055714" y="320820"/>
             <a:ext cx="7845156" cy="1169585"/>
           </a:xfrm>
         </p:spPr>
@@ -9484,7 +9044,7 @@
           <a:p>
             <a:r>
               <a:rPr lang="en-GB" sz="4000" dirty="0"/>
-              <a:t>Model specification and estimation (fable)</a:t>
+              <a:t>Data preparation and manipulation (tsibble)</a:t>
             </a:r>
             <a:endParaRPr lang="en-GB" sz="3700" dirty="0"/>
           </a:p>
@@ -9596,10 +9156,10 @@
       </p:pic>
       <p:sp>
         <p:nvSpPr>
-          <p:cNvPr id="11" name="Inhaltsplatzhalter 2">
+          <p:cNvPr id="5" name="Inhaltsplatzhalter 2">
             <a:extLst>
               <a:ext uri="{FF2B5EF4-FFF2-40B4-BE49-F238E27FC236}">
-                <a16:creationId xmlns:a16="http://schemas.microsoft.com/office/drawing/2014/main" id="{3F8E8AAF-2421-7C99-0BC5-9C914EFA9112}"/>
+                <a16:creationId xmlns:a16="http://schemas.microsoft.com/office/drawing/2014/main" id="{AF1D1ADA-5604-79C1-62B8-3B296728FC92}"/>
               </a:ext>
             </a:extLst>
           </p:cNvPr>
@@ -9612,8 +9172,8 @@
         </p:nvSpPr>
         <p:spPr>
           <a:xfrm>
-            <a:off x="1055716" y="2437907"/>
-            <a:ext cx="8005763" cy="388938"/>
+            <a:off x="1106599" y="1490405"/>
+            <a:ext cx="7672214" cy="3191623"/>
           </a:xfrm>
           <a:solidFill>
             <a:schemeClr val="bg1">
@@ -9623,7 +9183,7 @@
         </p:spPr>
         <p:txBody>
           <a:bodyPr>
-            <a:normAutofit/>
+            <a:noAutofit/>
           </a:bodyPr>
           <a:lstStyle/>
           <a:p>
@@ -9631,657 +9191,1011 @@
               <a:buNone/>
             </a:pPr>
             <a:r>
+              <a:rPr lang="de-DE" sz="2000" b="0" i="0" u="none" strike="noStrike" dirty="0">
+                <a:solidFill>
+                  <a:schemeClr val="bg1">
+                    <a:lumMod val="50000"/>
+                  </a:schemeClr>
+                </a:solidFill>
+                <a:effectLst/>
+                <a:latin typeface="SFMono-Regular"/>
+              </a:rPr>
+              <a:t># Time </a:t>
+            </a:r>
+            <a:r>
               <a:rPr lang="de-DE" sz="2000" b="0" i="0" u="none" strike="noStrike" dirty="0" err="1">
                 <a:solidFill>
+                  <a:schemeClr val="bg1">
+                    <a:lumMod val="50000"/>
+                  </a:schemeClr>
+                </a:solidFill>
+                <a:effectLst/>
+                <a:latin typeface="SFMono-Regular"/>
+              </a:rPr>
+              <a:t>plots</a:t>
+            </a:r>
+            <a:endParaRPr lang="de-DE" sz="2000" b="0" i="0" u="none" strike="noStrike" dirty="0">
+              <a:solidFill>
+                <a:schemeClr val="bg1">
+                  <a:lumMod val="50000"/>
+                </a:schemeClr>
+              </a:solidFill>
+              <a:effectLst/>
+              <a:latin typeface="SFMono-Regular"/>
+            </a:endParaRPr>
+          </a:p>
+          <a:p>
+            <a:pPr marL="0" indent="0">
+              <a:buNone/>
+            </a:pPr>
+            <a:r>
+              <a:rPr lang="de-DE" sz="2000" b="0" i="0" u="none" strike="noStrike" dirty="0" err="1">
+                <a:solidFill>
                   <a:srgbClr val="333333"/>
                 </a:solidFill>
                 <a:effectLst/>
                 <a:latin typeface="SFMono-Regular"/>
               </a:rPr>
-              <a:t>tourism</a:t>
+              <a:t>melsyd_economy</a:t>
+            </a:r>
+            <a:r>
+              <a:rPr lang="de-DE" sz="2000" b="0" i="0" u="none" strike="noStrike" dirty="0">
+                <a:solidFill>
+                  <a:srgbClr val="333333"/>
+                </a:solidFill>
+                <a:effectLst/>
+                <a:latin typeface="SFMono-Regular"/>
+              </a:rPr>
+              <a:t> &lt;- </a:t>
+            </a:r>
+            <a:r>
+              <a:rPr lang="de-DE" sz="2000" b="0" i="0" u="none" strike="noStrike" dirty="0" err="1">
+                <a:solidFill>
+                  <a:srgbClr val="333333"/>
+                </a:solidFill>
+                <a:effectLst/>
+                <a:latin typeface="SFMono-Regular"/>
+              </a:rPr>
+              <a:t>ansett</a:t>
+            </a:r>
+            <a:r>
+              <a:rPr lang="de-DE" sz="2000" b="0" i="0" u="none" strike="noStrike" dirty="0">
+                <a:solidFill>
+                  <a:srgbClr val="333333"/>
+                </a:solidFill>
+                <a:effectLst/>
+                <a:latin typeface="SFMono-Regular"/>
+              </a:rPr>
+              <a:t> %&gt;%</a:t>
+            </a:r>
+          </a:p>
+          <a:p>
+            <a:pPr marL="0" indent="0">
+              <a:buNone/>
+            </a:pPr>
+            <a:r>
+              <a:rPr lang="de-DE" sz="2000" b="0" i="0" u="none" strike="noStrike" dirty="0">
+                <a:solidFill>
+                  <a:srgbClr val="333333"/>
+                </a:solidFill>
+                <a:effectLst/>
+                <a:latin typeface="SFMono-Regular"/>
+              </a:rPr>
+              <a:t>  </a:t>
+            </a:r>
+            <a:r>
+              <a:rPr lang="de-DE" sz="2000" b="0" i="0" u="none" strike="noStrike" dirty="0" err="1">
+                <a:solidFill>
+                  <a:srgbClr val="333333"/>
+                </a:solidFill>
+                <a:effectLst/>
+                <a:latin typeface="SFMono-Regular"/>
+              </a:rPr>
+              <a:t>filter</a:t>
+            </a:r>
+            <a:r>
+              <a:rPr lang="de-DE" sz="2000" b="0" i="0" u="none" strike="noStrike" dirty="0">
+                <a:solidFill>
+                  <a:srgbClr val="333333"/>
+                </a:solidFill>
+                <a:effectLst/>
+                <a:latin typeface="SFMono-Regular"/>
+              </a:rPr>
+              <a:t>(Airports == "MEL-SYD", Class == "Economy") %&gt;%</a:t>
+            </a:r>
+          </a:p>
+          <a:p>
+            <a:pPr marL="0" indent="0">
+              <a:buNone/>
+            </a:pPr>
+            <a:r>
+              <a:rPr lang="de-DE" sz="2000" b="0" i="0" u="none" strike="noStrike" dirty="0">
+                <a:solidFill>
+                  <a:srgbClr val="333333"/>
+                </a:solidFill>
+                <a:effectLst/>
+                <a:latin typeface="SFMono-Regular"/>
+              </a:rPr>
+              <a:t>  </a:t>
+            </a:r>
+            <a:r>
+              <a:rPr lang="de-DE" sz="2000" b="0" i="0" u="none" strike="noStrike" dirty="0" err="1">
+                <a:solidFill>
+                  <a:srgbClr val="333333"/>
+                </a:solidFill>
+                <a:effectLst/>
+                <a:latin typeface="SFMono-Regular"/>
+              </a:rPr>
+              <a:t>mutate</a:t>
+            </a:r>
+            <a:r>
+              <a:rPr lang="de-DE" sz="2000" b="0" i="0" u="none" strike="noStrike" dirty="0">
+                <a:solidFill>
+                  <a:srgbClr val="333333"/>
+                </a:solidFill>
+                <a:effectLst/>
+                <a:latin typeface="SFMono-Regular"/>
+              </a:rPr>
+              <a:t>(</a:t>
+            </a:r>
+            <a:r>
+              <a:rPr lang="de-DE" sz="2000" b="0" i="0" u="none" strike="noStrike" dirty="0" err="1">
+                <a:solidFill>
+                  <a:srgbClr val="333333"/>
+                </a:solidFill>
+                <a:effectLst/>
+                <a:latin typeface="SFMono-Regular"/>
+              </a:rPr>
+              <a:t>Passengers</a:t>
+            </a:r>
+            <a:r>
+              <a:rPr lang="de-DE" sz="2000" b="0" i="0" u="none" strike="noStrike" dirty="0">
+                <a:solidFill>
+                  <a:srgbClr val="333333"/>
+                </a:solidFill>
+                <a:effectLst/>
+                <a:latin typeface="SFMono-Regular"/>
+              </a:rPr>
+              <a:t> = </a:t>
+            </a:r>
+            <a:r>
+              <a:rPr lang="de-DE" sz="2000" b="0" i="0" u="none" strike="noStrike" dirty="0" err="1">
+                <a:solidFill>
+                  <a:srgbClr val="333333"/>
+                </a:solidFill>
+                <a:effectLst/>
+                <a:latin typeface="SFMono-Regular"/>
+              </a:rPr>
+              <a:t>Passengers</a:t>
+            </a:r>
+            <a:r>
+              <a:rPr lang="de-DE" sz="2000" b="0" i="0" u="none" strike="noStrike" dirty="0">
+                <a:solidFill>
+                  <a:srgbClr val="333333"/>
+                </a:solidFill>
+                <a:effectLst/>
+                <a:latin typeface="SFMono-Regular"/>
+              </a:rPr>
+              <a:t>/1000)</a:t>
+            </a:r>
+          </a:p>
+          <a:p>
+            <a:pPr marL="0" indent="0">
+              <a:buNone/>
+            </a:pPr>
+            <a:r>
+              <a:rPr lang="de-DE" sz="2000" b="0" i="0" u="none" strike="noStrike" dirty="0" err="1">
+                <a:solidFill>
+                  <a:srgbClr val="333333"/>
+                </a:solidFill>
+                <a:effectLst/>
+                <a:latin typeface="SFMono-Regular"/>
+              </a:rPr>
+              <a:t>autoplot</a:t>
+            </a:r>
+            <a:r>
+              <a:rPr lang="de-DE" sz="2000" b="0" i="0" u="none" strike="noStrike" dirty="0">
+                <a:solidFill>
+                  <a:srgbClr val="333333"/>
+                </a:solidFill>
+                <a:effectLst/>
+                <a:latin typeface="SFMono-Regular"/>
+              </a:rPr>
+              <a:t>(</a:t>
+            </a:r>
+            <a:r>
+              <a:rPr lang="de-DE" sz="2000" b="0" i="0" u="none" strike="noStrike" dirty="0" err="1">
+                <a:solidFill>
+                  <a:srgbClr val="333333"/>
+                </a:solidFill>
+                <a:effectLst/>
+                <a:latin typeface="SFMono-Regular"/>
+              </a:rPr>
+              <a:t>melsyd_economy</a:t>
+            </a:r>
+            <a:r>
+              <a:rPr lang="de-DE" sz="2000" b="0" i="0" u="none" strike="noStrike" dirty="0">
+                <a:solidFill>
+                  <a:srgbClr val="333333"/>
+                </a:solidFill>
+                <a:effectLst/>
+                <a:latin typeface="SFMono-Regular"/>
+              </a:rPr>
+              <a:t>, </a:t>
+            </a:r>
+            <a:r>
+              <a:rPr lang="de-DE" sz="2000" b="0" i="0" u="none" strike="noStrike" dirty="0" err="1">
+                <a:solidFill>
+                  <a:srgbClr val="333333"/>
+                </a:solidFill>
+                <a:effectLst/>
+                <a:latin typeface="SFMono-Regular"/>
+              </a:rPr>
+              <a:t>Passengers</a:t>
+            </a:r>
+            <a:r>
+              <a:rPr lang="de-DE" sz="2000" b="0" i="0" u="none" strike="noStrike" dirty="0">
+                <a:solidFill>
+                  <a:srgbClr val="333333"/>
+                </a:solidFill>
+                <a:effectLst/>
+                <a:latin typeface="SFMono-Regular"/>
+              </a:rPr>
+              <a:t>) +</a:t>
+            </a:r>
+          </a:p>
+          <a:p>
+            <a:pPr marL="0" indent="0">
+              <a:buNone/>
+            </a:pPr>
+            <a:r>
+              <a:rPr lang="de-DE" sz="2000" b="0" i="0" u="none" strike="noStrike" dirty="0">
+                <a:solidFill>
+                  <a:srgbClr val="333333"/>
+                </a:solidFill>
+                <a:effectLst/>
+                <a:latin typeface="SFMono-Regular"/>
+              </a:rPr>
+              <a:t>  </a:t>
+            </a:r>
+            <a:r>
+              <a:rPr lang="de-DE" sz="2000" b="0" i="0" u="none" strike="noStrike" dirty="0" err="1">
+                <a:solidFill>
+                  <a:srgbClr val="333333"/>
+                </a:solidFill>
+                <a:effectLst/>
+                <a:latin typeface="SFMono-Regular"/>
+              </a:rPr>
+              <a:t>labs</a:t>
+            </a:r>
+            <a:r>
+              <a:rPr lang="de-DE" sz="2000" b="0" i="0" u="none" strike="noStrike" dirty="0">
+                <a:solidFill>
+                  <a:srgbClr val="333333"/>
+                </a:solidFill>
+                <a:effectLst/>
+                <a:latin typeface="SFMono-Regular"/>
+              </a:rPr>
+              <a:t>(title = "</a:t>
+            </a:r>
+            <a:r>
+              <a:rPr lang="de-DE" sz="2000" b="0" i="0" u="none" strike="noStrike" dirty="0" err="1">
+                <a:solidFill>
+                  <a:srgbClr val="333333"/>
+                </a:solidFill>
+                <a:effectLst/>
+                <a:latin typeface="SFMono-Regular"/>
+              </a:rPr>
+              <a:t>Ansett</a:t>
+            </a:r>
+            <a:r>
+              <a:rPr lang="de-DE" sz="2000" b="0" i="0" u="none" strike="noStrike" dirty="0">
+                <a:solidFill>
+                  <a:srgbClr val="333333"/>
+                </a:solidFill>
+                <a:effectLst/>
+                <a:latin typeface="SFMono-Regular"/>
+              </a:rPr>
+              <a:t> </a:t>
+            </a:r>
+            <a:r>
+              <a:rPr lang="de-DE" sz="2000" b="0" i="0" u="none" strike="noStrike" dirty="0" err="1">
+                <a:solidFill>
+                  <a:srgbClr val="333333"/>
+                </a:solidFill>
+                <a:effectLst/>
+                <a:latin typeface="SFMono-Regular"/>
+              </a:rPr>
+              <a:t>airlines</a:t>
+            </a:r>
+            <a:r>
+              <a:rPr lang="de-DE" sz="2000" b="0" i="0" u="none" strike="noStrike" dirty="0">
+                <a:solidFill>
+                  <a:srgbClr val="333333"/>
+                </a:solidFill>
+                <a:effectLst/>
+                <a:latin typeface="SFMono-Regular"/>
+              </a:rPr>
+              <a:t> </a:t>
+            </a:r>
+            <a:r>
+              <a:rPr lang="de-DE" sz="2000" b="0" i="0" u="none" strike="noStrike" dirty="0" err="1">
+                <a:solidFill>
+                  <a:srgbClr val="333333"/>
+                </a:solidFill>
+                <a:effectLst/>
+                <a:latin typeface="SFMono-Regular"/>
+              </a:rPr>
+              <a:t>economy</a:t>
+            </a:r>
+            <a:r>
+              <a:rPr lang="de-DE" sz="2000" b="0" i="0" u="none" strike="noStrike" dirty="0">
+                <a:solidFill>
+                  <a:srgbClr val="333333"/>
+                </a:solidFill>
+                <a:effectLst/>
+                <a:latin typeface="SFMono-Regular"/>
+              </a:rPr>
+              <a:t> </a:t>
+            </a:r>
+            <a:r>
+              <a:rPr lang="de-DE" sz="2000" b="0" i="0" u="none" strike="noStrike" dirty="0" err="1">
+                <a:solidFill>
+                  <a:srgbClr val="333333"/>
+                </a:solidFill>
+                <a:effectLst/>
+                <a:latin typeface="SFMono-Regular"/>
+              </a:rPr>
+              <a:t>class</a:t>
+            </a:r>
+            <a:r>
+              <a:rPr lang="de-DE" sz="2000" b="0" i="0" u="none" strike="noStrike" dirty="0">
+                <a:solidFill>
+                  <a:srgbClr val="333333"/>
+                </a:solidFill>
+                <a:effectLst/>
+                <a:latin typeface="SFMono-Regular"/>
+              </a:rPr>
+              <a:t>",</a:t>
+            </a:r>
+          </a:p>
+          <a:p>
+            <a:pPr marL="0" indent="0">
+              <a:buNone/>
+            </a:pPr>
+            <a:r>
+              <a:rPr lang="de-DE" sz="2000" b="0" i="0" u="none" strike="noStrike" dirty="0">
+                <a:solidFill>
+                  <a:srgbClr val="333333"/>
+                </a:solidFill>
+                <a:effectLst/>
+                <a:latin typeface="SFMono-Regular"/>
+              </a:rPr>
+              <a:t>       </a:t>
+            </a:r>
+            <a:r>
+              <a:rPr lang="de-DE" sz="2000" b="0" i="0" u="none" strike="noStrike" dirty="0" err="1">
+                <a:solidFill>
+                  <a:srgbClr val="333333"/>
+                </a:solidFill>
+                <a:effectLst/>
+                <a:latin typeface="SFMono-Regular"/>
+              </a:rPr>
+              <a:t>subtitle</a:t>
+            </a:r>
+            <a:r>
+              <a:rPr lang="de-DE" sz="2000" b="0" i="0" u="none" strike="noStrike" dirty="0">
+                <a:solidFill>
+                  <a:srgbClr val="333333"/>
+                </a:solidFill>
+                <a:effectLst/>
+                <a:latin typeface="SFMono-Regular"/>
+              </a:rPr>
+              <a:t> = "Melbourne-Sydney",</a:t>
+            </a:r>
+          </a:p>
+          <a:p>
+            <a:pPr marL="0" indent="0">
+              <a:buNone/>
+            </a:pPr>
+            <a:r>
+              <a:rPr lang="de-DE" sz="2000" b="0" i="0" u="none" strike="noStrike" dirty="0">
+                <a:solidFill>
+                  <a:srgbClr val="333333"/>
+                </a:solidFill>
+                <a:effectLst/>
+                <a:latin typeface="SFMono-Regular"/>
+              </a:rPr>
+              <a:t>       </a:t>
+            </a:r>
+            <a:r>
+              <a:rPr lang="de-DE" sz="2000" b="0" i="0" u="none" strike="noStrike" dirty="0" err="1">
+                <a:solidFill>
+                  <a:srgbClr val="333333"/>
+                </a:solidFill>
+                <a:effectLst/>
+                <a:latin typeface="SFMono-Regular"/>
+              </a:rPr>
+              <a:t>y</a:t>
+            </a:r>
+            <a:r>
+              <a:rPr lang="de-DE" sz="2000" b="0" i="0" u="none" strike="noStrike" dirty="0">
+                <a:solidFill>
+                  <a:srgbClr val="333333"/>
+                </a:solidFill>
+                <a:effectLst/>
+                <a:latin typeface="SFMono-Regular"/>
+              </a:rPr>
+              <a:t> = "</a:t>
+            </a:r>
+            <a:r>
+              <a:rPr lang="de-DE" sz="2000" b="0" i="0" u="none" strike="noStrike" dirty="0" err="1">
+                <a:solidFill>
+                  <a:srgbClr val="333333"/>
+                </a:solidFill>
+                <a:effectLst/>
+                <a:latin typeface="SFMono-Regular"/>
+              </a:rPr>
+              <a:t>Passengers</a:t>
+            </a:r>
+            <a:r>
+              <a:rPr lang="de-DE" sz="2000" b="0" i="0" u="none" strike="noStrike" dirty="0">
+                <a:solidFill>
+                  <a:srgbClr val="333333"/>
+                </a:solidFill>
+                <a:effectLst/>
+                <a:latin typeface="SFMono-Regular"/>
+              </a:rPr>
+              <a:t> ('000)")</a:t>
             </a:r>
             <a:endParaRPr lang="en-GB" sz="2000" dirty="0"/>
+          </a:p>
+        </p:txBody>
+      </p:sp>
+      <p:pic>
+        <p:nvPicPr>
+          <p:cNvPr id="7" name="Grafik 6">
+            <a:extLst>
+              <a:ext uri="{FF2B5EF4-FFF2-40B4-BE49-F238E27FC236}">
+                <a16:creationId xmlns:a16="http://schemas.microsoft.com/office/drawing/2014/main" id="{12105C3F-0F7E-1A15-090F-CDED81805DE1}"/>
+              </a:ext>
+            </a:extLst>
+          </p:cNvPr>
+          <p:cNvPicPr>
+            <a:picLocks noChangeAspect="1"/>
+          </p:cNvPicPr>
+          <p:nvPr/>
+        </p:nvPicPr>
+        <p:blipFill>
+          <a:blip r:embed="rId5"/>
+          <a:stretch>
+            <a:fillRect/>
+          </a:stretch>
+        </p:blipFill>
+        <p:spPr>
+          <a:xfrm>
+            <a:off x="5957076" y="2864480"/>
+            <a:ext cx="5643473" cy="3487633"/>
+          </a:xfrm>
+          <a:prstGeom prst="rect">
+            <a:avLst/>
+          </a:prstGeom>
+        </p:spPr>
+      </p:pic>
+    </p:spTree>
+    <p:extLst>
+      <p:ext uri="{BB962C8B-B14F-4D97-AF65-F5344CB8AC3E}">
+        <p14:creationId xmlns:p14="http://schemas.microsoft.com/office/powerpoint/2010/main" val="512018200"/>
+      </p:ext>
+    </p:extLst>
+  </p:cSld>
+  <p:clrMapOvr>
+    <a:masterClrMapping/>
+  </p:clrMapOvr>
+</p:sld>
+</file>
+
+<file path=ppt/slides/slide6.xml><?xml version="1.0" encoding="utf-8"?>
+<p:sld xmlns:a="http://schemas.openxmlformats.org/drawingml/2006/main" xmlns:r="http://schemas.openxmlformats.org/officeDocument/2006/relationships" xmlns:p="http://schemas.openxmlformats.org/presentationml/2006/main">
+  <p:cSld>
+    <p:bg>
+      <p:bgPr>
+        <a:solidFill>
+          <a:schemeClr val="bg1"/>
+        </a:solidFill>
+        <a:effectLst/>
+      </p:bgPr>
+    </p:bg>
+    <p:spTree>
+      <p:nvGrpSpPr>
+        <p:cNvPr id="1" name=""/>
+        <p:cNvGrpSpPr/>
+        <p:nvPr/>
+      </p:nvGrpSpPr>
+      <p:grpSpPr>
+        <a:xfrm>
+          <a:off x="0" y="0"/>
+          <a:ext cx="0" cy="0"/>
+          <a:chOff x="0" y="0"/>
+          <a:chExt cx="0" cy="0"/>
+        </a:xfrm>
+      </p:grpSpPr>
+      <p:sp useBgFill="1">
+        <p:nvSpPr>
+          <p:cNvPr id="8" name="Rectangle 7">
+            <a:extLst>
+              <a:ext uri="{FF2B5EF4-FFF2-40B4-BE49-F238E27FC236}">
+                <a16:creationId xmlns:a16="http://schemas.microsoft.com/office/drawing/2014/main" id="{0671A8AE-40A1-4631-A6B8-581AFF065482}"/>
+              </a:ext>
+              <a:ext uri="{C183D7F6-B498-43B3-948B-1728B52AA6E4}">
+                <adec:decorative xmlns:adec="http://schemas.microsoft.com/office/drawing/2017/decorative" val="1"/>
+              </a:ext>
+            </a:extLst>
+          </p:cNvPr>
+          <p:cNvSpPr>
+            <a:spLocks noGrp="1" noRot="1" noChangeAspect="1" noMove="1" noResize="1" noEditPoints="1" noAdjustHandles="1" noChangeArrowheads="1" noChangeShapeType="1" noTextEdit="1"/>
+          </p:cNvSpPr>
+          <p:nvPr>
+            <p:extLst>
+              <p:ext uri="{386F3935-93C4-4BCD-93E2-E3B085C9AB24}">
+                <p16:designElem xmlns:p16="http://schemas.microsoft.com/office/powerpoint/2015/main" val="1"/>
+              </p:ext>
+            </p:extLst>
+          </p:nvPr>
+        </p:nvSpPr>
+        <p:spPr>
+          <a:xfrm>
+            <a:off x="0" y="0"/>
+            <a:ext cx="12192000" cy="6858000"/>
+          </a:xfrm>
+          <a:prstGeom prst="rect">
+            <a:avLst/>
+          </a:prstGeom>
+          <a:ln>
+            <a:noFill/>
+          </a:ln>
+        </p:spPr>
+        <p:style>
+          <a:lnRef idx="2">
+            <a:schemeClr val="accent1">
+              <a:shade val="50000"/>
+            </a:schemeClr>
+          </a:lnRef>
+          <a:fillRef idx="1">
+            <a:schemeClr val="accent1"/>
+          </a:fillRef>
+          <a:effectRef idx="0">
+            <a:schemeClr val="accent1"/>
+          </a:effectRef>
+          <a:fontRef idx="minor">
+            <a:schemeClr val="lt1"/>
+          </a:fontRef>
+        </p:style>
+        <p:txBody>
+          <a:bodyPr rtlCol="0" anchor="ctr"/>
+          <a:lstStyle/>
+          <a:p>
+            <a:pPr algn="ctr"/>
+            <a:endParaRPr lang="en-US"/>
+          </a:p>
+        </p:txBody>
+      </p:sp>
+      <p:pic>
+        <p:nvPicPr>
+          <p:cNvPr id="4" name="Picture 3" descr="Hourglass and a calendar">
+            <a:extLst>
+              <a:ext uri="{FF2B5EF4-FFF2-40B4-BE49-F238E27FC236}">
+                <a16:creationId xmlns:a16="http://schemas.microsoft.com/office/drawing/2014/main" id="{798E75FF-AB79-541B-A1F7-C4F35E1F0802}"/>
+              </a:ext>
+            </a:extLst>
+          </p:cNvPr>
+          <p:cNvPicPr>
+            <a:picLocks noChangeAspect="1"/>
+          </p:cNvPicPr>
+          <p:nvPr/>
+        </p:nvPicPr>
+        <p:blipFill rotWithShape="1">
+          <a:blip r:embed="rId2"/>
+          <a:srcRect l="15312" r="2" b="2"/>
+          <a:stretch/>
+        </p:blipFill>
+        <p:spPr>
+          <a:xfrm>
+            <a:off x="3523488" y="10"/>
+            <a:ext cx="8668512" cy="6857990"/>
+          </a:xfrm>
+          <a:prstGeom prst="rect">
+            <a:avLst/>
+          </a:prstGeom>
+        </p:spPr>
+      </p:pic>
+      <p:sp>
+        <p:nvSpPr>
+          <p:cNvPr id="10" name="Rectangle 9">
+            <a:extLst>
+              <a:ext uri="{FF2B5EF4-FFF2-40B4-BE49-F238E27FC236}">
+                <a16:creationId xmlns:a16="http://schemas.microsoft.com/office/drawing/2014/main" id="{AB58EF07-17C2-48CF-ABB0-EEF1F17CB8F0}"/>
+              </a:ext>
+              <a:ext uri="{C183D7F6-B498-43B3-948B-1728B52AA6E4}">
+                <adec:decorative xmlns:adec="http://schemas.microsoft.com/office/drawing/2017/decorative" val="1"/>
+              </a:ext>
+            </a:extLst>
+          </p:cNvPr>
+          <p:cNvSpPr>
+            <a:spLocks noGrp="1" noRot="1" noChangeAspect="1" noMove="1" noResize="1" noEditPoints="1" noAdjustHandles="1" noChangeArrowheads="1" noChangeShapeType="1" noTextEdit="1"/>
+          </p:cNvSpPr>
+          <p:nvPr>
+            <p:extLst>
+              <p:ext uri="{386F3935-93C4-4BCD-93E2-E3B085C9AB24}">
+                <p16:designElem xmlns:p16="http://schemas.microsoft.com/office/powerpoint/2015/main" val="1"/>
+              </p:ext>
+            </p:extLst>
+          </p:nvPr>
+        </p:nvSpPr>
+        <p:spPr>
+          <a:xfrm>
+            <a:off x="3" y="0"/>
+            <a:ext cx="9339206" cy="6858000"/>
+          </a:xfrm>
+          <a:prstGeom prst="rect">
+            <a:avLst/>
+          </a:prstGeom>
+          <a:gradFill>
+            <a:gsLst>
+              <a:gs pos="58000">
+                <a:schemeClr val="bg1"/>
+              </a:gs>
+              <a:gs pos="33000">
+                <a:schemeClr val="bg1">
+                  <a:alpha val="64000"/>
+                </a:schemeClr>
+              </a:gs>
+              <a:gs pos="0">
+                <a:schemeClr val="bg1">
+                  <a:alpha val="0"/>
+                </a:schemeClr>
+              </a:gs>
+              <a:gs pos="100000">
+                <a:schemeClr val="bg1"/>
+              </a:gs>
+            </a:gsLst>
+            <a:lin ang="10800000" scaled="0"/>
+          </a:gradFill>
+          <a:ln>
+            <a:noFill/>
+          </a:ln>
+        </p:spPr>
+        <p:style>
+          <a:lnRef idx="2">
+            <a:schemeClr val="accent1">
+              <a:shade val="50000"/>
+            </a:schemeClr>
+          </a:lnRef>
+          <a:fillRef idx="1">
+            <a:schemeClr val="accent1"/>
+          </a:fillRef>
+          <a:effectRef idx="0">
+            <a:schemeClr val="accent1"/>
+          </a:effectRef>
+          <a:fontRef idx="minor">
+            <a:schemeClr val="lt1"/>
+          </a:fontRef>
+        </p:style>
+        <p:txBody>
+          <a:bodyPr rtlCol="0" anchor="ctr"/>
+          <a:lstStyle/>
+          <a:p>
+            <a:pPr algn="ctr"/>
+            <a:endParaRPr lang="en-US" dirty="0"/>
           </a:p>
         </p:txBody>
       </p:sp>
       <p:sp>
         <p:nvSpPr>
-          <p:cNvPr id="12" name="Inhaltsplatzhalter 2">
+          <p:cNvPr id="2" name="Titel 1">
             <a:extLst>
               <a:ext uri="{FF2B5EF4-FFF2-40B4-BE49-F238E27FC236}">
-                <a16:creationId xmlns:a16="http://schemas.microsoft.com/office/drawing/2014/main" id="{EA54F9E1-A830-8A5B-E662-8AB815638810}"/>
+                <a16:creationId xmlns:a16="http://schemas.microsoft.com/office/drawing/2014/main" id="{47024D5E-66BD-6B91-A518-691F8219D3DE}"/>
               </a:ext>
             </a:extLst>
           </p:cNvPr>
-          <p:cNvSpPr txBox="1">
-            <a:spLocks/>
+          <p:cNvSpPr>
+            <a:spLocks noGrp="1"/>
           </p:cNvSpPr>
-          <p:nvPr/>
+          <p:nvPr>
+            <p:ph type="ctrTitle"/>
+          </p:nvPr>
         </p:nvSpPr>
         <p:spPr>
           <a:xfrm>
-            <a:off x="1055714" y="2955433"/>
-            <a:ext cx="8005763" cy="1720852"/>
+            <a:off x="477980" y="1213866"/>
+            <a:ext cx="4508357" cy="3009889"/>
+          </a:xfrm>
+        </p:spPr>
+        <p:txBody>
+          <a:bodyPr anchor="b">
+            <a:noAutofit/>
+          </a:bodyPr>
+          <a:lstStyle/>
+          <a:p>
+            <a:pPr algn="l"/>
+            <a:r>
+              <a:rPr lang="en-GB" sz="5400" dirty="0"/>
+              <a:t>A forecasting workflow for time series data</a:t>
+            </a:r>
+          </a:p>
+        </p:txBody>
+      </p:sp>
+      <p:sp>
+        <p:nvSpPr>
+          <p:cNvPr id="12" name="Rectangle 11">
+            <a:extLst>
+              <a:ext uri="{FF2B5EF4-FFF2-40B4-BE49-F238E27FC236}">
+                <a16:creationId xmlns:a16="http://schemas.microsoft.com/office/drawing/2014/main" id="{AF2F604E-43BE-4DC3-B983-E071523364F8}"/>
+              </a:ext>
+              <a:ext uri="{C183D7F6-B498-43B3-948B-1728B52AA6E4}">
+                <adec:decorative xmlns:adec="http://schemas.microsoft.com/office/drawing/2017/decorative" val="1"/>
+              </a:ext>
+            </a:extLst>
+          </p:cNvPr>
+          <p:cNvSpPr>
+            <a:spLocks noGrp="1" noRot="1" noChangeAspect="1" noMove="1" noResize="1" noEditPoints="1" noAdjustHandles="1" noChangeArrowheads="1" noChangeShapeType="1" noTextEdit="1"/>
+          </p:cNvSpPr>
+          <p:nvPr>
+            <p:extLst>
+              <p:ext uri="{386F3935-93C4-4BCD-93E2-E3B085C9AB24}">
+                <p16:designElem xmlns:p16="http://schemas.microsoft.com/office/powerpoint/2015/main" val="1"/>
+              </p:ext>
+            </p:extLst>
+          </p:nvPr>
+        </p:nvSpPr>
+        <p:spPr>
+          <a:xfrm rot="5400000">
+            <a:off x="759921" y="346791"/>
+            <a:ext cx="146304" cy="704088"/>
           </a:xfrm>
           <a:prstGeom prst="rect">
             <a:avLst/>
           </a:prstGeom>
           <a:solidFill>
-            <a:schemeClr val="bg1">
-              <a:lumMod val="95000"/>
+            <a:schemeClr val="accent2"/>
+          </a:solidFill>
+          <a:ln>
+            <a:noFill/>
+          </a:ln>
+        </p:spPr>
+        <p:style>
+          <a:lnRef idx="2">
+            <a:schemeClr val="accent1">
+              <a:shade val="50000"/>
             </a:schemeClr>
-          </a:solidFill>
-        </p:spPr>
+          </a:lnRef>
+          <a:fillRef idx="1">
+            <a:schemeClr val="accent1"/>
+          </a:fillRef>
+          <a:effectRef idx="0">
+            <a:schemeClr val="accent1"/>
+          </a:effectRef>
+          <a:fontRef idx="minor">
+            <a:schemeClr val="lt1"/>
+          </a:fontRef>
+        </p:style>
         <p:txBody>
-          <a:bodyPr vert="horz" lIns="91440" tIns="45720" rIns="91440" bIns="45720" rtlCol="0">
-            <a:noAutofit/>
-          </a:bodyPr>
-          <a:lstStyle>
-            <a:lvl1pPr marL="228600" indent="-228600" algn="l" defTabSz="914400" rtl="0" eaLnBrk="1" latinLnBrk="0" hangingPunct="1">
-              <a:lnSpc>
-                <a:spcPct val="90000"/>
-              </a:lnSpc>
-              <a:spcBef>
-                <a:spcPts val="1000"/>
-              </a:spcBef>
-              <a:buFont typeface="Arial" panose="020B0604020202020204" pitchFamily="34" charset="0"/>
-              <a:buChar char="•"/>
-              <a:defRPr sz="2800" kern="1200">
-                <a:solidFill>
-                  <a:schemeClr val="tx1"/>
-                </a:solidFill>
-                <a:latin typeface="+mn-lt"/>
-                <a:ea typeface="+mn-ea"/>
-                <a:cs typeface="+mn-cs"/>
-              </a:defRPr>
-            </a:lvl1pPr>
-            <a:lvl2pPr marL="685800" indent="-228600" algn="l" defTabSz="914400" rtl="0" eaLnBrk="1" latinLnBrk="0" hangingPunct="1">
-              <a:lnSpc>
-                <a:spcPct val="90000"/>
-              </a:lnSpc>
-              <a:spcBef>
-                <a:spcPts val="500"/>
-              </a:spcBef>
-              <a:buFont typeface="Arial" panose="020B0604020202020204" pitchFamily="34" charset="0"/>
-              <a:buChar char="•"/>
-              <a:defRPr sz="2400" kern="1200">
-                <a:solidFill>
-                  <a:schemeClr val="tx1"/>
-                </a:solidFill>
-                <a:latin typeface="+mn-lt"/>
-                <a:ea typeface="+mn-ea"/>
-                <a:cs typeface="+mn-cs"/>
-              </a:defRPr>
-            </a:lvl2pPr>
-            <a:lvl3pPr marL="1143000" indent="-228600" algn="l" defTabSz="914400" rtl="0" eaLnBrk="1" latinLnBrk="0" hangingPunct="1">
-              <a:lnSpc>
-                <a:spcPct val="90000"/>
-              </a:lnSpc>
-              <a:spcBef>
-                <a:spcPts val="500"/>
-              </a:spcBef>
-              <a:buFont typeface="Arial" panose="020B0604020202020204" pitchFamily="34" charset="0"/>
-              <a:buChar char="•"/>
-              <a:defRPr sz="2000" kern="1200">
-                <a:solidFill>
-                  <a:schemeClr val="tx1"/>
-                </a:solidFill>
-                <a:latin typeface="+mn-lt"/>
-                <a:ea typeface="+mn-ea"/>
-                <a:cs typeface="+mn-cs"/>
-              </a:defRPr>
-            </a:lvl3pPr>
-            <a:lvl4pPr marL="1600200" indent="-228600" algn="l" defTabSz="914400" rtl="0" eaLnBrk="1" latinLnBrk="0" hangingPunct="1">
-              <a:lnSpc>
-                <a:spcPct val="90000"/>
-              </a:lnSpc>
-              <a:spcBef>
-                <a:spcPts val="500"/>
-              </a:spcBef>
-              <a:buFont typeface="Arial" panose="020B0604020202020204" pitchFamily="34" charset="0"/>
-              <a:buChar char="•"/>
-              <a:defRPr sz="1800" kern="1200">
-                <a:solidFill>
-                  <a:schemeClr val="tx1"/>
-                </a:solidFill>
-                <a:latin typeface="+mn-lt"/>
-                <a:ea typeface="+mn-ea"/>
-                <a:cs typeface="+mn-cs"/>
-              </a:defRPr>
-            </a:lvl4pPr>
-            <a:lvl5pPr marL="2057400" indent="-228600" algn="l" defTabSz="914400" rtl="0" eaLnBrk="1" latinLnBrk="0" hangingPunct="1">
-              <a:lnSpc>
-                <a:spcPct val="90000"/>
-              </a:lnSpc>
-              <a:spcBef>
-                <a:spcPts val="500"/>
-              </a:spcBef>
-              <a:buFont typeface="Arial" panose="020B0604020202020204" pitchFamily="34" charset="0"/>
-              <a:buChar char="•"/>
-              <a:defRPr sz="1800" kern="1200">
-                <a:solidFill>
-                  <a:schemeClr val="tx1"/>
-                </a:solidFill>
-                <a:latin typeface="+mn-lt"/>
-                <a:ea typeface="+mn-ea"/>
-                <a:cs typeface="+mn-cs"/>
-              </a:defRPr>
-            </a:lvl5pPr>
-            <a:lvl6pPr marL="2514600" indent="-228600" algn="l" defTabSz="914400" rtl="0" eaLnBrk="1" latinLnBrk="0" hangingPunct="1">
-              <a:lnSpc>
-                <a:spcPct val="90000"/>
-              </a:lnSpc>
-              <a:spcBef>
-                <a:spcPts val="500"/>
-              </a:spcBef>
-              <a:buFont typeface="Arial" panose="020B0604020202020204" pitchFamily="34" charset="0"/>
-              <a:buChar char="•"/>
-              <a:defRPr sz="1800" kern="1200">
-                <a:solidFill>
-                  <a:schemeClr val="tx1"/>
-                </a:solidFill>
-                <a:latin typeface="+mn-lt"/>
-                <a:ea typeface="+mn-ea"/>
-                <a:cs typeface="+mn-cs"/>
-              </a:defRPr>
-            </a:lvl6pPr>
-            <a:lvl7pPr marL="2971800" indent="-228600" algn="l" defTabSz="914400" rtl="0" eaLnBrk="1" latinLnBrk="0" hangingPunct="1">
-              <a:lnSpc>
-                <a:spcPct val="90000"/>
-              </a:lnSpc>
-              <a:spcBef>
-                <a:spcPts val="500"/>
-              </a:spcBef>
-              <a:buFont typeface="Arial" panose="020B0604020202020204" pitchFamily="34" charset="0"/>
-              <a:buChar char="•"/>
-              <a:defRPr sz="1800" kern="1200">
-                <a:solidFill>
-                  <a:schemeClr val="tx1"/>
-                </a:solidFill>
-                <a:latin typeface="+mn-lt"/>
-                <a:ea typeface="+mn-ea"/>
-                <a:cs typeface="+mn-cs"/>
-              </a:defRPr>
-            </a:lvl7pPr>
-            <a:lvl8pPr marL="3429000" indent="-228600" algn="l" defTabSz="914400" rtl="0" eaLnBrk="1" latinLnBrk="0" hangingPunct="1">
-              <a:lnSpc>
-                <a:spcPct val="90000"/>
-              </a:lnSpc>
-              <a:spcBef>
-                <a:spcPts val="500"/>
-              </a:spcBef>
-              <a:buFont typeface="Arial" panose="020B0604020202020204" pitchFamily="34" charset="0"/>
-              <a:buChar char="•"/>
-              <a:defRPr sz="1800" kern="1200">
-                <a:solidFill>
-                  <a:schemeClr val="tx1"/>
-                </a:solidFill>
-                <a:latin typeface="+mn-lt"/>
-                <a:ea typeface="+mn-ea"/>
-                <a:cs typeface="+mn-cs"/>
-              </a:defRPr>
-            </a:lvl8pPr>
-            <a:lvl9pPr marL="3886200" indent="-228600" algn="l" defTabSz="914400" rtl="0" eaLnBrk="1" latinLnBrk="0" hangingPunct="1">
-              <a:lnSpc>
-                <a:spcPct val="90000"/>
-              </a:lnSpc>
-              <a:spcBef>
-                <a:spcPts val="500"/>
-              </a:spcBef>
-              <a:buFont typeface="Arial" panose="020B0604020202020204" pitchFamily="34" charset="0"/>
-              <a:buChar char="•"/>
-              <a:defRPr sz="1800" kern="1200">
-                <a:solidFill>
-                  <a:schemeClr val="tx1"/>
-                </a:solidFill>
-                <a:latin typeface="+mn-lt"/>
-                <a:ea typeface="+mn-ea"/>
-                <a:cs typeface="+mn-cs"/>
-              </a:defRPr>
-            </a:lvl9pPr>
-          </a:lstStyle>
-          <a:p>
-            <a:pPr marL="0" indent="0">
-              <a:buFont typeface="Arial" panose="020B0604020202020204" pitchFamily="34" charset="0"/>
-              <a:buNone/>
-            </a:pPr>
-            <a:r>
-              <a:rPr lang="de-DE" sz="2000" dirty="0">
-                <a:solidFill>
-                  <a:schemeClr val="bg1">
-                    <a:lumMod val="50000"/>
-                  </a:schemeClr>
-                </a:solidFill>
-                <a:latin typeface="SFMono-Regular"/>
-              </a:rPr>
-              <a:t># Data Manipulation</a:t>
-            </a:r>
-          </a:p>
-          <a:p>
-            <a:pPr marL="0" indent="0">
-              <a:buFont typeface="Arial" panose="020B0604020202020204" pitchFamily="34" charset="0"/>
-              <a:buNone/>
-            </a:pPr>
-            <a:r>
-              <a:rPr lang="de-DE" sz="2000" dirty="0" err="1">
-                <a:solidFill>
-                  <a:srgbClr val="333333"/>
-                </a:solidFill>
-                <a:latin typeface="SFMono-Regular"/>
-              </a:rPr>
-              <a:t>tourism_t_trips</a:t>
-            </a:r>
-            <a:r>
-              <a:rPr lang="de-DE" sz="2000" dirty="0">
-                <a:solidFill>
-                  <a:srgbClr val="333333"/>
-                </a:solidFill>
-                <a:latin typeface="SFMono-Regular"/>
-              </a:rPr>
-              <a:t> &lt;- </a:t>
-            </a:r>
-            <a:r>
-              <a:rPr lang="de-DE" sz="2000" dirty="0" err="1">
-                <a:solidFill>
-                  <a:srgbClr val="333333"/>
-                </a:solidFill>
-                <a:latin typeface="SFMono-Regular"/>
-              </a:rPr>
-              <a:t>tourism</a:t>
-            </a:r>
-            <a:r>
-              <a:rPr lang="de-DE" sz="2000" dirty="0">
-                <a:solidFill>
-                  <a:srgbClr val="333333"/>
-                </a:solidFill>
-                <a:latin typeface="SFMono-Regular"/>
-              </a:rPr>
-              <a:t> %&gt;% </a:t>
-            </a:r>
-          </a:p>
-          <a:p>
-            <a:pPr marL="0" indent="0">
-              <a:buFont typeface="Arial" panose="020B0604020202020204" pitchFamily="34" charset="0"/>
-              <a:buNone/>
-            </a:pPr>
-            <a:r>
-              <a:rPr lang="de-DE" sz="2000" dirty="0">
-                <a:solidFill>
-                  <a:srgbClr val="333333"/>
-                </a:solidFill>
-                <a:latin typeface="SFMono-Regular"/>
-              </a:rPr>
-              <a:t>  </a:t>
-            </a:r>
-            <a:r>
-              <a:rPr lang="de-DE" sz="2000" dirty="0" err="1">
-                <a:solidFill>
-                  <a:srgbClr val="333333"/>
-                </a:solidFill>
-                <a:latin typeface="SFMono-Regular"/>
-              </a:rPr>
-              <a:t>summarise</a:t>
-            </a:r>
-            <a:r>
-              <a:rPr lang="de-DE" sz="2000" dirty="0">
-                <a:solidFill>
-                  <a:srgbClr val="333333"/>
-                </a:solidFill>
-                <a:latin typeface="SFMono-Regular"/>
-              </a:rPr>
-              <a:t>(Trips = </a:t>
-            </a:r>
-            <a:r>
-              <a:rPr lang="de-DE" sz="2000" dirty="0" err="1">
-                <a:solidFill>
-                  <a:srgbClr val="333333"/>
-                </a:solidFill>
-                <a:latin typeface="SFMono-Regular"/>
-              </a:rPr>
-              <a:t>sum</a:t>
-            </a:r>
-            <a:r>
-              <a:rPr lang="de-DE" sz="2000" dirty="0">
-                <a:solidFill>
-                  <a:srgbClr val="333333"/>
-                </a:solidFill>
-                <a:latin typeface="SFMono-Regular"/>
-              </a:rPr>
-              <a:t>(Trips))</a:t>
-            </a:r>
-          </a:p>
-          <a:p>
-            <a:pPr marL="0" indent="0">
-              <a:buFont typeface="Arial" panose="020B0604020202020204" pitchFamily="34" charset="0"/>
-              <a:buNone/>
-            </a:pPr>
-            <a:r>
-              <a:rPr lang="de-DE" sz="2000" dirty="0" err="1">
-                <a:solidFill>
-                  <a:srgbClr val="333333"/>
-                </a:solidFill>
-                <a:latin typeface="SFMono-Regular"/>
-              </a:rPr>
-              <a:t>tourism_t_trips</a:t>
-            </a:r>
-            <a:endParaRPr lang="en-GB" sz="2000" dirty="0"/>
+          <a:bodyPr rtlCol="0" anchor="ctr"/>
+          <a:lstStyle/>
+          <a:p>
+            <a:pPr algn="ctr"/>
+            <a:endParaRPr lang="en-US">
+              <a:solidFill>
+                <a:prstClr val="white"/>
+              </a:solidFill>
+              <a:latin typeface="Calibri" panose="020F0502020204030204"/>
+            </a:endParaRPr>
           </a:p>
         </p:txBody>
       </p:sp>
       <p:sp>
         <p:nvSpPr>
-          <p:cNvPr id="13" name="Inhaltsplatzhalter 2">
+          <p:cNvPr id="14" name="Rectangle 13">
             <a:extLst>
               <a:ext uri="{FF2B5EF4-FFF2-40B4-BE49-F238E27FC236}">
-                <a16:creationId xmlns:a16="http://schemas.microsoft.com/office/drawing/2014/main" id="{80B511CA-465F-C37C-3EAC-5F3EA969B4E0}"/>
+                <a16:creationId xmlns:a16="http://schemas.microsoft.com/office/drawing/2014/main" id="{08C9B587-E65E-4B52-B37C-ABEBB6E87928}"/>
+              </a:ext>
+              <a:ext uri="{C183D7F6-B498-43B3-948B-1728B52AA6E4}">
+                <adec:decorative xmlns:adec="http://schemas.microsoft.com/office/drawing/2017/decorative" val="1"/>
               </a:ext>
             </a:extLst>
           </p:cNvPr>
-          <p:cNvSpPr txBox="1">
-            <a:spLocks/>
+          <p:cNvSpPr>
+            <a:spLocks noGrp="1" noRot="1" noChangeAspect="1" noMove="1" noResize="1" noEditPoints="1" noAdjustHandles="1" noChangeArrowheads="1" noChangeShapeType="1" noTextEdit="1"/>
           </p:cNvSpPr>
-          <p:nvPr/>
+          <p:nvPr>
+            <p:extLst>
+              <p:ext uri="{386F3935-93C4-4BCD-93E2-E3B085C9AB24}">
+                <p16:designElem xmlns:p16="http://schemas.microsoft.com/office/powerpoint/2015/main" val="1"/>
+              </p:ext>
+            </p:extLst>
+          </p:nvPr>
         </p:nvSpPr>
         <p:spPr>
           <a:xfrm>
-            <a:off x="1055715" y="4804873"/>
-            <a:ext cx="8005763" cy="1203326"/>
+            <a:off x="481029" y="4546920"/>
+            <a:ext cx="3977640" cy="18288"/>
           </a:xfrm>
           <a:prstGeom prst="rect">
             <a:avLst/>
           </a:prstGeom>
           <a:solidFill>
-            <a:schemeClr val="bg1">
-              <a:lumMod val="95000"/>
+            <a:schemeClr val="tx1"/>
+          </a:solidFill>
+          <a:ln w="3175">
+            <a:noFill/>
+          </a:ln>
+          <a:effectLst/>
+        </p:spPr>
+        <p:style>
+          <a:lnRef idx="2">
+            <a:schemeClr val="accent1">
+              <a:shade val="50000"/>
             </a:schemeClr>
-          </a:solidFill>
-        </p:spPr>
+          </a:lnRef>
+          <a:fillRef idx="1">
+            <a:schemeClr val="accent1"/>
+          </a:fillRef>
+          <a:effectRef idx="0">
+            <a:schemeClr val="accent1"/>
+          </a:effectRef>
+          <a:fontRef idx="minor">
+            <a:schemeClr val="lt1"/>
+          </a:fontRef>
+        </p:style>
         <p:txBody>
-          <a:bodyPr vert="horz" lIns="91440" tIns="45720" rIns="91440" bIns="45720" rtlCol="0">
-            <a:noAutofit/>
-          </a:bodyPr>
-          <a:lstStyle>
-            <a:lvl1pPr marL="228600" indent="-228600" algn="l" defTabSz="914400" rtl="0" eaLnBrk="1" latinLnBrk="0" hangingPunct="1">
+          <a:bodyPr rtlCol="0" anchor="ctr"/>
+          <a:lstStyle/>
+          <a:p>
+            <a:pPr marL="0" marR="0" lvl="0" indent="0" algn="ctr" defTabSz="914400" rtl="0" eaLnBrk="1" fontAlgn="auto" latinLnBrk="0" hangingPunct="1">
               <a:lnSpc>
-                <a:spcPct val="90000"/>
+                <a:spcPct val="100000"/>
               </a:lnSpc>
               <a:spcBef>
-                <a:spcPts val="1000"/>
+                <a:spcPts val="0"/>
               </a:spcBef>
-              <a:buFont typeface="Arial" panose="020B0604020202020204" pitchFamily="34" charset="0"/>
-              <a:buChar char="•"/>
-              <a:defRPr sz="2800" kern="1200">
-                <a:solidFill>
-                  <a:schemeClr val="tx1"/>
-                </a:solidFill>
-                <a:latin typeface="+mn-lt"/>
-                <a:ea typeface="+mn-ea"/>
-                <a:cs typeface="+mn-cs"/>
-              </a:defRPr>
-            </a:lvl1pPr>
-            <a:lvl2pPr marL="685800" indent="-228600" algn="l" defTabSz="914400" rtl="0" eaLnBrk="1" latinLnBrk="0" hangingPunct="1">
-              <a:lnSpc>
-                <a:spcPct val="90000"/>
-              </a:lnSpc>
-              <a:spcBef>
-                <a:spcPts val="500"/>
-              </a:spcBef>
-              <a:buFont typeface="Arial" panose="020B0604020202020204" pitchFamily="34" charset="0"/>
-              <a:buChar char="•"/>
-              <a:defRPr sz="2400" kern="1200">
-                <a:solidFill>
-                  <a:schemeClr val="tx1"/>
-                </a:solidFill>
-                <a:latin typeface="+mn-lt"/>
-                <a:ea typeface="+mn-ea"/>
-                <a:cs typeface="+mn-cs"/>
-              </a:defRPr>
-            </a:lvl2pPr>
-            <a:lvl3pPr marL="1143000" indent="-228600" algn="l" defTabSz="914400" rtl="0" eaLnBrk="1" latinLnBrk="0" hangingPunct="1">
-              <a:lnSpc>
-                <a:spcPct val="90000"/>
-              </a:lnSpc>
-              <a:spcBef>
-                <a:spcPts val="500"/>
-              </a:spcBef>
-              <a:buFont typeface="Arial" panose="020B0604020202020204" pitchFamily="34" charset="0"/>
-              <a:buChar char="•"/>
-              <a:defRPr sz="2000" kern="1200">
-                <a:solidFill>
-                  <a:schemeClr val="tx1"/>
-                </a:solidFill>
-                <a:latin typeface="+mn-lt"/>
-                <a:ea typeface="+mn-ea"/>
-                <a:cs typeface="+mn-cs"/>
-              </a:defRPr>
-            </a:lvl3pPr>
-            <a:lvl4pPr marL="1600200" indent="-228600" algn="l" defTabSz="914400" rtl="0" eaLnBrk="1" latinLnBrk="0" hangingPunct="1">
-              <a:lnSpc>
-                <a:spcPct val="90000"/>
-              </a:lnSpc>
-              <a:spcBef>
-                <a:spcPts val="500"/>
-              </a:spcBef>
-              <a:buFont typeface="Arial" panose="020B0604020202020204" pitchFamily="34" charset="0"/>
-              <a:buChar char="•"/>
-              <a:defRPr sz="1800" kern="1200">
-                <a:solidFill>
-                  <a:schemeClr val="tx1"/>
-                </a:solidFill>
-                <a:latin typeface="+mn-lt"/>
-                <a:ea typeface="+mn-ea"/>
-                <a:cs typeface="+mn-cs"/>
-              </a:defRPr>
-            </a:lvl4pPr>
-            <a:lvl5pPr marL="2057400" indent="-228600" algn="l" defTabSz="914400" rtl="0" eaLnBrk="1" latinLnBrk="0" hangingPunct="1">
-              <a:lnSpc>
-                <a:spcPct val="90000"/>
-              </a:lnSpc>
-              <a:spcBef>
-                <a:spcPts val="500"/>
-              </a:spcBef>
-              <a:buFont typeface="Arial" panose="020B0604020202020204" pitchFamily="34" charset="0"/>
-              <a:buChar char="•"/>
-              <a:defRPr sz="1800" kern="1200">
-                <a:solidFill>
-                  <a:schemeClr val="tx1"/>
-                </a:solidFill>
-                <a:latin typeface="+mn-lt"/>
-                <a:ea typeface="+mn-ea"/>
-                <a:cs typeface="+mn-cs"/>
-              </a:defRPr>
-            </a:lvl5pPr>
-            <a:lvl6pPr marL="2514600" indent="-228600" algn="l" defTabSz="914400" rtl="0" eaLnBrk="1" latinLnBrk="0" hangingPunct="1">
-              <a:lnSpc>
-                <a:spcPct val="90000"/>
-              </a:lnSpc>
-              <a:spcBef>
-                <a:spcPts val="500"/>
-              </a:spcBef>
-              <a:buFont typeface="Arial" panose="020B0604020202020204" pitchFamily="34" charset="0"/>
-              <a:buChar char="•"/>
-              <a:defRPr sz="1800" kern="1200">
-                <a:solidFill>
-                  <a:schemeClr val="tx1"/>
-                </a:solidFill>
-                <a:latin typeface="+mn-lt"/>
-                <a:ea typeface="+mn-ea"/>
-                <a:cs typeface="+mn-cs"/>
-              </a:defRPr>
-            </a:lvl6pPr>
-            <a:lvl7pPr marL="2971800" indent="-228600" algn="l" defTabSz="914400" rtl="0" eaLnBrk="1" latinLnBrk="0" hangingPunct="1">
-              <a:lnSpc>
-                <a:spcPct val="90000"/>
-              </a:lnSpc>
-              <a:spcBef>
-                <a:spcPts val="500"/>
-              </a:spcBef>
-              <a:buFont typeface="Arial" panose="020B0604020202020204" pitchFamily="34" charset="0"/>
-              <a:buChar char="•"/>
-              <a:defRPr sz="1800" kern="1200">
-                <a:solidFill>
-                  <a:schemeClr val="tx1"/>
-                </a:solidFill>
-                <a:latin typeface="+mn-lt"/>
-                <a:ea typeface="+mn-ea"/>
-                <a:cs typeface="+mn-cs"/>
-              </a:defRPr>
-            </a:lvl7pPr>
-            <a:lvl8pPr marL="3429000" indent="-228600" algn="l" defTabSz="914400" rtl="0" eaLnBrk="1" latinLnBrk="0" hangingPunct="1">
-              <a:lnSpc>
-                <a:spcPct val="90000"/>
-              </a:lnSpc>
-              <a:spcBef>
-                <a:spcPts val="500"/>
-              </a:spcBef>
-              <a:buFont typeface="Arial" panose="020B0604020202020204" pitchFamily="34" charset="0"/>
-              <a:buChar char="•"/>
-              <a:defRPr sz="1800" kern="1200">
-                <a:solidFill>
-                  <a:schemeClr val="tx1"/>
-                </a:solidFill>
-                <a:latin typeface="+mn-lt"/>
-                <a:ea typeface="+mn-ea"/>
-                <a:cs typeface="+mn-cs"/>
-              </a:defRPr>
-            </a:lvl8pPr>
-            <a:lvl9pPr marL="3886200" indent="-228600" algn="l" defTabSz="914400" rtl="0" eaLnBrk="1" latinLnBrk="0" hangingPunct="1">
-              <a:lnSpc>
-                <a:spcPct val="90000"/>
-              </a:lnSpc>
-              <a:spcBef>
-                <a:spcPts val="500"/>
-              </a:spcBef>
-              <a:buFont typeface="Arial" panose="020B0604020202020204" pitchFamily="34" charset="0"/>
-              <a:buChar char="•"/>
-              <a:defRPr sz="1800" kern="1200">
-                <a:solidFill>
-                  <a:schemeClr val="tx1"/>
-                </a:solidFill>
-                <a:latin typeface="+mn-lt"/>
-                <a:ea typeface="+mn-ea"/>
-                <a:cs typeface="+mn-cs"/>
-              </a:defRPr>
-            </a:lvl9pPr>
-          </a:lstStyle>
-          <a:p>
-            <a:pPr marL="0" indent="0">
-              <a:buFont typeface="Arial" panose="020B0604020202020204" pitchFamily="34" charset="0"/>
+              <a:spcAft>
+                <a:spcPts val="0"/>
+              </a:spcAft>
+              <a:buClrTx/>
+              <a:buSzTx/>
+              <a:buFontTx/>
               <a:buNone/>
+              <a:tabLst/>
+              <a:defRPr/>
             </a:pPr>
-            <a:r>
-              <a:rPr lang="de-DE" sz="2000" dirty="0">
-                <a:solidFill>
-                  <a:schemeClr val="bg1">
-                    <a:lumMod val="50000"/>
-                  </a:schemeClr>
-                </a:solidFill>
-                <a:latin typeface="SFMono-Regular"/>
-              </a:rPr>
-              <a:t># Data Exploration</a:t>
-            </a:r>
-          </a:p>
-          <a:p>
-            <a:pPr marL="0" indent="0">
-              <a:buFont typeface="Arial" panose="020B0604020202020204" pitchFamily="34" charset="0"/>
-              <a:buNone/>
-            </a:pPr>
-            <a:r>
-              <a:rPr lang="de-DE" sz="2000" dirty="0" err="1">
-                <a:solidFill>
-                  <a:srgbClr val="333333"/>
-                </a:solidFill>
-                <a:latin typeface="SFMono-Regular"/>
-              </a:rPr>
-              <a:t>tourism_total_trips</a:t>
-            </a:r>
-            <a:r>
-              <a:rPr lang="de-DE" sz="2000" dirty="0">
-                <a:solidFill>
-                  <a:srgbClr val="333333"/>
-                </a:solidFill>
-                <a:latin typeface="SFMono-Regular"/>
-              </a:rPr>
-              <a:t> %&gt;% </a:t>
-            </a:r>
-          </a:p>
-          <a:p>
-            <a:pPr marL="0" indent="0">
-              <a:buFont typeface="Arial" panose="020B0604020202020204" pitchFamily="34" charset="0"/>
-              <a:buNone/>
-            </a:pPr>
-            <a:r>
-              <a:rPr lang="de-DE" sz="2000" dirty="0">
-                <a:solidFill>
-                  <a:srgbClr val="333333"/>
-                </a:solidFill>
-                <a:latin typeface="SFMono-Regular"/>
-              </a:rPr>
-              <a:t>  </a:t>
-            </a:r>
-            <a:r>
-              <a:rPr lang="de-DE" sz="2000" dirty="0" err="1">
-                <a:solidFill>
-                  <a:srgbClr val="333333"/>
-                </a:solidFill>
-                <a:latin typeface="SFMono-Regular"/>
-              </a:rPr>
-              <a:t>autoplot</a:t>
-            </a:r>
-            <a:r>
-              <a:rPr lang="de-DE" sz="2000" dirty="0">
-                <a:solidFill>
-                  <a:srgbClr val="333333"/>
-                </a:solidFill>
-                <a:latin typeface="SFMono-Regular"/>
-              </a:rPr>
-              <a:t>(Trips)</a:t>
-            </a:r>
-            <a:endParaRPr lang="en-GB" sz="2000" dirty="0"/>
+            <a:endParaRPr kumimoji="0" lang="en-US" sz="1800" b="0" i="0" u="none" strike="noStrike" kern="1200" cap="none" spc="0" normalizeH="0" baseline="0" noProof="0">
+              <a:ln>
+                <a:noFill/>
+              </a:ln>
+              <a:solidFill>
+                <a:prstClr val="white"/>
+              </a:solidFill>
+              <a:effectLst/>
+              <a:uLnTx/>
+              <a:uFillTx/>
+              <a:latin typeface="Calibri" panose="020F0502020204030204"/>
+              <a:ea typeface="+mn-ea"/>
+              <a:cs typeface="+mn-cs"/>
+            </a:endParaRPr>
           </a:p>
         </p:txBody>
       </p:sp>
       <p:sp>
         <p:nvSpPr>
-          <p:cNvPr id="14" name="Foliennummernplatzhalter 13">
+          <p:cNvPr id="11" name="Textfeld 10">
             <a:extLst>
               <a:ext uri="{FF2B5EF4-FFF2-40B4-BE49-F238E27FC236}">
-                <a16:creationId xmlns:a16="http://schemas.microsoft.com/office/drawing/2014/main" id="{AB322DF1-4328-EF18-75D4-BBB5A8DE0ADF}"/>
+                <a16:creationId xmlns:a16="http://schemas.microsoft.com/office/drawing/2014/main" id="{57FBD265-BCE3-04C8-3447-FDB89F50B7D9}"/>
               </a:ext>
             </a:extLst>
           </p:cNvPr>
-          <p:cNvSpPr>
-            <a:spLocks noGrp="1"/>
-          </p:cNvSpPr>
-          <p:nvPr>
-            <p:ph type="sldNum" sz="quarter" idx="12"/>
-          </p:nvPr>
+          <p:cNvSpPr txBox="1"/>
+          <p:nvPr/>
         </p:nvSpPr>
-        <p:spPr/>
+        <p:spPr>
+          <a:xfrm>
+            <a:off x="477980" y="4735681"/>
+            <a:ext cx="6100762" cy="1200329"/>
+          </a:xfrm>
+          <a:prstGeom prst="rect">
+            <a:avLst/>
+          </a:prstGeom>
+          <a:noFill/>
+        </p:spPr>
         <p:txBody>
-          <a:bodyPr/>
+          <a:bodyPr wrap="square">
+            <a:spAutoFit/>
+          </a:bodyPr>
           <a:lstStyle/>
           <a:p>
-            <a:fld id="{D841047C-AC16-3847-8358-E80D41A378BA}" type="slidenum">
-              <a:rPr lang="de-DE" smtClean="0"/>
-              <a:t>6</a:t>
-            </a:fld>
-            <a:r>
-              <a:rPr lang="de-DE" dirty="0"/>
-              <a:t>/8</a:t>
+            <a:pPr marL="285750" indent="-285750">
+              <a:buFont typeface="Symbol" pitchFamily="2" charset="2"/>
+              <a:buChar char="-"/>
+            </a:pPr>
+            <a:r>
+              <a:rPr lang="en-GB" sz="2400" dirty="0"/>
+              <a:t>Data preparation and manipulation</a:t>
+            </a:r>
+          </a:p>
+          <a:p>
+            <a:pPr marL="285750" indent="-285750">
+              <a:buFont typeface="Symbol" pitchFamily="2" charset="2"/>
+              <a:buChar char="-"/>
+            </a:pPr>
+            <a:r>
+              <a:rPr lang="en-GB" sz="2400" dirty="0"/>
+              <a:t>Model specification and estimation</a:t>
+            </a:r>
+          </a:p>
+          <a:p>
+            <a:pPr marL="285750" indent="-285750">
+              <a:buFont typeface="Symbol" pitchFamily="2" charset="2"/>
+              <a:buChar char="-"/>
+            </a:pPr>
+            <a:r>
+              <a:rPr lang="en-GB" sz="2400" dirty="0"/>
+              <a:t>Forecasting and choosing the best Model</a:t>
             </a:r>
           </a:p>
         </p:txBody>
       </p:sp>
+      <p:pic>
+        <p:nvPicPr>
+          <p:cNvPr id="15" name="Kamera 14">
+            <a:extLst>
+              <a:ext uri="{FF2B5EF4-FFF2-40B4-BE49-F238E27FC236}">
+                <a16:creationId xmlns:a16="http://schemas.microsoft.com/office/drawing/2014/main" id="{081F9653-B5D1-6409-002A-8289A08A96E3}"/>
+              </a:ext>
+            </a:extLst>
+          </p:cNvPr>
+          <p:cNvPicPr>
+            <a:picLocks noChangeAspect="1"/>
+            <a:extLst>
+              <a:ext uri="{51228E76-BA90-4043-B771-695A4F85340A}">
+                <alf:liveFeedProps xmlns:alf="http://schemas.microsoft.com/office/drawing/2021/livefeed"/>
+              </a:ext>
+            </a:extLst>
+          </p:cNvPicPr>
+          <p:nvPr/>
+        </p:nvPicPr>
+        <p:blipFill>
+          <a:blip r:embed="rId3">
+            <a:extLst>
+              <a:ext uri="{96DAC541-7B7A-43D3-8B79-37D633B846F1}">
+                <asvg:svgBlip xmlns:asvg="http://schemas.microsoft.com/office/drawing/2016/SVG/main" r:embed="rId4"/>
+              </a:ext>
+            </a:extLst>
+          </a:blip>
+          <a:stretch>
+            <a:fillRect/>
+          </a:stretch>
+        </p:blipFill>
+        <p:spPr>
+          <a:xfrm>
+            <a:off x="8961406" y="178904"/>
+            <a:ext cx="3048000" cy="1714500"/>
+          </a:xfrm>
+          <a:prstGeom prst="rect">
+            <a:avLst/>
+          </a:prstGeom>
+        </p:spPr>
+      </p:pic>
     </p:spTree>
     <p:extLst>
       <p:ext uri="{BB962C8B-B14F-4D97-AF65-F5344CB8AC3E}">
-        <p14:creationId xmlns:p14="http://schemas.microsoft.com/office/powerpoint/2010/main" val="1486188251"/>
+        <p14:creationId xmlns:p14="http://schemas.microsoft.com/office/powerpoint/2010/main" val="66292996"/>
       </p:ext>
     </p:extLst>
   </p:cSld>
   <p:clrMapOvr>
-    <a:masterClrMapping/>
+    <a:overrideClrMapping bg1="dk1" tx1="lt1" bg2="dk2" tx2="lt2" accent1="accent1" accent2="accent2" accent3="accent3" accent4="accent4" accent5="accent5" accent6="accent6" hlink="hlink" folHlink="folHlink"/>
   </p:clrMapOvr>
 </p:sld>
 </file>
@@ -10612,19 +10526,19 @@
         </p:nvSpPr>
         <p:spPr>
           <a:xfrm>
-            <a:off x="1055713" y="663695"/>
+            <a:off x="1057025" y="922644"/>
             <a:ext cx="7845156" cy="1169585"/>
           </a:xfrm>
         </p:spPr>
         <p:txBody>
-          <a:bodyPr anchor="t">
-            <a:normAutofit/>
+          <a:bodyPr anchor="b">
+            <a:normAutofit fontScale="90000"/>
           </a:bodyPr>
           <a:lstStyle/>
           <a:p>
             <a:r>
               <a:rPr lang="en-GB" sz="4000" dirty="0"/>
-              <a:t>Producing forecasts</a:t>
+              <a:t>Model specification and estimation (fable)</a:t>
             </a:r>
             <a:endParaRPr lang="en-GB" sz="3700" dirty="0"/>
           </a:p>
@@ -10736,6 +10650,1114 @@
       </p:pic>
       <p:sp>
         <p:nvSpPr>
+          <p:cNvPr id="11" name="Inhaltsplatzhalter 2">
+            <a:extLst>
+              <a:ext uri="{FF2B5EF4-FFF2-40B4-BE49-F238E27FC236}">
+                <a16:creationId xmlns:a16="http://schemas.microsoft.com/office/drawing/2014/main" id="{3F8E8AAF-2421-7C99-0BC5-9C914EFA9112}"/>
+              </a:ext>
+            </a:extLst>
+          </p:cNvPr>
+          <p:cNvSpPr>
+            <a:spLocks noGrp="1"/>
+          </p:cNvSpPr>
+          <p:nvPr>
+            <p:ph idx="1"/>
+          </p:nvPr>
+        </p:nvSpPr>
+        <p:spPr>
+          <a:xfrm>
+            <a:off x="1055716" y="2437907"/>
+            <a:ext cx="8005763" cy="388938"/>
+          </a:xfrm>
+          <a:solidFill>
+            <a:schemeClr val="bg1">
+              <a:lumMod val="95000"/>
+            </a:schemeClr>
+          </a:solidFill>
+        </p:spPr>
+        <p:txBody>
+          <a:bodyPr>
+            <a:normAutofit/>
+          </a:bodyPr>
+          <a:lstStyle/>
+          <a:p>
+            <a:pPr marL="0" indent="0">
+              <a:buNone/>
+            </a:pPr>
+            <a:r>
+              <a:rPr lang="de-DE" sz="2000" b="0" i="0" u="none" strike="noStrike" dirty="0" err="1">
+                <a:solidFill>
+                  <a:srgbClr val="333333"/>
+                </a:solidFill>
+                <a:effectLst/>
+                <a:latin typeface="SFMono-Regular"/>
+              </a:rPr>
+              <a:t>tourism</a:t>
+            </a:r>
+            <a:endParaRPr lang="en-GB" sz="2000" dirty="0"/>
+          </a:p>
+        </p:txBody>
+      </p:sp>
+      <p:sp>
+        <p:nvSpPr>
+          <p:cNvPr id="12" name="Inhaltsplatzhalter 2">
+            <a:extLst>
+              <a:ext uri="{FF2B5EF4-FFF2-40B4-BE49-F238E27FC236}">
+                <a16:creationId xmlns:a16="http://schemas.microsoft.com/office/drawing/2014/main" id="{EA54F9E1-A830-8A5B-E662-8AB815638810}"/>
+              </a:ext>
+            </a:extLst>
+          </p:cNvPr>
+          <p:cNvSpPr txBox="1">
+            <a:spLocks/>
+          </p:cNvSpPr>
+          <p:nvPr/>
+        </p:nvSpPr>
+        <p:spPr>
+          <a:xfrm>
+            <a:off x="1055714" y="2955433"/>
+            <a:ext cx="8005763" cy="1720852"/>
+          </a:xfrm>
+          <a:prstGeom prst="rect">
+            <a:avLst/>
+          </a:prstGeom>
+          <a:solidFill>
+            <a:schemeClr val="bg1">
+              <a:lumMod val="95000"/>
+            </a:schemeClr>
+          </a:solidFill>
+        </p:spPr>
+        <p:txBody>
+          <a:bodyPr vert="horz" lIns="91440" tIns="45720" rIns="91440" bIns="45720" rtlCol="0">
+            <a:noAutofit/>
+          </a:bodyPr>
+          <a:lstStyle>
+            <a:lvl1pPr marL="228600" indent="-228600" algn="l" defTabSz="914400" rtl="0" eaLnBrk="1" latinLnBrk="0" hangingPunct="1">
+              <a:lnSpc>
+                <a:spcPct val="90000"/>
+              </a:lnSpc>
+              <a:spcBef>
+                <a:spcPts val="1000"/>
+              </a:spcBef>
+              <a:buFont typeface="Arial" panose="020B0604020202020204" pitchFamily="34" charset="0"/>
+              <a:buChar char="•"/>
+              <a:defRPr sz="2800" kern="1200">
+                <a:solidFill>
+                  <a:schemeClr val="tx1"/>
+                </a:solidFill>
+                <a:latin typeface="+mn-lt"/>
+                <a:ea typeface="+mn-ea"/>
+                <a:cs typeface="+mn-cs"/>
+              </a:defRPr>
+            </a:lvl1pPr>
+            <a:lvl2pPr marL="685800" indent="-228600" algn="l" defTabSz="914400" rtl="0" eaLnBrk="1" latinLnBrk="0" hangingPunct="1">
+              <a:lnSpc>
+                <a:spcPct val="90000"/>
+              </a:lnSpc>
+              <a:spcBef>
+                <a:spcPts val="500"/>
+              </a:spcBef>
+              <a:buFont typeface="Arial" panose="020B0604020202020204" pitchFamily="34" charset="0"/>
+              <a:buChar char="•"/>
+              <a:defRPr sz="2400" kern="1200">
+                <a:solidFill>
+                  <a:schemeClr val="tx1"/>
+                </a:solidFill>
+                <a:latin typeface="+mn-lt"/>
+                <a:ea typeface="+mn-ea"/>
+                <a:cs typeface="+mn-cs"/>
+              </a:defRPr>
+            </a:lvl2pPr>
+            <a:lvl3pPr marL="1143000" indent="-228600" algn="l" defTabSz="914400" rtl="0" eaLnBrk="1" latinLnBrk="0" hangingPunct="1">
+              <a:lnSpc>
+                <a:spcPct val="90000"/>
+              </a:lnSpc>
+              <a:spcBef>
+                <a:spcPts val="500"/>
+              </a:spcBef>
+              <a:buFont typeface="Arial" panose="020B0604020202020204" pitchFamily="34" charset="0"/>
+              <a:buChar char="•"/>
+              <a:defRPr sz="2000" kern="1200">
+                <a:solidFill>
+                  <a:schemeClr val="tx1"/>
+                </a:solidFill>
+                <a:latin typeface="+mn-lt"/>
+                <a:ea typeface="+mn-ea"/>
+                <a:cs typeface="+mn-cs"/>
+              </a:defRPr>
+            </a:lvl3pPr>
+            <a:lvl4pPr marL="1600200" indent="-228600" algn="l" defTabSz="914400" rtl="0" eaLnBrk="1" latinLnBrk="0" hangingPunct="1">
+              <a:lnSpc>
+                <a:spcPct val="90000"/>
+              </a:lnSpc>
+              <a:spcBef>
+                <a:spcPts val="500"/>
+              </a:spcBef>
+              <a:buFont typeface="Arial" panose="020B0604020202020204" pitchFamily="34" charset="0"/>
+              <a:buChar char="•"/>
+              <a:defRPr sz="1800" kern="1200">
+                <a:solidFill>
+                  <a:schemeClr val="tx1"/>
+                </a:solidFill>
+                <a:latin typeface="+mn-lt"/>
+                <a:ea typeface="+mn-ea"/>
+                <a:cs typeface="+mn-cs"/>
+              </a:defRPr>
+            </a:lvl4pPr>
+            <a:lvl5pPr marL="2057400" indent="-228600" algn="l" defTabSz="914400" rtl="0" eaLnBrk="1" latinLnBrk="0" hangingPunct="1">
+              <a:lnSpc>
+                <a:spcPct val="90000"/>
+              </a:lnSpc>
+              <a:spcBef>
+                <a:spcPts val="500"/>
+              </a:spcBef>
+              <a:buFont typeface="Arial" panose="020B0604020202020204" pitchFamily="34" charset="0"/>
+              <a:buChar char="•"/>
+              <a:defRPr sz="1800" kern="1200">
+                <a:solidFill>
+                  <a:schemeClr val="tx1"/>
+                </a:solidFill>
+                <a:latin typeface="+mn-lt"/>
+                <a:ea typeface="+mn-ea"/>
+                <a:cs typeface="+mn-cs"/>
+              </a:defRPr>
+            </a:lvl5pPr>
+            <a:lvl6pPr marL="2514600" indent="-228600" algn="l" defTabSz="914400" rtl="0" eaLnBrk="1" latinLnBrk="0" hangingPunct="1">
+              <a:lnSpc>
+                <a:spcPct val="90000"/>
+              </a:lnSpc>
+              <a:spcBef>
+                <a:spcPts val="500"/>
+              </a:spcBef>
+              <a:buFont typeface="Arial" panose="020B0604020202020204" pitchFamily="34" charset="0"/>
+              <a:buChar char="•"/>
+              <a:defRPr sz="1800" kern="1200">
+                <a:solidFill>
+                  <a:schemeClr val="tx1"/>
+                </a:solidFill>
+                <a:latin typeface="+mn-lt"/>
+                <a:ea typeface="+mn-ea"/>
+                <a:cs typeface="+mn-cs"/>
+              </a:defRPr>
+            </a:lvl6pPr>
+            <a:lvl7pPr marL="2971800" indent="-228600" algn="l" defTabSz="914400" rtl="0" eaLnBrk="1" latinLnBrk="0" hangingPunct="1">
+              <a:lnSpc>
+                <a:spcPct val="90000"/>
+              </a:lnSpc>
+              <a:spcBef>
+                <a:spcPts val="500"/>
+              </a:spcBef>
+              <a:buFont typeface="Arial" panose="020B0604020202020204" pitchFamily="34" charset="0"/>
+              <a:buChar char="•"/>
+              <a:defRPr sz="1800" kern="1200">
+                <a:solidFill>
+                  <a:schemeClr val="tx1"/>
+                </a:solidFill>
+                <a:latin typeface="+mn-lt"/>
+                <a:ea typeface="+mn-ea"/>
+                <a:cs typeface="+mn-cs"/>
+              </a:defRPr>
+            </a:lvl7pPr>
+            <a:lvl8pPr marL="3429000" indent="-228600" algn="l" defTabSz="914400" rtl="0" eaLnBrk="1" latinLnBrk="0" hangingPunct="1">
+              <a:lnSpc>
+                <a:spcPct val="90000"/>
+              </a:lnSpc>
+              <a:spcBef>
+                <a:spcPts val="500"/>
+              </a:spcBef>
+              <a:buFont typeface="Arial" panose="020B0604020202020204" pitchFamily="34" charset="0"/>
+              <a:buChar char="•"/>
+              <a:defRPr sz="1800" kern="1200">
+                <a:solidFill>
+                  <a:schemeClr val="tx1"/>
+                </a:solidFill>
+                <a:latin typeface="+mn-lt"/>
+                <a:ea typeface="+mn-ea"/>
+                <a:cs typeface="+mn-cs"/>
+              </a:defRPr>
+            </a:lvl8pPr>
+            <a:lvl9pPr marL="3886200" indent="-228600" algn="l" defTabSz="914400" rtl="0" eaLnBrk="1" latinLnBrk="0" hangingPunct="1">
+              <a:lnSpc>
+                <a:spcPct val="90000"/>
+              </a:lnSpc>
+              <a:spcBef>
+                <a:spcPts val="500"/>
+              </a:spcBef>
+              <a:buFont typeface="Arial" panose="020B0604020202020204" pitchFamily="34" charset="0"/>
+              <a:buChar char="•"/>
+              <a:defRPr sz="1800" kern="1200">
+                <a:solidFill>
+                  <a:schemeClr val="tx1"/>
+                </a:solidFill>
+                <a:latin typeface="+mn-lt"/>
+                <a:ea typeface="+mn-ea"/>
+                <a:cs typeface="+mn-cs"/>
+              </a:defRPr>
+            </a:lvl9pPr>
+          </a:lstStyle>
+          <a:p>
+            <a:pPr marL="0" indent="0">
+              <a:buFont typeface="Arial" panose="020B0604020202020204" pitchFamily="34" charset="0"/>
+              <a:buNone/>
+            </a:pPr>
+            <a:r>
+              <a:rPr lang="de-DE" sz="2000" dirty="0">
+                <a:solidFill>
+                  <a:schemeClr val="bg1">
+                    <a:lumMod val="50000"/>
+                  </a:schemeClr>
+                </a:solidFill>
+                <a:latin typeface="SFMono-Regular"/>
+              </a:rPr>
+              <a:t># Data Manipulation</a:t>
+            </a:r>
+          </a:p>
+          <a:p>
+            <a:pPr marL="0" indent="0">
+              <a:buFont typeface="Arial" panose="020B0604020202020204" pitchFamily="34" charset="0"/>
+              <a:buNone/>
+            </a:pPr>
+            <a:r>
+              <a:rPr lang="de-DE" sz="2000" dirty="0" err="1">
+                <a:solidFill>
+                  <a:srgbClr val="333333"/>
+                </a:solidFill>
+                <a:latin typeface="SFMono-Regular"/>
+              </a:rPr>
+              <a:t>tourism_t_trips</a:t>
+            </a:r>
+            <a:r>
+              <a:rPr lang="de-DE" sz="2000" dirty="0">
+                <a:solidFill>
+                  <a:srgbClr val="333333"/>
+                </a:solidFill>
+                <a:latin typeface="SFMono-Regular"/>
+              </a:rPr>
+              <a:t> &lt;- </a:t>
+            </a:r>
+            <a:r>
+              <a:rPr lang="de-DE" sz="2000" dirty="0" err="1">
+                <a:solidFill>
+                  <a:srgbClr val="333333"/>
+                </a:solidFill>
+                <a:latin typeface="SFMono-Regular"/>
+              </a:rPr>
+              <a:t>tourism</a:t>
+            </a:r>
+            <a:r>
+              <a:rPr lang="de-DE" sz="2000" dirty="0">
+                <a:solidFill>
+                  <a:srgbClr val="333333"/>
+                </a:solidFill>
+                <a:latin typeface="SFMono-Regular"/>
+              </a:rPr>
+              <a:t> %&gt;% </a:t>
+            </a:r>
+          </a:p>
+          <a:p>
+            <a:pPr marL="0" indent="0">
+              <a:buFont typeface="Arial" panose="020B0604020202020204" pitchFamily="34" charset="0"/>
+              <a:buNone/>
+            </a:pPr>
+            <a:r>
+              <a:rPr lang="de-DE" sz="2000" dirty="0">
+                <a:solidFill>
+                  <a:srgbClr val="333333"/>
+                </a:solidFill>
+                <a:latin typeface="SFMono-Regular"/>
+              </a:rPr>
+              <a:t>  </a:t>
+            </a:r>
+            <a:r>
+              <a:rPr lang="de-DE" sz="2000" dirty="0" err="1">
+                <a:solidFill>
+                  <a:srgbClr val="333333"/>
+                </a:solidFill>
+                <a:latin typeface="SFMono-Regular"/>
+              </a:rPr>
+              <a:t>summarise</a:t>
+            </a:r>
+            <a:r>
+              <a:rPr lang="de-DE" sz="2000" dirty="0">
+                <a:solidFill>
+                  <a:srgbClr val="333333"/>
+                </a:solidFill>
+                <a:latin typeface="SFMono-Regular"/>
+              </a:rPr>
+              <a:t>(Trips = </a:t>
+            </a:r>
+            <a:r>
+              <a:rPr lang="de-DE" sz="2000" dirty="0" err="1">
+                <a:solidFill>
+                  <a:srgbClr val="333333"/>
+                </a:solidFill>
+                <a:latin typeface="SFMono-Regular"/>
+              </a:rPr>
+              <a:t>sum</a:t>
+            </a:r>
+            <a:r>
+              <a:rPr lang="de-DE" sz="2000" dirty="0">
+                <a:solidFill>
+                  <a:srgbClr val="333333"/>
+                </a:solidFill>
+                <a:latin typeface="SFMono-Regular"/>
+              </a:rPr>
+              <a:t>(Trips))</a:t>
+            </a:r>
+          </a:p>
+          <a:p>
+            <a:pPr marL="0" indent="0">
+              <a:buFont typeface="Arial" panose="020B0604020202020204" pitchFamily="34" charset="0"/>
+              <a:buNone/>
+            </a:pPr>
+            <a:r>
+              <a:rPr lang="de-DE" sz="2000" dirty="0" err="1">
+                <a:solidFill>
+                  <a:srgbClr val="333333"/>
+                </a:solidFill>
+                <a:latin typeface="SFMono-Regular"/>
+              </a:rPr>
+              <a:t>tourism_t_trips</a:t>
+            </a:r>
+            <a:endParaRPr lang="en-GB" sz="2000" dirty="0"/>
+          </a:p>
+        </p:txBody>
+      </p:sp>
+      <p:sp>
+        <p:nvSpPr>
+          <p:cNvPr id="13" name="Inhaltsplatzhalter 2">
+            <a:extLst>
+              <a:ext uri="{FF2B5EF4-FFF2-40B4-BE49-F238E27FC236}">
+                <a16:creationId xmlns:a16="http://schemas.microsoft.com/office/drawing/2014/main" id="{80B511CA-465F-C37C-3EAC-5F3EA969B4E0}"/>
+              </a:ext>
+            </a:extLst>
+          </p:cNvPr>
+          <p:cNvSpPr txBox="1">
+            <a:spLocks/>
+          </p:cNvSpPr>
+          <p:nvPr/>
+        </p:nvSpPr>
+        <p:spPr>
+          <a:xfrm>
+            <a:off x="1055715" y="4804873"/>
+            <a:ext cx="8005763" cy="1203326"/>
+          </a:xfrm>
+          <a:prstGeom prst="rect">
+            <a:avLst/>
+          </a:prstGeom>
+          <a:solidFill>
+            <a:schemeClr val="bg1">
+              <a:lumMod val="95000"/>
+            </a:schemeClr>
+          </a:solidFill>
+        </p:spPr>
+        <p:txBody>
+          <a:bodyPr vert="horz" lIns="91440" tIns="45720" rIns="91440" bIns="45720" rtlCol="0">
+            <a:noAutofit/>
+          </a:bodyPr>
+          <a:lstStyle>
+            <a:lvl1pPr marL="228600" indent="-228600" algn="l" defTabSz="914400" rtl="0" eaLnBrk="1" latinLnBrk="0" hangingPunct="1">
+              <a:lnSpc>
+                <a:spcPct val="90000"/>
+              </a:lnSpc>
+              <a:spcBef>
+                <a:spcPts val="1000"/>
+              </a:spcBef>
+              <a:buFont typeface="Arial" panose="020B0604020202020204" pitchFamily="34" charset="0"/>
+              <a:buChar char="•"/>
+              <a:defRPr sz="2800" kern="1200">
+                <a:solidFill>
+                  <a:schemeClr val="tx1"/>
+                </a:solidFill>
+                <a:latin typeface="+mn-lt"/>
+                <a:ea typeface="+mn-ea"/>
+                <a:cs typeface="+mn-cs"/>
+              </a:defRPr>
+            </a:lvl1pPr>
+            <a:lvl2pPr marL="685800" indent="-228600" algn="l" defTabSz="914400" rtl="0" eaLnBrk="1" latinLnBrk="0" hangingPunct="1">
+              <a:lnSpc>
+                <a:spcPct val="90000"/>
+              </a:lnSpc>
+              <a:spcBef>
+                <a:spcPts val="500"/>
+              </a:spcBef>
+              <a:buFont typeface="Arial" panose="020B0604020202020204" pitchFamily="34" charset="0"/>
+              <a:buChar char="•"/>
+              <a:defRPr sz="2400" kern="1200">
+                <a:solidFill>
+                  <a:schemeClr val="tx1"/>
+                </a:solidFill>
+                <a:latin typeface="+mn-lt"/>
+                <a:ea typeface="+mn-ea"/>
+                <a:cs typeface="+mn-cs"/>
+              </a:defRPr>
+            </a:lvl2pPr>
+            <a:lvl3pPr marL="1143000" indent="-228600" algn="l" defTabSz="914400" rtl="0" eaLnBrk="1" latinLnBrk="0" hangingPunct="1">
+              <a:lnSpc>
+                <a:spcPct val="90000"/>
+              </a:lnSpc>
+              <a:spcBef>
+                <a:spcPts val="500"/>
+              </a:spcBef>
+              <a:buFont typeface="Arial" panose="020B0604020202020204" pitchFamily="34" charset="0"/>
+              <a:buChar char="•"/>
+              <a:defRPr sz="2000" kern="1200">
+                <a:solidFill>
+                  <a:schemeClr val="tx1"/>
+                </a:solidFill>
+                <a:latin typeface="+mn-lt"/>
+                <a:ea typeface="+mn-ea"/>
+                <a:cs typeface="+mn-cs"/>
+              </a:defRPr>
+            </a:lvl3pPr>
+            <a:lvl4pPr marL="1600200" indent="-228600" algn="l" defTabSz="914400" rtl="0" eaLnBrk="1" latinLnBrk="0" hangingPunct="1">
+              <a:lnSpc>
+                <a:spcPct val="90000"/>
+              </a:lnSpc>
+              <a:spcBef>
+                <a:spcPts val="500"/>
+              </a:spcBef>
+              <a:buFont typeface="Arial" panose="020B0604020202020204" pitchFamily="34" charset="0"/>
+              <a:buChar char="•"/>
+              <a:defRPr sz="1800" kern="1200">
+                <a:solidFill>
+                  <a:schemeClr val="tx1"/>
+                </a:solidFill>
+                <a:latin typeface="+mn-lt"/>
+                <a:ea typeface="+mn-ea"/>
+                <a:cs typeface="+mn-cs"/>
+              </a:defRPr>
+            </a:lvl4pPr>
+            <a:lvl5pPr marL="2057400" indent="-228600" algn="l" defTabSz="914400" rtl="0" eaLnBrk="1" latinLnBrk="0" hangingPunct="1">
+              <a:lnSpc>
+                <a:spcPct val="90000"/>
+              </a:lnSpc>
+              <a:spcBef>
+                <a:spcPts val="500"/>
+              </a:spcBef>
+              <a:buFont typeface="Arial" panose="020B0604020202020204" pitchFamily="34" charset="0"/>
+              <a:buChar char="•"/>
+              <a:defRPr sz="1800" kern="1200">
+                <a:solidFill>
+                  <a:schemeClr val="tx1"/>
+                </a:solidFill>
+                <a:latin typeface="+mn-lt"/>
+                <a:ea typeface="+mn-ea"/>
+                <a:cs typeface="+mn-cs"/>
+              </a:defRPr>
+            </a:lvl5pPr>
+            <a:lvl6pPr marL="2514600" indent="-228600" algn="l" defTabSz="914400" rtl="0" eaLnBrk="1" latinLnBrk="0" hangingPunct="1">
+              <a:lnSpc>
+                <a:spcPct val="90000"/>
+              </a:lnSpc>
+              <a:spcBef>
+                <a:spcPts val="500"/>
+              </a:spcBef>
+              <a:buFont typeface="Arial" panose="020B0604020202020204" pitchFamily="34" charset="0"/>
+              <a:buChar char="•"/>
+              <a:defRPr sz="1800" kern="1200">
+                <a:solidFill>
+                  <a:schemeClr val="tx1"/>
+                </a:solidFill>
+                <a:latin typeface="+mn-lt"/>
+                <a:ea typeface="+mn-ea"/>
+                <a:cs typeface="+mn-cs"/>
+              </a:defRPr>
+            </a:lvl6pPr>
+            <a:lvl7pPr marL="2971800" indent="-228600" algn="l" defTabSz="914400" rtl="0" eaLnBrk="1" latinLnBrk="0" hangingPunct="1">
+              <a:lnSpc>
+                <a:spcPct val="90000"/>
+              </a:lnSpc>
+              <a:spcBef>
+                <a:spcPts val="500"/>
+              </a:spcBef>
+              <a:buFont typeface="Arial" panose="020B0604020202020204" pitchFamily="34" charset="0"/>
+              <a:buChar char="•"/>
+              <a:defRPr sz="1800" kern="1200">
+                <a:solidFill>
+                  <a:schemeClr val="tx1"/>
+                </a:solidFill>
+                <a:latin typeface="+mn-lt"/>
+                <a:ea typeface="+mn-ea"/>
+                <a:cs typeface="+mn-cs"/>
+              </a:defRPr>
+            </a:lvl7pPr>
+            <a:lvl8pPr marL="3429000" indent="-228600" algn="l" defTabSz="914400" rtl="0" eaLnBrk="1" latinLnBrk="0" hangingPunct="1">
+              <a:lnSpc>
+                <a:spcPct val="90000"/>
+              </a:lnSpc>
+              <a:spcBef>
+                <a:spcPts val="500"/>
+              </a:spcBef>
+              <a:buFont typeface="Arial" panose="020B0604020202020204" pitchFamily="34" charset="0"/>
+              <a:buChar char="•"/>
+              <a:defRPr sz="1800" kern="1200">
+                <a:solidFill>
+                  <a:schemeClr val="tx1"/>
+                </a:solidFill>
+                <a:latin typeface="+mn-lt"/>
+                <a:ea typeface="+mn-ea"/>
+                <a:cs typeface="+mn-cs"/>
+              </a:defRPr>
+            </a:lvl8pPr>
+            <a:lvl9pPr marL="3886200" indent="-228600" algn="l" defTabSz="914400" rtl="0" eaLnBrk="1" latinLnBrk="0" hangingPunct="1">
+              <a:lnSpc>
+                <a:spcPct val="90000"/>
+              </a:lnSpc>
+              <a:spcBef>
+                <a:spcPts val="500"/>
+              </a:spcBef>
+              <a:buFont typeface="Arial" panose="020B0604020202020204" pitchFamily="34" charset="0"/>
+              <a:buChar char="•"/>
+              <a:defRPr sz="1800" kern="1200">
+                <a:solidFill>
+                  <a:schemeClr val="tx1"/>
+                </a:solidFill>
+                <a:latin typeface="+mn-lt"/>
+                <a:ea typeface="+mn-ea"/>
+                <a:cs typeface="+mn-cs"/>
+              </a:defRPr>
+            </a:lvl9pPr>
+          </a:lstStyle>
+          <a:p>
+            <a:pPr marL="0" indent="0">
+              <a:buFont typeface="Arial" panose="020B0604020202020204" pitchFamily="34" charset="0"/>
+              <a:buNone/>
+            </a:pPr>
+            <a:r>
+              <a:rPr lang="de-DE" sz="2000" dirty="0">
+                <a:solidFill>
+                  <a:schemeClr val="bg1">
+                    <a:lumMod val="50000"/>
+                  </a:schemeClr>
+                </a:solidFill>
+                <a:latin typeface="SFMono-Regular"/>
+              </a:rPr>
+              <a:t># Data Exploration</a:t>
+            </a:r>
+          </a:p>
+          <a:p>
+            <a:pPr marL="0" indent="0">
+              <a:buFont typeface="Arial" panose="020B0604020202020204" pitchFamily="34" charset="0"/>
+              <a:buNone/>
+            </a:pPr>
+            <a:r>
+              <a:rPr lang="de-DE" sz="2000" dirty="0" err="1">
+                <a:solidFill>
+                  <a:srgbClr val="333333"/>
+                </a:solidFill>
+                <a:latin typeface="SFMono-Regular"/>
+              </a:rPr>
+              <a:t>tourism_total_trips</a:t>
+            </a:r>
+            <a:r>
+              <a:rPr lang="de-DE" sz="2000" dirty="0">
+                <a:solidFill>
+                  <a:srgbClr val="333333"/>
+                </a:solidFill>
+                <a:latin typeface="SFMono-Regular"/>
+              </a:rPr>
+              <a:t> %&gt;% </a:t>
+            </a:r>
+          </a:p>
+          <a:p>
+            <a:pPr marL="0" indent="0">
+              <a:buFont typeface="Arial" panose="020B0604020202020204" pitchFamily="34" charset="0"/>
+              <a:buNone/>
+            </a:pPr>
+            <a:r>
+              <a:rPr lang="de-DE" sz="2000" dirty="0">
+                <a:solidFill>
+                  <a:srgbClr val="333333"/>
+                </a:solidFill>
+                <a:latin typeface="SFMono-Regular"/>
+              </a:rPr>
+              <a:t>  </a:t>
+            </a:r>
+            <a:r>
+              <a:rPr lang="de-DE" sz="2000" dirty="0" err="1">
+                <a:solidFill>
+                  <a:srgbClr val="333333"/>
+                </a:solidFill>
+                <a:latin typeface="SFMono-Regular"/>
+              </a:rPr>
+              <a:t>autoplot</a:t>
+            </a:r>
+            <a:r>
+              <a:rPr lang="de-DE" sz="2000" dirty="0">
+                <a:solidFill>
+                  <a:srgbClr val="333333"/>
+                </a:solidFill>
+                <a:latin typeface="SFMono-Regular"/>
+              </a:rPr>
+              <a:t>(Trips)</a:t>
+            </a:r>
+            <a:endParaRPr lang="en-GB" sz="2000" dirty="0"/>
+          </a:p>
+        </p:txBody>
+      </p:sp>
+    </p:spTree>
+    <p:extLst>
+      <p:ext uri="{BB962C8B-B14F-4D97-AF65-F5344CB8AC3E}">
+        <p14:creationId xmlns:p14="http://schemas.microsoft.com/office/powerpoint/2010/main" val="1486188251"/>
+      </p:ext>
+    </p:extLst>
+  </p:cSld>
+  <p:clrMapOvr>
+    <a:masterClrMapping/>
+  </p:clrMapOvr>
+</p:sld>
+</file>
+
+<file path=ppt/slides/slide8.xml><?xml version="1.0" encoding="utf-8"?>
+<p:sld xmlns:a="http://schemas.openxmlformats.org/drawingml/2006/main" xmlns:r="http://schemas.openxmlformats.org/officeDocument/2006/relationships" xmlns:p="http://schemas.openxmlformats.org/presentationml/2006/main">
+  <p:cSld>
+    <p:bg>
+      <p:bgPr>
+        <a:solidFill>
+          <a:schemeClr val="bg1"/>
+        </a:solidFill>
+        <a:effectLst/>
+      </p:bgPr>
+    </p:bg>
+    <p:spTree>
+      <p:nvGrpSpPr>
+        <p:cNvPr id="1" name=""/>
+        <p:cNvGrpSpPr/>
+        <p:nvPr/>
+      </p:nvGrpSpPr>
+      <p:grpSpPr>
+        <a:xfrm>
+          <a:off x="0" y="0"/>
+          <a:ext cx="0" cy="0"/>
+          <a:chOff x="0" y="0"/>
+          <a:chExt cx="0" cy="0"/>
+        </a:xfrm>
+      </p:grpSpPr>
+      <p:sp useBgFill="1">
+        <p:nvSpPr>
+          <p:cNvPr id="15" name="Rectangle 14">
+            <a:extLst>
+              <a:ext uri="{FF2B5EF4-FFF2-40B4-BE49-F238E27FC236}">
+                <a16:creationId xmlns:a16="http://schemas.microsoft.com/office/drawing/2014/main" id="{149FB5C3-7336-4FE0-A30C-CC0A3646D499}"/>
+              </a:ext>
+              <a:ext uri="{C183D7F6-B498-43B3-948B-1728B52AA6E4}">
+                <adec:decorative xmlns:adec="http://schemas.microsoft.com/office/drawing/2017/decorative" val="1"/>
+              </a:ext>
+            </a:extLst>
+          </p:cNvPr>
+          <p:cNvSpPr>
+            <a:spLocks noGrp="1" noRot="1" noChangeAspect="1" noMove="1" noResize="1" noEditPoints="1" noAdjustHandles="1" noChangeArrowheads="1" noChangeShapeType="1" noTextEdit="1"/>
+          </p:cNvSpPr>
+          <p:nvPr>
+            <p:extLst>
+              <p:ext uri="{386F3935-93C4-4BCD-93E2-E3B085C9AB24}">
+                <p16:designElem xmlns:p16="http://schemas.microsoft.com/office/powerpoint/2015/main" val="1"/>
+              </p:ext>
+            </p:extLst>
+          </p:nvPr>
+        </p:nvSpPr>
+        <p:spPr>
+          <a:xfrm>
+            <a:off x="0" y="0"/>
+            <a:ext cx="12191999" cy="6857365"/>
+          </a:xfrm>
+          <a:prstGeom prst="rect">
+            <a:avLst/>
+          </a:prstGeom>
+          <a:ln>
+            <a:noFill/>
+          </a:ln>
+        </p:spPr>
+        <p:style>
+          <a:lnRef idx="2">
+            <a:schemeClr val="accent1">
+              <a:shade val="50000"/>
+            </a:schemeClr>
+          </a:lnRef>
+          <a:fillRef idx="1">
+            <a:schemeClr val="accent1"/>
+          </a:fillRef>
+          <a:effectRef idx="0">
+            <a:schemeClr val="accent1"/>
+          </a:effectRef>
+          <a:fontRef idx="minor">
+            <a:schemeClr val="lt1"/>
+          </a:fontRef>
+        </p:style>
+        <p:txBody>
+          <a:bodyPr rtlCol="0" anchor="ctr"/>
+          <a:lstStyle/>
+          <a:p>
+            <a:pPr algn="ctr"/>
+            <a:endParaRPr lang="en-US"/>
+          </a:p>
+        </p:txBody>
+      </p:sp>
+      <p:grpSp>
+        <p:nvGrpSpPr>
+          <p:cNvPr id="17" name="Group 16">
+            <a:extLst>
+              <a:ext uri="{FF2B5EF4-FFF2-40B4-BE49-F238E27FC236}">
+                <a16:creationId xmlns:a16="http://schemas.microsoft.com/office/drawing/2014/main" id="{19A6B5CE-CB1D-48EE-8B43-E952235C8371}"/>
+              </a:ext>
+              <a:ext uri="{C183D7F6-B498-43B3-948B-1728B52AA6E4}">
+                <adec:decorative xmlns:adec="http://schemas.microsoft.com/office/drawing/2017/decorative" val="1"/>
+              </a:ext>
+            </a:extLst>
+          </p:cNvPr>
+          <p:cNvGrpSpPr>
+            <a:grpSpLocks noGrp="1" noUngrp="1" noRot="1" noChangeAspect="1" noMove="1" noResize="1"/>
+          </p:cNvGrpSpPr>
+          <p:nvPr>
+            <p:extLst>
+              <p:ext uri="{386F3935-93C4-4BCD-93E2-E3B085C9AB24}">
+                <p16:designElem xmlns:p16="http://schemas.microsoft.com/office/powerpoint/2015/main" val="1"/>
+              </p:ext>
+            </p:extLst>
+          </p:nvPr>
+        </p:nvGrpSpPr>
+        <p:grpSpPr>
+          <a:xfrm rot="5400000">
+            <a:off x="-2340441" y="2666183"/>
+            <a:ext cx="5860051" cy="527712"/>
+            <a:chOff x="6081624" y="1998368"/>
+            <a:chExt cx="5613457" cy="782175"/>
+          </a:xfrm>
+          <a:solidFill>
+            <a:schemeClr val="accent4"/>
+          </a:solidFill>
+        </p:grpSpPr>
+        <p:sp>
+          <p:nvSpPr>
+            <p:cNvPr id="18" name="Rectangle 17">
+              <a:extLst>
+                <a:ext uri="{FF2B5EF4-FFF2-40B4-BE49-F238E27FC236}">
+                  <a16:creationId xmlns:a16="http://schemas.microsoft.com/office/drawing/2014/main" id="{E3F3EAA5-4E15-400B-BBA3-82B3F49A2178}"/>
+                </a:ext>
+                <a:ext uri="{C183D7F6-B498-43B3-948B-1728B52AA6E4}">
+                  <adec:decorative xmlns:adec="http://schemas.microsoft.com/office/drawing/2017/decorative" val="1"/>
+                </a:ext>
+              </a:extLst>
+            </p:cNvPr>
+            <p:cNvSpPr/>
+            <p:nvPr>
+              <p:extLst>
+                <p:ext uri="{386F3935-93C4-4BCD-93E2-E3B085C9AB24}">
+                  <p16:designElem xmlns:p16="http://schemas.microsoft.com/office/powerpoint/2015/main" val="1"/>
+                </p:ext>
+              </p:extLst>
+            </p:nvPr>
+          </p:nvSpPr>
+          <p:spPr>
+            <a:xfrm rot="5400000">
+              <a:off x="11228040" y="2313027"/>
+              <a:ext cx="781700" cy="152382"/>
+            </a:xfrm>
+            <a:prstGeom prst="rect">
+              <a:avLst/>
+            </a:prstGeom>
+            <a:grpFill/>
+            <a:ln>
+              <a:noFill/>
+            </a:ln>
+          </p:spPr>
+          <p:style>
+            <a:lnRef idx="2">
+              <a:schemeClr val="accent1">
+                <a:shade val="50000"/>
+              </a:schemeClr>
+            </a:lnRef>
+            <a:fillRef idx="1">
+              <a:schemeClr val="accent1"/>
+            </a:fillRef>
+            <a:effectRef idx="0">
+              <a:schemeClr val="accent1"/>
+            </a:effectRef>
+            <a:fontRef idx="minor">
+              <a:schemeClr val="lt1"/>
+            </a:fontRef>
+          </p:style>
+          <p:txBody>
+            <a:bodyPr rtlCol="0" anchor="ctr"/>
+            <a:lstStyle/>
+            <a:p>
+              <a:pPr algn="ctr"/>
+              <a:endParaRPr lang="en-US"/>
+            </a:p>
+          </p:txBody>
+        </p:sp>
+        <p:sp>
+          <p:nvSpPr>
+            <p:cNvPr id="19" name="Rectangle 18">
+              <a:extLst>
+                <a:ext uri="{FF2B5EF4-FFF2-40B4-BE49-F238E27FC236}">
+                  <a16:creationId xmlns:a16="http://schemas.microsoft.com/office/drawing/2014/main" id="{72BA2E40-BE9B-4C54-9CDD-40EE804CCE64}"/>
+                </a:ext>
+                <a:ext uri="{C183D7F6-B498-43B3-948B-1728B52AA6E4}">
+                  <adec:decorative xmlns:adec="http://schemas.microsoft.com/office/drawing/2017/decorative" val="1"/>
+                </a:ext>
+              </a:extLst>
+            </p:cNvPr>
+            <p:cNvSpPr/>
+            <p:nvPr>
+              <p:extLst>
+                <p:ext uri="{386F3935-93C4-4BCD-93E2-E3B085C9AB24}">
+                  <p16:designElem xmlns:p16="http://schemas.microsoft.com/office/powerpoint/2015/main" val="1"/>
+                </p:ext>
+              </p:extLst>
+            </p:nvPr>
+          </p:nvSpPr>
+          <p:spPr>
+            <a:xfrm flipH="1" flipV="1">
+              <a:off x="6081624" y="1998844"/>
+              <a:ext cx="5372968" cy="781699"/>
+            </a:xfrm>
+            <a:prstGeom prst="rect">
+              <a:avLst/>
+            </a:prstGeom>
+            <a:grpFill/>
+            <a:ln>
+              <a:noFill/>
+            </a:ln>
+          </p:spPr>
+          <p:style>
+            <a:lnRef idx="2">
+              <a:schemeClr val="accent1">
+                <a:shade val="50000"/>
+              </a:schemeClr>
+            </a:lnRef>
+            <a:fillRef idx="1">
+              <a:schemeClr val="accent1"/>
+            </a:fillRef>
+            <a:effectRef idx="0">
+              <a:schemeClr val="accent1"/>
+            </a:effectRef>
+            <a:fontRef idx="minor">
+              <a:schemeClr val="lt1"/>
+            </a:fontRef>
+          </p:style>
+          <p:txBody>
+            <a:bodyPr rtlCol="0" anchor="ctr"/>
+            <a:lstStyle/>
+            <a:p>
+              <a:pPr algn="ctr"/>
+              <a:endParaRPr lang="en-US"/>
+            </a:p>
+          </p:txBody>
+        </p:sp>
+      </p:grpSp>
+      <p:sp>
+        <p:nvSpPr>
+          <p:cNvPr id="21" name="Rectangle 20">
+            <a:extLst>
+              <a:ext uri="{FF2B5EF4-FFF2-40B4-BE49-F238E27FC236}">
+                <a16:creationId xmlns:a16="http://schemas.microsoft.com/office/drawing/2014/main" id="{0DA909B4-15FF-46A6-8A7F-7AEF977FE9ED}"/>
+              </a:ext>
+              <a:ext uri="{C183D7F6-B498-43B3-948B-1728B52AA6E4}">
+                <adec:decorative xmlns:adec="http://schemas.microsoft.com/office/drawing/2017/decorative" val="1"/>
+              </a:ext>
+            </a:extLst>
+          </p:cNvPr>
+          <p:cNvSpPr>
+            <a:spLocks noGrp="1" noRot="1" noChangeAspect="1" noMove="1" noResize="1" noEditPoints="1" noAdjustHandles="1" noChangeArrowheads="1" noChangeShapeType="1" noTextEdit="1"/>
+          </p:cNvSpPr>
+          <p:nvPr>
+            <p:extLst>
+              <p:ext uri="{386F3935-93C4-4BCD-93E2-E3B085C9AB24}">
+                <p16:designElem xmlns:p16="http://schemas.microsoft.com/office/powerpoint/2015/main" val="1"/>
+              </p:ext>
+            </p:extLst>
+          </p:nvPr>
+        </p:nvSpPr>
+        <p:spPr>
+          <a:xfrm>
+            <a:off x="579528" y="517897"/>
+            <a:ext cx="11111729" cy="5857966"/>
+          </a:xfrm>
+          <a:prstGeom prst="rect">
+            <a:avLst/>
+          </a:prstGeom>
+          <a:solidFill>
+            <a:schemeClr val="bg1"/>
+          </a:solidFill>
+          <a:ln>
+            <a:noFill/>
+          </a:ln>
+          <a:effectLst>
+            <a:outerShdw blurRad="139700" dist="127000" dir="5400000" algn="t" rotWithShape="0">
+              <a:prstClr val="black">
+                <a:alpha val="15000"/>
+              </a:prstClr>
+            </a:outerShdw>
+          </a:effectLst>
+        </p:spPr>
+        <p:style>
+          <a:lnRef idx="2">
+            <a:schemeClr val="accent1">
+              <a:shade val="50000"/>
+            </a:schemeClr>
+          </a:lnRef>
+          <a:fillRef idx="1">
+            <a:schemeClr val="accent1"/>
+          </a:fillRef>
+          <a:effectRef idx="0">
+            <a:schemeClr val="accent1"/>
+          </a:effectRef>
+          <a:fontRef idx="minor">
+            <a:schemeClr val="lt1"/>
+          </a:fontRef>
+        </p:style>
+        <p:txBody>
+          <a:bodyPr rtlCol="0" anchor="ctr"/>
+          <a:lstStyle/>
+          <a:p>
+            <a:pPr algn="ctr"/>
+            <a:endParaRPr lang="en-US"/>
+          </a:p>
+        </p:txBody>
+      </p:sp>
+      <p:sp>
+        <p:nvSpPr>
+          <p:cNvPr id="2" name="Titel 1">
+            <a:extLst>
+              <a:ext uri="{FF2B5EF4-FFF2-40B4-BE49-F238E27FC236}">
+                <a16:creationId xmlns:a16="http://schemas.microsoft.com/office/drawing/2014/main" id="{F6655BA3-676A-D955-E13C-5A2890900397}"/>
+              </a:ext>
+            </a:extLst>
+          </p:cNvPr>
+          <p:cNvSpPr>
+            <a:spLocks noGrp="1"/>
+          </p:cNvSpPr>
+          <p:nvPr>
+            <p:ph type="title"/>
+          </p:nvPr>
+        </p:nvSpPr>
+        <p:spPr>
+          <a:xfrm>
+            <a:off x="1055713" y="663695"/>
+            <a:ext cx="7845156" cy="1169585"/>
+          </a:xfrm>
+        </p:spPr>
+        <p:txBody>
+          <a:bodyPr anchor="t">
+            <a:normAutofit/>
+          </a:bodyPr>
+          <a:lstStyle/>
+          <a:p>
+            <a:r>
+              <a:rPr lang="en-GB" sz="4000" dirty="0"/>
+              <a:t>Producing forecasts</a:t>
+            </a:r>
+            <a:endParaRPr lang="en-GB" sz="3700" dirty="0"/>
+          </a:p>
+        </p:txBody>
+      </p:sp>
+      <p:sp>
+        <p:nvSpPr>
+          <p:cNvPr id="23" name="Rectangle 22">
+            <a:extLst>
+              <a:ext uri="{FF2B5EF4-FFF2-40B4-BE49-F238E27FC236}">
+                <a16:creationId xmlns:a16="http://schemas.microsoft.com/office/drawing/2014/main" id="{1382A32C-5B0C-4B1C-A074-76C6DBCC9F87}"/>
+              </a:ext>
+              <a:ext uri="{C183D7F6-B498-43B3-948B-1728B52AA6E4}">
+                <adec:decorative xmlns:adec="http://schemas.microsoft.com/office/drawing/2017/decorative" val="1"/>
+              </a:ext>
+            </a:extLst>
+          </p:cNvPr>
+          <p:cNvSpPr>
+            <a:spLocks noGrp="1" noRot="1" noChangeAspect="1" noMove="1" noResize="1" noEditPoints="1" noAdjustHandles="1" noChangeArrowheads="1" noChangeShapeType="1" noTextEdit="1"/>
+          </p:cNvSpPr>
+          <p:nvPr>
+            <p:extLst>
+              <p:ext uri="{386F3935-93C4-4BCD-93E2-E3B085C9AB24}">
+                <p16:designElem xmlns:p16="http://schemas.microsoft.com/office/powerpoint/2015/main" val="1"/>
+              </p:ext>
+            </p:extLst>
+          </p:nvPr>
+        </p:nvSpPr>
+        <p:spPr>
+          <a:xfrm flipH="1">
+            <a:off x="1055714" y="2263365"/>
+            <a:ext cx="4937760" cy="27432"/>
+          </a:xfrm>
+          <a:prstGeom prst="rect">
+            <a:avLst/>
+          </a:prstGeom>
+          <a:solidFill>
+            <a:schemeClr val="accent4"/>
+          </a:solidFill>
+          <a:ln>
+            <a:noFill/>
+          </a:ln>
+        </p:spPr>
+        <p:style>
+          <a:lnRef idx="2">
+            <a:schemeClr val="accent1">
+              <a:shade val="50000"/>
+            </a:schemeClr>
+          </a:lnRef>
+          <a:fillRef idx="1">
+            <a:schemeClr val="accent1"/>
+          </a:fillRef>
+          <a:effectRef idx="0">
+            <a:schemeClr val="accent1"/>
+          </a:effectRef>
+          <a:fontRef idx="minor">
+            <a:schemeClr val="lt1"/>
+          </a:fontRef>
+        </p:style>
+        <p:txBody>
+          <a:bodyPr rtlCol="0" anchor="ctr"/>
+          <a:lstStyle/>
+          <a:p>
+            <a:pPr algn="ctr"/>
+            <a:endParaRPr lang="en-US"/>
+          </a:p>
+        </p:txBody>
+      </p:sp>
+      <p:pic>
+        <p:nvPicPr>
+          <p:cNvPr id="3" name="Kamera 2">
+            <a:extLst>
+              <a:ext uri="{FF2B5EF4-FFF2-40B4-BE49-F238E27FC236}">
+                <a16:creationId xmlns:a16="http://schemas.microsoft.com/office/drawing/2014/main" id="{18C3FFBC-239F-FC30-2E9D-D5022F0510C7}"/>
+              </a:ext>
+            </a:extLst>
+          </p:cNvPr>
+          <p:cNvPicPr>
+            <a:picLocks noChangeAspect="1"/>
+            <a:extLst>
+              <a:ext uri="{51228E76-BA90-4043-B771-695A4F85340A}">
+                <alf:liveFeedProps xmlns:alf="http://schemas.microsoft.com/office/drawing/2021/livefeed"/>
+              </a:ext>
+            </a:extLst>
+          </p:cNvPicPr>
+          <p:nvPr/>
+        </p:nvPicPr>
+        <p:blipFill>
+          <a:blip r:embed="rId3">
+            <a:extLst>
+              <a:ext uri="{96DAC541-7B7A-43D3-8B79-37D633B846F1}">
+                <asvg:svgBlip xmlns:asvg="http://schemas.microsoft.com/office/drawing/2016/SVG/main" r:embed="rId4"/>
+              </a:ext>
+            </a:extLst>
+          </a:blip>
+          <a:stretch>
+            <a:fillRect/>
+          </a:stretch>
+        </p:blipFill>
+        <p:spPr>
+          <a:xfrm>
+            <a:off x="8961406" y="178904"/>
+            <a:ext cx="3048000" cy="1714500"/>
+          </a:xfrm>
+          <a:prstGeom prst="rect">
+            <a:avLst/>
+          </a:prstGeom>
+        </p:spPr>
+      </p:pic>
+      <p:sp>
+        <p:nvSpPr>
           <p:cNvPr id="6" name="Inhaltsplatzhalter 2">
             <a:extLst>
               <a:ext uri="{FF2B5EF4-FFF2-40B4-BE49-F238E27FC236}">
@@ -11609,43 +12631,6 @@
           </a:p>
         </p:txBody>
       </p:sp>
-      <p:sp>
-        <p:nvSpPr>
-          <p:cNvPr id="8" name="Foliennummernplatzhalter 7">
-            <a:extLst>
-              <a:ext uri="{FF2B5EF4-FFF2-40B4-BE49-F238E27FC236}">
-                <a16:creationId xmlns:a16="http://schemas.microsoft.com/office/drawing/2014/main" id="{C57FCD47-3CAE-D407-D927-2FF9B96BA6B9}"/>
-              </a:ext>
-            </a:extLst>
-          </p:cNvPr>
-          <p:cNvSpPr>
-            <a:spLocks noGrp="1"/>
-          </p:cNvSpPr>
-          <p:nvPr>
-            <p:ph type="sldNum" sz="quarter" idx="12"/>
-          </p:nvPr>
-        </p:nvSpPr>
-        <p:spPr>
-          <a:xfrm>
-            <a:off x="838200" y="6356350"/>
-            <a:ext cx="2743200" cy="365125"/>
-          </a:xfrm>
-        </p:spPr>
-        <p:txBody>
-          <a:bodyPr/>
-          <a:lstStyle/>
-          <a:p>
-            <a:fld id="{D841047C-AC16-3847-8358-E80D41A378BA}" type="slidenum">
-              <a:rPr lang="de-DE" smtClean="0"/>
-              <a:t>7</a:t>
-            </a:fld>
-            <a:r>
-              <a:rPr lang="de-DE" dirty="0"/>
-              <a:t>/8</a:t>
-            </a:r>
-          </a:p>
-        </p:txBody>
-      </p:sp>
     </p:spTree>
     <p:extLst>
       <p:ext uri="{BB962C8B-B14F-4D97-AF65-F5344CB8AC3E}">
@@ -11659,7 +12644,7 @@
 </p:sld>
 </file>
 
-<file path=ppt/slides/slide8.xml><?xml version="1.0" encoding="utf-8"?>
+<file path=ppt/slides/slide9.xml><?xml version="1.0" encoding="utf-8"?>
 <p:sld xmlns:a="http://schemas.openxmlformats.org/drawingml/2006/main" xmlns:r="http://schemas.openxmlformats.org/officeDocument/2006/relationships" xmlns:p="http://schemas.openxmlformats.org/presentationml/2006/main">
   <p:cSld>
     <p:spTree>
@@ -11726,21 +12711,15 @@
           <a:lstStyle/>
           <a:p>
             <a:r>
-              <a:rPr lang="en-GB" dirty="0">
-                <a:hlinkClick r:id="rId2"/>
-              </a:rPr>
+              <a:rPr lang="en-GB" dirty="0"/>
               <a:t>https://tsibble.tidyverts.org</a:t>
             </a:r>
-            <a:endParaRPr lang="en-GB" dirty="0"/>
-          </a:p>
-          <a:p>
-            <a:r>
-              <a:rPr lang="en-GB" dirty="0">
-                <a:hlinkClick r:id="rId3"/>
-              </a:rPr>
+          </a:p>
+          <a:p>
+            <a:r>
+              <a:rPr lang="en-GB" dirty="0"/>
               <a:t>https://fable.tidyverts.org</a:t>
             </a:r>
-            <a:endParaRPr lang="en-GB" dirty="0"/>
           </a:p>
           <a:p>
             <a:r>
@@ -11763,12 +12742,9 @@
           </a:p>
           <a:p>
             <a:r>
-              <a:rPr lang="en-GB" dirty="0">
-                <a:hlinkClick r:id="rId4"/>
-              </a:rPr>
+              <a:rPr lang="en-GB" dirty="0"/>
               <a:t>https://www.mitchelloharawild.com/blog/fable/</a:t>
             </a:r>
-            <a:endParaRPr lang="en-GB" dirty="0"/>
           </a:p>
           <a:p>
             <a:r>
@@ -11786,38 +12762,47 @@
           </a:p>
         </p:txBody>
       </p:sp>
-      <p:sp>
-        <p:nvSpPr>
-          <p:cNvPr id="4" name="Foliennummernplatzhalter 3">
+      <p:pic>
+        <p:nvPicPr>
+          <p:cNvPr id="5" name="Kamera 4">
             <a:extLst>
               <a:ext uri="{FF2B5EF4-FFF2-40B4-BE49-F238E27FC236}">
-                <a16:creationId xmlns:a16="http://schemas.microsoft.com/office/drawing/2014/main" id="{96EB39EB-659F-8718-8BA4-CA86BC6E3375}"/>
+                <a16:creationId xmlns:a16="http://schemas.microsoft.com/office/drawing/2014/main" id="{58EF795F-6269-809C-F89B-22538B40A37A}"/>
               </a:ext>
             </a:extLst>
           </p:cNvPr>
-          <p:cNvSpPr>
-            <a:spLocks noGrp="1"/>
-          </p:cNvSpPr>
-          <p:nvPr>
-            <p:ph type="sldNum" sz="quarter" idx="12"/>
-          </p:nvPr>
-        </p:nvSpPr>
-        <p:spPr/>
-        <p:txBody>
-          <a:bodyPr/>
-          <a:lstStyle/>
-          <a:p>
-            <a:fld id="{D841047C-AC16-3847-8358-E80D41A378BA}" type="slidenum">
-              <a:rPr lang="de-DE" smtClean="0"/>
-              <a:t>8</a:t>
-            </a:fld>
-            <a:r>
-              <a:rPr lang="de-DE" dirty="0"/>
-              <a:t>/8</a:t>
-            </a:r>
-          </a:p>
-        </p:txBody>
-      </p:sp>
+          <p:cNvPicPr>
+            <a:picLocks noChangeAspect="1"/>
+            <a:extLst>
+              <a:ext uri="{51228E76-BA90-4043-B771-695A4F85340A}">
+                <alf:liveFeedProps xmlns:alf="http://schemas.microsoft.com/office/drawing/2021/livefeed"/>
+              </a:ext>
+            </a:extLst>
+          </p:cNvPicPr>
+          <p:nvPr/>
+        </p:nvPicPr>
+        <p:blipFill>
+          <a:blip r:embed="rId2">
+            <a:extLst>
+              <a:ext uri="{96DAC541-7B7A-43D3-8B79-37D633B846F1}">
+                <asvg:svgBlip xmlns:asvg="http://schemas.microsoft.com/office/drawing/2016/SVG/main" r:embed="rId3"/>
+              </a:ext>
+            </a:extLst>
+          </a:blip>
+          <a:stretch>
+            <a:fillRect/>
+          </a:stretch>
+        </p:blipFill>
+        <p:spPr>
+          <a:xfrm>
+            <a:off x="8961406" y="178904"/>
+            <a:ext cx="3048000" cy="1714500"/>
+          </a:xfrm>
+          <a:prstGeom prst="rect">
+            <a:avLst/>
+          </a:prstGeom>
+        </p:spPr>
+      </p:pic>
     </p:spTree>
     <p:extLst>
       <p:ext uri="{BB962C8B-B14F-4D97-AF65-F5344CB8AC3E}">

--- a/tsibble and fable.pptx
+++ b/tsibble and fable.pptx
@@ -5,7 +5,7 @@
     <p:sldMasterId id="2147483648" r:id="rId1"/>
   </p:sldMasterIdLst>
   <p:notesMasterIdLst>
-    <p:notesMasterId r:id="rId12"/>
+    <p:notesMasterId r:id="rId13"/>
   </p:notesMasterIdLst>
   <p:sldIdLst>
     <p:sldId id="256" r:id="rId2"/>
@@ -16,8 +16,9 @@
     <p:sldId id="263" r:id="rId7"/>
     <p:sldId id="270" r:id="rId8"/>
     <p:sldId id="271" r:id="rId9"/>
-    <p:sldId id="262" r:id="rId10"/>
-    <p:sldId id="273" r:id="rId11"/>
+    <p:sldId id="274" r:id="rId10"/>
+    <p:sldId id="262" r:id="rId11"/>
+    <p:sldId id="273" r:id="rId12"/>
   </p:sldIdLst>
   <p:sldSz cx="12192000" cy="6858000"/>
   <p:notesSz cx="6858000" cy="9144000"/>
@@ -1241,6 +1242,99 @@
     <p:extLst>
       <p:ext uri="{BB962C8B-B14F-4D97-AF65-F5344CB8AC3E}">
         <p14:creationId xmlns:p14="http://schemas.microsoft.com/office/powerpoint/2010/main" val="1768124088"/>
+      </p:ext>
+    </p:extLst>
+  </p:cSld>
+  <p:clrMapOvr>
+    <a:masterClrMapping/>
+  </p:clrMapOvr>
+</p:notes>
+</file>
+
+<file path=ppt/notesSlides/notesSlide8.xml><?xml version="1.0" encoding="utf-8"?>
+<p:notes xmlns:a="http://schemas.openxmlformats.org/drawingml/2006/main" xmlns:r="http://schemas.openxmlformats.org/officeDocument/2006/relationships" xmlns:p="http://schemas.openxmlformats.org/presentationml/2006/main">
+  <p:cSld>
+    <p:spTree>
+      <p:nvGrpSpPr>
+        <p:cNvPr id="1" name=""/>
+        <p:cNvGrpSpPr/>
+        <p:nvPr/>
+      </p:nvGrpSpPr>
+      <p:grpSpPr>
+        <a:xfrm>
+          <a:off x="0" y="0"/>
+          <a:ext cx="0" cy="0"/>
+          <a:chOff x="0" y="0"/>
+          <a:chExt cx="0" cy="0"/>
+        </a:xfrm>
+      </p:grpSpPr>
+      <p:sp>
+        <p:nvSpPr>
+          <p:cNvPr id="2" name="Folienbildplatzhalter 1"/>
+          <p:cNvSpPr>
+            <a:spLocks noGrp="1" noRot="1" noChangeAspect="1"/>
+          </p:cNvSpPr>
+          <p:nvPr>
+            <p:ph type="sldImg"/>
+          </p:nvPr>
+        </p:nvSpPr>
+        <p:spPr/>
+      </p:sp>
+      <p:sp>
+        <p:nvSpPr>
+          <p:cNvPr id="3" name="Notizenplatzhalter 2"/>
+          <p:cNvSpPr>
+            <a:spLocks noGrp="1"/>
+          </p:cNvSpPr>
+          <p:nvPr>
+            <p:ph type="body" idx="1"/>
+          </p:nvPr>
+        </p:nvSpPr>
+        <p:spPr/>
+        <p:txBody>
+          <a:bodyPr/>
+          <a:lstStyle/>
+          <a:p>
+            <a:r>
+              <a:rPr lang="en-GB" dirty="0"/>
+              <a:t>.</a:t>
+            </a:r>
+          </a:p>
+          <a:p>
+            <a:endParaRPr lang="en-GB" dirty="0"/>
+          </a:p>
+          <a:p>
+            <a:endParaRPr lang="en-GB" dirty="0"/>
+          </a:p>
+        </p:txBody>
+      </p:sp>
+      <p:sp>
+        <p:nvSpPr>
+          <p:cNvPr id="4" name="Foliennummernplatzhalter 3"/>
+          <p:cNvSpPr>
+            <a:spLocks noGrp="1"/>
+          </p:cNvSpPr>
+          <p:nvPr>
+            <p:ph type="sldNum" sz="quarter" idx="5"/>
+          </p:nvPr>
+        </p:nvSpPr>
+        <p:spPr/>
+        <p:txBody>
+          <a:bodyPr/>
+          <a:lstStyle/>
+          <a:p>
+            <a:fld id="{809EEC96-AFE4-AB4C-9F77-BF8C435C8FB7}" type="slidenum">
+              <a:rPr lang="en-GB" smtClean="0"/>
+              <a:t>9</a:t>
+            </a:fld>
+            <a:endParaRPr lang="en-GB"/>
+          </a:p>
+        </p:txBody>
+      </p:sp>
+    </p:spTree>
+    <p:extLst>
+      <p:ext uri="{BB962C8B-B14F-4D97-AF65-F5344CB8AC3E}">
+        <p14:creationId xmlns:p14="http://schemas.microsoft.com/office/powerpoint/2010/main" val="3339186179"/>
       </p:ext>
     </p:extLst>
   </p:cSld>
@@ -4953,6 +5047,178 @@
 </file>
 
 <file path=ppt/slides/slide10.xml><?xml version="1.0" encoding="utf-8"?>
+<p:sld xmlns:a="http://schemas.openxmlformats.org/drawingml/2006/main" xmlns:r="http://schemas.openxmlformats.org/officeDocument/2006/relationships" xmlns:p="http://schemas.openxmlformats.org/presentationml/2006/main">
+  <p:cSld>
+    <p:spTree>
+      <p:nvGrpSpPr>
+        <p:cNvPr id="1" name=""/>
+        <p:cNvGrpSpPr/>
+        <p:nvPr/>
+      </p:nvGrpSpPr>
+      <p:grpSpPr>
+        <a:xfrm>
+          <a:off x="0" y="0"/>
+          <a:ext cx="0" cy="0"/>
+          <a:chOff x="0" y="0"/>
+          <a:chExt cx="0" cy="0"/>
+        </a:xfrm>
+      </p:grpSpPr>
+      <p:sp>
+        <p:nvSpPr>
+          <p:cNvPr id="2" name="Titel 1">
+            <a:extLst>
+              <a:ext uri="{FF2B5EF4-FFF2-40B4-BE49-F238E27FC236}">
+                <a16:creationId xmlns:a16="http://schemas.microsoft.com/office/drawing/2014/main" id="{0B48BBB3-6C1D-1C49-FE89-E5F0BEBE1942}"/>
+              </a:ext>
+            </a:extLst>
+          </p:cNvPr>
+          <p:cNvSpPr>
+            <a:spLocks noGrp="1"/>
+          </p:cNvSpPr>
+          <p:nvPr>
+            <p:ph type="title"/>
+          </p:nvPr>
+        </p:nvSpPr>
+        <p:spPr/>
+        <p:txBody>
+          <a:bodyPr/>
+          <a:lstStyle/>
+          <a:p>
+            <a:r>
+              <a:rPr lang="en-GB" dirty="0"/>
+              <a:t>Further Reading</a:t>
+            </a:r>
+          </a:p>
+        </p:txBody>
+      </p:sp>
+      <p:sp>
+        <p:nvSpPr>
+          <p:cNvPr id="3" name="Inhaltsplatzhalter 2">
+            <a:extLst>
+              <a:ext uri="{FF2B5EF4-FFF2-40B4-BE49-F238E27FC236}">
+                <a16:creationId xmlns:a16="http://schemas.microsoft.com/office/drawing/2014/main" id="{A19D6F9B-F207-802B-2B37-FF4683C12746}"/>
+              </a:ext>
+            </a:extLst>
+          </p:cNvPr>
+          <p:cNvSpPr>
+            <a:spLocks noGrp="1"/>
+          </p:cNvSpPr>
+          <p:nvPr>
+            <p:ph idx="1"/>
+          </p:nvPr>
+        </p:nvSpPr>
+        <p:spPr/>
+        <p:txBody>
+          <a:bodyPr/>
+          <a:lstStyle/>
+          <a:p>
+            <a:r>
+              <a:rPr lang="en-GB" dirty="0"/>
+              <a:t>https://tsibble.tidyverts.org</a:t>
+            </a:r>
+          </a:p>
+          <a:p>
+            <a:r>
+              <a:rPr lang="en-GB" dirty="0"/>
+              <a:t>https://fable.tidyverts.org</a:t>
+            </a:r>
+          </a:p>
+          <a:p>
+            <a:r>
+              <a:rPr lang="en-GB" dirty="0"/>
+              <a:t>http://</a:t>
+            </a:r>
+            <a:r>
+              <a:rPr lang="en-GB" dirty="0" err="1"/>
+              <a:t>cran.nexr.com</a:t>
+            </a:r>
+            <a:r>
+              <a:rPr lang="en-GB" dirty="0"/>
+              <a:t>/web/packages/tsibble/vignettes/intro-</a:t>
+            </a:r>
+            <a:r>
+              <a:rPr lang="en-GB" dirty="0" err="1"/>
+              <a:t>tsibble.html</a:t>
+            </a:r>
+            <a:endParaRPr lang="en-GB" dirty="0"/>
+          </a:p>
+          <a:p>
+            <a:r>
+              <a:rPr lang="en-GB" dirty="0"/>
+              <a:t>https://www.mitchelloharawild.com/blog/fable/</a:t>
+            </a:r>
+          </a:p>
+          <a:p>
+            <a:r>
+              <a:rPr lang="en-GB" dirty="0"/>
+              <a:t>https://</a:t>
+            </a:r>
+            <a:r>
+              <a:rPr lang="en-GB" dirty="0" err="1"/>
+              <a:t>otexts.com</a:t>
+            </a:r>
+            <a:r>
+              <a:rPr lang="en-GB" dirty="0"/>
+              <a:t>/fpp3/</a:t>
+            </a:r>
+          </a:p>
+        </p:txBody>
+      </p:sp>
+      <p:pic>
+        <p:nvPicPr>
+          <p:cNvPr id="5" name="Kamera 4">
+            <a:extLst>
+              <a:ext uri="{FF2B5EF4-FFF2-40B4-BE49-F238E27FC236}">
+                <a16:creationId xmlns:a16="http://schemas.microsoft.com/office/drawing/2014/main" id="{58EF795F-6269-809C-F89B-22538B40A37A}"/>
+              </a:ext>
+            </a:extLst>
+          </p:cNvPr>
+          <p:cNvPicPr>
+            <a:picLocks noChangeAspect="1"/>
+            <a:extLst>
+              <a:ext uri="{51228E76-BA90-4043-B771-695A4F85340A}">
+                <alf:liveFeedProps xmlns:alf="http://schemas.microsoft.com/office/drawing/2021/livefeed"/>
+              </a:ext>
+            </a:extLst>
+          </p:cNvPicPr>
+          <p:nvPr/>
+        </p:nvPicPr>
+        <p:blipFill>
+          <a:blip r:embed="rId2">
+            <a:extLst>
+              <a:ext uri="{96DAC541-7B7A-43D3-8B79-37D633B846F1}">
+                <asvg:svgBlip xmlns:asvg="http://schemas.microsoft.com/office/drawing/2016/SVG/main" r:embed="rId3"/>
+              </a:ext>
+            </a:extLst>
+          </a:blip>
+          <a:stretch>
+            <a:fillRect/>
+          </a:stretch>
+        </p:blipFill>
+        <p:spPr>
+          <a:xfrm>
+            <a:off x="8961406" y="178904"/>
+            <a:ext cx="3048000" cy="1714500"/>
+          </a:xfrm>
+          <a:prstGeom prst="rect">
+            <a:avLst/>
+          </a:prstGeom>
+        </p:spPr>
+      </p:pic>
+    </p:spTree>
+    <p:extLst>
+      <p:ext uri="{BB962C8B-B14F-4D97-AF65-F5344CB8AC3E}">
+        <p14:creationId xmlns:p14="http://schemas.microsoft.com/office/powerpoint/2010/main" val="3193531583"/>
+      </p:ext>
+    </p:extLst>
+  </p:cSld>
+  <p:clrMapOvr>
+    <a:masterClrMapping/>
+  </p:clrMapOvr>
+</p:sld>
+</file>
+
+<file path=ppt/slides/slide11.xml><?xml version="1.0" encoding="utf-8"?>
 <p:sld xmlns:a="http://schemas.openxmlformats.org/drawingml/2006/main" xmlns:r="http://schemas.openxmlformats.org/officeDocument/2006/relationships" xmlns:p="http://schemas.openxmlformats.org/presentationml/2006/main">
   <p:cSld>
     <p:spTree>
@@ -11295,6 +11561,36 @@
           </a:p>
         </p:txBody>
       </p:sp>
+      <p:pic>
+        <p:nvPicPr>
+          <p:cNvPr id="16" name="Grafik 15">
+            <a:extLst>
+              <a:ext uri="{FF2B5EF4-FFF2-40B4-BE49-F238E27FC236}">
+                <a16:creationId xmlns:a16="http://schemas.microsoft.com/office/drawing/2014/main" id="{F4ADBC57-89F0-ED42-FCE2-BC1A4D4B51E5}"/>
+              </a:ext>
+            </a:extLst>
+          </p:cNvPr>
+          <p:cNvPicPr>
+            <a:picLocks noChangeAspect="1"/>
+          </p:cNvPicPr>
+          <p:nvPr/>
+        </p:nvPicPr>
+        <p:blipFill>
+          <a:blip r:embed="rId5"/>
+          <a:stretch>
+            <a:fillRect/>
+          </a:stretch>
+        </p:blipFill>
+        <p:spPr>
+          <a:xfrm>
+            <a:off x="6339537" y="3074086"/>
+            <a:ext cx="5351720" cy="3307332"/>
+          </a:xfrm>
+          <a:prstGeom prst="rect">
+            <a:avLst/>
+          </a:prstGeom>
+        </p:spPr>
+      </p:pic>
     </p:spTree>
     <p:extLst>
       <p:ext uri="{BB962C8B-B14F-4D97-AF65-F5344CB8AC3E}">
@@ -12647,6 +12943,14 @@
 <file path=ppt/slides/slide9.xml><?xml version="1.0" encoding="utf-8"?>
 <p:sld xmlns:a="http://schemas.openxmlformats.org/drawingml/2006/main" xmlns:r="http://schemas.openxmlformats.org/officeDocument/2006/relationships" xmlns:p="http://schemas.openxmlformats.org/presentationml/2006/main">
   <p:cSld>
+    <p:bg>
+      <p:bgPr>
+        <a:solidFill>
+          <a:schemeClr val="bg1"/>
+        </a:solidFill>
+        <a:effectLst/>
+      </p:bgPr>
+    </p:bg>
     <p:spTree>
       <p:nvGrpSpPr>
         <p:cNvPr id="1" name=""/>
@@ -12661,12 +12965,295 @@
           <a:chExt cx="0" cy="0"/>
         </a:xfrm>
       </p:grpSpPr>
+      <p:sp useBgFill="1">
+        <p:nvSpPr>
+          <p:cNvPr id="15" name="Rectangle 14">
+            <a:extLst>
+              <a:ext uri="{FF2B5EF4-FFF2-40B4-BE49-F238E27FC236}">
+                <a16:creationId xmlns:a16="http://schemas.microsoft.com/office/drawing/2014/main" id="{149FB5C3-7336-4FE0-A30C-CC0A3646D499}"/>
+              </a:ext>
+              <a:ext uri="{C183D7F6-B498-43B3-948B-1728B52AA6E4}">
+                <adec:decorative xmlns:adec="http://schemas.microsoft.com/office/drawing/2017/decorative" val="1"/>
+              </a:ext>
+            </a:extLst>
+          </p:cNvPr>
+          <p:cNvSpPr>
+            <a:spLocks noGrp="1" noRot="1" noChangeAspect="1" noMove="1" noResize="1" noEditPoints="1" noAdjustHandles="1" noChangeArrowheads="1" noChangeShapeType="1" noTextEdit="1"/>
+          </p:cNvSpPr>
+          <p:nvPr>
+            <p:extLst>
+              <p:ext uri="{386F3935-93C4-4BCD-93E2-E3B085C9AB24}">
+                <p16:designElem xmlns:p16="http://schemas.microsoft.com/office/powerpoint/2015/main" val="1"/>
+              </p:ext>
+            </p:extLst>
+          </p:nvPr>
+        </p:nvSpPr>
+        <p:spPr>
+          <a:xfrm>
+            <a:off x="0" y="0"/>
+            <a:ext cx="12191999" cy="6857365"/>
+          </a:xfrm>
+          <a:prstGeom prst="rect">
+            <a:avLst/>
+          </a:prstGeom>
+          <a:ln>
+            <a:noFill/>
+          </a:ln>
+        </p:spPr>
+        <p:style>
+          <a:lnRef idx="2">
+            <a:schemeClr val="accent1">
+              <a:shade val="50000"/>
+            </a:schemeClr>
+          </a:lnRef>
+          <a:fillRef idx="1">
+            <a:schemeClr val="accent1"/>
+          </a:fillRef>
+          <a:effectRef idx="0">
+            <a:schemeClr val="accent1"/>
+          </a:effectRef>
+          <a:fontRef idx="minor">
+            <a:schemeClr val="lt1"/>
+          </a:fontRef>
+        </p:style>
+        <p:txBody>
+          <a:bodyPr rtlCol="0" anchor="ctr"/>
+          <a:lstStyle/>
+          <a:p>
+            <a:pPr algn="ctr"/>
+            <a:endParaRPr lang="en-US"/>
+          </a:p>
+        </p:txBody>
+      </p:sp>
+      <p:grpSp>
+        <p:nvGrpSpPr>
+          <p:cNvPr id="17" name="Group 16">
+            <a:extLst>
+              <a:ext uri="{FF2B5EF4-FFF2-40B4-BE49-F238E27FC236}">
+                <a16:creationId xmlns:a16="http://schemas.microsoft.com/office/drawing/2014/main" id="{19A6B5CE-CB1D-48EE-8B43-E952235C8371}"/>
+              </a:ext>
+              <a:ext uri="{C183D7F6-B498-43B3-948B-1728B52AA6E4}">
+                <adec:decorative xmlns:adec="http://schemas.microsoft.com/office/drawing/2017/decorative" val="1"/>
+              </a:ext>
+            </a:extLst>
+          </p:cNvPr>
+          <p:cNvGrpSpPr>
+            <a:grpSpLocks noGrp="1" noUngrp="1" noRot="1" noChangeAspect="1" noMove="1" noResize="1"/>
+          </p:cNvGrpSpPr>
+          <p:nvPr>
+            <p:extLst>
+              <p:ext uri="{386F3935-93C4-4BCD-93E2-E3B085C9AB24}">
+                <p16:designElem xmlns:p16="http://schemas.microsoft.com/office/powerpoint/2015/main" val="1"/>
+              </p:ext>
+            </p:extLst>
+          </p:nvPr>
+        </p:nvGrpSpPr>
+        <p:grpSpPr>
+          <a:xfrm rot="5400000">
+            <a:off x="-2340441" y="2666183"/>
+            <a:ext cx="5860051" cy="527712"/>
+            <a:chOff x="6081624" y="1998368"/>
+            <a:chExt cx="5613457" cy="782175"/>
+          </a:xfrm>
+          <a:solidFill>
+            <a:schemeClr val="accent4"/>
+          </a:solidFill>
+        </p:grpSpPr>
+        <p:sp>
+          <p:nvSpPr>
+            <p:cNvPr id="18" name="Rectangle 17">
+              <a:extLst>
+                <a:ext uri="{FF2B5EF4-FFF2-40B4-BE49-F238E27FC236}">
+                  <a16:creationId xmlns:a16="http://schemas.microsoft.com/office/drawing/2014/main" id="{E3F3EAA5-4E15-400B-BBA3-82B3F49A2178}"/>
+                </a:ext>
+                <a:ext uri="{C183D7F6-B498-43B3-948B-1728B52AA6E4}">
+                  <adec:decorative xmlns:adec="http://schemas.microsoft.com/office/drawing/2017/decorative" val="1"/>
+                </a:ext>
+              </a:extLst>
+            </p:cNvPr>
+            <p:cNvSpPr/>
+            <p:nvPr>
+              <p:extLst>
+                <p:ext uri="{386F3935-93C4-4BCD-93E2-E3B085C9AB24}">
+                  <p16:designElem xmlns:p16="http://schemas.microsoft.com/office/powerpoint/2015/main" val="1"/>
+                </p:ext>
+              </p:extLst>
+            </p:nvPr>
+          </p:nvSpPr>
+          <p:spPr>
+            <a:xfrm rot="5400000">
+              <a:off x="11228040" y="2313027"/>
+              <a:ext cx="781700" cy="152382"/>
+            </a:xfrm>
+            <a:prstGeom prst="rect">
+              <a:avLst/>
+            </a:prstGeom>
+            <a:grpFill/>
+            <a:ln>
+              <a:noFill/>
+            </a:ln>
+          </p:spPr>
+          <p:style>
+            <a:lnRef idx="2">
+              <a:schemeClr val="accent1">
+                <a:shade val="50000"/>
+              </a:schemeClr>
+            </a:lnRef>
+            <a:fillRef idx="1">
+              <a:schemeClr val="accent1"/>
+            </a:fillRef>
+            <a:effectRef idx="0">
+              <a:schemeClr val="accent1"/>
+            </a:effectRef>
+            <a:fontRef idx="minor">
+              <a:schemeClr val="lt1"/>
+            </a:fontRef>
+          </p:style>
+          <p:txBody>
+            <a:bodyPr rtlCol="0" anchor="ctr"/>
+            <a:lstStyle/>
+            <a:p>
+              <a:pPr algn="ctr"/>
+              <a:endParaRPr lang="en-US"/>
+            </a:p>
+          </p:txBody>
+        </p:sp>
+        <p:sp>
+          <p:nvSpPr>
+            <p:cNvPr id="19" name="Rectangle 18">
+              <a:extLst>
+                <a:ext uri="{FF2B5EF4-FFF2-40B4-BE49-F238E27FC236}">
+                  <a16:creationId xmlns:a16="http://schemas.microsoft.com/office/drawing/2014/main" id="{72BA2E40-BE9B-4C54-9CDD-40EE804CCE64}"/>
+                </a:ext>
+                <a:ext uri="{C183D7F6-B498-43B3-948B-1728B52AA6E4}">
+                  <adec:decorative xmlns:adec="http://schemas.microsoft.com/office/drawing/2017/decorative" val="1"/>
+                </a:ext>
+              </a:extLst>
+            </p:cNvPr>
+            <p:cNvSpPr/>
+            <p:nvPr>
+              <p:extLst>
+                <p:ext uri="{386F3935-93C4-4BCD-93E2-E3B085C9AB24}">
+                  <p16:designElem xmlns:p16="http://schemas.microsoft.com/office/powerpoint/2015/main" val="1"/>
+                </p:ext>
+              </p:extLst>
+            </p:nvPr>
+          </p:nvSpPr>
+          <p:spPr>
+            <a:xfrm flipH="1" flipV="1">
+              <a:off x="6081624" y="1998844"/>
+              <a:ext cx="5372968" cy="781699"/>
+            </a:xfrm>
+            <a:prstGeom prst="rect">
+              <a:avLst/>
+            </a:prstGeom>
+            <a:grpFill/>
+            <a:ln>
+              <a:noFill/>
+            </a:ln>
+          </p:spPr>
+          <p:style>
+            <a:lnRef idx="2">
+              <a:schemeClr val="accent1">
+                <a:shade val="50000"/>
+              </a:schemeClr>
+            </a:lnRef>
+            <a:fillRef idx="1">
+              <a:schemeClr val="accent1"/>
+            </a:fillRef>
+            <a:effectRef idx="0">
+              <a:schemeClr val="accent1"/>
+            </a:effectRef>
+            <a:fontRef idx="minor">
+              <a:schemeClr val="lt1"/>
+            </a:fontRef>
+          </p:style>
+          <p:txBody>
+            <a:bodyPr rtlCol="0" anchor="ctr"/>
+            <a:lstStyle/>
+            <a:p>
+              <a:pPr algn="ctr"/>
+              <a:endParaRPr lang="en-US"/>
+            </a:p>
+          </p:txBody>
+        </p:sp>
+      </p:grpSp>
+      <p:sp>
+        <p:nvSpPr>
+          <p:cNvPr id="21" name="Rectangle 20">
+            <a:extLst>
+              <a:ext uri="{FF2B5EF4-FFF2-40B4-BE49-F238E27FC236}">
+                <a16:creationId xmlns:a16="http://schemas.microsoft.com/office/drawing/2014/main" id="{0DA909B4-15FF-46A6-8A7F-7AEF977FE9ED}"/>
+              </a:ext>
+              <a:ext uri="{C183D7F6-B498-43B3-948B-1728B52AA6E4}">
+                <adec:decorative xmlns:adec="http://schemas.microsoft.com/office/drawing/2017/decorative" val="1"/>
+              </a:ext>
+            </a:extLst>
+          </p:cNvPr>
+          <p:cNvSpPr>
+            <a:spLocks noGrp="1" noRot="1" noChangeAspect="1" noMove="1" noResize="1" noEditPoints="1" noAdjustHandles="1" noChangeArrowheads="1" noChangeShapeType="1" noTextEdit="1"/>
+          </p:cNvSpPr>
+          <p:nvPr>
+            <p:extLst>
+              <p:ext uri="{386F3935-93C4-4BCD-93E2-E3B085C9AB24}">
+                <p16:designElem xmlns:p16="http://schemas.microsoft.com/office/powerpoint/2015/main" val="1"/>
+              </p:ext>
+            </p:extLst>
+          </p:nvPr>
+        </p:nvSpPr>
+        <p:spPr>
+          <a:xfrm>
+            <a:off x="579528" y="517897"/>
+            <a:ext cx="11111729" cy="5857966"/>
+          </a:xfrm>
+          <a:prstGeom prst="rect">
+            <a:avLst/>
+          </a:prstGeom>
+          <a:solidFill>
+            <a:schemeClr val="bg1"/>
+          </a:solidFill>
+          <a:ln>
+            <a:noFill/>
+          </a:ln>
+          <a:effectLst>
+            <a:outerShdw blurRad="139700" dist="127000" dir="5400000" algn="t" rotWithShape="0">
+              <a:prstClr val="black">
+                <a:alpha val="15000"/>
+              </a:prstClr>
+            </a:outerShdw>
+          </a:effectLst>
+        </p:spPr>
+        <p:style>
+          <a:lnRef idx="2">
+            <a:schemeClr val="accent1">
+              <a:shade val="50000"/>
+            </a:schemeClr>
+          </a:lnRef>
+          <a:fillRef idx="1">
+            <a:schemeClr val="accent1"/>
+          </a:fillRef>
+          <a:effectRef idx="0">
+            <a:schemeClr val="accent1"/>
+          </a:effectRef>
+          <a:fontRef idx="minor">
+            <a:schemeClr val="lt1"/>
+          </a:fontRef>
+        </p:style>
+        <p:txBody>
+          <a:bodyPr rtlCol="0" anchor="ctr"/>
+          <a:lstStyle/>
+          <a:p>
+            <a:pPr algn="ctr"/>
+            <a:endParaRPr lang="en-US"/>
+          </a:p>
+        </p:txBody>
+      </p:sp>
       <p:sp>
         <p:nvSpPr>
           <p:cNvPr id="2" name="Titel 1">
             <a:extLst>
               <a:ext uri="{FF2B5EF4-FFF2-40B4-BE49-F238E27FC236}">
-                <a16:creationId xmlns:a16="http://schemas.microsoft.com/office/drawing/2014/main" id="{0B48BBB3-6C1D-1C49-FE89-E5F0BEBE1942}"/>
+                <a16:creationId xmlns:a16="http://schemas.microsoft.com/office/drawing/2014/main" id="{F6655BA3-676A-D955-E13C-5A2890900397}"/>
               </a:ext>
             </a:extLst>
           </p:cNvPr>
@@ -12677,97 +13264,95 @@
             <p:ph type="title"/>
           </p:nvPr>
         </p:nvSpPr>
-        <p:spPr/>
+        <p:spPr>
+          <a:xfrm>
+            <a:off x="1055713" y="663695"/>
+            <a:ext cx="7845156" cy="1169585"/>
+          </a:xfrm>
+        </p:spPr>
         <p:txBody>
-          <a:bodyPr/>
+          <a:bodyPr anchor="t">
+            <a:normAutofit/>
+          </a:bodyPr>
           <a:lstStyle/>
           <a:p>
             <a:r>
-              <a:rPr lang="en-GB" dirty="0"/>
-              <a:t>Further Reading</a:t>
-            </a:r>
+              <a:rPr lang="en-GB" sz="4000" dirty="0"/>
+              <a:t>Producing forecasts</a:t>
+            </a:r>
+            <a:endParaRPr lang="en-GB" sz="3700" dirty="0"/>
           </a:p>
         </p:txBody>
       </p:sp>
       <p:sp>
         <p:nvSpPr>
-          <p:cNvPr id="3" name="Inhaltsplatzhalter 2">
+          <p:cNvPr id="23" name="Rectangle 22">
             <a:extLst>
               <a:ext uri="{FF2B5EF4-FFF2-40B4-BE49-F238E27FC236}">
-                <a16:creationId xmlns:a16="http://schemas.microsoft.com/office/drawing/2014/main" id="{A19D6F9B-F207-802B-2B37-FF4683C12746}"/>
+                <a16:creationId xmlns:a16="http://schemas.microsoft.com/office/drawing/2014/main" id="{1382A32C-5B0C-4B1C-A074-76C6DBCC9F87}"/>
+              </a:ext>
+              <a:ext uri="{C183D7F6-B498-43B3-948B-1728B52AA6E4}">
+                <adec:decorative xmlns:adec="http://schemas.microsoft.com/office/drawing/2017/decorative" val="1"/>
               </a:ext>
             </a:extLst>
           </p:cNvPr>
           <p:cNvSpPr>
-            <a:spLocks noGrp="1"/>
+            <a:spLocks noGrp="1" noRot="1" noChangeAspect="1" noMove="1" noResize="1" noEditPoints="1" noAdjustHandles="1" noChangeArrowheads="1" noChangeShapeType="1" noTextEdit="1"/>
           </p:cNvSpPr>
           <p:nvPr>
-            <p:ph idx="1"/>
+            <p:extLst>
+              <p:ext uri="{386F3935-93C4-4BCD-93E2-E3B085C9AB24}">
+                <p16:designElem xmlns:p16="http://schemas.microsoft.com/office/powerpoint/2015/main" val="1"/>
+              </p:ext>
+            </p:extLst>
           </p:nvPr>
         </p:nvSpPr>
-        <p:spPr/>
+        <p:spPr>
+          <a:xfrm flipH="1">
+            <a:off x="1055714" y="2263365"/>
+            <a:ext cx="4937760" cy="27432"/>
+          </a:xfrm>
+          <a:prstGeom prst="rect">
+            <a:avLst/>
+          </a:prstGeom>
+          <a:solidFill>
+            <a:schemeClr val="accent4"/>
+          </a:solidFill>
+          <a:ln>
+            <a:noFill/>
+          </a:ln>
+        </p:spPr>
+        <p:style>
+          <a:lnRef idx="2">
+            <a:schemeClr val="accent1">
+              <a:shade val="50000"/>
+            </a:schemeClr>
+          </a:lnRef>
+          <a:fillRef idx="1">
+            <a:schemeClr val="accent1"/>
+          </a:fillRef>
+          <a:effectRef idx="0">
+            <a:schemeClr val="accent1"/>
+          </a:effectRef>
+          <a:fontRef idx="minor">
+            <a:schemeClr val="lt1"/>
+          </a:fontRef>
+        </p:style>
         <p:txBody>
-          <a:bodyPr/>
+          <a:bodyPr rtlCol="0" anchor="ctr"/>
           <a:lstStyle/>
           <a:p>
-            <a:r>
-              <a:rPr lang="en-GB" dirty="0"/>
-              <a:t>https://tsibble.tidyverts.org</a:t>
-            </a:r>
-          </a:p>
-          <a:p>
-            <a:r>
-              <a:rPr lang="en-GB" dirty="0"/>
-              <a:t>https://fable.tidyverts.org</a:t>
-            </a:r>
-          </a:p>
-          <a:p>
-            <a:r>
-              <a:rPr lang="en-GB" dirty="0"/>
-              <a:t>http://</a:t>
-            </a:r>
-            <a:r>
-              <a:rPr lang="en-GB" dirty="0" err="1"/>
-              <a:t>cran.nexr.com</a:t>
-            </a:r>
-            <a:r>
-              <a:rPr lang="en-GB" dirty="0"/>
-              <a:t>/web/packages/tsibble/vignettes/intro-</a:t>
-            </a:r>
-            <a:r>
-              <a:rPr lang="en-GB" dirty="0" err="1"/>
-              <a:t>tsibble.html</a:t>
-            </a:r>
-            <a:endParaRPr lang="en-GB" dirty="0"/>
-          </a:p>
-          <a:p>
-            <a:r>
-              <a:rPr lang="en-GB" dirty="0"/>
-              <a:t>https://www.mitchelloharawild.com/blog/fable/</a:t>
-            </a:r>
-          </a:p>
-          <a:p>
-            <a:r>
-              <a:rPr lang="en-GB" dirty="0"/>
-              <a:t>https://</a:t>
-            </a:r>
-            <a:r>
-              <a:rPr lang="en-GB" dirty="0" err="1"/>
-              <a:t>otexts.com</a:t>
-            </a:r>
-            <a:r>
-              <a:rPr lang="en-GB" dirty="0"/>
-              <a:t>/fpp3/</a:t>
-            </a:r>
+            <a:pPr algn="ctr"/>
+            <a:endParaRPr lang="en-US"/>
           </a:p>
         </p:txBody>
       </p:sp>
       <p:pic>
         <p:nvPicPr>
-          <p:cNvPr id="5" name="Kamera 4">
+          <p:cNvPr id="3" name="Kamera 2">
             <a:extLst>
               <a:ext uri="{FF2B5EF4-FFF2-40B4-BE49-F238E27FC236}">
-                <a16:creationId xmlns:a16="http://schemas.microsoft.com/office/drawing/2014/main" id="{58EF795F-6269-809C-F89B-22538B40A37A}"/>
+                <a16:creationId xmlns:a16="http://schemas.microsoft.com/office/drawing/2014/main" id="{18C3FFBC-239F-FC30-2E9D-D5022F0510C7}"/>
               </a:ext>
             </a:extLst>
           </p:cNvPr>
@@ -12782,10 +13367,10 @@
           <p:nvPr/>
         </p:nvPicPr>
         <p:blipFill>
-          <a:blip r:embed="rId2">
+          <a:blip r:embed="rId3">
             <a:extLst>
               <a:ext uri="{96DAC541-7B7A-43D3-8B79-37D633B846F1}">
-                <asvg:svgBlip xmlns:asvg="http://schemas.microsoft.com/office/drawing/2016/SVG/main" r:embed="rId3"/>
+                <asvg:svgBlip xmlns:asvg="http://schemas.microsoft.com/office/drawing/2016/SVG/main" r:embed="rId4"/>
               </a:ext>
             </a:extLst>
           </a:blip>
@@ -12803,10 +13388,40 @@
           </a:prstGeom>
         </p:spPr>
       </p:pic>
+      <p:pic>
+        <p:nvPicPr>
+          <p:cNvPr id="9" name="Grafik 8">
+            <a:extLst>
+              <a:ext uri="{FF2B5EF4-FFF2-40B4-BE49-F238E27FC236}">
+                <a16:creationId xmlns:a16="http://schemas.microsoft.com/office/drawing/2014/main" id="{DFDD73D7-0D69-3912-A047-8210EBCF9557}"/>
+              </a:ext>
+            </a:extLst>
+          </p:cNvPr>
+          <p:cNvPicPr>
+            <a:picLocks noChangeAspect="1"/>
+          </p:cNvPicPr>
+          <p:nvPr/>
+        </p:nvPicPr>
+        <p:blipFill>
+          <a:blip r:embed="rId5"/>
+          <a:stretch>
+            <a:fillRect/>
+          </a:stretch>
+        </p:blipFill>
+        <p:spPr>
+          <a:xfrm>
+            <a:off x="783770" y="1391008"/>
+            <a:ext cx="7772400" cy="4803297"/>
+          </a:xfrm>
+          <a:prstGeom prst="rect">
+            <a:avLst/>
+          </a:prstGeom>
+        </p:spPr>
+      </p:pic>
     </p:spTree>
     <p:extLst>
       <p:ext uri="{BB962C8B-B14F-4D97-AF65-F5344CB8AC3E}">
-        <p14:creationId xmlns:p14="http://schemas.microsoft.com/office/powerpoint/2010/main" val="3193531583"/>
+        <p14:creationId xmlns:p14="http://schemas.microsoft.com/office/powerpoint/2010/main" val="1488493014"/>
       </p:ext>
     </p:extLst>
   </p:cSld>

--- a/tsibble and fable.pptx
+++ b/tsibble and fable.pptx
@@ -5235,107 +5235,51 @@
           <a:chExt cx="0" cy="0"/>
         </a:xfrm>
       </p:grpSpPr>
-      <p:sp>
-        <p:nvSpPr>
-          <p:cNvPr id="2" name="Titel 1">
+      <p:pic>
+        <p:nvPicPr>
+          <p:cNvPr id="1026" name="Picture 2">
             <a:extLst>
               <a:ext uri="{FF2B5EF4-FFF2-40B4-BE49-F238E27FC236}">
-                <a16:creationId xmlns:a16="http://schemas.microsoft.com/office/drawing/2014/main" id="{0B48BBB3-6C1D-1C49-FE89-E5F0BEBE1942}"/>
+                <a16:creationId xmlns:a16="http://schemas.microsoft.com/office/drawing/2014/main" id="{B95F7455-4579-907F-6CC7-61770B56C0B3}"/>
               </a:ext>
             </a:extLst>
           </p:cNvPr>
-          <p:cNvSpPr>
-            <a:spLocks noGrp="1"/>
-          </p:cNvSpPr>
-          <p:nvPr>
-            <p:ph type="title"/>
-          </p:nvPr>
-        </p:nvSpPr>
-        <p:spPr/>
-        <p:txBody>
-          <a:bodyPr/>
-          <a:lstStyle/>
-          <a:p>
-            <a:r>
-              <a:rPr lang="en-GB" dirty="0"/>
-              <a:t>Further Reading</a:t>
-            </a:r>
-          </a:p>
-        </p:txBody>
-      </p:sp>
-      <p:sp>
-        <p:nvSpPr>
-          <p:cNvPr id="3" name="Inhaltsplatzhalter 2">
-            <a:extLst>
-              <a:ext uri="{FF2B5EF4-FFF2-40B4-BE49-F238E27FC236}">
-                <a16:creationId xmlns:a16="http://schemas.microsoft.com/office/drawing/2014/main" id="{A19D6F9B-F207-802B-2B37-FF4683C12746}"/>
-              </a:ext>
-            </a:extLst>
-          </p:cNvPr>
-          <p:cNvSpPr>
-            <a:spLocks noGrp="1"/>
-          </p:cNvSpPr>
-          <p:nvPr>
-            <p:ph idx="1"/>
-          </p:nvPr>
-        </p:nvSpPr>
-        <p:spPr/>
-        <p:txBody>
-          <a:bodyPr/>
-          <a:lstStyle/>
-          <a:p>
-            <a:r>
-              <a:rPr lang="en-GB" dirty="0"/>
-              <a:t>https://tsibble.tidyverts.org</a:t>
-            </a:r>
-          </a:p>
-          <a:p>
-            <a:r>
-              <a:rPr lang="en-GB" dirty="0"/>
-              <a:t>https://fable.tidyverts.org</a:t>
-            </a:r>
-          </a:p>
-          <a:p>
-            <a:r>
-              <a:rPr lang="en-GB" dirty="0"/>
-              <a:t>http://</a:t>
-            </a:r>
-            <a:r>
-              <a:rPr lang="en-GB" dirty="0" err="1"/>
-              <a:t>cran.nexr.com</a:t>
-            </a:r>
-            <a:r>
-              <a:rPr lang="en-GB" dirty="0"/>
-              <a:t>/web/packages/tsibble/vignettes/intro-</a:t>
-            </a:r>
-            <a:r>
-              <a:rPr lang="en-GB" dirty="0" err="1"/>
-              <a:t>tsibble.html</a:t>
-            </a:r>
-            <a:endParaRPr lang="en-GB" dirty="0"/>
-          </a:p>
-          <a:p>
-            <a:r>
-              <a:rPr lang="en-GB" dirty="0"/>
-              <a:t>https://www.mitchelloharawild.com/blog/fable/</a:t>
-            </a:r>
-          </a:p>
-          <a:p>
-            <a:r>
-              <a:rPr lang="en-GB" dirty="0"/>
-              <a:t>https://</a:t>
-            </a:r>
-            <a:r>
-              <a:rPr lang="en-GB" dirty="0" err="1"/>
-              <a:t>otexts.com</a:t>
-            </a:r>
-            <a:r>
-              <a:rPr lang="en-GB" dirty="0"/>
-              <a:t>/fpp3/</a:t>
-            </a:r>
-          </a:p>
-        </p:txBody>
-      </p:sp>
+          <p:cNvPicPr>
+            <a:picLocks noChangeAspect="1" noChangeArrowheads="1"/>
+          </p:cNvPicPr>
+          <p:nvPr/>
+        </p:nvPicPr>
+        <p:blipFill rotWithShape="1">
+          <a:blip r:embed="rId2">
+            <a:extLst>
+              <a:ext uri="{28A0092B-C50C-407E-A947-70E740481C1C}">
+                <a14:useLocalDpi xmlns:a14="http://schemas.microsoft.com/office/drawing/2010/main" val="0"/>
+              </a:ext>
+            </a:extLst>
+          </a:blip>
+          <a:srcRect b="11475"/>
+          <a:stretch/>
+        </p:blipFill>
+        <p:spPr bwMode="auto">
+          <a:xfrm>
+            <a:off x="3071812" y="393492"/>
+            <a:ext cx="6048375" cy="6071016"/>
+          </a:xfrm>
+          <a:prstGeom prst="rect">
+            <a:avLst/>
+          </a:prstGeom>
+          <a:noFill/>
+          <a:extLst>
+            <a:ext uri="{909E8E84-426E-40DD-AFC4-6F175D3DCCD1}">
+              <a14:hiddenFill xmlns:a14="http://schemas.microsoft.com/office/drawing/2010/main">
+                <a:solidFill>
+                  <a:srgbClr val="FFFFFF"/>
+                </a:solidFill>
+              </a14:hiddenFill>
+            </a:ext>
+          </a:extLst>
+        </p:spPr>
+      </p:pic>
     </p:spTree>
     <p:extLst>
       <p:ext uri="{BB962C8B-B14F-4D97-AF65-F5344CB8AC3E}">

--- a/tsibble and fable.pptx
+++ b/tsibble and fable.pptx
@@ -5,20 +5,22 @@
     <p:sldMasterId id="2147483648" r:id="rId1"/>
   </p:sldMasterIdLst>
   <p:notesMasterIdLst>
-    <p:notesMasterId r:id="rId13"/>
+    <p:notesMasterId r:id="rId15"/>
   </p:notesMasterIdLst>
   <p:sldIdLst>
     <p:sldId id="256" r:id="rId2"/>
     <p:sldId id="257" r:id="rId3"/>
-    <p:sldId id="267" r:id="rId4"/>
-    <p:sldId id="269" r:id="rId5"/>
-    <p:sldId id="272" r:id="rId6"/>
-    <p:sldId id="263" r:id="rId7"/>
-    <p:sldId id="270" r:id="rId8"/>
-    <p:sldId id="271" r:id="rId9"/>
-    <p:sldId id="274" r:id="rId10"/>
-    <p:sldId id="262" r:id="rId11"/>
-    <p:sldId id="273" r:id="rId12"/>
+    <p:sldId id="275" r:id="rId4"/>
+    <p:sldId id="267" r:id="rId5"/>
+    <p:sldId id="276" r:id="rId6"/>
+    <p:sldId id="269" r:id="rId7"/>
+    <p:sldId id="272" r:id="rId8"/>
+    <p:sldId id="263" r:id="rId9"/>
+    <p:sldId id="270" r:id="rId10"/>
+    <p:sldId id="271" r:id="rId11"/>
+    <p:sldId id="274" r:id="rId12"/>
+    <p:sldId id="262" r:id="rId13"/>
+    <p:sldId id="273" r:id="rId14"/>
   </p:sldIdLst>
   <p:sldSz cx="12192000" cy="6858000"/>
   <p:notesSz cx="6858000" cy="9144000"/>
@@ -559,6 +561,99 @@
 </p:notes>
 </file>
 
+<file path=ppt/notesSlides/notesSlide10.xml><?xml version="1.0" encoding="utf-8"?>
+<p:notes xmlns:a="http://schemas.openxmlformats.org/drawingml/2006/main" xmlns:r="http://schemas.openxmlformats.org/officeDocument/2006/relationships" xmlns:p="http://schemas.openxmlformats.org/presentationml/2006/main">
+  <p:cSld>
+    <p:spTree>
+      <p:nvGrpSpPr>
+        <p:cNvPr id="1" name=""/>
+        <p:cNvGrpSpPr/>
+        <p:nvPr/>
+      </p:nvGrpSpPr>
+      <p:grpSpPr>
+        <a:xfrm>
+          <a:off x="0" y="0"/>
+          <a:ext cx="0" cy="0"/>
+          <a:chOff x="0" y="0"/>
+          <a:chExt cx="0" cy="0"/>
+        </a:xfrm>
+      </p:grpSpPr>
+      <p:sp>
+        <p:nvSpPr>
+          <p:cNvPr id="2" name="Folienbildplatzhalter 1"/>
+          <p:cNvSpPr>
+            <a:spLocks noGrp="1" noRot="1" noChangeAspect="1"/>
+          </p:cNvSpPr>
+          <p:nvPr>
+            <p:ph type="sldImg"/>
+          </p:nvPr>
+        </p:nvSpPr>
+        <p:spPr/>
+      </p:sp>
+      <p:sp>
+        <p:nvSpPr>
+          <p:cNvPr id="3" name="Notizenplatzhalter 2"/>
+          <p:cNvSpPr>
+            <a:spLocks noGrp="1"/>
+          </p:cNvSpPr>
+          <p:nvPr>
+            <p:ph type="body" idx="1"/>
+          </p:nvPr>
+        </p:nvSpPr>
+        <p:spPr/>
+        <p:txBody>
+          <a:bodyPr/>
+          <a:lstStyle/>
+          <a:p>
+            <a:r>
+              <a:rPr lang="en-GB" dirty="0"/>
+              <a:t>.</a:t>
+            </a:r>
+          </a:p>
+          <a:p>
+            <a:endParaRPr lang="en-GB" dirty="0"/>
+          </a:p>
+          <a:p>
+            <a:endParaRPr lang="en-GB" dirty="0"/>
+          </a:p>
+        </p:txBody>
+      </p:sp>
+      <p:sp>
+        <p:nvSpPr>
+          <p:cNvPr id="4" name="Foliennummernplatzhalter 3"/>
+          <p:cNvSpPr>
+            <a:spLocks noGrp="1"/>
+          </p:cNvSpPr>
+          <p:nvPr>
+            <p:ph type="sldNum" sz="quarter" idx="5"/>
+          </p:nvPr>
+        </p:nvSpPr>
+        <p:spPr/>
+        <p:txBody>
+          <a:bodyPr/>
+          <a:lstStyle/>
+          <a:p>
+            <a:fld id="{809EEC96-AFE4-AB4C-9F77-BF8C435C8FB7}" type="slidenum">
+              <a:rPr lang="en-GB" smtClean="0"/>
+              <a:t>11</a:t>
+            </a:fld>
+            <a:endParaRPr lang="en-GB"/>
+          </a:p>
+        </p:txBody>
+      </p:sp>
+    </p:spTree>
+    <p:extLst>
+      <p:ext uri="{BB962C8B-B14F-4D97-AF65-F5344CB8AC3E}">
+        <p14:creationId xmlns:p14="http://schemas.microsoft.com/office/powerpoint/2010/main" val="3339186179"/>
+      </p:ext>
+    </p:extLst>
+  </p:cSld>
+  <p:clrMapOvr>
+    <a:masterClrMapping/>
+  </p:clrMapOvr>
+</p:notes>
+</file>
+
 <file path=ppt/notesSlides/notesSlide2.xml><?xml version="1.0" encoding="utf-8"?>
 <p:notes xmlns:a="http://schemas.openxmlformats.org/drawingml/2006/main" xmlns:r="http://schemas.openxmlformats.org/officeDocument/2006/relationships" xmlns:p="http://schemas.openxmlformats.org/presentationml/2006/main">
   <p:cSld>
@@ -687,108 +782,6 @@
           <a:bodyPr/>
           <a:lstStyle/>
           <a:p>
-            <a:r>
-              <a:rPr lang="en-GB" dirty="0"/>
-              <a:t>A time series can be thought of as a list of numbers (the measurements), along with some information about what times those numbers were recorded (the index).</a:t>
-            </a:r>
-          </a:p>
-          <a:p>
-            <a:r>
-              <a:rPr lang="en-GB" dirty="0"/>
-              <a:t>This information can be stored as a tsibble object in R.</a:t>
-            </a:r>
-          </a:p>
-          <a:p>
-            <a:endParaRPr lang="en-GB" dirty="0">
-              <a:effectLst/>
-            </a:endParaRPr>
-          </a:p>
-          <a:p>
-            <a:r>
-              <a:rPr lang="en-GB" dirty="0">
-                <a:effectLst/>
-              </a:rPr>
-              <a:t>The </a:t>
-            </a:r>
-            <a:r>
-              <a:rPr lang="en-GB" b="1" dirty="0">
-                <a:effectLst/>
-              </a:rPr>
-              <a:t>tsibble</a:t>
-            </a:r>
-            <a:r>
-              <a:rPr lang="en-GB" dirty="0">
-                <a:effectLst/>
-              </a:rPr>
-              <a:t> package provides a data class of </a:t>
-            </a:r>
-            <a:r>
-              <a:rPr lang="en-GB" dirty="0" err="1">
-                <a:effectLst/>
-              </a:rPr>
-              <a:t>tbl_ts</a:t>
-            </a:r>
-            <a:r>
-              <a:rPr lang="en-GB" dirty="0">
-                <a:effectLst/>
-              </a:rPr>
-              <a:t> to represent tidy temporal data. A tsibble consists of a time index, key, and other measured variables in a data-centric format, which is built on top of the </a:t>
-            </a:r>
-            <a:r>
-              <a:rPr lang="en-GB" dirty="0" err="1">
-                <a:effectLst/>
-              </a:rPr>
-              <a:t>tibble</a:t>
-            </a:r>
-            <a:r>
-              <a:rPr lang="en-GB" dirty="0">
-                <a:effectLst/>
-              </a:rPr>
-              <a:t>.</a:t>
-            </a:r>
-          </a:p>
-          <a:p>
-            <a:endParaRPr lang="en-GB" noProof="0" dirty="0"/>
-          </a:p>
-          <a:p>
-            <a:r>
-              <a:rPr lang="en-GB" b="0" i="0" u="none" strike="noStrike" dirty="0">
-                <a:solidFill>
-                  <a:srgbClr val="333333"/>
-                </a:solidFill>
-                <a:effectLst/>
-                <a:latin typeface="Source Sans Pro" panose="020B0503030403020204" pitchFamily="34" charset="0"/>
-              </a:rPr>
-              <a:t>Tsibble supports arbitrary index classes, as long as they can be ordered from past to future.</a:t>
-            </a:r>
-            <a:endParaRPr lang="en-GB" noProof="0" dirty="0"/>
-          </a:p>
-          <a:p>
-            <a:endParaRPr lang="en-GB" noProof="0" dirty="0"/>
-          </a:p>
-          <a:p>
-            <a:r>
-              <a:rPr lang="en-GB" noProof="0" dirty="0"/>
-              <a:t>In comparison to </a:t>
-            </a:r>
-            <a:r>
-              <a:rPr lang="en-GB" noProof="0" dirty="0" err="1"/>
-              <a:t>tibble</a:t>
-            </a:r>
-            <a:r>
-              <a:rPr lang="en-GB" noProof="0" dirty="0"/>
-              <a:t> </a:t>
-            </a:r>
-            <a:r>
-              <a:rPr lang="en-GB" b="0" i="0" u="none" strike="noStrike" noProof="0" dirty="0">
-                <a:solidFill>
-                  <a:srgbClr val="333333"/>
-                </a:solidFill>
-                <a:effectLst/>
-                <a:latin typeface="-apple-system"/>
-              </a:rPr>
-              <a:t>the column of data specifying the observation’s measurement time is now actually used in the data</a:t>
-            </a:r>
             <a:endParaRPr lang="en-GB" noProof="0" dirty="0"/>
           </a:p>
         </p:txBody>
@@ -819,7 +812,7 @@
     </p:spTree>
     <p:extLst>
       <p:ext uri="{BB962C8B-B14F-4D97-AF65-F5344CB8AC3E}">
-        <p14:creationId xmlns:p14="http://schemas.microsoft.com/office/powerpoint/2010/main" val="2848143340"/>
+        <p14:creationId xmlns:p14="http://schemas.microsoft.com/office/powerpoint/2010/main" val="2258092355"/>
       </p:ext>
     </p:extLst>
   </p:cSld>
@@ -873,7 +866,109 @@
           <a:bodyPr/>
           <a:lstStyle/>
           <a:p>
-            <a:endParaRPr lang="en-GB" dirty="0"/>
+            <a:r>
+              <a:rPr lang="en-GB" dirty="0"/>
+              <a:t>A time series can be thought of as a list of numbers (the measurements), along with some information about what times those numbers were recorded (the index).</a:t>
+            </a:r>
+          </a:p>
+          <a:p>
+            <a:r>
+              <a:rPr lang="en-GB" dirty="0"/>
+              <a:t>This information can be stored as a tsibble object in R.</a:t>
+            </a:r>
+          </a:p>
+          <a:p>
+            <a:endParaRPr lang="en-GB" dirty="0">
+              <a:effectLst/>
+            </a:endParaRPr>
+          </a:p>
+          <a:p>
+            <a:r>
+              <a:rPr lang="en-GB" dirty="0">
+                <a:effectLst/>
+              </a:rPr>
+              <a:t>The </a:t>
+            </a:r>
+            <a:r>
+              <a:rPr lang="en-GB" b="1" dirty="0">
+                <a:effectLst/>
+              </a:rPr>
+              <a:t>tsibble</a:t>
+            </a:r>
+            <a:r>
+              <a:rPr lang="en-GB" dirty="0">
+                <a:effectLst/>
+              </a:rPr>
+              <a:t> package provides a data class of </a:t>
+            </a:r>
+            <a:r>
+              <a:rPr lang="en-GB" dirty="0" err="1">
+                <a:effectLst/>
+              </a:rPr>
+              <a:t>tbl_ts</a:t>
+            </a:r>
+            <a:r>
+              <a:rPr lang="en-GB" dirty="0">
+                <a:effectLst/>
+              </a:rPr>
+              <a:t> to represent tidy temporal data. A tsibble consists of a time index, key, and other measured variables in a data-centric format, which is built on top of the </a:t>
+            </a:r>
+            <a:r>
+              <a:rPr lang="en-GB" dirty="0" err="1">
+                <a:effectLst/>
+              </a:rPr>
+              <a:t>tibble</a:t>
+            </a:r>
+            <a:r>
+              <a:rPr lang="en-GB" dirty="0">
+                <a:effectLst/>
+              </a:rPr>
+              <a:t>.</a:t>
+            </a:r>
+          </a:p>
+          <a:p>
+            <a:endParaRPr lang="en-GB" noProof="0" dirty="0"/>
+          </a:p>
+          <a:p>
+            <a:r>
+              <a:rPr lang="en-GB" b="0" i="0" u="none" strike="noStrike" dirty="0">
+                <a:solidFill>
+                  <a:srgbClr val="333333"/>
+                </a:solidFill>
+                <a:effectLst/>
+                <a:latin typeface="Source Sans Pro" panose="020B0503030403020204" pitchFamily="34" charset="0"/>
+              </a:rPr>
+              <a:t>Tsibble supports arbitrary index classes, as long as they can be ordered from past to future.</a:t>
+            </a:r>
+            <a:endParaRPr lang="en-GB" noProof="0" dirty="0"/>
+          </a:p>
+          <a:p>
+            <a:endParaRPr lang="en-GB" noProof="0" dirty="0"/>
+          </a:p>
+          <a:p>
+            <a:r>
+              <a:rPr lang="en-GB" noProof="0" dirty="0"/>
+              <a:t>In comparison to </a:t>
+            </a:r>
+            <a:r>
+              <a:rPr lang="en-GB" noProof="0" dirty="0" err="1"/>
+              <a:t>tibble</a:t>
+            </a:r>
+            <a:r>
+              <a:rPr lang="en-GB" noProof="0" dirty="0"/>
+              <a:t> </a:t>
+            </a:r>
+            <a:r>
+              <a:rPr lang="en-GB" b="0" i="0" u="none" strike="noStrike" noProof="0" dirty="0">
+                <a:solidFill>
+                  <a:srgbClr val="333333"/>
+                </a:solidFill>
+                <a:effectLst/>
+                <a:latin typeface="-apple-system"/>
+              </a:rPr>
+              <a:t>the column of data specifying the observation’s measurement time is now actually used in the data</a:t>
+            </a:r>
+            <a:endParaRPr lang="en-GB" noProof="0" dirty="0"/>
           </a:p>
         </p:txBody>
       </p:sp>
@@ -903,7 +998,7 @@
     </p:spTree>
     <p:extLst>
       <p:ext uri="{BB962C8B-B14F-4D97-AF65-F5344CB8AC3E}">
-        <p14:creationId xmlns:p14="http://schemas.microsoft.com/office/powerpoint/2010/main" val="1151252466"/>
+        <p14:creationId xmlns:p14="http://schemas.microsoft.com/office/powerpoint/2010/main" val="2848143340"/>
       </p:ext>
     </p:extLst>
   </p:cSld>
@@ -957,7 +1052,7 @@
           <a:bodyPr/>
           <a:lstStyle/>
           <a:p>
-            <a:endParaRPr lang="en-GB" dirty="0"/>
+            <a:endParaRPr lang="en-GB" noProof="0" dirty="0"/>
           </a:p>
         </p:txBody>
       </p:sp>
@@ -987,7 +1082,7 @@
     </p:spTree>
     <p:extLst>
       <p:ext uri="{BB962C8B-B14F-4D97-AF65-F5344CB8AC3E}">
-        <p14:creationId xmlns:p14="http://schemas.microsoft.com/office/powerpoint/2010/main" val="3132940046"/>
+        <p14:creationId xmlns:p14="http://schemas.microsoft.com/office/powerpoint/2010/main" val="3396597879"/>
       </p:ext>
     </p:extLst>
   </p:cSld>
@@ -1041,83 +1136,6 @@
           <a:bodyPr/>
           <a:lstStyle/>
           <a:p>
-            <a:r>
-              <a:rPr lang="en-GB" sz="2000" dirty="0"/>
-              <a:t>Models in fable are specified using model </a:t>
-            </a:r>
-            <a:r>
-              <a:rPr lang="en-GB" sz="2000" b="1" dirty="0"/>
-              <a:t>functions</a:t>
-            </a:r>
-          </a:p>
-          <a:p>
-            <a:pPr marL="457200" lvl="1" indent="0">
-              <a:buNone/>
-            </a:pPr>
-            <a:r>
-              <a:rPr lang="en-GB" sz="2000" dirty="0"/>
-              <a:t>(y  </a:t>
-            </a:r>
-            <a:r>
-              <a:rPr lang="en-GB" sz="2000" dirty="0">
-                <a:effectLst/>
-              </a:rPr>
-              <a:t>~ </a:t>
-            </a:r>
-            <a:r>
-              <a:rPr lang="en-GB" sz="2000" dirty="0"/>
-              <a:t> X) </a:t>
-            </a:r>
-          </a:p>
-          <a:p>
-            <a:pPr marL="228600" lvl="1">
-              <a:spcBef>
-                <a:spcPts val="1000"/>
-              </a:spcBef>
-            </a:pPr>
-            <a:r>
-              <a:rPr lang="en-GB" sz="2000" dirty="0"/>
-              <a:t>Response variable(s) are specified </a:t>
-            </a:r>
-            <a:r>
-              <a:rPr lang="en-GB" sz="2000" b="1" dirty="0"/>
-              <a:t>on the left</a:t>
-            </a:r>
-            <a:r>
-              <a:rPr lang="en-GB" sz="2000" dirty="0"/>
-              <a:t> of the formula</a:t>
-            </a:r>
-          </a:p>
-          <a:p>
-            <a:pPr marL="228600" lvl="1">
-              <a:spcBef>
-                <a:spcPts val="1000"/>
-              </a:spcBef>
-            </a:pPr>
-            <a:r>
-              <a:rPr lang="en-GB" sz="2000" dirty="0"/>
-              <a:t>Structure of the model is written </a:t>
-            </a:r>
-            <a:r>
-              <a:rPr lang="en-GB" sz="2000" b="1" dirty="0"/>
-              <a:t>on the right</a:t>
-            </a:r>
-          </a:p>
-          <a:p>
-            <a:pPr marL="685800" lvl="2">
-              <a:spcBef>
-                <a:spcPts val="1000"/>
-              </a:spcBef>
-            </a:pPr>
-            <a:r>
-              <a:rPr lang="en-GB" dirty="0"/>
-              <a:t>One or more model specifications can be estimated using the model() function.</a:t>
-            </a:r>
-          </a:p>
-          <a:p>
-            <a:endParaRPr lang="en-GB" dirty="0"/>
-          </a:p>
-          <a:p>
             <a:endParaRPr lang="en-GB" dirty="0"/>
           </a:p>
         </p:txBody>
@@ -1139,7 +1157,7 @@
           <a:p>
             <a:fld id="{809EEC96-AFE4-AB4C-9F77-BF8C435C8FB7}" type="slidenum">
               <a:rPr lang="en-GB" smtClean="0"/>
-              <a:t>7</a:t>
+              <a:t>6</a:t>
             </a:fld>
             <a:endParaRPr lang="en-GB"/>
           </a:p>
@@ -1148,7 +1166,7 @@
     </p:spTree>
     <p:extLst>
       <p:ext uri="{BB962C8B-B14F-4D97-AF65-F5344CB8AC3E}">
-        <p14:creationId xmlns:p14="http://schemas.microsoft.com/office/powerpoint/2010/main" val="2310774744"/>
+        <p14:creationId xmlns:p14="http://schemas.microsoft.com/office/powerpoint/2010/main" val="1151252466"/>
       </p:ext>
     </p:extLst>
   </p:cSld>
@@ -1202,15 +1220,6 @@
           <a:bodyPr/>
           <a:lstStyle/>
           <a:p>
-            <a:r>
-              <a:rPr lang="en-GB" dirty="0"/>
-              <a:t>.</a:t>
-            </a:r>
-          </a:p>
-          <a:p>
-            <a:endParaRPr lang="en-GB" dirty="0"/>
-          </a:p>
-          <a:p>
             <a:endParaRPr lang="en-GB" dirty="0"/>
           </a:p>
         </p:txBody>
@@ -1232,7 +1241,7 @@
           <a:p>
             <a:fld id="{809EEC96-AFE4-AB4C-9F77-BF8C435C8FB7}" type="slidenum">
               <a:rPr lang="en-GB" smtClean="0"/>
-              <a:t>8</a:t>
+              <a:t>7</a:t>
             </a:fld>
             <a:endParaRPr lang="en-GB"/>
           </a:p>
@@ -1241,7 +1250,7 @@
     </p:spTree>
     <p:extLst>
       <p:ext uri="{BB962C8B-B14F-4D97-AF65-F5344CB8AC3E}">
-        <p14:creationId xmlns:p14="http://schemas.microsoft.com/office/powerpoint/2010/main" val="1768124088"/>
+        <p14:creationId xmlns:p14="http://schemas.microsoft.com/office/powerpoint/2010/main" val="3132940046"/>
       </p:ext>
     </p:extLst>
   </p:cSld>
@@ -1296,8 +1305,76 @@
           <a:lstStyle/>
           <a:p>
             <a:r>
+              <a:rPr lang="en-GB" sz="2000" dirty="0"/>
+              <a:t>Models in fable are specified using model </a:t>
+            </a:r>
+            <a:r>
+              <a:rPr lang="en-GB" sz="2000" b="1" dirty="0"/>
+              <a:t>functions</a:t>
+            </a:r>
+          </a:p>
+          <a:p>
+            <a:pPr marL="457200" lvl="1" indent="0">
+              <a:buNone/>
+            </a:pPr>
+            <a:r>
+              <a:rPr lang="en-GB" sz="2000" dirty="0"/>
+              <a:t>(y  </a:t>
+            </a:r>
+            <a:r>
+              <a:rPr lang="en-GB" sz="2000" dirty="0">
+                <a:effectLst/>
+              </a:rPr>
+              <a:t>~ </a:t>
+            </a:r>
+            <a:r>
+              <a:rPr lang="en-GB" sz="2000" dirty="0"/>
+              <a:t> X) </a:t>
+            </a:r>
+          </a:p>
+          <a:p>
+            <a:pPr marL="228600" lvl="1">
+              <a:spcBef>
+                <a:spcPts val="1000"/>
+              </a:spcBef>
+            </a:pPr>
+            <a:r>
+              <a:rPr lang="en-GB" sz="2000" dirty="0"/>
+              <a:t>Response variable(s) are specified </a:t>
+            </a:r>
+            <a:r>
+              <a:rPr lang="en-GB" sz="2000" b="1" dirty="0"/>
+              <a:t>on the left</a:t>
+            </a:r>
+            <a:r>
+              <a:rPr lang="en-GB" sz="2000" dirty="0"/>
+              <a:t> of the formula</a:t>
+            </a:r>
+          </a:p>
+          <a:p>
+            <a:pPr marL="228600" lvl="1">
+              <a:spcBef>
+                <a:spcPts val="1000"/>
+              </a:spcBef>
+            </a:pPr>
+            <a:r>
+              <a:rPr lang="en-GB" sz="2000" dirty="0"/>
+              <a:t>Structure of the model is written </a:t>
+            </a:r>
+            <a:r>
+              <a:rPr lang="en-GB" sz="2000" b="1" dirty="0"/>
+              <a:t>on the right</a:t>
+            </a:r>
+          </a:p>
+          <a:p>
+            <a:pPr marL="685800" lvl="2">
+              <a:spcBef>
+                <a:spcPts val="1000"/>
+              </a:spcBef>
+            </a:pPr>
+            <a:r>
               <a:rPr lang="en-GB" dirty="0"/>
-              <a:t>.</a:t>
+              <a:t>One or more model specifications can be estimated using the model() function.</a:t>
             </a:r>
           </a:p>
           <a:p>
@@ -1334,7 +1411,100 @@
     </p:spTree>
     <p:extLst>
       <p:ext uri="{BB962C8B-B14F-4D97-AF65-F5344CB8AC3E}">
-        <p14:creationId xmlns:p14="http://schemas.microsoft.com/office/powerpoint/2010/main" val="3339186179"/>
+        <p14:creationId xmlns:p14="http://schemas.microsoft.com/office/powerpoint/2010/main" val="2310774744"/>
+      </p:ext>
+    </p:extLst>
+  </p:cSld>
+  <p:clrMapOvr>
+    <a:masterClrMapping/>
+  </p:clrMapOvr>
+</p:notes>
+</file>
+
+<file path=ppt/notesSlides/notesSlide9.xml><?xml version="1.0" encoding="utf-8"?>
+<p:notes xmlns:a="http://schemas.openxmlformats.org/drawingml/2006/main" xmlns:r="http://schemas.openxmlformats.org/officeDocument/2006/relationships" xmlns:p="http://schemas.openxmlformats.org/presentationml/2006/main">
+  <p:cSld>
+    <p:spTree>
+      <p:nvGrpSpPr>
+        <p:cNvPr id="1" name=""/>
+        <p:cNvGrpSpPr/>
+        <p:nvPr/>
+      </p:nvGrpSpPr>
+      <p:grpSpPr>
+        <a:xfrm>
+          <a:off x="0" y="0"/>
+          <a:ext cx="0" cy="0"/>
+          <a:chOff x="0" y="0"/>
+          <a:chExt cx="0" cy="0"/>
+        </a:xfrm>
+      </p:grpSpPr>
+      <p:sp>
+        <p:nvSpPr>
+          <p:cNvPr id="2" name="Folienbildplatzhalter 1"/>
+          <p:cNvSpPr>
+            <a:spLocks noGrp="1" noRot="1" noChangeAspect="1"/>
+          </p:cNvSpPr>
+          <p:nvPr>
+            <p:ph type="sldImg"/>
+          </p:nvPr>
+        </p:nvSpPr>
+        <p:spPr/>
+      </p:sp>
+      <p:sp>
+        <p:nvSpPr>
+          <p:cNvPr id="3" name="Notizenplatzhalter 2"/>
+          <p:cNvSpPr>
+            <a:spLocks noGrp="1"/>
+          </p:cNvSpPr>
+          <p:nvPr>
+            <p:ph type="body" idx="1"/>
+          </p:nvPr>
+        </p:nvSpPr>
+        <p:spPr/>
+        <p:txBody>
+          <a:bodyPr/>
+          <a:lstStyle/>
+          <a:p>
+            <a:r>
+              <a:rPr lang="en-GB" dirty="0"/>
+              <a:t>.</a:t>
+            </a:r>
+          </a:p>
+          <a:p>
+            <a:endParaRPr lang="en-GB" dirty="0"/>
+          </a:p>
+          <a:p>
+            <a:endParaRPr lang="en-GB" dirty="0"/>
+          </a:p>
+        </p:txBody>
+      </p:sp>
+      <p:sp>
+        <p:nvSpPr>
+          <p:cNvPr id="4" name="Foliennummernplatzhalter 3"/>
+          <p:cNvSpPr>
+            <a:spLocks noGrp="1"/>
+          </p:cNvSpPr>
+          <p:nvPr>
+            <p:ph type="sldNum" sz="quarter" idx="5"/>
+          </p:nvPr>
+        </p:nvSpPr>
+        <p:spPr/>
+        <p:txBody>
+          <a:bodyPr/>
+          <a:lstStyle/>
+          <a:p>
+            <a:fld id="{809EEC96-AFE4-AB4C-9F77-BF8C435C8FB7}" type="slidenum">
+              <a:rPr lang="en-GB" smtClean="0"/>
+              <a:t>10</a:t>
+            </a:fld>
+            <a:endParaRPr lang="en-GB"/>
+          </a:p>
+        </p:txBody>
+      </p:sp>
+    </p:spTree>
+    <p:extLst>
+      <p:ext uri="{BB962C8B-B14F-4D97-AF65-F5344CB8AC3E}">
+        <p14:creationId xmlns:p14="http://schemas.microsoft.com/office/powerpoint/2010/main" val="1768124088"/>
       </p:ext>
     </p:extLst>
   </p:cSld>
@@ -5049,6 +5219,1833 @@
 <file path=ppt/slides/slide10.xml><?xml version="1.0" encoding="utf-8"?>
 <p:sld xmlns:a="http://schemas.openxmlformats.org/drawingml/2006/main" xmlns:r="http://schemas.openxmlformats.org/officeDocument/2006/relationships" xmlns:p="http://schemas.openxmlformats.org/presentationml/2006/main">
   <p:cSld>
+    <p:bg>
+      <p:bgPr>
+        <a:solidFill>
+          <a:schemeClr val="bg1"/>
+        </a:solidFill>
+        <a:effectLst/>
+      </p:bgPr>
+    </p:bg>
+    <p:spTree>
+      <p:nvGrpSpPr>
+        <p:cNvPr id="1" name=""/>
+        <p:cNvGrpSpPr/>
+        <p:nvPr/>
+      </p:nvGrpSpPr>
+      <p:grpSpPr>
+        <a:xfrm>
+          <a:off x="0" y="0"/>
+          <a:ext cx="0" cy="0"/>
+          <a:chOff x="0" y="0"/>
+          <a:chExt cx="0" cy="0"/>
+        </a:xfrm>
+      </p:grpSpPr>
+      <p:sp useBgFill="1">
+        <p:nvSpPr>
+          <p:cNvPr id="15" name="Rectangle 14">
+            <a:extLst>
+              <a:ext uri="{FF2B5EF4-FFF2-40B4-BE49-F238E27FC236}">
+                <a16:creationId xmlns:a16="http://schemas.microsoft.com/office/drawing/2014/main" id="{149FB5C3-7336-4FE0-A30C-CC0A3646D499}"/>
+              </a:ext>
+              <a:ext uri="{C183D7F6-B498-43B3-948B-1728B52AA6E4}">
+                <adec:decorative xmlns:adec="http://schemas.microsoft.com/office/drawing/2017/decorative" val="1"/>
+              </a:ext>
+            </a:extLst>
+          </p:cNvPr>
+          <p:cNvSpPr>
+            <a:spLocks noGrp="1" noRot="1" noChangeAspect="1" noMove="1" noResize="1" noEditPoints="1" noAdjustHandles="1" noChangeArrowheads="1" noChangeShapeType="1" noTextEdit="1"/>
+          </p:cNvSpPr>
+          <p:nvPr>
+            <p:extLst>
+              <p:ext uri="{386F3935-93C4-4BCD-93E2-E3B085C9AB24}">
+                <p16:designElem xmlns:p16="http://schemas.microsoft.com/office/powerpoint/2015/main" val="1"/>
+              </p:ext>
+            </p:extLst>
+          </p:nvPr>
+        </p:nvSpPr>
+        <p:spPr>
+          <a:xfrm>
+            <a:off x="0" y="0"/>
+            <a:ext cx="12191999" cy="6857365"/>
+          </a:xfrm>
+          <a:prstGeom prst="rect">
+            <a:avLst/>
+          </a:prstGeom>
+          <a:ln>
+            <a:noFill/>
+          </a:ln>
+        </p:spPr>
+        <p:style>
+          <a:lnRef idx="2">
+            <a:schemeClr val="accent1">
+              <a:shade val="50000"/>
+            </a:schemeClr>
+          </a:lnRef>
+          <a:fillRef idx="1">
+            <a:schemeClr val="accent1"/>
+          </a:fillRef>
+          <a:effectRef idx="0">
+            <a:schemeClr val="accent1"/>
+          </a:effectRef>
+          <a:fontRef idx="minor">
+            <a:schemeClr val="lt1"/>
+          </a:fontRef>
+        </p:style>
+        <p:txBody>
+          <a:bodyPr rtlCol="0" anchor="ctr"/>
+          <a:lstStyle/>
+          <a:p>
+            <a:pPr algn="ctr"/>
+            <a:endParaRPr lang="en-US"/>
+          </a:p>
+        </p:txBody>
+      </p:sp>
+      <p:grpSp>
+        <p:nvGrpSpPr>
+          <p:cNvPr id="17" name="Group 16">
+            <a:extLst>
+              <a:ext uri="{FF2B5EF4-FFF2-40B4-BE49-F238E27FC236}">
+                <a16:creationId xmlns:a16="http://schemas.microsoft.com/office/drawing/2014/main" id="{19A6B5CE-CB1D-48EE-8B43-E952235C8371}"/>
+              </a:ext>
+              <a:ext uri="{C183D7F6-B498-43B3-948B-1728B52AA6E4}">
+                <adec:decorative xmlns:adec="http://schemas.microsoft.com/office/drawing/2017/decorative" val="1"/>
+              </a:ext>
+            </a:extLst>
+          </p:cNvPr>
+          <p:cNvGrpSpPr>
+            <a:grpSpLocks noGrp="1" noUngrp="1" noRot="1" noChangeAspect="1" noMove="1" noResize="1"/>
+          </p:cNvGrpSpPr>
+          <p:nvPr>
+            <p:extLst>
+              <p:ext uri="{386F3935-93C4-4BCD-93E2-E3B085C9AB24}">
+                <p16:designElem xmlns:p16="http://schemas.microsoft.com/office/powerpoint/2015/main" val="1"/>
+              </p:ext>
+            </p:extLst>
+          </p:nvPr>
+        </p:nvGrpSpPr>
+        <p:grpSpPr>
+          <a:xfrm rot="5400000">
+            <a:off x="-2340441" y="2666183"/>
+            <a:ext cx="5860051" cy="527712"/>
+            <a:chOff x="6081624" y="1998368"/>
+            <a:chExt cx="5613457" cy="782175"/>
+          </a:xfrm>
+          <a:solidFill>
+            <a:schemeClr val="accent4"/>
+          </a:solidFill>
+        </p:grpSpPr>
+        <p:sp>
+          <p:nvSpPr>
+            <p:cNvPr id="18" name="Rectangle 17">
+              <a:extLst>
+                <a:ext uri="{FF2B5EF4-FFF2-40B4-BE49-F238E27FC236}">
+                  <a16:creationId xmlns:a16="http://schemas.microsoft.com/office/drawing/2014/main" id="{E3F3EAA5-4E15-400B-BBA3-82B3F49A2178}"/>
+                </a:ext>
+                <a:ext uri="{C183D7F6-B498-43B3-948B-1728B52AA6E4}">
+                  <adec:decorative xmlns:adec="http://schemas.microsoft.com/office/drawing/2017/decorative" val="1"/>
+                </a:ext>
+              </a:extLst>
+            </p:cNvPr>
+            <p:cNvSpPr/>
+            <p:nvPr>
+              <p:extLst>
+                <p:ext uri="{386F3935-93C4-4BCD-93E2-E3B085C9AB24}">
+                  <p16:designElem xmlns:p16="http://schemas.microsoft.com/office/powerpoint/2015/main" val="1"/>
+                </p:ext>
+              </p:extLst>
+            </p:nvPr>
+          </p:nvSpPr>
+          <p:spPr>
+            <a:xfrm rot="5400000">
+              <a:off x="11228040" y="2313027"/>
+              <a:ext cx="781700" cy="152382"/>
+            </a:xfrm>
+            <a:prstGeom prst="rect">
+              <a:avLst/>
+            </a:prstGeom>
+            <a:grpFill/>
+            <a:ln>
+              <a:noFill/>
+            </a:ln>
+          </p:spPr>
+          <p:style>
+            <a:lnRef idx="2">
+              <a:schemeClr val="accent1">
+                <a:shade val="50000"/>
+              </a:schemeClr>
+            </a:lnRef>
+            <a:fillRef idx="1">
+              <a:schemeClr val="accent1"/>
+            </a:fillRef>
+            <a:effectRef idx="0">
+              <a:schemeClr val="accent1"/>
+            </a:effectRef>
+            <a:fontRef idx="minor">
+              <a:schemeClr val="lt1"/>
+            </a:fontRef>
+          </p:style>
+          <p:txBody>
+            <a:bodyPr rtlCol="0" anchor="ctr"/>
+            <a:lstStyle/>
+            <a:p>
+              <a:pPr algn="ctr"/>
+              <a:endParaRPr lang="en-US"/>
+            </a:p>
+          </p:txBody>
+        </p:sp>
+        <p:sp>
+          <p:nvSpPr>
+            <p:cNvPr id="19" name="Rectangle 18">
+              <a:extLst>
+                <a:ext uri="{FF2B5EF4-FFF2-40B4-BE49-F238E27FC236}">
+                  <a16:creationId xmlns:a16="http://schemas.microsoft.com/office/drawing/2014/main" id="{72BA2E40-BE9B-4C54-9CDD-40EE804CCE64}"/>
+                </a:ext>
+                <a:ext uri="{C183D7F6-B498-43B3-948B-1728B52AA6E4}">
+                  <adec:decorative xmlns:adec="http://schemas.microsoft.com/office/drawing/2017/decorative" val="1"/>
+                </a:ext>
+              </a:extLst>
+            </p:cNvPr>
+            <p:cNvSpPr/>
+            <p:nvPr>
+              <p:extLst>
+                <p:ext uri="{386F3935-93C4-4BCD-93E2-E3B085C9AB24}">
+                  <p16:designElem xmlns:p16="http://schemas.microsoft.com/office/powerpoint/2015/main" val="1"/>
+                </p:ext>
+              </p:extLst>
+            </p:nvPr>
+          </p:nvSpPr>
+          <p:spPr>
+            <a:xfrm flipH="1" flipV="1">
+              <a:off x="6081624" y="1998844"/>
+              <a:ext cx="5372968" cy="781699"/>
+            </a:xfrm>
+            <a:prstGeom prst="rect">
+              <a:avLst/>
+            </a:prstGeom>
+            <a:grpFill/>
+            <a:ln>
+              <a:noFill/>
+            </a:ln>
+          </p:spPr>
+          <p:style>
+            <a:lnRef idx="2">
+              <a:schemeClr val="accent1">
+                <a:shade val="50000"/>
+              </a:schemeClr>
+            </a:lnRef>
+            <a:fillRef idx="1">
+              <a:schemeClr val="accent1"/>
+            </a:fillRef>
+            <a:effectRef idx="0">
+              <a:schemeClr val="accent1"/>
+            </a:effectRef>
+            <a:fontRef idx="minor">
+              <a:schemeClr val="lt1"/>
+            </a:fontRef>
+          </p:style>
+          <p:txBody>
+            <a:bodyPr rtlCol="0" anchor="ctr"/>
+            <a:lstStyle/>
+            <a:p>
+              <a:pPr algn="ctr"/>
+              <a:endParaRPr lang="en-US"/>
+            </a:p>
+          </p:txBody>
+        </p:sp>
+      </p:grpSp>
+      <p:sp>
+        <p:nvSpPr>
+          <p:cNvPr id="21" name="Rectangle 20">
+            <a:extLst>
+              <a:ext uri="{FF2B5EF4-FFF2-40B4-BE49-F238E27FC236}">
+                <a16:creationId xmlns:a16="http://schemas.microsoft.com/office/drawing/2014/main" id="{0DA909B4-15FF-46A6-8A7F-7AEF977FE9ED}"/>
+              </a:ext>
+              <a:ext uri="{C183D7F6-B498-43B3-948B-1728B52AA6E4}">
+                <adec:decorative xmlns:adec="http://schemas.microsoft.com/office/drawing/2017/decorative" val="1"/>
+              </a:ext>
+            </a:extLst>
+          </p:cNvPr>
+          <p:cNvSpPr>
+            <a:spLocks noGrp="1" noRot="1" noChangeAspect="1" noMove="1" noResize="1" noEditPoints="1" noAdjustHandles="1" noChangeArrowheads="1" noChangeShapeType="1" noTextEdit="1"/>
+          </p:cNvSpPr>
+          <p:nvPr>
+            <p:extLst>
+              <p:ext uri="{386F3935-93C4-4BCD-93E2-E3B085C9AB24}">
+                <p16:designElem xmlns:p16="http://schemas.microsoft.com/office/powerpoint/2015/main" val="1"/>
+              </p:ext>
+            </p:extLst>
+          </p:nvPr>
+        </p:nvSpPr>
+        <p:spPr>
+          <a:xfrm>
+            <a:off x="579528" y="517897"/>
+            <a:ext cx="11111729" cy="5857966"/>
+          </a:xfrm>
+          <a:prstGeom prst="rect">
+            <a:avLst/>
+          </a:prstGeom>
+          <a:solidFill>
+            <a:schemeClr val="bg1"/>
+          </a:solidFill>
+          <a:ln>
+            <a:noFill/>
+          </a:ln>
+          <a:effectLst>
+            <a:outerShdw blurRad="139700" dist="127000" dir="5400000" algn="t" rotWithShape="0">
+              <a:prstClr val="black">
+                <a:alpha val="15000"/>
+              </a:prstClr>
+            </a:outerShdw>
+          </a:effectLst>
+        </p:spPr>
+        <p:style>
+          <a:lnRef idx="2">
+            <a:schemeClr val="accent1">
+              <a:shade val="50000"/>
+            </a:schemeClr>
+          </a:lnRef>
+          <a:fillRef idx="1">
+            <a:schemeClr val="accent1"/>
+          </a:fillRef>
+          <a:effectRef idx="0">
+            <a:schemeClr val="accent1"/>
+          </a:effectRef>
+          <a:fontRef idx="minor">
+            <a:schemeClr val="lt1"/>
+          </a:fontRef>
+        </p:style>
+        <p:txBody>
+          <a:bodyPr rtlCol="0" anchor="ctr"/>
+          <a:lstStyle/>
+          <a:p>
+            <a:pPr algn="ctr"/>
+            <a:endParaRPr lang="en-US"/>
+          </a:p>
+        </p:txBody>
+      </p:sp>
+      <p:sp>
+        <p:nvSpPr>
+          <p:cNvPr id="2" name="Titel 1">
+            <a:extLst>
+              <a:ext uri="{FF2B5EF4-FFF2-40B4-BE49-F238E27FC236}">
+                <a16:creationId xmlns:a16="http://schemas.microsoft.com/office/drawing/2014/main" id="{F6655BA3-676A-D955-E13C-5A2890900397}"/>
+              </a:ext>
+            </a:extLst>
+          </p:cNvPr>
+          <p:cNvSpPr>
+            <a:spLocks noGrp="1"/>
+          </p:cNvSpPr>
+          <p:nvPr>
+            <p:ph type="title"/>
+          </p:nvPr>
+        </p:nvSpPr>
+        <p:spPr>
+          <a:xfrm>
+            <a:off x="1055713" y="663695"/>
+            <a:ext cx="7845156" cy="1169585"/>
+          </a:xfrm>
+        </p:spPr>
+        <p:txBody>
+          <a:bodyPr anchor="t">
+            <a:normAutofit/>
+          </a:bodyPr>
+          <a:lstStyle/>
+          <a:p>
+            <a:r>
+              <a:rPr lang="en-GB" sz="4000" dirty="0"/>
+              <a:t>Producing forecasts</a:t>
+            </a:r>
+            <a:endParaRPr lang="en-GB" sz="3700" dirty="0"/>
+          </a:p>
+        </p:txBody>
+      </p:sp>
+      <p:sp>
+        <p:nvSpPr>
+          <p:cNvPr id="23" name="Rectangle 22">
+            <a:extLst>
+              <a:ext uri="{FF2B5EF4-FFF2-40B4-BE49-F238E27FC236}">
+                <a16:creationId xmlns:a16="http://schemas.microsoft.com/office/drawing/2014/main" id="{1382A32C-5B0C-4B1C-A074-76C6DBCC9F87}"/>
+              </a:ext>
+              <a:ext uri="{C183D7F6-B498-43B3-948B-1728B52AA6E4}">
+                <adec:decorative xmlns:adec="http://schemas.microsoft.com/office/drawing/2017/decorative" val="1"/>
+              </a:ext>
+            </a:extLst>
+          </p:cNvPr>
+          <p:cNvSpPr>
+            <a:spLocks noGrp="1" noRot="1" noChangeAspect="1" noMove="1" noResize="1" noEditPoints="1" noAdjustHandles="1" noChangeArrowheads="1" noChangeShapeType="1" noTextEdit="1"/>
+          </p:cNvSpPr>
+          <p:nvPr>
+            <p:extLst>
+              <p:ext uri="{386F3935-93C4-4BCD-93E2-E3B085C9AB24}">
+                <p16:designElem xmlns:p16="http://schemas.microsoft.com/office/powerpoint/2015/main" val="1"/>
+              </p:ext>
+            </p:extLst>
+          </p:nvPr>
+        </p:nvSpPr>
+        <p:spPr>
+          <a:xfrm flipH="1">
+            <a:off x="1055714" y="2263365"/>
+            <a:ext cx="4937760" cy="27432"/>
+          </a:xfrm>
+          <a:prstGeom prst="rect">
+            <a:avLst/>
+          </a:prstGeom>
+          <a:solidFill>
+            <a:schemeClr val="accent4"/>
+          </a:solidFill>
+          <a:ln>
+            <a:noFill/>
+          </a:ln>
+        </p:spPr>
+        <p:style>
+          <a:lnRef idx="2">
+            <a:schemeClr val="accent1">
+              <a:shade val="50000"/>
+            </a:schemeClr>
+          </a:lnRef>
+          <a:fillRef idx="1">
+            <a:schemeClr val="accent1"/>
+          </a:fillRef>
+          <a:effectRef idx="0">
+            <a:schemeClr val="accent1"/>
+          </a:effectRef>
+          <a:fontRef idx="minor">
+            <a:schemeClr val="lt1"/>
+          </a:fontRef>
+        </p:style>
+        <p:txBody>
+          <a:bodyPr rtlCol="0" anchor="ctr"/>
+          <a:lstStyle/>
+          <a:p>
+            <a:pPr algn="ctr"/>
+            <a:endParaRPr lang="en-US"/>
+          </a:p>
+        </p:txBody>
+      </p:sp>
+      <p:pic>
+        <p:nvPicPr>
+          <p:cNvPr id="3" name="Kamera 2">
+            <a:extLst>
+              <a:ext uri="{FF2B5EF4-FFF2-40B4-BE49-F238E27FC236}">
+                <a16:creationId xmlns:a16="http://schemas.microsoft.com/office/drawing/2014/main" id="{18C3FFBC-239F-FC30-2E9D-D5022F0510C7}"/>
+              </a:ext>
+            </a:extLst>
+          </p:cNvPr>
+          <p:cNvPicPr>
+            <a:picLocks noChangeAspect="1"/>
+            <a:extLst>
+              <a:ext uri="{51228E76-BA90-4043-B771-695A4F85340A}">
+                <alf:liveFeedProps xmlns:alf="http://schemas.microsoft.com/office/drawing/2021/livefeed"/>
+              </a:ext>
+            </a:extLst>
+          </p:cNvPicPr>
+          <p:nvPr/>
+        </p:nvPicPr>
+        <p:blipFill>
+          <a:blip r:embed="rId3">
+            <a:extLst>
+              <a:ext uri="{96DAC541-7B7A-43D3-8B79-37D633B846F1}">
+                <asvg:svgBlip xmlns:asvg="http://schemas.microsoft.com/office/drawing/2016/SVG/main" r:embed="rId4"/>
+              </a:ext>
+            </a:extLst>
+          </a:blip>
+          <a:stretch>
+            <a:fillRect/>
+          </a:stretch>
+        </p:blipFill>
+        <p:spPr>
+          <a:xfrm>
+            <a:off x="8961406" y="178904"/>
+            <a:ext cx="3048000" cy="1714500"/>
+          </a:xfrm>
+          <a:prstGeom prst="rect">
+            <a:avLst/>
+          </a:prstGeom>
+        </p:spPr>
+      </p:pic>
+      <p:sp>
+        <p:nvSpPr>
+          <p:cNvPr id="6" name="Inhaltsplatzhalter 2">
+            <a:extLst>
+              <a:ext uri="{FF2B5EF4-FFF2-40B4-BE49-F238E27FC236}">
+                <a16:creationId xmlns:a16="http://schemas.microsoft.com/office/drawing/2014/main" id="{24C731EB-458D-8FFD-F2BC-52C0B595C719}"/>
+              </a:ext>
+            </a:extLst>
+          </p:cNvPr>
+          <p:cNvSpPr txBox="1">
+            <a:spLocks/>
+          </p:cNvSpPr>
+          <p:nvPr/>
+        </p:nvSpPr>
+        <p:spPr>
+          <a:xfrm>
+            <a:off x="1055713" y="1367441"/>
+            <a:ext cx="7587544" cy="2802764"/>
+          </a:xfrm>
+          <a:prstGeom prst="rect">
+            <a:avLst/>
+          </a:prstGeom>
+          <a:solidFill>
+            <a:schemeClr val="bg1">
+              <a:lumMod val="95000"/>
+            </a:schemeClr>
+          </a:solidFill>
+        </p:spPr>
+        <p:txBody>
+          <a:bodyPr vert="horz" lIns="91440" tIns="45720" rIns="91440" bIns="45720" rtlCol="0">
+            <a:noAutofit/>
+          </a:bodyPr>
+          <a:lstStyle>
+            <a:lvl1pPr marL="228600" indent="-228600" algn="l" defTabSz="914400" rtl="0" eaLnBrk="1" latinLnBrk="0" hangingPunct="1">
+              <a:lnSpc>
+                <a:spcPct val="90000"/>
+              </a:lnSpc>
+              <a:spcBef>
+                <a:spcPts val="1000"/>
+              </a:spcBef>
+              <a:buFont typeface="Arial" panose="020B0604020202020204" pitchFamily="34" charset="0"/>
+              <a:buChar char="•"/>
+              <a:defRPr sz="2800" kern="1200">
+                <a:solidFill>
+                  <a:schemeClr val="tx1"/>
+                </a:solidFill>
+                <a:latin typeface="+mn-lt"/>
+                <a:ea typeface="+mn-ea"/>
+                <a:cs typeface="+mn-cs"/>
+              </a:defRPr>
+            </a:lvl1pPr>
+            <a:lvl2pPr marL="685800" indent="-228600" algn="l" defTabSz="914400" rtl="0" eaLnBrk="1" latinLnBrk="0" hangingPunct="1">
+              <a:lnSpc>
+                <a:spcPct val="90000"/>
+              </a:lnSpc>
+              <a:spcBef>
+                <a:spcPts val="500"/>
+              </a:spcBef>
+              <a:buFont typeface="Arial" panose="020B0604020202020204" pitchFamily="34" charset="0"/>
+              <a:buChar char="•"/>
+              <a:defRPr sz="2400" kern="1200">
+                <a:solidFill>
+                  <a:schemeClr val="tx1"/>
+                </a:solidFill>
+                <a:latin typeface="+mn-lt"/>
+                <a:ea typeface="+mn-ea"/>
+                <a:cs typeface="+mn-cs"/>
+              </a:defRPr>
+            </a:lvl2pPr>
+            <a:lvl3pPr marL="1143000" indent="-228600" algn="l" defTabSz="914400" rtl="0" eaLnBrk="1" latinLnBrk="0" hangingPunct="1">
+              <a:lnSpc>
+                <a:spcPct val="90000"/>
+              </a:lnSpc>
+              <a:spcBef>
+                <a:spcPts val="500"/>
+              </a:spcBef>
+              <a:buFont typeface="Arial" panose="020B0604020202020204" pitchFamily="34" charset="0"/>
+              <a:buChar char="•"/>
+              <a:defRPr sz="2000" kern="1200">
+                <a:solidFill>
+                  <a:schemeClr val="tx1"/>
+                </a:solidFill>
+                <a:latin typeface="+mn-lt"/>
+                <a:ea typeface="+mn-ea"/>
+                <a:cs typeface="+mn-cs"/>
+              </a:defRPr>
+            </a:lvl3pPr>
+            <a:lvl4pPr marL="1600200" indent="-228600" algn="l" defTabSz="914400" rtl="0" eaLnBrk="1" latinLnBrk="0" hangingPunct="1">
+              <a:lnSpc>
+                <a:spcPct val="90000"/>
+              </a:lnSpc>
+              <a:spcBef>
+                <a:spcPts val="500"/>
+              </a:spcBef>
+              <a:buFont typeface="Arial" panose="020B0604020202020204" pitchFamily="34" charset="0"/>
+              <a:buChar char="•"/>
+              <a:defRPr sz="1800" kern="1200">
+                <a:solidFill>
+                  <a:schemeClr val="tx1"/>
+                </a:solidFill>
+                <a:latin typeface="+mn-lt"/>
+                <a:ea typeface="+mn-ea"/>
+                <a:cs typeface="+mn-cs"/>
+              </a:defRPr>
+            </a:lvl4pPr>
+            <a:lvl5pPr marL="2057400" indent="-228600" algn="l" defTabSz="914400" rtl="0" eaLnBrk="1" latinLnBrk="0" hangingPunct="1">
+              <a:lnSpc>
+                <a:spcPct val="90000"/>
+              </a:lnSpc>
+              <a:spcBef>
+                <a:spcPts val="500"/>
+              </a:spcBef>
+              <a:buFont typeface="Arial" panose="020B0604020202020204" pitchFamily="34" charset="0"/>
+              <a:buChar char="•"/>
+              <a:defRPr sz="1800" kern="1200">
+                <a:solidFill>
+                  <a:schemeClr val="tx1"/>
+                </a:solidFill>
+                <a:latin typeface="+mn-lt"/>
+                <a:ea typeface="+mn-ea"/>
+                <a:cs typeface="+mn-cs"/>
+              </a:defRPr>
+            </a:lvl5pPr>
+            <a:lvl6pPr marL="2514600" indent="-228600" algn="l" defTabSz="914400" rtl="0" eaLnBrk="1" latinLnBrk="0" hangingPunct="1">
+              <a:lnSpc>
+                <a:spcPct val="90000"/>
+              </a:lnSpc>
+              <a:spcBef>
+                <a:spcPts val="500"/>
+              </a:spcBef>
+              <a:buFont typeface="Arial" panose="020B0604020202020204" pitchFamily="34" charset="0"/>
+              <a:buChar char="•"/>
+              <a:defRPr sz="1800" kern="1200">
+                <a:solidFill>
+                  <a:schemeClr val="tx1"/>
+                </a:solidFill>
+                <a:latin typeface="+mn-lt"/>
+                <a:ea typeface="+mn-ea"/>
+                <a:cs typeface="+mn-cs"/>
+              </a:defRPr>
+            </a:lvl6pPr>
+            <a:lvl7pPr marL="2971800" indent="-228600" algn="l" defTabSz="914400" rtl="0" eaLnBrk="1" latinLnBrk="0" hangingPunct="1">
+              <a:lnSpc>
+                <a:spcPct val="90000"/>
+              </a:lnSpc>
+              <a:spcBef>
+                <a:spcPts val="500"/>
+              </a:spcBef>
+              <a:buFont typeface="Arial" panose="020B0604020202020204" pitchFamily="34" charset="0"/>
+              <a:buChar char="•"/>
+              <a:defRPr sz="1800" kern="1200">
+                <a:solidFill>
+                  <a:schemeClr val="tx1"/>
+                </a:solidFill>
+                <a:latin typeface="+mn-lt"/>
+                <a:ea typeface="+mn-ea"/>
+                <a:cs typeface="+mn-cs"/>
+              </a:defRPr>
+            </a:lvl7pPr>
+            <a:lvl8pPr marL="3429000" indent="-228600" algn="l" defTabSz="914400" rtl="0" eaLnBrk="1" latinLnBrk="0" hangingPunct="1">
+              <a:lnSpc>
+                <a:spcPct val="90000"/>
+              </a:lnSpc>
+              <a:spcBef>
+                <a:spcPts val="500"/>
+              </a:spcBef>
+              <a:buFont typeface="Arial" panose="020B0604020202020204" pitchFamily="34" charset="0"/>
+              <a:buChar char="•"/>
+              <a:defRPr sz="1800" kern="1200">
+                <a:solidFill>
+                  <a:schemeClr val="tx1"/>
+                </a:solidFill>
+                <a:latin typeface="+mn-lt"/>
+                <a:ea typeface="+mn-ea"/>
+                <a:cs typeface="+mn-cs"/>
+              </a:defRPr>
+            </a:lvl8pPr>
+            <a:lvl9pPr marL="3886200" indent="-228600" algn="l" defTabSz="914400" rtl="0" eaLnBrk="1" latinLnBrk="0" hangingPunct="1">
+              <a:lnSpc>
+                <a:spcPct val="90000"/>
+              </a:lnSpc>
+              <a:spcBef>
+                <a:spcPts val="500"/>
+              </a:spcBef>
+              <a:buFont typeface="Arial" panose="020B0604020202020204" pitchFamily="34" charset="0"/>
+              <a:buChar char="•"/>
+              <a:defRPr sz="1800" kern="1200">
+                <a:solidFill>
+                  <a:schemeClr val="tx1"/>
+                </a:solidFill>
+                <a:latin typeface="+mn-lt"/>
+                <a:ea typeface="+mn-ea"/>
+                <a:cs typeface="+mn-cs"/>
+              </a:defRPr>
+            </a:lvl9pPr>
+          </a:lstStyle>
+          <a:p>
+            <a:pPr marL="0" indent="0">
+              <a:buFont typeface="Arial" panose="020B0604020202020204" pitchFamily="34" charset="0"/>
+              <a:buNone/>
+            </a:pPr>
+            <a:r>
+              <a:rPr lang="de-DE" sz="2000" dirty="0">
+                <a:solidFill>
+                  <a:schemeClr val="bg1">
+                    <a:lumMod val="50000"/>
+                  </a:schemeClr>
+                </a:solidFill>
+                <a:latin typeface="SFMono-Regular"/>
+              </a:rPr>
+              <a:t># </a:t>
+            </a:r>
+            <a:r>
+              <a:rPr lang="de-DE" sz="2000" dirty="0" err="1">
+                <a:solidFill>
+                  <a:schemeClr val="bg1">
+                    <a:lumMod val="50000"/>
+                  </a:schemeClr>
+                </a:solidFill>
+                <a:latin typeface="SFMono-Regular"/>
+              </a:rPr>
+              <a:t>Comparing</a:t>
+            </a:r>
+            <a:r>
+              <a:rPr lang="de-DE" sz="2000" dirty="0">
+                <a:solidFill>
+                  <a:schemeClr val="bg1">
+                    <a:lumMod val="50000"/>
+                  </a:schemeClr>
+                </a:solidFill>
+                <a:latin typeface="SFMono-Regular"/>
+              </a:rPr>
+              <a:t> multiple </a:t>
+            </a:r>
+            <a:r>
+              <a:rPr lang="de-DE" sz="2000" dirty="0" err="1">
+                <a:solidFill>
+                  <a:schemeClr val="bg1">
+                    <a:lumMod val="50000"/>
+                  </a:schemeClr>
+                </a:solidFill>
+                <a:latin typeface="SFMono-Regular"/>
+              </a:rPr>
+              <a:t>models</a:t>
+            </a:r>
+            <a:endParaRPr lang="de-DE" sz="2000" dirty="0">
+              <a:solidFill>
+                <a:schemeClr val="bg1">
+                  <a:lumMod val="50000"/>
+                </a:schemeClr>
+              </a:solidFill>
+              <a:latin typeface="SFMono-Regular"/>
+            </a:endParaRPr>
+          </a:p>
+          <a:p>
+            <a:pPr marL="0" indent="0">
+              <a:buFont typeface="Arial" panose="020B0604020202020204" pitchFamily="34" charset="0"/>
+              <a:buNone/>
+            </a:pPr>
+            <a:r>
+              <a:rPr lang="de-DE" sz="2000" dirty="0">
+                <a:solidFill>
+                  <a:srgbClr val="333333"/>
+                </a:solidFill>
+                <a:latin typeface="SFMono-Regular"/>
+              </a:rPr>
+              <a:t>fit &lt;- </a:t>
+            </a:r>
+            <a:r>
+              <a:rPr lang="de-DE" sz="2000" dirty="0" err="1">
+                <a:solidFill>
+                  <a:srgbClr val="333333"/>
+                </a:solidFill>
+                <a:latin typeface="SFMono-Regular"/>
+              </a:rPr>
+              <a:t>tourism_t_trips</a:t>
+            </a:r>
+            <a:r>
+              <a:rPr lang="de-DE" sz="2000" dirty="0">
+                <a:solidFill>
+                  <a:srgbClr val="333333"/>
+                </a:solidFill>
+                <a:latin typeface="SFMono-Regular"/>
+              </a:rPr>
+              <a:t> %&gt;% </a:t>
+            </a:r>
+          </a:p>
+          <a:p>
+            <a:pPr marL="0" indent="0">
+              <a:buFont typeface="Arial" panose="020B0604020202020204" pitchFamily="34" charset="0"/>
+              <a:buNone/>
+            </a:pPr>
+            <a:r>
+              <a:rPr lang="de-DE" sz="2000" dirty="0">
+                <a:solidFill>
+                  <a:srgbClr val="333333"/>
+                </a:solidFill>
+                <a:latin typeface="SFMono-Regular"/>
+              </a:rPr>
+              <a:t>  </a:t>
+            </a:r>
+            <a:r>
+              <a:rPr lang="de-DE" sz="2000" dirty="0" err="1">
+                <a:solidFill>
+                  <a:srgbClr val="333333"/>
+                </a:solidFill>
+                <a:latin typeface="SFMono-Regular"/>
+              </a:rPr>
+              <a:t>model</a:t>
+            </a:r>
+            <a:r>
+              <a:rPr lang="de-DE" sz="2000" dirty="0">
+                <a:solidFill>
+                  <a:srgbClr val="333333"/>
+                </a:solidFill>
+                <a:latin typeface="SFMono-Regular"/>
+              </a:rPr>
+              <a:t>(</a:t>
+            </a:r>
+          </a:p>
+          <a:p>
+            <a:pPr marL="0" indent="0">
+              <a:buFont typeface="Arial" panose="020B0604020202020204" pitchFamily="34" charset="0"/>
+              <a:buNone/>
+            </a:pPr>
+            <a:r>
+              <a:rPr lang="de-DE" sz="2000" dirty="0">
+                <a:solidFill>
+                  <a:srgbClr val="333333"/>
+                </a:solidFill>
+                <a:latin typeface="SFMono-Regular"/>
+              </a:rPr>
+              <a:t>    </a:t>
+            </a:r>
+            <a:r>
+              <a:rPr lang="de-DE" sz="2000" dirty="0" err="1">
+                <a:solidFill>
+                  <a:srgbClr val="333333"/>
+                </a:solidFill>
+                <a:latin typeface="SFMono-Regular"/>
+              </a:rPr>
+              <a:t>ets</a:t>
+            </a:r>
+            <a:r>
+              <a:rPr lang="de-DE" sz="2000" dirty="0">
+                <a:solidFill>
+                  <a:srgbClr val="333333"/>
+                </a:solidFill>
+                <a:latin typeface="SFMono-Regular"/>
+              </a:rPr>
+              <a:t> = ETS(Trips),</a:t>
+            </a:r>
+          </a:p>
+          <a:p>
+            <a:pPr marL="0" indent="0">
+              <a:buFont typeface="Arial" panose="020B0604020202020204" pitchFamily="34" charset="0"/>
+              <a:buNone/>
+            </a:pPr>
+            <a:r>
+              <a:rPr lang="de-DE" sz="2000" dirty="0">
+                <a:solidFill>
+                  <a:srgbClr val="333333"/>
+                </a:solidFill>
+                <a:latin typeface="SFMono-Regular"/>
+              </a:rPr>
+              <a:t>    </a:t>
+            </a:r>
+            <a:r>
+              <a:rPr lang="de-DE" sz="2000" dirty="0" err="1">
+                <a:solidFill>
+                  <a:srgbClr val="333333"/>
+                </a:solidFill>
+                <a:latin typeface="SFMono-Regular"/>
+              </a:rPr>
+              <a:t>arima</a:t>
+            </a:r>
+            <a:r>
+              <a:rPr lang="de-DE" sz="2000" dirty="0">
+                <a:solidFill>
+                  <a:srgbClr val="333333"/>
+                </a:solidFill>
+                <a:latin typeface="SFMono-Regular"/>
+              </a:rPr>
+              <a:t> = ARIMA(Trips),</a:t>
+            </a:r>
+          </a:p>
+          <a:p>
+            <a:pPr marL="0" indent="0">
+              <a:buFont typeface="Arial" panose="020B0604020202020204" pitchFamily="34" charset="0"/>
+              <a:buNone/>
+            </a:pPr>
+            <a:r>
+              <a:rPr lang="de-DE" sz="2000" dirty="0">
+                <a:solidFill>
+                  <a:srgbClr val="333333"/>
+                </a:solidFill>
+                <a:latin typeface="SFMono-Regular"/>
+              </a:rPr>
+              <a:t>    lm = TSLM(Trips ~ </a:t>
+            </a:r>
+            <a:r>
+              <a:rPr lang="de-DE" sz="2000" dirty="0" err="1">
+                <a:solidFill>
+                  <a:srgbClr val="333333"/>
+                </a:solidFill>
+                <a:latin typeface="SFMono-Regular"/>
+              </a:rPr>
+              <a:t>trend</a:t>
+            </a:r>
+            <a:r>
+              <a:rPr lang="de-DE" sz="2000" dirty="0">
+                <a:solidFill>
+                  <a:srgbClr val="333333"/>
+                </a:solidFill>
+                <a:latin typeface="SFMono-Regular"/>
+              </a:rPr>
+              <a:t>() + </a:t>
+            </a:r>
+            <a:r>
+              <a:rPr lang="de-DE" sz="2000" dirty="0" err="1">
+                <a:solidFill>
+                  <a:srgbClr val="333333"/>
+                </a:solidFill>
+                <a:latin typeface="SFMono-Regular"/>
+              </a:rPr>
+              <a:t>season</a:t>
+            </a:r>
+            <a:r>
+              <a:rPr lang="de-DE" sz="2000" dirty="0">
+                <a:solidFill>
+                  <a:srgbClr val="333333"/>
+                </a:solidFill>
+                <a:latin typeface="SFMono-Regular"/>
+              </a:rPr>
+              <a:t>())</a:t>
+            </a:r>
+          </a:p>
+          <a:p>
+            <a:pPr marL="0" indent="0">
+              <a:buFont typeface="Arial" panose="020B0604020202020204" pitchFamily="34" charset="0"/>
+              <a:buNone/>
+            </a:pPr>
+            <a:r>
+              <a:rPr lang="de-DE" sz="2000" dirty="0">
+                <a:solidFill>
+                  <a:srgbClr val="333333"/>
+                </a:solidFill>
+                <a:latin typeface="SFMono-Regular"/>
+              </a:rPr>
+              <a:t>  )</a:t>
+            </a:r>
+          </a:p>
+          <a:p>
+            <a:pPr marL="0" indent="0">
+              <a:buFont typeface="Arial" panose="020B0604020202020204" pitchFamily="34" charset="0"/>
+              <a:buNone/>
+            </a:pPr>
+            <a:endParaRPr lang="de-DE" sz="2000" dirty="0">
+              <a:solidFill>
+                <a:srgbClr val="333333"/>
+              </a:solidFill>
+              <a:latin typeface="SFMono-Regular"/>
+            </a:endParaRPr>
+          </a:p>
+        </p:txBody>
+      </p:sp>
+      <p:sp>
+        <p:nvSpPr>
+          <p:cNvPr id="7" name="Inhaltsplatzhalter 2">
+            <a:extLst>
+              <a:ext uri="{FF2B5EF4-FFF2-40B4-BE49-F238E27FC236}">
+                <a16:creationId xmlns:a16="http://schemas.microsoft.com/office/drawing/2014/main" id="{B71C08A0-C059-75BC-C319-EA2F45DDA59B}"/>
+              </a:ext>
+            </a:extLst>
+          </p:cNvPr>
+          <p:cNvSpPr txBox="1">
+            <a:spLocks/>
+          </p:cNvSpPr>
+          <p:nvPr/>
+        </p:nvSpPr>
+        <p:spPr>
+          <a:xfrm>
+            <a:off x="1055713" y="4278852"/>
+            <a:ext cx="7587544" cy="1662113"/>
+          </a:xfrm>
+          <a:prstGeom prst="rect">
+            <a:avLst/>
+          </a:prstGeom>
+          <a:solidFill>
+            <a:schemeClr val="bg1">
+              <a:lumMod val="95000"/>
+            </a:schemeClr>
+          </a:solidFill>
+        </p:spPr>
+        <p:txBody>
+          <a:bodyPr vert="horz" lIns="91440" tIns="45720" rIns="91440" bIns="45720" rtlCol="0">
+            <a:noAutofit/>
+          </a:bodyPr>
+          <a:lstStyle>
+            <a:lvl1pPr marL="228600" indent="-228600" algn="l" defTabSz="914400" rtl="0" eaLnBrk="1" latinLnBrk="0" hangingPunct="1">
+              <a:lnSpc>
+                <a:spcPct val="90000"/>
+              </a:lnSpc>
+              <a:spcBef>
+                <a:spcPts val="1000"/>
+              </a:spcBef>
+              <a:buFont typeface="Arial" panose="020B0604020202020204" pitchFamily="34" charset="0"/>
+              <a:buChar char="•"/>
+              <a:defRPr sz="2800" kern="1200">
+                <a:solidFill>
+                  <a:schemeClr val="tx1"/>
+                </a:solidFill>
+                <a:latin typeface="+mn-lt"/>
+                <a:ea typeface="+mn-ea"/>
+                <a:cs typeface="+mn-cs"/>
+              </a:defRPr>
+            </a:lvl1pPr>
+            <a:lvl2pPr marL="685800" indent="-228600" algn="l" defTabSz="914400" rtl="0" eaLnBrk="1" latinLnBrk="0" hangingPunct="1">
+              <a:lnSpc>
+                <a:spcPct val="90000"/>
+              </a:lnSpc>
+              <a:spcBef>
+                <a:spcPts val="500"/>
+              </a:spcBef>
+              <a:buFont typeface="Arial" panose="020B0604020202020204" pitchFamily="34" charset="0"/>
+              <a:buChar char="•"/>
+              <a:defRPr sz="2400" kern="1200">
+                <a:solidFill>
+                  <a:schemeClr val="tx1"/>
+                </a:solidFill>
+                <a:latin typeface="+mn-lt"/>
+                <a:ea typeface="+mn-ea"/>
+                <a:cs typeface="+mn-cs"/>
+              </a:defRPr>
+            </a:lvl2pPr>
+            <a:lvl3pPr marL="1143000" indent="-228600" algn="l" defTabSz="914400" rtl="0" eaLnBrk="1" latinLnBrk="0" hangingPunct="1">
+              <a:lnSpc>
+                <a:spcPct val="90000"/>
+              </a:lnSpc>
+              <a:spcBef>
+                <a:spcPts val="500"/>
+              </a:spcBef>
+              <a:buFont typeface="Arial" panose="020B0604020202020204" pitchFamily="34" charset="0"/>
+              <a:buChar char="•"/>
+              <a:defRPr sz="2000" kern="1200">
+                <a:solidFill>
+                  <a:schemeClr val="tx1"/>
+                </a:solidFill>
+                <a:latin typeface="+mn-lt"/>
+                <a:ea typeface="+mn-ea"/>
+                <a:cs typeface="+mn-cs"/>
+              </a:defRPr>
+            </a:lvl3pPr>
+            <a:lvl4pPr marL="1600200" indent="-228600" algn="l" defTabSz="914400" rtl="0" eaLnBrk="1" latinLnBrk="0" hangingPunct="1">
+              <a:lnSpc>
+                <a:spcPct val="90000"/>
+              </a:lnSpc>
+              <a:spcBef>
+                <a:spcPts val="500"/>
+              </a:spcBef>
+              <a:buFont typeface="Arial" panose="020B0604020202020204" pitchFamily="34" charset="0"/>
+              <a:buChar char="•"/>
+              <a:defRPr sz="1800" kern="1200">
+                <a:solidFill>
+                  <a:schemeClr val="tx1"/>
+                </a:solidFill>
+                <a:latin typeface="+mn-lt"/>
+                <a:ea typeface="+mn-ea"/>
+                <a:cs typeface="+mn-cs"/>
+              </a:defRPr>
+            </a:lvl4pPr>
+            <a:lvl5pPr marL="2057400" indent="-228600" algn="l" defTabSz="914400" rtl="0" eaLnBrk="1" latinLnBrk="0" hangingPunct="1">
+              <a:lnSpc>
+                <a:spcPct val="90000"/>
+              </a:lnSpc>
+              <a:spcBef>
+                <a:spcPts val="500"/>
+              </a:spcBef>
+              <a:buFont typeface="Arial" panose="020B0604020202020204" pitchFamily="34" charset="0"/>
+              <a:buChar char="•"/>
+              <a:defRPr sz="1800" kern="1200">
+                <a:solidFill>
+                  <a:schemeClr val="tx1"/>
+                </a:solidFill>
+                <a:latin typeface="+mn-lt"/>
+                <a:ea typeface="+mn-ea"/>
+                <a:cs typeface="+mn-cs"/>
+              </a:defRPr>
+            </a:lvl5pPr>
+            <a:lvl6pPr marL="2514600" indent="-228600" algn="l" defTabSz="914400" rtl="0" eaLnBrk="1" latinLnBrk="0" hangingPunct="1">
+              <a:lnSpc>
+                <a:spcPct val="90000"/>
+              </a:lnSpc>
+              <a:spcBef>
+                <a:spcPts val="500"/>
+              </a:spcBef>
+              <a:buFont typeface="Arial" panose="020B0604020202020204" pitchFamily="34" charset="0"/>
+              <a:buChar char="•"/>
+              <a:defRPr sz="1800" kern="1200">
+                <a:solidFill>
+                  <a:schemeClr val="tx1"/>
+                </a:solidFill>
+                <a:latin typeface="+mn-lt"/>
+                <a:ea typeface="+mn-ea"/>
+                <a:cs typeface="+mn-cs"/>
+              </a:defRPr>
+            </a:lvl6pPr>
+            <a:lvl7pPr marL="2971800" indent="-228600" algn="l" defTabSz="914400" rtl="0" eaLnBrk="1" latinLnBrk="0" hangingPunct="1">
+              <a:lnSpc>
+                <a:spcPct val="90000"/>
+              </a:lnSpc>
+              <a:spcBef>
+                <a:spcPts val="500"/>
+              </a:spcBef>
+              <a:buFont typeface="Arial" panose="020B0604020202020204" pitchFamily="34" charset="0"/>
+              <a:buChar char="•"/>
+              <a:defRPr sz="1800" kern="1200">
+                <a:solidFill>
+                  <a:schemeClr val="tx1"/>
+                </a:solidFill>
+                <a:latin typeface="+mn-lt"/>
+                <a:ea typeface="+mn-ea"/>
+                <a:cs typeface="+mn-cs"/>
+              </a:defRPr>
+            </a:lvl7pPr>
+            <a:lvl8pPr marL="3429000" indent="-228600" algn="l" defTabSz="914400" rtl="0" eaLnBrk="1" latinLnBrk="0" hangingPunct="1">
+              <a:lnSpc>
+                <a:spcPct val="90000"/>
+              </a:lnSpc>
+              <a:spcBef>
+                <a:spcPts val="500"/>
+              </a:spcBef>
+              <a:buFont typeface="Arial" panose="020B0604020202020204" pitchFamily="34" charset="0"/>
+              <a:buChar char="•"/>
+              <a:defRPr sz="1800" kern="1200">
+                <a:solidFill>
+                  <a:schemeClr val="tx1"/>
+                </a:solidFill>
+                <a:latin typeface="+mn-lt"/>
+                <a:ea typeface="+mn-ea"/>
+                <a:cs typeface="+mn-cs"/>
+              </a:defRPr>
+            </a:lvl8pPr>
+            <a:lvl9pPr marL="3886200" indent="-228600" algn="l" defTabSz="914400" rtl="0" eaLnBrk="1" latinLnBrk="0" hangingPunct="1">
+              <a:lnSpc>
+                <a:spcPct val="90000"/>
+              </a:lnSpc>
+              <a:spcBef>
+                <a:spcPts val="500"/>
+              </a:spcBef>
+              <a:buFont typeface="Arial" panose="020B0604020202020204" pitchFamily="34" charset="0"/>
+              <a:buChar char="•"/>
+              <a:defRPr sz="1800" kern="1200">
+                <a:solidFill>
+                  <a:schemeClr val="tx1"/>
+                </a:solidFill>
+                <a:latin typeface="+mn-lt"/>
+                <a:ea typeface="+mn-ea"/>
+                <a:cs typeface="+mn-cs"/>
+              </a:defRPr>
+            </a:lvl9pPr>
+          </a:lstStyle>
+          <a:p>
+            <a:pPr marL="0" indent="0">
+              <a:buFont typeface="Arial" panose="020B0604020202020204" pitchFamily="34" charset="0"/>
+              <a:buNone/>
+            </a:pPr>
+            <a:r>
+              <a:rPr lang="de-DE" sz="2000" dirty="0">
+                <a:solidFill>
+                  <a:schemeClr val="bg1">
+                    <a:lumMod val="50000"/>
+                  </a:schemeClr>
+                </a:solidFill>
+                <a:latin typeface="SFMono-Regular"/>
+              </a:rPr>
+              <a:t># </a:t>
+            </a:r>
+            <a:r>
+              <a:rPr lang="de-DE" sz="2000" dirty="0" err="1">
+                <a:solidFill>
+                  <a:schemeClr val="bg1">
+                    <a:lumMod val="50000"/>
+                  </a:schemeClr>
+                </a:solidFill>
+                <a:latin typeface="SFMono-Regular"/>
+              </a:rPr>
+              <a:t>plot</a:t>
+            </a:r>
+            <a:r>
+              <a:rPr lang="de-DE" sz="2000" dirty="0">
+                <a:solidFill>
+                  <a:schemeClr val="bg1">
+                    <a:lumMod val="50000"/>
+                  </a:schemeClr>
+                </a:solidFill>
+                <a:latin typeface="SFMono-Regular"/>
+              </a:rPr>
+              <a:t> </a:t>
+            </a:r>
+            <a:r>
+              <a:rPr lang="de-DE" sz="2000" dirty="0" err="1">
+                <a:solidFill>
+                  <a:schemeClr val="bg1">
+                    <a:lumMod val="50000"/>
+                  </a:schemeClr>
+                </a:solidFill>
+                <a:latin typeface="SFMono-Regular"/>
+              </a:rPr>
+              <a:t>forecast</a:t>
+            </a:r>
+            <a:endParaRPr lang="de-DE" sz="2000" dirty="0">
+              <a:solidFill>
+                <a:schemeClr val="bg1">
+                  <a:lumMod val="50000"/>
+                </a:schemeClr>
+              </a:solidFill>
+              <a:latin typeface="SFMono-Regular"/>
+            </a:endParaRPr>
+          </a:p>
+          <a:p>
+            <a:pPr marL="0" indent="0">
+              <a:buFont typeface="Arial" panose="020B0604020202020204" pitchFamily="34" charset="0"/>
+              <a:buNone/>
+            </a:pPr>
+            <a:r>
+              <a:rPr lang="de-DE" sz="2000" dirty="0">
+                <a:solidFill>
+                  <a:srgbClr val="333333"/>
+                </a:solidFill>
+                <a:latin typeface="SFMono-Regular"/>
+              </a:rPr>
+              <a:t>fit %&gt;% </a:t>
+            </a:r>
+          </a:p>
+          <a:p>
+            <a:pPr marL="0" indent="0">
+              <a:buFont typeface="Arial" panose="020B0604020202020204" pitchFamily="34" charset="0"/>
+              <a:buNone/>
+            </a:pPr>
+            <a:r>
+              <a:rPr lang="de-DE" sz="2000" dirty="0">
+                <a:solidFill>
+                  <a:srgbClr val="333333"/>
+                </a:solidFill>
+                <a:latin typeface="SFMono-Regular"/>
+              </a:rPr>
+              <a:t>  </a:t>
+            </a:r>
+            <a:r>
+              <a:rPr lang="de-DE" sz="2000" dirty="0" err="1">
+                <a:solidFill>
+                  <a:srgbClr val="333333"/>
+                </a:solidFill>
+                <a:latin typeface="SFMono-Regular"/>
+              </a:rPr>
+              <a:t>forecast</a:t>
+            </a:r>
+            <a:r>
+              <a:rPr lang="de-DE" sz="2000" dirty="0">
+                <a:solidFill>
+                  <a:srgbClr val="333333"/>
+                </a:solidFill>
+                <a:latin typeface="SFMono-Regular"/>
+              </a:rPr>
+              <a:t>(h = "2 </a:t>
+            </a:r>
+            <a:r>
+              <a:rPr lang="de-DE" sz="2000" dirty="0" err="1">
+                <a:solidFill>
+                  <a:srgbClr val="333333"/>
+                </a:solidFill>
+                <a:latin typeface="SFMono-Regular"/>
+              </a:rPr>
+              <a:t>years</a:t>
+            </a:r>
+            <a:r>
+              <a:rPr lang="de-DE" sz="2000" dirty="0">
+                <a:solidFill>
+                  <a:srgbClr val="333333"/>
+                </a:solidFill>
+                <a:latin typeface="SFMono-Regular"/>
+              </a:rPr>
+              <a:t>") %&gt;% </a:t>
+            </a:r>
+          </a:p>
+          <a:p>
+            <a:pPr marL="0" indent="0">
+              <a:buFont typeface="Arial" panose="020B0604020202020204" pitchFamily="34" charset="0"/>
+              <a:buNone/>
+            </a:pPr>
+            <a:r>
+              <a:rPr lang="de-DE" sz="2000" dirty="0">
+                <a:solidFill>
+                  <a:srgbClr val="333333"/>
+                </a:solidFill>
+                <a:latin typeface="SFMono-Regular"/>
+              </a:rPr>
+              <a:t>  </a:t>
+            </a:r>
+            <a:r>
+              <a:rPr lang="de-DE" sz="2000" dirty="0" err="1">
+                <a:solidFill>
+                  <a:srgbClr val="333333"/>
+                </a:solidFill>
+                <a:latin typeface="SFMono-Regular"/>
+              </a:rPr>
+              <a:t>autoplot</a:t>
+            </a:r>
+            <a:r>
+              <a:rPr lang="de-DE" sz="2000" dirty="0">
+                <a:solidFill>
+                  <a:srgbClr val="333333"/>
+                </a:solidFill>
+                <a:latin typeface="SFMono-Regular"/>
+              </a:rPr>
+              <a:t>(</a:t>
+            </a:r>
+            <a:r>
+              <a:rPr lang="de-DE" sz="2000" dirty="0" err="1">
+                <a:solidFill>
+                  <a:srgbClr val="333333"/>
+                </a:solidFill>
+                <a:latin typeface="SFMono-Regular"/>
+              </a:rPr>
+              <a:t>tourism_t_trips</a:t>
+            </a:r>
+            <a:r>
+              <a:rPr lang="de-DE" sz="2000" dirty="0">
+                <a:solidFill>
+                  <a:srgbClr val="333333"/>
+                </a:solidFill>
+                <a:latin typeface="SFMono-Regular"/>
+              </a:rPr>
+              <a:t>, </a:t>
+            </a:r>
+            <a:r>
+              <a:rPr lang="de-DE" sz="2000" dirty="0" err="1">
+                <a:solidFill>
+                  <a:srgbClr val="333333"/>
+                </a:solidFill>
+                <a:latin typeface="SFMono-Regular"/>
+              </a:rPr>
+              <a:t>level</a:t>
+            </a:r>
+            <a:r>
+              <a:rPr lang="de-DE" sz="2000" dirty="0">
+                <a:solidFill>
+                  <a:srgbClr val="333333"/>
+                </a:solidFill>
+                <a:latin typeface="SFMono-Regular"/>
+              </a:rPr>
+              <a:t> = 80, </a:t>
+            </a:r>
+            <a:r>
+              <a:rPr lang="de-DE" sz="2000" dirty="0" err="1">
+                <a:solidFill>
+                  <a:srgbClr val="333333"/>
+                </a:solidFill>
+                <a:latin typeface="SFMono-Regular"/>
+              </a:rPr>
+              <a:t>alpha</a:t>
+            </a:r>
+            <a:r>
+              <a:rPr lang="de-DE" sz="2000" dirty="0">
+                <a:solidFill>
+                  <a:srgbClr val="333333"/>
+                </a:solidFill>
+                <a:latin typeface="SFMono-Regular"/>
+              </a:rPr>
+              <a:t> = 0.5)</a:t>
+            </a:r>
+          </a:p>
+        </p:txBody>
+      </p:sp>
+    </p:spTree>
+    <p:extLst>
+      <p:ext uri="{BB962C8B-B14F-4D97-AF65-F5344CB8AC3E}">
+        <p14:creationId xmlns:p14="http://schemas.microsoft.com/office/powerpoint/2010/main" val="3654422286"/>
+      </p:ext>
+    </p:extLst>
+  </p:cSld>
+  <p:clrMapOvr>
+    <a:masterClrMapping/>
+  </p:clrMapOvr>
+</p:sld>
+</file>
+
+<file path=ppt/slides/slide11.xml><?xml version="1.0" encoding="utf-8"?>
+<p:sld xmlns:a="http://schemas.openxmlformats.org/drawingml/2006/main" xmlns:r="http://schemas.openxmlformats.org/officeDocument/2006/relationships" xmlns:p="http://schemas.openxmlformats.org/presentationml/2006/main">
+  <p:cSld>
+    <p:bg>
+      <p:bgPr>
+        <a:solidFill>
+          <a:schemeClr val="bg1"/>
+        </a:solidFill>
+        <a:effectLst/>
+      </p:bgPr>
+    </p:bg>
+    <p:spTree>
+      <p:nvGrpSpPr>
+        <p:cNvPr id="1" name=""/>
+        <p:cNvGrpSpPr/>
+        <p:nvPr/>
+      </p:nvGrpSpPr>
+      <p:grpSpPr>
+        <a:xfrm>
+          <a:off x="0" y="0"/>
+          <a:ext cx="0" cy="0"/>
+          <a:chOff x="0" y="0"/>
+          <a:chExt cx="0" cy="0"/>
+        </a:xfrm>
+      </p:grpSpPr>
+      <p:sp useBgFill="1">
+        <p:nvSpPr>
+          <p:cNvPr id="15" name="Rectangle 14">
+            <a:extLst>
+              <a:ext uri="{FF2B5EF4-FFF2-40B4-BE49-F238E27FC236}">
+                <a16:creationId xmlns:a16="http://schemas.microsoft.com/office/drawing/2014/main" id="{149FB5C3-7336-4FE0-A30C-CC0A3646D499}"/>
+              </a:ext>
+              <a:ext uri="{C183D7F6-B498-43B3-948B-1728B52AA6E4}">
+                <adec:decorative xmlns:adec="http://schemas.microsoft.com/office/drawing/2017/decorative" val="1"/>
+              </a:ext>
+            </a:extLst>
+          </p:cNvPr>
+          <p:cNvSpPr>
+            <a:spLocks noGrp="1" noRot="1" noChangeAspect="1" noMove="1" noResize="1" noEditPoints="1" noAdjustHandles="1" noChangeArrowheads="1" noChangeShapeType="1" noTextEdit="1"/>
+          </p:cNvSpPr>
+          <p:nvPr>
+            <p:extLst>
+              <p:ext uri="{386F3935-93C4-4BCD-93E2-E3B085C9AB24}">
+                <p16:designElem xmlns:p16="http://schemas.microsoft.com/office/powerpoint/2015/main" val="1"/>
+              </p:ext>
+            </p:extLst>
+          </p:nvPr>
+        </p:nvSpPr>
+        <p:spPr>
+          <a:xfrm>
+            <a:off x="0" y="0"/>
+            <a:ext cx="12191999" cy="6857365"/>
+          </a:xfrm>
+          <a:prstGeom prst="rect">
+            <a:avLst/>
+          </a:prstGeom>
+          <a:ln>
+            <a:noFill/>
+          </a:ln>
+        </p:spPr>
+        <p:style>
+          <a:lnRef idx="2">
+            <a:schemeClr val="accent1">
+              <a:shade val="50000"/>
+            </a:schemeClr>
+          </a:lnRef>
+          <a:fillRef idx="1">
+            <a:schemeClr val="accent1"/>
+          </a:fillRef>
+          <a:effectRef idx="0">
+            <a:schemeClr val="accent1"/>
+          </a:effectRef>
+          <a:fontRef idx="minor">
+            <a:schemeClr val="lt1"/>
+          </a:fontRef>
+        </p:style>
+        <p:txBody>
+          <a:bodyPr rtlCol="0" anchor="ctr"/>
+          <a:lstStyle/>
+          <a:p>
+            <a:pPr algn="ctr"/>
+            <a:endParaRPr lang="en-US"/>
+          </a:p>
+        </p:txBody>
+      </p:sp>
+      <p:grpSp>
+        <p:nvGrpSpPr>
+          <p:cNvPr id="17" name="Group 16">
+            <a:extLst>
+              <a:ext uri="{FF2B5EF4-FFF2-40B4-BE49-F238E27FC236}">
+                <a16:creationId xmlns:a16="http://schemas.microsoft.com/office/drawing/2014/main" id="{19A6B5CE-CB1D-48EE-8B43-E952235C8371}"/>
+              </a:ext>
+              <a:ext uri="{C183D7F6-B498-43B3-948B-1728B52AA6E4}">
+                <adec:decorative xmlns:adec="http://schemas.microsoft.com/office/drawing/2017/decorative" val="1"/>
+              </a:ext>
+            </a:extLst>
+          </p:cNvPr>
+          <p:cNvGrpSpPr>
+            <a:grpSpLocks noGrp="1" noUngrp="1" noRot="1" noChangeAspect="1" noMove="1" noResize="1"/>
+          </p:cNvGrpSpPr>
+          <p:nvPr>
+            <p:extLst>
+              <p:ext uri="{386F3935-93C4-4BCD-93E2-E3B085C9AB24}">
+                <p16:designElem xmlns:p16="http://schemas.microsoft.com/office/powerpoint/2015/main" val="1"/>
+              </p:ext>
+            </p:extLst>
+          </p:nvPr>
+        </p:nvGrpSpPr>
+        <p:grpSpPr>
+          <a:xfrm rot="5400000">
+            <a:off x="-2340441" y="2666183"/>
+            <a:ext cx="5860051" cy="527712"/>
+            <a:chOff x="6081624" y="1998368"/>
+            <a:chExt cx="5613457" cy="782175"/>
+          </a:xfrm>
+          <a:solidFill>
+            <a:schemeClr val="accent4"/>
+          </a:solidFill>
+        </p:grpSpPr>
+        <p:sp>
+          <p:nvSpPr>
+            <p:cNvPr id="18" name="Rectangle 17">
+              <a:extLst>
+                <a:ext uri="{FF2B5EF4-FFF2-40B4-BE49-F238E27FC236}">
+                  <a16:creationId xmlns:a16="http://schemas.microsoft.com/office/drawing/2014/main" id="{E3F3EAA5-4E15-400B-BBA3-82B3F49A2178}"/>
+                </a:ext>
+                <a:ext uri="{C183D7F6-B498-43B3-948B-1728B52AA6E4}">
+                  <adec:decorative xmlns:adec="http://schemas.microsoft.com/office/drawing/2017/decorative" val="1"/>
+                </a:ext>
+              </a:extLst>
+            </p:cNvPr>
+            <p:cNvSpPr/>
+            <p:nvPr>
+              <p:extLst>
+                <p:ext uri="{386F3935-93C4-4BCD-93E2-E3B085C9AB24}">
+                  <p16:designElem xmlns:p16="http://schemas.microsoft.com/office/powerpoint/2015/main" val="1"/>
+                </p:ext>
+              </p:extLst>
+            </p:nvPr>
+          </p:nvSpPr>
+          <p:spPr>
+            <a:xfrm rot="5400000">
+              <a:off x="11228040" y="2313027"/>
+              <a:ext cx="781700" cy="152382"/>
+            </a:xfrm>
+            <a:prstGeom prst="rect">
+              <a:avLst/>
+            </a:prstGeom>
+            <a:grpFill/>
+            <a:ln>
+              <a:noFill/>
+            </a:ln>
+          </p:spPr>
+          <p:style>
+            <a:lnRef idx="2">
+              <a:schemeClr val="accent1">
+                <a:shade val="50000"/>
+              </a:schemeClr>
+            </a:lnRef>
+            <a:fillRef idx="1">
+              <a:schemeClr val="accent1"/>
+            </a:fillRef>
+            <a:effectRef idx="0">
+              <a:schemeClr val="accent1"/>
+            </a:effectRef>
+            <a:fontRef idx="minor">
+              <a:schemeClr val="lt1"/>
+            </a:fontRef>
+          </p:style>
+          <p:txBody>
+            <a:bodyPr rtlCol="0" anchor="ctr"/>
+            <a:lstStyle/>
+            <a:p>
+              <a:pPr algn="ctr"/>
+              <a:endParaRPr lang="en-US"/>
+            </a:p>
+          </p:txBody>
+        </p:sp>
+        <p:sp>
+          <p:nvSpPr>
+            <p:cNvPr id="19" name="Rectangle 18">
+              <a:extLst>
+                <a:ext uri="{FF2B5EF4-FFF2-40B4-BE49-F238E27FC236}">
+                  <a16:creationId xmlns:a16="http://schemas.microsoft.com/office/drawing/2014/main" id="{72BA2E40-BE9B-4C54-9CDD-40EE804CCE64}"/>
+                </a:ext>
+                <a:ext uri="{C183D7F6-B498-43B3-948B-1728B52AA6E4}">
+                  <adec:decorative xmlns:adec="http://schemas.microsoft.com/office/drawing/2017/decorative" val="1"/>
+                </a:ext>
+              </a:extLst>
+            </p:cNvPr>
+            <p:cNvSpPr/>
+            <p:nvPr>
+              <p:extLst>
+                <p:ext uri="{386F3935-93C4-4BCD-93E2-E3B085C9AB24}">
+                  <p16:designElem xmlns:p16="http://schemas.microsoft.com/office/powerpoint/2015/main" val="1"/>
+                </p:ext>
+              </p:extLst>
+            </p:nvPr>
+          </p:nvSpPr>
+          <p:spPr>
+            <a:xfrm flipH="1" flipV="1">
+              <a:off x="6081624" y="1998844"/>
+              <a:ext cx="5372968" cy="781699"/>
+            </a:xfrm>
+            <a:prstGeom prst="rect">
+              <a:avLst/>
+            </a:prstGeom>
+            <a:grpFill/>
+            <a:ln>
+              <a:noFill/>
+            </a:ln>
+          </p:spPr>
+          <p:style>
+            <a:lnRef idx="2">
+              <a:schemeClr val="accent1">
+                <a:shade val="50000"/>
+              </a:schemeClr>
+            </a:lnRef>
+            <a:fillRef idx="1">
+              <a:schemeClr val="accent1"/>
+            </a:fillRef>
+            <a:effectRef idx="0">
+              <a:schemeClr val="accent1"/>
+            </a:effectRef>
+            <a:fontRef idx="minor">
+              <a:schemeClr val="lt1"/>
+            </a:fontRef>
+          </p:style>
+          <p:txBody>
+            <a:bodyPr rtlCol="0" anchor="ctr"/>
+            <a:lstStyle/>
+            <a:p>
+              <a:pPr algn="ctr"/>
+              <a:endParaRPr lang="en-US"/>
+            </a:p>
+          </p:txBody>
+        </p:sp>
+      </p:grpSp>
+      <p:sp>
+        <p:nvSpPr>
+          <p:cNvPr id="21" name="Rectangle 20">
+            <a:extLst>
+              <a:ext uri="{FF2B5EF4-FFF2-40B4-BE49-F238E27FC236}">
+                <a16:creationId xmlns:a16="http://schemas.microsoft.com/office/drawing/2014/main" id="{0DA909B4-15FF-46A6-8A7F-7AEF977FE9ED}"/>
+              </a:ext>
+              <a:ext uri="{C183D7F6-B498-43B3-948B-1728B52AA6E4}">
+                <adec:decorative xmlns:adec="http://schemas.microsoft.com/office/drawing/2017/decorative" val="1"/>
+              </a:ext>
+            </a:extLst>
+          </p:cNvPr>
+          <p:cNvSpPr>
+            <a:spLocks noGrp="1" noRot="1" noChangeAspect="1" noMove="1" noResize="1" noEditPoints="1" noAdjustHandles="1" noChangeArrowheads="1" noChangeShapeType="1" noTextEdit="1"/>
+          </p:cNvSpPr>
+          <p:nvPr>
+            <p:extLst>
+              <p:ext uri="{386F3935-93C4-4BCD-93E2-E3B085C9AB24}">
+                <p16:designElem xmlns:p16="http://schemas.microsoft.com/office/powerpoint/2015/main" val="1"/>
+              </p:ext>
+            </p:extLst>
+          </p:nvPr>
+        </p:nvSpPr>
+        <p:spPr>
+          <a:xfrm>
+            <a:off x="579528" y="517897"/>
+            <a:ext cx="11111729" cy="5857966"/>
+          </a:xfrm>
+          <a:prstGeom prst="rect">
+            <a:avLst/>
+          </a:prstGeom>
+          <a:solidFill>
+            <a:schemeClr val="bg1"/>
+          </a:solidFill>
+          <a:ln>
+            <a:noFill/>
+          </a:ln>
+          <a:effectLst>
+            <a:outerShdw blurRad="139700" dist="127000" dir="5400000" algn="t" rotWithShape="0">
+              <a:prstClr val="black">
+                <a:alpha val="15000"/>
+              </a:prstClr>
+            </a:outerShdw>
+          </a:effectLst>
+        </p:spPr>
+        <p:style>
+          <a:lnRef idx="2">
+            <a:schemeClr val="accent1">
+              <a:shade val="50000"/>
+            </a:schemeClr>
+          </a:lnRef>
+          <a:fillRef idx="1">
+            <a:schemeClr val="accent1"/>
+          </a:fillRef>
+          <a:effectRef idx="0">
+            <a:schemeClr val="accent1"/>
+          </a:effectRef>
+          <a:fontRef idx="minor">
+            <a:schemeClr val="lt1"/>
+          </a:fontRef>
+        </p:style>
+        <p:txBody>
+          <a:bodyPr rtlCol="0" anchor="ctr"/>
+          <a:lstStyle/>
+          <a:p>
+            <a:pPr algn="ctr"/>
+            <a:endParaRPr lang="en-US"/>
+          </a:p>
+        </p:txBody>
+      </p:sp>
+      <p:sp>
+        <p:nvSpPr>
+          <p:cNvPr id="2" name="Titel 1">
+            <a:extLst>
+              <a:ext uri="{FF2B5EF4-FFF2-40B4-BE49-F238E27FC236}">
+                <a16:creationId xmlns:a16="http://schemas.microsoft.com/office/drawing/2014/main" id="{F6655BA3-676A-D955-E13C-5A2890900397}"/>
+              </a:ext>
+            </a:extLst>
+          </p:cNvPr>
+          <p:cNvSpPr>
+            <a:spLocks noGrp="1"/>
+          </p:cNvSpPr>
+          <p:nvPr>
+            <p:ph type="title"/>
+          </p:nvPr>
+        </p:nvSpPr>
+        <p:spPr>
+          <a:xfrm>
+            <a:off x="1055713" y="663695"/>
+            <a:ext cx="7845156" cy="1169585"/>
+          </a:xfrm>
+        </p:spPr>
+        <p:txBody>
+          <a:bodyPr anchor="t">
+            <a:normAutofit/>
+          </a:bodyPr>
+          <a:lstStyle/>
+          <a:p>
+            <a:r>
+              <a:rPr lang="en-GB" sz="4000" dirty="0"/>
+              <a:t>Producing forecasts</a:t>
+            </a:r>
+            <a:endParaRPr lang="en-GB" sz="3700" dirty="0"/>
+          </a:p>
+        </p:txBody>
+      </p:sp>
+      <p:sp>
+        <p:nvSpPr>
+          <p:cNvPr id="23" name="Rectangle 22">
+            <a:extLst>
+              <a:ext uri="{FF2B5EF4-FFF2-40B4-BE49-F238E27FC236}">
+                <a16:creationId xmlns:a16="http://schemas.microsoft.com/office/drawing/2014/main" id="{1382A32C-5B0C-4B1C-A074-76C6DBCC9F87}"/>
+              </a:ext>
+              <a:ext uri="{C183D7F6-B498-43B3-948B-1728B52AA6E4}">
+                <adec:decorative xmlns:adec="http://schemas.microsoft.com/office/drawing/2017/decorative" val="1"/>
+              </a:ext>
+            </a:extLst>
+          </p:cNvPr>
+          <p:cNvSpPr>
+            <a:spLocks noGrp="1" noRot="1" noChangeAspect="1" noMove="1" noResize="1" noEditPoints="1" noAdjustHandles="1" noChangeArrowheads="1" noChangeShapeType="1" noTextEdit="1"/>
+          </p:cNvSpPr>
+          <p:nvPr>
+            <p:extLst>
+              <p:ext uri="{386F3935-93C4-4BCD-93E2-E3B085C9AB24}">
+                <p16:designElem xmlns:p16="http://schemas.microsoft.com/office/powerpoint/2015/main" val="1"/>
+              </p:ext>
+            </p:extLst>
+          </p:nvPr>
+        </p:nvSpPr>
+        <p:spPr>
+          <a:xfrm flipH="1">
+            <a:off x="1055714" y="2263365"/>
+            <a:ext cx="4937760" cy="27432"/>
+          </a:xfrm>
+          <a:prstGeom prst="rect">
+            <a:avLst/>
+          </a:prstGeom>
+          <a:solidFill>
+            <a:schemeClr val="accent4"/>
+          </a:solidFill>
+          <a:ln>
+            <a:noFill/>
+          </a:ln>
+        </p:spPr>
+        <p:style>
+          <a:lnRef idx="2">
+            <a:schemeClr val="accent1">
+              <a:shade val="50000"/>
+            </a:schemeClr>
+          </a:lnRef>
+          <a:fillRef idx="1">
+            <a:schemeClr val="accent1"/>
+          </a:fillRef>
+          <a:effectRef idx="0">
+            <a:schemeClr val="accent1"/>
+          </a:effectRef>
+          <a:fontRef idx="minor">
+            <a:schemeClr val="lt1"/>
+          </a:fontRef>
+        </p:style>
+        <p:txBody>
+          <a:bodyPr rtlCol="0" anchor="ctr"/>
+          <a:lstStyle/>
+          <a:p>
+            <a:pPr algn="ctr"/>
+            <a:endParaRPr lang="en-US"/>
+          </a:p>
+        </p:txBody>
+      </p:sp>
+      <p:pic>
+        <p:nvPicPr>
+          <p:cNvPr id="3" name="Kamera 2">
+            <a:extLst>
+              <a:ext uri="{FF2B5EF4-FFF2-40B4-BE49-F238E27FC236}">
+                <a16:creationId xmlns:a16="http://schemas.microsoft.com/office/drawing/2014/main" id="{18C3FFBC-239F-FC30-2E9D-D5022F0510C7}"/>
+              </a:ext>
+            </a:extLst>
+          </p:cNvPr>
+          <p:cNvPicPr>
+            <a:picLocks noChangeAspect="1"/>
+            <a:extLst>
+              <a:ext uri="{51228E76-BA90-4043-B771-695A4F85340A}">
+                <alf:liveFeedProps xmlns:alf="http://schemas.microsoft.com/office/drawing/2021/livefeed"/>
+              </a:ext>
+            </a:extLst>
+          </p:cNvPicPr>
+          <p:nvPr/>
+        </p:nvPicPr>
+        <p:blipFill>
+          <a:blip r:embed="rId3">
+            <a:extLst>
+              <a:ext uri="{96DAC541-7B7A-43D3-8B79-37D633B846F1}">
+                <asvg:svgBlip xmlns:asvg="http://schemas.microsoft.com/office/drawing/2016/SVG/main" r:embed="rId4"/>
+              </a:ext>
+            </a:extLst>
+          </a:blip>
+          <a:stretch>
+            <a:fillRect/>
+          </a:stretch>
+        </p:blipFill>
+        <p:spPr>
+          <a:xfrm>
+            <a:off x="8961406" y="178904"/>
+            <a:ext cx="3048000" cy="1714500"/>
+          </a:xfrm>
+          <a:prstGeom prst="rect">
+            <a:avLst/>
+          </a:prstGeom>
+        </p:spPr>
+      </p:pic>
+      <p:pic>
+        <p:nvPicPr>
+          <p:cNvPr id="11" name="Grafik 10">
+            <a:extLst>
+              <a:ext uri="{FF2B5EF4-FFF2-40B4-BE49-F238E27FC236}">
+                <a16:creationId xmlns:a16="http://schemas.microsoft.com/office/drawing/2014/main" id="{9FEFE0DA-DB91-9F0D-7335-C4D45AD5F249}"/>
+              </a:ext>
+            </a:extLst>
+          </p:cNvPr>
+          <p:cNvPicPr>
+            <a:picLocks noChangeAspect="1"/>
+          </p:cNvPicPr>
+          <p:nvPr/>
+        </p:nvPicPr>
+        <p:blipFill>
+          <a:blip r:embed="rId5"/>
+          <a:stretch>
+            <a:fillRect/>
+          </a:stretch>
+        </p:blipFill>
+        <p:spPr>
+          <a:xfrm>
+            <a:off x="1069966" y="1391008"/>
+            <a:ext cx="7772400" cy="4803297"/>
+          </a:xfrm>
+          <a:prstGeom prst="rect">
+            <a:avLst/>
+          </a:prstGeom>
+        </p:spPr>
+      </p:pic>
+    </p:spTree>
+    <p:extLst>
+      <p:ext uri="{BB962C8B-B14F-4D97-AF65-F5344CB8AC3E}">
+        <p14:creationId xmlns:p14="http://schemas.microsoft.com/office/powerpoint/2010/main" val="1488493014"/>
+      </p:ext>
+    </p:extLst>
+  </p:cSld>
+  <p:clrMapOvr>
+    <a:masterClrMapping/>
+  </p:clrMapOvr>
+</p:sld>
+</file>
+
+<file path=ppt/slides/slide12.xml><?xml version="1.0" encoding="utf-8"?>
+<p:sld xmlns:a="http://schemas.openxmlformats.org/drawingml/2006/main" xmlns:r="http://schemas.openxmlformats.org/officeDocument/2006/relationships" xmlns:p="http://schemas.openxmlformats.org/presentationml/2006/main">
+  <p:cSld>
     <p:spTree>
       <p:nvGrpSpPr>
         <p:cNvPr id="1" name=""/>
@@ -5218,7 +7215,7 @@
 </p:sld>
 </file>
 
-<file path=ppt/slides/slide11.xml><?xml version="1.0" encoding="utf-8"?>
+<file path=ppt/slides/slide13.xml><?xml version="1.0" encoding="utf-8"?>
 <p:sld xmlns:a="http://schemas.openxmlformats.org/drawingml/2006/main" xmlns:r="http://schemas.openxmlformats.org/officeDocument/2006/relationships" xmlns:p="http://schemas.openxmlformats.org/presentationml/2006/main">
   <p:cSld>
     <p:spTree>
@@ -6561,18 +8558,18 @@
         <p:spPr>
           <a:xfrm>
             <a:off x="793662" y="386930"/>
-            <a:ext cx="10066122" cy="1298448"/>
+            <a:ext cx="8167744" cy="1298448"/>
           </a:xfrm>
         </p:spPr>
         <p:txBody>
           <a:bodyPr anchor="b">
-            <a:normAutofit/>
+            <a:noAutofit/>
           </a:bodyPr>
           <a:lstStyle/>
           <a:p>
             <a:r>
-              <a:rPr lang="en-GB" sz="4800" dirty="0"/>
-              <a:t>Intro to tsibble</a:t>
+              <a:rPr lang="en-GB" sz="4500" dirty="0"/>
+              <a:t>Vocabulary for time series analysis</a:t>
             </a:r>
           </a:p>
         </p:txBody>
@@ -6712,6 +8709,658 @@
       </p:sp>
       <p:sp>
         <p:nvSpPr>
+          <p:cNvPr id="15" name="Rectangle 14">
+            <a:extLst>
+              <a:ext uri="{FF2B5EF4-FFF2-40B4-BE49-F238E27FC236}">
+                <a16:creationId xmlns:a16="http://schemas.microsoft.com/office/drawing/2014/main" id="{E6995CE5-F890-4ABA-82A2-26507CE8D2A3}"/>
+              </a:ext>
+              <a:ext uri="{C183D7F6-B498-43B3-948B-1728B52AA6E4}">
+                <adec:decorative xmlns:adec="http://schemas.microsoft.com/office/drawing/2017/decorative" val="1"/>
+              </a:ext>
+            </a:extLst>
+          </p:cNvPr>
+          <p:cNvSpPr>
+            <a:spLocks noGrp="1" noRot="1" noChangeAspect="1" noMove="1" noResize="1" noEditPoints="1" noAdjustHandles="1" noChangeArrowheads="1" noChangeShapeType="1" noTextEdit="1"/>
+          </p:cNvSpPr>
+          <p:nvPr>
+            <p:extLst>
+              <p:ext uri="{386F3935-93C4-4BCD-93E2-E3B085C9AB24}">
+                <p16:designElem xmlns:p16="http://schemas.microsoft.com/office/powerpoint/2015/main" val="1"/>
+              </p:ext>
+            </p:extLst>
+          </p:nvPr>
+        </p:nvSpPr>
+        <p:spPr>
+          <a:xfrm rot="5400000">
+            <a:off x="11228040" y="2313027"/>
+            <a:ext cx="781700" cy="152382"/>
+          </a:xfrm>
+          <a:prstGeom prst="rect">
+            <a:avLst/>
+          </a:prstGeom>
+          <a:solidFill>
+            <a:schemeClr val="accent4"/>
+          </a:solidFill>
+          <a:ln>
+            <a:noFill/>
+          </a:ln>
+        </p:spPr>
+        <p:style>
+          <a:lnRef idx="2">
+            <a:schemeClr val="accent1">
+              <a:shade val="50000"/>
+            </a:schemeClr>
+          </a:lnRef>
+          <a:fillRef idx="1">
+            <a:schemeClr val="accent1"/>
+          </a:fillRef>
+          <a:effectRef idx="0">
+            <a:schemeClr val="accent1"/>
+          </a:effectRef>
+          <a:fontRef idx="minor">
+            <a:schemeClr val="lt1"/>
+          </a:fontRef>
+        </p:style>
+        <p:txBody>
+          <a:bodyPr rtlCol="0" anchor="ctr"/>
+          <a:lstStyle/>
+          <a:p>
+            <a:pPr algn="ctr"/>
+            <a:endParaRPr lang="en-US"/>
+          </a:p>
+        </p:txBody>
+      </p:sp>
+      <p:pic>
+        <p:nvPicPr>
+          <p:cNvPr id="5" name="Kamera 4">
+            <a:extLst>
+              <a:ext uri="{FF2B5EF4-FFF2-40B4-BE49-F238E27FC236}">
+                <a16:creationId xmlns:a16="http://schemas.microsoft.com/office/drawing/2014/main" id="{5D0757A2-9332-4E73-0AC6-225A3AB7AFEB}"/>
+              </a:ext>
+            </a:extLst>
+          </p:cNvPr>
+          <p:cNvPicPr>
+            <a:picLocks noChangeAspect="1"/>
+            <a:extLst>
+              <a:ext uri="{51228E76-BA90-4043-B771-695A4F85340A}">
+                <alf:liveFeedProps xmlns:alf="http://schemas.microsoft.com/office/drawing/2021/livefeed"/>
+              </a:ext>
+            </a:extLst>
+          </p:cNvPicPr>
+          <p:nvPr/>
+        </p:nvPicPr>
+        <p:blipFill>
+          <a:blip r:embed="rId3">
+            <a:extLst>
+              <a:ext uri="{96DAC541-7B7A-43D3-8B79-37D633B846F1}">
+                <asvg:svgBlip xmlns:asvg="http://schemas.microsoft.com/office/drawing/2016/SVG/main" r:embed="rId4"/>
+              </a:ext>
+            </a:extLst>
+          </a:blip>
+          <a:stretch>
+            <a:fillRect/>
+          </a:stretch>
+        </p:blipFill>
+        <p:spPr>
+          <a:xfrm>
+            <a:off x="8961406" y="178904"/>
+            <a:ext cx="3048000" cy="1714500"/>
+          </a:xfrm>
+          <a:prstGeom prst="rect">
+            <a:avLst/>
+          </a:prstGeom>
+        </p:spPr>
+      </p:pic>
+      <p:pic>
+        <p:nvPicPr>
+          <p:cNvPr id="9" name="Inhaltsplatzhalter 8">
+            <a:extLst>
+              <a:ext uri="{FF2B5EF4-FFF2-40B4-BE49-F238E27FC236}">
+                <a16:creationId xmlns:a16="http://schemas.microsoft.com/office/drawing/2014/main" id="{E3F7FBE4-AEAA-0150-FD29-113F96FAC25D}"/>
+              </a:ext>
+            </a:extLst>
+          </p:cNvPr>
+          <p:cNvPicPr>
+            <a:picLocks noGrp="1" noChangeAspect="1"/>
+          </p:cNvPicPr>
+          <p:nvPr>
+            <p:ph idx="1"/>
+          </p:nvPr>
+        </p:nvPicPr>
+        <p:blipFill>
+          <a:blip r:embed="rId5"/>
+          <a:stretch>
+            <a:fillRect/>
+          </a:stretch>
+        </p:blipFill>
+        <p:spPr>
+          <a:xfrm>
+            <a:off x="5076971" y="2388417"/>
+            <a:ext cx="6306391" cy="3897313"/>
+          </a:xfrm>
+        </p:spPr>
+      </p:pic>
+      <p:sp>
+        <p:nvSpPr>
+          <p:cNvPr id="18" name="Inhaltsplatzhalter 2">
+            <a:extLst>
+              <a:ext uri="{FF2B5EF4-FFF2-40B4-BE49-F238E27FC236}">
+                <a16:creationId xmlns:a16="http://schemas.microsoft.com/office/drawing/2014/main" id="{E3B37E50-B2A4-E629-0B08-C82685402B5C}"/>
+              </a:ext>
+            </a:extLst>
+          </p:cNvPr>
+          <p:cNvSpPr txBox="1">
+            <a:spLocks/>
+          </p:cNvSpPr>
+          <p:nvPr/>
+        </p:nvSpPr>
+        <p:spPr>
+          <a:xfrm>
+            <a:off x="793661" y="2388417"/>
+            <a:ext cx="4283310" cy="3897312"/>
+          </a:xfrm>
+          <a:prstGeom prst="rect">
+            <a:avLst/>
+          </a:prstGeom>
+        </p:spPr>
+        <p:txBody>
+          <a:bodyPr vert="horz" lIns="91440" tIns="45720" rIns="91440" bIns="45720" rtlCol="0" anchor="ctr">
+            <a:normAutofit lnSpcReduction="10000"/>
+          </a:bodyPr>
+          <a:lstStyle>
+            <a:lvl1pPr marL="228600" indent="-228600" algn="l" defTabSz="914400" rtl="0" eaLnBrk="1" latinLnBrk="0" hangingPunct="1">
+              <a:lnSpc>
+                <a:spcPct val="90000"/>
+              </a:lnSpc>
+              <a:spcBef>
+                <a:spcPts val="1000"/>
+              </a:spcBef>
+              <a:buFont typeface="Arial" panose="020B0604020202020204" pitchFamily="34" charset="0"/>
+              <a:buChar char="•"/>
+              <a:defRPr sz="2800" kern="1200">
+                <a:solidFill>
+                  <a:schemeClr val="tx1"/>
+                </a:solidFill>
+                <a:latin typeface="+mn-lt"/>
+                <a:ea typeface="+mn-ea"/>
+                <a:cs typeface="+mn-cs"/>
+              </a:defRPr>
+            </a:lvl1pPr>
+            <a:lvl2pPr marL="685800" indent="-228600" algn="l" defTabSz="914400" rtl="0" eaLnBrk="1" latinLnBrk="0" hangingPunct="1">
+              <a:lnSpc>
+                <a:spcPct val="90000"/>
+              </a:lnSpc>
+              <a:spcBef>
+                <a:spcPts val="500"/>
+              </a:spcBef>
+              <a:buFont typeface="Arial" panose="020B0604020202020204" pitchFamily="34" charset="0"/>
+              <a:buChar char="•"/>
+              <a:defRPr sz="2400" kern="1200">
+                <a:solidFill>
+                  <a:schemeClr val="tx1"/>
+                </a:solidFill>
+                <a:latin typeface="+mn-lt"/>
+                <a:ea typeface="+mn-ea"/>
+                <a:cs typeface="+mn-cs"/>
+              </a:defRPr>
+            </a:lvl2pPr>
+            <a:lvl3pPr marL="1143000" indent="-228600" algn="l" defTabSz="914400" rtl="0" eaLnBrk="1" latinLnBrk="0" hangingPunct="1">
+              <a:lnSpc>
+                <a:spcPct val="90000"/>
+              </a:lnSpc>
+              <a:spcBef>
+                <a:spcPts val="500"/>
+              </a:spcBef>
+              <a:buFont typeface="Arial" panose="020B0604020202020204" pitchFamily="34" charset="0"/>
+              <a:buChar char="•"/>
+              <a:defRPr sz="2000" kern="1200">
+                <a:solidFill>
+                  <a:schemeClr val="tx1"/>
+                </a:solidFill>
+                <a:latin typeface="+mn-lt"/>
+                <a:ea typeface="+mn-ea"/>
+                <a:cs typeface="+mn-cs"/>
+              </a:defRPr>
+            </a:lvl3pPr>
+            <a:lvl4pPr marL="1600200" indent="-228600" algn="l" defTabSz="914400" rtl="0" eaLnBrk="1" latinLnBrk="0" hangingPunct="1">
+              <a:lnSpc>
+                <a:spcPct val="90000"/>
+              </a:lnSpc>
+              <a:spcBef>
+                <a:spcPts val="500"/>
+              </a:spcBef>
+              <a:buFont typeface="Arial" panose="020B0604020202020204" pitchFamily="34" charset="0"/>
+              <a:buChar char="•"/>
+              <a:defRPr sz="1800" kern="1200">
+                <a:solidFill>
+                  <a:schemeClr val="tx1"/>
+                </a:solidFill>
+                <a:latin typeface="+mn-lt"/>
+                <a:ea typeface="+mn-ea"/>
+                <a:cs typeface="+mn-cs"/>
+              </a:defRPr>
+            </a:lvl4pPr>
+            <a:lvl5pPr marL="2057400" indent="-228600" algn="l" defTabSz="914400" rtl="0" eaLnBrk="1" latinLnBrk="0" hangingPunct="1">
+              <a:lnSpc>
+                <a:spcPct val="90000"/>
+              </a:lnSpc>
+              <a:spcBef>
+                <a:spcPts val="500"/>
+              </a:spcBef>
+              <a:buFont typeface="Arial" panose="020B0604020202020204" pitchFamily="34" charset="0"/>
+              <a:buChar char="•"/>
+              <a:defRPr sz="1800" kern="1200">
+                <a:solidFill>
+                  <a:schemeClr val="tx1"/>
+                </a:solidFill>
+                <a:latin typeface="+mn-lt"/>
+                <a:ea typeface="+mn-ea"/>
+                <a:cs typeface="+mn-cs"/>
+              </a:defRPr>
+            </a:lvl5pPr>
+            <a:lvl6pPr marL="2514600" indent="-228600" algn="l" defTabSz="914400" rtl="0" eaLnBrk="1" latinLnBrk="0" hangingPunct="1">
+              <a:lnSpc>
+                <a:spcPct val="90000"/>
+              </a:lnSpc>
+              <a:spcBef>
+                <a:spcPts val="500"/>
+              </a:spcBef>
+              <a:buFont typeface="Arial" panose="020B0604020202020204" pitchFamily="34" charset="0"/>
+              <a:buChar char="•"/>
+              <a:defRPr sz="1800" kern="1200">
+                <a:solidFill>
+                  <a:schemeClr val="tx1"/>
+                </a:solidFill>
+                <a:latin typeface="+mn-lt"/>
+                <a:ea typeface="+mn-ea"/>
+                <a:cs typeface="+mn-cs"/>
+              </a:defRPr>
+            </a:lvl6pPr>
+            <a:lvl7pPr marL="2971800" indent="-228600" algn="l" defTabSz="914400" rtl="0" eaLnBrk="1" latinLnBrk="0" hangingPunct="1">
+              <a:lnSpc>
+                <a:spcPct val="90000"/>
+              </a:lnSpc>
+              <a:spcBef>
+                <a:spcPts val="500"/>
+              </a:spcBef>
+              <a:buFont typeface="Arial" panose="020B0604020202020204" pitchFamily="34" charset="0"/>
+              <a:buChar char="•"/>
+              <a:defRPr sz="1800" kern="1200">
+                <a:solidFill>
+                  <a:schemeClr val="tx1"/>
+                </a:solidFill>
+                <a:latin typeface="+mn-lt"/>
+                <a:ea typeface="+mn-ea"/>
+                <a:cs typeface="+mn-cs"/>
+              </a:defRPr>
+            </a:lvl7pPr>
+            <a:lvl8pPr marL="3429000" indent="-228600" algn="l" defTabSz="914400" rtl="0" eaLnBrk="1" latinLnBrk="0" hangingPunct="1">
+              <a:lnSpc>
+                <a:spcPct val="90000"/>
+              </a:lnSpc>
+              <a:spcBef>
+                <a:spcPts val="500"/>
+              </a:spcBef>
+              <a:buFont typeface="Arial" panose="020B0604020202020204" pitchFamily="34" charset="0"/>
+              <a:buChar char="•"/>
+              <a:defRPr sz="1800" kern="1200">
+                <a:solidFill>
+                  <a:schemeClr val="tx1"/>
+                </a:solidFill>
+                <a:latin typeface="+mn-lt"/>
+                <a:ea typeface="+mn-ea"/>
+                <a:cs typeface="+mn-cs"/>
+              </a:defRPr>
+            </a:lvl8pPr>
+            <a:lvl9pPr marL="3886200" indent="-228600" algn="l" defTabSz="914400" rtl="0" eaLnBrk="1" latinLnBrk="0" hangingPunct="1">
+              <a:lnSpc>
+                <a:spcPct val="90000"/>
+              </a:lnSpc>
+              <a:spcBef>
+                <a:spcPts val="500"/>
+              </a:spcBef>
+              <a:buFont typeface="Arial" panose="020B0604020202020204" pitchFamily="34" charset="0"/>
+              <a:buChar char="•"/>
+              <a:defRPr sz="1800" kern="1200">
+                <a:solidFill>
+                  <a:schemeClr val="tx1"/>
+                </a:solidFill>
+                <a:latin typeface="+mn-lt"/>
+                <a:ea typeface="+mn-ea"/>
+                <a:cs typeface="+mn-cs"/>
+              </a:defRPr>
+            </a:lvl9pPr>
+          </a:lstStyle>
+          <a:p>
+            <a:r>
+              <a:rPr lang="en-GB" sz="2400" b="1" dirty="0"/>
+              <a:t>Trends</a:t>
+            </a:r>
+          </a:p>
+          <a:p>
+            <a:pPr lvl="1"/>
+            <a:r>
+              <a:rPr lang="en-GB" sz="2000" dirty="0"/>
+              <a:t>Long-term overall Increase or decrease in the Data</a:t>
+            </a:r>
+          </a:p>
+          <a:p>
+            <a:pPr lvl="1"/>
+            <a:r>
+              <a:rPr lang="en-GB" sz="2000" dirty="0"/>
+              <a:t>Does not have to be linear</a:t>
+            </a:r>
+          </a:p>
+          <a:p>
+            <a:r>
+              <a:rPr lang="en-GB" sz="2400" b="1" dirty="0"/>
+              <a:t>Seasonal</a:t>
+            </a:r>
+          </a:p>
+          <a:p>
+            <a:pPr lvl="1"/>
+            <a:r>
+              <a:rPr lang="en-GB" sz="2000" dirty="0"/>
+              <a:t>Data affected by seasonal factors</a:t>
+            </a:r>
+          </a:p>
+          <a:p>
+            <a:pPr lvl="1"/>
+            <a:r>
+              <a:rPr lang="en-GB" sz="2000" dirty="0"/>
+              <a:t>Seasonality has fixed periods</a:t>
+            </a:r>
+          </a:p>
+          <a:p>
+            <a:r>
+              <a:rPr lang="en-GB" sz="2400" b="1" dirty="0"/>
+              <a:t>Cyclic</a:t>
+            </a:r>
+          </a:p>
+          <a:p>
+            <a:pPr lvl="1"/>
+            <a:r>
+              <a:rPr lang="en-GB" sz="2000" dirty="0"/>
+              <a:t>Rises and falls of unknown frequency</a:t>
+            </a:r>
+          </a:p>
+          <a:p>
+            <a:pPr lvl="1"/>
+            <a:r>
+              <a:rPr lang="en-GB" sz="2000" dirty="0"/>
+              <a:t>For example economic cycles</a:t>
+            </a:r>
+          </a:p>
+        </p:txBody>
+      </p:sp>
+    </p:spTree>
+    <p:extLst>
+      <p:ext uri="{BB962C8B-B14F-4D97-AF65-F5344CB8AC3E}">
+        <p14:creationId xmlns:p14="http://schemas.microsoft.com/office/powerpoint/2010/main" val="4183687509"/>
+      </p:ext>
+    </p:extLst>
+  </p:cSld>
+  <p:clrMapOvr>
+    <a:masterClrMapping/>
+  </p:clrMapOvr>
+</p:sld>
+</file>
+
+<file path=ppt/slides/slide4.xml><?xml version="1.0" encoding="utf-8"?>
+<p:sld xmlns:a="http://schemas.openxmlformats.org/drawingml/2006/main" xmlns:r="http://schemas.openxmlformats.org/officeDocument/2006/relationships" xmlns:p="http://schemas.openxmlformats.org/presentationml/2006/main">
+  <p:cSld>
+    <p:bg>
+      <p:bgPr>
+        <a:solidFill>
+          <a:schemeClr val="bg1"/>
+        </a:solidFill>
+        <a:effectLst/>
+      </p:bgPr>
+    </p:bg>
+    <p:spTree>
+      <p:nvGrpSpPr>
+        <p:cNvPr id="1" name=""/>
+        <p:cNvGrpSpPr/>
+        <p:nvPr/>
+      </p:nvGrpSpPr>
+      <p:grpSpPr>
+        <a:xfrm>
+          <a:off x="0" y="0"/>
+          <a:ext cx="0" cy="0"/>
+          <a:chOff x="0" y="0"/>
+          <a:chExt cx="0" cy="0"/>
+        </a:xfrm>
+      </p:grpSpPr>
+      <p:sp useBgFill="1">
+        <p:nvSpPr>
+          <p:cNvPr id="34" name="Rectangle 8">
+            <a:extLst>
+              <a:ext uri="{FF2B5EF4-FFF2-40B4-BE49-F238E27FC236}">
+                <a16:creationId xmlns:a16="http://schemas.microsoft.com/office/drawing/2014/main" id="{058A14AF-9FB5-4CC7-BA35-E8E85D3EDF0E}"/>
+              </a:ext>
+              <a:ext uri="{C183D7F6-B498-43B3-948B-1728B52AA6E4}">
+                <adec:decorative xmlns:adec="http://schemas.microsoft.com/office/drawing/2017/decorative" val="1"/>
+              </a:ext>
+            </a:extLst>
+          </p:cNvPr>
+          <p:cNvSpPr>
+            <a:spLocks noGrp="1" noRot="1" noChangeAspect="1" noMove="1" noResize="1" noEditPoints="1" noAdjustHandles="1" noChangeArrowheads="1" noChangeShapeType="1" noTextEdit="1"/>
+          </p:cNvSpPr>
+          <p:nvPr>
+            <p:extLst>
+              <p:ext uri="{386F3935-93C4-4BCD-93E2-E3B085C9AB24}">
+                <p16:designElem xmlns:p16="http://schemas.microsoft.com/office/powerpoint/2015/main" val="1"/>
+              </p:ext>
+            </p:extLst>
+          </p:nvPr>
+        </p:nvSpPr>
+        <p:spPr>
+          <a:xfrm>
+            <a:off x="0" y="0"/>
+            <a:ext cx="12191999" cy="6857365"/>
+          </a:xfrm>
+          <a:prstGeom prst="rect">
+            <a:avLst/>
+          </a:prstGeom>
+          <a:ln>
+            <a:noFill/>
+          </a:ln>
+        </p:spPr>
+        <p:style>
+          <a:lnRef idx="2">
+            <a:schemeClr val="accent1">
+              <a:shade val="50000"/>
+            </a:schemeClr>
+          </a:lnRef>
+          <a:fillRef idx="1">
+            <a:schemeClr val="accent1"/>
+          </a:fillRef>
+          <a:effectRef idx="0">
+            <a:schemeClr val="accent1"/>
+          </a:effectRef>
+          <a:fontRef idx="minor">
+            <a:schemeClr val="lt1"/>
+          </a:fontRef>
+        </p:style>
+        <p:txBody>
+          <a:bodyPr rtlCol="0" anchor="ctr"/>
+          <a:lstStyle/>
+          <a:p>
+            <a:pPr algn="ctr"/>
+            <a:endParaRPr lang="en-US"/>
+          </a:p>
+        </p:txBody>
+      </p:sp>
+      <p:sp>
+        <p:nvSpPr>
+          <p:cNvPr id="2" name="Titel 1">
+            <a:extLst>
+              <a:ext uri="{FF2B5EF4-FFF2-40B4-BE49-F238E27FC236}">
+                <a16:creationId xmlns:a16="http://schemas.microsoft.com/office/drawing/2014/main" id="{1739333B-3773-EC66-130B-F17B3BCDA058}"/>
+              </a:ext>
+            </a:extLst>
+          </p:cNvPr>
+          <p:cNvSpPr>
+            <a:spLocks noGrp="1"/>
+          </p:cNvSpPr>
+          <p:nvPr>
+            <p:ph type="title"/>
+          </p:nvPr>
+        </p:nvSpPr>
+        <p:spPr>
+          <a:xfrm>
+            <a:off x="793662" y="386930"/>
+            <a:ext cx="10066122" cy="1298448"/>
+          </a:xfrm>
+        </p:spPr>
+        <p:txBody>
+          <a:bodyPr anchor="b">
+            <a:normAutofit/>
+          </a:bodyPr>
+          <a:lstStyle/>
+          <a:p>
+            <a:r>
+              <a:rPr lang="en-GB" sz="4800" dirty="0"/>
+              <a:t>Grammar of tsibble</a:t>
+            </a:r>
+          </a:p>
+        </p:txBody>
+      </p:sp>
+      <p:sp>
+        <p:nvSpPr>
+          <p:cNvPr id="11" name="Rectangle 10">
+            <a:extLst>
+              <a:ext uri="{FF2B5EF4-FFF2-40B4-BE49-F238E27FC236}">
+                <a16:creationId xmlns:a16="http://schemas.microsoft.com/office/drawing/2014/main" id="{3A9A4357-BD1D-4622-A4FE-766E6AB8DE84}"/>
+              </a:ext>
+              <a:ext uri="{C183D7F6-B498-43B3-948B-1728B52AA6E4}">
+                <adec:decorative xmlns:adec="http://schemas.microsoft.com/office/drawing/2017/decorative" val="1"/>
+              </a:ext>
+            </a:extLst>
+          </p:cNvPr>
+          <p:cNvSpPr>
+            <a:spLocks noGrp="1" noRot="1" noChangeAspect="1" noMove="1" noResize="1" noEditPoints="1" noAdjustHandles="1" noChangeArrowheads="1" noChangeShapeType="1" noTextEdit="1"/>
+          </p:cNvSpPr>
+          <p:nvPr>
+            <p:extLst>
+              <p:ext uri="{386F3935-93C4-4BCD-93E2-E3B085C9AB24}">
+                <p16:designElem xmlns:p16="http://schemas.microsoft.com/office/powerpoint/2015/main" val="1"/>
+              </p:ext>
+            </p:extLst>
+          </p:nvPr>
+        </p:nvSpPr>
+        <p:spPr>
+          <a:xfrm flipH="1" flipV="1">
+            <a:off x="-2" y="1998845"/>
+            <a:ext cx="11454595" cy="781699"/>
+          </a:xfrm>
+          <a:prstGeom prst="rect">
+            <a:avLst/>
+          </a:prstGeom>
+          <a:solidFill>
+            <a:schemeClr val="accent4"/>
+          </a:solidFill>
+          <a:ln>
+            <a:noFill/>
+          </a:ln>
+        </p:spPr>
+        <p:style>
+          <a:lnRef idx="2">
+            <a:schemeClr val="accent1">
+              <a:shade val="50000"/>
+            </a:schemeClr>
+          </a:lnRef>
+          <a:fillRef idx="1">
+            <a:schemeClr val="accent1"/>
+          </a:fillRef>
+          <a:effectRef idx="0">
+            <a:schemeClr val="accent1"/>
+          </a:effectRef>
+          <a:fontRef idx="minor">
+            <a:schemeClr val="lt1"/>
+          </a:fontRef>
+        </p:style>
+        <p:txBody>
+          <a:bodyPr rtlCol="0" anchor="ctr"/>
+          <a:lstStyle/>
+          <a:p>
+            <a:pPr algn="ctr"/>
+            <a:endParaRPr lang="en-US"/>
+          </a:p>
+        </p:txBody>
+      </p:sp>
+      <p:sp>
+        <p:nvSpPr>
+          <p:cNvPr id="13" name="Rectangle 12">
+            <a:extLst>
+              <a:ext uri="{FF2B5EF4-FFF2-40B4-BE49-F238E27FC236}">
+                <a16:creationId xmlns:a16="http://schemas.microsoft.com/office/drawing/2014/main" id="{E659831F-0D9A-4C63-9EBB-8435B85A440F}"/>
+              </a:ext>
+              <a:ext uri="{C183D7F6-B498-43B3-948B-1728B52AA6E4}">
+                <adec:decorative xmlns:adec="http://schemas.microsoft.com/office/drawing/2017/decorative" val="1"/>
+              </a:ext>
+            </a:extLst>
+          </p:cNvPr>
+          <p:cNvSpPr>
+            <a:spLocks noGrp="1" noRot="1" noChangeAspect="1" noMove="1" noResize="1" noEditPoints="1" noAdjustHandles="1" noChangeArrowheads="1" noChangeShapeType="1" noTextEdit="1"/>
+          </p:cNvSpPr>
+          <p:nvPr>
+            <p:extLst>
+              <p:ext uri="{386F3935-93C4-4BCD-93E2-E3B085C9AB24}">
+                <p16:designElem xmlns:p16="http://schemas.microsoft.com/office/powerpoint/2015/main" val="1"/>
+              </p:ext>
+            </p:extLst>
+          </p:nvPr>
+        </p:nvSpPr>
+        <p:spPr>
+          <a:xfrm>
+            <a:off x="0" y="2203079"/>
+            <a:ext cx="11383362" cy="4267991"/>
+          </a:xfrm>
+          <a:prstGeom prst="rect">
+            <a:avLst/>
+          </a:prstGeom>
+          <a:solidFill>
+            <a:schemeClr val="bg1"/>
+          </a:solidFill>
+          <a:ln>
+            <a:noFill/>
+          </a:ln>
+          <a:effectLst>
+            <a:outerShdw blurRad="139700" dist="127000" dir="5400000" algn="t" rotWithShape="0">
+              <a:prstClr val="black">
+                <a:alpha val="15000"/>
+              </a:prstClr>
+            </a:outerShdw>
+          </a:effectLst>
+        </p:spPr>
+        <p:style>
+          <a:lnRef idx="2">
+            <a:schemeClr val="accent1">
+              <a:shade val="50000"/>
+            </a:schemeClr>
+          </a:lnRef>
+          <a:fillRef idx="1">
+            <a:schemeClr val="accent1"/>
+          </a:fillRef>
+          <a:effectRef idx="0">
+            <a:schemeClr val="accent1"/>
+          </a:effectRef>
+          <a:fontRef idx="minor">
+            <a:schemeClr val="lt1"/>
+          </a:fontRef>
+        </p:style>
+        <p:txBody>
+          <a:bodyPr rtlCol="0" anchor="ctr"/>
+          <a:lstStyle/>
+          <a:p>
+            <a:pPr algn="ctr"/>
+            <a:endParaRPr lang="en-US"/>
+          </a:p>
+        </p:txBody>
+      </p:sp>
+      <p:sp>
+        <p:nvSpPr>
           <p:cNvPr id="3" name="Inhaltsplatzhalter 2">
             <a:extLst>
               <a:ext uri="{FF2B5EF4-FFF2-40B4-BE49-F238E27FC236}">
@@ -6728,8 +9377,8 @@
         </p:nvSpPr>
         <p:spPr>
           <a:xfrm>
-            <a:off x="793661" y="2599509"/>
-            <a:ext cx="4530898" cy="3639450"/>
+            <a:off x="793661" y="2368446"/>
+            <a:ext cx="4530898" cy="3870513"/>
           </a:xfrm>
         </p:spPr>
         <p:txBody>
@@ -6792,15 +9441,9 @@
           <a:p>
             <a:pPr lvl="1"/>
             <a:r>
-              <a:rPr lang="en-GB" sz="1600" dirty="0"/>
+              <a:rPr lang="en-GB" sz="2000" dirty="0"/>
               <a:t>Intervals can be Regular as well as Irregular</a:t>
             </a:r>
-          </a:p>
-          <a:p>
-            <a:endParaRPr lang="en-GB" sz="2000" dirty="0"/>
-          </a:p>
-          <a:p>
-            <a:endParaRPr lang="en-GB" sz="2000" dirty="0"/>
           </a:p>
         </p:txBody>
       </p:sp>
@@ -7604,7 +10247,689 @@
 </p:sld>
 </file>
 
-<file path=ppt/slides/slide4.xml><?xml version="1.0" encoding="utf-8"?>
+<file path=ppt/slides/slide5.xml><?xml version="1.0" encoding="utf-8"?>
+<p:sld xmlns:a="http://schemas.openxmlformats.org/drawingml/2006/main" xmlns:r="http://schemas.openxmlformats.org/officeDocument/2006/relationships" xmlns:p="http://schemas.openxmlformats.org/presentationml/2006/main">
+  <p:cSld>
+    <p:bg>
+      <p:bgPr>
+        <a:solidFill>
+          <a:schemeClr val="bg1"/>
+        </a:solidFill>
+        <a:effectLst/>
+      </p:bgPr>
+    </p:bg>
+    <p:spTree>
+      <p:nvGrpSpPr>
+        <p:cNvPr id="1" name=""/>
+        <p:cNvGrpSpPr/>
+        <p:nvPr/>
+      </p:nvGrpSpPr>
+      <p:grpSpPr>
+        <a:xfrm>
+          <a:off x="0" y="0"/>
+          <a:ext cx="0" cy="0"/>
+          <a:chOff x="0" y="0"/>
+          <a:chExt cx="0" cy="0"/>
+        </a:xfrm>
+      </p:grpSpPr>
+      <p:sp useBgFill="1">
+        <p:nvSpPr>
+          <p:cNvPr id="34" name="Rectangle 8">
+            <a:extLst>
+              <a:ext uri="{FF2B5EF4-FFF2-40B4-BE49-F238E27FC236}">
+                <a16:creationId xmlns:a16="http://schemas.microsoft.com/office/drawing/2014/main" id="{058A14AF-9FB5-4CC7-BA35-E8E85D3EDF0E}"/>
+              </a:ext>
+              <a:ext uri="{C183D7F6-B498-43B3-948B-1728B52AA6E4}">
+                <adec:decorative xmlns:adec="http://schemas.microsoft.com/office/drawing/2017/decorative" val="1"/>
+              </a:ext>
+            </a:extLst>
+          </p:cNvPr>
+          <p:cNvSpPr>
+            <a:spLocks noGrp="1" noRot="1" noChangeAspect="1" noMove="1" noResize="1" noEditPoints="1" noAdjustHandles="1" noChangeArrowheads="1" noChangeShapeType="1" noTextEdit="1"/>
+          </p:cNvSpPr>
+          <p:nvPr>
+            <p:extLst>
+              <p:ext uri="{386F3935-93C4-4BCD-93E2-E3B085C9AB24}">
+                <p16:designElem xmlns:p16="http://schemas.microsoft.com/office/powerpoint/2015/main" val="1"/>
+              </p:ext>
+            </p:extLst>
+          </p:nvPr>
+        </p:nvSpPr>
+        <p:spPr>
+          <a:xfrm>
+            <a:off x="0" y="0"/>
+            <a:ext cx="12191999" cy="6857365"/>
+          </a:xfrm>
+          <a:prstGeom prst="rect">
+            <a:avLst/>
+          </a:prstGeom>
+          <a:ln>
+            <a:noFill/>
+          </a:ln>
+        </p:spPr>
+        <p:style>
+          <a:lnRef idx="2">
+            <a:schemeClr val="accent1">
+              <a:shade val="50000"/>
+            </a:schemeClr>
+          </a:lnRef>
+          <a:fillRef idx="1">
+            <a:schemeClr val="accent1"/>
+          </a:fillRef>
+          <a:effectRef idx="0">
+            <a:schemeClr val="accent1"/>
+          </a:effectRef>
+          <a:fontRef idx="minor">
+            <a:schemeClr val="lt1"/>
+          </a:fontRef>
+        </p:style>
+        <p:txBody>
+          <a:bodyPr rtlCol="0" anchor="ctr"/>
+          <a:lstStyle/>
+          <a:p>
+            <a:pPr algn="ctr"/>
+            <a:endParaRPr lang="en-US"/>
+          </a:p>
+        </p:txBody>
+      </p:sp>
+      <p:sp>
+        <p:nvSpPr>
+          <p:cNvPr id="2" name="Titel 1">
+            <a:extLst>
+              <a:ext uri="{FF2B5EF4-FFF2-40B4-BE49-F238E27FC236}">
+                <a16:creationId xmlns:a16="http://schemas.microsoft.com/office/drawing/2014/main" id="{1739333B-3773-EC66-130B-F17B3BCDA058}"/>
+              </a:ext>
+            </a:extLst>
+          </p:cNvPr>
+          <p:cNvSpPr>
+            <a:spLocks noGrp="1"/>
+          </p:cNvSpPr>
+          <p:nvPr>
+            <p:ph type="title"/>
+          </p:nvPr>
+        </p:nvSpPr>
+        <p:spPr>
+          <a:xfrm>
+            <a:off x="793662" y="386930"/>
+            <a:ext cx="10066122" cy="1298448"/>
+          </a:xfrm>
+        </p:spPr>
+        <p:txBody>
+          <a:bodyPr anchor="b">
+            <a:normAutofit/>
+          </a:bodyPr>
+          <a:lstStyle/>
+          <a:p>
+            <a:r>
+              <a:rPr lang="en-GB" sz="4800" dirty="0"/>
+              <a:t>Common verbs used in tsibble</a:t>
+            </a:r>
+          </a:p>
+        </p:txBody>
+      </p:sp>
+      <p:sp>
+        <p:nvSpPr>
+          <p:cNvPr id="11" name="Rectangle 10">
+            <a:extLst>
+              <a:ext uri="{FF2B5EF4-FFF2-40B4-BE49-F238E27FC236}">
+                <a16:creationId xmlns:a16="http://schemas.microsoft.com/office/drawing/2014/main" id="{3A9A4357-BD1D-4622-A4FE-766E6AB8DE84}"/>
+              </a:ext>
+              <a:ext uri="{C183D7F6-B498-43B3-948B-1728B52AA6E4}">
+                <adec:decorative xmlns:adec="http://schemas.microsoft.com/office/drawing/2017/decorative" val="1"/>
+              </a:ext>
+            </a:extLst>
+          </p:cNvPr>
+          <p:cNvSpPr>
+            <a:spLocks noGrp="1" noRot="1" noChangeAspect="1" noMove="1" noResize="1" noEditPoints="1" noAdjustHandles="1" noChangeArrowheads="1" noChangeShapeType="1" noTextEdit="1"/>
+          </p:cNvSpPr>
+          <p:nvPr>
+            <p:extLst>
+              <p:ext uri="{386F3935-93C4-4BCD-93E2-E3B085C9AB24}">
+                <p16:designElem xmlns:p16="http://schemas.microsoft.com/office/powerpoint/2015/main" val="1"/>
+              </p:ext>
+            </p:extLst>
+          </p:nvPr>
+        </p:nvSpPr>
+        <p:spPr>
+          <a:xfrm flipH="1" flipV="1">
+            <a:off x="-2" y="1998845"/>
+            <a:ext cx="11454595" cy="781699"/>
+          </a:xfrm>
+          <a:prstGeom prst="rect">
+            <a:avLst/>
+          </a:prstGeom>
+          <a:solidFill>
+            <a:schemeClr val="accent4"/>
+          </a:solidFill>
+          <a:ln>
+            <a:noFill/>
+          </a:ln>
+        </p:spPr>
+        <p:style>
+          <a:lnRef idx="2">
+            <a:schemeClr val="accent1">
+              <a:shade val="50000"/>
+            </a:schemeClr>
+          </a:lnRef>
+          <a:fillRef idx="1">
+            <a:schemeClr val="accent1"/>
+          </a:fillRef>
+          <a:effectRef idx="0">
+            <a:schemeClr val="accent1"/>
+          </a:effectRef>
+          <a:fontRef idx="minor">
+            <a:schemeClr val="lt1"/>
+          </a:fontRef>
+        </p:style>
+        <p:txBody>
+          <a:bodyPr rtlCol="0" anchor="ctr"/>
+          <a:lstStyle/>
+          <a:p>
+            <a:pPr algn="ctr"/>
+            <a:endParaRPr lang="en-US"/>
+          </a:p>
+        </p:txBody>
+      </p:sp>
+      <p:sp>
+        <p:nvSpPr>
+          <p:cNvPr id="13" name="Rectangle 12">
+            <a:extLst>
+              <a:ext uri="{FF2B5EF4-FFF2-40B4-BE49-F238E27FC236}">
+                <a16:creationId xmlns:a16="http://schemas.microsoft.com/office/drawing/2014/main" id="{E659831F-0D9A-4C63-9EBB-8435B85A440F}"/>
+              </a:ext>
+              <a:ext uri="{C183D7F6-B498-43B3-948B-1728B52AA6E4}">
+                <adec:decorative xmlns:adec="http://schemas.microsoft.com/office/drawing/2017/decorative" val="1"/>
+              </a:ext>
+            </a:extLst>
+          </p:cNvPr>
+          <p:cNvSpPr>
+            <a:spLocks noGrp="1" noRot="1" noChangeAspect="1" noMove="1" noResize="1" noEditPoints="1" noAdjustHandles="1" noChangeArrowheads="1" noChangeShapeType="1" noTextEdit="1"/>
+          </p:cNvSpPr>
+          <p:nvPr>
+            <p:extLst>
+              <p:ext uri="{386F3935-93C4-4BCD-93E2-E3B085C9AB24}">
+                <p16:designElem xmlns:p16="http://schemas.microsoft.com/office/powerpoint/2015/main" val="1"/>
+              </p:ext>
+            </p:extLst>
+          </p:nvPr>
+        </p:nvSpPr>
+        <p:spPr>
+          <a:xfrm>
+            <a:off x="0" y="2203079"/>
+            <a:ext cx="11383362" cy="4267991"/>
+          </a:xfrm>
+          <a:prstGeom prst="rect">
+            <a:avLst/>
+          </a:prstGeom>
+          <a:solidFill>
+            <a:schemeClr val="bg1"/>
+          </a:solidFill>
+          <a:ln>
+            <a:noFill/>
+          </a:ln>
+          <a:effectLst>
+            <a:outerShdw blurRad="139700" dist="127000" dir="5400000" algn="t" rotWithShape="0">
+              <a:prstClr val="black">
+                <a:alpha val="15000"/>
+              </a:prstClr>
+            </a:outerShdw>
+          </a:effectLst>
+        </p:spPr>
+        <p:style>
+          <a:lnRef idx="2">
+            <a:schemeClr val="accent1">
+              <a:shade val="50000"/>
+            </a:schemeClr>
+          </a:lnRef>
+          <a:fillRef idx="1">
+            <a:schemeClr val="accent1"/>
+          </a:fillRef>
+          <a:effectRef idx="0">
+            <a:schemeClr val="accent1"/>
+          </a:effectRef>
+          <a:fontRef idx="minor">
+            <a:schemeClr val="lt1"/>
+          </a:fontRef>
+        </p:style>
+        <p:txBody>
+          <a:bodyPr rtlCol="0" anchor="ctr"/>
+          <a:lstStyle/>
+          <a:p>
+            <a:pPr algn="ctr"/>
+            <a:endParaRPr lang="en-US"/>
+          </a:p>
+        </p:txBody>
+      </p:sp>
+      <p:sp>
+        <p:nvSpPr>
+          <p:cNvPr id="3" name="Inhaltsplatzhalter 2">
+            <a:extLst>
+              <a:ext uri="{FF2B5EF4-FFF2-40B4-BE49-F238E27FC236}">
+                <a16:creationId xmlns:a16="http://schemas.microsoft.com/office/drawing/2014/main" id="{824EFEFD-9F7B-6A02-77BA-FBAB00920466}"/>
+              </a:ext>
+            </a:extLst>
+          </p:cNvPr>
+          <p:cNvSpPr>
+            <a:spLocks noGrp="1"/>
+          </p:cNvSpPr>
+          <p:nvPr>
+            <p:ph idx="1"/>
+          </p:nvPr>
+        </p:nvSpPr>
+        <p:spPr>
+          <a:xfrm>
+            <a:off x="793661" y="2599509"/>
+            <a:ext cx="9849356" cy="3639450"/>
+          </a:xfrm>
+        </p:spPr>
+        <p:txBody>
+          <a:bodyPr anchor="ctr">
+            <a:normAutofit/>
+          </a:bodyPr>
+          <a:lstStyle/>
+          <a:p>
+            <a:r>
+              <a:rPr lang="en-GB" sz="2000" dirty="0" err="1">
+                <a:effectLst/>
+                <a:latin typeface="Inconsolatazi4"/>
+              </a:rPr>
+              <a:t>as_tibble</a:t>
+            </a:r>
+            <a:r>
+              <a:rPr lang="en-GB" sz="2000" dirty="0">
+                <a:latin typeface="Inconsolatazi4"/>
+              </a:rPr>
+              <a:t>() </a:t>
+            </a:r>
+            <a:r>
+              <a:rPr lang="en-GB" sz="2000" dirty="0">
+                <a:latin typeface="Inconsolatazi4"/>
+                <a:sym typeface="Wingdings" pitchFamily="2" charset="2"/>
+              </a:rPr>
+              <a:t></a:t>
+            </a:r>
+            <a:r>
+              <a:rPr lang="en-GB" sz="2000" dirty="0">
+                <a:latin typeface="Inconsolatazi4"/>
+              </a:rPr>
+              <a:t> </a:t>
+            </a:r>
+            <a:r>
+              <a:rPr lang="en-GB" sz="2000" i="1" dirty="0">
+                <a:effectLst/>
+                <a:latin typeface="NimbusRomNo9L"/>
+              </a:rPr>
+              <a:t>Coerce to a </a:t>
+            </a:r>
+            <a:r>
+              <a:rPr lang="en-GB" sz="2000" i="1" dirty="0" err="1">
+                <a:effectLst/>
+                <a:latin typeface="NimbusRomNo9L"/>
+              </a:rPr>
+              <a:t>tibble</a:t>
+            </a:r>
+            <a:r>
+              <a:rPr lang="en-GB" sz="2000" i="1" dirty="0">
+                <a:effectLst/>
+                <a:latin typeface="NimbusRomNo9L"/>
+              </a:rPr>
+              <a:t> or data frame</a:t>
+            </a:r>
+            <a:endParaRPr lang="en-GB" sz="2000" dirty="0"/>
+          </a:p>
+          <a:p>
+            <a:r>
+              <a:rPr lang="en-GB" sz="2000" dirty="0" err="1">
+                <a:effectLst/>
+                <a:latin typeface="Inconsolatazi4"/>
+              </a:rPr>
+              <a:t>count_gaps</a:t>
+            </a:r>
+            <a:r>
+              <a:rPr lang="en-GB" sz="2000" dirty="0">
+                <a:latin typeface="Inconsolatazi4"/>
+              </a:rPr>
+              <a:t>() </a:t>
+            </a:r>
+            <a:r>
+              <a:rPr lang="en-GB" sz="2000" dirty="0">
+                <a:latin typeface="Inconsolatazi4"/>
+                <a:sym typeface="Wingdings" pitchFamily="2" charset="2"/>
+              </a:rPr>
+              <a:t> Count implicit gaps</a:t>
+            </a:r>
+          </a:p>
+          <a:p>
+            <a:r>
+              <a:rPr lang="en-GB" sz="2000" dirty="0" err="1">
+                <a:latin typeface="Inconsolatazi4"/>
+              </a:rPr>
+              <a:t>fill_gaps</a:t>
+            </a:r>
+            <a:r>
+              <a:rPr lang="en-GB" sz="2000" dirty="0">
+                <a:latin typeface="Inconsolatazi4"/>
+                <a:sym typeface="Wingdings" pitchFamily="2" charset="2"/>
+              </a:rPr>
+              <a:t>()  Turn implicit missing values into explicit missing values</a:t>
+            </a:r>
+          </a:p>
+          <a:p>
+            <a:r>
+              <a:rPr lang="en-GB" sz="2000" dirty="0" err="1">
+                <a:effectLst/>
+                <a:latin typeface="Inconsolatazi4"/>
+              </a:rPr>
+              <a:t>has_gaps</a:t>
+            </a:r>
+            <a:r>
+              <a:rPr lang="en-GB" sz="2000" dirty="0">
+                <a:effectLst/>
+                <a:latin typeface="Inconsolatazi4"/>
+              </a:rPr>
+              <a:t>()</a:t>
+            </a:r>
+            <a:r>
+              <a:rPr lang="en-GB" sz="2000" dirty="0">
+                <a:latin typeface="Inconsolatazi4"/>
+              </a:rPr>
+              <a:t> </a:t>
+            </a:r>
+            <a:r>
+              <a:rPr lang="en-GB" sz="2000" dirty="0">
+                <a:latin typeface="Inconsolatazi4"/>
+                <a:sym typeface="Wingdings" pitchFamily="2" charset="2"/>
+              </a:rPr>
+              <a:t> Show if a tsibble has implicit gaps</a:t>
+            </a:r>
+          </a:p>
+          <a:p>
+            <a:r>
+              <a:rPr lang="en-GB" sz="2000" dirty="0" err="1">
+                <a:latin typeface="Inconsolatazi4"/>
+              </a:rPr>
+              <a:t>filter_index</a:t>
+            </a:r>
+            <a:r>
+              <a:rPr lang="en-GB" sz="2000" dirty="0">
+                <a:latin typeface="Inconsolatazi4"/>
+              </a:rPr>
+              <a:t>()</a:t>
+            </a:r>
+            <a:r>
+              <a:rPr lang="en-GB" sz="2000" dirty="0">
+                <a:latin typeface="Inconsolatazi4"/>
+                <a:sym typeface="Wingdings" pitchFamily="2" charset="2"/>
+              </a:rPr>
+              <a:t>  filtering time index for a tsibble</a:t>
+            </a:r>
+          </a:p>
+          <a:p>
+            <a:r>
+              <a:rPr lang="en-GB" sz="2000" dirty="0" err="1">
+                <a:latin typeface="Inconsolatazi4"/>
+              </a:rPr>
+              <a:t>guess_frequency</a:t>
+            </a:r>
+            <a:r>
+              <a:rPr lang="en-GB" sz="2000" dirty="0">
+                <a:latin typeface="Inconsolatazi4"/>
+              </a:rPr>
+              <a:t>()</a:t>
+            </a:r>
+            <a:r>
+              <a:rPr lang="en-GB" sz="2000" dirty="0">
+                <a:latin typeface="Inconsolatazi4"/>
+                <a:sym typeface="Wingdings" pitchFamily="2" charset="2"/>
+              </a:rPr>
+              <a:t>  Guess a time frequency from other index objects</a:t>
+            </a:r>
+          </a:p>
+          <a:p>
+            <a:r>
+              <a:rPr lang="de-DE" sz="2000" dirty="0" err="1">
+                <a:effectLst/>
+                <a:latin typeface="Inconsolatazi4"/>
+              </a:rPr>
+              <a:t>index_by</a:t>
+            </a:r>
+            <a:r>
+              <a:rPr lang="de-DE" sz="2000" dirty="0">
+                <a:effectLst/>
+                <a:latin typeface="Inconsolatazi4"/>
+              </a:rPr>
+              <a:t>() </a:t>
+            </a:r>
+            <a:r>
+              <a:rPr lang="en-GB" sz="2000" dirty="0">
+                <a:latin typeface="Inconsolatazi4"/>
+                <a:sym typeface="Wingdings" pitchFamily="2" charset="2"/>
+              </a:rPr>
+              <a:t> </a:t>
+            </a:r>
+            <a:r>
+              <a:rPr lang="de-DE" sz="2000" i="1" dirty="0">
+                <a:effectLst/>
+                <a:latin typeface="NimbusRomNo9L"/>
+              </a:rPr>
+              <a:t>Group </a:t>
+            </a:r>
+            <a:r>
+              <a:rPr lang="de-DE" sz="2000" i="1" dirty="0" err="1">
+                <a:effectLst/>
+                <a:latin typeface="NimbusRomNo9L"/>
+              </a:rPr>
+              <a:t>by</a:t>
+            </a:r>
+            <a:r>
+              <a:rPr lang="de-DE" sz="2000" i="1" dirty="0">
+                <a:effectLst/>
+                <a:latin typeface="NimbusRomNo9L"/>
+              </a:rPr>
+              <a:t> time </a:t>
+            </a:r>
+            <a:r>
+              <a:rPr lang="de-DE" sz="2000" i="1" dirty="0" err="1">
+                <a:effectLst/>
+                <a:latin typeface="NimbusRomNo9L"/>
+              </a:rPr>
+              <a:t>index</a:t>
+            </a:r>
+            <a:r>
+              <a:rPr lang="de-DE" sz="2000" i="1" dirty="0">
+                <a:effectLst/>
+                <a:latin typeface="NimbusRomNo9L"/>
+              </a:rPr>
+              <a:t> and </a:t>
+            </a:r>
+            <a:r>
+              <a:rPr lang="de-DE" sz="2000" i="1" dirty="0" err="1">
+                <a:effectLst/>
+                <a:latin typeface="NimbusRomNo9L"/>
+              </a:rPr>
+              <a:t>collapse</a:t>
+            </a:r>
+            <a:r>
+              <a:rPr lang="de-DE" sz="2000" i="1" dirty="0">
+                <a:effectLst/>
+                <a:latin typeface="NimbusRomNo9L"/>
+              </a:rPr>
+              <a:t> </a:t>
+            </a:r>
+            <a:r>
+              <a:rPr lang="de-DE" sz="2000" i="1" dirty="0" err="1">
+                <a:effectLst/>
+                <a:latin typeface="NimbusRomNo9L"/>
+              </a:rPr>
+              <a:t>with</a:t>
+            </a:r>
+            <a:r>
+              <a:rPr lang="de-DE" sz="2000" i="1" dirty="0">
+                <a:effectLst/>
+                <a:latin typeface="NimbusRomNo9L"/>
+              </a:rPr>
+              <a:t> </a:t>
+            </a:r>
+            <a:r>
+              <a:rPr lang="de-DE" sz="2000" dirty="0" err="1">
+                <a:effectLst/>
+                <a:latin typeface="Inconsolatazi4"/>
+              </a:rPr>
+              <a:t>summarise</a:t>
+            </a:r>
+            <a:r>
+              <a:rPr lang="de-DE" sz="2000" dirty="0">
+                <a:effectLst/>
+                <a:latin typeface="Inconsolatazi4"/>
+              </a:rPr>
+              <a:t>() </a:t>
+            </a:r>
+            <a:endParaRPr lang="en-GB" sz="2000" dirty="0">
+              <a:latin typeface="Inconsolatazi4"/>
+              <a:sym typeface="Wingdings" pitchFamily="2" charset="2"/>
+            </a:endParaRPr>
+          </a:p>
+          <a:p>
+            <a:r>
+              <a:rPr lang="en-GB" sz="2000" dirty="0" err="1">
+                <a:latin typeface="Inconsolatazi4"/>
+              </a:rPr>
+              <a:t>group_by_key</a:t>
+            </a:r>
+            <a:r>
+              <a:rPr lang="en-GB" sz="2000" dirty="0">
+                <a:latin typeface="Inconsolatazi4"/>
+              </a:rPr>
+              <a:t>()</a:t>
+            </a:r>
+            <a:r>
+              <a:rPr lang="en-GB" sz="2000" dirty="0">
+                <a:latin typeface="Inconsolatazi4"/>
+                <a:sym typeface="Wingdings" pitchFamily="2" charset="2"/>
+              </a:rPr>
+              <a:t>  Group by key variables</a:t>
+            </a:r>
+          </a:p>
+        </p:txBody>
+      </p:sp>
+      <p:sp>
+        <p:nvSpPr>
+          <p:cNvPr id="15" name="Rectangle 14">
+            <a:extLst>
+              <a:ext uri="{FF2B5EF4-FFF2-40B4-BE49-F238E27FC236}">
+                <a16:creationId xmlns:a16="http://schemas.microsoft.com/office/drawing/2014/main" id="{E6995CE5-F890-4ABA-82A2-26507CE8D2A3}"/>
+              </a:ext>
+              <a:ext uri="{C183D7F6-B498-43B3-948B-1728B52AA6E4}">
+                <adec:decorative xmlns:adec="http://schemas.microsoft.com/office/drawing/2017/decorative" val="1"/>
+              </a:ext>
+            </a:extLst>
+          </p:cNvPr>
+          <p:cNvSpPr>
+            <a:spLocks noGrp="1" noRot="1" noChangeAspect="1" noMove="1" noResize="1" noEditPoints="1" noAdjustHandles="1" noChangeArrowheads="1" noChangeShapeType="1" noTextEdit="1"/>
+          </p:cNvSpPr>
+          <p:nvPr>
+            <p:extLst>
+              <p:ext uri="{386F3935-93C4-4BCD-93E2-E3B085C9AB24}">
+                <p16:designElem xmlns:p16="http://schemas.microsoft.com/office/powerpoint/2015/main" val="1"/>
+              </p:ext>
+            </p:extLst>
+          </p:nvPr>
+        </p:nvSpPr>
+        <p:spPr>
+          <a:xfrm rot="5400000">
+            <a:off x="11228040" y="2313027"/>
+            <a:ext cx="781700" cy="152382"/>
+          </a:xfrm>
+          <a:prstGeom prst="rect">
+            <a:avLst/>
+          </a:prstGeom>
+          <a:solidFill>
+            <a:schemeClr val="accent4"/>
+          </a:solidFill>
+          <a:ln>
+            <a:noFill/>
+          </a:ln>
+        </p:spPr>
+        <p:style>
+          <a:lnRef idx="2">
+            <a:schemeClr val="accent1">
+              <a:shade val="50000"/>
+            </a:schemeClr>
+          </a:lnRef>
+          <a:fillRef idx="1">
+            <a:schemeClr val="accent1"/>
+          </a:fillRef>
+          <a:effectRef idx="0">
+            <a:schemeClr val="accent1"/>
+          </a:effectRef>
+          <a:fontRef idx="minor">
+            <a:schemeClr val="lt1"/>
+          </a:fontRef>
+        </p:style>
+        <p:txBody>
+          <a:bodyPr rtlCol="0" anchor="ctr"/>
+          <a:lstStyle/>
+          <a:p>
+            <a:pPr algn="ctr"/>
+            <a:endParaRPr lang="en-US"/>
+          </a:p>
+        </p:txBody>
+      </p:sp>
+      <p:pic>
+        <p:nvPicPr>
+          <p:cNvPr id="5" name="Kamera 4">
+            <a:extLst>
+              <a:ext uri="{FF2B5EF4-FFF2-40B4-BE49-F238E27FC236}">
+                <a16:creationId xmlns:a16="http://schemas.microsoft.com/office/drawing/2014/main" id="{5D0757A2-9332-4E73-0AC6-225A3AB7AFEB}"/>
+              </a:ext>
+            </a:extLst>
+          </p:cNvPr>
+          <p:cNvPicPr>
+            <a:picLocks noChangeAspect="1"/>
+            <a:extLst>
+              <a:ext uri="{51228E76-BA90-4043-B771-695A4F85340A}">
+                <alf:liveFeedProps xmlns:alf="http://schemas.microsoft.com/office/drawing/2021/livefeed"/>
+              </a:ext>
+            </a:extLst>
+          </p:cNvPicPr>
+          <p:nvPr/>
+        </p:nvPicPr>
+        <p:blipFill>
+          <a:blip r:embed="rId3">
+            <a:extLst>
+              <a:ext uri="{96DAC541-7B7A-43D3-8B79-37D633B846F1}">
+                <asvg:svgBlip xmlns:asvg="http://schemas.microsoft.com/office/drawing/2016/SVG/main" r:embed="rId4"/>
+              </a:ext>
+            </a:extLst>
+          </a:blip>
+          <a:stretch>
+            <a:fillRect/>
+          </a:stretch>
+        </p:blipFill>
+        <p:spPr>
+          <a:xfrm>
+            <a:off x="8961406" y="178904"/>
+            <a:ext cx="3048000" cy="1714500"/>
+          </a:xfrm>
+          <a:prstGeom prst="rect">
+            <a:avLst/>
+          </a:prstGeom>
+        </p:spPr>
+      </p:pic>
+    </p:spTree>
+    <p:extLst>
+      <p:ext uri="{BB962C8B-B14F-4D97-AF65-F5344CB8AC3E}">
+        <p14:creationId xmlns:p14="http://schemas.microsoft.com/office/powerpoint/2010/main" val="532202058"/>
+      </p:ext>
+    </p:extLst>
+  </p:cSld>
+  <p:clrMapOvr>
+    <a:masterClrMapping/>
+  </p:clrMapOvr>
+</p:sld>
+</file>
+
+<file path=ppt/slides/slide6.xml><?xml version="1.0" encoding="utf-8"?>
 <p:sld xmlns:a="http://schemas.openxmlformats.org/drawingml/2006/main" xmlns:r="http://schemas.openxmlformats.org/officeDocument/2006/relationships" xmlns:p="http://schemas.openxmlformats.org/presentationml/2006/main">
   <p:cSld>
     <p:bg>
@@ -8916,7 +12241,7 @@
 </p:sld>
 </file>
 
-<file path=ppt/slides/slide5.xml><?xml version="1.0" encoding="utf-8"?>
+<file path=ppt/slides/slide7.xml><?xml version="1.0" encoding="utf-8"?>
 <p:sld xmlns:a="http://schemas.openxmlformats.org/drawingml/2006/main" xmlns:r="http://schemas.openxmlformats.org/officeDocument/2006/relationships" xmlns:p="http://schemas.openxmlformats.org/presentationml/2006/main">
   <p:cSld>
     <p:bg>
@@ -9905,7 +13230,7 @@
 </p:sld>
 </file>
 
-<file path=ppt/slides/slide6.xml><?xml version="1.0" encoding="utf-8"?>
+<file path=ppt/slides/slide8.xml><?xml version="1.0" encoding="utf-8"?>
 <p:sld xmlns:a="http://schemas.openxmlformats.org/drawingml/2006/main" xmlns:r="http://schemas.openxmlformats.org/officeDocument/2006/relationships" xmlns:p="http://schemas.openxmlformats.org/presentationml/2006/main">
   <p:cSld>
     <p:bg>
@@ -10410,7 +13735,7 @@
 </p:sld>
 </file>
 
-<file path=ppt/slides/slide7.xml><?xml version="1.0" encoding="utf-8"?>
+<file path=ppt/slides/slide9.xml><?xml version="1.0" encoding="utf-8"?>
 <p:sld xmlns:a="http://schemas.openxmlformats.org/drawingml/2006/main" xmlns:r="http://schemas.openxmlformats.org/officeDocument/2006/relationships" xmlns:p="http://schemas.openxmlformats.org/presentationml/2006/main">
   <p:cSld>
     <p:bg>
@@ -11539,1833 +14864,6 @@
     <p:extLst>
       <p:ext uri="{BB962C8B-B14F-4D97-AF65-F5344CB8AC3E}">
         <p14:creationId xmlns:p14="http://schemas.microsoft.com/office/powerpoint/2010/main" val="1486188251"/>
-      </p:ext>
-    </p:extLst>
-  </p:cSld>
-  <p:clrMapOvr>
-    <a:masterClrMapping/>
-  </p:clrMapOvr>
-</p:sld>
-</file>
-
-<file path=ppt/slides/slide8.xml><?xml version="1.0" encoding="utf-8"?>
-<p:sld xmlns:a="http://schemas.openxmlformats.org/drawingml/2006/main" xmlns:r="http://schemas.openxmlformats.org/officeDocument/2006/relationships" xmlns:p="http://schemas.openxmlformats.org/presentationml/2006/main">
-  <p:cSld>
-    <p:bg>
-      <p:bgPr>
-        <a:solidFill>
-          <a:schemeClr val="bg1"/>
-        </a:solidFill>
-        <a:effectLst/>
-      </p:bgPr>
-    </p:bg>
-    <p:spTree>
-      <p:nvGrpSpPr>
-        <p:cNvPr id="1" name=""/>
-        <p:cNvGrpSpPr/>
-        <p:nvPr/>
-      </p:nvGrpSpPr>
-      <p:grpSpPr>
-        <a:xfrm>
-          <a:off x="0" y="0"/>
-          <a:ext cx="0" cy="0"/>
-          <a:chOff x="0" y="0"/>
-          <a:chExt cx="0" cy="0"/>
-        </a:xfrm>
-      </p:grpSpPr>
-      <p:sp useBgFill="1">
-        <p:nvSpPr>
-          <p:cNvPr id="15" name="Rectangle 14">
-            <a:extLst>
-              <a:ext uri="{FF2B5EF4-FFF2-40B4-BE49-F238E27FC236}">
-                <a16:creationId xmlns:a16="http://schemas.microsoft.com/office/drawing/2014/main" id="{149FB5C3-7336-4FE0-A30C-CC0A3646D499}"/>
-              </a:ext>
-              <a:ext uri="{C183D7F6-B498-43B3-948B-1728B52AA6E4}">
-                <adec:decorative xmlns:adec="http://schemas.microsoft.com/office/drawing/2017/decorative" val="1"/>
-              </a:ext>
-            </a:extLst>
-          </p:cNvPr>
-          <p:cNvSpPr>
-            <a:spLocks noGrp="1" noRot="1" noChangeAspect="1" noMove="1" noResize="1" noEditPoints="1" noAdjustHandles="1" noChangeArrowheads="1" noChangeShapeType="1" noTextEdit="1"/>
-          </p:cNvSpPr>
-          <p:nvPr>
-            <p:extLst>
-              <p:ext uri="{386F3935-93C4-4BCD-93E2-E3B085C9AB24}">
-                <p16:designElem xmlns:p16="http://schemas.microsoft.com/office/powerpoint/2015/main" val="1"/>
-              </p:ext>
-            </p:extLst>
-          </p:nvPr>
-        </p:nvSpPr>
-        <p:spPr>
-          <a:xfrm>
-            <a:off x="0" y="0"/>
-            <a:ext cx="12191999" cy="6857365"/>
-          </a:xfrm>
-          <a:prstGeom prst="rect">
-            <a:avLst/>
-          </a:prstGeom>
-          <a:ln>
-            <a:noFill/>
-          </a:ln>
-        </p:spPr>
-        <p:style>
-          <a:lnRef idx="2">
-            <a:schemeClr val="accent1">
-              <a:shade val="50000"/>
-            </a:schemeClr>
-          </a:lnRef>
-          <a:fillRef idx="1">
-            <a:schemeClr val="accent1"/>
-          </a:fillRef>
-          <a:effectRef idx="0">
-            <a:schemeClr val="accent1"/>
-          </a:effectRef>
-          <a:fontRef idx="minor">
-            <a:schemeClr val="lt1"/>
-          </a:fontRef>
-        </p:style>
-        <p:txBody>
-          <a:bodyPr rtlCol="0" anchor="ctr"/>
-          <a:lstStyle/>
-          <a:p>
-            <a:pPr algn="ctr"/>
-            <a:endParaRPr lang="en-US"/>
-          </a:p>
-        </p:txBody>
-      </p:sp>
-      <p:grpSp>
-        <p:nvGrpSpPr>
-          <p:cNvPr id="17" name="Group 16">
-            <a:extLst>
-              <a:ext uri="{FF2B5EF4-FFF2-40B4-BE49-F238E27FC236}">
-                <a16:creationId xmlns:a16="http://schemas.microsoft.com/office/drawing/2014/main" id="{19A6B5CE-CB1D-48EE-8B43-E952235C8371}"/>
-              </a:ext>
-              <a:ext uri="{C183D7F6-B498-43B3-948B-1728B52AA6E4}">
-                <adec:decorative xmlns:adec="http://schemas.microsoft.com/office/drawing/2017/decorative" val="1"/>
-              </a:ext>
-            </a:extLst>
-          </p:cNvPr>
-          <p:cNvGrpSpPr>
-            <a:grpSpLocks noGrp="1" noUngrp="1" noRot="1" noChangeAspect="1" noMove="1" noResize="1"/>
-          </p:cNvGrpSpPr>
-          <p:nvPr>
-            <p:extLst>
-              <p:ext uri="{386F3935-93C4-4BCD-93E2-E3B085C9AB24}">
-                <p16:designElem xmlns:p16="http://schemas.microsoft.com/office/powerpoint/2015/main" val="1"/>
-              </p:ext>
-            </p:extLst>
-          </p:nvPr>
-        </p:nvGrpSpPr>
-        <p:grpSpPr>
-          <a:xfrm rot="5400000">
-            <a:off x="-2340441" y="2666183"/>
-            <a:ext cx="5860051" cy="527712"/>
-            <a:chOff x="6081624" y="1998368"/>
-            <a:chExt cx="5613457" cy="782175"/>
-          </a:xfrm>
-          <a:solidFill>
-            <a:schemeClr val="accent4"/>
-          </a:solidFill>
-        </p:grpSpPr>
-        <p:sp>
-          <p:nvSpPr>
-            <p:cNvPr id="18" name="Rectangle 17">
-              <a:extLst>
-                <a:ext uri="{FF2B5EF4-FFF2-40B4-BE49-F238E27FC236}">
-                  <a16:creationId xmlns:a16="http://schemas.microsoft.com/office/drawing/2014/main" id="{E3F3EAA5-4E15-400B-BBA3-82B3F49A2178}"/>
-                </a:ext>
-                <a:ext uri="{C183D7F6-B498-43B3-948B-1728B52AA6E4}">
-                  <adec:decorative xmlns:adec="http://schemas.microsoft.com/office/drawing/2017/decorative" val="1"/>
-                </a:ext>
-              </a:extLst>
-            </p:cNvPr>
-            <p:cNvSpPr/>
-            <p:nvPr>
-              <p:extLst>
-                <p:ext uri="{386F3935-93C4-4BCD-93E2-E3B085C9AB24}">
-                  <p16:designElem xmlns:p16="http://schemas.microsoft.com/office/powerpoint/2015/main" val="1"/>
-                </p:ext>
-              </p:extLst>
-            </p:nvPr>
-          </p:nvSpPr>
-          <p:spPr>
-            <a:xfrm rot="5400000">
-              <a:off x="11228040" y="2313027"/>
-              <a:ext cx="781700" cy="152382"/>
-            </a:xfrm>
-            <a:prstGeom prst="rect">
-              <a:avLst/>
-            </a:prstGeom>
-            <a:grpFill/>
-            <a:ln>
-              <a:noFill/>
-            </a:ln>
-          </p:spPr>
-          <p:style>
-            <a:lnRef idx="2">
-              <a:schemeClr val="accent1">
-                <a:shade val="50000"/>
-              </a:schemeClr>
-            </a:lnRef>
-            <a:fillRef idx="1">
-              <a:schemeClr val="accent1"/>
-            </a:fillRef>
-            <a:effectRef idx="0">
-              <a:schemeClr val="accent1"/>
-            </a:effectRef>
-            <a:fontRef idx="minor">
-              <a:schemeClr val="lt1"/>
-            </a:fontRef>
-          </p:style>
-          <p:txBody>
-            <a:bodyPr rtlCol="0" anchor="ctr"/>
-            <a:lstStyle/>
-            <a:p>
-              <a:pPr algn="ctr"/>
-              <a:endParaRPr lang="en-US"/>
-            </a:p>
-          </p:txBody>
-        </p:sp>
-        <p:sp>
-          <p:nvSpPr>
-            <p:cNvPr id="19" name="Rectangle 18">
-              <a:extLst>
-                <a:ext uri="{FF2B5EF4-FFF2-40B4-BE49-F238E27FC236}">
-                  <a16:creationId xmlns:a16="http://schemas.microsoft.com/office/drawing/2014/main" id="{72BA2E40-BE9B-4C54-9CDD-40EE804CCE64}"/>
-                </a:ext>
-                <a:ext uri="{C183D7F6-B498-43B3-948B-1728B52AA6E4}">
-                  <adec:decorative xmlns:adec="http://schemas.microsoft.com/office/drawing/2017/decorative" val="1"/>
-                </a:ext>
-              </a:extLst>
-            </p:cNvPr>
-            <p:cNvSpPr/>
-            <p:nvPr>
-              <p:extLst>
-                <p:ext uri="{386F3935-93C4-4BCD-93E2-E3B085C9AB24}">
-                  <p16:designElem xmlns:p16="http://schemas.microsoft.com/office/powerpoint/2015/main" val="1"/>
-                </p:ext>
-              </p:extLst>
-            </p:nvPr>
-          </p:nvSpPr>
-          <p:spPr>
-            <a:xfrm flipH="1" flipV="1">
-              <a:off x="6081624" y="1998844"/>
-              <a:ext cx="5372968" cy="781699"/>
-            </a:xfrm>
-            <a:prstGeom prst="rect">
-              <a:avLst/>
-            </a:prstGeom>
-            <a:grpFill/>
-            <a:ln>
-              <a:noFill/>
-            </a:ln>
-          </p:spPr>
-          <p:style>
-            <a:lnRef idx="2">
-              <a:schemeClr val="accent1">
-                <a:shade val="50000"/>
-              </a:schemeClr>
-            </a:lnRef>
-            <a:fillRef idx="1">
-              <a:schemeClr val="accent1"/>
-            </a:fillRef>
-            <a:effectRef idx="0">
-              <a:schemeClr val="accent1"/>
-            </a:effectRef>
-            <a:fontRef idx="minor">
-              <a:schemeClr val="lt1"/>
-            </a:fontRef>
-          </p:style>
-          <p:txBody>
-            <a:bodyPr rtlCol="0" anchor="ctr"/>
-            <a:lstStyle/>
-            <a:p>
-              <a:pPr algn="ctr"/>
-              <a:endParaRPr lang="en-US"/>
-            </a:p>
-          </p:txBody>
-        </p:sp>
-      </p:grpSp>
-      <p:sp>
-        <p:nvSpPr>
-          <p:cNvPr id="21" name="Rectangle 20">
-            <a:extLst>
-              <a:ext uri="{FF2B5EF4-FFF2-40B4-BE49-F238E27FC236}">
-                <a16:creationId xmlns:a16="http://schemas.microsoft.com/office/drawing/2014/main" id="{0DA909B4-15FF-46A6-8A7F-7AEF977FE9ED}"/>
-              </a:ext>
-              <a:ext uri="{C183D7F6-B498-43B3-948B-1728B52AA6E4}">
-                <adec:decorative xmlns:adec="http://schemas.microsoft.com/office/drawing/2017/decorative" val="1"/>
-              </a:ext>
-            </a:extLst>
-          </p:cNvPr>
-          <p:cNvSpPr>
-            <a:spLocks noGrp="1" noRot="1" noChangeAspect="1" noMove="1" noResize="1" noEditPoints="1" noAdjustHandles="1" noChangeArrowheads="1" noChangeShapeType="1" noTextEdit="1"/>
-          </p:cNvSpPr>
-          <p:nvPr>
-            <p:extLst>
-              <p:ext uri="{386F3935-93C4-4BCD-93E2-E3B085C9AB24}">
-                <p16:designElem xmlns:p16="http://schemas.microsoft.com/office/powerpoint/2015/main" val="1"/>
-              </p:ext>
-            </p:extLst>
-          </p:nvPr>
-        </p:nvSpPr>
-        <p:spPr>
-          <a:xfrm>
-            <a:off x="579528" y="517897"/>
-            <a:ext cx="11111729" cy="5857966"/>
-          </a:xfrm>
-          <a:prstGeom prst="rect">
-            <a:avLst/>
-          </a:prstGeom>
-          <a:solidFill>
-            <a:schemeClr val="bg1"/>
-          </a:solidFill>
-          <a:ln>
-            <a:noFill/>
-          </a:ln>
-          <a:effectLst>
-            <a:outerShdw blurRad="139700" dist="127000" dir="5400000" algn="t" rotWithShape="0">
-              <a:prstClr val="black">
-                <a:alpha val="15000"/>
-              </a:prstClr>
-            </a:outerShdw>
-          </a:effectLst>
-        </p:spPr>
-        <p:style>
-          <a:lnRef idx="2">
-            <a:schemeClr val="accent1">
-              <a:shade val="50000"/>
-            </a:schemeClr>
-          </a:lnRef>
-          <a:fillRef idx="1">
-            <a:schemeClr val="accent1"/>
-          </a:fillRef>
-          <a:effectRef idx="0">
-            <a:schemeClr val="accent1"/>
-          </a:effectRef>
-          <a:fontRef idx="minor">
-            <a:schemeClr val="lt1"/>
-          </a:fontRef>
-        </p:style>
-        <p:txBody>
-          <a:bodyPr rtlCol="0" anchor="ctr"/>
-          <a:lstStyle/>
-          <a:p>
-            <a:pPr algn="ctr"/>
-            <a:endParaRPr lang="en-US"/>
-          </a:p>
-        </p:txBody>
-      </p:sp>
-      <p:sp>
-        <p:nvSpPr>
-          <p:cNvPr id="2" name="Titel 1">
-            <a:extLst>
-              <a:ext uri="{FF2B5EF4-FFF2-40B4-BE49-F238E27FC236}">
-                <a16:creationId xmlns:a16="http://schemas.microsoft.com/office/drawing/2014/main" id="{F6655BA3-676A-D955-E13C-5A2890900397}"/>
-              </a:ext>
-            </a:extLst>
-          </p:cNvPr>
-          <p:cNvSpPr>
-            <a:spLocks noGrp="1"/>
-          </p:cNvSpPr>
-          <p:nvPr>
-            <p:ph type="title"/>
-          </p:nvPr>
-        </p:nvSpPr>
-        <p:spPr>
-          <a:xfrm>
-            <a:off x="1055713" y="663695"/>
-            <a:ext cx="7845156" cy="1169585"/>
-          </a:xfrm>
-        </p:spPr>
-        <p:txBody>
-          <a:bodyPr anchor="t">
-            <a:normAutofit/>
-          </a:bodyPr>
-          <a:lstStyle/>
-          <a:p>
-            <a:r>
-              <a:rPr lang="en-GB" sz="4000" dirty="0"/>
-              <a:t>Producing forecasts</a:t>
-            </a:r>
-            <a:endParaRPr lang="en-GB" sz="3700" dirty="0"/>
-          </a:p>
-        </p:txBody>
-      </p:sp>
-      <p:sp>
-        <p:nvSpPr>
-          <p:cNvPr id="23" name="Rectangle 22">
-            <a:extLst>
-              <a:ext uri="{FF2B5EF4-FFF2-40B4-BE49-F238E27FC236}">
-                <a16:creationId xmlns:a16="http://schemas.microsoft.com/office/drawing/2014/main" id="{1382A32C-5B0C-4B1C-A074-76C6DBCC9F87}"/>
-              </a:ext>
-              <a:ext uri="{C183D7F6-B498-43B3-948B-1728B52AA6E4}">
-                <adec:decorative xmlns:adec="http://schemas.microsoft.com/office/drawing/2017/decorative" val="1"/>
-              </a:ext>
-            </a:extLst>
-          </p:cNvPr>
-          <p:cNvSpPr>
-            <a:spLocks noGrp="1" noRot="1" noChangeAspect="1" noMove="1" noResize="1" noEditPoints="1" noAdjustHandles="1" noChangeArrowheads="1" noChangeShapeType="1" noTextEdit="1"/>
-          </p:cNvSpPr>
-          <p:nvPr>
-            <p:extLst>
-              <p:ext uri="{386F3935-93C4-4BCD-93E2-E3B085C9AB24}">
-                <p16:designElem xmlns:p16="http://schemas.microsoft.com/office/powerpoint/2015/main" val="1"/>
-              </p:ext>
-            </p:extLst>
-          </p:nvPr>
-        </p:nvSpPr>
-        <p:spPr>
-          <a:xfrm flipH="1">
-            <a:off x="1055714" y="2263365"/>
-            <a:ext cx="4937760" cy="27432"/>
-          </a:xfrm>
-          <a:prstGeom prst="rect">
-            <a:avLst/>
-          </a:prstGeom>
-          <a:solidFill>
-            <a:schemeClr val="accent4"/>
-          </a:solidFill>
-          <a:ln>
-            <a:noFill/>
-          </a:ln>
-        </p:spPr>
-        <p:style>
-          <a:lnRef idx="2">
-            <a:schemeClr val="accent1">
-              <a:shade val="50000"/>
-            </a:schemeClr>
-          </a:lnRef>
-          <a:fillRef idx="1">
-            <a:schemeClr val="accent1"/>
-          </a:fillRef>
-          <a:effectRef idx="0">
-            <a:schemeClr val="accent1"/>
-          </a:effectRef>
-          <a:fontRef idx="minor">
-            <a:schemeClr val="lt1"/>
-          </a:fontRef>
-        </p:style>
-        <p:txBody>
-          <a:bodyPr rtlCol="0" anchor="ctr"/>
-          <a:lstStyle/>
-          <a:p>
-            <a:pPr algn="ctr"/>
-            <a:endParaRPr lang="en-US"/>
-          </a:p>
-        </p:txBody>
-      </p:sp>
-      <p:pic>
-        <p:nvPicPr>
-          <p:cNvPr id="3" name="Kamera 2">
-            <a:extLst>
-              <a:ext uri="{FF2B5EF4-FFF2-40B4-BE49-F238E27FC236}">
-                <a16:creationId xmlns:a16="http://schemas.microsoft.com/office/drawing/2014/main" id="{18C3FFBC-239F-FC30-2E9D-D5022F0510C7}"/>
-              </a:ext>
-            </a:extLst>
-          </p:cNvPr>
-          <p:cNvPicPr>
-            <a:picLocks noChangeAspect="1"/>
-            <a:extLst>
-              <a:ext uri="{51228E76-BA90-4043-B771-695A4F85340A}">
-                <alf:liveFeedProps xmlns:alf="http://schemas.microsoft.com/office/drawing/2021/livefeed"/>
-              </a:ext>
-            </a:extLst>
-          </p:cNvPicPr>
-          <p:nvPr/>
-        </p:nvPicPr>
-        <p:blipFill>
-          <a:blip r:embed="rId3">
-            <a:extLst>
-              <a:ext uri="{96DAC541-7B7A-43D3-8B79-37D633B846F1}">
-                <asvg:svgBlip xmlns:asvg="http://schemas.microsoft.com/office/drawing/2016/SVG/main" r:embed="rId4"/>
-              </a:ext>
-            </a:extLst>
-          </a:blip>
-          <a:stretch>
-            <a:fillRect/>
-          </a:stretch>
-        </p:blipFill>
-        <p:spPr>
-          <a:xfrm>
-            <a:off x="8961406" y="178904"/>
-            <a:ext cx="3048000" cy="1714500"/>
-          </a:xfrm>
-          <a:prstGeom prst="rect">
-            <a:avLst/>
-          </a:prstGeom>
-        </p:spPr>
-      </p:pic>
-      <p:sp>
-        <p:nvSpPr>
-          <p:cNvPr id="6" name="Inhaltsplatzhalter 2">
-            <a:extLst>
-              <a:ext uri="{FF2B5EF4-FFF2-40B4-BE49-F238E27FC236}">
-                <a16:creationId xmlns:a16="http://schemas.microsoft.com/office/drawing/2014/main" id="{24C731EB-458D-8FFD-F2BC-52C0B595C719}"/>
-              </a:ext>
-            </a:extLst>
-          </p:cNvPr>
-          <p:cNvSpPr txBox="1">
-            <a:spLocks/>
-          </p:cNvSpPr>
-          <p:nvPr/>
-        </p:nvSpPr>
-        <p:spPr>
-          <a:xfrm>
-            <a:off x="1055713" y="1367441"/>
-            <a:ext cx="7587544" cy="2802764"/>
-          </a:xfrm>
-          <a:prstGeom prst="rect">
-            <a:avLst/>
-          </a:prstGeom>
-          <a:solidFill>
-            <a:schemeClr val="bg1">
-              <a:lumMod val="95000"/>
-            </a:schemeClr>
-          </a:solidFill>
-        </p:spPr>
-        <p:txBody>
-          <a:bodyPr vert="horz" lIns="91440" tIns="45720" rIns="91440" bIns="45720" rtlCol="0">
-            <a:noAutofit/>
-          </a:bodyPr>
-          <a:lstStyle>
-            <a:lvl1pPr marL="228600" indent="-228600" algn="l" defTabSz="914400" rtl="0" eaLnBrk="1" latinLnBrk="0" hangingPunct="1">
-              <a:lnSpc>
-                <a:spcPct val="90000"/>
-              </a:lnSpc>
-              <a:spcBef>
-                <a:spcPts val="1000"/>
-              </a:spcBef>
-              <a:buFont typeface="Arial" panose="020B0604020202020204" pitchFamily="34" charset="0"/>
-              <a:buChar char="•"/>
-              <a:defRPr sz="2800" kern="1200">
-                <a:solidFill>
-                  <a:schemeClr val="tx1"/>
-                </a:solidFill>
-                <a:latin typeface="+mn-lt"/>
-                <a:ea typeface="+mn-ea"/>
-                <a:cs typeface="+mn-cs"/>
-              </a:defRPr>
-            </a:lvl1pPr>
-            <a:lvl2pPr marL="685800" indent="-228600" algn="l" defTabSz="914400" rtl="0" eaLnBrk="1" latinLnBrk="0" hangingPunct="1">
-              <a:lnSpc>
-                <a:spcPct val="90000"/>
-              </a:lnSpc>
-              <a:spcBef>
-                <a:spcPts val="500"/>
-              </a:spcBef>
-              <a:buFont typeface="Arial" panose="020B0604020202020204" pitchFamily="34" charset="0"/>
-              <a:buChar char="•"/>
-              <a:defRPr sz="2400" kern="1200">
-                <a:solidFill>
-                  <a:schemeClr val="tx1"/>
-                </a:solidFill>
-                <a:latin typeface="+mn-lt"/>
-                <a:ea typeface="+mn-ea"/>
-                <a:cs typeface="+mn-cs"/>
-              </a:defRPr>
-            </a:lvl2pPr>
-            <a:lvl3pPr marL="1143000" indent="-228600" algn="l" defTabSz="914400" rtl="0" eaLnBrk="1" latinLnBrk="0" hangingPunct="1">
-              <a:lnSpc>
-                <a:spcPct val="90000"/>
-              </a:lnSpc>
-              <a:spcBef>
-                <a:spcPts val="500"/>
-              </a:spcBef>
-              <a:buFont typeface="Arial" panose="020B0604020202020204" pitchFamily="34" charset="0"/>
-              <a:buChar char="•"/>
-              <a:defRPr sz="2000" kern="1200">
-                <a:solidFill>
-                  <a:schemeClr val="tx1"/>
-                </a:solidFill>
-                <a:latin typeface="+mn-lt"/>
-                <a:ea typeface="+mn-ea"/>
-                <a:cs typeface="+mn-cs"/>
-              </a:defRPr>
-            </a:lvl3pPr>
-            <a:lvl4pPr marL="1600200" indent="-228600" algn="l" defTabSz="914400" rtl="0" eaLnBrk="1" latinLnBrk="0" hangingPunct="1">
-              <a:lnSpc>
-                <a:spcPct val="90000"/>
-              </a:lnSpc>
-              <a:spcBef>
-                <a:spcPts val="500"/>
-              </a:spcBef>
-              <a:buFont typeface="Arial" panose="020B0604020202020204" pitchFamily="34" charset="0"/>
-              <a:buChar char="•"/>
-              <a:defRPr sz="1800" kern="1200">
-                <a:solidFill>
-                  <a:schemeClr val="tx1"/>
-                </a:solidFill>
-                <a:latin typeface="+mn-lt"/>
-                <a:ea typeface="+mn-ea"/>
-                <a:cs typeface="+mn-cs"/>
-              </a:defRPr>
-            </a:lvl4pPr>
-            <a:lvl5pPr marL="2057400" indent="-228600" algn="l" defTabSz="914400" rtl="0" eaLnBrk="1" latinLnBrk="0" hangingPunct="1">
-              <a:lnSpc>
-                <a:spcPct val="90000"/>
-              </a:lnSpc>
-              <a:spcBef>
-                <a:spcPts val="500"/>
-              </a:spcBef>
-              <a:buFont typeface="Arial" panose="020B0604020202020204" pitchFamily="34" charset="0"/>
-              <a:buChar char="•"/>
-              <a:defRPr sz="1800" kern="1200">
-                <a:solidFill>
-                  <a:schemeClr val="tx1"/>
-                </a:solidFill>
-                <a:latin typeface="+mn-lt"/>
-                <a:ea typeface="+mn-ea"/>
-                <a:cs typeface="+mn-cs"/>
-              </a:defRPr>
-            </a:lvl5pPr>
-            <a:lvl6pPr marL="2514600" indent="-228600" algn="l" defTabSz="914400" rtl="0" eaLnBrk="1" latinLnBrk="0" hangingPunct="1">
-              <a:lnSpc>
-                <a:spcPct val="90000"/>
-              </a:lnSpc>
-              <a:spcBef>
-                <a:spcPts val="500"/>
-              </a:spcBef>
-              <a:buFont typeface="Arial" panose="020B0604020202020204" pitchFamily="34" charset="0"/>
-              <a:buChar char="•"/>
-              <a:defRPr sz="1800" kern="1200">
-                <a:solidFill>
-                  <a:schemeClr val="tx1"/>
-                </a:solidFill>
-                <a:latin typeface="+mn-lt"/>
-                <a:ea typeface="+mn-ea"/>
-                <a:cs typeface="+mn-cs"/>
-              </a:defRPr>
-            </a:lvl6pPr>
-            <a:lvl7pPr marL="2971800" indent="-228600" algn="l" defTabSz="914400" rtl="0" eaLnBrk="1" latinLnBrk="0" hangingPunct="1">
-              <a:lnSpc>
-                <a:spcPct val="90000"/>
-              </a:lnSpc>
-              <a:spcBef>
-                <a:spcPts val="500"/>
-              </a:spcBef>
-              <a:buFont typeface="Arial" panose="020B0604020202020204" pitchFamily="34" charset="0"/>
-              <a:buChar char="•"/>
-              <a:defRPr sz="1800" kern="1200">
-                <a:solidFill>
-                  <a:schemeClr val="tx1"/>
-                </a:solidFill>
-                <a:latin typeface="+mn-lt"/>
-                <a:ea typeface="+mn-ea"/>
-                <a:cs typeface="+mn-cs"/>
-              </a:defRPr>
-            </a:lvl7pPr>
-            <a:lvl8pPr marL="3429000" indent="-228600" algn="l" defTabSz="914400" rtl="0" eaLnBrk="1" latinLnBrk="0" hangingPunct="1">
-              <a:lnSpc>
-                <a:spcPct val="90000"/>
-              </a:lnSpc>
-              <a:spcBef>
-                <a:spcPts val="500"/>
-              </a:spcBef>
-              <a:buFont typeface="Arial" panose="020B0604020202020204" pitchFamily="34" charset="0"/>
-              <a:buChar char="•"/>
-              <a:defRPr sz="1800" kern="1200">
-                <a:solidFill>
-                  <a:schemeClr val="tx1"/>
-                </a:solidFill>
-                <a:latin typeface="+mn-lt"/>
-                <a:ea typeface="+mn-ea"/>
-                <a:cs typeface="+mn-cs"/>
-              </a:defRPr>
-            </a:lvl8pPr>
-            <a:lvl9pPr marL="3886200" indent="-228600" algn="l" defTabSz="914400" rtl="0" eaLnBrk="1" latinLnBrk="0" hangingPunct="1">
-              <a:lnSpc>
-                <a:spcPct val="90000"/>
-              </a:lnSpc>
-              <a:spcBef>
-                <a:spcPts val="500"/>
-              </a:spcBef>
-              <a:buFont typeface="Arial" panose="020B0604020202020204" pitchFamily="34" charset="0"/>
-              <a:buChar char="•"/>
-              <a:defRPr sz="1800" kern="1200">
-                <a:solidFill>
-                  <a:schemeClr val="tx1"/>
-                </a:solidFill>
-                <a:latin typeface="+mn-lt"/>
-                <a:ea typeface="+mn-ea"/>
-                <a:cs typeface="+mn-cs"/>
-              </a:defRPr>
-            </a:lvl9pPr>
-          </a:lstStyle>
-          <a:p>
-            <a:pPr marL="0" indent="0">
-              <a:buFont typeface="Arial" panose="020B0604020202020204" pitchFamily="34" charset="0"/>
-              <a:buNone/>
-            </a:pPr>
-            <a:r>
-              <a:rPr lang="de-DE" sz="2000" dirty="0">
-                <a:solidFill>
-                  <a:schemeClr val="bg1">
-                    <a:lumMod val="50000"/>
-                  </a:schemeClr>
-                </a:solidFill>
-                <a:latin typeface="SFMono-Regular"/>
-              </a:rPr>
-              <a:t># </a:t>
-            </a:r>
-            <a:r>
-              <a:rPr lang="de-DE" sz="2000" dirty="0" err="1">
-                <a:solidFill>
-                  <a:schemeClr val="bg1">
-                    <a:lumMod val="50000"/>
-                  </a:schemeClr>
-                </a:solidFill>
-                <a:latin typeface="SFMono-Regular"/>
-              </a:rPr>
-              <a:t>Comparing</a:t>
-            </a:r>
-            <a:r>
-              <a:rPr lang="de-DE" sz="2000" dirty="0">
-                <a:solidFill>
-                  <a:schemeClr val="bg1">
-                    <a:lumMod val="50000"/>
-                  </a:schemeClr>
-                </a:solidFill>
-                <a:latin typeface="SFMono-Regular"/>
-              </a:rPr>
-              <a:t> multiple </a:t>
-            </a:r>
-            <a:r>
-              <a:rPr lang="de-DE" sz="2000" dirty="0" err="1">
-                <a:solidFill>
-                  <a:schemeClr val="bg1">
-                    <a:lumMod val="50000"/>
-                  </a:schemeClr>
-                </a:solidFill>
-                <a:latin typeface="SFMono-Regular"/>
-              </a:rPr>
-              <a:t>models</a:t>
-            </a:r>
-            <a:endParaRPr lang="de-DE" sz="2000" dirty="0">
-              <a:solidFill>
-                <a:schemeClr val="bg1">
-                  <a:lumMod val="50000"/>
-                </a:schemeClr>
-              </a:solidFill>
-              <a:latin typeface="SFMono-Regular"/>
-            </a:endParaRPr>
-          </a:p>
-          <a:p>
-            <a:pPr marL="0" indent="0">
-              <a:buFont typeface="Arial" panose="020B0604020202020204" pitchFamily="34" charset="0"/>
-              <a:buNone/>
-            </a:pPr>
-            <a:r>
-              <a:rPr lang="de-DE" sz="2000" dirty="0">
-                <a:solidFill>
-                  <a:srgbClr val="333333"/>
-                </a:solidFill>
-                <a:latin typeface="SFMono-Regular"/>
-              </a:rPr>
-              <a:t>fit &lt;- </a:t>
-            </a:r>
-            <a:r>
-              <a:rPr lang="de-DE" sz="2000" dirty="0" err="1">
-                <a:solidFill>
-                  <a:srgbClr val="333333"/>
-                </a:solidFill>
-                <a:latin typeface="SFMono-Regular"/>
-              </a:rPr>
-              <a:t>tourism_t_trips</a:t>
-            </a:r>
-            <a:r>
-              <a:rPr lang="de-DE" sz="2000" dirty="0">
-                <a:solidFill>
-                  <a:srgbClr val="333333"/>
-                </a:solidFill>
-                <a:latin typeface="SFMono-Regular"/>
-              </a:rPr>
-              <a:t> %&gt;% </a:t>
-            </a:r>
-          </a:p>
-          <a:p>
-            <a:pPr marL="0" indent="0">
-              <a:buFont typeface="Arial" panose="020B0604020202020204" pitchFamily="34" charset="0"/>
-              <a:buNone/>
-            </a:pPr>
-            <a:r>
-              <a:rPr lang="de-DE" sz="2000" dirty="0">
-                <a:solidFill>
-                  <a:srgbClr val="333333"/>
-                </a:solidFill>
-                <a:latin typeface="SFMono-Regular"/>
-              </a:rPr>
-              <a:t>  </a:t>
-            </a:r>
-            <a:r>
-              <a:rPr lang="de-DE" sz="2000" dirty="0" err="1">
-                <a:solidFill>
-                  <a:srgbClr val="333333"/>
-                </a:solidFill>
-                <a:latin typeface="SFMono-Regular"/>
-              </a:rPr>
-              <a:t>model</a:t>
-            </a:r>
-            <a:r>
-              <a:rPr lang="de-DE" sz="2000" dirty="0">
-                <a:solidFill>
-                  <a:srgbClr val="333333"/>
-                </a:solidFill>
-                <a:latin typeface="SFMono-Regular"/>
-              </a:rPr>
-              <a:t>(</a:t>
-            </a:r>
-          </a:p>
-          <a:p>
-            <a:pPr marL="0" indent="0">
-              <a:buFont typeface="Arial" panose="020B0604020202020204" pitchFamily="34" charset="0"/>
-              <a:buNone/>
-            </a:pPr>
-            <a:r>
-              <a:rPr lang="de-DE" sz="2000" dirty="0">
-                <a:solidFill>
-                  <a:srgbClr val="333333"/>
-                </a:solidFill>
-                <a:latin typeface="SFMono-Regular"/>
-              </a:rPr>
-              <a:t>    </a:t>
-            </a:r>
-            <a:r>
-              <a:rPr lang="de-DE" sz="2000" dirty="0" err="1">
-                <a:solidFill>
-                  <a:srgbClr val="333333"/>
-                </a:solidFill>
-                <a:latin typeface="SFMono-Regular"/>
-              </a:rPr>
-              <a:t>ets</a:t>
-            </a:r>
-            <a:r>
-              <a:rPr lang="de-DE" sz="2000" dirty="0">
-                <a:solidFill>
-                  <a:srgbClr val="333333"/>
-                </a:solidFill>
-                <a:latin typeface="SFMono-Regular"/>
-              </a:rPr>
-              <a:t> = ETS(Trips),</a:t>
-            </a:r>
-          </a:p>
-          <a:p>
-            <a:pPr marL="0" indent="0">
-              <a:buFont typeface="Arial" panose="020B0604020202020204" pitchFamily="34" charset="0"/>
-              <a:buNone/>
-            </a:pPr>
-            <a:r>
-              <a:rPr lang="de-DE" sz="2000" dirty="0">
-                <a:solidFill>
-                  <a:srgbClr val="333333"/>
-                </a:solidFill>
-                <a:latin typeface="SFMono-Regular"/>
-              </a:rPr>
-              <a:t>    </a:t>
-            </a:r>
-            <a:r>
-              <a:rPr lang="de-DE" sz="2000" dirty="0" err="1">
-                <a:solidFill>
-                  <a:srgbClr val="333333"/>
-                </a:solidFill>
-                <a:latin typeface="SFMono-Regular"/>
-              </a:rPr>
-              <a:t>arima</a:t>
-            </a:r>
-            <a:r>
-              <a:rPr lang="de-DE" sz="2000" dirty="0">
-                <a:solidFill>
-                  <a:srgbClr val="333333"/>
-                </a:solidFill>
-                <a:latin typeface="SFMono-Regular"/>
-              </a:rPr>
-              <a:t> = ARIMA(Trips),</a:t>
-            </a:r>
-          </a:p>
-          <a:p>
-            <a:pPr marL="0" indent="0">
-              <a:buFont typeface="Arial" panose="020B0604020202020204" pitchFamily="34" charset="0"/>
-              <a:buNone/>
-            </a:pPr>
-            <a:r>
-              <a:rPr lang="de-DE" sz="2000" dirty="0">
-                <a:solidFill>
-                  <a:srgbClr val="333333"/>
-                </a:solidFill>
-                <a:latin typeface="SFMono-Regular"/>
-              </a:rPr>
-              <a:t>    lm = TSLM(Trips ~ </a:t>
-            </a:r>
-            <a:r>
-              <a:rPr lang="de-DE" sz="2000" dirty="0" err="1">
-                <a:solidFill>
-                  <a:srgbClr val="333333"/>
-                </a:solidFill>
-                <a:latin typeface="SFMono-Regular"/>
-              </a:rPr>
-              <a:t>trend</a:t>
-            </a:r>
-            <a:r>
-              <a:rPr lang="de-DE" sz="2000" dirty="0">
-                <a:solidFill>
-                  <a:srgbClr val="333333"/>
-                </a:solidFill>
-                <a:latin typeface="SFMono-Regular"/>
-              </a:rPr>
-              <a:t>() + </a:t>
-            </a:r>
-            <a:r>
-              <a:rPr lang="de-DE" sz="2000" dirty="0" err="1">
-                <a:solidFill>
-                  <a:srgbClr val="333333"/>
-                </a:solidFill>
-                <a:latin typeface="SFMono-Regular"/>
-              </a:rPr>
-              <a:t>season</a:t>
-            </a:r>
-            <a:r>
-              <a:rPr lang="de-DE" sz="2000" dirty="0">
-                <a:solidFill>
-                  <a:srgbClr val="333333"/>
-                </a:solidFill>
-                <a:latin typeface="SFMono-Regular"/>
-              </a:rPr>
-              <a:t>())</a:t>
-            </a:r>
-          </a:p>
-          <a:p>
-            <a:pPr marL="0" indent="0">
-              <a:buFont typeface="Arial" panose="020B0604020202020204" pitchFamily="34" charset="0"/>
-              <a:buNone/>
-            </a:pPr>
-            <a:r>
-              <a:rPr lang="de-DE" sz="2000" dirty="0">
-                <a:solidFill>
-                  <a:srgbClr val="333333"/>
-                </a:solidFill>
-                <a:latin typeface="SFMono-Regular"/>
-              </a:rPr>
-              <a:t>  )</a:t>
-            </a:r>
-          </a:p>
-          <a:p>
-            <a:pPr marL="0" indent="0">
-              <a:buFont typeface="Arial" panose="020B0604020202020204" pitchFamily="34" charset="0"/>
-              <a:buNone/>
-            </a:pPr>
-            <a:endParaRPr lang="de-DE" sz="2000" dirty="0">
-              <a:solidFill>
-                <a:srgbClr val="333333"/>
-              </a:solidFill>
-              <a:latin typeface="SFMono-Regular"/>
-            </a:endParaRPr>
-          </a:p>
-        </p:txBody>
-      </p:sp>
-      <p:sp>
-        <p:nvSpPr>
-          <p:cNvPr id="7" name="Inhaltsplatzhalter 2">
-            <a:extLst>
-              <a:ext uri="{FF2B5EF4-FFF2-40B4-BE49-F238E27FC236}">
-                <a16:creationId xmlns:a16="http://schemas.microsoft.com/office/drawing/2014/main" id="{B71C08A0-C059-75BC-C319-EA2F45DDA59B}"/>
-              </a:ext>
-            </a:extLst>
-          </p:cNvPr>
-          <p:cNvSpPr txBox="1">
-            <a:spLocks/>
-          </p:cNvSpPr>
-          <p:nvPr/>
-        </p:nvSpPr>
-        <p:spPr>
-          <a:xfrm>
-            <a:off x="1055713" y="4278852"/>
-            <a:ext cx="7587544" cy="1662113"/>
-          </a:xfrm>
-          <a:prstGeom prst="rect">
-            <a:avLst/>
-          </a:prstGeom>
-          <a:solidFill>
-            <a:schemeClr val="bg1">
-              <a:lumMod val="95000"/>
-            </a:schemeClr>
-          </a:solidFill>
-        </p:spPr>
-        <p:txBody>
-          <a:bodyPr vert="horz" lIns="91440" tIns="45720" rIns="91440" bIns="45720" rtlCol="0">
-            <a:noAutofit/>
-          </a:bodyPr>
-          <a:lstStyle>
-            <a:lvl1pPr marL="228600" indent="-228600" algn="l" defTabSz="914400" rtl="0" eaLnBrk="1" latinLnBrk="0" hangingPunct="1">
-              <a:lnSpc>
-                <a:spcPct val="90000"/>
-              </a:lnSpc>
-              <a:spcBef>
-                <a:spcPts val="1000"/>
-              </a:spcBef>
-              <a:buFont typeface="Arial" panose="020B0604020202020204" pitchFamily="34" charset="0"/>
-              <a:buChar char="•"/>
-              <a:defRPr sz="2800" kern="1200">
-                <a:solidFill>
-                  <a:schemeClr val="tx1"/>
-                </a:solidFill>
-                <a:latin typeface="+mn-lt"/>
-                <a:ea typeface="+mn-ea"/>
-                <a:cs typeface="+mn-cs"/>
-              </a:defRPr>
-            </a:lvl1pPr>
-            <a:lvl2pPr marL="685800" indent="-228600" algn="l" defTabSz="914400" rtl="0" eaLnBrk="1" latinLnBrk="0" hangingPunct="1">
-              <a:lnSpc>
-                <a:spcPct val="90000"/>
-              </a:lnSpc>
-              <a:spcBef>
-                <a:spcPts val="500"/>
-              </a:spcBef>
-              <a:buFont typeface="Arial" panose="020B0604020202020204" pitchFamily="34" charset="0"/>
-              <a:buChar char="•"/>
-              <a:defRPr sz="2400" kern="1200">
-                <a:solidFill>
-                  <a:schemeClr val="tx1"/>
-                </a:solidFill>
-                <a:latin typeface="+mn-lt"/>
-                <a:ea typeface="+mn-ea"/>
-                <a:cs typeface="+mn-cs"/>
-              </a:defRPr>
-            </a:lvl2pPr>
-            <a:lvl3pPr marL="1143000" indent="-228600" algn="l" defTabSz="914400" rtl="0" eaLnBrk="1" latinLnBrk="0" hangingPunct="1">
-              <a:lnSpc>
-                <a:spcPct val="90000"/>
-              </a:lnSpc>
-              <a:spcBef>
-                <a:spcPts val="500"/>
-              </a:spcBef>
-              <a:buFont typeface="Arial" panose="020B0604020202020204" pitchFamily="34" charset="0"/>
-              <a:buChar char="•"/>
-              <a:defRPr sz="2000" kern="1200">
-                <a:solidFill>
-                  <a:schemeClr val="tx1"/>
-                </a:solidFill>
-                <a:latin typeface="+mn-lt"/>
-                <a:ea typeface="+mn-ea"/>
-                <a:cs typeface="+mn-cs"/>
-              </a:defRPr>
-            </a:lvl3pPr>
-            <a:lvl4pPr marL="1600200" indent="-228600" algn="l" defTabSz="914400" rtl="0" eaLnBrk="1" latinLnBrk="0" hangingPunct="1">
-              <a:lnSpc>
-                <a:spcPct val="90000"/>
-              </a:lnSpc>
-              <a:spcBef>
-                <a:spcPts val="500"/>
-              </a:spcBef>
-              <a:buFont typeface="Arial" panose="020B0604020202020204" pitchFamily="34" charset="0"/>
-              <a:buChar char="•"/>
-              <a:defRPr sz="1800" kern="1200">
-                <a:solidFill>
-                  <a:schemeClr val="tx1"/>
-                </a:solidFill>
-                <a:latin typeface="+mn-lt"/>
-                <a:ea typeface="+mn-ea"/>
-                <a:cs typeface="+mn-cs"/>
-              </a:defRPr>
-            </a:lvl4pPr>
-            <a:lvl5pPr marL="2057400" indent="-228600" algn="l" defTabSz="914400" rtl="0" eaLnBrk="1" latinLnBrk="0" hangingPunct="1">
-              <a:lnSpc>
-                <a:spcPct val="90000"/>
-              </a:lnSpc>
-              <a:spcBef>
-                <a:spcPts val="500"/>
-              </a:spcBef>
-              <a:buFont typeface="Arial" panose="020B0604020202020204" pitchFamily="34" charset="0"/>
-              <a:buChar char="•"/>
-              <a:defRPr sz="1800" kern="1200">
-                <a:solidFill>
-                  <a:schemeClr val="tx1"/>
-                </a:solidFill>
-                <a:latin typeface="+mn-lt"/>
-                <a:ea typeface="+mn-ea"/>
-                <a:cs typeface="+mn-cs"/>
-              </a:defRPr>
-            </a:lvl5pPr>
-            <a:lvl6pPr marL="2514600" indent="-228600" algn="l" defTabSz="914400" rtl="0" eaLnBrk="1" latinLnBrk="0" hangingPunct="1">
-              <a:lnSpc>
-                <a:spcPct val="90000"/>
-              </a:lnSpc>
-              <a:spcBef>
-                <a:spcPts val="500"/>
-              </a:spcBef>
-              <a:buFont typeface="Arial" panose="020B0604020202020204" pitchFamily="34" charset="0"/>
-              <a:buChar char="•"/>
-              <a:defRPr sz="1800" kern="1200">
-                <a:solidFill>
-                  <a:schemeClr val="tx1"/>
-                </a:solidFill>
-                <a:latin typeface="+mn-lt"/>
-                <a:ea typeface="+mn-ea"/>
-                <a:cs typeface="+mn-cs"/>
-              </a:defRPr>
-            </a:lvl6pPr>
-            <a:lvl7pPr marL="2971800" indent="-228600" algn="l" defTabSz="914400" rtl="0" eaLnBrk="1" latinLnBrk="0" hangingPunct="1">
-              <a:lnSpc>
-                <a:spcPct val="90000"/>
-              </a:lnSpc>
-              <a:spcBef>
-                <a:spcPts val="500"/>
-              </a:spcBef>
-              <a:buFont typeface="Arial" panose="020B0604020202020204" pitchFamily="34" charset="0"/>
-              <a:buChar char="•"/>
-              <a:defRPr sz="1800" kern="1200">
-                <a:solidFill>
-                  <a:schemeClr val="tx1"/>
-                </a:solidFill>
-                <a:latin typeface="+mn-lt"/>
-                <a:ea typeface="+mn-ea"/>
-                <a:cs typeface="+mn-cs"/>
-              </a:defRPr>
-            </a:lvl7pPr>
-            <a:lvl8pPr marL="3429000" indent="-228600" algn="l" defTabSz="914400" rtl="0" eaLnBrk="1" latinLnBrk="0" hangingPunct="1">
-              <a:lnSpc>
-                <a:spcPct val="90000"/>
-              </a:lnSpc>
-              <a:spcBef>
-                <a:spcPts val="500"/>
-              </a:spcBef>
-              <a:buFont typeface="Arial" panose="020B0604020202020204" pitchFamily="34" charset="0"/>
-              <a:buChar char="•"/>
-              <a:defRPr sz="1800" kern="1200">
-                <a:solidFill>
-                  <a:schemeClr val="tx1"/>
-                </a:solidFill>
-                <a:latin typeface="+mn-lt"/>
-                <a:ea typeface="+mn-ea"/>
-                <a:cs typeface="+mn-cs"/>
-              </a:defRPr>
-            </a:lvl8pPr>
-            <a:lvl9pPr marL="3886200" indent="-228600" algn="l" defTabSz="914400" rtl="0" eaLnBrk="1" latinLnBrk="0" hangingPunct="1">
-              <a:lnSpc>
-                <a:spcPct val="90000"/>
-              </a:lnSpc>
-              <a:spcBef>
-                <a:spcPts val="500"/>
-              </a:spcBef>
-              <a:buFont typeface="Arial" panose="020B0604020202020204" pitchFamily="34" charset="0"/>
-              <a:buChar char="•"/>
-              <a:defRPr sz="1800" kern="1200">
-                <a:solidFill>
-                  <a:schemeClr val="tx1"/>
-                </a:solidFill>
-                <a:latin typeface="+mn-lt"/>
-                <a:ea typeface="+mn-ea"/>
-                <a:cs typeface="+mn-cs"/>
-              </a:defRPr>
-            </a:lvl9pPr>
-          </a:lstStyle>
-          <a:p>
-            <a:pPr marL="0" indent="0">
-              <a:buFont typeface="Arial" panose="020B0604020202020204" pitchFamily="34" charset="0"/>
-              <a:buNone/>
-            </a:pPr>
-            <a:r>
-              <a:rPr lang="de-DE" sz="2000" dirty="0">
-                <a:solidFill>
-                  <a:schemeClr val="bg1">
-                    <a:lumMod val="50000"/>
-                  </a:schemeClr>
-                </a:solidFill>
-                <a:latin typeface="SFMono-Regular"/>
-              </a:rPr>
-              <a:t># </a:t>
-            </a:r>
-            <a:r>
-              <a:rPr lang="de-DE" sz="2000" dirty="0" err="1">
-                <a:solidFill>
-                  <a:schemeClr val="bg1">
-                    <a:lumMod val="50000"/>
-                  </a:schemeClr>
-                </a:solidFill>
-                <a:latin typeface="SFMono-Regular"/>
-              </a:rPr>
-              <a:t>plot</a:t>
-            </a:r>
-            <a:r>
-              <a:rPr lang="de-DE" sz="2000" dirty="0">
-                <a:solidFill>
-                  <a:schemeClr val="bg1">
-                    <a:lumMod val="50000"/>
-                  </a:schemeClr>
-                </a:solidFill>
-                <a:latin typeface="SFMono-Regular"/>
-              </a:rPr>
-              <a:t> </a:t>
-            </a:r>
-            <a:r>
-              <a:rPr lang="de-DE" sz="2000" dirty="0" err="1">
-                <a:solidFill>
-                  <a:schemeClr val="bg1">
-                    <a:lumMod val="50000"/>
-                  </a:schemeClr>
-                </a:solidFill>
-                <a:latin typeface="SFMono-Regular"/>
-              </a:rPr>
-              <a:t>forecast</a:t>
-            </a:r>
-            <a:endParaRPr lang="de-DE" sz="2000" dirty="0">
-              <a:solidFill>
-                <a:schemeClr val="bg1">
-                  <a:lumMod val="50000"/>
-                </a:schemeClr>
-              </a:solidFill>
-              <a:latin typeface="SFMono-Regular"/>
-            </a:endParaRPr>
-          </a:p>
-          <a:p>
-            <a:pPr marL="0" indent="0">
-              <a:buFont typeface="Arial" panose="020B0604020202020204" pitchFamily="34" charset="0"/>
-              <a:buNone/>
-            </a:pPr>
-            <a:r>
-              <a:rPr lang="de-DE" sz="2000" dirty="0">
-                <a:solidFill>
-                  <a:srgbClr val="333333"/>
-                </a:solidFill>
-                <a:latin typeface="SFMono-Regular"/>
-              </a:rPr>
-              <a:t>fit %&gt;% </a:t>
-            </a:r>
-          </a:p>
-          <a:p>
-            <a:pPr marL="0" indent="0">
-              <a:buFont typeface="Arial" panose="020B0604020202020204" pitchFamily="34" charset="0"/>
-              <a:buNone/>
-            </a:pPr>
-            <a:r>
-              <a:rPr lang="de-DE" sz="2000" dirty="0">
-                <a:solidFill>
-                  <a:srgbClr val="333333"/>
-                </a:solidFill>
-                <a:latin typeface="SFMono-Regular"/>
-              </a:rPr>
-              <a:t>  </a:t>
-            </a:r>
-            <a:r>
-              <a:rPr lang="de-DE" sz="2000" dirty="0" err="1">
-                <a:solidFill>
-                  <a:srgbClr val="333333"/>
-                </a:solidFill>
-                <a:latin typeface="SFMono-Regular"/>
-              </a:rPr>
-              <a:t>forecast</a:t>
-            </a:r>
-            <a:r>
-              <a:rPr lang="de-DE" sz="2000" dirty="0">
-                <a:solidFill>
-                  <a:srgbClr val="333333"/>
-                </a:solidFill>
-                <a:latin typeface="SFMono-Regular"/>
-              </a:rPr>
-              <a:t>(h = "2 </a:t>
-            </a:r>
-            <a:r>
-              <a:rPr lang="de-DE" sz="2000" dirty="0" err="1">
-                <a:solidFill>
-                  <a:srgbClr val="333333"/>
-                </a:solidFill>
-                <a:latin typeface="SFMono-Regular"/>
-              </a:rPr>
-              <a:t>years</a:t>
-            </a:r>
-            <a:r>
-              <a:rPr lang="de-DE" sz="2000" dirty="0">
-                <a:solidFill>
-                  <a:srgbClr val="333333"/>
-                </a:solidFill>
-                <a:latin typeface="SFMono-Regular"/>
-              </a:rPr>
-              <a:t>") %&gt;% </a:t>
-            </a:r>
-          </a:p>
-          <a:p>
-            <a:pPr marL="0" indent="0">
-              <a:buFont typeface="Arial" panose="020B0604020202020204" pitchFamily="34" charset="0"/>
-              <a:buNone/>
-            </a:pPr>
-            <a:r>
-              <a:rPr lang="de-DE" sz="2000" dirty="0">
-                <a:solidFill>
-                  <a:srgbClr val="333333"/>
-                </a:solidFill>
-                <a:latin typeface="SFMono-Regular"/>
-              </a:rPr>
-              <a:t>  </a:t>
-            </a:r>
-            <a:r>
-              <a:rPr lang="de-DE" sz="2000" dirty="0" err="1">
-                <a:solidFill>
-                  <a:srgbClr val="333333"/>
-                </a:solidFill>
-                <a:latin typeface="SFMono-Regular"/>
-              </a:rPr>
-              <a:t>autoplot</a:t>
-            </a:r>
-            <a:r>
-              <a:rPr lang="de-DE" sz="2000" dirty="0">
-                <a:solidFill>
-                  <a:srgbClr val="333333"/>
-                </a:solidFill>
-                <a:latin typeface="SFMono-Regular"/>
-              </a:rPr>
-              <a:t>(</a:t>
-            </a:r>
-            <a:r>
-              <a:rPr lang="de-DE" sz="2000" dirty="0" err="1">
-                <a:solidFill>
-                  <a:srgbClr val="333333"/>
-                </a:solidFill>
-                <a:latin typeface="SFMono-Regular"/>
-              </a:rPr>
-              <a:t>tourism_t_trips</a:t>
-            </a:r>
-            <a:r>
-              <a:rPr lang="de-DE" sz="2000" dirty="0">
-                <a:solidFill>
-                  <a:srgbClr val="333333"/>
-                </a:solidFill>
-                <a:latin typeface="SFMono-Regular"/>
-              </a:rPr>
-              <a:t>, </a:t>
-            </a:r>
-            <a:r>
-              <a:rPr lang="de-DE" sz="2000" dirty="0" err="1">
-                <a:solidFill>
-                  <a:srgbClr val="333333"/>
-                </a:solidFill>
-                <a:latin typeface="SFMono-Regular"/>
-              </a:rPr>
-              <a:t>level</a:t>
-            </a:r>
-            <a:r>
-              <a:rPr lang="de-DE" sz="2000" dirty="0">
-                <a:solidFill>
-                  <a:srgbClr val="333333"/>
-                </a:solidFill>
-                <a:latin typeface="SFMono-Regular"/>
-              </a:rPr>
-              <a:t> = 80, </a:t>
-            </a:r>
-            <a:r>
-              <a:rPr lang="de-DE" sz="2000" dirty="0" err="1">
-                <a:solidFill>
-                  <a:srgbClr val="333333"/>
-                </a:solidFill>
-                <a:latin typeface="SFMono-Regular"/>
-              </a:rPr>
-              <a:t>alpha</a:t>
-            </a:r>
-            <a:r>
-              <a:rPr lang="de-DE" sz="2000" dirty="0">
-                <a:solidFill>
-                  <a:srgbClr val="333333"/>
-                </a:solidFill>
-                <a:latin typeface="SFMono-Regular"/>
-              </a:rPr>
-              <a:t> = 0.5)</a:t>
-            </a:r>
-          </a:p>
-        </p:txBody>
-      </p:sp>
-    </p:spTree>
-    <p:extLst>
-      <p:ext uri="{BB962C8B-B14F-4D97-AF65-F5344CB8AC3E}">
-        <p14:creationId xmlns:p14="http://schemas.microsoft.com/office/powerpoint/2010/main" val="3654422286"/>
-      </p:ext>
-    </p:extLst>
-  </p:cSld>
-  <p:clrMapOvr>
-    <a:masterClrMapping/>
-  </p:clrMapOvr>
-</p:sld>
-</file>
-
-<file path=ppt/slides/slide9.xml><?xml version="1.0" encoding="utf-8"?>
-<p:sld xmlns:a="http://schemas.openxmlformats.org/drawingml/2006/main" xmlns:r="http://schemas.openxmlformats.org/officeDocument/2006/relationships" xmlns:p="http://schemas.openxmlformats.org/presentationml/2006/main">
-  <p:cSld>
-    <p:bg>
-      <p:bgPr>
-        <a:solidFill>
-          <a:schemeClr val="bg1"/>
-        </a:solidFill>
-        <a:effectLst/>
-      </p:bgPr>
-    </p:bg>
-    <p:spTree>
-      <p:nvGrpSpPr>
-        <p:cNvPr id="1" name=""/>
-        <p:cNvGrpSpPr/>
-        <p:nvPr/>
-      </p:nvGrpSpPr>
-      <p:grpSpPr>
-        <a:xfrm>
-          <a:off x="0" y="0"/>
-          <a:ext cx="0" cy="0"/>
-          <a:chOff x="0" y="0"/>
-          <a:chExt cx="0" cy="0"/>
-        </a:xfrm>
-      </p:grpSpPr>
-      <p:sp useBgFill="1">
-        <p:nvSpPr>
-          <p:cNvPr id="15" name="Rectangle 14">
-            <a:extLst>
-              <a:ext uri="{FF2B5EF4-FFF2-40B4-BE49-F238E27FC236}">
-                <a16:creationId xmlns:a16="http://schemas.microsoft.com/office/drawing/2014/main" id="{149FB5C3-7336-4FE0-A30C-CC0A3646D499}"/>
-              </a:ext>
-              <a:ext uri="{C183D7F6-B498-43B3-948B-1728B52AA6E4}">
-                <adec:decorative xmlns:adec="http://schemas.microsoft.com/office/drawing/2017/decorative" val="1"/>
-              </a:ext>
-            </a:extLst>
-          </p:cNvPr>
-          <p:cNvSpPr>
-            <a:spLocks noGrp="1" noRot="1" noChangeAspect="1" noMove="1" noResize="1" noEditPoints="1" noAdjustHandles="1" noChangeArrowheads="1" noChangeShapeType="1" noTextEdit="1"/>
-          </p:cNvSpPr>
-          <p:nvPr>
-            <p:extLst>
-              <p:ext uri="{386F3935-93C4-4BCD-93E2-E3B085C9AB24}">
-                <p16:designElem xmlns:p16="http://schemas.microsoft.com/office/powerpoint/2015/main" val="1"/>
-              </p:ext>
-            </p:extLst>
-          </p:nvPr>
-        </p:nvSpPr>
-        <p:spPr>
-          <a:xfrm>
-            <a:off x="0" y="0"/>
-            <a:ext cx="12191999" cy="6857365"/>
-          </a:xfrm>
-          <a:prstGeom prst="rect">
-            <a:avLst/>
-          </a:prstGeom>
-          <a:ln>
-            <a:noFill/>
-          </a:ln>
-        </p:spPr>
-        <p:style>
-          <a:lnRef idx="2">
-            <a:schemeClr val="accent1">
-              <a:shade val="50000"/>
-            </a:schemeClr>
-          </a:lnRef>
-          <a:fillRef idx="1">
-            <a:schemeClr val="accent1"/>
-          </a:fillRef>
-          <a:effectRef idx="0">
-            <a:schemeClr val="accent1"/>
-          </a:effectRef>
-          <a:fontRef idx="minor">
-            <a:schemeClr val="lt1"/>
-          </a:fontRef>
-        </p:style>
-        <p:txBody>
-          <a:bodyPr rtlCol="0" anchor="ctr"/>
-          <a:lstStyle/>
-          <a:p>
-            <a:pPr algn="ctr"/>
-            <a:endParaRPr lang="en-US"/>
-          </a:p>
-        </p:txBody>
-      </p:sp>
-      <p:grpSp>
-        <p:nvGrpSpPr>
-          <p:cNvPr id="17" name="Group 16">
-            <a:extLst>
-              <a:ext uri="{FF2B5EF4-FFF2-40B4-BE49-F238E27FC236}">
-                <a16:creationId xmlns:a16="http://schemas.microsoft.com/office/drawing/2014/main" id="{19A6B5CE-CB1D-48EE-8B43-E952235C8371}"/>
-              </a:ext>
-              <a:ext uri="{C183D7F6-B498-43B3-948B-1728B52AA6E4}">
-                <adec:decorative xmlns:adec="http://schemas.microsoft.com/office/drawing/2017/decorative" val="1"/>
-              </a:ext>
-            </a:extLst>
-          </p:cNvPr>
-          <p:cNvGrpSpPr>
-            <a:grpSpLocks noGrp="1" noUngrp="1" noRot="1" noChangeAspect="1" noMove="1" noResize="1"/>
-          </p:cNvGrpSpPr>
-          <p:nvPr>
-            <p:extLst>
-              <p:ext uri="{386F3935-93C4-4BCD-93E2-E3B085C9AB24}">
-                <p16:designElem xmlns:p16="http://schemas.microsoft.com/office/powerpoint/2015/main" val="1"/>
-              </p:ext>
-            </p:extLst>
-          </p:nvPr>
-        </p:nvGrpSpPr>
-        <p:grpSpPr>
-          <a:xfrm rot="5400000">
-            <a:off x="-2340441" y="2666183"/>
-            <a:ext cx="5860051" cy="527712"/>
-            <a:chOff x="6081624" y="1998368"/>
-            <a:chExt cx="5613457" cy="782175"/>
-          </a:xfrm>
-          <a:solidFill>
-            <a:schemeClr val="accent4"/>
-          </a:solidFill>
-        </p:grpSpPr>
-        <p:sp>
-          <p:nvSpPr>
-            <p:cNvPr id="18" name="Rectangle 17">
-              <a:extLst>
-                <a:ext uri="{FF2B5EF4-FFF2-40B4-BE49-F238E27FC236}">
-                  <a16:creationId xmlns:a16="http://schemas.microsoft.com/office/drawing/2014/main" id="{E3F3EAA5-4E15-400B-BBA3-82B3F49A2178}"/>
-                </a:ext>
-                <a:ext uri="{C183D7F6-B498-43B3-948B-1728B52AA6E4}">
-                  <adec:decorative xmlns:adec="http://schemas.microsoft.com/office/drawing/2017/decorative" val="1"/>
-                </a:ext>
-              </a:extLst>
-            </p:cNvPr>
-            <p:cNvSpPr/>
-            <p:nvPr>
-              <p:extLst>
-                <p:ext uri="{386F3935-93C4-4BCD-93E2-E3B085C9AB24}">
-                  <p16:designElem xmlns:p16="http://schemas.microsoft.com/office/powerpoint/2015/main" val="1"/>
-                </p:ext>
-              </p:extLst>
-            </p:nvPr>
-          </p:nvSpPr>
-          <p:spPr>
-            <a:xfrm rot="5400000">
-              <a:off x="11228040" y="2313027"/>
-              <a:ext cx="781700" cy="152382"/>
-            </a:xfrm>
-            <a:prstGeom prst="rect">
-              <a:avLst/>
-            </a:prstGeom>
-            <a:grpFill/>
-            <a:ln>
-              <a:noFill/>
-            </a:ln>
-          </p:spPr>
-          <p:style>
-            <a:lnRef idx="2">
-              <a:schemeClr val="accent1">
-                <a:shade val="50000"/>
-              </a:schemeClr>
-            </a:lnRef>
-            <a:fillRef idx="1">
-              <a:schemeClr val="accent1"/>
-            </a:fillRef>
-            <a:effectRef idx="0">
-              <a:schemeClr val="accent1"/>
-            </a:effectRef>
-            <a:fontRef idx="minor">
-              <a:schemeClr val="lt1"/>
-            </a:fontRef>
-          </p:style>
-          <p:txBody>
-            <a:bodyPr rtlCol="0" anchor="ctr"/>
-            <a:lstStyle/>
-            <a:p>
-              <a:pPr algn="ctr"/>
-              <a:endParaRPr lang="en-US"/>
-            </a:p>
-          </p:txBody>
-        </p:sp>
-        <p:sp>
-          <p:nvSpPr>
-            <p:cNvPr id="19" name="Rectangle 18">
-              <a:extLst>
-                <a:ext uri="{FF2B5EF4-FFF2-40B4-BE49-F238E27FC236}">
-                  <a16:creationId xmlns:a16="http://schemas.microsoft.com/office/drawing/2014/main" id="{72BA2E40-BE9B-4C54-9CDD-40EE804CCE64}"/>
-                </a:ext>
-                <a:ext uri="{C183D7F6-B498-43B3-948B-1728B52AA6E4}">
-                  <adec:decorative xmlns:adec="http://schemas.microsoft.com/office/drawing/2017/decorative" val="1"/>
-                </a:ext>
-              </a:extLst>
-            </p:cNvPr>
-            <p:cNvSpPr/>
-            <p:nvPr>
-              <p:extLst>
-                <p:ext uri="{386F3935-93C4-4BCD-93E2-E3B085C9AB24}">
-                  <p16:designElem xmlns:p16="http://schemas.microsoft.com/office/powerpoint/2015/main" val="1"/>
-                </p:ext>
-              </p:extLst>
-            </p:nvPr>
-          </p:nvSpPr>
-          <p:spPr>
-            <a:xfrm flipH="1" flipV="1">
-              <a:off x="6081624" y="1998844"/>
-              <a:ext cx="5372968" cy="781699"/>
-            </a:xfrm>
-            <a:prstGeom prst="rect">
-              <a:avLst/>
-            </a:prstGeom>
-            <a:grpFill/>
-            <a:ln>
-              <a:noFill/>
-            </a:ln>
-          </p:spPr>
-          <p:style>
-            <a:lnRef idx="2">
-              <a:schemeClr val="accent1">
-                <a:shade val="50000"/>
-              </a:schemeClr>
-            </a:lnRef>
-            <a:fillRef idx="1">
-              <a:schemeClr val="accent1"/>
-            </a:fillRef>
-            <a:effectRef idx="0">
-              <a:schemeClr val="accent1"/>
-            </a:effectRef>
-            <a:fontRef idx="minor">
-              <a:schemeClr val="lt1"/>
-            </a:fontRef>
-          </p:style>
-          <p:txBody>
-            <a:bodyPr rtlCol="0" anchor="ctr"/>
-            <a:lstStyle/>
-            <a:p>
-              <a:pPr algn="ctr"/>
-              <a:endParaRPr lang="en-US"/>
-            </a:p>
-          </p:txBody>
-        </p:sp>
-      </p:grpSp>
-      <p:sp>
-        <p:nvSpPr>
-          <p:cNvPr id="21" name="Rectangle 20">
-            <a:extLst>
-              <a:ext uri="{FF2B5EF4-FFF2-40B4-BE49-F238E27FC236}">
-                <a16:creationId xmlns:a16="http://schemas.microsoft.com/office/drawing/2014/main" id="{0DA909B4-15FF-46A6-8A7F-7AEF977FE9ED}"/>
-              </a:ext>
-              <a:ext uri="{C183D7F6-B498-43B3-948B-1728B52AA6E4}">
-                <adec:decorative xmlns:adec="http://schemas.microsoft.com/office/drawing/2017/decorative" val="1"/>
-              </a:ext>
-            </a:extLst>
-          </p:cNvPr>
-          <p:cNvSpPr>
-            <a:spLocks noGrp="1" noRot="1" noChangeAspect="1" noMove="1" noResize="1" noEditPoints="1" noAdjustHandles="1" noChangeArrowheads="1" noChangeShapeType="1" noTextEdit="1"/>
-          </p:cNvSpPr>
-          <p:nvPr>
-            <p:extLst>
-              <p:ext uri="{386F3935-93C4-4BCD-93E2-E3B085C9AB24}">
-                <p16:designElem xmlns:p16="http://schemas.microsoft.com/office/powerpoint/2015/main" val="1"/>
-              </p:ext>
-            </p:extLst>
-          </p:nvPr>
-        </p:nvSpPr>
-        <p:spPr>
-          <a:xfrm>
-            <a:off x="579528" y="517897"/>
-            <a:ext cx="11111729" cy="5857966"/>
-          </a:xfrm>
-          <a:prstGeom prst="rect">
-            <a:avLst/>
-          </a:prstGeom>
-          <a:solidFill>
-            <a:schemeClr val="bg1"/>
-          </a:solidFill>
-          <a:ln>
-            <a:noFill/>
-          </a:ln>
-          <a:effectLst>
-            <a:outerShdw blurRad="139700" dist="127000" dir="5400000" algn="t" rotWithShape="0">
-              <a:prstClr val="black">
-                <a:alpha val="15000"/>
-              </a:prstClr>
-            </a:outerShdw>
-          </a:effectLst>
-        </p:spPr>
-        <p:style>
-          <a:lnRef idx="2">
-            <a:schemeClr val="accent1">
-              <a:shade val="50000"/>
-            </a:schemeClr>
-          </a:lnRef>
-          <a:fillRef idx="1">
-            <a:schemeClr val="accent1"/>
-          </a:fillRef>
-          <a:effectRef idx="0">
-            <a:schemeClr val="accent1"/>
-          </a:effectRef>
-          <a:fontRef idx="minor">
-            <a:schemeClr val="lt1"/>
-          </a:fontRef>
-        </p:style>
-        <p:txBody>
-          <a:bodyPr rtlCol="0" anchor="ctr"/>
-          <a:lstStyle/>
-          <a:p>
-            <a:pPr algn="ctr"/>
-            <a:endParaRPr lang="en-US"/>
-          </a:p>
-        </p:txBody>
-      </p:sp>
-      <p:sp>
-        <p:nvSpPr>
-          <p:cNvPr id="2" name="Titel 1">
-            <a:extLst>
-              <a:ext uri="{FF2B5EF4-FFF2-40B4-BE49-F238E27FC236}">
-                <a16:creationId xmlns:a16="http://schemas.microsoft.com/office/drawing/2014/main" id="{F6655BA3-676A-D955-E13C-5A2890900397}"/>
-              </a:ext>
-            </a:extLst>
-          </p:cNvPr>
-          <p:cNvSpPr>
-            <a:spLocks noGrp="1"/>
-          </p:cNvSpPr>
-          <p:nvPr>
-            <p:ph type="title"/>
-          </p:nvPr>
-        </p:nvSpPr>
-        <p:spPr>
-          <a:xfrm>
-            <a:off x="1055713" y="663695"/>
-            <a:ext cx="7845156" cy="1169585"/>
-          </a:xfrm>
-        </p:spPr>
-        <p:txBody>
-          <a:bodyPr anchor="t">
-            <a:normAutofit/>
-          </a:bodyPr>
-          <a:lstStyle/>
-          <a:p>
-            <a:r>
-              <a:rPr lang="en-GB" sz="4000" dirty="0"/>
-              <a:t>Producing forecasts</a:t>
-            </a:r>
-            <a:endParaRPr lang="en-GB" sz="3700" dirty="0"/>
-          </a:p>
-        </p:txBody>
-      </p:sp>
-      <p:sp>
-        <p:nvSpPr>
-          <p:cNvPr id="23" name="Rectangle 22">
-            <a:extLst>
-              <a:ext uri="{FF2B5EF4-FFF2-40B4-BE49-F238E27FC236}">
-                <a16:creationId xmlns:a16="http://schemas.microsoft.com/office/drawing/2014/main" id="{1382A32C-5B0C-4B1C-A074-76C6DBCC9F87}"/>
-              </a:ext>
-              <a:ext uri="{C183D7F6-B498-43B3-948B-1728B52AA6E4}">
-                <adec:decorative xmlns:adec="http://schemas.microsoft.com/office/drawing/2017/decorative" val="1"/>
-              </a:ext>
-            </a:extLst>
-          </p:cNvPr>
-          <p:cNvSpPr>
-            <a:spLocks noGrp="1" noRot="1" noChangeAspect="1" noMove="1" noResize="1" noEditPoints="1" noAdjustHandles="1" noChangeArrowheads="1" noChangeShapeType="1" noTextEdit="1"/>
-          </p:cNvSpPr>
-          <p:nvPr>
-            <p:extLst>
-              <p:ext uri="{386F3935-93C4-4BCD-93E2-E3B085C9AB24}">
-                <p16:designElem xmlns:p16="http://schemas.microsoft.com/office/powerpoint/2015/main" val="1"/>
-              </p:ext>
-            </p:extLst>
-          </p:nvPr>
-        </p:nvSpPr>
-        <p:spPr>
-          <a:xfrm flipH="1">
-            <a:off x="1055714" y="2263365"/>
-            <a:ext cx="4937760" cy="27432"/>
-          </a:xfrm>
-          <a:prstGeom prst="rect">
-            <a:avLst/>
-          </a:prstGeom>
-          <a:solidFill>
-            <a:schemeClr val="accent4"/>
-          </a:solidFill>
-          <a:ln>
-            <a:noFill/>
-          </a:ln>
-        </p:spPr>
-        <p:style>
-          <a:lnRef idx="2">
-            <a:schemeClr val="accent1">
-              <a:shade val="50000"/>
-            </a:schemeClr>
-          </a:lnRef>
-          <a:fillRef idx="1">
-            <a:schemeClr val="accent1"/>
-          </a:fillRef>
-          <a:effectRef idx="0">
-            <a:schemeClr val="accent1"/>
-          </a:effectRef>
-          <a:fontRef idx="minor">
-            <a:schemeClr val="lt1"/>
-          </a:fontRef>
-        </p:style>
-        <p:txBody>
-          <a:bodyPr rtlCol="0" anchor="ctr"/>
-          <a:lstStyle/>
-          <a:p>
-            <a:pPr algn="ctr"/>
-            <a:endParaRPr lang="en-US"/>
-          </a:p>
-        </p:txBody>
-      </p:sp>
-      <p:pic>
-        <p:nvPicPr>
-          <p:cNvPr id="3" name="Kamera 2">
-            <a:extLst>
-              <a:ext uri="{FF2B5EF4-FFF2-40B4-BE49-F238E27FC236}">
-                <a16:creationId xmlns:a16="http://schemas.microsoft.com/office/drawing/2014/main" id="{18C3FFBC-239F-FC30-2E9D-D5022F0510C7}"/>
-              </a:ext>
-            </a:extLst>
-          </p:cNvPr>
-          <p:cNvPicPr>
-            <a:picLocks noChangeAspect="1"/>
-            <a:extLst>
-              <a:ext uri="{51228E76-BA90-4043-B771-695A4F85340A}">
-                <alf:liveFeedProps xmlns:alf="http://schemas.microsoft.com/office/drawing/2021/livefeed"/>
-              </a:ext>
-            </a:extLst>
-          </p:cNvPicPr>
-          <p:nvPr/>
-        </p:nvPicPr>
-        <p:blipFill>
-          <a:blip r:embed="rId3">
-            <a:extLst>
-              <a:ext uri="{96DAC541-7B7A-43D3-8B79-37D633B846F1}">
-                <asvg:svgBlip xmlns:asvg="http://schemas.microsoft.com/office/drawing/2016/SVG/main" r:embed="rId4"/>
-              </a:ext>
-            </a:extLst>
-          </a:blip>
-          <a:stretch>
-            <a:fillRect/>
-          </a:stretch>
-        </p:blipFill>
-        <p:spPr>
-          <a:xfrm>
-            <a:off x="8961406" y="178904"/>
-            <a:ext cx="3048000" cy="1714500"/>
-          </a:xfrm>
-          <a:prstGeom prst="rect">
-            <a:avLst/>
-          </a:prstGeom>
-        </p:spPr>
-      </p:pic>
-      <p:pic>
-        <p:nvPicPr>
-          <p:cNvPr id="9" name="Grafik 8">
-            <a:extLst>
-              <a:ext uri="{FF2B5EF4-FFF2-40B4-BE49-F238E27FC236}">
-                <a16:creationId xmlns:a16="http://schemas.microsoft.com/office/drawing/2014/main" id="{DFDD73D7-0D69-3912-A047-8210EBCF9557}"/>
-              </a:ext>
-            </a:extLst>
-          </p:cNvPr>
-          <p:cNvPicPr>
-            <a:picLocks noChangeAspect="1"/>
-          </p:cNvPicPr>
-          <p:nvPr/>
-        </p:nvPicPr>
-        <p:blipFill>
-          <a:blip r:embed="rId5"/>
-          <a:stretch>
-            <a:fillRect/>
-          </a:stretch>
-        </p:blipFill>
-        <p:spPr>
-          <a:xfrm>
-            <a:off x="783770" y="1391008"/>
-            <a:ext cx="7772400" cy="4803297"/>
-          </a:xfrm>
-          <a:prstGeom prst="rect">
-            <a:avLst/>
-          </a:prstGeom>
-        </p:spPr>
-      </p:pic>
-    </p:spTree>
-    <p:extLst>
-      <p:ext uri="{BB962C8B-B14F-4D97-AF65-F5344CB8AC3E}">
-        <p14:creationId xmlns:p14="http://schemas.microsoft.com/office/powerpoint/2010/main" val="1488493014"/>
       </p:ext>
     </p:extLst>
   </p:cSld>

--- a/tsibble and fable.pptx
+++ b/tsibble and fable.pptx
@@ -5,7 +5,7 @@
     <p:sldMasterId id="2147483648" r:id="rId1"/>
   </p:sldMasterIdLst>
   <p:notesMasterIdLst>
-    <p:notesMasterId r:id="rId15"/>
+    <p:notesMasterId r:id="rId18"/>
   </p:notesMasterIdLst>
   <p:sldIdLst>
     <p:sldId id="256" r:id="rId2"/>
@@ -14,13 +14,16 @@
     <p:sldId id="267" r:id="rId5"/>
     <p:sldId id="276" r:id="rId6"/>
     <p:sldId id="269" r:id="rId7"/>
-    <p:sldId id="272" r:id="rId8"/>
-    <p:sldId id="263" r:id="rId9"/>
-    <p:sldId id="270" r:id="rId10"/>
-    <p:sldId id="271" r:id="rId11"/>
-    <p:sldId id="274" r:id="rId12"/>
-    <p:sldId id="262" r:id="rId13"/>
-    <p:sldId id="273" r:id="rId14"/>
+    <p:sldId id="281" r:id="rId8"/>
+    <p:sldId id="282" r:id="rId9"/>
+    <p:sldId id="263" r:id="rId10"/>
+    <p:sldId id="279" r:id="rId11"/>
+    <p:sldId id="280" r:id="rId12"/>
+    <p:sldId id="270" r:id="rId13"/>
+    <p:sldId id="271" r:id="rId14"/>
+    <p:sldId id="274" r:id="rId15"/>
+    <p:sldId id="262" r:id="rId16"/>
+    <p:sldId id="273" r:id="rId17"/>
   </p:sldIdLst>
   <p:sldSz cx="12192000" cy="6858000"/>
   <p:notesSz cx="6858000" cy="9144000"/>
@@ -605,16 +608,7 @@
           <a:bodyPr/>
           <a:lstStyle/>
           <a:p>
-            <a:r>
-              <a:rPr lang="en-GB" dirty="0"/>
-              <a:t>.</a:t>
-            </a:r>
-          </a:p>
-          <a:p>
-            <a:endParaRPr lang="en-GB" dirty="0"/>
-          </a:p>
-          <a:p>
-            <a:endParaRPr lang="en-GB" dirty="0"/>
+            <a:endParaRPr lang="en-GB" noProof="0" dirty="0"/>
           </a:p>
         </p:txBody>
       </p:sp>
@@ -636,6 +630,353 @@
             <a:fld id="{809EEC96-AFE4-AB4C-9F77-BF8C435C8FB7}" type="slidenum">
               <a:rPr lang="en-GB" smtClean="0"/>
               <a:t>11</a:t>
+            </a:fld>
+            <a:endParaRPr lang="en-GB"/>
+          </a:p>
+        </p:txBody>
+      </p:sp>
+    </p:spTree>
+    <p:extLst>
+      <p:ext uri="{BB962C8B-B14F-4D97-AF65-F5344CB8AC3E}">
+        <p14:creationId xmlns:p14="http://schemas.microsoft.com/office/powerpoint/2010/main" val="2230137575"/>
+      </p:ext>
+    </p:extLst>
+  </p:cSld>
+  <p:clrMapOvr>
+    <a:masterClrMapping/>
+  </p:clrMapOvr>
+</p:notes>
+</file>
+
+<file path=ppt/notesSlides/notesSlide11.xml><?xml version="1.0" encoding="utf-8"?>
+<p:notes xmlns:a="http://schemas.openxmlformats.org/drawingml/2006/main" xmlns:r="http://schemas.openxmlformats.org/officeDocument/2006/relationships" xmlns:p="http://schemas.openxmlformats.org/presentationml/2006/main">
+  <p:cSld>
+    <p:spTree>
+      <p:nvGrpSpPr>
+        <p:cNvPr id="1" name=""/>
+        <p:cNvGrpSpPr/>
+        <p:nvPr/>
+      </p:nvGrpSpPr>
+      <p:grpSpPr>
+        <a:xfrm>
+          <a:off x="0" y="0"/>
+          <a:ext cx="0" cy="0"/>
+          <a:chOff x="0" y="0"/>
+          <a:chExt cx="0" cy="0"/>
+        </a:xfrm>
+      </p:grpSpPr>
+      <p:sp>
+        <p:nvSpPr>
+          <p:cNvPr id="2" name="Folienbildplatzhalter 1"/>
+          <p:cNvSpPr>
+            <a:spLocks noGrp="1" noRot="1" noChangeAspect="1"/>
+          </p:cNvSpPr>
+          <p:nvPr>
+            <p:ph type="sldImg"/>
+          </p:nvPr>
+        </p:nvSpPr>
+        <p:spPr/>
+      </p:sp>
+      <p:sp>
+        <p:nvSpPr>
+          <p:cNvPr id="3" name="Notizenplatzhalter 2"/>
+          <p:cNvSpPr>
+            <a:spLocks noGrp="1"/>
+          </p:cNvSpPr>
+          <p:nvPr>
+            <p:ph type="body" idx="1"/>
+          </p:nvPr>
+        </p:nvSpPr>
+        <p:spPr/>
+        <p:txBody>
+          <a:bodyPr/>
+          <a:lstStyle/>
+          <a:p>
+            <a:r>
+              <a:rPr lang="en-GB" sz="2000" dirty="0"/>
+              <a:t>Models in fable are specified using model </a:t>
+            </a:r>
+            <a:r>
+              <a:rPr lang="en-GB" sz="2000" b="1" dirty="0"/>
+              <a:t>functions</a:t>
+            </a:r>
+          </a:p>
+          <a:p>
+            <a:pPr marL="457200" lvl="1" indent="0">
+              <a:buNone/>
+            </a:pPr>
+            <a:r>
+              <a:rPr lang="en-GB" sz="2000" dirty="0"/>
+              <a:t>(y  </a:t>
+            </a:r>
+            <a:r>
+              <a:rPr lang="en-GB" sz="2000" dirty="0">
+                <a:effectLst/>
+              </a:rPr>
+              <a:t>~ </a:t>
+            </a:r>
+            <a:r>
+              <a:rPr lang="en-GB" sz="2000" dirty="0"/>
+              <a:t> X) </a:t>
+            </a:r>
+          </a:p>
+          <a:p>
+            <a:pPr marL="228600" lvl="1">
+              <a:spcBef>
+                <a:spcPts val="1000"/>
+              </a:spcBef>
+            </a:pPr>
+            <a:r>
+              <a:rPr lang="en-GB" sz="2000" dirty="0"/>
+              <a:t>Response variable(s) are specified </a:t>
+            </a:r>
+            <a:r>
+              <a:rPr lang="en-GB" sz="2000" b="1" dirty="0"/>
+              <a:t>on the left</a:t>
+            </a:r>
+            <a:r>
+              <a:rPr lang="en-GB" sz="2000" dirty="0"/>
+              <a:t> of the formula</a:t>
+            </a:r>
+          </a:p>
+          <a:p>
+            <a:pPr marL="228600" lvl="1">
+              <a:spcBef>
+                <a:spcPts val="1000"/>
+              </a:spcBef>
+            </a:pPr>
+            <a:r>
+              <a:rPr lang="en-GB" sz="2000" dirty="0"/>
+              <a:t>Structure of the model is written </a:t>
+            </a:r>
+            <a:r>
+              <a:rPr lang="en-GB" sz="2000" b="1" dirty="0"/>
+              <a:t>on the right</a:t>
+            </a:r>
+          </a:p>
+          <a:p>
+            <a:pPr marL="685800" lvl="2">
+              <a:spcBef>
+                <a:spcPts val="1000"/>
+              </a:spcBef>
+            </a:pPr>
+            <a:r>
+              <a:rPr lang="en-GB" dirty="0"/>
+              <a:t>One or more model specifications can be estimated using the model() function.</a:t>
+            </a:r>
+          </a:p>
+          <a:p>
+            <a:endParaRPr lang="en-GB" dirty="0"/>
+          </a:p>
+          <a:p>
+            <a:endParaRPr lang="en-GB" dirty="0"/>
+          </a:p>
+        </p:txBody>
+      </p:sp>
+      <p:sp>
+        <p:nvSpPr>
+          <p:cNvPr id="4" name="Foliennummernplatzhalter 3"/>
+          <p:cNvSpPr>
+            <a:spLocks noGrp="1"/>
+          </p:cNvSpPr>
+          <p:nvPr>
+            <p:ph type="sldNum" sz="quarter" idx="5"/>
+          </p:nvPr>
+        </p:nvSpPr>
+        <p:spPr/>
+        <p:txBody>
+          <a:bodyPr/>
+          <a:lstStyle/>
+          <a:p>
+            <a:fld id="{809EEC96-AFE4-AB4C-9F77-BF8C435C8FB7}" type="slidenum">
+              <a:rPr lang="en-GB" smtClean="0"/>
+              <a:t>12</a:t>
+            </a:fld>
+            <a:endParaRPr lang="en-GB"/>
+          </a:p>
+        </p:txBody>
+      </p:sp>
+    </p:spTree>
+    <p:extLst>
+      <p:ext uri="{BB962C8B-B14F-4D97-AF65-F5344CB8AC3E}">
+        <p14:creationId xmlns:p14="http://schemas.microsoft.com/office/powerpoint/2010/main" val="2310774744"/>
+      </p:ext>
+    </p:extLst>
+  </p:cSld>
+  <p:clrMapOvr>
+    <a:masterClrMapping/>
+  </p:clrMapOvr>
+</p:notes>
+</file>
+
+<file path=ppt/notesSlides/notesSlide12.xml><?xml version="1.0" encoding="utf-8"?>
+<p:notes xmlns:a="http://schemas.openxmlformats.org/drawingml/2006/main" xmlns:r="http://schemas.openxmlformats.org/officeDocument/2006/relationships" xmlns:p="http://schemas.openxmlformats.org/presentationml/2006/main">
+  <p:cSld>
+    <p:spTree>
+      <p:nvGrpSpPr>
+        <p:cNvPr id="1" name=""/>
+        <p:cNvGrpSpPr/>
+        <p:nvPr/>
+      </p:nvGrpSpPr>
+      <p:grpSpPr>
+        <a:xfrm>
+          <a:off x="0" y="0"/>
+          <a:ext cx="0" cy="0"/>
+          <a:chOff x="0" y="0"/>
+          <a:chExt cx="0" cy="0"/>
+        </a:xfrm>
+      </p:grpSpPr>
+      <p:sp>
+        <p:nvSpPr>
+          <p:cNvPr id="2" name="Folienbildplatzhalter 1"/>
+          <p:cNvSpPr>
+            <a:spLocks noGrp="1" noRot="1" noChangeAspect="1"/>
+          </p:cNvSpPr>
+          <p:nvPr>
+            <p:ph type="sldImg"/>
+          </p:nvPr>
+        </p:nvSpPr>
+        <p:spPr/>
+      </p:sp>
+      <p:sp>
+        <p:nvSpPr>
+          <p:cNvPr id="3" name="Notizenplatzhalter 2"/>
+          <p:cNvSpPr>
+            <a:spLocks noGrp="1"/>
+          </p:cNvSpPr>
+          <p:nvPr>
+            <p:ph type="body" idx="1"/>
+          </p:nvPr>
+        </p:nvSpPr>
+        <p:spPr/>
+        <p:txBody>
+          <a:bodyPr/>
+          <a:lstStyle/>
+          <a:p>
+            <a:r>
+              <a:rPr lang="en-GB" dirty="0"/>
+              <a:t>.</a:t>
+            </a:r>
+          </a:p>
+          <a:p>
+            <a:endParaRPr lang="en-GB" dirty="0"/>
+          </a:p>
+          <a:p>
+            <a:endParaRPr lang="en-GB" dirty="0"/>
+          </a:p>
+        </p:txBody>
+      </p:sp>
+      <p:sp>
+        <p:nvSpPr>
+          <p:cNvPr id="4" name="Foliennummernplatzhalter 3"/>
+          <p:cNvSpPr>
+            <a:spLocks noGrp="1"/>
+          </p:cNvSpPr>
+          <p:nvPr>
+            <p:ph type="sldNum" sz="quarter" idx="5"/>
+          </p:nvPr>
+        </p:nvSpPr>
+        <p:spPr/>
+        <p:txBody>
+          <a:bodyPr/>
+          <a:lstStyle/>
+          <a:p>
+            <a:fld id="{809EEC96-AFE4-AB4C-9F77-BF8C435C8FB7}" type="slidenum">
+              <a:rPr lang="en-GB" smtClean="0"/>
+              <a:t>13</a:t>
+            </a:fld>
+            <a:endParaRPr lang="en-GB"/>
+          </a:p>
+        </p:txBody>
+      </p:sp>
+    </p:spTree>
+    <p:extLst>
+      <p:ext uri="{BB962C8B-B14F-4D97-AF65-F5344CB8AC3E}">
+        <p14:creationId xmlns:p14="http://schemas.microsoft.com/office/powerpoint/2010/main" val="1768124088"/>
+      </p:ext>
+    </p:extLst>
+  </p:cSld>
+  <p:clrMapOvr>
+    <a:masterClrMapping/>
+  </p:clrMapOvr>
+</p:notes>
+</file>
+
+<file path=ppt/notesSlides/notesSlide13.xml><?xml version="1.0" encoding="utf-8"?>
+<p:notes xmlns:a="http://schemas.openxmlformats.org/drawingml/2006/main" xmlns:r="http://schemas.openxmlformats.org/officeDocument/2006/relationships" xmlns:p="http://schemas.openxmlformats.org/presentationml/2006/main">
+  <p:cSld>
+    <p:spTree>
+      <p:nvGrpSpPr>
+        <p:cNvPr id="1" name=""/>
+        <p:cNvGrpSpPr/>
+        <p:nvPr/>
+      </p:nvGrpSpPr>
+      <p:grpSpPr>
+        <a:xfrm>
+          <a:off x="0" y="0"/>
+          <a:ext cx="0" cy="0"/>
+          <a:chOff x="0" y="0"/>
+          <a:chExt cx="0" cy="0"/>
+        </a:xfrm>
+      </p:grpSpPr>
+      <p:sp>
+        <p:nvSpPr>
+          <p:cNvPr id="2" name="Folienbildplatzhalter 1"/>
+          <p:cNvSpPr>
+            <a:spLocks noGrp="1" noRot="1" noChangeAspect="1"/>
+          </p:cNvSpPr>
+          <p:nvPr>
+            <p:ph type="sldImg"/>
+          </p:nvPr>
+        </p:nvSpPr>
+        <p:spPr/>
+      </p:sp>
+      <p:sp>
+        <p:nvSpPr>
+          <p:cNvPr id="3" name="Notizenplatzhalter 2"/>
+          <p:cNvSpPr>
+            <a:spLocks noGrp="1"/>
+          </p:cNvSpPr>
+          <p:nvPr>
+            <p:ph type="body" idx="1"/>
+          </p:nvPr>
+        </p:nvSpPr>
+        <p:spPr/>
+        <p:txBody>
+          <a:bodyPr/>
+          <a:lstStyle/>
+          <a:p>
+            <a:r>
+              <a:rPr lang="en-GB" dirty="0"/>
+              <a:t>.</a:t>
+            </a:r>
+          </a:p>
+          <a:p>
+            <a:endParaRPr lang="en-GB" dirty="0"/>
+          </a:p>
+          <a:p>
+            <a:endParaRPr lang="en-GB" dirty="0"/>
+          </a:p>
+        </p:txBody>
+      </p:sp>
+      <p:sp>
+        <p:nvSpPr>
+          <p:cNvPr id="4" name="Foliennummernplatzhalter 3"/>
+          <p:cNvSpPr>
+            <a:spLocks noGrp="1"/>
+          </p:cNvSpPr>
+          <p:nvPr>
+            <p:ph type="sldNum" sz="quarter" idx="5"/>
+          </p:nvPr>
+        </p:nvSpPr>
+        <p:spPr/>
+        <p:txBody>
+          <a:bodyPr/>
+          <a:lstStyle/>
+          <a:p>
+            <a:fld id="{809EEC96-AFE4-AB4C-9F77-BF8C435C8FB7}" type="slidenum">
+              <a:rPr lang="en-GB" smtClean="0"/>
+              <a:t>14</a:t>
             </a:fld>
             <a:endParaRPr lang="en-GB"/>
           </a:p>
@@ -1250,7 +1591,7 @@
     </p:spTree>
     <p:extLst>
       <p:ext uri="{BB962C8B-B14F-4D97-AF65-F5344CB8AC3E}">
-        <p14:creationId xmlns:p14="http://schemas.microsoft.com/office/powerpoint/2010/main" val="3132940046"/>
+        <p14:creationId xmlns:p14="http://schemas.microsoft.com/office/powerpoint/2010/main" val="372859266"/>
       </p:ext>
     </p:extLst>
   </p:cSld>
@@ -1304,83 +1645,6 @@
           <a:bodyPr/>
           <a:lstStyle/>
           <a:p>
-            <a:r>
-              <a:rPr lang="en-GB" sz="2000" dirty="0"/>
-              <a:t>Models in fable are specified using model </a:t>
-            </a:r>
-            <a:r>
-              <a:rPr lang="en-GB" sz="2000" b="1" dirty="0"/>
-              <a:t>functions</a:t>
-            </a:r>
-          </a:p>
-          <a:p>
-            <a:pPr marL="457200" lvl="1" indent="0">
-              <a:buNone/>
-            </a:pPr>
-            <a:r>
-              <a:rPr lang="en-GB" sz="2000" dirty="0"/>
-              <a:t>(y  </a:t>
-            </a:r>
-            <a:r>
-              <a:rPr lang="en-GB" sz="2000" dirty="0">
-                <a:effectLst/>
-              </a:rPr>
-              <a:t>~ </a:t>
-            </a:r>
-            <a:r>
-              <a:rPr lang="en-GB" sz="2000" dirty="0"/>
-              <a:t> X) </a:t>
-            </a:r>
-          </a:p>
-          <a:p>
-            <a:pPr marL="228600" lvl="1">
-              <a:spcBef>
-                <a:spcPts val="1000"/>
-              </a:spcBef>
-            </a:pPr>
-            <a:r>
-              <a:rPr lang="en-GB" sz="2000" dirty="0"/>
-              <a:t>Response variable(s) are specified </a:t>
-            </a:r>
-            <a:r>
-              <a:rPr lang="en-GB" sz="2000" b="1" dirty="0"/>
-              <a:t>on the left</a:t>
-            </a:r>
-            <a:r>
-              <a:rPr lang="en-GB" sz="2000" dirty="0"/>
-              <a:t> of the formula</a:t>
-            </a:r>
-          </a:p>
-          <a:p>
-            <a:pPr marL="228600" lvl="1">
-              <a:spcBef>
-                <a:spcPts val="1000"/>
-              </a:spcBef>
-            </a:pPr>
-            <a:r>
-              <a:rPr lang="en-GB" sz="2000" dirty="0"/>
-              <a:t>Structure of the model is written </a:t>
-            </a:r>
-            <a:r>
-              <a:rPr lang="en-GB" sz="2000" b="1" dirty="0"/>
-              <a:t>on the right</a:t>
-            </a:r>
-          </a:p>
-          <a:p>
-            <a:pPr marL="685800" lvl="2">
-              <a:spcBef>
-                <a:spcPts val="1000"/>
-              </a:spcBef>
-            </a:pPr>
-            <a:r>
-              <a:rPr lang="en-GB" dirty="0"/>
-              <a:t>One or more model specifications can be estimated using the model() function.</a:t>
-            </a:r>
-          </a:p>
-          <a:p>
-            <a:endParaRPr lang="en-GB" dirty="0"/>
-          </a:p>
-          <a:p>
             <a:endParaRPr lang="en-GB" dirty="0"/>
           </a:p>
         </p:txBody>
@@ -1402,7 +1666,7 @@
           <a:p>
             <a:fld id="{809EEC96-AFE4-AB4C-9F77-BF8C435C8FB7}" type="slidenum">
               <a:rPr lang="en-GB" smtClean="0"/>
-              <a:t>9</a:t>
+              <a:t>8</a:t>
             </a:fld>
             <a:endParaRPr lang="en-GB"/>
           </a:p>
@@ -1411,7 +1675,7 @@
     </p:spTree>
     <p:extLst>
       <p:ext uri="{BB962C8B-B14F-4D97-AF65-F5344CB8AC3E}">
-        <p14:creationId xmlns:p14="http://schemas.microsoft.com/office/powerpoint/2010/main" val="2310774744"/>
+        <p14:creationId xmlns:p14="http://schemas.microsoft.com/office/powerpoint/2010/main" val="2573913793"/>
       </p:ext>
     </p:extLst>
   </p:cSld>
@@ -1465,16 +1729,7 @@
           <a:bodyPr/>
           <a:lstStyle/>
           <a:p>
-            <a:r>
-              <a:rPr lang="en-GB" dirty="0"/>
-              <a:t>.</a:t>
-            </a:r>
-          </a:p>
-          <a:p>
-            <a:endParaRPr lang="en-GB" dirty="0"/>
-          </a:p>
-          <a:p>
-            <a:endParaRPr lang="en-GB" dirty="0"/>
+            <a:endParaRPr lang="en-GB" noProof="0" dirty="0"/>
           </a:p>
         </p:txBody>
       </p:sp>
@@ -1504,7 +1759,7 @@
     </p:spTree>
     <p:extLst>
       <p:ext uri="{BB962C8B-B14F-4D97-AF65-F5344CB8AC3E}">
-        <p14:creationId xmlns:p14="http://schemas.microsoft.com/office/powerpoint/2010/main" val="1768124088"/>
+        <p14:creationId xmlns:p14="http://schemas.microsoft.com/office/powerpoint/2010/main" val="2686880782"/>
       </p:ext>
     </p:extLst>
   </p:cSld>
@@ -5164,10 +5419,10 @@
       </p:pic>
       <p:pic>
         <p:nvPicPr>
-          <p:cNvPr id="11" name="Kamera 10">
-            <a:extLst>
-              <a:ext uri="{FF2B5EF4-FFF2-40B4-BE49-F238E27FC236}">
-                <a16:creationId xmlns:a16="http://schemas.microsoft.com/office/drawing/2014/main" id="{C6F909ED-0427-314B-C96A-1A5FDF835DF7}"/>
+          <p:cNvPr id="13" name="Kamera 12">
+            <a:extLst>
+              <a:ext uri="{FF2B5EF4-FFF2-40B4-BE49-F238E27FC236}">
+                <a16:creationId xmlns:a16="http://schemas.microsoft.com/office/drawing/2014/main" id="{A6BC8037-8C27-CCA0-CBC5-4021403742C5}"/>
               </a:ext>
             </a:extLst>
           </p:cNvPr>
@@ -5217,6 +5472,2296 @@
 </file>
 
 <file path=ppt/slides/slide10.xml><?xml version="1.0" encoding="utf-8"?>
+<p:sld xmlns:a="http://schemas.openxmlformats.org/drawingml/2006/main" xmlns:r="http://schemas.openxmlformats.org/officeDocument/2006/relationships" xmlns:p="http://schemas.openxmlformats.org/presentationml/2006/main">
+  <p:cSld>
+    <p:bg>
+      <p:bgPr>
+        <a:solidFill>
+          <a:schemeClr val="bg1"/>
+        </a:solidFill>
+        <a:effectLst/>
+      </p:bgPr>
+    </p:bg>
+    <p:spTree>
+      <p:nvGrpSpPr>
+        <p:cNvPr id="1" name=""/>
+        <p:cNvGrpSpPr/>
+        <p:nvPr/>
+      </p:nvGrpSpPr>
+      <p:grpSpPr>
+        <a:xfrm>
+          <a:off x="0" y="0"/>
+          <a:ext cx="0" cy="0"/>
+          <a:chOff x="0" y="0"/>
+          <a:chExt cx="0" cy="0"/>
+        </a:xfrm>
+      </p:grpSpPr>
+      <p:sp useBgFill="1">
+        <p:nvSpPr>
+          <p:cNvPr id="34" name="Rectangle 8">
+            <a:extLst>
+              <a:ext uri="{FF2B5EF4-FFF2-40B4-BE49-F238E27FC236}">
+                <a16:creationId xmlns:a16="http://schemas.microsoft.com/office/drawing/2014/main" id="{058A14AF-9FB5-4CC7-BA35-E8E85D3EDF0E}"/>
+              </a:ext>
+              <a:ext uri="{C183D7F6-B498-43B3-948B-1728B52AA6E4}">
+                <adec:decorative xmlns:adec="http://schemas.microsoft.com/office/drawing/2017/decorative" val="1"/>
+              </a:ext>
+            </a:extLst>
+          </p:cNvPr>
+          <p:cNvSpPr>
+            <a:spLocks noGrp="1" noRot="1" noChangeAspect="1" noMove="1" noResize="1" noEditPoints="1" noAdjustHandles="1" noChangeArrowheads="1" noChangeShapeType="1" noTextEdit="1"/>
+          </p:cNvSpPr>
+          <p:nvPr>
+            <p:extLst>
+              <p:ext uri="{386F3935-93C4-4BCD-93E2-E3B085C9AB24}">
+                <p16:designElem xmlns:p16="http://schemas.microsoft.com/office/powerpoint/2015/main" val="1"/>
+              </p:ext>
+            </p:extLst>
+          </p:nvPr>
+        </p:nvSpPr>
+        <p:spPr>
+          <a:xfrm>
+            <a:off x="0" y="0"/>
+            <a:ext cx="12191999" cy="6857365"/>
+          </a:xfrm>
+          <a:prstGeom prst="rect">
+            <a:avLst/>
+          </a:prstGeom>
+          <a:ln>
+            <a:noFill/>
+          </a:ln>
+        </p:spPr>
+        <p:style>
+          <a:lnRef idx="2">
+            <a:schemeClr val="accent1">
+              <a:shade val="50000"/>
+            </a:schemeClr>
+          </a:lnRef>
+          <a:fillRef idx="1">
+            <a:schemeClr val="accent1"/>
+          </a:fillRef>
+          <a:effectRef idx="0">
+            <a:schemeClr val="accent1"/>
+          </a:effectRef>
+          <a:fontRef idx="minor">
+            <a:schemeClr val="lt1"/>
+          </a:fontRef>
+        </p:style>
+        <p:txBody>
+          <a:bodyPr rtlCol="0" anchor="ctr"/>
+          <a:lstStyle/>
+          <a:p>
+            <a:pPr algn="ctr"/>
+            <a:endParaRPr lang="en-US"/>
+          </a:p>
+        </p:txBody>
+      </p:sp>
+      <p:sp>
+        <p:nvSpPr>
+          <p:cNvPr id="2" name="Titel 1">
+            <a:extLst>
+              <a:ext uri="{FF2B5EF4-FFF2-40B4-BE49-F238E27FC236}">
+                <a16:creationId xmlns:a16="http://schemas.microsoft.com/office/drawing/2014/main" id="{1739333B-3773-EC66-130B-F17B3BCDA058}"/>
+              </a:ext>
+            </a:extLst>
+          </p:cNvPr>
+          <p:cNvSpPr>
+            <a:spLocks noGrp="1"/>
+          </p:cNvSpPr>
+          <p:nvPr>
+            <p:ph type="title"/>
+          </p:nvPr>
+        </p:nvSpPr>
+        <p:spPr>
+          <a:xfrm>
+            <a:off x="793662" y="386930"/>
+            <a:ext cx="10066122" cy="1298448"/>
+          </a:xfrm>
+        </p:spPr>
+        <p:txBody>
+          <a:bodyPr anchor="b">
+            <a:normAutofit/>
+          </a:bodyPr>
+          <a:lstStyle/>
+          <a:p>
+            <a:r>
+              <a:rPr lang="en-GB" sz="4800" dirty="0"/>
+              <a:t>The syntax of fable</a:t>
+            </a:r>
+          </a:p>
+        </p:txBody>
+      </p:sp>
+      <p:sp>
+        <p:nvSpPr>
+          <p:cNvPr id="11" name="Rectangle 10">
+            <a:extLst>
+              <a:ext uri="{FF2B5EF4-FFF2-40B4-BE49-F238E27FC236}">
+                <a16:creationId xmlns:a16="http://schemas.microsoft.com/office/drawing/2014/main" id="{3A9A4357-BD1D-4622-A4FE-766E6AB8DE84}"/>
+              </a:ext>
+              <a:ext uri="{C183D7F6-B498-43B3-948B-1728B52AA6E4}">
+                <adec:decorative xmlns:adec="http://schemas.microsoft.com/office/drawing/2017/decorative" val="1"/>
+              </a:ext>
+            </a:extLst>
+          </p:cNvPr>
+          <p:cNvSpPr>
+            <a:spLocks noGrp="1" noRot="1" noChangeAspect="1" noMove="1" noResize="1" noEditPoints="1" noAdjustHandles="1" noChangeArrowheads="1" noChangeShapeType="1" noTextEdit="1"/>
+          </p:cNvSpPr>
+          <p:nvPr>
+            <p:extLst>
+              <p:ext uri="{386F3935-93C4-4BCD-93E2-E3B085C9AB24}">
+                <p16:designElem xmlns:p16="http://schemas.microsoft.com/office/powerpoint/2015/main" val="1"/>
+              </p:ext>
+            </p:extLst>
+          </p:nvPr>
+        </p:nvSpPr>
+        <p:spPr>
+          <a:xfrm flipH="1" flipV="1">
+            <a:off x="-2" y="1998845"/>
+            <a:ext cx="11454595" cy="781699"/>
+          </a:xfrm>
+          <a:prstGeom prst="rect">
+            <a:avLst/>
+          </a:prstGeom>
+          <a:solidFill>
+            <a:schemeClr val="accent4"/>
+          </a:solidFill>
+          <a:ln>
+            <a:noFill/>
+          </a:ln>
+        </p:spPr>
+        <p:style>
+          <a:lnRef idx="2">
+            <a:schemeClr val="accent1">
+              <a:shade val="50000"/>
+            </a:schemeClr>
+          </a:lnRef>
+          <a:fillRef idx="1">
+            <a:schemeClr val="accent1"/>
+          </a:fillRef>
+          <a:effectRef idx="0">
+            <a:schemeClr val="accent1"/>
+          </a:effectRef>
+          <a:fontRef idx="minor">
+            <a:schemeClr val="lt1"/>
+          </a:fontRef>
+        </p:style>
+        <p:txBody>
+          <a:bodyPr rtlCol="0" anchor="ctr"/>
+          <a:lstStyle/>
+          <a:p>
+            <a:pPr algn="ctr"/>
+            <a:endParaRPr lang="en-US"/>
+          </a:p>
+        </p:txBody>
+      </p:sp>
+      <p:sp>
+        <p:nvSpPr>
+          <p:cNvPr id="13" name="Rectangle 12">
+            <a:extLst>
+              <a:ext uri="{FF2B5EF4-FFF2-40B4-BE49-F238E27FC236}">
+                <a16:creationId xmlns:a16="http://schemas.microsoft.com/office/drawing/2014/main" id="{E659831F-0D9A-4C63-9EBB-8435B85A440F}"/>
+              </a:ext>
+              <a:ext uri="{C183D7F6-B498-43B3-948B-1728B52AA6E4}">
+                <adec:decorative xmlns:adec="http://schemas.microsoft.com/office/drawing/2017/decorative" val="1"/>
+              </a:ext>
+            </a:extLst>
+          </p:cNvPr>
+          <p:cNvSpPr>
+            <a:spLocks noGrp="1" noRot="1" noChangeAspect="1" noMove="1" noResize="1" noEditPoints="1" noAdjustHandles="1" noChangeArrowheads="1" noChangeShapeType="1" noTextEdit="1"/>
+          </p:cNvSpPr>
+          <p:nvPr>
+            <p:extLst>
+              <p:ext uri="{386F3935-93C4-4BCD-93E2-E3B085C9AB24}">
+                <p16:designElem xmlns:p16="http://schemas.microsoft.com/office/powerpoint/2015/main" val="1"/>
+              </p:ext>
+            </p:extLst>
+          </p:nvPr>
+        </p:nvSpPr>
+        <p:spPr>
+          <a:xfrm>
+            <a:off x="0" y="2203079"/>
+            <a:ext cx="11383362" cy="4267991"/>
+          </a:xfrm>
+          <a:prstGeom prst="rect">
+            <a:avLst/>
+          </a:prstGeom>
+          <a:solidFill>
+            <a:schemeClr val="bg1"/>
+          </a:solidFill>
+          <a:ln>
+            <a:noFill/>
+          </a:ln>
+          <a:effectLst>
+            <a:outerShdw blurRad="139700" dist="127000" dir="5400000" algn="t" rotWithShape="0">
+              <a:prstClr val="black">
+                <a:alpha val="15000"/>
+              </a:prstClr>
+            </a:outerShdw>
+          </a:effectLst>
+        </p:spPr>
+        <p:style>
+          <a:lnRef idx="2">
+            <a:schemeClr val="accent1">
+              <a:shade val="50000"/>
+            </a:schemeClr>
+          </a:lnRef>
+          <a:fillRef idx="1">
+            <a:schemeClr val="accent1"/>
+          </a:fillRef>
+          <a:effectRef idx="0">
+            <a:schemeClr val="accent1"/>
+          </a:effectRef>
+          <a:fontRef idx="minor">
+            <a:schemeClr val="lt1"/>
+          </a:fontRef>
+        </p:style>
+        <p:txBody>
+          <a:bodyPr rtlCol="0" anchor="ctr"/>
+          <a:lstStyle/>
+          <a:p>
+            <a:pPr algn="ctr"/>
+            <a:endParaRPr lang="en-US"/>
+          </a:p>
+        </p:txBody>
+      </p:sp>
+      <p:sp>
+        <p:nvSpPr>
+          <p:cNvPr id="15" name="Rectangle 14">
+            <a:extLst>
+              <a:ext uri="{FF2B5EF4-FFF2-40B4-BE49-F238E27FC236}">
+                <a16:creationId xmlns:a16="http://schemas.microsoft.com/office/drawing/2014/main" id="{E6995CE5-F890-4ABA-82A2-26507CE8D2A3}"/>
+              </a:ext>
+              <a:ext uri="{C183D7F6-B498-43B3-948B-1728B52AA6E4}">
+                <adec:decorative xmlns:adec="http://schemas.microsoft.com/office/drawing/2017/decorative" val="1"/>
+              </a:ext>
+            </a:extLst>
+          </p:cNvPr>
+          <p:cNvSpPr>
+            <a:spLocks noGrp="1" noRot="1" noChangeAspect="1" noMove="1" noResize="1" noEditPoints="1" noAdjustHandles="1" noChangeArrowheads="1" noChangeShapeType="1" noTextEdit="1"/>
+          </p:cNvSpPr>
+          <p:nvPr>
+            <p:extLst>
+              <p:ext uri="{386F3935-93C4-4BCD-93E2-E3B085C9AB24}">
+                <p16:designElem xmlns:p16="http://schemas.microsoft.com/office/powerpoint/2015/main" val="1"/>
+              </p:ext>
+            </p:extLst>
+          </p:nvPr>
+        </p:nvSpPr>
+        <p:spPr>
+          <a:xfrm rot="5400000">
+            <a:off x="11228040" y="2313027"/>
+            <a:ext cx="781700" cy="152382"/>
+          </a:xfrm>
+          <a:prstGeom prst="rect">
+            <a:avLst/>
+          </a:prstGeom>
+          <a:solidFill>
+            <a:schemeClr val="accent4"/>
+          </a:solidFill>
+          <a:ln>
+            <a:noFill/>
+          </a:ln>
+        </p:spPr>
+        <p:style>
+          <a:lnRef idx="2">
+            <a:schemeClr val="accent1">
+              <a:shade val="50000"/>
+            </a:schemeClr>
+          </a:lnRef>
+          <a:fillRef idx="1">
+            <a:schemeClr val="accent1"/>
+          </a:fillRef>
+          <a:effectRef idx="0">
+            <a:schemeClr val="accent1"/>
+          </a:effectRef>
+          <a:fontRef idx="minor">
+            <a:schemeClr val="lt1"/>
+          </a:fontRef>
+        </p:style>
+        <p:txBody>
+          <a:bodyPr rtlCol="0" anchor="ctr"/>
+          <a:lstStyle/>
+          <a:p>
+            <a:pPr algn="ctr"/>
+            <a:endParaRPr lang="en-US"/>
+          </a:p>
+        </p:txBody>
+      </p:sp>
+      <p:sp>
+        <p:nvSpPr>
+          <p:cNvPr id="6" name="Inhaltsplatzhalter 5">
+            <a:extLst>
+              <a:ext uri="{FF2B5EF4-FFF2-40B4-BE49-F238E27FC236}">
+                <a16:creationId xmlns:a16="http://schemas.microsoft.com/office/drawing/2014/main" id="{068EE0B1-1D88-A56B-8309-4C804F46E4CE}"/>
+              </a:ext>
+            </a:extLst>
+          </p:cNvPr>
+          <p:cNvSpPr>
+            <a:spLocks noGrp="1"/>
+          </p:cNvSpPr>
+          <p:nvPr>
+            <p:ph idx="1"/>
+          </p:nvPr>
+        </p:nvSpPr>
+        <p:spPr>
+          <a:xfrm>
+            <a:off x="2423115" y="2731431"/>
+            <a:ext cx="6541958" cy="597359"/>
+          </a:xfrm>
+        </p:spPr>
+        <p:txBody>
+          <a:bodyPr anchor="ctr">
+            <a:noAutofit/>
+          </a:bodyPr>
+          <a:lstStyle/>
+          <a:p>
+            <a:pPr marL="0" indent="0">
+              <a:buNone/>
+            </a:pPr>
+            <a:r>
+              <a:rPr lang="en-GB" dirty="0"/>
+              <a:t>R&gt;	Transform(y)  </a:t>
+            </a:r>
+            <a:r>
+              <a:rPr lang="en-GB" dirty="0">
+                <a:solidFill>
+                  <a:srgbClr val="333333"/>
+                </a:solidFill>
+                <a:latin typeface="SFMono-Regular"/>
+              </a:rPr>
+              <a:t>~  {model specification}</a:t>
+            </a:r>
+            <a:endParaRPr lang="en-GB" dirty="0"/>
+          </a:p>
+        </p:txBody>
+      </p:sp>
+      <p:graphicFrame>
+        <p:nvGraphicFramePr>
+          <p:cNvPr id="8" name="Tabelle 8">
+            <a:extLst>
+              <a:ext uri="{FF2B5EF4-FFF2-40B4-BE49-F238E27FC236}">
+                <a16:creationId xmlns:a16="http://schemas.microsoft.com/office/drawing/2014/main" id="{3D958E2A-BAAC-58A1-CED4-63E142895772}"/>
+              </a:ext>
+            </a:extLst>
+          </p:cNvPr>
+          <p:cNvGraphicFramePr>
+            <a:graphicFrameLocks noGrp="1"/>
+          </p:cNvGraphicFramePr>
+          <p:nvPr>
+            <p:extLst>
+              <p:ext uri="{D42A27DB-BD31-4B8C-83A1-F6EECF244321}">
+                <p14:modId xmlns:p14="http://schemas.microsoft.com/office/powerpoint/2010/main" val="3218617500"/>
+              </p:ext>
+            </p:extLst>
+          </p:nvPr>
+        </p:nvGraphicFramePr>
+        <p:xfrm>
+          <a:off x="1627681" y="3511574"/>
+          <a:ext cx="8128000" cy="2225040"/>
+        </p:xfrm>
+        <a:graphic>
+          <a:graphicData uri="http://schemas.openxmlformats.org/drawingml/2006/table">
+            <a:tbl>
+              <a:tblPr firstRow="1">
+                <a:tableStyleId>{EB9631B5-78F2-41C9-869B-9F39066F8104}</a:tableStyleId>
+              </a:tblPr>
+              <a:tblGrid>
+                <a:gridCol w="4064000">
+                  <a:extLst>
+                    <a:ext uri="{9D8B030D-6E8A-4147-A177-3AD203B41FA5}">
+                      <a16:colId xmlns:a16="http://schemas.microsoft.com/office/drawing/2014/main" val="3150660920"/>
+                    </a:ext>
+                  </a:extLst>
+                </a:gridCol>
+                <a:gridCol w="4064000">
+                  <a:extLst>
+                    <a:ext uri="{9D8B030D-6E8A-4147-A177-3AD203B41FA5}">
+                      <a16:colId xmlns:a16="http://schemas.microsoft.com/office/drawing/2014/main" val="2791330843"/>
+                    </a:ext>
+                  </a:extLst>
+                </a:gridCol>
+              </a:tblGrid>
+              <a:tr h="370840">
+                <a:tc>
+                  <a:txBody>
+                    <a:bodyPr/>
+                    <a:lstStyle/>
+                    <a:p>
+                      <a:r>
+                        <a:rPr lang="en-GB" sz="2800" dirty="0">
+                          <a:solidFill>
+                            <a:schemeClr val="tx1"/>
+                          </a:solidFill>
+                        </a:rPr>
+                        <a:t>Left Hand Side - Response</a:t>
+                      </a:r>
+                    </a:p>
+                  </a:txBody>
+                  <a:tcPr>
+                    <a:lnR w="12700" cap="flat" cmpd="sng" algn="ctr">
+                      <a:solidFill>
+                        <a:schemeClr val="tx1"/>
+                      </a:solidFill>
+                      <a:prstDash val="solid"/>
+                      <a:round/>
+                      <a:headEnd type="none" w="med" len="med"/>
+                      <a:tailEnd type="none" w="med" len="med"/>
+                    </a:lnR>
+                  </a:tcPr>
+                </a:tc>
+                <a:tc>
+                  <a:txBody>
+                    <a:bodyPr/>
+                    <a:lstStyle/>
+                    <a:p>
+                      <a:r>
+                        <a:rPr lang="en-GB" sz="2800" dirty="0">
+                          <a:solidFill>
+                            <a:schemeClr val="tx1"/>
+                          </a:solidFill>
+                        </a:rPr>
+                        <a:t>Right Hand Side - Specials</a:t>
+                      </a:r>
+                    </a:p>
+                  </a:txBody>
+                  <a:tcPr>
+                    <a:lnL w="12700" cap="flat" cmpd="sng" algn="ctr">
+                      <a:solidFill>
+                        <a:schemeClr val="tx1"/>
+                      </a:solidFill>
+                      <a:prstDash val="solid"/>
+                      <a:round/>
+                      <a:headEnd type="none" w="med" len="med"/>
+                      <a:tailEnd type="none" w="med" len="med"/>
+                    </a:lnL>
+                  </a:tcPr>
+                </a:tc>
+                <a:extLst>
+                  <a:ext uri="{0D108BD9-81ED-4DB2-BD59-A6C34878D82A}">
+                    <a16:rowId xmlns:a16="http://schemas.microsoft.com/office/drawing/2014/main" val="1714260269"/>
+                  </a:ext>
+                </a:extLst>
+              </a:tr>
+              <a:tr h="370840">
+                <a:tc>
+                  <a:txBody>
+                    <a:bodyPr/>
+                    <a:lstStyle/>
+                    <a:p>
+                      <a:r>
+                        <a:rPr lang="en-GB" sz="2000" dirty="0">
+                          <a:solidFill>
+                            <a:schemeClr val="tx1"/>
+                          </a:solidFill>
+                        </a:rPr>
+                        <a:t>Defines the response variable from the Data</a:t>
+                      </a:r>
+                    </a:p>
+                  </a:txBody>
+                  <a:tcPr>
+                    <a:lnR w="12700" cap="flat" cmpd="sng" algn="ctr">
+                      <a:solidFill>
+                        <a:schemeClr val="tx1"/>
+                      </a:solidFill>
+                      <a:prstDash val="solid"/>
+                      <a:round/>
+                      <a:headEnd type="none" w="med" len="med"/>
+                      <a:tailEnd type="none" w="med" len="med"/>
+                    </a:lnR>
+                  </a:tcPr>
+                </a:tc>
+                <a:tc>
+                  <a:txBody>
+                    <a:bodyPr/>
+                    <a:lstStyle/>
+                    <a:p>
+                      <a:r>
+                        <a:rPr lang="en-GB" sz="2000" dirty="0">
+                          <a:solidFill>
+                            <a:schemeClr val="tx1"/>
+                          </a:solidFill>
+                        </a:rPr>
+                        <a:t>Model specific special functions</a:t>
+                      </a:r>
+                    </a:p>
+                  </a:txBody>
+                  <a:tcPr>
+                    <a:lnL w="12700" cap="flat" cmpd="sng" algn="ctr">
+                      <a:solidFill>
+                        <a:schemeClr val="tx1"/>
+                      </a:solidFill>
+                      <a:prstDash val="solid"/>
+                      <a:round/>
+                      <a:headEnd type="none" w="med" len="med"/>
+                      <a:tailEnd type="none" w="med" len="med"/>
+                    </a:lnL>
+                  </a:tcPr>
+                </a:tc>
+                <a:extLst>
+                  <a:ext uri="{0D108BD9-81ED-4DB2-BD59-A6C34878D82A}">
+                    <a16:rowId xmlns:a16="http://schemas.microsoft.com/office/drawing/2014/main" val="2265268823"/>
+                  </a:ext>
+                </a:extLst>
+              </a:tr>
+              <a:tr h="370840">
+                <a:tc>
+                  <a:txBody>
+                    <a:bodyPr/>
+                    <a:lstStyle/>
+                    <a:p>
+                      <a:r>
+                        <a:rPr lang="en-GB" sz="2000" dirty="0">
+                          <a:solidFill>
+                            <a:schemeClr val="tx1"/>
+                          </a:solidFill>
+                        </a:rPr>
+                        <a:t>Specification of transformations (which are automatically back-transformed)</a:t>
+                      </a:r>
+                    </a:p>
+                  </a:txBody>
+                  <a:tcPr>
+                    <a:lnR w="12700" cap="flat" cmpd="sng" algn="ctr">
+                      <a:solidFill>
+                        <a:schemeClr val="tx1"/>
+                      </a:solidFill>
+                      <a:prstDash val="solid"/>
+                      <a:round/>
+                      <a:headEnd type="none" w="med" len="med"/>
+                      <a:tailEnd type="none" w="med" len="med"/>
+                    </a:lnR>
+                  </a:tcPr>
+                </a:tc>
+                <a:tc>
+                  <a:txBody>
+                    <a:bodyPr/>
+                    <a:lstStyle/>
+                    <a:p>
+                      <a:r>
+                        <a:rPr lang="en-GB" sz="2000" dirty="0">
+                          <a:solidFill>
+                            <a:schemeClr val="tx1"/>
+                          </a:solidFill>
+                        </a:rPr>
+                        <a:t>Several models at the same time possible</a:t>
+                      </a:r>
+                    </a:p>
+                  </a:txBody>
+                  <a:tcPr>
+                    <a:lnL w="12700" cap="flat" cmpd="sng" algn="ctr">
+                      <a:solidFill>
+                        <a:schemeClr val="tx1"/>
+                      </a:solidFill>
+                      <a:prstDash val="solid"/>
+                      <a:round/>
+                      <a:headEnd type="none" w="med" len="med"/>
+                      <a:tailEnd type="none" w="med" len="med"/>
+                    </a:lnL>
+                  </a:tcPr>
+                </a:tc>
+                <a:extLst>
+                  <a:ext uri="{0D108BD9-81ED-4DB2-BD59-A6C34878D82A}">
+                    <a16:rowId xmlns:a16="http://schemas.microsoft.com/office/drawing/2014/main" val="4068872318"/>
+                  </a:ext>
+                </a:extLst>
+              </a:tr>
+            </a:tbl>
+          </a:graphicData>
+        </a:graphic>
+      </p:graphicFrame>
+      <p:pic>
+        <p:nvPicPr>
+          <p:cNvPr id="3" name="Kamera 2">
+            <a:extLst>
+              <a:ext uri="{FF2B5EF4-FFF2-40B4-BE49-F238E27FC236}">
+                <a16:creationId xmlns:a16="http://schemas.microsoft.com/office/drawing/2014/main" id="{4FA7D2B6-FFDE-AB4F-1C82-9CDB9D558AA9}"/>
+              </a:ext>
+            </a:extLst>
+          </p:cNvPr>
+          <p:cNvPicPr>
+            <a:picLocks noChangeAspect="1"/>
+            <a:extLst>
+              <a:ext uri="{51228E76-BA90-4043-B771-695A4F85340A}">
+                <alf:liveFeedProps xmlns:alf="http://schemas.microsoft.com/office/drawing/2021/livefeed"/>
+              </a:ext>
+            </a:extLst>
+          </p:cNvPicPr>
+          <p:nvPr/>
+        </p:nvPicPr>
+        <p:blipFill>
+          <a:blip r:embed="rId3">
+            <a:extLst>
+              <a:ext uri="{96DAC541-7B7A-43D3-8B79-37D633B846F1}">
+                <asvg:svgBlip xmlns:asvg="http://schemas.microsoft.com/office/drawing/2016/SVG/main" r:embed="rId4"/>
+              </a:ext>
+            </a:extLst>
+          </a:blip>
+          <a:stretch>
+            <a:fillRect/>
+          </a:stretch>
+        </p:blipFill>
+        <p:spPr>
+          <a:xfrm>
+            <a:off x="8961406" y="178904"/>
+            <a:ext cx="3048000" cy="1714500"/>
+          </a:xfrm>
+          <a:prstGeom prst="rect">
+            <a:avLst/>
+          </a:prstGeom>
+        </p:spPr>
+      </p:pic>
+    </p:spTree>
+    <p:extLst>
+      <p:ext uri="{BB962C8B-B14F-4D97-AF65-F5344CB8AC3E}">
+        <p14:creationId xmlns:p14="http://schemas.microsoft.com/office/powerpoint/2010/main" val="1943517749"/>
+      </p:ext>
+    </p:extLst>
+  </p:cSld>
+  <p:clrMapOvr>
+    <a:masterClrMapping/>
+  </p:clrMapOvr>
+</p:sld>
+</file>
+
+<file path=ppt/slides/slide11.xml><?xml version="1.0" encoding="utf-8"?>
+<p:sld xmlns:a="http://schemas.openxmlformats.org/drawingml/2006/main" xmlns:r="http://schemas.openxmlformats.org/officeDocument/2006/relationships" xmlns:p="http://schemas.openxmlformats.org/presentationml/2006/main">
+  <p:cSld>
+    <p:bg>
+      <p:bgPr>
+        <a:solidFill>
+          <a:schemeClr val="bg1"/>
+        </a:solidFill>
+        <a:effectLst/>
+      </p:bgPr>
+    </p:bg>
+    <p:spTree>
+      <p:nvGrpSpPr>
+        <p:cNvPr id="1" name=""/>
+        <p:cNvGrpSpPr/>
+        <p:nvPr/>
+      </p:nvGrpSpPr>
+      <p:grpSpPr>
+        <a:xfrm>
+          <a:off x="0" y="0"/>
+          <a:ext cx="0" cy="0"/>
+          <a:chOff x="0" y="0"/>
+          <a:chExt cx="0" cy="0"/>
+        </a:xfrm>
+      </p:grpSpPr>
+      <p:sp useBgFill="1">
+        <p:nvSpPr>
+          <p:cNvPr id="34" name="Rectangle 8">
+            <a:extLst>
+              <a:ext uri="{FF2B5EF4-FFF2-40B4-BE49-F238E27FC236}">
+                <a16:creationId xmlns:a16="http://schemas.microsoft.com/office/drawing/2014/main" id="{058A14AF-9FB5-4CC7-BA35-E8E85D3EDF0E}"/>
+              </a:ext>
+              <a:ext uri="{C183D7F6-B498-43B3-948B-1728B52AA6E4}">
+                <adec:decorative xmlns:adec="http://schemas.microsoft.com/office/drawing/2017/decorative" val="1"/>
+              </a:ext>
+            </a:extLst>
+          </p:cNvPr>
+          <p:cNvSpPr>
+            <a:spLocks noGrp="1" noRot="1" noChangeAspect="1" noMove="1" noResize="1" noEditPoints="1" noAdjustHandles="1" noChangeArrowheads="1" noChangeShapeType="1" noTextEdit="1"/>
+          </p:cNvSpPr>
+          <p:nvPr>
+            <p:extLst>
+              <p:ext uri="{386F3935-93C4-4BCD-93E2-E3B085C9AB24}">
+                <p16:designElem xmlns:p16="http://schemas.microsoft.com/office/powerpoint/2015/main" val="1"/>
+              </p:ext>
+            </p:extLst>
+          </p:nvPr>
+        </p:nvSpPr>
+        <p:spPr>
+          <a:xfrm>
+            <a:off x="0" y="0"/>
+            <a:ext cx="12191999" cy="6857365"/>
+          </a:xfrm>
+          <a:prstGeom prst="rect">
+            <a:avLst/>
+          </a:prstGeom>
+          <a:ln>
+            <a:noFill/>
+          </a:ln>
+        </p:spPr>
+        <p:style>
+          <a:lnRef idx="2">
+            <a:schemeClr val="accent1">
+              <a:shade val="50000"/>
+            </a:schemeClr>
+          </a:lnRef>
+          <a:fillRef idx="1">
+            <a:schemeClr val="accent1"/>
+          </a:fillRef>
+          <a:effectRef idx="0">
+            <a:schemeClr val="accent1"/>
+          </a:effectRef>
+          <a:fontRef idx="minor">
+            <a:schemeClr val="lt1"/>
+          </a:fontRef>
+        </p:style>
+        <p:txBody>
+          <a:bodyPr rtlCol="0" anchor="ctr"/>
+          <a:lstStyle/>
+          <a:p>
+            <a:pPr algn="ctr"/>
+            <a:endParaRPr lang="en-US"/>
+          </a:p>
+        </p:txBody>
+      </p:sp>
+      <p:sp>
+        <p:nvSpPr>
+          <p:cNvPr id="2" name="Titel 1">
+            <a:extLst>
+              <a:ext uri="{FF2B5EF4-FFF2-40B4-BE49-F238E27FC236}">
+                <a16:creationId xmlns:a16="http://schemas.microsoft.com/office/drawing/2014/main" id="{1739333B-3773-EC66-130B-F17B3BCDA058}"/>
+              </a:ext>
+            </a:extLst>
+          </p:cNvPr>
+          <p:cNvSpPr>
+            <a:spLocks noGrp="1"/>
+          </p:cNvSpPr>
+          <p:nvPr>
+            <p:ph type="title"/>
+          </p:nvPr>
+        </p:nvSpPr>
+        <p:spPr>
+          <a:xfrm>
+            <a:off x="793662" y="386930"/>
+            <a:ext cx="10066122" cy="1298448"/>
+          </a:xfrm>
+        </p:spPr>
+        <p:txBody>
+          <a:bodyPr anchor="b">
+            <a:normAutofit/>
+          </a:bodyPr>
+          <a:lstStyle/>
+          <a:p>
+            <a:r>
+              <a:rPr lang="en-GB" sz="4800" dirty="0"/>
+              <a:t>Common verbs used in fable</a:t>
+            </a:r>
+          </a:p>
+        </p:txBody>
+      </p:sp>
+      <p:sp>
+        <p:nvSpPr>
+          <p:cNvPr id="11" name="Rectangle 10">
+            <a:extLst>
+              <a:ext uri="{FF2B5EF4-FFF2-40B4-BE49-F238E27FC236}">
+                <a16:creationId xmlns:a16="http://schemas.microsoft.com/office/drawing/2014/main" id="{3A9A4357-BD1D-4622-A4FE-766E6AB8DE84}"/>
+              </a:ext>
+              <a:ext uri="{C183D7F6-B498-43B3-948B-1728B52AA6E4}">
+                <adec:decorative xmlns:adec="http://schemas.microsoft.com/office/drawing/2017/decorative" val="1"/>
+              </a:ext>
+            </a:extLst>
+          </p:cNvPr>
+          <p:cNvSpPr>
+            <a:spLocks noGrp="1" noRot="1" noChangeAspect="1" noMove="1" noResize="1" noEditPoints="1" noAdjustHandles="1" noChangeArrowheads="1" noChangeShapeType="1" noTextEdit="1"/>
+          </p:cNvSpPr>
+          <p:nvPr>
+            <p:extLst>
+              <p:ext uri="{386F3935-93C4-4BCD-93E2-E3B085C9AB24}">
+                <p16:designElem xmlns:p16="http://schemas.microsoft.com/office/powerpoint/2015/main" val="1"/>
+              </p:ext>
+            </p:extLst>
+          </p:nvPr>
+        </p:nvSpPr>
+        <p:spPr>
+          <a:xfrm flipH="1" flipV="1">
+            <a:off x="-2" y="1998845"/>
+            <a:ext cx="11454595" cy="781699"/>
+          </a:xfrm>
+          <a:prstGeom prst="rect">
+            <a:avLst/>
+          </a:prstGeom>
+          <a:solidFill>
+            <a:schemeClr val="accent4"/>
+          </a:solidFill>
+          <a:ln>
+            <a:noFill/>
+          </a:ln>
+        </p:spPr>
+        <p:style>
+          <a:lnRef idx="2">
+            <a:schemeClr val="accent1">
+              <a:shade val="50000"/>
+            </a:schemeClr>
+          </a:lnRef>
+          <a:fillRef idx="1">
+            <a:schemeClr val="accent1"/>
+          </a:fillRef>
+          <a:effectRef idx="0">
+            <a:schemeClr val="accent1"/>
+          </a:effectRef>
+          <a:fontRef idx="minor">
+            <a:schemeClr val="lt1"/>
+          </a:fontRef>
+        </p:style>
+        <p:txBody>
+          <a:bodyPr rtlCol="0" anchor="ctr"/>
+          <a:lstStyle/>
+          <a:p>
+            <a:pPr algn="ctr"/>
+            <a:endParaRPr lang="en-US"/>
+          </a:p>
+        </p:txBody>
+      </p:sp>
+      <p:sp>
+        <p:nvSpPr>
+          <p:cNvPr id="13" name="Rectangle 12">
+            <a:extLst>
+              <a:ext uri="{FF2B5EF4-FFF2-40B4-BE49-F238E27FC236}">
+                <a16:creationId xmlns:a16="http://schemas.microsoft.com/office/drawing/2014/main" id="{E659831F-0D9A-4C63-9EBB-8435B85A440F}"/>
+              </a:ext>
+              <a:ext uri="{C183D7F6-B498-43B3-948B-1728B52AA6E4}">
+                <adec:decorative xmlns:adec="http://schemas.microsoft.com/office/drawing/2017/decorative" val="1"/>
+              </a:ext>
+            </a:extLst>
+          </p:cNvPr>
+          <p:cNvSpPr>
+            <a:spLocks noGrp="1" noRot="1" noChangeAspect="1" noMove="1" noResize="1" noEditPoints="1" noAdjustHandles="1" noChangeArrowheads="1" noChangeShapeType="1" noTextEdit="1"/>
+          </p:cNvSpPr>
+          <p:nvPr>
+            <p:extLst>
+              <p:ext uri="{386F3935-93C4-4BCD-93E2-E3B085C9AB24}">
+                <p16:designElem xmlns:p16="http://schemas.microsoft.com/office/powerpoint/2015/main" val="1"/>
+              </p:ext>
+            </p:extLst>
+          </p:nvPr>
+        </p:nvSpPr>
+        <p:spPr>
+          <a:xfrm>
+            <a:off x="0" y="2203079"/>
+            <a:ext cx="11383362" cy="4267991"/>
+          </a:xfrm>
+          <a:prstGeom prst="rect">
+            <a:avLst/>
+          </a:prstGeom>
+          <a:solidFill>
+            <a:schemeClr val="bg1"/>
+          </a:solidFill>
+          <a:ln>
+            <a:noFill/>
+          </a:ln>
+          <a:effectLst>
+            <a:outerShdw blurRad="139700" dist="127000" dir="5400000" algn="t" rotWithShape="0">
+              <a:prstClr val="black">
+                <a:alpha val="15000"/>
+              </a:prstClr>
+            </a:outerShdw>
+          </a:effectLst>
+        </p:spPr>
+        <p:style>
+          <a:lnRef idx="2">
+            <a:schemeClr val="accent1">
+              <a:shade val="50000"/>
+            </a:schemeClr>
+          </a:lnRef>
+          <a:fillRef idx="1">
+            <a:schemeClr val="accent1"/>
+          </a:fillRef>
+          <a:effectRef idx="0">
+            <a:schemeClr val="accent1"/>
+          </a:effectRef>
+          <a:fontRef idx="minor">
+            <a:schemeClr val="lt1"/>
+          </a:fontRef>
+        </p:style>
+        <p:txBody>
+          <a:bodyPr rtlCol="0" anchor="ctr"/>
+          <a:lstStyle/>
+          <a:p>
+            <a:pPr algn="ctr"/>
+            <a:endParaRPr lang="en-US"/>
+          </a:p>
+        </p:txBody>
+      </p:sp>
+      <p:sp>
+        <p:nvSpPr>
+          <p:cNvPr id="3" name="Inhaltsplatzhalter 2">
+            <a:extLst>
+              <a:ext uri="{FF2B5EF4-FFF2-40B4-BE49-F238E27FC236}">
+                <a16:creationId xmlns:a16="http://schemas.microsoft.com/office/drawing/2014/main" id="{824EFEFD-9F7B-6A02-77BA-FBAB00920466}"/>
+              </a:ext>
+            </a:extLst>
+          </p:cNvPr>
+          <p:cNvSpPr>
+            <a:spLocks noGrp="1"/>
+          </p:cNvSpPr>
+          <p:nvPr>
+            <p:ph idx="1"/>
+          </p:nvPr>
+        </p:nvSpPr>
+        <p:spPr>
+          <a:xfrm>
+            <a:off x="793661" y="2599509"/>
+            <a:ext cx="9849356" cy="3639450"/>
+          </a:xfrm>
+        </p:spPr>
+        <p:txBody>
+          <a:bodyPr anchor="ctr">
+            <a:normAutofit/>
+          </a:bodyPr>
+          <a:lstStyle/>
+          <a:p>
+            <a:r>
+              <a:rPr lang="en-GB" sz="2000" dirty="0">
+                <a:latin typeface="Inconsolatazi4"/>
+                <a:sym typeface="Wingdings" pitchFamily="2" charset="2"/>
+              </a:rPr>
+              <a:t>Model()  Model specification</a:t>
+            </a:r>
+          </a:p>
+          <a:p>
+            <a:pPr lvl="1"/>
+            <a:r>
+              <a:rPr lang="en-GB" sz="2000" dirty="0">
+                <a:latin typeface="Inconsolatazi4"/>
+                <a:sym typeface="Wingdings" pitchFamily="2" charset="2"/>
+              </a:rPr>
+              <a:t>ETS()  Exponential smoothing state space model</a:t>
+            </a:r>
+          </a:p>
+          <a:p>
+            <a:pPr lvl="1"/>
+            <a:r>
+              <a:rPr lang="en-GB" sz="2000" dirty="0">
+                <a:latin typeface="Inconsolatazi4"/>
+                <a:sym typeface="Wingdings" pitchFamily="2" charset="2"/>
+              </a:rPr>
+              <a:t>ARIMA()  Autoregressive integrated moving average model</a:t>
+            </a:r>
+          </a:p>
+          <a:p>
+            <a:pPr lvl="1"/>
+            <a:r>
+              <a:rPr lang="en-GB" sz="2000" dirty="0">
+                <a:latin typeface="Inconsolatazi4"/>
+                <a:sym typeface="Wingdings" pitchFamily="2" charset="2"/>
+              </a:rPr>
+              <a:t>TSLM()  Linear model with time series components</a:t>
+            </a:r>
+          </a:p>
+          <a:p>
+            <a:pPr marL="457200" lvl="1" indent="0">
+              <a:buNone/>
+            </a:pPr>
+            <a:endParaRPr lang="en-GB" sz="2000" dirty="0">
+              <a:latin typeface="Inconsolatazi4"/>
+              <a:sym typeface="Wingdings" pitchFamily="2" charset="2"/>
+            </a:endParaRPr>
+          </a:p>
+          <a:p>
+            <a:r>
+              <a:rPr lang="en-GB" sz="2000" dirty="0">
+                <a:effectLst/>
+                <a:latin typeface="Inconsolatazi4"/>
+              </a:rPr>
+              <a:t>forecast() </a:t>
+            </a:r>
+            <a:r>
+              <a:rPr lang="en-GB" sz="2000" dirty="0">
+                <a:latin typeface="Inconsolatazi4"/>
+                <a:sym typeface="Wingdings" pitchFamily="2" charset="2"/>
+              </a:rPr>
+              <a:t></a:t>
+            </a:r>
+            <a:r>
+              <a:rPr lang="en-GB" sz="2000" dirty="0">
+                <a:latin typeface="Inconsolatazi4"/>
+              </a:rPr>
+              <a:t> </a:t>
+            </a:r>
+            <a:r>
+              <a:rPr lang="en-GB" sz="2000" dirty="0">
+                <a:effectLst/>
+                <a:latin typeface="NimbusRomNo9L"/>
+              </a:rPr>
+              <a:t>Forecast </a:t>
+            </a:r>
+            <a:r>
+              <a:rPr lang="en-GB" sz="2000" dirty="0">
+                <a:latin typeface="NimbusRomNo9L"/>
+              </a:rPr>
+              <a:t>Data </a:t>
+            </a:r>
+            <a:r>
+              <a:rPr lang="en-GB" sz="2000" dirty="0">
+                <a:effectLst/>
+                <a:latin typeface="NimbusRomNo9L"/>
+              </a:rPr>
+              <a:t>using the specified model</a:t>
+            </a:r>
+            <a:endParaRPr lang="en-GB" sz="2000" dirty="0"/>
+          </a:p>
+          <a:p>
+            <a:endParaRPr lang="en-GB" sz="2000" dirty="0">
+              <a:latin typeface="Inconsolatazi4"/>
+            </a:endParaRPr>
+          </a:p>
+          <a:p>
+            <a:r>
+              <a:rPr lang="en-GB" sz="2000" dirty="0">
+                <a:latin typeface="Inconsolatazi4"/>
+              </a:rPr>
+              <a:t>glance</a:t>
+            </a:r>
+            <a:r>
+              <a:rPr lang="en-GB" sz="2000" dirty="0">
+                <a:latin typeface="Inconsolatazi4"/>
+                <a:sym typeface="Wingdings" pitchFamily="2" charset="2"/>
+              </a:rPr>
+              <a:t>()  Construct a single row summary of the model</a:t>
+            </a:r>
+          </a:p>
+          <a:p>
+            <a:r>
+              <a:rPr lang="en-GB" sz="2000" dirty="0">
+                <a:latin typeface="Inconsolatazi4"/>
+              </a:rPr>
+              <a:t>accuracy() </a:t>
+            </a:r>
+            <a:r>
+              <a:rPr lang="en-GB" sz="2000" dirty="0">
+                <a:latin typeface="Inconsolatazi4"/>
+                <a:sym typeface="Wingdings" pitchFamily="2" charset="2"/>
+              </a:rPr>
+              <a:t> Summarise the performance of the model using accuracy measures</a:t>
+            </a:r>
+          </a:p>
+          <a:p>
+            <a:endParaRPr lang="en-GB" sz="2000" dirty="0">
+              <a:latin typeface="Inconsolatazi4"/>
+              <a:sym typeface="Wingdings" pitchFamily="2" charset="2"/>
+            </a:endParaRPr>
+          </a:p>
+        </p:txBody>
+      </p:sp>
+      <p:sp>
+        <p:nvSpPr>
+          <p:cNvPr id="15" name="Rectangle 14">
+            <a:extLst>
+              <a:ext uri="{FF2B5EF4-FFF2-40B4-BE49-F238E27FC236}">
+                <a16:creationId xmlns:a16="http://schemas.microsoft.com/office/drawing/2014/main" id="{E6995CE5-F890-4ABA-82A2-26507CE8D2A3}"/>
+              </a:ext>
+              <a:ext uri="{C183D7F6-B498-43B3-948B-1728B52AA6E4}">
+                <adec:decorative xmlns:adec="http://schemas.microsoft.com/office/drawing/2017/decorative" val="1"/>
+              </a:ext>
+            </a:extLst>
+          </p:cNvPr>
+          <p:cNvSpPr>
+            <a:spLocks noGrp="1" noRot="1" noChangeAspect="1" noMove="1" noResize="1" noEditPoints="1" noAdjustHandles="1" noChangeArrowheads="1" noChangeShapeType="1" noTextEdit="1"/>
+          </p:cNvSpPr>
+          <p:nvPr>
+            <p:extLst>
+              <p:ext uri="{386F3935-93C4-4BCD-93E2-E3B085C9AB24}">
+                <p16:designElem xmlns:p16="http://schemas.microsoft.com/office/powerpoint/2015/main" val="1"/>
+              </p:ext>
+            </p:extLst>
+          </p:nvPr>
+        </p:nvSpPr>
+        <p:spPr>
+          <a:xfrm rot="5400000">
+            <a:off x="11228040" y="2313027"/>
+            <a:ext cx="781700" cy="152382"/>
+          </a:xfrm>
+          <a:prstGeom prst="rect">
+            <a:avLst/>
+          </a:prstGeom>
+          <a:solidFill>
+            <a:schemeClr val="accent4"/>
+          </a:solidFill>
+          <a:ln>
+            <a:noFill/>
+          </a:ln>
+        </p:spPr>
+        <p:style>
+          <a:lnRef idx="2">
+            <a:schemeClr val="accent1">
+              <a:shade val="50000"/>
+            </a:schemeClr>
+          </a:lnRef>
+          <a:fillRef idx="1">
+            <a:schemeClr val="accent1"/>
+          </a:fillRef>
+          <a:effectRef idx="0">
+            <a:schemeClr val="accent1"/>
+          </a:effectRef>
+          <a:fontRef idx="minor">
+            <a:schemeClr val="lt1"/>
+          </a:fontRef>
+        </p:style>
+        <p:txBody>
+          <a:bodyPr rtlCol="0" anchor="ctr"/>
+          <a:lstStyle/>
+          <a:p>
+            <a:pPr algn="ctr"/>
+            <a:endParaRPr lang="en-US"/>
+          </a:p>
+        </p:txBody>
+      </p:sp>
+      <p:pic>
+        <p:nvPicPr>
+          <p:cNvPr id="5" name="Kamera 4">
+            <a:extLst>
+              <a:ext uri="{FF2B5EF4-FFF2-40B4-BE49-F238E27FC236}">
+                <a16:creationId xmlns:a16="http://schemas.microsoft.com/office/drawing/2014/main" id="{5D0757A2-9332-4E73-0AC6-225A3AB7AFEB}"/>
+              </a:ext>
+            </a:extLst>
+          </p:cNvPr>
+          <p:cNvPicPr>
+            <a:picLocks noChangeAspect="1"/>
+            <a:extLst>
+              <a:ext uri="{51228E76-BA90-4043-B771-695A4F85340A}">
+                <alf:liveFeedProps xmlns:alf="http://schemas.microsoft.com/office/drawing/2021/livefeed"/>
+              </a:ext>
+            </a:extLst>
+          </p:cNvPicPr>
+          <p:nvPr/>
+        </p:nvPicPr>
+        <p:blipFill>
+          <a:blip r:embed="rId3">
+            <a:extLst>
+              <a:ext uri="{96DAC541-7B7A-43D3-8B79-37D633B846F1}">
+                <asvg:svgBlip xmlns:asvg="http://schemas.microsoft.com/office/drawing/2016/SVG/main" r:embed="rId4"/>
+              </a:ext>
+            </a:extLst>
+          </a:blip>
+          <a:stretch>
+            <a:fillRect/>
+          </a:stretch>
+        </p:blipFill>
+        <p:spPr>
+          <a:xfrm>
+            <a:off x="8961406" y="178904"/>
+            <a:ext cx="3048000" cy="1714500"/>
+          </a:xfrm>
+          <a:prstGeom prst="rect">
+            <a:avLst/>
+          </a:prstGeom>
+        </p:spPr>
+      </p:pic>
+    </p:spTree>
+    <p:extLst>
+      <p:ext uri="{BB962C8B-B14F-4D97-AF65-F5344CB8AC3E}">
+        <p14:creationId xmlns:p14="http://schemas.microsoft.com/office/powerpoint/2010/main" val="3373051510"/>
+      </p:ext>
+    </p:extLst>
+  </p:cSld>
+  <p:clrMapOvr>
+    <a:masterClrMapping/>
+  </p:clrMapOvr>
+</p:sld>
+</file>
+
+<file path=ppt/slides/slide12.xml><?xml version="1.0" encoding="utf-8"?>
+<p:sld xmlns:a="http://schemas.openxmlformats.org/drawingml/2006/main" xmlns:r="http://schemas.openxmlformats.org/officeDocument/2006/relationships" xmlns:p="http://schemas.openxmlformats.org/presentationml/2006/main">
+  <p:cSld>
+    <p:bg>
+      <p:bgPr>
+        <a:solidFill>
+          <a:schemeClr val="bg1"/>
+        </a:solidFill>
+        <a:effectLst/>
+      </p:bgPr>
+    </p:bg>
+    <p:spTree>
+      <p:nvGrpSpPr>
+        <p:cNvPr id="1" name=""/>
+        <p:cNvGrpSpPr/>
+        <p:nvPr/>
+      </p:nvGrpSpPr>
+      <p:grpSpPr>
+        <a:xfrm>
+          <a:off x="0" y="0"/>
+          <a:ext cx="0" cy="0"/>
+          <a:chOff x="0" y="0"/>
+          <a:chExt cx="0" cy="0"/>
+        </a:xfrm>
+      </p:grpSpPr>
+      <p:sp useBgFill="1">
+        <p:nvSpPr>
+          <p:cNvPr id="15" name="Rectangle 14">
+            <a:extLst>
+              <a:ext uri="{FF2B5EF4-FFF2-40B4-BE49-F238E27FC236}">
+                <a16:creationId xmlns:a16="http://schemas.microsoft.com/office/drawing/2014/main" id="{149FB5C3-7336-4FE0-A30C-CC0A3646D499}"/>
+              </a:ext>
+              <a:ext uri="{C183D7F6-B498-43B3-948B-1728B52AA6E4}">
+                <adec:decorative xmlns:adec="http://schemas.microsoft.com/office/drawing/2017/decorative" val="1"/>
+              </a:ext>
+            </a:extLst>
+          </p:cNvPr>
+          <p:cNvSpPr>
+            <a:spLocks noGrp="1" noRot="1" noChangeAspect="1" noMove="1" noResize="1" noEditPoints="1" noAdjustHandles="1" noChangeArrowheads="1" noChangeShapeType="1" noTextEdit="1"/>
+          </p:cNvSpPr>
+          <p:nvPr>
+            <p:extLst>
+              <p:ext uri="{386F3935-93C4-4BCD-93E2-E3B085C9AB24}">
+                <p16:designElem xmlns:p16="http://schemas.microsoft.com/office/powerpoint/2015/main" val="1"/>
+              </p:ext>
+            </p:extLst>
+          </p:nvPr>
+        </p:nvSpPr>
+        <p:spPr>
+          <a:xfrm>
+            <a:off x="0" y="0"/>
+            <a:ext cx="12191999" cy="6857365"/>
+          </a:xfrm>
+          <a:prstGeom prst="rect">
+            <a:avLst/>
+          </a:prstGeom>
+          <a:ln>
+            <a:noFill/>
+          </a:ln>
+        </p:spPr>
+        <p:style>
+          <a:lnRef idx="2">
+            <a:schemeClr val="accent1">
+              <a:shade val="50000"/>
+            </a:schemeClr>
+          </a:lnRef>
+          <a:fillRef idx="1">
+            <a:schemeClr val="accent1"/>
+          </a:fillRef>
+          <a:effectRef idx="0">
+            <a:schemeClr val="accent1"/>
+          </a:effectRef>
+          <a:fontRef idx="minor">
+            <a:schemeClr val="lt1"/>
+          </a:fontRef>
+        </p:style>
+        <p:txBody>
+          <a:bodyPr rtlCol="0" anchor="ctr"/>
+          <a:lstStyle/>
+          <a:p>
+            <a:pPr algn="ctr"/>
+            <a:endParaRPr lang="en-US"/>
+          </a:p>
+        </p:txBody>
+      </p:sp>
+      <p:grpSp>
+        <p:nvGrpSpPr>
+          <p:cNvPr id="17" name="Group 16">
+            <a:extLst>
+              <a:ext uri="{FF2B5EF4-FFF2-40B4-BE49-F238E27FC236}">
+                <a16:creationId xmlns:a16="http://schemas.microsoft.com/office/drawing/2014/main" id="{19A6B5CE-CB1D-48EE-8B43-E952235C8371}"/>
+              </a:ext>
+              <a:ext uri="{C183D7F6-B498-43B3-948B-1728B52AA6E4}">
+                <adec:decorative xmlns:adec="http://schemas.microsoft.com/office/drawing/2017/decorative" val="1"/>
+              </a:ext>
+            </a:extLst>
+          </p:cNvPr>
+          <p:cNvGrpSpPr>
+            <a:grpSpLocks noGrp="1" noUngrp="1" noRot="1" noChangeAspect="1" noMove="1" noResize="1"/>
+          </p:cNvGrpSpPr>
+          <p:nvPr>
+            <p:extLst>
+              <p:ext uri="{386F3935-93C4-4BCD-93E2-E3B085C9AB24}">
+                <p16:designElem xmlns:p16="http://schemas.microsoft.com/office/powerpoint/2015/main" val="1"/>
+              </p:ext>
+            </p:extLst>
+          </p:nvPr>
+        </p:nvGrpSpPr>
+        <p:grpSpPr>
+          <a:xfrm rot="5400000">
+            <a:off x="-2340441" y="2666183"/>
+            <a:ext cx="5860051" cy="527712"/>
+            <a:chOff x="6081624" y="1998368"/>
+            <a:chExt cx="5613457" cy="782175"/>
+          </a:xfrm>
+          <a:solidFill>
+            <a:schemeClr val="accent4"/>
+          </a:solidFill>
+        </p:grpSpPr>
+        <p:sp>
+          <p:nvSpPr>
+            <p:cNvPr id="18" name="Rectangle 17">
+              <a:extLst>
+                <a:ext uri="{FF2B5EF4-FFF2-40B4-BE49-F238E27FC236}">
+                  <a16:creationId xmlns:a16="http://schemas.microsoft.com/office/drawing/2014/main" id="{E3F3EAA5-4E15-400B-BBA3-82B3F49A2178}"/>
+                </a:ext>
+                <a:ext uri="{C183D7F6-B498-43B3-948B-1728B52AA6E4}">
+                  <adec:decorative xmlns:adec="http://schemas.microsoft.com/office/drawing/2017/decorative" val="1"/>
+                </a:ext>
+              </a:extLst>
+            </p:cNvPr>
+            <p:cNvSpPr/>
+            <p:nvPr>
+              <p:extLst>
+                <p:ext uri="{386F3935-93C4-4BCD-93E2-E3B085C9AB24}">
+                  <p16:designElem xmlns:p16="http://schemas.microsoft.com/office/powerpoint/2015/main" val="1"/>
+                </p:ext>
+              </p:extLst>
+            </p:nvPr>
+          </p:nvSpPr>
+          <p:spPr>
+            <a:xfrm rot="5400000">
+              <a:off x="11228040" y="2313027"/>
+              <a:ext cx="781700" cy="152382"/>
+            </a:xfrm>
+            <a:prstGeom prst="rect">
+              <a:avLst/>
+            </a:prstGeom>
+            <a:grpFill/>
+            <a:ln>
+              <a:noFill/>
+            </a:ln>
+          </p:spPr>
+          <p:style>
+            <a:lnRef idx="2">
+              <a:schemeClr val="accent1">
+                <a:shade val="50000"/>
+              </a:schemeClr>
+            </a:lnRef>
+            <a:fillRef idx="1">
+              <a:schemeClr val="accent1"/>
+            </a:fillRef>
+            <a:effectRef idx="0">
+              <a:schemeClr val="accent1"/>
+            </a:effectRef>
+            <a:fontRef idx="minor">
+              <a:schemeClr val="lt1"/>
+            </a:fontRef>
+          </p:style>
+          <p:txBody>
+            <a:bodyPr rtlCol="0" anchor="ctr"/>
+            <a:lstStyle/>
+            <a:p>
+              <a:pPr algn="ctr"/>
+              <a:endParaRPr lang="en-US"/>
+            </a:p>
+          </p:txBody>
+        </p:sp>
+        <p:sp>
+          <p:nvSpPr>
+            <p:cNvPr id="19" name="Rectangle 18">
+              <a:extLst>
+                <a:ext uri="{FF2B5EF4-FFF2-40B4-BE49-F238E27FC236}">
+                  <a16:creationId xmlns:a16="http://schemas.microsoft.com/office/drawing/2014/main" id="{72BA2E40-BE9B-4C54-9CDD-40EE804CCE64}"/>
+                </a:ext>
+                <a:ext uri="{C183D7F6-B498-43B3-948B-1728B52AA6E4}">
+                  <adec:decorative xmlns:adec="http://schemas.microsoft.com/office/drawing/2017/decorative" val="1"/>
+                </a:ext>
+              </a:extLst>
+            </p:cNvPr>
+            <p:cNvSpPr/>
+            <p:nvPr>
+              <p:extLst>
+                <p:ext uri="{386F3935-93C4-4BCD-93E2-E3B085C9AB24}">
+                  <p16:designElem xmlns:p16="http://schemas.microsoft.com/office/powerpoint/2015/main" val="1"/>
+                </p:ext>
+              </p:extLst>
+            </p:nvPr>
+          </p:nvSpPr>
+          <p:spPr>
+            <a:xfrm flipH="1" flipV="1">
+              <a:off x="6081624" y="1998844"/>
+              <a:ext cx="5372968" cy="781699"/>
+            </a:xfrm>
+            <a:prstGeom prst="rect">
+              <a:avLst/>
+            </a:prstGeom>
+            <a:grpFill/>
+            <a:ln>
+              <a:noFill/>
+            </a:ln>
+          </p:spPr>
+          <p:style>
+            <a:lnRef idx="2">
+              <a:schemeClr val="accent1">
+                <a:shade val="50000"/>
+              </a:schemeClr>
+            </a:lnRef>
+            <a:fillRef idx="1">
+              <a:schemeClr val="accent1"/>
+            </a:fillRef>
+            <a:effectRef idx="0">
+              <a:schemeClr val="accent1"/>
+            </a:effectRef>
+            <a:fontRef idx="minor">
+              <a:schemeClr val="lt1"/>
+            </a:fontRef>
+          </p:style>
+          <p:txBody>
+            <a:bodyPr rtlCol="0" anchor="ctr"/>
+            <a:lstStyle/>
+            <a:p>
+              <a:pPr algn="ctr"/>
+              <a:endParaRPr lang="en-US"/>
+            </a:p>
+          </p:txBody>
+        </p:sp>
+      </p:grpSp>
+      <p:sp>
+        <p:nvSpPr>
+          <p:cNvPr id="21" name="Rectangle 20">
+            <a:extLst>
+              <a:ext uri="{FF2B5EF4-FFF2-40B4-BE49-F238E27FC236}">
+                <a16:creationId xmlns:a16="http://schemas.microsoft.com/office/drawing/2014/main" id="{0DA909B4-15FF-46A6-8A7F-7AEF977FE9ED}"/>
+              </a:ext>
+              <a:ext uri="{C183D7F6-B498-43B3-948B-1728B52AA6E4}">
+                <adec:decorative xmlns:adec="http://schemas.microsoft.com/office/drawing/2017/decorative" val="1"/>
+              </a:ext>
+            </a:extLst>
+          </p:cNvPr>
+          <p:cNvSpPr>
+            <a:spLocks noGrp="1" noRot="1" noChangeAspect="1" noMove="1" noResize="1" noEditPoints="1" noAdjustHandles="1" noChangeArrowheads="1" noChangeShapeType="1" noTextEdit="1"/>
+          </p:cNvSpPr>
+          <p:nvPr>
+            <p:extLst>
+              <p:ext uri="{386F3935-93C4-4BCD-93E2-E3B085C9AB24}">
+                <p16:designElem xmlns:p16="http://schemas.microsoft.com/office/powerpoint/2015/main" val="1"/>
+              </p:ext>
+            </p:extLst>
+          </p:nvPr>
+        </p:nvSpPr>
+        <p:spPr>
+          <a:xfrm>
+            <a:off x="579528" y="517897"/>
+            <a:ext cx="11111729" cy="5857966"/>
+          </a:xfrm>
+          <a:prstGeom prst="rect">
+            <a:avLst/>
+          </a:prstGeom>
+          <a:solidFill>
+            <a:schemeClr val="bg1"/>
+          </a:solidFill>
+          <a:ln>
+            <a:noFill/>
+          </a:ln>
+          <a:effectLst>
+            <a:outerShdw blurRad="139700" dist="127000" dir="5400000" algn="t" rotWithShape="0">
+              <a:prstClr val="black">
+                <a:alpha val="15000"/>
+              </a:prstClr>
+            </a:outerShdw>
+          </a:effectLst>
+        </p:spPr>
+        <p:style>
+          <a:lnRef idx="2">
+            <a:schemeClr val="accent1">
+              <a:shade val="50000"/>
+            </a:schemeClr>
+          </a:lnRef>
+          <a:fillRef idx="1">
+            <a:schemeClr val="accent1"/>
+          </a:fillRef>
+          <a:effectRef idx="0">
+            <a:schemeClr val="accent1"/>
+          </a:effectRef>
+          <a:fontRef idx="minor">
+            <a:schemeClr val="lt1"/>
+          </a:fontRef>
+        </p:style>
+        <p:txBody>
+          <a:bodyPr rtlCol="0" anchor="ctr"/>
+          <a:lstStyle/>
+          <a:p>
+            <a:pPr algn="ctr"/>
+            <a:endParaRPr lang="en-US"/>
+          </a:p>
+        </p:txBody>
+      </p:sp>
+      <p:sp>
+        <p:nvSpPr>
+          <p:cNvPr id="2" name="Titel 1">
+            <a:extLst>
+              <a:ext uri="{FF2B5EF4-FFF2-40B4-BE49-F238E27FC236}">
+                <a16:creationId xmlns:a16="http://schemas.microsoft.com/office/drawing/2014/main" id="{F6655BA3-676A-D955-E13C-5A2890900397}"/>
+              </a:ext>
+            </a:extLst>
+          </p:cNvPr>
+          <p:cNvSpPr>
+            <a:spLocks noGrp="1"/>
+          </p:cNvSpPr>
+          <p:nvPr>
+            <p:ph type="title"/>
+          </p:nvPr>
+        </p:nvSpPr>
+        <p:spPr>
+          <a:xfrm>
+            <a:off x="1057025" y="922644"/>
+            <a:ext cx="7845156" cy="1169585"/>
+          </a:xfrm>
+        </p:spPr>
+        <p:txBody>
+          <a:bodyPr anchor="b">
+            <a:normAutofit fontScale="90000"/>
+          </a:bodyPr>
+          <a:lstStyle/>
+          <a:p>
+            <a:r>
+              <a:rPr lang="en-GB" sz="4000" dirty="0"/>
+              <a:t>Model specification and estimation (fable)</a:t>
+            </a:r>
+            <a:endParaRPr lang="en-GB" sz="3700" dirty="0"/>
+          </a:p>
+        </p:txBody>
+      </p:sp>
+      <p:sp>
+        <p:nvSpPr>
+          <p:cNvPr id="23" name="Rectangle 22">
+            <a:extLst>
+              <a:ext uri="{FF2B5EF4-FFF2-40B4-BE49-F238E27FC236}">
+                <a16:creationId xmlns:a16="http://schemas.microsoft.com/office/drawing/2014/main" id="{1382A32C-5B0C-4B1C-A074-76C6DBCC9F87}"/>
+              </a:ext>
+              <a:ext uri="{C183D7F6-B498-43B3-948B-1728B52AA6E4}">
+                <adec:decorative xmlns:adec="http://schemas.microsoft.com/office/drawing/2017/decorative" val="1"/>
+              </a:ext>
+            </a:extLst>
+          </p:cNvPr>
+          <p:cNvSpPr>
+            <a:spLocks noGrp="1" noRot="1" noChangeAspect="1" noMove="1" noResize="1" noEditPoints="1" noAdjustHandles="1" noChangeArrowheads="1" noChangeShapeType="1" noTextEdit="1"/>
+          </p:cNvSpPr>
+          <p:nvPr>
+            <p:extLst>
+              <p:ext uri="{386F3935-93C4-4BCD-93E2-E3B085C9AB24}">
+                <p16:designElem xmlns:p16="http://schemas.microsoft.com/office/powerpoint/2015/main" val="1"/>
+              </p:ext>
+            </p:extLst>
+          </p:nvPr>
+        </p:nvSpPr>
+        <p:spPr>
+          <a:xfrm flipH="1">
+            <a:off x="1055714" y="2263365"/>
+            <a:ext cx="4937760" cy="27432"/>
+          </a:xfrm>
+          <a:prstGeom prst="rect">
+            <a:avLst/>
+          </a:prstGeom>
+          <a:solidFill>
+            <a:schemeClr val="accent4"/>
+          </a:solidFill>
+          <a:ln>
+            <a:noFill/>
+          </a:ln>
+        </p:spPr>
+        <p:style>
+          <a:lnRef idx="2">
+            <a:schemeClr val="accent1">
+              <a:shade val="50000"/>
+            </a:schemeClr>
+          </a:lnRef>
+          <a:fillRef idx="1">
+            <a:schemeClr val="accent1"/>
+          </a:fillRef>
+          <a:effectRef idx="0">
+            <a:schemeClr val="accent1"/>
+          </a:effectRef>
+          <a:fontRef idx="minor">
+            <a:schemeClr val="lt1"/>
+          </a:fontRef>
+        </p:style>
+        <p:txBody>
+          <a:bodyPr rtlCol="0" anchor="ctr"/>
+          <a:lstStyle/>
+          <a:p>
+            <a:pPr algn="ctr"/>
+            <a:endParaRPr lang="en-US"/>
+          </a:p>
+        </p:txBody>
+      </p:sp>
+      <p:pic>
+        <p:nvPicPr>
+          <p:cNvPr id="3" name="Kamera 2">
+            <a:extLst>
+              <a:ext uri="{FF2B5EF4-FFF2-40B4-BE49-F238E27FC236}">
+                <a16:creationId xmlns:a16="http://schemas.microsoft.com/office/drawing/2014/main" id="{18C3FFBC-239F-FC30-2E9D-D5022F0510C7}"/>
+              </a:ext>
+            </a:extLst>
+          </p:cNvPr>
+          <p:cNvPicPr>
+            <a:picLocks noChangeAspect="1"/>
+            <a:extLst>
+              <a:ext uri="{51228E76-BA90-4043-B771-695A4F85340A}">
+                <alf:liveFeedProps xmlns:alf="http://schemas.microsoft.com/office/drawing/2021/livefeed"/>
+              </a:ext>
+            </a:extLst>
+          </p:cNvPicPr>
+          <p:nvPr/>
+        </p:nvPicPr>
+        <p:blipFill>
+          <a:blip r:embed="rId3">
+            <a:extLst>
+              <a:ext uri="{96DAC541-7B7A-43D3-8B79-37D633B846F1}">
+                <asvg:svgBlip xmlns:asvg="http://schemas.microsoft.com/office/drawing/2016/SVG/main" r:embed="rId4"/>
+              </a:ext>
+            </a:extLst>
+          </a:blip>
+          <a:stretch>
+            <a:fillRect/>
+          </a:stretch>
+        </p:blipFill>
+        <p:spPr>
+          <a:xfrm>
+            <a:off x="8961406" y="178904"/>
+            <a:ext cx="3048000" cy="1714500"/>
+          </a:xfrm>
+          <a:prstGeom prst="rect">
+            <a:avLst/>
+          </a:prstGeom>
+        </p:spPr>
+      </p:pic>
+      <p:sp>
+        <p:nvSpPr>
+          <p:cNvPr id="11" name="Inhaltsplatzhalter 2">
+            <a:extLst>
+              <a:ext uri="{FF2B5EF4-FFF2-40B4-BE49-F238E27FC236}">
+                <a16:creationId xmlns:a16="http://schemas.microsoft.com/office/drawing/2014/main" id="{3F8E8AAF-2421-7C99-0BC5-9C914EFA9112}"/>
+              </a:ext>
+            </a:extLst>
+          </p:cNvPr>
+          <p:cNvSpPr>
+            <a:spLocks noGrp="1"/>
+          </p:cNvSpPr>
+          <p:nvPr>
+            <p:ph idx="1"/>
+          </p:nvPr>
+        </p:nvSpPr>
+        <p:spPr>
+          <a:xfrm>
+            <a:off x="1055716" y="2437907"/>
+            <a:ext cx="8005763" cy="388938"/>
+          </a:xfrm>
+          <a:solidFill>
+            <a:schemeClr val="bg1">
+              <a:lumMod val="95000"/>
+            </a:schemeClr>
+          </a:solidFill>
+        </p:spPr>
+        <p:txBody>
+          <a:bodyPr>
+            <a:normAutofit/>
+          </a:bodyPr>
+          <a:lstStyle/>
+          <a:p>
+            <a:pPr marL="0" indent="0">
+              <a:buNone/>
+            </a:pPr>
+            <a:r>
+              <a:rPr lang="de-DE" sz="2000" b="0" i="0" u="none" strike="noStrike" dirty="0" err="1">
+                <a:solidFill>
+                  <a:srgbClr val="333333"/>
+                </a:solidFill>
+                <a:effectLst/>
+                <a:latin typeface="SFMono-Regular"/>
+              </a:rPr>
+              <a:t>tourism</a:t>
+            </a:r>
+            <a:endParaRPr lang="en-GB" sz="2000" dirty="0"/>
+          </a:p>
+        </p:txBody>
+      </p:sp>
+      <p:sp>
+        <p:nvSpPr>
+          <p:cNvPr id="12" name="Inhaltsplatzhalter 2">
+            <a:extLst>
+              <a:ext uri="{FF2B5EF4-FFF2-40B4-BE49-F238E27FC236}">
+                <a16:creationId xmlns:a16="http://schemas.microsoft.com/office/drawing/2014/main" id="{EA54F9E1-A830-8A5B-E662-8AB815638810}"/>
+              </a:ext>
+            </a:extLst>
+          </p:cNvPr>
+          <p:cNvSpPr txBox="1">
+            <a:spLocks/>
+          </p:cNvSpPr>
+          <p:nvPr/>
+        </p:nvSpPr>
+        <p:spPr>
+          <a:xfrm>
+            <a:off x="1055714" y="2955433"/>
+            <a:ext cx="8005763" cy="1720852"/>
+          </a:xfrm>
+          <a:prstGeom prst="rect">
+            <a:avLst/>
+          </a:prstGeom>
+          <a:solidFill>
+            <a:schemeClr val="bg1">
+              <a:lumMod val="95000"/>
+            </a:schemeClr>
+          </a:solidFill>
+        </p:spPr>
+        <p:txBody>
+          <a:bodyPr vert="horz" lIns="91440" tIns="45720" rIns="91440" bIns="45720" rtlCol="0">
+            <a:noAutofit/>
+          </a:bodyPr>
+          <a:lstStyle>
+            <a:lvl1pPr marL="228600" indent="-228600" algn="l" defTabSz="914400" rtl="0" eaLnBrk="1" latinLnBrk="0" hangingPunct="1">
+              <a:lnSpc>
+                <a:spcPct val="90000"/>
+              </a:lnSpc>
+              <a:spcBef>
+                <a:spcPts val="1000"/>
+              </a:spcBef>
+              <a:buFont typeface="Arial" panose="020B0604020202020204" pitchFamily="34" charset="0"/>
+              <a:buChar char="•"/>
+              <a:defRPr sz="2800" kern="1200">
+                <a:solidFill>
+                  <a:schemeClr val="tx1"/>
+                </a:solidFill>
+                <a:latin typeface="+mn-lt"/>
+                <a:ea typeface="+mn-ea"/>
+                <a:cs typeface="+mn-cs"/>
+              </a:defRPr>
+            </a:lvl1pPr>
+            <a:lvl2pPr marL="685800" indent="-228600" algn="l" defTabSz="914400" rtl="0" eaLnBrk="1" latinLnBrk="0" hangingPunct="1">
+              <a:lnSpc>
+                <a:spcPct val="90000"/>
+              </a:lnSpc>
+              <a:spcBef>
+                <a:spcPts val="500"/>
+              </a:spcBef>
+              <a:buFont typeface="Arial" panose="020B0604020202020204" pitchFamily="34" charset="0"/>
+              <a:buChar char="•"/>
+              <a:defRPr sz="2400" kern="1200">
+                <a:solidFill>
+                  <a:schemeClr val="tx1"/>
+                </a:solidFill>
+                <a:latin typeface="+mn-lt"/>
+                <a:ea typeface="+mn-ea"/>
+                <a:cs typeface="+mn-cs"/>
+              </a:defRPr>
+            </a:lvl2pPr>
+            <a:lvl3pPr marL="1143000" indent="-228600" algn="l" defTabSz="914400" rtl="0" eaLnBrk="1" latinLnBrk="0" hangingPunct="1">
+              <a:lnSpc>
+                <a:spcPct val="90000"/>
+              </a:lnSpc>
+              <a:spcBef>
+                <a:spcPts val="500"/>
+              </a:spcBef>
+              <a:buFont typeface="Arial" panose="020B0604020202020204" pitchFamily="34" charset="0"/>
+              <a:buChar char="•"/>
+              <a:defRPr sz="2000" kern="1200">
+                <a:solidFill>
+                  <a:schemeClr val="tx1"/>
+                </a:solidFill>
+                <a:latin typeface="+mn-lt"/>
+                <a:ea typeface="+mn-ea"/>
+                <a:cs typeface="+mn-cs"/>
+              </a:defRPr>
+            </a:lvl3pPr>
+            <a:lvl4pPr marL="1600200" indent="-228600" algn="l" defTabSz="914400" rtl="0" eaLnBrk="1" latinLnBrk="0" hangingPunct="1">
+              <a:lnSpc>
+                <a:spcPct val="90000"/>
+              </a:lnSpc>
+              <a:spcBef>
+                <a:spcPts val="500"/>
+              </a:spcBef>
+              <a:buFont typeface="Arial" panose="020B0604020202020204" pitchFamily="34" charset="0"/>
+              <a:buChar char="•"/>
+              <a:defRPr sz="1800" kern="1200">
+                <a:solidFill>
+                  <a:schemeClr val="tx1"/>
+                </a:solidFill>
+                <a:latin typeface="+mn-lt"/>
+                <a:ea typeface="+mn-ea"/>
+                <a:cs typeface="+mn-cs"/>
+              </a:defRPr>
+            </a:lvl4pPr>
+            <a:lvl5pPr marL="2057400" indent="-228600" algn="l" defTabSz="914400" rtl="0" eaLnBrk="1" latinLnBrk="0" hangingPunct="1">
+              <a:lnSpc>
+                <a:spcPct val="90000"/>
+              </a:lnSpc>
+              <a:spcBef>
+                <a:spcPts val="500"/>
+              </a:spcBef>
+              <a:buFont typeface="Arial" panose="020B0604020202020204" pitchFamily="34" charset="0"/>
+              <a:buChar char="•"/>
+              <a:defRPr sz="1800" kern="1200">
+                <a:solidFill>
+                  <a:schemeClr val="tx1"/>
+                </a:solidFill>
+                <a:latin typeface="+mn-lt"/>
+                <a:ea typeface="+mn-ea"/>
+                <a:cs typeface="+mn-cs"/>
+              </a:defRPr>
+            </a:lvl5pPr>
+            <a:lvl6pPr marL="2514600" indent="-228600" algn="l" defTabSz="914400" rtl="0" eaLnBrk="1" latinLnBrk="0" hangingPunct="1">
+              <a:lnSpc>
+                <a:spcPct val="90000"/>
+              </a:lnSpc>
+              <a:spcBef>
+                <a:spcPts val="500"/>
+              </a:spcBef>
+              <a:buFont typeface="Arial" panose="020B0604020202020204" pitchFamily="34" charset="0"/>
+              <a:buChar char="•"/>
+              <a:defRPr sz="1800" kern="1200">
+                <a:solidFill>
+                  <a:schemeClr val="tx1"/>
+                </a:solidFill>
+                <a:latin typeface="+mn-lt"/>
+                <a:ea typeface="+mn-ea"/>
+                <a:cs typeface="+mn-cs"/>
+              </a:defRPr>
+            </a:lvl6pPr>
+            <a:lvl7pPr marL="2971800" indent="-228600" algn="l" defTabSz="914400" rtl="0" eaLnBrk="1" latinLnBrk="0" hangingPunct="1">
+              <a:lnSpc>
+                <a:spcPct val="90000"/>
+              </a:lnSpc>
+              <a:spcBef>
+                <a:spcPts val="500"/>
+              </a:spcBef>
+              <a:buFont typeface="Arial" panose="020B0604020202020204" pitchFamily="34" charset="0"/>
+              <a:buChar char="•"/>
+              <a:defRPr sz="1800" kern="1200">
+                <a:solidFill>
+                  <a:schemeClr val="tx1"/>
+                </a:solidFill>
+                <a:latin typeface="+mn-lt"/>
+                <a:ea typeface="+mn-ea"/>
+                <a:cs typeface="+mn-cs"/>
+              </a:defRPr>
+            </a:lvl7pPr>
+            <a:lvl8pPr marL="3429000" indent="-228600" algn="l" defTabSz="914400" rtl="0" eaLnBrk="1" latinLnBrk="0" hangingPunct="1">
+              <a:lnSpc>
+                <a:spcPct val="90000"/>
+              </a:lnSpc>
+              <a:spcBef>
+                <a:spcPts val="500"/>
+              </a:spcBef>
+              <a:buFont typeface="Arial" panose="020B0604020202020204" pitchFamily="34" charset="0"/>
+              <a:buChar char="•"/>
+              <a:defRPr sz="1800" kern="1200">
+                <a:solidFill>
+                  <a:schemeClr val="tx1"/>
+                </a:solidFill>
+                <a:latin typeface="+mn-lt"/>
+                <a:ea typeface="+mn-ea"/>
+                <a:cs typeface="+mn-cs"/>
+              </a:defRPr>
+            </a:lvl8pPr>
+            <a:lvl9pPr marL="3886200" indent="-228600" algn="l" defTabSz="914400" rtl="0" eaLnBrk="1" latinLnBrk="0" hangingPunct="1">
+              <a:lnSpc>
+                <a:spcPct val="90000"/>
+              </a:lnSpc>
+              <a:spcBef>
+                <a:spcPts val="500"/>
+              </a:spcBef>
+              <a:buFont typeface="Arial" panose="020B0604020202020204" pitchFamily="34" charset="0"/>
+              <a:buChar char="•"/>
+              <a:defRPr sz="1800" kern="1200">
+                <a:solidFill>
+                  <a:schemeClr val="tx1"/>
+                </a:solidFill>
+                <a:latin typeface="+mn-lt"/>
+                <a:ea typeface="+mn-ea"/>
+                <a:cs typeface="+mn-cs"/>
+              </a:defRPr>
+            </a:lvl9pPr>
+          </a:lstStyle>
+          <a:p>
+            <a:pPr marL="0" indent="0">
+              <a:buFont typeface="Arial" panose="020B0604020202020204" pitchFamily="34" charset="0"/>
+              <a:buNone/>
+            </a:pPr>
+            <a:r>
+              <a:rPr lang="de-DE" sz="2000" dirty="0">
+                <a:solidFill>
+                  <a:schemeClr val="bg1">
+                    <a:lumMod val="50000"/>
+                  </a:schemeClr>
+                </a:solidFill>
+                <a:latin typeface="SFMono-Regular"/>
+              </a:rPr>
+              <a:t># Data Manipulation</a:t>
+            </a:r>
+          </a:p>
+          <a:p>
+            <a:pPr marL="0" indent="0">
+              <a:buFont typeface="Arial" panose="020B0604020202020204" pitchFamily="34" charset="0"/>
+              <a:buNone/>
+            </a:pPr>
+            <a:r>
+              <a:rPr lang="de-DE" sz="2000" dirty="0" err="1">
+                <a:solidFill>
+                  <a:srgbClr val="333333"/>
+                </a:solidFill>
+                <a:latin typeface="SFMono-Regular"/>
+              </a:rPr>
+              <a:t>tourism_t_trips</a:t>
+            </a:r>
+            <a:r>
+              <a:rPr lang="de-DE" sz="2000" dirty="0">
+                <a:solidFill>
+                  <a:srgbClr val="333333"/>
+                </a:solidFill>
+                <a:latin typeface="SFMono-Regular"/>
+              </a:rPr>
+              <a:t> &lt;- </a:t>
+            </a:r>
+            <a:r>
+              <a:rPr lang="de-DE" sz="2000" dirty="0" err="1">
+                <a:solidFill>
+                  <a:srgbClr val="333333"/>
+                </a:solidFill>
+                <a:latin typeface="SFMono-Regular"/>
+              </a:rPr>
+              <a:t>tourism</a:t>
+            </a:r>
+            <a:r>
+              <a:rPr lang="de-DE" sz="2000" dirty="0">
+                <a:solidFill>
+                  <a:srgbClr val="333333"/>
+                </a:solidFill>
+                <a:latin typeface="SFMono-Regular"/>
+              </a:rPr>
+              <a:t> %&gt;% </a:t>
+            </a:r>
+          </a:p>
+          <a:p>
+            <a:pPr marL="0" indent="0">
+              <a:buFont typeface="Arial" panose="020B0604020202020204" pitchFamily="34" charset="0"/>
+              <a:buNone/>
+            </a:pPr>
+            <a:r>
+              <a:rPr lang="de-DE" sz="2000" dirty="0">
+                <a:solidFill>
+                  <a:srgbClr val="333333"/>
+                </a:solidFill>
+                <a:latin typeface="SFMono-Regular"/>
+              </a:rPr>
+              <a:t>  </a:t>
+            </a:r>
+            <a:r>
+              <a:rPr lang="de-DE" sz="2000" dirty="0" err="1">
+                <a:solidFill>
+                  <a:srgbClr val="333333"/>
+                </a:solidFill>
+                <a:latin typeface="SFMono-Regular"/>
+              </a:rPr>
+              <a:t>summarise</a:t>
+            </a:r>
+            <a:r>
+              <a:rPr lang="de-DE" sz="2000" dirty="0">
+                <a:solidFill>
+                  <a:srgbClr val="333333"/>
+                </a:solidFill>
+                <a:latin typeface="SFMono-Regular"/>
+              </a:rPr>
+              <a:t>(Trips = </a:t>
+            </a:r>
+            <a:r>
+              <a:rPr lang="de-DE" sz="2000" dirty="0" err="1">
+                <a:solidFill>
+                  <a:srgbClr val="333333"/>
+                </a:solidFill>
+                <a:latin typeface="SFMono-Regular"/>
+              </a:rPr>
+              <a:t>sum</a:t>
+            </a:r>
+            <a:r>
+              <a:rPr lang="de-DE" sz="2000" dirty="0">
+                <a:solidFill>
+                  <a:srgbClr val="333333"/>
+                </a:solidFill>
+                <a:latin typeface="SFMono-Regular"/>
+              </a:rPr>
+              <a:t>(Trips))</a:t>
+            </a:r>
+          </a:p>
+          <a:p>
+            <a:pPr marL="0" indent="0">
+              <a:buFont typeface="Arial" panose="020B0604020202020204" pitchFamily="34" charset="0"/>
+              <a:buNone/>
+            </a:pPr>
+            <a:r>
+              <a:rPr lang="de-DE" sz="2000" dirty="0" err="1">
+                <a:solidFill>
+                  <a:srgbClr val="333333"/>
+                </a:solidFill>
+                <a:latin typeface="SFMono-Regular"/>
+              </a:rPr>
+              <a:t>tourism_t_trips</a:t>
+            </a:r>
+            <a:endParaRPr lang="en-GB" sz="2000" dirty="0"/>
+          </a:p>
+        </p:txBody>
+      </p:sp>
+      <p:sp>
+        <p:nvSpPr>
+          <p:cNvPr id="13" name="Inhaltsplatzhalter 2">
+            <a:extLst>
+              <a:ext uri="{FF2B5EF4-FFF2-40B4-BE49-F238E27FC236}">
+                <a16:creationId xmlns:a16="http://schemas.microsoft.com/office/drawing/2014/main" id="{80B511CA-465F-C37C-3EAC-5F3EA969B4E0}"/>
+              </a:ext>
+            </a:extLst>
+          </p:cNvPr>
+          <p:cNvSpPr txBox="1">
+            <a:spLocks/>
+          </p:cNvSpPr>
+          <p:nvPr/>
+        </p:nvSpPr>
+        <p:spPr>
+          <a:xfrm>
+            <a:off x="1055715" y="4804873"/>
+            <a:ext cx="8005763" cy="1203326"/>
+          </a:xfrm>
+          <a:prstGeom prst="rect">
+            <a:avLst/>
+          </a:prstGeom>
+          <a:solidFill>
+            <a:schemeClr val="bg1">
+              <a:lumMod val="95000"/>
+            </a:schemeClr>
+          </a:solidFill>
+        </p:spPr>
+        <p:txBody>
+          <a:bodyPr vert="horz" lIns="91440" tIns="45720" rIns="91440" bIns="45720" rtlCol="0">
+            <a:noAutofit/>
+          </a:bodyPr>
+          <a:lstStyle>
+            <a:lvl1pPr marL="228600" indent="-228600" algn="l" defTabSz="914400" rtl="0" eaLnBrk="1" latinLnBrk="0" hangingPunct="1">
+              <a:lnSpc>
+                <a:spcPct val="90000"/>
+              </a:lnSpc>
+              <a:spcBef>
+                <a:spcPts val="1000"/>
+              </a:spcBef>
+              <a:buFont typeface="Arial" panose="020B0604020202020204" pitchFamily="34" charset="0"/>
+              <a:buChar char="•"/>
+              <a:defRPr sz="2800" kern="1200">
+                <a:solidFill>
+                  <a:schemeClr val="tx1"/>
+                </a:solidFill>
+                <a:latin typeface="+mn-lt"/>
+                <a:ea typeface="+mn-ea"/>
+                <a:cs typeface="+mn-cs"/>
+              </a:defRPr>
+            </a:lvl1pPr>
+            <a:lvl2pPr marL="685800" indent="-228600" algn="l" defTabSz="914400" rtl="0" eaLnBrk="1" latinLnBrk="0" hangingPunct="1">
+              <a:lnSpc>
+                <a:spcPct val="90000"/>
+              </a:lnSpc>
+              <a:spcBef>
+                <a:spcPts val="500"/>
+              </a:spcBef>
+              <a:buFont typeface="Arial" panose="020B0604020202020204" pitchFamily="34" charset="0"/>
+              <a:buChar char="•"/>
+              <a:defRPr sz="2400" kern="1200">
+                <a:solidFill>
+                  <a:schemeClr val="tx1"/>
+                </a:solidFill>
+                <a:latin typeface="+mn-lt"/>
+                <a:ea typeface="+mn-ea"/>
+                <a:cs typeface="+mn-cs"/>
+              </a:defRPr>
+            </a:lvl2pPr>
+            <a:lvl3pPr marL="1143000" indent="-228600" algn="l" defTabSz="914400" rtl="0" eaLnBrk="1" latinLnBrk="0" hangingPunct="1">
+              <a:lnSpc>
+                <a:spcPct val="90000"/>
+              </a:lnSpc>
+              <a:spcBef>
+                <a:spcPts val="500"/>
+              </a:spcBef>
+              <a:buFont typeface="Arial" panose="020B0604020202020204" pitchFamily="34" charset="0"/>
+              <a:buChar char="•"/>
+              <a:defRPr sz="2000" kern="1200">
+                <a:solidFill>
+                  <a:schemeClr val="tx1"/>
+                </a:solidFill>
+                <a:latin typeface="+mn-lt"/>
+                <a:ea typeface="+mn-ea"/>
+                <a:cs typeface="+mn-cs"/>
+              </a:defRPr>
+            </a:lvl3pPr>
+            <a:lvl4pPr marL="1600200" indent="-228600" algn="l" defTabSz="914400" rtl="0" eaLnBrk="1" latinLnBrk="0" hangingPunct="1">
+              <a:lnSpc>
+                <a:spcPct val="90000"/>
+              </a:lnSpc>
+              <a:spcBef>
+                <a:spcPts val="500"/>
+              </a:spcBef>
+              <a:buFont typeface="Arial" panose="020B0604020202020204" pitchFamily="34" charset="0"/>
+              <a:buChar char="•"/>
+              <a:defRPr sz="1800" kern="1200">
+                <a:solidFill>
+                  <a:schemeClr val="tx1"/>
+                </a:solidFill>
+                <a:latin typeface="+mn-lt"/>
+                <a:ea typeface="+mn-ea"/>
+                <a:cs typeface="+mn-cs"/>
+              </a:defRPr>
+            </a:lvl4pPr>
+            <a:lvl5pPr marL="2057400" indent="-228600" algn="l" defTabSz="914400" rtl="0" eaLnBrk="1" latinLnBrk="0" hangingPunct="1">
+              <a:lnSpc>
+                <a:spcPct val="90000"/>
+              </a:lnSpc>
+              <a:spcBef>
+                <a:spcPts val="500"/>
+              </a:spcBef>
+              <a:buFont typeface="Arial" panose="020B0604020202020204" pitchFamily="34" charset="0"/>
+              <a:buChar char="•"/>
+              <a:defRPr sz="1800" kern="1200">
+                <a:solidFill>
+                  <a:schemeClr val="tx1"/>
+                </a:solidFill>
+                <a:latin typeface="+mn-lt"/>
+                <a:ea typeface="+mn-ea"/>
+                <a:cs typeface="+mn-cs"/>
+              </a:defRPr>
+            </a:lvl5pPr>
+            <a:lvl6pPr marL="2514600" indent="-228600" algn="l" defTabSz="914400" rtl="0" eaLnBrk="1" latinLnBrk="0" hangingPunct="1">
+              <a:lnSpc>
+                <a:spcPct val="90000"/>
+              </a:lnSpc>
+              <a:spcBef>
+                <a:spcPts val="500"/>
+              </a:spcBef>
+              <a:buFont typeface="Arial" panose="020B0604020202020204" pitchFamily="34" charset="0"/>
+              <a:buChar char="•"/>
+              <a:defRPr sz="1800" kern="1200">
+                <a:solidFill>
+                  <a:schemeClr val="tx1"/>
+                </a:solidFill>
+                <a:latin typeface="+mn-lt"/>
+                <a:ea typeface="+mn-ea"/>
+                <a:cs typeface="+mn-cs"/>
+              </a:defRPr>
+            </a:lvl6pPr>
+            <a:lvl7pPr marL="2971800" indent="-228600" algn="l" defTabSz="914400" rtl="0" eaLnBrk="1" latinLnBrk="0" hangingPunct="1">
+              <a:lnSpc>
+                <a:spcPct val="90000"/>
+              </a:lnSpc>
+              <a:spcBef>
+                <a:spcPts val="500"/>
+              </a:spcBef>
+              <a:buFont typeface="Arial" panose="020B0604020202020204" pitchFamily="34" charset="0"/>
+              <a:buChar char="•"/>
+              <a:defRPr sz="1800" kern="1200">
+                <a:solidFill>
+                  <a:schemeClr val="tx1"/>
+                </a:solidFill>
+                <a:latin typeface="+mn-lt"/>
+                <a:ea typeface="+mn-ea"/>
+                <a:cs typeface="+mn-cs"/>
+              </a:defRPr>
+            </a:lvl7pPr>
+            <a:lvl8pPr marL="3429000" indent="-228600" algn="l" defTabSz="914400" rtl="0" eaLnBrk="1" latinLnBrk="0" hangingPunct="1">
+              <a:lnSpc>
+                <a:spcPct val="90000"/>
+              </a:lnSpc>
+              <a:spcBef>
+                <a:spcPts val="500"/>
+              </a:spcBef>
+              <a:buFont typeface="Arial" panose="020B0604020202020204" pitchFamily="34" charset="0"/>
+              <a:buChar char="•"/>
+              <a:defRPr sz="1800" kern="1200">
+                <a:solidFill>
+                  <a:schemeClr val="tx1"/>
+                </a:solidFill>
+                <a:latin typeface="+mn-lt"/>
+                <a:ea typeface="+mn-ea"/>
+                <a:cs typeface="+mn-cs"/>
+              </a:defRPr>
+            </a:lvl8pPr>
+            <a:lvl9pPr marL="3886200" indent="-228600" algn="l" defTabSz="914400" rtl="0" eaLnBrk="1" latinLnBrk="0" hangingPunct="1">
+              <a:lnSpc>
+                <a:spcPct val="90000"/>
+              </a:lnSpc>
+              <a:spcBef>
+                <a:spcPts val="500"/>
+              </a:spcBef>
+              <a:buFont typeface="Arial" panose="020B0604020202020204" pitchFamily="34" charset="0"/>
+              <a:buChar char="•"/>
+              <a:defRPr sz="1800" kern="1200">
+                <a:solidFill>
+                  <a:schemeClr val="tx1"/>
+                </a:solidFill>
+                <a:latin typeface="+mn-lt"/>
+                <a:ea typeface="+mn-ea"/>
+                <a:cs typeface="+mn-cs"/>
+              </a:defRPr>
+            </a:lvl9pPr>
+          </a:lstStyle>
+          <a:p>
+            <a:pPr marL="0" indent="0">
+              <a:buFont typeface="Arial" panose="020B0604020202020204" pitchFamily="34" charset="0"/>
+              <a:buNone/>
+            </a:pPr>
+            <a:r>
+              <a:rPr lang="de-DE" sz="2000" dirty="0">
+                <a:solidFill>
+                  <a:schemeClr val="bg1">
+                    <a:lumMod val="50000"/>
+                  </a:schemeClr>
+                </a:solidFill>
+                <a:latin typeface="SFMono-Regular"/>
+              </a:rPr>
+              <a:t># Data Exploration</a:t>
+            </a:r>
+          </a:p>
+          <a:p>
+            <a:pPr marL="0" indent="0">
+              <a:buFont typeface="Arial" panose="020B0604020202020204" pitchFamily="34" charset="0"/>
+              <a:buNone/>
+            </a:pPr>
+            <a:r>
+              <a:rPr lang="de-DE" sz="2000" dirty="0" err="1">
+                <a:solidFill>
+                  <a:srgbClr val="333333"/>
+                </a:solidFill>
+                <a:latin typeface="SFMono-Regular"/>
+              </a:rPr>
+              <a:t>tourism_total_trips</a:t>
+            </a:r>
+            <a:r>
+              <a:rPr lang="de-DE" sz="2000" dirty="0">
+                <a:solidFill>
+                  <a:srgbClr val="333333"/>
+                </a:solidFill>
+                <a:latin typeface="SFMono-Regular"/>
+              </a:rPr>
+              <a:t> %&gt;% </a:t>
+            </a:r>
+          </a:p>
+          <a:p>
+            <a:pPr marL="0" indent="0">
+              <a:buFont typeface="Arial" panose="020B0604020202020204" pitchFamily="34" charset="0"/>
+              <a:buNone/>
+            </a:pPr>
+            <a:r>
+              <a:rPr lang="de-DE" sz="2000" dirty="0">
+                <a:solidFill>
+                  <a:srgbClr val="333333"/>
+                </a:solidFill>
+                <a:latin typeface="SFMono-Regular"/>
+              </a:rPr>
+              <a:t>  </a:t>
+            </a:r>
+            <a:r>
+              <a:rPr lang="de-DE" sz="2000" dirty="0" err="1">
+                <a:solidFill>
+                  <a:srgbClr val="333333"/>
+                </a:solidFill>
+                <a:latin typeface="SFMono-Regular"/>
+              </a:rPr>
+              <a:t>autoplot</a:t>
+            </a:r>
+            <a:r>
+              <a:rPr lang="de-DE" sz="2000" dirty="0">
+                <a:solidFill>
+                  <a:srgbClr val="333333"/>
+                </a:solidFill>
+                <a:latin typeface="SFMono-Regular"/>
+              </a:rPr>
+              <a:t>(Trips)</a:t>
+            </a:r>
+            <a:endParaRPr lang="en-GB" sz="2000" dirty="0"/>
+          </a:p>
+        </p:txBody>
+      </p:sp>
+    </p:spTree>
+    <p:extLst>
+      <p:ext uri="{BB962C8B-B14F-4D97-AF65-F5344CB8AC3E}">
+        <p14:creationId xmlns:p14="http://schemas.microsoft.com/office/powerpoint/2010/main" val="1486188251"/>
+      </p:ext>
+    </p:extLst>
+  </p:cSld>
+  <p:clrMapOvr>
+    <a:masterClrMapping/>
+  </p:clrMapOvr>
+</p:sld>
+</file>
+
+<file path=ppt/slides/slide13.xml><?xml version="1.0" encoding="utf-8"?>
 <p:sld xmlns:a="http://schemas.openxmlformats.org/drawingml/2006/main" xmlns:r="http://schemas.openxmlformats.org/officeDocument/2006/relationships" xmlns:p="http://schemas.openxmlformats.org/presentationml/2006/main">
   <p:cSld>
     <p:bg>
@@ -6552,7 +9097,7 @@
 </p:sld>
 </file>
 
-<file path=ppt/slides/slide11.xml><?xml version="1.0" encoding="utf-8"?>
+<file path=ppt/slides/slide14.xml><?xml version="1.0" encoding="utf-8"?>
 <p:sld xmlns:a="http://schemas.openxmlformats.org/drawingml/2006/main" xmlns:r="http://schemas.openxmlformats.org/officeDocument/2006/relationships" xmlns:p="http://schemas.openxmlformats.org/presentationml/2006/main">
   <p:cSld>
     <p:bg>
@@ -7002,10 +9547,10 @@
       </p:pic>
       <p:pic>
         <p:nvPicPr>
-          <p:cNvPr id="11" name="Grafik 10">
-            <a:extLst>
-              <a:ext uri="{FF2B5EF4-FFF2-40B4-BE49-F238E27FC236}">
-                <a16:creationId xmlns:a16="http://schemas.microsoft.com/office/drawing/2014/main" id="{9FEFE0DA-DB91-9F0D-7335-C4D45AD5F249}"/>
+          <p:cNvPr id="12" name="Grafik 11">
+            <a:extLst>
+              <a:ext uri="{FF2B5EF4-FFF2-40B4-BE49-F238E27FC236}">
+                <a16:creationId xmlns:a16="http://schemas.microsoft.com/office/drawing/2014/main" id="{45A30F1B-1D6B-CD3C-5408-79542C84C830}"/>
               </a:ext>
             </a:extLst>
           </p:cNvPr>
@@ -7022,8 +9567,8 @@
         </p:blipFill>
         <p:spPr>
           <a:xfrm>
-            <a:off x="1069966" y="1391008"/>
-            <a:ext cx="7772400" cy="4803297"/>
+            <a:off x="908906" y="1248487"/>
+            <a:ext cx="7031040" cy="5022171"/>
           </a:xfrm>
           <a:prstGeom prst="rect">
             <a:avLst/>
@@ -7043,7 +9588,7 @@
 </p:sld>
 </file>
 
-<file path=ppt/slides/slide12.xml><?xml version="1.0" encoding="utf-8"?>
+<file path=ppt/slides/slide15.xml><?xml version="1.0" encoding="utf-8"?>
 <p:sld xmlns:a="http://schemas.openxmlformats.org/drawingml/2006/main" xmlns:r="http://schemas.openxmlformats.org/officeDocument/2006/relationships" xmlns:p="http://schemas.openxmlformats.org/presentationml/2006/main">
   <p:cSld>
     <p:spTree>
@@ -7123,19 +9668,31 @@
           <a:p>
             <a:r>
               <a:rPr lang="en-GB" dirty="0"/>
-              <a:t>http://</a:t>
+              <a:t>http://cran.nexr.com/web/packages/tsibble/vignettes/intro-tsibble.html</a:t>
+            </a:r>
+          </a:p>
+          <a:p>
+            <a:r>
+              <a:rPr lang="en-GB" dirty="0"/>
+              <a:t>https://cran.r-project.org/web/packages/tsibble/tsibble.pdf</a:t>
+            </a:r>
+          </a:p>
+          <a:p>
+            <a:r>
+              <a:rPr lang="en-GB" dirty="0"/>
+              <a:t>https://</a:t>
             </a:r>
             <a:r>
               <a:rPr lang="en-GB" dirty="0" err="1"/>
-              <a:t>cran.nexr.com</a:t>
+              <a:t>cran.r-project.org</a:t>
             </a:r>
             <a:r>
               <a:rPr lang="en-GB" dirty="0"/>
-              <a:t>/web/packages/tsibble/vignettes/intro-</a:t>
+              <a:t>/web/packages/fable/</a:t>
             </a:r>
             <a:r>
               <a:rPr lang="en-GB" dirty="0" err="1"/>
-              <a:t>tsibble.html</a:t>
+              <a:t>fable.pdf</a:t>
             </a:r>
             <a:endParaRPr lang="en-GB" dirty="0"/>
           </a:p>
@@ -7215,7 +9772,7 @@
 </p:sld>
 </file>
 
-<file path=ppt/slides/slide13.xml><?xml version="1.0" encoding="utf-8"?>
+<file path=ppt/slides/slide16.xml><?xml version="1.0" encoding="utf-8"?>
 <p:sld xmlns:a="http://schemas.openxmlformats.org/drawingml/2006/main" xmlns:r="http://schemas.openxmlformats.org/officeDocument/2006/relationships" xmlns:p="http://schemas.openxmlformats.org/presentationml/2006/main">
   <p:cSld>
     <p:spTree>
@@ -8811,35 +11368,6 @@
           </a:prstGeom>
         </p:spPr>
       </p:pic>
-      <p:pic>
-        <p:nvPicPr>
-          <p:cNvPr id="9" name="Inhaltsplatzhalter 8">
-            <a:extLst>
-              <a:ext uri="{FF2B5EF4-FFF2-40B4-BE49-F238E27FC236}">
-                <a16:creationId xmlns:a16="http://schemas.microsoft.com/office/drawing/2014/main" id="{E3F7FBE4-AEAA-0150-FD29-113F96FAC25D}"/>
-              </a:ext>
-            </a:extLst>
-          </p:cNvPr>
-          <p:cNvPicPr>
-            <a:picLocks noGrp="1" noChangeAspect="1"/>
-          </p:cNvPicPr>
-          <p:nvPr>
-            <p:ph idx="1"/>
-          </p:nvPr>
-        </p:nvPicPr>
-        <p:blipFill>
-          <a:blip r:embed="rId5"/>
-          <a:stretch>
-            <a:fillRect/>
-          </a:stretch>
-        </p:blipFill>
-        <p:spPr>
-          <a:xfrm>
-            <a:off x="5076971" y="2388417"/>
-            <a:ext cx="6306391" cy="3897313"/>
-          </a:xfrm>
-        </p:spPr>
-      </p:pic>
       <p:sp>
         <p:nvSpPr>
           <p:cNvPr id="18" name="Inhaltsplatzhalter 2">
@@ -9093,6 +11621,36 @@
           </a:p>
         </p:txBody>
       </p:sp>
+      <p:pic>
+        <p:nvPicPr>
+          <p:cNvPr id="23" name="Grafik 22">
+            <a:extLst>
+              <a:ext uri="{FF2B5EF4-FFF2-40B4-BE49-F238E27FC236}">
+                <a16:creationId xmlns:a16="http://schemas.microsoft.com/office/drawing/2014/main" id="{0DD63C27-83AC-E669-30C0-2B7D7264F25F}"/>
+              </a:ext>
+            </a:extLst>
+          </p:cNvPr>
+          <p:cNvPicPr>
+            <a:picLocks noChangeAspect="1"/>
+          </p:cNvPicPr>
+          <p:nvPr/>
+        </p:nvPicPr>
+        <p:blipFill>
+          <a:blip r:embed="rId5"/>
+          <a:stretch>
+            <a:fillRect/>
+          </a:stretch>
+        </p:blipFill>
+        <p:spPr>
+          <a:xfrm>
+            <a:off x="5445759" y="2245050"/>
+            <a:ext cx="5916427" cy="4226019"/>
+          </a:xfrm>
+          <a:prstGeom prst="rect">
+            <a:avLst/>
+          </a:prstGeom>
+        </p:spPr>
+      </p:pic>
     </p:spTree>
     <p:extLst>
       <p:ext uri="{BB962C8B-B14F-4D97-AF65-F5344CB8AC3E}">
@@ -10533,10 +13091,11 @@
                 <a:effectLst/>
                 <a:latin typeface="Inconsolatazi4"/>
               </a:rPr>
-              <a:t>as_tibble</a:t>
+              <a:t>as_tsibble</a:t>
             </a:r>
             <a:r>
               <a:rPr lang="en-GB" sz="2000" dirty="0">
+                <a:effectLst/>
                 <a:latin typeface="Inconsolatazi4"/>
               </a:rPr>
               <a:t>() </a:t>
@@ -10559,21 +13118,7 @@
                 <a:effectLst/>
                 <a:latin typeface="NimbusRomNo9L"/>
               </a:rPr>
-              <a:t>Coerce to a </a:t>
-            </a:r>
-            <a:r>
-              <a:rPr lang="en-GB" sz="2000" i="1" dirty="0" err="1">
-                <a:effectLst/>
-                <a:latin typeface="NimbusRomNo9L"/>
-              </a:rPr>
-              <a:t>tibble</a:t>
-            </a:r>
-            <a:r>
-              <a:rPr lang="en-GB" sz="2000" i="1" dirty="0">
-                <a:effectLst/>
-                <a:latin typeface="NimbusRomNo9L"/>
-              </a:rPr>
-              <a:t> or data frame</a:t>
+              <a:t>Coerce Data to a tsibble object</a:t>
             </a:r>
             <a:endParaRPr lang="en-GB" sz="2000" dirty="0"/>
           </a:p>
@@ -10627,13 +13172,7 @@
                 <a:effectLst/>
                 <a:latin typeface="Inconsolatazi4"/>
               </a:rPr>
-              <a:t>()</a:t>
-            </a:r>
-            <a:r>
-              <a:rPr lang="en-GB" sz="2000" dirty="0">
-                <a:latin typeface="Inconsolatazi4"/>
-              </a:rPr>
-              <a:t> </a:t>
+              <a:t>() </a:t>
             </a:r>
             <a:r>
               <a:rPr lang="en-GB" sz="2000" dirty="0">
@@ -10666,27 +13205,6 @@
           </a:p>
           <a:p>
             <a:r>
-              <a:rPr lang="en-GB" sz="2000" dirty="0" err="1">
-                <a:latin typeface="Inconsolatazi4"/>
-              </a:rPr>
-              <a:t>guess_frequency</a:t>
-            </a:r>
-            <a:r>
-              <a:rPr lang="en-GB" sz="2000" dirty="0">
-                <a:latin typeface="Inconsolatazi4"/>
-              </a:rPr>
-              <a:t>()</a:t>
-            </a:r>
-            <a:r>
-              <a:rPr lang="en-GB" sz="2000" dirty="0">
-                <a:latin typeface="Inconsolatazi4"/>
-                <a:sym typeface="Wingdings" pitchFamily="2" charset="2"/>
-              </a:rPr>
-              <a:t>  Guess a time frequency from other index objects</a:t>
-            </a:r>
-          </a:p>
-          <a:p>
-            <a:r>
               <a:rPr lang="de-DE" sz="2000" dirty="0" err="1">
                 <a:effectLst/>
                 <a:latin typeface="Inconsolatazi4"/>
@@ -10807,7 +13325,7 @@
                 <a:latin typeface="Inconsolatazi4"/>
                 <a:sym typeface="Wingdings" pitchFamily="2" charset="2"/>
               </a:rPr>
-              <a:t>  Group by key variables</a:t>
+              <a:t>.  Group by key variables</a:t>
             </a:r>
           </a:p>
         </p:txBody>
@@ -11377,857 +13895,36 @@
           </a:prstGeom>
         </p:spPr>
       </p:pic>
-      <p:sp>
-        <p:nvSpPr>
-          <p:cNvPr id="5" name="Inhaltsplatzhalter 2">
-            <a:extLst>
-              <a:ext uri="{FF2B5EF4-FFF2-40B4-BE49-F238E27FC236}">
-                <a16:creationId xmlns:a16="http://schemas.microsoft.com/office/drawing/2014/main" id="{AF1D1ADA-5604-79C1-62B8-3B296728FC92}"/>
-              </a:ext>
-            </a:extLst>
-          </p:cNvPr>
-          <p:cNvSpPr>
-            <a:spLocks noGrp="1"/>
-          </p:cNvSpPr>
-          <p:nvPr>
-            <p:ph idx="1"/>
-          </p:nvPr>
-        </p:nvSpPr>
+      <p:pic>
+        <p:nvPicPr>
+          <p:cNvPr id="24" name="Grafik 23" descr="Ein Bild, das Text enthält.&#10;&#10;Automatisch generierte Beschreibung">
+            <a:extLst>
+              <a:ext uri="{FF2B5EF4-FFF2-40B4-BE49-F238E27FC236}">
+                <a16:creationId xmlns:a16="http://schemas.microsoft.com/office/drawing/2014/main" id="{6625B826-6590-2960-583B-2BB4A0C62E4E}"/>
+              </a:ext>
+            </a:extLst>
+          </p:cNvPr>
+          <p:cNvPicPr>
+            <a:picLocks noChangeAspect="1"/>
+          </p:cNvPicPr>
+          <p:nvPr/>
+        </p:nvPicPr>
+        <p:blipFill>
+          <a:blip r:embed="rId5"/>
+          <a:stretch>
+            <a:fillRect/>
+          </a:stretch>
+        </p:blipFill>
         <p:spPr>
           <a:xfrm>
-            <a:off x="1106599" y="1490405"/>
-            <a:ext cx="7672214" cy="2007129"/>
-          </a:xfrm>
-          <a:solidFill>
-            <a:schemeClr val="bg1">
-              <a:lumMod val="95000"/>
-            </a:schemeClr>
-          </a:solidFill>
-        </p:spPr>
-        <p:txBody>
-          <a:bodyPr>
-            <a:noAutofit/>
-          </a:bodyPr>
-          <a:lstStyle/>
-          <a:p>
-            <a:pPr marL="0" indent="0">
-              <a:buNone/>
-            </a:pPr>
-            <a:r>
-              <a:rPr lang="de-DE" sz="2000" b="0" i="0" u="none" strike="noStrike" dirty="0">
-                <a:solidFill>
-                  <a:schemeClr val="bg1">
-                    <a:lumMod val="50000"/>
-                  </a:schemeClr>
-                </a:solidFill>
-                <a:effectLst/>
-                <a:latin typeface="SFMono-Regular"/>
-              </a:rPr>
-              <a:t># Create a tsibble </a:t>
-            </a:r>
-            <a:r>
-              <a:rPr lang="de-DE" sz="2000" b="0" i="0" u="none" strike="noStrike" dirty="0" err="1">
-                <a:solidFill>
-                  <a:schemeClr val="bg1">
-                    <a:lumMod val="50000"/>
-                  </a:schemeClr>
-                </a:solidFill>
-                <a:effectLst/>
-                <a:latin typeface="SFMono-Regular"/>
-              </a:rPr>
-              <a:t>object</a:t>
-            </a:r>
-            <a:r>
-              <a:rPr lang="de-DE" sz="2000" b="0" i="0" u="none" strike="noStrike" dirty="0">
-                <a:solidFill>
-                  <a:schemeClr val="bg1">
-                    <a:lumMod val="50000"/>
-                  </a:schemeClr>
-                </a:solidFill>
-                <a:effectLst/>
-                <a:latin typeface="SFMono-Regular"/>
-              </a:rPr>
-              <a:t> </a:t>
-            </a:r>
-            <a:r>
-              <a:rPr lang="de-DE" sz="2000" b="0" i="0" u="none" strike="noStrike" dirty="0" err="1">
-                <a:solidFill>
-                  <a:schemeClr val="bg1">
-                    <a:lumMod val="50000"/>
-                  </a:schemeClr>
-                </a:solidFill>
-                <a:effectLst/>
-                <a:latin typeface="SFMono-Regular"/>
-              </a:rPr>
-              <a:t>from</a:t>
-            </a:r>
-            <a:r>
-              <a:rPr lang="de-DE" sz="2000" b="0" i="0" u="none" strike="noStrike" dirty="0">
-                <a:solidFill>
-                  <a:schemeClr val="bg1">
-                    <a:lumMod val="50000"/>
-                  </a:schemeClr>
-                </a:solidFill>
-                <a:effectLst/>
-                <a:latin typeface="SFMono-Regular"/>
-              </a:rPr>
-              <a:t> </a:t>
-            </a:r>
-            <a:r>
-              <a:rPr lang="de-DE" sz="2000" b="0" i="0" u="none" strike="noStrike" dirty="0" err="1">
-                <a:solidFill>
-                  <a:schemeClr val="bg1">
-                    <a:lumMod val="50000"/>
-                  </a:schemeClr>
-                </a:solidFill>
-                <a:effectLst/>
-                <a:latin typeface="SFMono-Regular"/>
-              </a:rPr>
-              <a:t>scratch</a:t>
-            </a:r>
-            <a:endParaRPr lang="de-DE" sz="2000" b="0" i="0" u="none" strike="noStrike" dirty="0">
-              <a:solidFill>
-                <a:schemeClr val="bg1">
-                  <a:lumMod val="50000"/>
-                </a:schemeClr>
-              </a:solidFill>
-              <a:effectLst/>
-              <a:latin typeface="SFMono-Regular"/>
-            </a:endParaRPr>
-          </a:p>
-          <a:p>
-            <a:pPr marL="0" indent="0">
-              <a:buNone/>
-            </a:pPr>
-            <a:r>
-              <a:rPr lang="de-DE" sz="2000" b="0" i="0" u="none" strike="noStrike" dirty="0" err="1">
-                <a:solidFill>
-                  <a:srgbClr val="333333"/>
-                </a:solidFill>
-                <a:effectLst/>
-                <a:latin typeface="SFMono-Regular"/>
-              </a:rPr>
-              <a:t>y</a:t>
-            </a:r>
-            <a:r>
-              <a:rPr lang="de-DE" sz="2000" b="0" i="0" u="none" strike="noStrike" dirty="0">
-                <a:solidFill>
-                  <a:srgbClr val="333333"/>
-                </a:solidFill>
-                <a:effectLst/>
-                <a:latin typeface="SFMono-Regular"/>
-              </a:rPr>
-              <a:t> &lt;- tsibble(</a:t>
-            </a:r>
-          </a:p>
-          <a:p>
-            <a:pPr marL="0" indent="0">
-              <a:buNone/>
-            </a:pPr>
-            <a:r>
-              <a:rPr lang="de-DE" sz="2000" b="0" i="0" u="none" strike="noStrike" dirty="0">
-                <a:solidFill>
-                  <a:srgbClr val="333333"/>
-                </a:solidFill>
-                <a:effectLst/>
-                <a:latin typeface="SFMono-Regular"/>
-              </a:rPr>
-              <a:t>  Year = 2015:2019,</a:t>
-            </a:r>
-          </a:p>
-          <a:p>
-            <a:pPr marL="0" indent="0">
-              <a:buNone/>
-            </a:pPr>
-            <a:r>
-              <a:rPr lang="de-DE" sz="2000" b="0" i="0" u="none" strike="noStrike" dirty="0">
-                <a:solidFill>
-                  <a:srgbClr val="333333"/>
-                </a:solidFill>
-                <a:effectLst/>
-                <a:latin typeface="SFMono-Regular"/>
-              </a:rPr>
-              <a:t>  Observation = c(123, 5, 78, 7, 110),</a:t>
-            </a:r>
-          </a:p>
-          <a:p>
-            <a:pPr marL="0" indent="0">
-              <a:buNone/>
-            </a:pPr>
-            <a:r>
-              <a:rPr lang="de-DE" sz="2000" b="0" i="0" u="none" strike="noStrike" dirty="0">
-                <a:solidFill>
-                  <a:srgbClr val="333333"/>
-                </a:solidFill>
-                <a:effectLst/>
-                <a:latin typeface="SFMono-Regular"/>
-              </a:rPr>
-              <a:t>  </a:t>
-            </a:r>
-            <a:r>
-              <a:rPr lang="de-DE" sz="2000" b="0" i="0" u="none" strike="noStrike" dirty="0" err="1">
-                <a:solidFill>
-                  <a:srgbClr val="333333"/>
-                </a:solidFill>
-                <a:effectLst/>
-                <a:latin typeface="SFMono-Regular"/>
-              </a:rPr>
-              <a:t>index</a:t>
-            </a:r>
-            <a:r>
-              <a:rPr lang="de-DE" sz="2000" b="0" i="0" u="none" strike="noStrike" dirty="0">
-                <a:solidFill>
-                  <a:srgbClr val="333333"/>
-                </a:solidFill>
-                <a:effectLst/>
-                <a:latin typeface="SFMono-Regular"/>
-              </a:rPr>
-              <a:t> = Year)</a:t>
-            </a:r>
-            <a:endParaRPr lang="en-GB" sz="2000" dirty="0"/>
-          </a:p>
-        </p:txBody>
-      </p:sp>
-      <p:sp>
-        <p:nvSpPr>
-          <p:cNvPr id="11" name="Inhaltsplatzhalter 2">
-            <a:extLst>
-              <a:ext uri="{FF2B5EF4-FFF2-40B4-BE49-F238E27FC236}">
-                <a16:creationId xmlns:a16="http://schemas.microsoft.com/office/drawing/2014/main" id="{11A43BA0-7A8A-6A92-9B9A-0D22A8AA9811}"/>
-              </a:ext>
-            </a:extLst>
-          </p:cNvPr>
-          <p:cNvSpPr txBox="1">
-            <a:spLocks/>
-          </p:cNvSpPr>
-          <p:nvPr/>
-        </p:nvSpPr>
-        <p:spPr>
-          <a:xfrm>
-            <a:off x="1106599" y="3579204"/>
-            <a:ext cx="7672214" cy="2641256"/>
+            <a:off x="1055714" y="2693360"/>
+            <a:ext cx="6997700" cy="2628900"/>
           </a:xfrm>
           <a:prstGeom prst="rect">
             <a:avLst/>
           </a:prstGeom>
-          <a:solidFill>
-            <a:schemeClr val="bg1">
-              <a:lumMod val="95000"/>
-            </a:schemeClr>
-          </a:solidFill>
         </p:spPr>
-        <p:txBody>
-          <a:bodyPr vert="horz" lIns="91440" tIns="45720" rIns="91440" bIns="45720" rtlCol="0">
-            <a:noAutofit/>
-          </a:bodyPr>
-          <a:lstStyle>
-            <a:lvl1pPr marL="228600" indent="-228600" algn="l" defTabSz="914400" rtl="0" eaLnBrk="1" latinLnBrk="0" hangingPunct="1">
-              <a:lnSpc>
-                <a:spcPct val="90000"/>
-              </a:lnSpc>
-              <a:spcBef>
-                <a:spcPts val="1000"/>
-              </a:spcBef>
-              <a:buFont typeface="Arial" panose="020B0604020202020204" pitchFamily="34" charset="0"/>
-              <a:buChar char="•"/>
-              <a:defRPr sz="2800" kern="1200">
-                <a:solidFill>
-                  <a:schemeClr val="tx1"/>
-                </a:solidFill>
-                <a:latin typeface="+mn-lt"/>
-                <a:ea typeface="+mn-ea"/>
-                <a:cs typeface="+mn-cs"/>
-              </a:defRPr>
-            </a:lvl1pPr>
-            <a:lvl2pPr marL="685800" indent="-228600" algn="l" defTabSz="914400" rtl="0" eaLnBrk="1" latinLnBrk="0" hangingPunct="1">
-              <a:lnSpc>
-                <a:spcPct val="90000"/>
-              </a:lnSpc>
-              <a:spcBef>
-                <a:spcPts val="500"/>
-              </a:spcBef>
-              <a:buFont typeface="Arial" panose="020B0604020202020204" pitchFamily="34" charset="0"/>
-              <a:buChar char="•"/>
-              <a:defRPr sz="2400" kern="1200">
-                <a:solidFill>
-                  <a:schemeClr val="tx1"/>
-                </a:solidFill>
-                <a:latin typeface="+mn-lt"/>
-                <a:ea typeface="+mn-ea"/>
-                <a:cs typeface="+mn-cs"/>
-              </a:defRPr>
-            </a:lvl2pPr>
-            <a:lvl3pPr marL="1143000" indent="-228600" algn="l" defTabSz="914400" rtl="0" eaLnBrk="1" latinLnBrk="0" hangingPunct="1">
-              <a:lnSpc>
-                <a:spcPct val="90000"/>
-              </a:lnSpc>
-              <a:spcBef>
-                <a:spcPts val="500"/>
-              </a:spcBef>
-              <a:buFont typeface="Arial" panose="020B0604020202020204" pitchFamily="34" charset="0"/>
-              <a:buChar char="•"/>
-              <a:defRPr sz="2000" kern="1200">
-                <a:solidFill>
-                  <a:schemeClr val="tx1"/>
-                </a:solidFill>
-                <a:latin typeface="+mn-lt"/>
-                <a:ea typeface="+mn-ea"/>
-                <a:cs typeface="+mn-cs"/>
-              </a:defRPr>
-            </a:lvl3pPr>
-            <a:lvl4pPr marL="1600200" indent="-228600" algn="l" defTabSz="914400" rtl="0" eaLnBrk="1" latinLnBrk="0" hangingPunct="1">
-              <a:lnSpc>
-                <a:spcPct val="90000"/>
-              </a:lnSpc>
-              <a:spcBef>
-                <a:spcPts val="500"/>
-              </a:spcBef>
-              <a:buFont typeface="Arial" panose="020B0604020202020204" pitchFamily="34" charset="0"/>
-              <a:buChar char="•"/>
-              <a:defRPr sz="1800" kern="1200">
-                <a:solidFill>
-                  <a:schemeClr val="tx1"/>
-                </a:solidFill>
-                <a:latin typeface="+mn-lt"/>
-                <a:ea typeface="+mn-ea"/>
-                <a:cs typeface="+mn-cs"/>
-              </a:defRPr>
-            </a:lvl4pPr>
-            <a:lvl5pPr marL="2057400" indent="-228600" algn="l" defTabSz="914400" rtl="0" eaLnBrk="1" latinLnBrk="0" hangingPunct="1">
-              <a:lnSpc>
-                <a:spcPct val="90000"/>
-              </a:lnSpc>
-              <a:spcBef>
-                <a:spcPts val="500"/>
-              </a:spcBef>
-              <a:buFont typeface="Arial" panose="020B0604020202020204" pitchFamily="34" charset="0"/>
-              <a:buChar char="•"/>
-              <a:defRPr sz="1800" kern="1200">
-                <a:solidFill>
-                  <a:schemeClr val="tx1"/>
-                </a:solidFill>
-                <a:latin typeface="+mn-lt"/>
-                <a:ea typeface="+mn-ea"/>
-                <a:cs typeface="+mn-cs"/>
-              </a:defRPr>
-            </a:lvl5pPr>
-            <a:lvl6pPr marL="2514600" indent="-228600" algn="l" defTabSz="914400" rtl="0" eaLnBrk="1" latinLnBrk="0" hangingPunct="1">
-              <a:lnSpc>
-                <a:spcPct val="90000"/>
-              </a:lnSpc>
-              <a:spcBef>
-                <a:spcPts val="500"/>
-              </a:spcBef>
-              <a:buFont typeface="Arial" panose="020B0604020202020204" pitchFamily="34" charset="0"/>
-              <a:buChar char="•"/>
-              <a:defRPr sz="1800" kern="1200">
-                <a:solidFill>
-                  <a:schemeClr val="tx1"/>
-                </a:solidFill>
-                <a:latin typeface="+mn-lt"/>
-                <a:ea typeface="+mn-ea"/>
-                <a:cs typeface="+mn-cs"/>
-              </a:defRPr>
-            </a:lvl6pPr>
-            <a:lvl7pPr marL="2971800" indent="-228600" algn="l" defTabSz="914400" rtl="0" eaLnBrk="1" latinLnBrk="0" hangingPunct="1">
-              <a:lnSpc>
-                <a:spcPct val="90000"/>
-              </a:lnSpc>
-              <a:spcBef>
-                <a:spcPts val="500"/>
-              </a:spcBef>
-              <a:buFont typeface="Arial" panose="020B0604020202020204" pitchFamily="34" charset="0"/>
-              <a:buChar char="•"/>
-              <a:defRPr sz="1800" kern="1200">
-                <a:solidFill>
-                  <a:schemeClr val="tx1"/>
-                </a:solidFill>
-                <a:latin typeface="+mn-lt"/>
-                <a:ea typeface="+mn-ea"/>
-                <a:cs typeface="+mn-cs"/>
-              </a:defRPr>
-            </a:lvl7pPr>
-            <a:lvl8pPr marL="3429000" indent="-228600" algn="l" defTabSz="914400" rtl="0" eaLnBrk="1" latinLnBrk="0" hangingPunct="1">
-              <a:lnSpc>
-                <a:spcPct val="90000"/>
-              </a:lnSpc>
-              <a:spcBef>
-                <a:spcPts val="500"/>
-              </a:spcBef>
-              <a:buFont typeface="Arial" panose="020B0604020202020204" pitchFamily="34" charset="0"/>
-              <a:buChar char="•"/>
-              <a:defRPr sz="1800" kern="1200">
-                <a:solidFill>
-                  <a:schemeClr val="tx1"/>
-                </a:solidFill>
-                <a:latin typeface="+mn-lt"/>
-                <a:ea typeface="+mn-ea"/>
-                <a:cs typeface="+mn-cs"/>
-              </a:defRPr>
-            </a:lvl8pPr>
-            <a:lvl9pPr marL="3886200" indent="-228600" algn="l" defTabSz="914400" rtl="0" eaLnBrk="1" latinLnBrk="0" hangingPunct="1">
-              <a:lnSpc>
-                <a:spcPct val="90000"/>
-              </a:lnSpc>
-              <a:spcBef>
-                <a:spcPts val="500"/>
-              </a:spcBef>
-              <a:buFont typeface="Arial" panose="020B0604020202020204" pitchFamily="34" charset="0"/>
-              <a:buChar char="•"/>
-              <a:defRPr sz="1800" kern="1200">
-                <a:solidFill>
-                  <a:schemeClr val="tx1"/>
-                </a:solidFill>
-                <a:latin typeface="+mn-lt"/>
-                <a:ea typeface="+mn-ea"/>
-                <a:cs typeface="+mn-cs"/>
-              </a:defRPr>
-            </a:lvl9pPr>
-          </a:lstStyle>
-          <a:p>
-            <a:pPr marL="0" indent="0">
-              <a:buFont typeface="Arial" panose="020B0604020202020204" pitchFamily="34" charset="0"/>
-              <a:buNone/>
-            </a:pPr>
-            <a:r>
-              <a:rPr lang="de-DE" sz="2000" dirty="0">
-                <a:solidFill>
-                  <a:schemeClr val="bg1">
-                    <a:lumMod val="50000"/>
-                  </a:schemeClr>
-                </a:solidFill>
-                <a:latin typeface="SFMono-Regular"/>
-              </a:rPr>
-              <a:t># </a:t>
-            </a:r>
-            <a:r>
-              <a:rPr lang="de-DE" sz="2000" dirty="0" err="1">
-                <a:solidFill>
-                  <a:schemeClr val="bg1">
-                    <a:lumMod val="50000"/>
-                  </a:schemeClr>
-                </a:solidFill>
-                <a:latin typeface="SFMono-Regular"/>
-              </a:rPr>
-              <a:t>convert</a:t>
-            </a:r>
-            <a:r>
-              <a:rPr lang="de-DE" sz="2000" dirty="0">
-                <a:solidFill>
-                  <a:schemeClr val="bg1">
-                    <a:lumMod val="50000"/>
-                  </a:schemeClr>
-                </a:solidFill>
-                <a:latin typeface="SFMono-Regular"/>
-              </a:rPr>
-              <a:t> "</a:t>
-            </a:r>
-            <a:r>
-              <a:rPr lang="de-DE" sz="2000" dirty="0" err="1">
-                <a:solidFill>
-                  <a:schemeClr val="bg1">
-                    <a:lumMod val="50000"/>
-                  </a:schemeClr>
-                </a:solidFill>
-                <a:latin typeface="SFMono-Regular"/>
-              </a:rPr>
-              <a:t>monthly</a:t>
-            </a:r>
-            <a:r>
-              <a:rPr lang="de-DE" sz="2000" dirty="0">
-                <a:solidFill>
-                  <a:schemeClr val="bg1">
-                    <a:lumMod val="50000"/>
-                  </a:schemeClr>
-                </a:solidFill>
-                <a:latin typeface="SFMono-Regular"/>
-              </a:rPr>
-              <a:t>/</a:t>
-            </a:r>
-            <a:r>
-              <a:rPr lang="de-DE" sz="2000" dirty="0" err="1">
-                <a:solidFill>
-                  <a:schemeClr val="bg1">
-                    <a:lumMod val="50000"/>
-                  </a:schemeClr>
-                </a:solidFill>
-                <a:latin typeface="SFMono-Regular"/>
-              </a:rPr>
-              <a:t>weekly</a:t>
-            </a:r>
-            <a:r>
-              <a:rPr lang="de-DE" sz="2000" dirty="0">
-                <a:solidFill>
-                  <a:schemeClr val="bg1">
-                    <a:lumMod val="50000"/>
-                  </a:schemeClr>
-                </a:solidFill>
-                <a:latin typeface="SFMono-Regular"/>
-              </a:rPr>
-              <a:t>/</a:t>
-            </a:r>
-            <a:r>
-              <a:rPr lang="de-DE" sz="2000" dirty="0" err="1">
-                <a:solidFill>
-                  <a:schemeClr val="bg1">
-                    <a:lumMod val="50000"/>
-                  </a:schemeClr>
-                </a:solidFill>
-                <a:latin typeface="SFMono-Regular"/>
-              </a:rPr>
-              <a:t>daily</a:t>
-            </a:r>
-            <a:r>
-              <a:rPr lang="de-DE" sz="2000" dirty="0">
-                <a:solidFill>
-                  <a:schemeClr val="bg1">
-                    <a:lumMod val="50000"/>
-                  </a:schemeClr>
-                </a:solidFill>
-                <a:latin typeface="SFMono-Regular"/>
-              </a:rPr>
-              <a:t>" </a:t>
-            </a:r>
-            <a:r>
-              <a:rPr lang="de-DE" sz="2000" dirty="0" err="1">
-                <a:solidFill>
-                  <a:schemeClr val="bg1">
-                    <a:lumMod val="50000"/>
-                  </a:schemeClr>
-                </a:solidFill>
-                <a:latin typeface="SFMono-Regular"/>
-              </a:rPr>
-              <a:t>data</a:t>
-            </a:r>
-            <a:r>
-              <a:rPr lang="de-DE" sz="2000" dirty="0">
-                <a:solidFill>
-                  <a:schemeClr val="bg1">
-                    <a:lumMod val="50000"/>
-                  </a:schemeClr>
-                </a:solidFill>
-                <a:latin typeface="SFMono-Regular"/>
-              </a:rPr>
-              <a:t> </a:t>
-            </a:r>
-            <a:r>
-              <a:rPr lang="de-DE" sz="2000" dirty="0" err="1">
-                <a:solidFill>
-                  <a:schemeClr val="bg1">
-                    <a:lumMod val="50000"/>
-                  </a:schemeClr>
-                </a:solidFill>
-                <a:latin typeface="SFMono-Regular"/>
-              </a:rPr>
-              <a:t>into</a:t>
-            </a:r>
-            <a:r>
-              <a:rPr lang="de-DE" sz="2000" dirty="0">
-                <a:solidFill>
-                  <a:schemeClr val="bg1">
-                    <a:lumMod val="50000"/>
-                  </a:schemeClr>
-                </a:solidFill>
-                <a:latin typeface="SFMono-Regular"/>
-              </a:rPr>
-              <a:t> tsibble </a:t>
-            </a:r>
-            <a:r>
-              <a:rPr lang="de-DE" sz="2000" dirty="0" err="1">
-                <a:solidFill>
-                  <a:schemeClr val="bg1">
-                    <a:lumMod val="50000"/>
-                  </a:schemeClr>
-                </a:solidFill>
-                <a:latin typeface="SFMono-Regular"/>
-              </a:rPr>
-              <a:t>object</a:t>
-            </a:r>
-            <a:endParaRPr lang="de-DE" sz="2000" dirty="0">
-              <a:solidFill>
-                <a:schemeClr val="bg1">
-                  <a:lumMod val="50000"/>
-                </a:schemeClr>
-              </a:solidFill>
-              <a:latin typeface="SFMono-Regular"/>
-            </a:endParaRPr>
-          </a:p>
-          <a:p>
-            <a:pPr marL="0" indent="0">
-              <a:buFont typeface="Arial" panose="020B0604020202020204" pitchFamily="34" charset="0"/>
-              <a:buNone/>
-            </a:pPr>
-            <a:r>
-              <a:rPr lang="de-DE" sz="2000" dirty="0" err="1">
-                <a:solidFill>
-                  <a:srgbClr val="333333"/>
-                </a:solidFill>
-                <a:latin typeface="SFMono-Regular"/>
-              </a:rPr>
-              <a:t>z</a:t>
-            </a:r>
-            <a:r>
-              <a:rPr lang="de-DE" sz="2000" dirty="0">
-                <a:solidFill>
-                  <a:srgbClr val="333333"/>
-                </a:solidFill>
-                <a:latin typeface="SFMono-Regular"/>
-              </a:rPr>
-              <a:t> &lt;- </a:t>
-            </a:r>
-            <a:r>
-              <a:rPr lang="de-DE" sz="2000" dirty="0" err="1">
-                <a:solidFill>
-                  <a:srgbClr val="333333"/>
-                </a:solidFill>
-                <a:latin typeface="SFMono-Regular"/>
-              </a:rPr>
-              <a:t>data.frame</a:t>
-            </a:r>
-            <a:r>
-              <a:rPr lang="de-DE" sz="2000" dirty="0">
-                <a:solidFill>
-                  <a:srgbClr val="333333"/>
-                </a:solidFill>
-                <a:latin typeface="SFMono-Regular"/>
-              </a:rPr>
-              <a:t>(</a:t>
-            </a:r>
-            <a:r>
-              <a:rPr lang="de-DE" sz="2000" dirty="0" err="1">
-                <a:solidFill>
-                  <a:srgbClr val="333333"/>
-                </a:solidFill>
-                <a:latin typeface="SFMono-Regular"/>
-              </a:rPr>
-              <a:t>Month</a:t>
-            </a:r>
-            <a:r>
-              <a:rPr lang="de-DE" sz="2000" dirty="0">
-                <a:solidFill>
-                  <a:srgbClr val="333333"/>
-                </a:solidFill>
-                <a:latin typeface="SFMono-Regular"/>
-              </a:rPr>
-              <a:t> = c("2022 Jan", "2022 Feb", "2022 Mar", "2022 Apr", "2022 May"),</a:t>
-            </a:r>
-          </a:p>
-          <a:p>
-            <a:pPr marL="0" indent="0">
-              <a:buFont typeface="Arial" panose="020B0604020202020204" pitchFamily="34" charset="0"/>
-              <a:buNone/>
-            </a:pPr>
-            <a:r>
-              <a:rPr lang="de-DE" sz="2000" dirty="0">
-                <a:solidFill>
-                  <a:srgbClr val="333333"/>
-                </a:solidFill>
-                <a:latin typeface="SFMono-Regular"/>
-              </a:rPr>
-              <a:t>                </a:t>
-            </a:r>
-            <a:r>
-              <a:rPr lang="de-DE" sz="2000" dirty="0" err="1">
-                <a:solidFill>
-                  <a:srgbClr val="333333"/>
-                </a:solidFill>
-                <a:latin typeface="SFMono-Regular"/>
-              </a:rPr>
-              <a:t>Observations</a:t>
-            </a:r>
-            <a:r>
-              <a:rPr lang="de-DE" sz="2000" dirty="0">
-                <a:solidFill>
-                  <a:srgbClr val="333333"/>
-                </a:solidFill>
-                <a:latin typeface="SFMono-Regular"/>
-              </a:rPr>
-              <a:t> = c(50, 23, 34, 30, 25))</a:t>
-            </a:r>
-          </a:p>
-          <a:p>
-            <a:pPr marL="0" indent="0">
-              <a:buFont typeface="Arial" panose="020B0604020202020204" pitchFamily="34" charset="0"/>
-              <a:buNone/>
-            </a:pPr>
-            <a:r>
-              <a:rPr lang="de-DE" sz="2000" dirty="0" err="1">
-                <a:solidFill>
-                  <a:srgbClr val="333333"/>
-                </a:solidFill>
-                <a:latin typeface="SFMono-Regular"/>
-              </a:rPr>
-              <a:t>z</a:t>
-            </a:r>
-            <a:r>
-              <a:rPr lang="de-DE" sz="2000" dirty="0">
-                <a:solidFill>
-                  <a:srgbClr val="333333"/>
-                </a:solidFill>
-                <a:latin typeface="SFMono-Regular"/>
-              </a:rPr>
-              <a:t> %&gt;%</a:t>
-            </a:r>
-          </a:p>
-          <a:p>
-            <a:pPr marL="0" indent="0">
-              <a:buFont typeface="Arial" panose="020B0604020202020204" pitchFamily="34" charset="0"/>
-              <a:buNone/>
-            </a:pPr>
-            <a:r>
-              <a:rPr lang="de-DE" sz="2000" dirty="0">
-                <a:solidFill>
-                  <a:srgbClr val="333333"/>
-                </a:solidFill>
-                <a:latin typeface="SFMono-Regular"/>
-              </a:rPr>
-              <a:t>  </a:t>
-            </a:r>
-            <a:r>
-              <a:rPr lang="de-DE" sz="2000" dirty="0" err="1">
-                <a:solidFill>
-                  <a:srgbClr val="333333"/>
-                </a:solidFill>
-                <a:latin typeface="SFMono-Regular"/>
-              </a:rPr>
-              <a:t>mutate</a:t>
-            </a:r>
-            <a:r>
-              <a:rPr lang="de-DE" sz="2000" dirty="0">
-                <a:solidFill>
-                  <a:srgbClr val="333333"/>
-                </a:solidFill>
-                <a:latin typeface="SFMono-Regular"/>
-              </a:rPr>
-              <a:t>(</a:t>
-            </a:r>
-            <a:r>
-              <a:rPr lang="de-DE" sz="2000" dirty="0" err="1">
-                <a:solidFill>
-                  <a:srgbClr val="333333"/>
-                </a:solidFill>
-                <a:latin typeface="SFMono-Regular"/>
-              </a:rPr>
-              <a:t>Month</a:t>
-            </a:r>
-            <a:r>
-              <a:rPr lang="de-DE" sz="2000" dirty="0">
-                <a:solidFill>
-                  <a:srgbClr val="333333"/>
-                </a:solidFill>
-                <a:latin typeface="SFMono-Regular"/>
-              </a:rPr>
-              <a:t> = </a:t>
-            </a:r>
-            <a:r>
-              <a:rPr lang="de-DE" sz="2000" dirty="0" err="1">
-                <a:solidFill>
-                  <a:srgbClr val="333333"/>
-                </a:solidFill>
-                <a:latin typeface="SFMono-Regular"/>
-              </a:rPr>
-              <a:t>yearmonth</a:t>
-            </a:r>
-            <a:r>
-              <a:rPr lang="de-DE" sz="2000" dirty="0">
-                <a:solidFill>
-                  <a:srgbClr val="333333"/>
-                </a:solidFill>
-                <a:latin typeface="SFMono-Regular"/>
-              </a:rPr>
-              <a:t>(</a:t>
-            </a:r>
-            <a:r>
-              <a:rPr lang="de-DE" sz="2000" dirty="0" err="1">
-                <a:solidFill>
-                  <a:srgbClr val="333333"/>
-                </a:solidFill>
-                <a:latin typeface="SFMono-Regular"/>
-              </a:rPr>
-              <a:t>Month</a:t>
-            </a:r>
-            <a:r>
-              <a:rPr lang="de-DE" sz="2000" dirty="0">
-                <a:solidFill>
-                  <a:srgbClr val="333333"/>
-                </a:solidFill>
-                <a:latin typeface="SFMono-Regular"/>
-              </a:rPr>
-              <a:t>)) %&gt;%</a:t>
-            </a:r>
-          </a:p>
-          <a:p>
-            <a:pPr marL="0" indent="0">
-              <a:buFont typeface="Arial" panose="020B0604020202020204" pitchFamily="34" charset="0"/>
-              <a:buNone/>
-            </a:pPr>
-            <a:r>
-              <a:rPr lang="de-DE" sz="2000" dirty="0">
-                <a:solidFill>
-                  <a:srgbClr val="333333"/>
-                </a:solidFill>
-                <a:latin typeface="SFMono-Regular"/>
-              </a:rPr>
-              <a:t>  </a:t>
-            </a:r>
-            <a:r>
-              <a:rPr lang="de-DE" sz="2000" dirty="0" err="1">
-                <a:solidFill>
-                  <a:srgbClr val="333333"/>
-                </a:solidFill>
-                <a:latin typeface="SFMono-Regular"/>
-              </a:rPr>
-              <a:t>as_tsibble</a:t>
-            </a:r>
-            <a:r>
-              <a:rPr lang="de-DE" sz="2000" dirty="0">
-                <a:solidFill>
-                  <a:srgbClr val="333333"/>
-                </a:solidFill>
-                <a:latin typeface="SFMono-Regular"/>
-              </a:rPr>
-              <a:t>(</a:t>
-            </a:r>
-            <a:r>
-              <a:rPr lang="de-DE" sz="2000" dirty="0" err="1">
-                <a:solidFill>
-                  <a:srgbClr val="333333"/>
-                </a:solidFill>
-                <a:latin typeface="SFMono-Regular"/>
-              </a:rPr>
-              <a:t>index</a:t>
-            </a:r>
-            <a:r>
-              <a:rPr lang="de-DE" sz="2000" dirty="0">
-                <a:solidFill>
-                  <a:srgbClr val="333333"/>
-                </a:solidFill>
-                <a:latin typeface="SFMono-Regular"/>
-              </a:rPr>
-              <a:t> = </a:t>
-            </a:r>
-            <a:r>
-              <a:rPr lang="de-DE" sz="2000" dirty="0" err="1">
-                <a:solidFill>
-                  <a:srgbClr val="333333"/>
-                </a:solidFill>
-                <a:latin typeface="SFMono-Regular"/>
-              </a:rPr>
-              <a:t>Month</a:t>
-            </a:r>
-            <a:r>
-              <a:rPr lang="de-DE" sz="2000" dirty="0">
-                <a:solidFill>
-                  <a:srgbClr val="333333"/>
-                </a:solidFill>
-                <a:latin typeface="SFMono-Regular"/>
-              </a:rPr>
-              <a:t>)</a:t>
-            </a:r>
-            <a:endParaRPr lang="en-GB" sz="2000" dirty="0"/>
-          </a:p>
-        </p:txBody>
-      </p:sp>
+      </p:pic>
     </p:spTree>
     <p:extLst>
       <p:ext uri="{BB962C8B-B14F-4D97-AF65-F5344CB8AC3E}">
@@ -12689,510 +14386,12 @@
           </a:prstGeom>
         </p:spPr>
       </p:pic>
-      <p:sp>
-        <p:nvSpPr>
-          <p:cNvPr id="5" name="Inhaltsplatzhalter 2">
-            <a:extLst>
-              <a:ext uri="{FF2B5EF4-FFF2-40B4-BE49-F238E27FC236}">
-                <a16:creationId xmlns:a16="http://schemas.microsoft.com/office/drawing/2014/main" id="{AF1D1ADA-5604-79C1-62B8-3B296728FC92}"/>
-              </a:ext>
-            </a:extLst>
-          </p:cNvPr>
-          <p:cNvSpPr>
-            <a:spLocks noGrp="1"/>
-          </p:cNvSpPr>
-          <p:nvPr>
-            <p:ph idx="1"/>
-          </p:nvPr>
-        </p:nvSpPr>
-        <p:spPr>
-          <a:xfrm>
-            <a:off x="1106599" y="1490405"/>
-            <a:ext cx="7672214" cy="3191623"/>
-          </a:xfrm>
-          <a:solidFill>
-            <a:schemeClr val="bg1">
-              <a:lumMod val="95000"/>
-            </a:schemeClr>
-          </a:solidFill>
-        </p:spPr>
-        <p:txBody>
-          <a:bodyPr>
-            <a:noAutofit/>
-          </a:bodyPr>
-          <a:lstStyle/>
-          <a:p>
-            <a:pPr marL="0" indent="0">
-              <a:buNone/>
-            </a:pPr>
-            <a:r>
-              <a:rPr lang="de-DE" sz="2000" b="0" i="0" u="none" strike="noStrike" dirty="0">
-                <a:solidFill>
-                  <a:schemeClr val="bg1">
-                    <a:lumMod val="50000"/>
-                  </a:schemeClr>
-                </a:solidFill>
-                <a:effectLst/>
-                <a:latin typeface="SFMono-Regular"/>
-              </a:rPr>
-              <a:t># Time </a:t>
-            </a:r>
-            <a:r>
-              <a:rPr lang="de-DE" sz="2000" b="0" i="0" u="none" strike="noStrike" dirty="0" err="1">
-                <a:solidFill>
-                  <a:schemeClr val="bg1">
-                    <a:lumMod val="50000"/>
-                  </a:schemeClr>
-                </a:solidFill>
-                <a:effectLst/>
-                <a:latin typeface="SFMono-Regular"/>
-              </a:rPr>
-              <a:t>plots</a:t>
-            </a:r>
-            <a:endParaRPr lang="de-DE" sz="2000" b="0" i="0" u="none" strike="noStrike" dirty="0">
-              <a:solidFill>
-                <a:schemeClr val="bg1">
-                  <a:lumMod val="50000"/>
-                </a:schemeClr>
-              </a:solidFill>
-              <a:effectLst/>
-              <a:latin typeface="SFMono-Regular"/>
-            </a:endParaRPr>
-          </a:p>
-          <a:p>
-            <a:pPr marL="0" indent="0">
-              <a:buNone/>
-            </a:pPr>
-            <a:r>
-              <a:rPr lang="de-DE" sz="2000" b="0" i="0" u="none" strike="noStrike" dirty="0" err="1">
-                <a:solidFill>
-                  <a:srgbClr val="333333"/>
-                </a:solidFill>
-                <a:effectLst/>
-                <a:latin typeface="SFMono-Regular"/>
-              </a:rPr>
-              <a:t>melsyd_economy</a:t>
-            </a:r>
-            <a:r>
-              <a:rPr lang="de-DE" sz="2000" b="0" i="0" u="none" strike="noStrike" dirty="0">
-                <a:solidFill>
-                  <a:srgbClr val="333333"/>
-                </a:solidFill>
-                <a:effectLst/>
-                <a:latin typeface="SFMono-Regular"/>
-              </a:rPr>
-              <a:t> &lt;- </a:t>
-            </a:r>
-            <a:r>
-              <a:rPr lang="de-DE" sz="2000" b="0" i="0" u="none" strike="noStrike" dirty="0" err="1">
-                <a:solidFill>
-                  <a:srgbClr val="333333"/>
-                </a:solidFill>
-                <a:effectLst/>
-                <a:latin typeface="SFMono-Regular"/>
-              </a:rPr>
-              <a:t>ansett</a:t>
-            </a:r>
-            <a:r>
-              <a:rPr lang="de-DE" sz="2000" b="0" i="0" u="none" strike="noStrike" dirty="0">
-                <a:solidFill>
-                  <a:srgbClr val="333333"/>
-                </a:solidFill>
-                <a:effectLst/>
-                <a:latin typeface="SFMono-Regular"/>
-              </a:rPr>
-              <a:t> %&gt;%</a:t>
-            </a:r>
-          </a:p>
-          <a:p>
-            <a:pPr marL="0" indent="0">
-              <a:buNone/>
-            </a:pPr>
-            <a:r>
-              <a:rPr lang="de-DE" sz="2000" b="0" i="0" u="none" strike="noStrike" dirty="0">
-                <a:solidFill>
-                  <a:srgbClr val="333333"/>
-                </a:solidFill>
-                <a:effectLst/>
-                <a:latin typeface="SFMono-Regular"/>
-              </a:rPr>
-              <a:t>  </a:t>
-            </a:r>
-            <a:r>
-              <a:rPr lang="de-DE" sz="2000" b="0" i="0" u="none" strike="noStrike" dirty="0" err="1">
-                <a:solidFill>
-                  <a:srgbClr val="333333"/>
-                </a:solidFill>
-                <a:effectLst/>
-                <a:latin typeface="SFMono-Regular"/>
-              </a:rPr>
-              <a:t>filter</a:t>
-            </a:r>
-            <a:r>
-              <a:rPr lang="de-DE" sz="2000" b="0" i="0" u="none" strike="noStrike" dirty="0">
-                <a:solidFill>
-                  <a:srgbClr val="333333"/>
-                </a:solidFill>
-                <a:effectLst/>
-                <a:latin typeface="SFMono-Regular"/>
-              </a:rPr>
-              <a:t>(Airports == "MEL-SYD", Class == "Economy") %&gt;%</a:t>
-            </a:r>
-          </a:p>
-          <a:p>
-            <a:pPr marL="0" indent="0">
-              <a:buNone/>
-            </a:pPr>
-            <a:r>
-              <a:rPr lang="de-DE" sz="2000" b="0" i="0" u="none" strike="noStrike" dirty="0">
-                <a:solidFill>
-                  <a:srgbClr val="333333"/>
-                </a:solidFill>
-                <a:effectLst/>
-                <a:latin typeface="SFMono-Regular"/>
-              </a:rPr>
-              <a:t>  </a:t>
-            </a:r>
-            <a:r>
-              <a:rPr lang="de-DE" sz="2000" b="0" i="0" u="none" strike="noStrike" dirty="0" err="1">
-                <a:solidFill>
-                  <a:srgbClr val="333333"/>
-                </a:solidFill>
-                <a:effectLst/>
-                <a:latin typeface="SFMono-Regular"/>
-              </a:rPr>
-              <a:t>mutate</a:t>
-            </a:r>
-            <a:r>
-              <a:rPr lang="de-DE" sz="2000" b="0" i="0" u="none" strike="noStrike" dirty="0">
-                <a:solidFill>
-                  <a:srgbClr val="333333"/>
-                </a:solidFill>
-                <a:effectLst/>
-                <a:latin typeface="SFMono-Regular"/>
-              </a:rPr>
-              <a:t>(</a:t>
-            </a:r>
-            <a:r>
-              <a:rPr lang="de-DE" sz="2000" b="0" i="0" u="none" strike="noStrike" dirty="0" err="1">
-                <a:solidFill>
-                  <a:srgbClr val="333333"/>
-                </a:solidFill>
-                <a:effectLst/>
-                <a:latin typeface="SFMono-Regular"/>
-              </a:rPr>
-              <a:t>Passengers</a:t>
-            </a:r>
-            <a:r>
-              <a:rPr lang="de-DE" sz="2000" b="0" i="0" u="none" strike="noStrike" dirty="0">
-                <a:solidFill>
-                  <a:srgbClr val="333333"/>
-                </a:solidFill>
-                <a:effectLst/>
-                <a:latin typeface="SFMono-Regular"/>
-              </a:rPr>
-              <a:t> = </a:t>
-            </a:r>
-            <a:r>
-              <a:rPr lang="de-DE" sz="2000" b="0" i="0" u="none" strike="noStrike" dirty="0" err="1">
-                <a:solidFill>
-                  <a:srgbClr val="333333"/>
-                </a:solidFill>
-                <a:effectLst/>
-                <a:latin typeface="SFMono-Regular"/>
-              </a:rPr>
-              <a:t>Passengers</a:t>
-            </a:r>
-            <a:r>
-              <a:rPr lang="de-DE" sz="2000" b="0" i="0" u="none" strike="noStrike" dirty="0">
-                <a:solidFill>
-                  <a:srgbClr val="333333"/>
-                </a:solidFill>
-                <a:effectLst/>
-                <a:latin typeface="SFMono-Regular"/>
-              </a:rPr>
-              <a:t>/1000)</a:t>
-            </a:r>
-          </a:p>
-          <a:p>
-            <a:pPr marL="0" indent="0">
-              <a:buNone/>
-            </a:pPr>
-            <a:r>
-              <a:rPr lang="de-DE" sz="2000" b="0" i="0" u="none" strike="noStrike" dirty="0" err="1">
-                <a:solidFill>
-                  <a:srgbClr val="333333"/>
-                </a:solidFill>
-                <a:effectLst/>
-                <a:latin typeface="SFMono-Regular"/>
-              </a:rPr>
-              <a:t>autoplot</a:t>
-            </a:r>
-            <a:r>
-              <a:rPr lang="de-DE" sz="2000" b="0" i="0" u="none" strike="noStrike" dirty="0">
-                <a:solidFill>
-                  <a:srgbClr val="333333"/>
-                </a:solidFill>
-                <a:effectLst/>
-                <a:latin typeface="SFMono-Regular"/>
-              </a:rPr>
-              <a:t>(</a:t>
-            </a:r>
-            <a:r>
-              <a:rPr lang="de-DE" sz="2000" b="0" i="0" u="none" strike="noStrike" dirty="0" err="1">
-                <a:solidFill>
-                  <a:srgbClr val="333333"/>
-                </a:solidFill>
-                <a:effectLst/>
-                <a:latin typeface="SFMono-Regular"/>
-              </a:rPr>
-              <a:t>melsyd_economy</a:t>
-            </a:r>
-            <a:r>
-              <a:rPr lang="de-DE" sz="2000" b="0" i="0" u="none" strike="noStrike" dirty="0">
-                <a:solidFill>
-                  <a:srgbClr val="333333"/>
-                </a:solidFill>
-                <a:effectLst/>
-                <a:latin typeface="SFMono-Regular"/>
-              </a:rPr>
-              <a:t>, </a:t>
-            </a:r>
-            <a:r>
-              <a:rPr lang="de-DE" sz="2000" b="0" i="0" u="none" strike="noStrike" dirty="0" err="1">
-                <a:solidFill>
-                  <a:srgbClr val="333333"/>
-                </a:solidFill>
-                <a:effectLst/>
-                <a:latin typeface="SFMono-Regular"/>
-              </a:rPr>
-              <a:t>Passengers</a:t>
-            </a:r>
-            <a:r>
-              <a:rPr lang="de-DE" sz="2000" b="0" i="0" u="none" strike="noStrike" dirty="0">
-                <a:solidFill>
-                  <a:srgbClr val="333333"/>
-                </a:solidFill>
-                <a:effectLst/>
-                <a:latin typeface="SFMono-Regular"/>
-              </a:rPr>
-              <a:t>) +</a:t>
-            </a:r>
-          </a:p>
-          <a:p>
-            <a:pPr marL="0" indent="0">
-              <a:buNone/>
-            </a:pPr>
-            <a:r>
-              <a:rPr lang="de-DE" sz="2000" b="0" i="0" u="none" strike="noStrike" dirty="0">
-                <a:solidFill>
-                  <a:srgbClr val="333333"/>
-                </a:solidFill>
-                <a:effectLst/>
-                <a:latin typeface="SFMono-Regular"/>
-              </a:rPr>
-              <a:t>  </a:t>
-            </a:r>
-            <a:r>
-              <a:rPr lang="de-DE" sz="2000" b="0" i="0" u="none" strike="noStrike" dirty="0" err="1">
-                <a:solidFill>
-                  <a:srgbClr val="333333"/>
-                </a:solidFill>
-                <a:effectLst/>
-                <a:latin typeface="SFMono-Regular"/>
-              </a:rPr>
-              <a:t>labs</a:t>
-            </a:r>
-            <a:r>
-              <a:rPr lang="de-DE" sz="2000" b="0" i="0" u="none" strike="noStrike" dirty="0">
-                <a:solidFill>
-                  <a:srgbClr val="333333"/>
-                </a:solidFill>
-                <a:effectLst/>
-                <a:latin typeface="SFMono-Regular"/>
-              </a:rPr>
-              <a:t>(title = "</a:t>
-            </a:r>
-            <a:r>
-              <a:rPr lang="de-DE" sz="2000" b="0" i="0" u="none" strike="noStrike" dirty="0" err="1">
-                <a:solidFill>
-                  <a:srgbClr val="333333"/>
-                </a:solidFill>
-                <a:effectLst/>
-                <a:latin typeface="SFMono-Regular"/>
-              </a:rPr>
-              <a:t>Ansett</a:t>
-            </a:r>
-            <a:r>
-              <a:rPr lang="de-DE" sz="2000" b="0" i="0" u="none" strike="noStrike" dirty="0">
-                <a:solidFill>
-                  <a:srgbClr val="333333"/>
-                </a:solidFill>
-                <a:effectLst/>
-                <a:latin typeface="SFMono-Regular"/>
-              </a:rPr>
-              <a:t> </a:t>
-            </a:r>
-            <a:r>
-              <a:rPr lang="de-DE" sz="2000" b="0" i="0" u="none" strike="noStrike" dirty="0" err="1">
-                <a:solidFill>
-                  <a:srgbClr val="333333"/>
-                </a:solidFill>
-                <a:effectLst/>
-                <a:latin typeface="SFMono-Regular"/>
-              </a:rPr>
-              <a:t>airlines</a:t>
-            </a:r>
-            <a:r>
-              <a:rPr lang="de-DE" sz="2000" b="0" i="0" u="none" strike="noStrike" dirty="0">
-                <a:solidFill>
-                  <a:srgbClr val="333333"/>
-                </a:solidFill>
-                <a:effectLst/>
-                <a:latin typeface="SFMono-Regular"/>
-              </a:rPr>
-              <a:t> </a:t>
-            </a:r>
-            <a:r>
-              <a:rPr lang="de-DE" sz="2000" b="0" i="0" u="none" strike="noStrike" dirty="0" err="1">
-                <a:solidFill>
-                  <a:srgbClr val="333333"/>
-                </a:solidFill>
-                <a:effectLst/>
-                <a:latin typeface="SFMono-Regular"/>
-              </a:rPr>
-              <a:t>economy</a:t>
-            </a:r>
-            <a:r>
-              <a:rPr lang="de-DE" sz="2000" b="0" i="0" u="none" strike="noStrike" dirty="0">
-                <a:solidFill>
-                  <a:srgbClr val="333333"/>
-                </a:solidFill>
-                <a:effectLst/>
-                <a:latin typeface="SFMono-Regular"/>
-              </a:rPr>
-              <a:t> </a:t>
-            </a:r>
-            <a:r>
-              <a:rPr lang="de-DE" sz="2000" b="0" i="0" u="none" strike="noStrike" dirty="0" err="1">
-                <a:solidFill>
-                  <a:srgbClr val="333333"/>
-                </a:solidFill>
-                <a:effectLst/>
-                <a:latin typeface="SFMono-Regular"/>
-              </a:rPr>
-              <a:t>class</a:t>
-            </a:r>
-            <a:r>
-              <a:rPr lang="de-DE" sz="2000" b="0" i="0" u="none" strike="noStrike" dirty="0">
-                <a:solidFill>
-                  <a:srgbClr val="333333"/>
-                </a:solidFill>
-                <a:effectLst/>
-                <a:latin typeface="SFMono-Regular"/>
-              </a:rPr>
-              <a:t>",</a:t>
-            </a:r>
-          </a:p>
-          <a:p>
-            <a:pPr marL="0" indent="0">
-              <a:buNone/>
-            </a:pPr>
-            <a:r>
-              <a:rPr lang="de-DE" sz="2000" b="0" i="0" u="none" strike="noStrike" dirty="0">
-                <a:solidFill>
-                  <a:srgbClr val="333333"/>
-                </a:solidFill>
-                <a:effectLst/>
-                <a:latin typeface="SFMono-Regular"/>
-              </a:rPr>
-              <a:t>       </a:t>
-            </a:r>
-            <a:r>
-              <a:rPr lang="de-DE" sz="2000" b="0" i="0" u="none" strike="noStrike" dirty="0" err="1">
-                <a:solidFill>
-                  <a:srgbClr val="333333"/>
-                </a:solidFill>
-                <a:effectLst/>
-                <a:latin typeface="SFMono-Regular"/>
-              </a:rPr>
-              <a:t>subtitle</a:t>
-            </a:r>
-            <a:r>
-              <a:rPr lang="de-DE" sz="2000" b="0" i="0" u="none" strike="noStrike" dirty="0">
-                <a:solidFill>
-                  <a:srgbClr val="333333"/>
-                </a:solidFill>
-                <a:effectLst/>
-                <a:latin typeface="SFMono-Regular"/>
-              </a:rPr>
-              <a:t> = "Melbourne-Sydney",</a:t>
-            </a:r>
-          </a:p>
-          <a:p>
-            <a:pPr marL="0" indent="0">
-              <a:buNone/>
-            </a:pPr>
-            <a:r>
-              <a:rPr lang="de-DE" sz="2000" b="0" i="0" u="none" strike="noStrike" dirty="0">
-                <a:solidFill>
-                  <a:srgbClr val="333333"/>
-                </a:solidFill>
-                <a:effectLst/>
-                <a:latin typeface="SFMono-Regular"/>
-              </a:rPr>
-              <a:t>       </a:t>
-            </a:r>
-            <a:r>
-              <a:rPr lang="de-DE" sz="2000" b="0" i="0" u="none" strike="noStrike" dirty="0" err="1">
-                <a:solidFill>
-                  <a:srgbClr val="333333"/>
-                </a:solidFill>
-                <a:effectLst/>
-                <a:latin typeface="SFMono-Regular"/>
-              </a:rPr>
-              <a:t>y</a:t>
-            </a:r>
-            <a:r>
-              <a:rPr lang="de-DE" sz="2000" b="0" i="0" u="none" strike="noStrike" dirty="0">
-                <a:solidFill>
-                  <a:srgbClr val="333333"/>
-                </a:solidFill>
-                <a:effectLst/>
-                <a:latin typeface="SFMono-Regular"/>
-              </a:rPr>
-              <a:t> = "</a:t>
-            </a:r>
-            <a:r>
-              <a:rPr lang="de-DE" sz="2000" b="0" i="0" u="none" strike="noStrike" dirty="0" err="1">
-                <a:solidFill>
-                  <a:srgbClr val="333333"/>
-                </a:solidFill>
-                <a:effectLst/>
-                <a:latin typeface="SFMono-Regular"/>
-              </a:rPr>
-              <a:t>Passengers</a:t>
-            </a:r>
-            <a:r>
-              <a:rPr lang="de-DE" sz="2000" b="0" i="0" u="none" strike="noStrike" dirty="0">
-                <a:solidFill>
-                  <a:srgbClr val="333333"/>
-                </a:solidFill>
-                <a:effectLst/>
-                <a:latin typeface="SFMono-Regular"/>
-              </a:rPr>
-              <a:t> ('000)")</a:t>
-            </a:r>
-            <a:endParaRPr lang="en-GB" sz="2000" dirty="0"/>
-          </a:p>
-        </p:txBody>
-      </p:sp>
       <p:pic>
         <p:nvPicPr>
-          <p:cNvPr id="7" name="Grafik 6">
-            <a:extLst>
-              <a:ext uri="{FF2B5EF4-FFF2-40B4-BE49-F238E27FC236}">
-                <a16:creationId xmlns:a16="http://schemas.microsoft.com/office/drawing/2014/main" id="{12105C3F-0F7E-1A15-090F-CDED81805DE1}"/>
+          <p:cNvPr id="26" name="Grafik 25" descr="Ein Bild, das Text enthält.&#10;&#10;Automatisch generierte Beschreibung">
+            <a:extLst>
+              <a:ext uri="{FF2B5EF4-FFF2-40B4-BE49-F238E27FC236}">
+                <a16:creationId xmlns:a16="http://schemas.microsoft.com/office/drawing/2014/main" id="{B5F0B51F-A3C6-ADA0-5B49-BD993E5F55E4}"/>
               </a:ext>
             </a:extLst>
           </p:cNvPr>
@@ -13209,8 +14408,68 @@
         </p:blipFill>
         <p:spPr>
           <a:xfrm>
-            <a:off x="5957076" y="2864480"/>
-            <a:ext cx="5643473" cy="3487633"/>
+            <a:off x="1055714" y="2487874"/>
+            <a:ext cx="6997700" cy="1117600"/>
+          </a:xfrm>
+          <a:prstGeom prst="rect">
+            <a:avLst/>
+          </a:prstGeom>
+        </p:spPr>
+      </p:pic>
+      <p:pic>
+        <p:nvPicPr>
+          <p:cNvPr id="4" name="Grafik 3">
+            <a:extLst>
+              <a:ext uri="{FF2B5EF4-FFF2-40B4-BE49-F238E27FC236}">
+                <a16:creationId xmlns:a16="http://schemas.microsoft.com/office/drawing/2014/main" id="{BAE6F25F-E48C-D04B-116C-23886A7988A7}"/>
+              </a:ext>
+            </a:extLst>
+          </p:cNvPr>
+          <p:cNvPicPr>
+            <a:picLocks noChangeAspect="1"/>
+          </p:cNvPicPr>
+          <p:nvPr/>
+        </p:nvPicPr>
+        <p:blipFill>
+          <a:blip r:embed="rId6"/>
+          <a:stretch>
+            <a:fillRect/>
+          </a:stretch>
+        </p:blipFill>
+        <p:spPr>
+          <a:xfrm>
+            <a:off x="1055714" y="3693150"/>
+            <a:ext cx="6997700" cy="622300"/>
+          </a:xfrm>
+          <a:prstGeom prst="rect">
+            <a:avLst/>
+          </a:prstGeom>
+        </p:spPr>
+      </p:pic>
+      <p:pic>
+        <p:nvPicPr>
+          <p:cNvPr id="5" name="Grafik 4">
+            <a:extLst>
+              <a:ext uri="{FF2B5EF4-FFF2-40B4-BE49-F238E27FC236}">
+                <a16:creationId xmlns:a16="http://schemas.microsoft.com/office/drawing/2014/main" id="{FB470429-502F-5A25-FAB3-B5CAE9687D0E}"/>
+              </a:ext>
+            </a:extLst>
+          </p:cNvPr>
+          <p:cNvPicPr>
+            <a:picLocks noChangeAspect="1"/>
+          </p:cNvPicPr>
+          <p:nvPr/>
+        </p:nvPicPr>
+        <p:blipFill>
+          <a:blip r:embed="rId7"/>
+          <a:stretch>
+            <a:fillRect/>
+          </a:stretch>
+        </p:blipFill>
+        <p:spPr>
+          <a:xfrm>
+            <a:off x="5531572" y="3918057"/>
+            <a:ext cx="6159685" cy="2461626"/>
           </a:xfrm>
           <a:prstGeom prst="rect">
             <a:avLst/>
@@ -13220,7 +14479,7 @@
     </p:spTree>
     <p:extLst>
       <p:ext uri="{BB962C8B-B14F-4D97-AF65-F5344CB8AC3E}">
-        <p14:creationId xmlns:p14="http://schemas.microsoft.com/office/powerpoint/2010/main" val="512018200"/>
+        <p14:creationId xmlns:p14="http://schemas.microsoft.com/office/powerpoint/2010/main" val="2157788260"/>
       </p:ext>
     </p:extLst>
   </p:cSld>
@@ -13231,511 +14490,6 @@
 </file>
 
 <file path=ppt/slides/slide8.xml><?xml version="1.0" encoding="utf-8"?>
-<p:sld xmlns:a="http://schemas.openxmlformats.org/drawingml/2006/main" xmlns:r="http://schemas.openxmlformats.org/officeDocument/2006/relationships" xmlns:p="http://schemas.openxmlformats.org/presentationml/2006/main">
-  <p:cSld>
-    <p:bg>
-      <p:bgPr>
-        <a:solidFill>
-          <a:schemeClr val="bg1"/>
-        </a:solidFill>
-        <a:effectLst/>
-      </p:bgPr>
-    </p:bg>
-    <p:spTree>
-      <p:nvGrpSpPr>
-        <p:cNvPr id="1" name=""/>
-        <p:cNvGrpSpPr/>
-        <p:nvPr/>
-      </p:nvGrpSpPr>
-      <p:grpSpPr>
-        <a:xfrm>
-          <a:off x="0" y="0"/>
-          <a:ext cx="0" cy="0"/>
-          <a:chOff x="0" y="0"/>
-          <a:chExt cx="0" cy="0"/>
-        </a:xfrm>
-      </p:grpSpPr>
-      <p:sp useBgFill="1">
-        <p:nvSpPr>
-          <p:cNvPr id="8" name="Rectangle 7">
-            <a:extLst>
-              <a:ext uri="{FF2B5EF4-FFF2-40B4-BE49-F238E27FC236}">
-                <a16:creationId xmlns:a16="http://schemas.microsoft.com/office/drawing/2014/main" id="{0671A8AE-40A1-4631-A6B8-581AFF065482}"/>
-              </a:ext>
-              <a:ext uri="{C183D7F6-B498-43B3-948B-1728B52AA6E4}">
-                <adec:decorative xmlns:adec="http://schemas.microsoft.com/office/drawing/2017/decorative" val="1"/>
-              </a:ext>
-            </a:extLst>
-          </p:cNvPr>
-          <p:cNvSpPr>
-            <a:spLocks noGrp="1" noRot="1" noChangeAspect="1" noMove="1" noResize="1" noEditPoints="1" noAdjustHandles="1" noChangeArrowheads="1" noChangeShapeType="1" noTextEdit="1"/>
-          </p:cNvSpPr>
-          <p:nvPr>
-            <p:extLst>
-              <p:ext uri="{386F3935-93C4-4BCD-93E2-E3B085C9AB24}">
-                <p16:designElem xmlns:p16="http://schemas.microsoft.com/office/powerpoint/2015/main" val="1"/>
-              </p:ext>
-            </p:extLst>
-          </p:nvPr>
-        </p:nvSpPr>
-        <p:spPr>
-          <a:xfrm>
-            <a:off x="0" y="0"/>
-            <a:ext cx="12192000" cy="6858000"/>
-          </a:xfrm>
-          <a:prstGeom prst="rect">
-            <a:avLst/>
-          </a:prstGeom>
-          <a:ln>
-            <a:noFill/>
-          </a:ln>
-        </p:spPr>
-        <p:style>
-          <a:lnRef idx="2">
-            <a:schemeClr val="accent1">
-              <a:shade val="50000"/>
-            </a:schemeClr>
-          </a:lnRef>
-          <a:fillRef idx="1">
-            <a:schemeClr val="accent1"/>
-          </a:fillRef>
-          <a:effectRef idx="0">
-            <a:schemeClr val="accent1"/>
-          </a:effectRef>
-          <a:fontRef idx="minor">
-            <a:schemeClr val="lt1"/>
-          </a:fontRef>
-        </p:style>
-        <p:txBody>
-          <a:bodyPr rtlCol="0" anchor="ctr"/>
-          <a:lstStyle/>
-          <a:p>
-            <a:pPr algn="ctr"/>
-            <a:endParaRPr lang="en-US"/>
-          </a:p>
-        </p:txBody>
-      </p:sp>
-      <p:pic>
-        <p:nvPicPr>
-          <p:cNvPr id="4" name="Picture 3" descr="Hourglass and a calendar">
-            <a:extLst>
-              <a:ext uri="{FF2B5EF4-FFF2-40B4-BE49-F238E27FC236}">
-                <a16:creationId xmlns:a16="http://schemas.microsoft.com/office/drawing/2014/main" id="{798E75FF-AB79-541B-A1F7-C4F35E1F0802}"/>
-              </a:ext>
-            </a:extLst>
-          </p:cNvPr>
-          <p:cNvPicPr>
-            <a:picLocks noChangeAspect="1"/>
-          </p:cNvPicPr>
-          <p:nvPr/>
-        </p:nvPicPr>
-        <p:blipFill rotWithShape="1">
-          <a:blip r:embed="rId2"/>
-          <a:srcRect l="15312" r="2" b="2"/>
-          <a:stretch/>
-        </p:blipFill>
-        <p:spPr>
-          <a:xfrm>
-            <a:off x="3523488" y="10"/>
-            <a:ext cx="8668512" cy="6857990"/>
-          </a:xfrm>
-          <a:prstGeom prst="rect">
-            <a:avLst/>
-          </a:prstGeom>
-        </p:spPr>
-      </p:pic>
-      <p:sp>
-        <p:nvSpPr>
-          <p:cNvPr id="10" name="Rectangle 9">
-            <a:extLst>
-              <a:ext uri="{FF2B5EF4-FFF2-40B4-BE49-F238E27FC236}">
-                <a16:creationId xmlns:a16="http://schemas.microsoft.com/office/drawing/2014/main" id="{AB58EF07-17C2-48CF-ABB0-EEF1F17CB8F0}"/>
-              </a:ext>
-              <a:ext uri="{C183D7F6-B498-43B3-948B-1728B52AA6E4}">
-                <adec:decorative xmlns:adec="http://schemas.microsoft.com/office/drawing/2017/decorative" val="1"/>
-              </a:ext>
-            </a:extLst>
-          </p:cNvPr>
-          <p:cNvSpPr>
-            <a:spLocks noGrp="1" noRot="1" noChangeAspect="1" noMove="1" noResize="1" noEditPoints="1" noAdjustHandles="1" noChangeArrowheads="1" noChangeShapeType="1" noTextEdit="1"/>
-          </p:cNvSpPr>
-          <p:nvPr>
-            <p:extLst>
-              <p:ext uri="{386F3935-93C4-4BCD-93E2-E3B085C9AB24}">
-                <p16:designElem xmlns:p16="http://schemas.microsoft.com/office/powerpoint/2015/main" val="1"/>
-              </p:ext>
-            </p:extLst>
-          </p:nvPr>
-        </p:nvSpPr>
-        <p:spPr>
-          <a:xfrm>
-            <a:off x="3" y="0"/>
-            <a:ext cx="9339206" cy="6858000"/>
-          </a:xfrm>
-          <a:prstGeom prst="rect">
-            <a:avLst/>
-          </a:prstGeom>
-          <a:gradFill>
-            <a:gsLst>
-              <a:gs pos="58000">
-                <a:schemeClr val="bg1"/>
-              </a:gs>
-              <a:gs pos="33000">
-                <a:schemeClr val="bg1">
-                  <a:alpha val="64000"/>
-                </a:schemeClr>
-              </a:gs>
-              <a:gs pos="0">
-                <a:schemeClr val="bg1">
-                  <a:alpha val="0"/>
-                </a:schemeClr>
-              </a:gs>
-              <a:gs pos="100000">
-                <a:schemeClr val="bg1"/>
-              </a:gs>
-            </a:gsLst>
-            <a:lin ang="10800000" scaled="0"/>
-          </a:gradFill>
-          <a:ln>
-            <a:noFill/>
-          </a:ln>
-        </p:spPr>
-        <p:style>
-          <a:lnRef idx="2">
-            <a:schemeClr val="accent1">
-              <a:shade val="50000"/>
-            </a:schemeClr>
-          </a:lnRef>
-          <a:fillRef idx="1">
-            <a:schemeClr val="accent1"/>
-          </a:fillRef>
-          <a:effectRef idx="0">
-            <a:schemeClr val="accent1"/>
-          </a:effectRef>
-          <a:fontRef idx="minor">
-            <a:schemeClr val="lt1"/>
-          </a:fontRef>
-        </p:style>
-        <p:txBody>
-          <a:bodyPr rtlCol="0" anchor="ctr"/>
-          <a:lstStyle/>
-          <a:p>
-            <a:pPr algn="ctr"/>
-            <a:endParaRPr lang="en-US" dirty="0"/>
-          </a:p>
-        </p:txBody>
-      </p:sp>
-      <p:sp>
-        <p:nvSpPr>
-          <p:cNvPr id="2" name="Titel 1">
-            <a:extLst>
-              <a:ext uri="{FF2B5EF4-FFF2-40B4-BE49-F238E27FC236}">
-                <a16:creationId xmlns:a16="http://schemas.microsoft.com/office/drawing/2014/main" id="{47024D5E-66BD-6B91-A518-691F8219D3DE}"/>
-              </a:ext>
-            </a:extLst>
-          </p:cNvPr>
-          <p:cNvSpPr>
-            <a:spLocks noGrp="1"/>
-          </p:cNvSpPr>
-          <p:nvPr>
-            <p:ph type="ctrTitle"/>
-          </p:nvPr>
-        </p:nvSpPr>
-        <p:spPr>
-          <a:xfrm>
-            <a:off x="477980" y="1213866"/>
-            <a:ext cx="4508357" cy="3009889"/>
-          </a:xfrm>
-        </p:spPr>
-        <p:txBody>
-          <a:bodyPr anchor="b">
-            <a:noAutofit/>
-          </a:bodyPr>
-          <a:lstStyle/>
-          <a:p>
-            <a:pPr algn="l"/>
-            <a:r>
-              <a:rPr lang="en-GB" sz="5400" dirty="0"/>
-              <a:t>A forecasting workflow for time series data</a:t>
-            </a:r>
-          </a:p>
-        </p:txBody>
-      </p:sp>
-      <p:sp>
-        <p:nvSpPr>
-          <p:cNvPr id="12" name="Rectangle 11">
-            <a:extLst>
-              <a:ext uri="{FF2B5EF4-FFF2-40B4-BE49-F238E27FC236}">
-                <a16:creationId xmlns:a16="http://schemas.microsoft.com/office/drawing/2014/main" id="{AF2F604E-43BE-4DC3-B983-E071523364F8}"/>
-              </a:ext>
-              <a:ext uri="{C183D7F6-B498-43B3-948B-1728B52AA6E4}">
-                <adec:decorative xmlns:adec="http://schemas.microsoft.com/office/drawing/2017/decorative" val="1"/>
-              </a:ext>
-            </a:extLst>
-          </p:cNvPr>
-          <p:cNvSpPr>
-            <a:spLocks noGrp="1" noRot="1" noChangeAspect="1" noMove="1" noResize="1" noEditPoints="1" noAdjustHandles="1" noChangeArrowheads="1" noChangeShapeType="1" noTextEdit="1"/>
-          </p:cNvSpPr>
-          <p:nvPr>
-            <p:extLst>
-              <p:ext uri="{386F3935-93C4-4BCD-93E2-E3B085C9AB24}">
-                <p16:designElem xmlns:p16="http://schemas.microsoft.com/office/powerpoint/2015/main" val="1"/>
-              </p:ext>
-            </p:extLst>
-          </p:nvPr>
-        </p:nvSpPr>
-        <p:spPr>
-          <a:xfrm rot="5400000">
-            <a:off x="759921" y="346791"/>
-            <a:ext cx="146304" cy="704088"/>
-          </a:xfrm>
-          <a:prstGeom prst="rect">
-            <a:avLst/>
-          </a:prstGeom>
-          <a:solidFill>
-            <a:schemeClr val="accent2"/>
-          </a:solidFill>
-          <a:ln>
-            <a:noFill/>
-          </a:ln>
-        </p:spPr>
-        <p:style>
-          <a:lnRef idx="2">
-            <a:schemeClr val="accent1">
-              <a:shade val="50000"/>
-            </a:schemeClr>
-          </a:lnRef>
-          <a:fillRef idx="1">
-            <a:schemeClr val="accent1"/>
-          </a:fillRef>
-          <a:effectRef idx="0">
-            <a:schemeClr val="accent1"/>
-          </a:effectRef>
-          <a:fontRef idx="minor">
-            <a:schemeClr val="lt1"/>
-          </a:fontRef>
-        </p:style>
-        <p:txBody>
-          <a:bodyPr rtlCol="0" anchor="ctr"/>
-          <a:lstStyle/>
-          <a:p>
-            <a:pPr algn="ctr"/>
-            <a:endParaRPr lang="en-US">
-              <a:solidFill>
-                <a:prstClr val="white"/>
-              </a:solidFill>
-              <a:latin typeface="Calibri" panose="020F0502020204030204"/>
-            </a:endParaRPr>
-          </a:p>
-        </p:txBody>
-      </p:sp>
-      <p:sp>
-        <p:nvSpPr>
-          <p:cNvPr id="14" name="Rectangle 13">
-            <a:extLst>
-              <a:ext uri="{FF2B5EF4-FFF2-40B4-BE49-F238E27FC236}">
-                <a16:creationId xmlns:a16="http://schemas.microsoft.com/office/drawing/2014/main" id="{08C9B587-E65E-4B52-B37C-ABEBB6E87928}"/>
-              </a:ext>
-              <a:ext uri="{C183D7F6-B498-43B3-948B-1728B52AA6E4}">
-                <adec:decorative xmlns:adec="http://schemas.microsoft.com/office/drawing/2017/decorative" val="1"/>
-              </a:ext>
-            </a:extLst>
-          </p:cNvPr>
-          <p:cNvSpPr>
-            <a:spLocks noGrp="1" noRot="1" noChangeAspect="1" noMove="1" noResize="1" noEditPoints="1" noAdjustHandles="1" noChangeArrowheads="1" noChangeShapeType="1" noTextEdit="1"/>
-          </p:cNvSpPr>
-          <p:nvPr>
-            <p:extLst>
-              <p:ext uri="{386F3935-93C4-4BCD-93E2-E3B085C9AB24}">
-                <p16:designElem xmlns:p16="http://schemas.microsoft.com/office/powerpoint/2015/main" val="1"/>
-              </p:ext>
-            </p:extLst>
-          </p:nvPr>
-        </p:nvSpPr>
-        <p:spPr>
-          <a:xfrm>
-            <a:off x="481029" y="4546920"/>
-            <a:ext cx="3977640" cy="18288"/>
-          </a:xfrm>
-          <a:prstGeom prst="rect">
-            <a:avLst/>
-          </a:prstGeom>
-          <a:solidFill>
-            <a:schemeClr val="tx1"/>
-          </a:solidFill>
-          <a:ln w="3175">
-            <a:noFill/>
-          </a:ln>
-          <a:effectLst/>
-        </p:spPr>
-        <p:style>
-          <a:lnRef idx="2">
-            <a:schemeClr val="accent1">
-              <a:shade val="50000"/>
-            </a:schemeClr>
-          </a:lnRef>
-          <a:fillRef idx="1">
-            <a:schemeClr val="accent1"/>
-          </a:fillRef>
-          <a:effectRef idx="0">
-            <a:schemeClr val="accent1"/>
-          </a:effectRef>
-          <a:fontRef idx="minor">
-            <a:schemeClr val="lt1"/>
-          </a:fontRef>
-        </p:style>
-        <p:txBody>
-          <a:bodyPr rtlCol="0" anchor="ctr"/>
-          <a:lstStyle/>
-          <a:p>
-            <a:pPr marL="0" marR="0" lvl="0" indent="0" algn="ctr" defTabSz="914400" rtl="0" eaLnBrk="1" fontAlgn="auto" latinLnBrk="0" hangingPunct="1">
-              <a:lnSpc>
-                <a:spcPct val="100000"/>
-              </a:lnSpc>
-              <a:spcBef>
-                <a:spcPts val="0"/>
-              </a:spcBef>
-              <a:spcAft>
-                <a:spcPts val="0"/>
-              </a:spcAft>
-              <a:buClrTx/>
-              <a:buSzTx/>
-              <a:buFontTx/>
-              <a:buNone/>
-              <a:tabLst/>
-              <a:defRPr/>
-            </a:pPr>
-            <a:endParaRPr kumimoji="0" lang="en-US" sz="1800" b="0" i="0" u="none" strike="noStrike" kern="1200" cap="none" spc="0" normalizeH="0" baseline="0" noProof="0">
-              <a:ln>
-                <a:noFill/>
-              </a:ln>
-              <a:solidFill>
-                <a:prstClr val="white"/>
-              </a:solidFill>
-              <a:effectLst/>
-              <a:uLnTx/>
-              <a:uFillTx/>
-              <a:latin typeface="Calibri" panose="020F0502020204030204"/>
-              <a:ea typeface="+mn-ea"/>
-              <a:cs typeface="+mn-cs"/>
-            </a:endParaRPr>
-          </a:p>
-        </p:txBody>
-      </p:sp>
-      <p:sp>
-        <p:nvSpPr>
-          <p:cNvPr id="11" name="Textfeld 10">
-            <a:extLst>
-              <a:ext uri="{FF2B5EF4-FFF2-40B4-BE49-F238E27FC236}">
-                <a16:creationId xmlns:a16="http://schemas.microsoft.com/office/drawing/2014/main" id="{57FBD265-BCE3-04C8-3447-FDB89F50B7D9}"/>
-              </a:ext>
-            </a:extLst>
-          </p:cNvPr>
-          <p:cNvSpPr txBox="1"/>
-          <p:nvPr/>
-        </p:nvSpPr>
-        <p:spPr>
-          <a:xfrm>
-            <a:off x="477980" y="4735681"/>
-            <a:ext cx="6100762" cy="1200329"/>
-          </a:xfrm>
-          <a:prstGeom prst="rect">
-            <a:avLst/>
-          </a:prstGeom>
-          <a:noFill/>
-        </p:spPr>
-        <p:txBody>
-          <a:bodyPr wrap="square">
-            <a:spAutoFit/>
-          </a:bodyPr>
-          <a:lstStyle/>
-          <a:p>
-            <a:pPr marL="285750" indent="-285750">
-              <a:buFont typeface="Symbol" pitchFamily="2" charset="2"/>
-              <a:buChar char="-"/>
-            </a:pPr>
-            <a:r>
-              <a:rPr lang="en-GB" sz="2400" dirty="0"/>
-              <a:t>Data preparation and manipulation</a:t>
-            </a:r>
-          </a:p>
-          <a:p>
-            <a:pPr marL="285750" indent="-285750">
-              <a:buFont typeface="Symbol" pitchFamily="2" charset="2"/>
-              <a:buChar char="-"/>
-            </a:pPr>
-            <a:r>
-              <a:rPr lang="en-GB" sz="2400" dirty="0"/>
-              <a:t>Model specification and estimation</a:t>
-            </a:r>
-          </a:p>
-          <a:p>
-            <a:pPr marL="285750" indent="-285750">
-              <a:buFont typeface="Symbol" pitchFamily="2" charset="2"/>
-              <a:buChar char="-"/>
-            </a:pPr>
-            <a:r>
-              <a:rPr lang="en-GB" sz="2400" dirty="0"/>
-              <a:t>Forecasting and choosing the best Model</a:t>
-            </a:r>
-          </a:p>
-        </p:txBody>
-      </p:sp>
-      <p:pic>
-        <p:nvPicPr>
-          <p:cNvPr id="15" name="Kamera 14">
-            <a:extLst>
-              <a:ext uri="{FF2B5EF4-FFF2-40B4-BE49-F238E27FC236}">
-                <a16:creationId xmlns:a16="http://schemas.microsoft.com/office/drawing/2014/main" id="{081F9653-B5D1-6409-002A-8289A08A96E3}"/>
-              </a:ext>
-            </a:extLst>
-          </p:cNvPr>
-          <p:cNvPicPr>
-            <a:picLocks noChangeAspect="1"/>
-            <a:extLst>
-              <a:ext uri="{51228E76-BA90-4043-B771-695A4F85340A}">
-                <alf:liveFeedProps xmlns:alf="http://schemas.microsoft.com/office/drawing/2021/livefeed"/>
-              </a:ext>
-            </a:extLst>
-          </p:cNvPicPr>
-          <p:nvPr/>
-        </p:nvPicPr>
-        <p:blipFill>
-          <a:blip r:embed="rId3">
-            <a:extLst>
-              <a:ext uri="{96DAC541-7B7A-43D3-8B79-37D633B846F1}">
-                <asvg:svgBlip xmlns:asvg="http://schemas.microsoft.com/office/drawing/2016/SVG/main" r:embed="rId4"/>
-              </a:ext>
-            </a:extLst>
-          </a:blip>
-          <a:stretch>
-            <a:fillRect/>
-          </a:stretch>
-        </p:blipFill>
-        <p:spPr>
-          <a:xfrm>
-            <a:off x="8961406" y="178904"/>
-            <a:ext cx="3048000" cy="1714500"/>
-          </a:xfrm>
-          <a:prstGeom prst="rect">
-            <a:avLst/>
-          </a:prstGeom>
-        </p:spPr>
-      </p:pic>
-    </p:spTree>
-    <p:extLst>
-      <p:ext uri="{BB962C8B-B14F-4D97-AF65-F5344CB8AC3E}">
-        <p14:creationId xmlns:p14="http://schemas.microsoft.com/office/powerpoint/2010/main" val="66292996"/>
-      </p:ext>
-    </p:extLst>
-  </p:cSld>
-  <p:clrMapOvr>
-    <a:overrideClrMapping bg1="dk1" tx1="lt1" bg2="dk2" tx2="lt2" accent1="accent1" accent2="accent2" accent3="accent3" accent4="accent4" accent5="accent5" accent6="accent6" hlink="hlink" folHlink="folHlink"/>
-  </p:clrMapOvr>
-</p:sld>
-</file>
-
-<file path=ppt/slides/slide9.xml><?xml version="1.0" encoding="utf-8"?>
 <p:sld xmlns:a="http://schemas.openxmlformats.org/drawingml/2006/main" xmlns:r="http://schemas.openxmlformats.org/officeDocument/2006/relationships" xmlns:p="http://schemas.openxmlformats.org/presentationml/2006/main">
   <p:cSld>
     <p:bg>
@@ -14061,7 +14815,7 @@
         </p:nvSpPr>
         <p:spPr>
           <a:xfrm>
-            <a:off x="1057025" y="922644"/>
+            <a:off x="1055714" y="320820"/>
             <a:ext cx="7845156" cy="1169585"/>
           </a:xfrm>
         </p:spPr>
@@ -14073,7 +14827,7 @@
           <a:p>
             <a:r>
               <a:rPr lang="en-GB" sz="4000" dirty="0"/>
-              <a:t>Model specification and estimation (fable)</a:t>
+              <a:t>Data preparation and manipulation (tsibble)</a:t>
             </a:r>
             <a:endParaRPr lang="en-GB" sz="3700" dirty="0"/>
           </a:p>
@@ -14183,659 +14937,12 @@
           </a:prstGeom>
         </p:spPr>
       </p:pic>
-      <p:sp>
-        <p:nvSpPr>
-          <p:cNvPr id="11" name="Inhaltsplatzhalter 2">
-            <a:extLst>
-              <a:ext uri="{FF2B5EF4-FFF2-40B4-BE49-F238E27FC236}">
-                <a16:creationId xmlns:a16="http://schemas.microsoft.com/office/drawing/2014/main" id="{3F8E8AAF-2421-7C99-0BC5-9C914EFA9112}"/>
-              </a:ext>
-            </a:extLst>
-          </p:cNvPr>
-          <p:cNvSpPr>
-            <a:spLocks noGrp="1"/>
-          </p:cNvSpPr>
-          <p:nvPr>
-            <p:ph idx="1"/>
-          </p:nvPr>
-        </p:nvSpPr>
-        <p:spPr>
-          <a:xfrm>
-            <a:off x="1055716" y="2437907"/>
-            <a:ext cx="8005763" cy="388938"/>
-          </a:xfrm>
-          <a:solidFill>
-            <a:schemeClr val="bg1">
-              <a:lumMod val="95000"/>
-            </a:schemeClr>
-          </a:solidFill>
-        </p:spPr>
-        <p:txBody>
-          <a:bodyPr>
-            <a:normAutofit/>
-          </a:bodyPr>
-          <a:lstStyle/>
-          <a:p>
-            <a:pPr marL="0" indent="0">
-              <a:buNone/>
-            </a:pPr>
-            <a:r>
-              <a:rPr lang="de-DE" sz="2000" b="0" i="0" u="none" strike="noStrike" dirty="0" err="1">
-                <a:solidFill>
-                  <a:srgbClr val="333333"/>
-                </a:solidFill>
-                <a:effectLst/>
-                <a:latin typeface="SFMono-Regular"/>
-              </a:rPr>
-              <a:t>tourism</a:t>
-            </a:r>
-            <a:endParaRPr lang="en-GB" sz="2000" dirty="0"/>
-          </a:p>
-        </p:txBody>
-      </p:sp>
-      <p:sp>
-        <p:nvSpPr>
-          <p:cNvPr id="12" name="Inhaltsplatzhalter 2">
-            <a:extLst>
-              <a:ext uri="{FF2B5EF4-FFF2-40B4-BE49-F238E27FC236}">
-                <a16:creationId xmlns:a16="http://schemas.microsoft.com/office/drawing/2014/main" id="{EA54F9E1-A830-8A5B-E662-8AB815638810}"/>
-              </a:ext>
-            </a:extLst>
-          </p:cNvPr>
-          <p:cNvSpPr txBox="1">
-            <a:spLocks/>
-          </p:cNvSpPr>
-          <p:nvPr/>
-        </p:nvSpPr>
-        <p:spPr>
-          <a:xfrm>
-            <a:off x="1055714" y="2955433"/>
-            <a:ext cx="8005763" cy="1720852"/>
-          </a:xfrm>
-          <a:prstGeom prst="rect">
-            <a:avLst/>
-          </a:prstGeom>
-          <a:solidFill>
-            <a:schemeClr val="bg1">
-              <a:lumMod val="95000"/>
-            </a:schemeClr>
-          </a:solidFill>
-        </p:spPr>
-        <p:txBody>
-          <a:bodyPr vert="horz" lIns="91440" tIns="45720" rIns="91440" bIns="45720" rtlCol="0">
-            <a:noAutofit/>
-          </a:bodyPr>
-          <a:lstStyle>
-            <a:lvl1pPr marL="228600" indent="-228600" algn="l" defTabSz="914400" rtl="0" eaLnBrk="1" latinLnBrk="0" hangingPunct="1">
-              <a:lnSpc>
-                <a:spcPct val="90000"/>
-              </a:lnSpc>
-              <a:spcBef>
-                <a:spcPts val="1000"/>
-              </a:spcBef>
-              <a:buFont typeface="Arial" panose="020B0604020202020204" pitchFamily="34" charset="0"/>
-              <a:buChar char="•"/>
-              <a:defRPr sz="2800" kern="1200">
-                <a:solidFill>
-                  <a:schemeClr val="tx1"/>
-                </a:solidFill>
-                <a:latin typeface="+mn-lt"/>
-                <a:ea typeface="+mn-ea"/>
-                <a:cs typeface="+mn-cs"/>
-              </a:defRPr>
-            </a:lvl1pPr>
-            <a:lvl2pPr marL="685800" indent="-228600" algn="l" defTabSz="914400" rtl="0" eaLnBrk="1" latinLnBrk="0" hangingPunct="1">
-              <a:lnSpc>
-                <a:spcPct val="90000"/>
-              </a:lnSpc>
-              <a:spcBef>
-                <a:spcPts val="500"/>
-              </a:spcBef>
-              <a:buFont typeface="Arial" panose="020B0604020202020204" pitchFamily="34" charset="0"/>
-              <a:buChar char="•"/>
-              <a:defRPr sz="2400" kern="1200">
-                <a:solidFill>
-                  <a:schemeClr val="tx1"/>
-                </a:solidFill>
-                <a:latin typeface="+mn-lt"/>
-                <a:ea typeface="+mn-ea"/>
-                <a:cs typeface="+mn-cs"/>
-              </a:defRPr>
-            </a:lvl2pPr>
-            <a:lvl3pPr marL="1143000" indent="-228600" algn="l" defTabSz="914400" rtl="0" eaLnBrk="1" latinLnBrk="0" hangingPunct="1">
-              <a:lnSpc>
-                <a:spcPct val="90000"/>
-              </a:lnSpc>
-              <a:spcBef>
-                <a:spcPts val="500"/>
-              </a:spcBef>
-              <a:buFont typeface="Arial" panose="020B0604020202020204" pitchFamily="34" charset="0"/>
-              <a:buChar char="•"/>
-              <a:defRPr sz="2000" kern="1200">
-                <a:solidFill>
-                  <a:schemeClr val="tx1"/>
-                </a:solidFill>
-                <a:latin typeface="+mn-lt"/>
-                <a:ea typeface="+mn-ea"/>
-                <a:cs typeface="+mn-cs"/>
-              </a:defRPr>
-            </a:lvl3pPr>
-            <a:lvl4pPr marL="1600200" indent="-228600" algn="l" defTabSz="914400" rtl="0" eaLnBrk="1" latinLnBrk="0" hangingPunct="1">
-              <a:lnSpc>
-                <a:spcPct val="90000"/>
-              </a:lnSpc>
-              <a:spcBef>
-                <a:spcPts val="500"/>
-              </a:spcBef>
-              <a:buFont typeface="Arial" panose="020B0604020202020204" pitchFamily="34" charset="0"/>
-              <a:buChar char="•"/>
-              <a:defRPr sz="1800" kern="1200">
-                <a:solidFill>
-                  <a:schemeClr val="tx1"/>
-                </a:solidFill>
-                <a:latin typeface="+mn-lt"/>
-                <a:ea typeface="+mn-ea"/>
-                <a:cs typeface="+mn-cs"/>
-              </a:defRPr>
-            </a:lvl4pPr>
-            <a:lvl5pPr marL="2057400" indent="-228600" algn="l" defTabSz="914400" rtl="0" eaLnBrk="1" latinLnBrk="0" hangingPunct="1">
-              <a:lnSpc>
-                <a:spcPct val="90000"/>
-              </a:lnSpc>
-              <a:spcBef>
-                <a:spcPts val="500"/>
-              </a:spcBef>
-              <a:buFont typeface="Arial" panose="020B0604020202020204" pitchFamily="34" charset="0"/>
-              <a:buChar char="•"/>
-              <a:defRPr sz="1800" kern="1200">
-                <a:solidFill>
-                  <a:schemeClr val="tx1"/>
-                </a:solidFill>
-                <a:latin typeface="+mn-lt"/>
-                <a:ea typeface="+mn-ea"/>
-                <a:cs typeface="+mn-cs"/>
-              </a:defRPr>
-            </a:lvl5pPr>
-            <a:lvl6pPr marL="2514600" indent="-228600" algn="l" defTabSz="914400" rtl="0" eaLnBrk="1" latinLnBrk="0" hangingPunct="1">
-              <a:lnSpc>
-                <a:spcPct val="90000"/>
-              </a:lnSpc>
-              <a:spcBef>
-                <a:spcPts val="500"/>
-              </a:spcBef>
-              <a:buFont typeface="Arial" panose="020B0604020202020204" pitchFamily="34" charset="0"/>
-              <a:buChar char="•"/>
-              <a:defRPr sz="1800" kern="1200">
-                <a:solidFill>
-                  <a:schemeClr val="tx1"/>
-                </a:solidFill>
-                <a:latin typeface="+mn-lt"/>
-                <a:ea typeface="+mn-ea"/>
-                <a:cs typeface="+mn-cs"/>
-              </a:defRPr>
-            </a:lvl6pPr>
-            <a:lvl7pPr marL="2971800" indent="-228600" algn="l" defTabSz="914400" rtl="0" eaLnBrk="1" latinLnBrk="0" hangingPunct="1">
-              <a:lnSpc>
-                <a:spcPct val="90000"/>
-              </a:lnSpc>
-              <a:spcBef>
-                <a:spcPts val="500"/>
-              </a:spcBef>
-              <a:buFont typeface="Arial" panose="020B0604020202020204" pitchFamily="34" charset="0"/>
-              <a:buChar char="•"/>
-              <a:defRPr sz="1800" kern="1200">
-                <a:solidFill>
-                  <a:schemeClr val="tx1"/>
-                </a:solidFill>
-                <a:latin typeface="+mn-lt"/>
-                <a:ea typeface="+mn-ea"/>
-                <a:cs typeface="+mn-cs"/>
-              </a:defRPr>
-            </a:lvl7pPr>
-            <a:lvl8pPr marL="3429000" indent="-228600" algn="l" defTabSz="914400" rtl="0" eaLnBrk="1" latinLnBrk="0" hangingPunct="1">
-              <a:lnSpc>
-                <a:spcPct val="90000"/>
-              </a:lnSpc>
-              <a:spcBef>
-                <a:spcPts val="500"/>
-              </a:spcBef>
-              <a:buFont typeface="Arial" panose="020B0604020202020204" pitchFamily="34" charset="0"/>
-              <a:buChar char="•"/>
-              <a:defRPr sz="1800" kern="1200">
-                <a:solidFill>
-                  <a:schemeClr val="tx1"/>
-                </a:solidFill>
-                <a:latin typeface="+mn-lt"/>
-                <a:ea typeface="+mn-ea"/>
-                <a:cs typeface="+mn-cs"/>
-              </a:defRPr>
-            </a:lvl8pPr>
-            <a:lvl9pPr marL="3886200" indent="-228600" algn="l" defTabSz="914400" rtl="0" eaLnBrk="1" latinLnBrk="0" hangingPunct="1">
-              <a:lnSpc>
-                <a:spcPct val="90000"/>
-              </a:lnSpc>
-              <a:spcBef>
-                <a:spcPts val="500"/>
-              </a:spcBef>
-              <a:buFont typeface="Arial" panose="020B0604020202020204" pitchFamily="34" charset="0"/>
-              <a:buChar char="•"/>
-              <a:defRPr sz="1800" kern="1200">
-                <a:solidFill>
-                  <a:schemeClr val="tx1"/>
-                </a:solidFill>
-                <a:latin typeface="+mn-lt"/>
-                <a:ea typeface="+mn-ea"/>
-                <a:cs typeface="+mn-cs"/>
-              </a:defRPr>
-            </a:lvl9pPr>
-          </a:lstStyle>
-          <a:p>
-            <a:pPr marL="0" indent="0">
-              <a:buFont typeface="Arial" panose="020B0604020202020204" pitchFamily="34" charset="0"/>
-              <a:buNone/>
-            </a:pPr>
-            <a:r>
-              <a:rPr lang="de-DE" sz="2000" dirty="0">
-                <a:solidFill>
-                  <a:schemeClr val="bg1">
-                    <a:lumMod val="50000"/>
-                  </a:schemeClr>
-                </a:solidFill>
-                <a:latin typeface="SFMono-Regular"/>
-              </a:rPr>
-              <a:t># Data Manipulation</a:t>
-            </a:r>
-          </a:p>
-          <a:p>
-            <a:pPr marL="0" indent="0">
-              <a:buFont typeface="Arial" panose="020B0604020202020204" pitchFamily="34" charset="0"/>
-              <a:buNone/>
-            </a:pPr>
-            <a:r>
-              <a:rPr lang="de-DE" sz="2000" dirty="0" err="1">
-                <a:solidFill>
-                  <a:srgbClr val="333333"/>
-                </a:solidFill>
-                <a:latin typeface="SFMono-Regular"/>
-              </a:rPr>
-              <a:t>tourism_t_trips</a:t>
-            </a:r>
-            <a:r>
-              <a:rPr lang="de-DE" sz="2000" dirty="0">
-                <a:solidFill>
-                  <a:srgbClr val="333333"/>
-                </a:solidFill>
-                <a:latin typeface="SFMono-Regular"/>
-              </a:rPr>
-              <a:t> &lt;- </a:t>
-            </a:r>
-            <a:r>
-              <a:rPr lang="de-DE" sz="2000" dirty="0" err="1">
-                <a:solidFill>
-                  <a:srgbClr val="333333"/>
-                </a:solidFill>
-                <a:latin typeface="SFMono-Regular"/>
-              </a:rPr>
-              <a:t>tourism</a:t>
-            </a:r>
-            <a:r>
-              <a:rPr lang="de-DE" sz="2000" dirty="0">
-                <a:solidFill>
-                  <a:srgbClr val="333333"/>
-                </a:solidFill>
-                <a:latin typeface="SFMono-Regular"/>
-              </a:rPr>
-              <a:t> %&gt;% </a:t>
-            </a:r>
-          </a:p>
-          <a:p>
-            <a:pPr marL="0" indent="0">
-              <a:buFont typeface="Arial" panose="020B0604020202020204" pitchFamily="34" charset="0"/>
-              <a:buNone/>
-            </a:pPr>
-            <a:r>
-              <a:rPr lang="de-DE" sz="2000" dirty="0">
-                <a:solidFill>
-                  <a:srgbClr val="333333"/>
-                </a:solidFill>
-                <a:latin typeface="SFMono-Regular"/>
-              </a:rPr>
-              <a:t>  </a:t>
-            </a:r>
-            <a:r>
-              <a:rPr lang="de-DE" sz="2000" dirty="0" err="1">
-                <a:solidFill>
-                  <a:srgbClr val="333333"/>
-                </a:solidFill>
-                <a:latin typeface="SFMono-Regular"/>
-              </a:rPr>
-              <a:t>summarise</a:t>
-            </a:r>
-            <a:r>
-              <a:rPr lang="de-DE" sz="2000" dirty="0">
-                <a:solidFill>
-                  <a:srgbClr val="333333"/>
-                </a:solidFill>
-                <a:latin typeface="SFMono-Regular"/>
-              </a:rPr>
-              <a:t>(Trips = </a:t>
-            </a:r>
-            <a:r>
-              <a:rPr lang="de-DE" sz="2000" dirty="0" err="1">
-                <a:solidFill>
-                  <a:srgbClr val="333333"/>
-                </a:solidFill>
-                <a:latin typeface="SFMono-Regular"/>
-              </a:rPr>
-              <a:t>sum</a:t>
-            </a:r>
-            <a:r>
-              <a:rPr lang="de-DE" sz="2000" dirty="0">
-                <a:solidFill>
-                  <a:srgbClr val="333333"/>
-                </a:solidFill>
-                <a:latin typeface="SFMono-Regular"/>
-              </a:rPr>
-              <a:t>(Trips))</a:t>
-            </a:r>
-          </a:p>
-          <a:p>
-            <a:pPr marL="0" indent="0">
-              <a:buFont typeface="Arial" panose="020B0604020202020204" pitchFamily="34" charset="0"/>
-              <a:buNone/>
-            </a:pPr>
-            <a:r>
-              <a:rPr lang="de-DE" sz="2000" dirty="0" err="1">
-                <a:solidFill>
-                  <a:srgbClr val="333333"/>
-                </a:solidFill>
-                <a:latin typeface="SFMono-Regular"/>
-              </a:rPr>
-              <a:t>tourism_t_trips</a:t>
-            </a:r>
-            <a:endParaRPr lang="en-GB" sz="2000" dirty="0"/>
-          </a:p>
-        </p:txBody>
-      </p:sp>
-      <p:sp>
-        <p:nvSpPr>
-          <p:cNvPr id="13" name="Inhaltsplatzhalter 2">
-            <a:extLst>
-              <a:ext uri="{FF2B5EF4-FFF2-40B4-BE49-F238E27FC236}">
-                <a16:creationId xmlns:a16="http://schemas.microsoft.com/office/drawing/2014/main" id="{80B511CA-465F-C37C-3EAC-5F3EA969B4E0}"/>
-              </a:ext>
-            </a:extLst>
-          </p:cNvPr>
-          <p:cNvSpPr txBox="1">
-            <a:spLocks/>
-          </p:cNvSpPr>
-          <p:nvPr/>
-        </p:nvSpPr>
-        <p:spPr>
-          <a:xfrm>
-            <a:off x="1055715" y="4804873"/>
-            <a:ext cx="8005763" cy="1203326"/>
-          </a:xfrm>
-          <a:prstGeom prst="rect">
-            <a:avLst/>
-          </a:prstGeom>
-          <a:solidFill>
-            <a:schemeClr val="bg1">
-              <a:lumMod val="95000"/>
-            </a:schemeClr>
-          </a:solidFill>
-        </p:spPr>
-        <p:txBody>
-          <a:bodyPr vert="horz" lIns="91440" tIns="45720" rIns="91440" bIns="45720" rtlCol="0">
-            <a:noAutofit/>
-          </a:bodyPr>
-          <a:lstStyle>
-            <a:lvl1pPr marL="228600" indent="-228600" algn="l" defTabSz="914400" rtl="0" eaLnBrk="1" latinLnBrk="0" hangingPunct="1">
-              <a:lnSpc>
-                <a:spcPct val="90000"/>
-              </a:lnSpc>
-              <a:spcBef>
-                <a:spcPts val="1000"/>
-              </a:spcBef>
-              <a:buFont typeface="Arial" panose="020B0604020202020204" pitchFamily="34" charset="0"/>
-              <a:buChar char="•"/>
-              <a:defRPr sz="2800" kern="1200">
-                <a:solidFill>
-                  <a:schemeClr val="tx1"/>
-                </a:solidFill>
-                <a:latin typeface="+mn-lt"/>
-                <a:ea typeface="+mn-ea"/>
-                <a:cs typeface="+mn-cs"/>
-              </a:defRPr>
-            </a:lvl1pPr>
-            <a:lvl2pPr marL="685800" indent="-228600" algn="l" defTabSz="914400" rtl="0" eaLnBrk="1" latinLnBrk="0" hangingPunct="1">
-              <a:lnSpc>
-                <a:spcPct val="90000"/>
-              </a:lnSpc>
-              <a:spcBef>
-                <a:spcPts val="500"/>
-              </a:spcBef>
-              <a:buFont typeface="Arial" panose="020B0604020202020204" pitchFamily="34" charset="0"/>
-              <a:buChar char="•"/>
-              <a:defRPr sz="2400" kern="1200">
-                <a:solidFill>
-                  <a:schemeClr val="tx1"/>
-                </a:solidFill>
-                <a:latin typeface="+mn-lt"/>
-                <a:ea typeface="+mn-ea"/>
-                <a:cs typeface="+mn-cs"/>
-              </a:defRPr>
-            </a:lvl2pPr>
-            <a:lvl3pPr marL="1143000" indent="-228600" algn="l" defTabSz="914400" rtl="0" eaLnBrk="1" latinLnBrk="0" hangingPunct="1">
-              <a:lnSpc>
-                <a:spcPct val="90000"/>
-              </a:lnSpc>
-              <a:spcBef>
-                <a:spcPts val="500"/>
-              </a:spcBef>
-              <a:buFont typeface="Arial" panose="020B0604020202020204" pitchFamily="34" charset="0"/>
-              <a:buChar char="•"/>
-              <a:defRPr sz="2000" kern="1200">
-                <a:solidFill>
-                  <a:schemeClr val="tx1"/>
-                </a:solidFill>
-                <a:latin typeface="+mn-lt"/>
-                <a:ea typeface="+mn-ea"/>
-                <a:cs typeface="+mn-cs"/>
-              </a:defRPr>
-            </a:lvl3pPr>
-            <a:lvl4pPr marL="1600200" indent="-228600" algn="l" defTabSz="914400" rtl="0" eaLnBrk="1" latinLnBrk="0" hangingPunct="1">
-              <a:lnSpc>
-                <a:spcPct val="90000"/>
-              </a:lnSpc>
-              <a:spcBef>
-                <a:spcPts val="500"/>
-              </a:spcBef>
-              <a:buFont typeface="Arial" panose="020B0604020202020204" pitchFamily="34" charset="0"/>
-              <a:buChar char="•"/>
-              <a:defRPr sz="1800" kern="1200">
-                <a:solidFill>
-                  <a:schemeClr val="tx1"/>
-                </a:solidFill>
-                <a:latin typeface="+mn-lt"/>
-                <a:ea typeface="+mn-ea"/>
-                <a:cs typeface="+mn-cs"/>
-              </a:defRPr>
-            </a:lvl4pPr>
-            <a:lvl5pPr marL="2057400" indent="-228600" algn="l" defTabSz="914400" rtl="0" eaLnBrk="1" latinLnBrk="0" hangingPunct="1">
-              <a:lnSpc>
-                <a:spcPct val="90000"/>
-              </a:lnSpc>
-              <a:spcBef>
-                <a:spcPts val="500"/>
-              </a:spcBef>
-              <a:buFont typeface="Arial" panose="020B0604020202020204" pitchFamily="34" charset="0"/>
-              <a:buChar char="•"/>
-              <a:defRPr sz="1800" kern="1200">
-                <a:solidFill>
-                  <a:schemeClr val="tx1"/>
-                </a:solidFill>
-                <a:latin typeface="+mn-lt"/>
-                <a:ea typeface="+mn-ea"/>
-                <a:cs typeface="+mn-cs"/>
-              </a:defRPr>
-            </a:lvl5pPr>
-            <a:lvl6pPr marL="2514600" indent="-228600" algn="l" defTabSz="914400" rtl="0" eaLnBrk="1" latinLnBrk="0" hangingPunct="1">
-              <a:lnSpc>
-                <a:spcPct val="90000"/>
-              </a:lnSpc>
-              <a:spcBef>
-                <a:spcPts val="500"/>
-              </a:spcBef>
-              <a:buFont typeface="Arial" panose="020B0604020202020204" pitchFamily="34" charset="0"/>
-              <a:buChar char="•"/>
-              <a:defRPr sz="1800" kern="1200">
-                <a:solidFill>
-                  <a:schemeClr val="tx1"/>
-                </a:solidFill>
-                <a:latin typeface="+mn-lt"/>
-                <a:ea typeface="+mn-ea"/>
-                <a:cs typeface="+mn-cs"/>
-              </a:defRPr>
-            </a:lvl6pPr>
-            <a:lvl7pPr marL="2971800" indent="-228600" algn="l" defTabSz="914400" rtl="0" eaLnBrk="1" latinLnBrk="0" hangingPunct="1">
-              <a:lnSpc>
-                <a:spcPct val="90000"/>
-              </a:lnSpc>
-              <a:spcBef>
-                <a:spcPts val="500"/>
-              </a:spcBef>
-              <a:buFont typeface="Arial" panose="020B0604020202020204" pitchFamily="34" charset="0"/>
-              <a:buChar char="•"/>
-              <a:defRPr sz="1800" kern="1200">
-                <a:solidFill>
-                  <a:schemeClr val="tx1"/>
-                </a:solidFill>
-                <a:latin typeface="+mn-lt"/>
-                <a:ea typeface="+mn-ea"/>
-                <a:cs typeface="+mn-cs"/>
-              </a:defRPr>
-            </a:lvl7pPr>
-            <a:lvl8pPr marL="3429000" indent="-228600" algn="l" defTabSz="914400" rtl="0" eaLnBrk="1" latinLnBrk="0" hangingPunct="1">
-              <a:lnSpc>
-                <a:spcPct val="90000"/>
-              </a:lnSpc>
-              <a:spcBef>
-                <a:spcPts val="500"/>
-              </a:spcBef>
-              <a:buFont typeface="Arial" panose="020B0604020202020204" pitchFamily="34" charset="0"/>
-              <a:buChar char="•"/>
-              <a:defRPr sz="1800" kern="1200">
-                <a:solidFill>
-                  <a:schemeClr val="tx1"/>
-                </a:solidFill>
-                <a:latin typeface="+mn-lt"/>
-                <a:ea typeface="+mn-ea"/>
-                <a:cs typeface="+mn-cs"/>
-              </a:defRPr>
-            </a:lvl8pPr>
-            <a:lvl9pPr marL="3886200" indent="-228600" algn="l" defTabSz="914400" rtl="0" eaLnBrk="1" latinLnBrk="0" hangingPunct="1">
-              <a:lnSpc>
-                <a:spcPct val="90000"/>
-              </a:lnSpc>
-              <a:spcBef>
-                <a:spcPts val="500"/>
-              </a:spcBef>
-              <a:buFont typeface="Arial" panose="020B0604020202020204" pitchFamily="34" charset="0"/>
-              <a:buChar char="•"/>
-              <a:defRPr sz="1800" kern="1200">
-                <a:solidFill>
-                  <a:schemeClr val="tx1"/>
-                </a:solidFill>
-                <a:latin typeface="+mn-lt"/>
-                <a:ea typeface="+mn-ea"/>
-                <a:cs typeface="+mn-cs"/>
-              </a:defRPr>
-            </a:lvl9pPr>
-          </a:lstStyle>
-          <a:p>
-            <a:pPr marL="0" indent="0">
-              <a:buFont typeface="Arial" panose="020B0604020202020204" pitchFamily="34" charset="0"/>
-              <a:buNone/>
-            </a:pPr>
-            <a:r>
-              <a:rPr lang="de-DE" sz="2000" dirty="0">
-                <a:solidFill>
-                  <a:schemeClr val="bg1">
-                    <a:lumMod val="50000"/>
-                  </a:schemeClr>
-                </a:solidFill>
-                <a:latin typeface="SFMono-Regular"/>
-              </a:rPr>
-              <a:t># Data Exploration</a:t>
-            </a:r>
-          </a:p>
-          <a:p>
-            <a:pPr marL="0" indent="0">
-              <a:buFont typeface="Arial" panose="020B0604020202020204" pitchFamily="34" charset="0"/>
-              <a:buNone/>
-            </a:pPr>
-            <a:r>
-              <a:rPr lang="de-DE" sz="2000" dirty="0" err="1">
-                <a:solidFill>
-                  <a:srgbClr val="333333"/>
-                </a:solidFill>
-                <a:latin typeface="SFMono-Regular"/>
-              </a:rPr>
-              <a:t>tourism_total_trips</a:t>
-            </a:r>
-            <a:r>
-              <a:rPr lang="de-DE" sz="2000" dirty="0">
-                <a:solidFill>
-                  <a:srgbClr val="333333"/>
-                </a:solidFill>
-                <a:latin typeface="SFMono-Regular"/>
-              </a:rPr>
-              <a:t> %&gt;% </a:t>
-            </a:r>
-          </a:p>
-          <a:p>
-            <a:pPr marL="0" indent="0">
-              <a:buFont typeface="Arial" panose="020B0604020202020204" pitchFamily="34" charset="0"/>
-              <a:buNone/>
-            </a:pPr>
-            <a:r>
-              <a:rPr lang="de-DE" sz="2000" dirty="0">
-                <a:solidFill>
-                  <a:srgbClr val="333333"/>
-                </a:solidFill>
-                <a:latin typeface="SFMono-Regular"/>
-              </a:rPr>
-              <a:t>  </a:t>
-            </a:r>
-            <a:r>
-              <a:rPr lang="de-DE" sz="2000" dirty="0" err="1">
-                <a:solidFill>
-                  <a:srgbClr val="333333"/>
-                </a:solidFill>
-                <a:latin typeface="SFMono-Regular"/>
-              </a:rPr>
-              <a:t>autoplot</a:t>
-            </a:r>
-            <a:r>
-              <a:rPr lang="de-DE" sz="2000" dirty="0">
-                <a:solidFill>
-                  <a:srgbClr val="333333"/>
-                </a:solidFill>
-                <a:latin typeface="SFMono-Regular"/>
-              </a:rPr>
-              <a:t>(Trips)</a:t>
-            </a:r>
-            <a:endParaRPr lang="en-GB" sz="2000" dirty="0"/>
-          </a:p>
-        </p:txBody>
-      </p:sp>
       <p:pic>
         <p:nvPicPr>
-          <p:cNvPr id="16" name="Grafik 15">
-            <a:extLst>
-              <a:ext uri="{FF2B5EF4-FFF2-40B4-BE49-F238E27FC236}">
-                <a16:creationId xmlns:a16="http://schemas.microsoft.com/office/drawing/2014/main" id="{F4ADBC57-89F0-ED42-FCE2-BC1A4D4B51E5}"/>
+          <p:cNvPr id="11" name="Grafik 10" descr="Ein Bild, das Text enthält.&#10;&#10;Automatisch generierte Beschreibung">
+            <a:extLst>
+              <a:ext uri="{FF2B5EF4-FFF2-40B4-BE49-F238E27FC236}">
+                <a16:creationId xmlns:a16="http://schemas.microsoft.com/office/drawing/2014/main" id="{D7AA0ED8-4A5E-1057-4344-FB05131D5239}"/>
               </a:ext>
             </a:extLst>
           </p:cNvPr>
@@ -14852,8 +14959,38 @@
         </p:blipFill>
         <p:spPr>
           <a:xfrm>
-            <a:off x="6339537" y="3074086"/>
-            <a:ext cx="5351720" cy="3307332"/>
+            <a:off x="1055714" y="2313158"/>
+            <a:ext cx="6985000" cy="1257300"/>
+          </a:xfrm>
+          <a:prstGeom prst="rect">
+            <a:avLst/>
+          </a:prstGeom>
+        </p:spPr>
+      </p:pic>
+      <p:pic>
+        <p:nvPicPr>
+          <p:cNvPr id="13" name="Grafik 12" descr="Ein Bild, das Tisch enthält.&#10;&#10;Automatisch generierte Beschreibung">
+            <a:extLst>
+              <a:ext uri="{FF2B5EF4-FFF2-40B4-BE49-F238E27FC236}">
+                <a16:creationId xmlns:a16="http://schemas.microsoft.com/office/drawing/2014/main" id="{D170421E-87FE-8A97-6D5A-AC435E8A394C}"/>
+              </a:ext>
+            </a:extLst>
+          </p:cNvPr>
+          <p:cNvPicPr>
+            <a:picLocks noChangeAspect="1"/>
+          </p:cNvPicPr>
+          <p:nvPr/>
+        </p:nvPicPr>
+        <p:blipFill>
+          <a:blip r:embed="rId6"/>
+          <a:stretch>
+            <a:fillRect/>
+          </a:stretch>
+        </p:blipFill>
+        <p:spPr>
+          <a:xfrm>
+            <a:off x="1055714" y="3570458"/>
+            <a:ext cx="6985000" cy="2730500"/>
           </a:xfrm>
           <a:prstGeom prst="rect">
             <a:avLst/>
@@ -14863,12 +15000,517 @@
     </p:spTree>
     <p:extLst>
       <p:ext uri="{BB962C8B-B14F-4D97-AF65-F5344CB8AC3E}">
-        <p14:creationId xmlns:p14="http://schemas.microsoft.com/office/powerpoint/2010/main" val="1486188251"/>
+        <p14:creationId xmlns:p14="http://schemas.microsoft.com/office/powerpoint/2010/main" val="2481153589"/>
       </p:ext>
     </p:extLst>
   </p:cSld>
   <p:clrMapOvr>
     <a:masterClrMapping/>
+  </p:clrMapOvr>
+</p:sld>
+</file>
+
+<file path=ppt/slides/slide9.xml><?xml version="1.0" encoding="utf-8"?>
+<p:sld xmlns:a="http://schemas.openxmlformats.org/drawingml/2006/main" xmlns:r="http://schemas.openxmlformats.org/officeDocument/2006/relationships" xmlns:p="http://schemas.openxmlformats.org/presentationml/2006/main">
+  <p:cSld>
+    <p:bg>
+      <p:bgPr>
+        <a:solidFill>
+          <a:schemeClr val="bg1"/>
+        </a:solidFill>
+        <a:effectLst/>
+      </p:bgPr>
+    </p:bg>
+    <p:spTree>
+      <p:nvGrpSpPr>
+        <p:cNvPr id="1" name=""/>
+        <p:cNvGrpSpPr/>
+        <p:nvPr/>
+      </p:nvGrpSpPr>
+      <p:grpSpPr>
+        <a:xfrm>
+          <a:off x="0" y="0"/>
+          <a:ext cx="0" cy="0"/>
+          <a:chOff x="0" y="0"/>
+          <a:chExt cx="0" cy="0"/>
+        </a:xfrm>
+      </p:grpSpPr>
+      <p:sp useBgFill="1">
+        <p:nvSpPr>
+          <p:cNvPr id="8" name="Rectangle 7">
+            <a:extLst>
+              <a:ext uri="{FF2B5EF4-FFF2-40B4-BE49-F238E27FC236}">
+                <a16:creationId xmlns:a16="http://schemas.microsoft.com/office/drawing/2014/main" id="{0671A8AE-40A1-4631-A6B8-581AFF065482}"/>
+              </a:ext>
+              <a:ext uri="{C183D7F6-B498-43B3-948B-1728B52AA6E4}">
+                <adec:decorative xmlns:adec="http://schemas.microsoft.com/office/drawing/2017/decorative" val="1"/>
+              </a:ext>
+            </a:extLst>
+          </p:cNvPr>
+          <p:cNvSpPr>
+            <a:spLocks noGrp="1" noRot="1" noChangeAspect="1" noMove="1" noResize="1" noEditPoints="1" noAdjustHandles="1" noChangeArrowheads="1" noChangeShapeType="1" noTextEdit="1"/>
+          </p:cNvSpPr>
+          <p:nvPr>
+            <p:extLst>
+              <p:ext uri="{386F3935-93C4-4BCD-93E2-E3B085C9AB24}">
+                <p16:designElem xmlns:p16="http://schemas.microsoft.com/office/powerpoint/2015/main" val="1"/>
+              </p:ext>
+            </p:extLst>
+          </p:nvPr>
+        </p:nvSpPr>
+        <p:spPr>
+          <a:xfrm>
+            <a:off x="0" y="0"/>
+            <a:ext cx="12192000" cy="6858000"/>
+          </a:xfrm>
+          <a:prstGeom prst="rect">
+            <a:avLst/>
+          </a:prstGeom>
+          <a:ln>
+            <a:noFill/>
+          </a:ln>
+        </p:spPr>
+        <p:style>
+          <a:lnRef idx="2">
+            <a:schemeClr val="accent1">
+              <a:shade val="50000"/>
+            </a:schemeClr>
+          </a:lnRef>
+          <a:fillRef idx="1">
+            <a:schemeClr val="accent1"/>
+          </a:fillRef>
+          <a:effectRef idx="0">
+            <a:schemeClr val="accent1"/>
+          </a:effectRef>
+          <a:fontRef idx="minor">
+            <a:schemeClr val="lt1"/>
+          </a:fontRef>
+        </p:style>
+        <p:txBody>
+          <a:bodyPr rtlCol="0" anchor="ctr"/>
+          <a:lstStyle/>
+          <a:p>
+            <a:pPr algn="ctr"/>
+            <a:endParaRPr lang="en-US"/>
+          </a:p>
+        </p:txBody>
+      </p:sp>
+      <p:pic>
+        <p:nvPicPr>
+          <p:cNvPr id="4" name="Picture 3" descr="Hourglass and a calendar">
+            <a:extLst>
+              <a:ext uri="{FF2B5EF4-FFF2-40B4-BE49-F238E27FC236}">
+                <a16:creationId xmlns:a16="http://schemas.microsoft.com/office/drawing/2014/main" id="{798E75FF-AB79-541B-A1F7-C4F35E1F0802}"/>
+              </a:ext>
+            </a:extLst>
+          </p:cNvPr>
+          <p:cNvPicPr>
+            <a:picLocks noChangeAspect="1"/>
+          </p:cNvPicPr>
+          <p:nvPr/>
+        </p:nvPicPr>
+        <p:blipFill rotWithShape="1">
+          <a:blip r:embed="rId2"/>
+          <a:srcRect l="15312" r="2" b="2"/>
+          <a:stretch/>
+        </p:blipFill>
+        <p:spPr>
+          <a:xfrm>
+            <a:off x="3523488" y="10"/>
+            <a:ext cx="8668512" cy="6857990"/>
+          </a:xfrm>
+          <a:prstGeom prst="rect">
+            <a:avLst/>
+          </a:prstGeom>
+        </p:spPr>
+      </p:pic>
+      <p:sp>
+        <p:nvSpPr>
+          <p:cNvPr id="10" name="Rectangle 9">
+            <a:extLst>
+              <a:ext uri="{FF2B5EF4-FFF2-40B4-BE49-F238E27FC236}">
+                <a16:creationId xmlns:a16="http://schemas.microsoft.com/office/drawing/2014/main" id="{AB58EF07-17C2-48CF-ABB0-EEF1F17CB8F0}"/>
+              </a:ext>
+              <a:ext uri="{C183D7F6-B498-43B3-948B-1728B52AA6E4}">
+                <adec:decorative xmlns:adec="http://schemas.microsoft.com/office/drawing/2017/decorative" val="1"/>
+              </a:ext>
+            </a:extLst>
+          </p:cNvPr>
+          <p:cNvSpPr>
+            <a:spLocks noGrp="1" noRot="1" noChangeAspect="1" noMove="1" noResize="1" noEditPoints="1" noAdjustHandles="1" noChangeArrowheads="1" noChangeShapeType="1" noTextEdit="1"/>
+          </p:cNvSpPr>
+          <p:nvPr>
+            <p:extLst>
+              <p:ext uri="{386F3935-93C4-4BCD-93E2-E3B085C9AB24}">
+                <p16:designElem xmlns:p16="http://schemas.microsoft.com/office/powerpoint/2015/main" val="1"/>
+              </p:ext>
+            </p:extLst>
+          </p:nvPr>
+        </p:nvSpPr>
+        <p:spPr>
+          <a:xfrm>
+            <a:off x="3" y="0"/>
+            <a:ext cx="9339206" cy="6858000"/>
+          </a:xfrm>
+          <a:prstGeom prst="rect">
+            <a:avLst/>
+          </a:prstGeom>
+          <a:gradFill>
+            <a:gsLst>
+              <a:gs pos="58000">
+                <a:schemeClr val="bg1"/>
+              </a:gs>
+              <a:gs pos="33000">
+                <a:schemeClr val="bg1">
+                  <a:alpha val="64000"/>
+                </a:schemeClr>
+              </a:gs>
+              <a:gs pos="0">
+                <a:schemeClr val="bg1">
+                  <a:alpha val="0"/>
+                </a:schemeClr>
+              </a:gs>
+              <a:gs pos="100000">
+                <a:schemeClr val="bg1"/>
+              </a:gs>
+            </a:gsLst>
+            <a:lin ang="10800000" scaled="0"/>
+          </a:gradFill>
+          <a:ln>
+            <a:noFill/>
+          </a:ln>
+        </p:spPr>
+        <p:style>
+          <a:lnRef idx="2">
+            <a:schemeClr val="accent1">
+              <a:shade val="50000"/>
+            </a:schemeClr>
+          </a:lnRef>
+          <a:fillRef idx="1">
+            <a:schemeClr val="accent1"/>
+          </a:fillRef>
+          <a:effectRef idx="0">
+            <a:schemeClr val="accent1"/>
+          </a:effectRef>
+          <a:fontRef idx="minor">
+            <a:schemeClr val="lt1"/>
+          </a:fontRef>
+        </p:style>
+        <p:txBody>
+          <a:bodyPr rtlCol="0" anchor="ctr"/>
+          <a:lstStyle/>
+          <a:p>
+            <a:pPr algn="ctr"/>
+            <a:endParaRPr lang="en-US" dirty="0"/>
+          </a:p>
+        </p:txBody>
+      </p:sp>
+      <p:sp>
+        <p:nvSpPr>
+          <p:cNvPr id="2" name="Titel 1">
+            <a:extLst>
+              <a:ext uri="{FF2B5EF4-FFF2-40B4-BE49-F238E27FC236}">
+                <a16:creationId xmlns:a16="http://schemas.microsoft.com/office/drawing/2014/main" id="{47024D5E-66BD-6B91-A518-691F8219D3DE}"/>
+              </a:ext>
+            </a:extLst>
+          </p:cNvPr>
+          <p:cNvSpPr>
+            <a:spLocks noGrp="1"/>
+          </p:cNvSpPr>
+          <p:nvPr>
+            <p:ph type="ctrTitle"/>
+          </p:nvPr>
+        </p:nvSpPr>
+        <p:spPr>
+          <a:xfrm>
+            <a:off x="477980" y="1213866"/>
+            <a:ext cx="4508357" cy="3009889"/>
+          </a:xfrm>
+        </p:spPr>
+        <p:txBody>
+          <a:bodyPr anchor="b">
+            <a:noAutofit/>
+          </a:bodyPr>
+          <a:lstStyle/>
+          <a:p>
+            <a:pPr algn="l"/>
+            <a:r>
+              <a:rPr lang="en-GB" sz="5400" dirty="0"/>
+              <a:t>A forecasting workflow for time series data</a:t>
+            </a:r>
+          </a:p>
+        </p:txBody>
+      </p:sp>
+      <p:sp>
+        <p:nvSpPr>
+          <p:cNvPr id="12" name="Rectangle 11">
+            <a:extLst>
+              <a:ext uri="{FF2B5EF4-FFF2-40B4-BE49-F238E27FC236}">
+                <a16:creationId xmlns:a16="http://schemas.microsoft.com/office/drawing/2014/main" id="{AF2F604E-43BE-4DC3-B983-E071523364F8}"/>
+              </a:ext>
+              <a:ext uri="{C183D7F6-B498-43B3-948B-1728B52AA6E4}">
+                <adec:decorative xmlns:adec="http://schemas.microsoft.com/office/drawing/2017/decorative" val="1"/>
+              </a:ext>
+            </a:extLst>
+          </p:cNvPr>
+          <p:cNvSpPr>
+            <a:spLocks noGrp="1" noRot="1" noChangeAspect="1" noMove="1" noResize="1" noEditPoints="1" noAdjustHandles="1" noChangeArrowheads="1" noChangeShapeType="1" noTextEdit="1"/>
+          </p:cNvSpPr>
+          <p:nvPr>
+            <p:extLst>
+              <p:ext uri="{386F3935-93C4-4BCD-93E2-E3B085C9AB24}">
+                <p16:designElem xmlns:p16="http://schemas.microsoft.com/office/powerpoint/2015/main" val="1"/>
+              </p:ext>
+            </p:extLst>
+          </p:nvPr>
+        </p:nvSpPr>
+        <p:spPr>
+          <a:xfrm rot="5400000">
+            <a:off x="759921" y="346791"/>
+            <a:ext cx="146304" cy="704088"/>
+          </a:xfrm>
+          <a:prstGeom prst="rect">
+            <a:avLst/>
+          </a:prstGeom>
+          <a:solidFill>
+            <a:schemeClr val="accent2"/>
+          </a:solidFill>
+          <a:ln>
+            <a:noFill/>
+          </a:ln>
+        </p:spPr>
+        <p:style>
+          <a:lnRef idx="2">
+            <a:schemeClr val="accent1">
+              <a:shade val="50000"/>
+            </a:schemeClr>
+          </a:lnRef>
+          <a:fillRef idx="1">
+            <a:schemeClr val="accent1"/>
+          </a:fillRef>
+          <a:effectRef idx="0">
+            <a:schemeClr val="accent1"/>
+          </a:effectRef>
+          <a:fontRef idx="minor">
+            <a:schemeClr val="lt1"/>
+          </a:fontRef>
+        </p:style>
+        <p:txBody>
+          <a:bodyPr rtlCol="0" anchor="ctr"/>
+          <a:lstStyle/>
+          <a:p>
+            <a:pPr algn="ctr"/>
+            <a:endParaRPr lang="en-US">
+              <a:solidFill>
+                <a:prstClr val="white"/>
+              </a:solidFill>
+              <a:latin typeface="Calibri" panose="020F0502020204030204"/>
+            </a:endParaRPr>
+          </a:p>
+        </p:txBody>
+      </p:sp>
+      <p:sp>
+        <p:nvSpPr>
+          <p:cNvPr id="14" name="Rectangle 13">
+            <a:extLst>
+              <a:ext uri="{FF2B5EF4-FFF2-40B4-BE49-F238E27FC236}">
+                <a16:creationId xmlns:a16="http://schemas.microsoft.com/office/drawing/2014/main" id="{08C9B587-E65E-4B52-B37C-ABEBB6E87928}"/>
+              </a:ext>
+              <a:ext uri="{C183D7F6-B498-43B3-948B-1728B52AA6E4}">
+                <adec:decorative xmlns:adec="http://schemas.microsoft.com/office/drawing/2017/decorative" val="1"/>
+              </a:ext>
+            </a:extLst>
+          </p:cNvPr>
+          <p:cNvSpPr>
+            <a:spLocks noGrp="1" noRot="1" noChangeAspect="1" noMove="1" noResize="1" noEditPoints="1" noAdjustHandles="1" noChangeArrowheads="1" noChangeShapeType="1" noTextEdit="1"/>
+          </p:cNvSpPr>
+          <p:nvPr>
+            <p:extLst>
+              <p:ext uri="{386F3935-93C4-4BCD-93E2-E3B085C9AB24}">
+                <p16:designElem xmlns:p16="http://schemas.microsoft.com/office/powerpoint/2015/main" val="1"/>
+              </p:ext>
+            </p:extLst>
+          </p:nvPr>
+        </p:nvSpPr>
+        <p:spPr>
+          <a:xfrm>
+            <a:off x="481029" y="4546920"/>
+            <a:ext cx="3977640" cy="18288"/>
+          </a:xfrm>
+          <a:prstGeom prst="rect">
+            <a:avLst/>
+          </a:prstGeom>
+          <a:solidFill>
+            <a:schemeClr val="tx1"/>
+          </a:solidFill>
+          <a:ln w="3175">
+            <a:noFill/>
+          </a:ln>
+          <a:effectLst/>
+        </p:spPr>
+        <p:style>
+          <a:lnRef idx="2">
+            <a:schemeClr val="accent1">
+              <a:shade val="50000"/>
+            </a:schemeClr>
+          </a:lnRef>
+          <a:fillRef idx="1">
+            <a:schemeClr val="accent1"/>
+          </a:fillRef>
+          <a:effectRef idx="0">
+            <a:schemeClr val="accent1"/>
+          </a:effectRef>
+          <a:fontRef idx="minor">
+            <a:schemeClr val="lt1"/>
+          </a:fontRef>
+        </p:style>
+        <p:txBody>
+          <a:bodyPr rtlCol="0" anchor="ctr"/>
+          <a:lstStyle/>
+          <a:p>
+            <a:pPr marL="0" marR="0" lvl="0" indent="0" algn="ctr" defTabSz="914400" rtl="0" eaLnBrk="1" fontAlgn="auto" latinLnBrk="0" hangingPunct="1">
+              <a:lnSpc>
+                <a:spcPct val="100000"/>
+              </a:lnSpc>
+              <a:spcBef>
+                <a:spcPts val="0"/>
+              </a:spcBef>
+              <a:spcAft>
+                <a:spcPts val="0"/>
+              </a:spcAft>
+              <a:buClrTx/>
+              <a:buSzTx/>
+              <a:buFontTx/>
+              <a:buNone/>
+              <a:tabLst/>
+              <a:defRPr/>
+            </a:pPr>
+            <a:endParaRPr kumimoji="0" lang="en-US" sz="1800" b="0" i="0" u="none" strike="noStrike" kern="1200" cap="none" spc="0" normalizeH="0" baseline="0" noProof="0">
+              <a:ln>
+                <a:noFill/>
+              </a:ln>
+              <a:solidFill>
+                <a:prstClr val="white"/>
+              </a:solidFill>
+              <a:effectLst/>
+              <a:uLnTx/>
+              <a:uFillTx/>
+              <a:latin typeface="Calibri" panose="020F0502020204030204"/>
+              <a:ea typeface="+mn-ea"/>
+              <a:cs typeface="+mn-cs"/>
+            </a:endParaRPr>
+          </a:p>
+        </p:txBody>
+      </p:sp>
+      <p:sp>
+        <p:nvSpPr>
+          <p:cNvPr id="11" name="Textfeld 10">
+            <a:extLst>
+              <a:ext uri="{FF2B5EF4-FFF2-40B4-BE49-F238E27FC236}">
+                <a16:creationId xmlns:a16="http://schemas.microsoft.com/office/drawing/2014/main" id="{57FBD265-BCE3-04C8-3447-FDB89F50B7D9}"/>
+              </a:ext>
+            </a:extLst>
+          </p:cNvPr>
+          <p:cNvSpPr txBox="1"/>
+          <p:nvPr/>
+        </p:nvSpPr>
+        <p:spPr>
+          <a:xfrm>
+            <a:off x="477980" y="4735681"/>
+            <a:ext cx="6100762" cy="1200329"/>
+          </a:xfrm>
+          <a:prstGeom prst="rect">
+            <a:avLst/>
+          </a:prstGeom>
+          <a:noFill/>
+        </p:spPr>
+        <p:txBody>
+          <a:bodyPr wrap="square">
+            <a:spAutoFit/>
+          </a:bodyPr>
+          <a:lstStyle/>
+          <a:p>
+            <a:pPr marL="285750" indent="-285750">
+              <a:buFont typeface="Symbol" pitchFamily="2" charset="2"/>
+              <a:buChar char="-"/>
+            </a:pPr>
+            <a:r>
+              <a:rPr lang="en-GB" sz="2400" dirty="0"/>
+              <a:t>Data preparation and manipulation</a:t>
+            </a:r>
+          </a:p>
+          <a:p>
+            <a:pPr marL="285750" indent="-285750">
+              <a:buFont typeface="Symbol" pitchFamily="2" charset="2"/>
+              <a:buChar char="-"/>
+            </a:pPr>
+            <a:r>
+              <a:rPr lang="en-GB" sz="2400" dirty="0"/>
+              <a:t>Model specification and estimation</a:t>
+            </a:r>
+          </a:p>
+          <a:p>
+            <a:pPr marL="285750" indent="-285750">
+              <a:buFont typeface="Symbol" pitchFamily="2" charset="2"/>
+              <a:buChar char="-"/>
+            </a:pPr>
+            <a:r>
+              <a:rPr lang="en-GB" sz="2400" dirty="0"/>
+              <a:t>Forecasting and choosing the best Model</a:t>
+            </a:r>
+          </a:p>
+        </p:txBody>
+      </p:sp>
+      <p:pic>
+        <p:nvPicPr>
+          <p:cNvPr id="15" name="Kamera 14">
+            <a:extLst>
+              <a:ext uri="{FF2B5EF4-FFF2-40B4-BE49-F238E27FC236}">
+                <a16:creationId xmlns:a16="http://schemas.microsoft.com/office/drawing/2014/main" id="{081F9653-B5D1-6409-002A-8289A08A96E3}"/>
+              </a:ext>
+            </a:extLst>
+          </p:cNvPr>
+          <p:cNvPicPr>
+            <a:picLocks noChangeAspect="1"/>
+            <a:extLst>
+              <a:ext uri="{51228E76-BA90-4043-B771-695A4F85340A}">
+                <alf:liveFeedProps xmlns:alf="http://schemas.microsoft.com/office/drawing/2021/livefeed"/>
+              </a:ext>
+            </a:extLst>
+          </p:cNvPicPr>
+          <p:nvPr/>
+        </p:nvPicPr>
+        <p:blipFill>
+          <a:blip r:embed="rId3">
+            <a:extLst>
+              <a:ext uri="{96DAC541-7B7A-43D3-8B79-37D633B846F1}">
+                <asvg:svgBlip xmlns:asvg="http://schemas.microsoft.com/office/drawing/2016/SVG/main" r:embed="rId4"/>
+              </a:ext>
+            </a:extLst>
+          </a:blip>
+          <a:stretch>
+            <a:fillRect/>
+          </a:stretch>
+        </p:blipFill>
+        <p:spPr>
+          <a:xfrm>
+            <a:off x="8961406" y="178904"/>
+            <a:ext cx="3048000" cy="1714500"/>
+          </a:xfrm>
+          <a:prstGeom prst="rect">
+            <a:avLst/>
+          </a:prstGeom>
+        </p:spPr>
+      </p:pic>
+    </p:spTree>
+    <p:extLst>
+      <p:ext uri="{BB962C8B-B14F-4D97-AF65-F5344CB8AC3E}">
+        <p14:creationId xmlns:p14="http://schemas.microsoft.com/office/powerpoint/2010/main" val="66292996"/>
+      </p:ext>
+    </p:extLst>
+  </p:cSld>
+  <p:clrMapOvr>
+    <a:overrideClrMapping bg1="dk1" tx1="lt1" bg2="dk2" tx2="lt2" accent1="accent1" accent2="accent2" accent3="accent3" accent4="accent4" accent5="accent5" accent6="accent6" hlink="hlink" folHlink="folHlink"/>
   </p:clrMapOvr>
 </p:sld>
 </file>

--- a/tsibble and fable.pptx
+++ b/tsibble and fable.pptx
@@ -19,9 +19,9 @@
     <p:sldId id="263" r:id="rId10"/>
     <p:sldId id="279" r:id="rId11"/>
     <p:sldId id="280" r:id="rId12"/>
-    <p:sldId id="270" r:id="rId13"/>
-    <p:sldId id="271" r:id="rId14"/>
-    <p:sldId id="274" r:id="rId15"/>
+    <p:sldId id="271" r:id="rId13"/>
+    <p:sldId id="274" r:id="rId14"/>
+    <p:sldId id="283" r:id="rId15"/>
     <p:sldId id="262" r:id="rId16"/>
     <p:sldId id="273" r:id="rId17"/>
   </p:sldIdLst>
@@ -693,6 +693,12 @@
           <a:lstStyle/>
           <a:p>
             <a:r>
+              <a:rPr lang="en-GB" dirty="0"/>
+              <a:t>.</a:t>
+            </a:r>
+          </a:p>
+          <a:p>
+            <a:r>
               <a:rPr lang="en-GB" sz="2000" dirty="0"/>
               <a:t>Models in fable are specified using model </a:t>
             </a:r>
@@ -771,6 +777,12 @@
           <a:p>
             <a:endParaRPr lang="en-GB" dirty="0"/>
           </a:p>
+          <a:p>
+            <a:endParaRPr lang="en-GB" dirty="0"/>
+          </a:p>
+          <a:p>
+            <a:endParaRPr lang="en-GB" dirty="0"/>
+          </a:p>
         </p:txBody>
       </p:sp>
       <p:sp>
@@ -799,7 +811,7 @@
     </p:spTree>
     <p:extLst>
       <p:ext uri="{BB962C8B-B14F-4D97-AF65-F5344CB8AC3E}">
-        <p14:creationId xmlns:p14="http://schemas.microsoft.com/office/powerpoint/2010/main" val="2310774744"/>
+        <p14:creationId xmlns:p14="http://schemas.microsoft.com/office/powerpoint/2010/main" val="1768124088"/>
       </p:ext>
     </p:extLst>
   </p:cSld>
@@ -892,7 +904,7 @@
     </p:spTree>
     <p:extLst>
       <p:ext uri="{BB962C8B-B14F-4D97-AF65-F5344CB8AC3E}">
-        <p14:creationId xmlns:p14="http://schemas.microsoft.com/office/powerpoint/2010/main" val="1768124088"/>
+        <p14:creationId xmlns:p14="http://schemas.microsoft.com/office/powerpoint/2010/main" val="3339186179"/>
       </p:ext>
     </p:extLst>
   </p:cSld>
@@ -985,7 +997,7 @@
     </p:spTree>
     <p:extLst>
       <p:ext uri="{BB962C8B-B14F-4D97-AF65-F5344CB8AC3E}">
-        <p14:creationId xmlns:p14="http://schemas.microsoft.com/office/powerpoint/2010/main" val="3339186179"/>
+        <p14:creationId xmlns:p14="http://schemas.microsoft.com/office/powerpoint/2010/main" val="2097614118"/>
       </p:ext>
     </p:extLst>
   </p:cSld>
@@ -6979,19 +6991,27 @@
         </p:nvSpPr>
         <p:spPr>
           <a:xfrm>
-            <a:off x="1057025" y="922644"/>
+            <a:off x="1055713" y="663695"/>
             <a:ext cx="7845156" cy="1169585"/>
           </a:xfrm>
         </p:spPr>
         <p:txBody>
-          <a:bodyPr anchor="b">
+          <a:bodyPr anchor="t">
             <a:normAutofit fontScale="90000"/>
           </a:bodyPr>
           <a:lstStyle/>
           <a:p>
             <a:r>
               <a:rPr lang="en-GB" sz="4000" dirty="0"/>
-              <a:t>Model specification and estimation (fable)</a:t>
+              <a:t>Model specification and </a:t>
+            </a:r>
+            <a:r>
+              <a:rPr lang="en-GB" sz="4000" dirty="0" err="1"/>
+              <a:t>forcasting</a:t>
+            </a:r>
+            <a:r>
+              <a:rPr lang="en-GB" sz="4000" dirty="0"/>
+              <a:t> (fable)</a:t>
             </a:r>
             <a:endParaRPr lang="en-GB" sz="3700" dirty="0"/>
           </a:p>
@@ -7101,657 +7121,100 @@
           </a:prstGeom>
         </p:spPr>
       </p:pic>
-      <p:sp>
-        <p:nvSpPr>
-          <p:cNvPr id="11" name="Inhaltsplatzhalter 2">
-            <a:extLst>
-              <a:ext uri="{FF2B5EF4-FFF2-40B4-BE49-F238E27FC236}">
-                <a16:creationId xmlns:a16="http://schemas.microsoft.com/office/drawing/2014/main" id="{3F8E8AAF-2421-7C99-0BC5-9C914EFA9112}"/>
-              </a:ext>
-            </a:extLst>
-          </p:cNvPr>
-          <p:cNvSpPr>
-            <a:spLocks noGrp="1"/>
-          </p:cNvSpPr>
-          <p:nvPr>
-            <p:ph idx="1"/>
-          </p:nvPr>
-        </p:nvSpPr>
+      <p:pic>
+        <p:nvPicPr>
+          <p:cNvPr id="26" name="Grafik 25" descr="Ein Bild, das Text enthält.&#10;&#10;Automatisch generierte Beschreibung">
+            <a:extLst>
+              <a:ext uri="{FF2B5EF4-FFF2-40B4-BE49-F238E27FC236}">
+                <a16:creationId xmlns:a16="http://schemas.microsoft.com/office/drawing/2014/main" id="{8F59CDB7-234E-B981-713B-169A3B7BAEF4}"/>
+              </a:ext>
+            </a:extLst>
+          </p:cNvPr>
+          <p:cNvPicPr>
+            <a:picLocks noChangeAspect="1"/>
+          </p:cNvPicPr>
+          <p:nvPr/>
+        </p:nvPicPr>
+        <p:blipFill>
+          <a:blip r:embed="rId5"/>
+          <a:stretch>
+            <a:fillRect/>
+          </a:stretch>
+        </p:blipFill>
         <p:spPr>
           <a:xfrm>
-            <a:off x="1055716" y="2437907"/>
-            <a:ext cx="8005763" cy="388938"/>
-          </a:xfrm>
-          <a:solidFill>
-            <a:schemeClr val="bg1">
-              <a:lumMod val="95000"/>
-            </a:schemeClr>
-          </a:solidFill>
-        </p:spPr>
-        <p:txBody>
-          <a:bodyPr>
-            <a:normAutofit/>
-          </a:bodyPr>
-          <a:lstStyle/>
-          <a:p>
-            <a:pPr marL="0" indent="0">
-              <a:buNone/>
-            </a:pPr>
-            <a:r>
-              <a:rPr lang="de-DE" sz="2000" b="0" i="0" u="none" strike="noStrike" dirty="0" err="1">
-                <a:solidFill>
-                  <a:srgbClr val="333333"/>
-                </a:solidFill>
-                <a:effectLst/>
-                <a:latin typeface="SFMono-Regular"/>
-              </a:rPr>
-              <a:t>tourism</a:t>
-            </a:r>
-            <a:endParaRPr lang="en-GB" sz="2000" dirty="0"/>
-          </a:p>
-        </p:txBody>
-      </p:sp>
-      <p:sp>
-        <p:nvSpPr>
-          <p:cNvPr id="12" name="Inhaltsplatzhalter 2">
-            <a:extLst>
-              <a:ext uri="{FF2B5EF4-FFF2-40B4-BE49-F238E27FC236}">
-                <a16:creationId xmlns:a16="http://schemas.microsoft.com/office/drawing/2014/main" id="{EA54F9E1-A830-8A5B-E662-8AB815638810}"/>
-              </a:ext>
-            </a:extLst>
-          </p:cNvPr>
-          <p:cNvSpPr txBox="1">
-            <a:spLocks/>
-          </p:cNvSpPr>
-          <p:nvPr/>
-        </p:nvSpPr>
-        <p:spPr>
-          <a:xfrm>
-            <a:off x="1055714" y="2955433"/>
-            <a:ext cx="8005763" cy="1720852"/>
+            <a:off x="1106599" y="1208772"/>
+            <a:ext cx="6985000" cy="1930400"/>
           </a:xfrm>
           <a:prstGeom prst="rect">
             <a:avLst/>
           </a:prstGeom>
-          <a:solidFill>
-            <a:schemeClr val="bg1">
-              <a:lumMod val="95000"/>
-            </a:schemeClr>
-          </a:solidFill>
         </p:spPr>
-        <p:txBody>
-          <a:bodyPr vert="horz" lIns="91440" tIns="45720" rIns="91440" bIns="45720" rtlCol="0">
-            <a:noAutofit/>
-          </a:bodyPr>
-          <a:lstStyle>
-            <a:lvl1pPr marL="228600" indent="-228600" algn="l" defTabSz="914400" rtl="0" eaLnBrk="1" latinLnBrk="0" hangingPunct="1">
-              <a:lnSpc>
-                <a:spcPct val="90000"/>
-              </a:lnSpc>
-              <a:spcBef>
-                <a:spcPts val="1000"/>
-              </a:spcBef>
-              <a:buFont typeface="Arial" panose="020B0604020202020204" pitchFamily="34" charset="0"/>
-              <a:buChar char="•"/>
-              <a:defRPr sz="2800" kern="1200">
-                <a:solidFill>
-                  <a:schemeClr val="tx1"/>
-                </a:solidFill>
-                <a:latin typeface="+mn-lt"/>
-                <a:ea typeface="+mn-ea"/>
-                <a:cs typeface="+mn-cs"/>
-              </a:defRPr>
-            </a:lvl1pPr>
-            <a:lvl2pPr marL="685800" indent="-228600" algn="l" defTabSz="914400" rtl="0" eaLnBrk="1" latinLnBrk="0" hangingPunct="1">
-              <a:lnSpc>
-                <a:spcPct val="90000"/>
-              </a:lnSpc>
-              <a:spcBef>
-                <a:spcPts val="500"/>
-              </a:spcBef>
-              <a:buFont typeface="Arial" panose="020B0604020202020204" pitchFamily="34" charset="0"/>
-              <a:buChar char="•"/>
-              <a:defRPr sz="2400" kern="1200">
-                <a:solidFill>
-                  <a:schemeClr val="tx1"/>
-                </a:solidFill>
-                <a:latin typeface="+mn-lt"/>
-                <a:ea typeface="+mn-ea"/>
-                <a:cs typeface="+mn-cs"/>
-              </a:defRPr>
-            </a:lvl2pPr>
-            <a:lvl3pPr marL="1143000" indent="-228600" algn="l" defTabSz="914400" rtl="0" eaLnBrk="1" latinLnBrk="0" hangingPunct="1">
-              <a:lnSpc>
-                <a:spcPct val="90000"/>
-              </a:lnSpc>
-              <a:spcBef>
-                <a:spcPts val="500"/>
-              </a:spcBef>
-              <a:buFont typeface="Arial" panose="020B0604020202020204" pitchFamily="34" charset="0"/>
-              <a:buChar char="•"/>
-              <a:defRPr sz="2000" kern="1200">
-                <a:solidFill>
-                  <a:schemeClr val="tx1"/>
-                </a:solidFill>
-                <a:latin typeface="+mn-lt"/>
-                <a:ea typeface="+mn-ea"/>
-                <a:cs typeface="+mn-cs"/>
-              </a:defRPr>
-            </a:lvl3pPr>
-            <a:lvl4pPr marL="1600200" indent="-228600" algn="l" defTabSz="914400" rtl="0" eaLnBrk="1" latinLnBrk="0" hangingPunct="1">
-              <a:lnSpc>
-                <a:spcPct val="90000"/>
-              </a:lnSpc>
-              <a:spcBef>
-                <a:spcPts val="500"/>
-              </a:spcBef>
-              <a:buFont typeface="Arial" panose="020B0604020202020204" pitchFamily="34" charset="0"/>
-              <a:buChar char="•"/>
-              <a:defRPr sz="1800" kern="1200">
-                <a:solidFill>
-                  <a:schemeClr val="tx1"/>
-                </a:solidFill>
-                <a:latin typeface="+mn-lt"/>
-                <a:ea typeface="+mn-ea"/>
-                <a:cs typeface="+mn-cs"/>
-              </a:defRPr>
-            </a:lvl4pPr>
-            <a:lvl5pPr marL="2057400" indent="-228600" algn="l" defTabSz="914400" rtl="0" eaLnBrk="1" latinLnBrk="0" hangingPunct="1">
-              <a:lnSpc>
-                <a:spcPct val="90000"/>
-              </a:lnSpc>
-              <a:spcBef>
-                <a:spcPts val="500"/>
-              </a:spcBef>
-              <a:buFont typeface="Arial" panose="020B0604020202020204" pitchFamily="34" charset="0"/>
-              <a:buChar char="•"/>
-              <a:defRPr sz="1800" kern="1200">
-                <a:solidFill>
-                  <a:schemeClr val="tx1"/>
-                </a:solidFill>
-                <a:latin typeface="+mn-lt"/>
-                <a:ea typeface="+mn-ea"/>
-                <a:cs typeface="+mn-cs"/>
-              </a:defRPr>
-            </a:lvl5pPr>
-            <a:lvl6pPr marL="2514600" indent="-228600" algn="l" defTabSz="914400" rtl="0" eaLnBrk="1" latinLnBrk="0" hangingPunct="1">
-              <a:lnSpc>
-                <a:spcPct val="90000"/>
-              </a:lnSpc>
-              <a:spcBef>
-                <a:spcPts val="500"/>
-              </a:spcBef>
-              <a:buFont typeface="Arial" panose="020B0604020202020204" pitchFamily="34" charset="0"/>
-              <a:buChar char="•"/>
-              <a:defRPr sz="1800" kern="1200">
-                <a:solidFill>
-                  <a:schemeClr val="tx1"/>
-                </a:solidFill>
-                <a:latin typeface="+mn-lt"/>
-                <a:ea typeface="+mn-ea"/>
-                <a:cs typeface="+mn-cs"/>
-              </a:defRPr>
-            </a:lvl6pPr>
-            <a:lvl7pPr marL="2971800" indent="-228600" algn="l" defTabSz="914400" rtl="0" eaLnBrk="1" latinLnBrk="0" hangingPunct="1">
-              <a:lnSpc>
-                <a:spcPct val="90000"/>
-              </a:lnSpc>
-              <a:spcBef>
-                <a:spcPts val="500"/>
-              </a:spcBef>
-              <a:buFont typeface="Arial" panose="020B0604020202020204" pitchFamily="34" charset="0"/>
-              <a:buChar char="•"/>
-              <a:defRPr sz="1800" kern="1200">
-                <a:solidFill>
-                  <a:schemeClr val="tx1"/>
-                </a:solidFill>
-                <a:latin typeface="+mn-lt"/>
-                <a:ea typeface="+mn-ea"/>
-                <a:cs typeface="+mn-cs"/>
-              </a:defRPr>
-            </a:lvl7pPr>
-            <a:lvl8pPr marL="3429000" indent="-228600" algn="l" defTabSz="914400" rtl="0" eaLnBrk="1" latinLnBrk="0" hangingPunct="1">
-              <a:lnSpc>
-                <a:spcPct val="90000"/>
-              </a:lnSpc>
-              <a:spcBef>
-                <a:spcPts val="500"/>
-              </a:spcBef>
-              <a:buFont typeface="Arial" panose="020B0604020202020204" pitchFamily="34" charset="0"/>
-              <a:buChar char="•"/>
-              <a:defRPr sz="1800" kern="1200">
-                <a:solidFill>
-                  <a:schemeClr val="tx1"/>
-                </a:solidFill>
-                <a:latin typeface="+mn-lt"/>
-                <a:ea typeface="+mn-ea"/>
-                <a:cs typeface="+mn-cs"/>
-              </a:defRPr>
-            </a:lvl8pPr>
-            <a:lvl9pPr marL="3886200" indent="-228600" algn="l" defTabSz="914400" rtl="0" eaLnBrk="1" latinLnBrk="0" hangingPunct="1">
-              <a:lnSpc>
-                <a:spcPct val="90000"/>
-              </a:lnSpc>
-              <a:spcBef>
-                <a:spcPts val="500"/>
-              </a:spcBef>
-              <a:buFont typeface="Arial" panose="020B0604020202020204" pitchFamily="34" charset="0"/>
-              <a:buChar char="•"/>
-              <a:defRPr sz="1800" kern="1200">
-                <a:solidFill>
-                  <a:schemeClr val="tx1"/>
-                </a:solidFill>
-                <a:latin typeface="+mn-lt"/>
-                <a:ea typeface="+mn-ea"/>
-                <a:cs typeface="+mn-cs"/>
-              </a:defRPr>
-            </a:lvl9pPr>
-          </a:lstStyle>
-          <a:p>
-            <a:pPr marL="0" indent="0">
-              <a:buFont typeface="Arial" panose="020B0604020202020204" pitchFamily="34" charset="0"/>
-              <a:buNone/>
-            </a:pPr>
-            <a:r>
-              <a:rPr lang="de-DE" sz="2000" dirty="0">
-                <a:solidFill>
-                  <a:schemeClr val="bg1">
-                    <a:lumMod val="50000"/>
-                  </a:schemeClr>
-                </a:solidFill>
-                <a:latin typeface="SFMono-Regular"/>
-              </a:rPr>
-              <a:t># Data Manipulation</a:t>
-            </a:r>
-          </a:p>
-          <a:p>
-            <a:pPr marL="0" indent="0">
-              <a:buFont typeface="Arial" panose="020B0604020202020204" pitchFamily="34" charset="0"/>
-              <a:buNone/>
-            </a:pPr>
-            <a:r>
-              <a:rPr lang="de-DE" sz="2000" dirty="0" err="1">
-                <a:solidFill>
-                  <a:srgbClr val="333333"/>
-                </a:solidFill>
-                <a:latin typeface="SFMono-Regular"/>
-              </a:rPr>
-              <a:t>tourism_t_trips</a:t>
-            </a:r>
-            <a:r>
-              <a:rPr lang="de-DE" sz="2000" dirty="0">
-                <a:solidFill>
-                  <a:srgbClr val="333333"/>
-                </a:solidFill>
-                <a:latin typeface="SFMono-Regular"/>
-              </a:rPr>
-              <a:t> &lt;- </a:t>
-            </a:r>
-            <a:r>
-              <a:rPr lang="de-DE" sz="2000" dirty="0" err="1">
-                <a:solidFill>
-                  <a:srgbClr val="333333"/>
-                </a:solidFill>
-                <a:latin typeface="SFMono-Regular"/>
-              </a:rPr>
-              <a:t>tourism</a:t>
-            </a:r>
-            <a:r>
-              <a:rPr lang="de-DE" sz="2000" dirty="0">
-                <a:solidFill>
-                  <a:srgbClr val="333333"/>
-                </a:solidFill>
-                <a:latin typeface="SFMono-Regular"/>
-              </a:rPr>
-              <a:t> %&gt;% </a:t>
-            </a:r>
-          </a:p>
-          <a:p>
-            <a:pPr marL="0" indent="0">
-              <a:buFont typeface="Arial" panose="020B0604020202020204" pitchFamily="34" charset="0"/>
-              <a:buNone/>
-            </a:pPr>
-            <a:r>
-              <a:rPr lang="de-DE" sz="2000" dirty="0">
-                <a:solidFill>
-                  <a:srgbClr val="333333"/>
-                </a:solidFill>
-                <a:latin typeface="SFMono-Regular"/>
-              </a:rPr>
-              <a:t>  </a:t>
-            </a:r>
-            <a:r>
-              <a:rPr lang="de-DE" sz="2000" dirty="0" err="1">
-                <a:solidFill>
-                  <a:srgbClr val="333333"/>
-                </a:solidFill>
-                <a:latin typeface="SFMono-Regular"/>
-              </a:rPr>
-              <a:t>summarise</a:t>
-            </a:r>
-            <a:r>
-              <a:rPr lang="de-DE" sz="2000" dirty="0">
-                <a:solidFill>
-                  <a:srgbClr val="333333"/>
-                </a:solidFill>
-                <a:latin typeface="SFMono-Regular"/>
-              </a:rPr>
-              <a:t>(Trips = </a:t>
-            </a:r>
-            <a:r>
-              <a:rPr lang="de-DE" sz="2000" dirty="0" err="1">
-                <a:solidFill>
-                  <a:srgbClr val="333333"/>
-                </a:solidFill>
-                <a:latin typeface="SFMono-Regular"/>
-              </a:rPr>
-              <a:t>sum</a:t>
-            </a:r>
-            <a:r>
-              <a:rPr lang="de-DE" sz="2000" dirty="0">
-                <a:solidFill>
-                  <a:srgbClr val="333333"/>
-                </a:solidFill>
-                <a:latin typeface="SFMono-Regular"/>
-              </a:rPr>
-              <a:t>(Trips))</a:t>
-            </a:r>
-          </a:p>
-          <a:p>
-            <a:pPr marL="0" indent="0">
-              <a:buFont typeface="Arial" panose="020B0604020202020204" pitchFamily="34" charset="0"/>
-              <a:buNone/>
-            </a:pPr>
-            <a:r>
-              <a:rPr lang="de-DE" sz="2000" dirty="0" err="1">
-                <a:solidFill>
-                  <a:srgbClr val="333333"/>
-                </a:solidFill>
-                <a:latin typeface="SFMono-Regular"/>
-              </a:rPr>
-              <a:t>tourism_t_trips</a:t>
-            </a:r>
-            <a:endParaRPr lang="en-GB" sz="2000" dirty="0"/>
-          </a:p>
-        </p:txBody>
-      </p:sp>
-      <p:sp>
-        <p:nvSpPr>
-          <p:cNvPr id="13" name="Inhaltsplatzhalter 2">
-            <a:extLst>
-              <a:ext uri="{FF2B5EF4-FFF2-40B4-BE49-F238E27FC236}">
-                <a16:creationId xmlns:a16="http://schemas.microsoft.com/office/drawing/2014/main" id="{80B511CA-465F-C37C-3EAC-5F3EA969B4E0}"/>
-              </a:ext>
-            </a:extLst>
-          </p:cNvPr>
-          <p:cNvSpPr txBox="1">
-            <a:spLocks/>
-          </p:cNvSpPr>
+      </p:pic>
+      <p:pic>
+        <p:nvPicPr>
+          <p:cNvPr id="28" name="Grafik 27">
+            <a:extLst>
+              <a:ext uri="{FF2B5EF4-FFF2-40B4-BE49-F238E27FC236}">
+                <a16:creationId xmlns:a16="http://schemas.microsoft.com/office/drawing/2014/main" id="{109489AA-F8B3-B9CF-C81B-5E969DD7FC3E}"/>
+              </a:ext>
+            </a:extLst>
+          </p:cNvPr>
+          <p:cNvPicPr>
+            <a:picLocks noChangeAspect="1"/>
+          </p:cNvPicPr>
           <p:nvPr/>
-        </p:nvSpPr>
+        </p:nvPicPr>
+        <p:blipFill>
+          <a:blip r:embed="rId6"/>
+          <a:stretch>
+            <a:fillRect/>
+          </a:stretch>
+        </p:blipFill>
         <p:spPr>
           <a:xfrm>
-            <a:off x="1055715" y="4804873"/>
-            <a:ext cx="8005763" cy="1203326"/>
+            <a:off x="1106599" y="3139172"/>
+            <a:ext cx="6985000" cy="838200"/>
           </a:xfrm>
           <a:prstGeom prst="rect">
             <a:avLst/>
           </a:prstGeom>
-          <a:solidFill>
-            <a:schemeClr val="bg1">
-              <a:lumMod val="95000"/>
-            </a:schemeClr>
-          </a:solidFill>
         </p:spPr>
-        <p:txBody>
-          <a:bodyPr vert="horz" lIns="91440" tIns="45720" rIns="91440" bIns="45720" rtlCol="0">
-            <a:noAutofit/>
-          </a:bodyPr>
-          <a:lstStyle>
-            <a:lvl1pPr marL="228600" indent="-228600" algn="l" defTabSz="914400" rtl="0" eaLnBrk="1" latinLnBrk="0" hangingPunct="1">
-              <a:lnSpc>
-                <a:spcPct val="90000"/>
-              </a:lnSpc>
-              <a:spcBef>
-                <a:spcPts val="1000"/>
-              </a:spcBef>
-              <a:buFont typeface="Arial" panose="020B0604020202020204" pitchFamily="34" charset="0"/>
-              <a:buChar char="•"/>
-              <a:defRPr sz="2800" kern="1200">
-                <a:solidFill>
-                  <a:schemeClr val="tx1"/>
-                </a:solidFill>
-                <a:latin typeface="+mn-lt"/>
-                <a:ea typeface="+mn-ea"/>
-                <a:cs typeface="+mn-cs"/>
-              </a:defRPr>
-            </a:lvl1pPr>
-            <a:lvl2pPr marL="685800" indent="-228600" algn="l" defTabSz="914400" rtl="0" eaLnBrk="1" latinLnBrk="0" hangingPunct="1">
-              <a:lnSpc>
-                <a:spcPct val="90000"/>
-              </a:lnSpc>
-              <a:spcBef>
-                <a:spcPts val="500"/>
-              </a:spcBef>
-              <a:buFont typeface="Arial" panose="020B0604020202020204" pitchFamily="34" charset="0"/>
-              <a:buChar char="•"/>
-              <a:defRPr sz="2400" kern="1200">
-                <a:solidFill>
-                  <a:schemeClr val="tx1"/>
-                </a:solidFill>
-                <a:latin typeface="+mn-lt"/>
-                <a:ea typeface="+mn-ea"/>
-                <a:cs typeface="+mn-cs"/>
-              </a:defRPr>
-            </a:lvl2pPr>
-            <a:lvl3pPr marL="1143000" indent="-228600" algn="l" defTabSz="914400" rtl="0" eaLnBrk="1" latinLnBrk="0" hangingPunct="1">
-              <a:lnSpc>
-                <a:spcPct val="90000"/>
-              </a:lnSpc>
-              <a:spcBef>
-                <a:spcPts val="500"/>
-              </a:spcBef>
-              <a:buFont typeface="Arial" panose="020B0604020202020204" pitchFamily="34" charset="0"/>
-              <a:buChar char="•"/>
-              <a:defRPr sz="2000" kern="1200">
-                <a:solidFill>
-                  <a:schemeClr val="tx1"/>
-                </a:solidFill>
-                <a:latin typeface="+mn-lt"/>
-                <a:ea typeface="+mn-ea"/>
-                <a:cs typeface="+mn-cs"/>
-              </a:defRPr>
-            </a:lvl3pPr>
-            <a:lvl4pPr marL="1600200" indent="-228600" algn="l" defTabSz="914400" rtl="0" eaLnBrk="1" latinLnBrk="0" hangingPunct="1">
-              <a:lnSpc>
-                <a:spcPct val="90000"/>
-              </a:lnSpc>
-              <a:spcBef>
-                <a:spcPts val="500"/>
-              </a:spcBef>
-              <a:buFont typeface="Arial" panose="020B0604020202020204" pitchFamily="34" charset="0"/>
-              <a:buChar char="•"/>
-              <a:defRPr sz="1800" kern="1200">
-                <a:solidFill>
-                  <a:schemeClr val="tx1"/>
-                </a:solidFill>
-                <a:latin typeface="+mn-lt"/>
-                <a:ea typeface="+mn-ea"/>
-                <a:cs typeface="+mn-cs"/>
-              </a:defRPr>
-            </a:lvl4pPr>
-            <a:lvl5pPr marL="2057400" indent="-228600" algn="l" defTabSz="914400" rtl="0" eaLnBrk="1" latinLnBrk="0" hangingPunct="1">
-              <a:lnSpc>
-                <a:spcPct val="90000"/>
-              </a:lnSpc>
-              <a:spcBef>
-                <a:spcPts val="500"/>
-              </a:spcBef>
-              <a:buFont typeface="Arial" panose="020B0604020202020204" pitchFamily="34" charset="0"/>
-              <a:buChar char="•"/>
-              <a:defRPr sz="1800" kern="1200">
-                <a:solidFill>
-                  <a:schemeClr val="tx1"/>
-                </a:solidFill>
-                <a:latin typeface="+mn-lt"/>
-                <a:ea typeface="+mn-ea"/>
-                <a:cs typeface="+mn-cs"/>
-              </a:defRPr>
-            </a:lvl5pPr>
-            <a:lvl6pPr marL="2514600" indent="-228600" algn="l" defTabSz="914400" rtl="0" eaLnBrk="1" latinLnBrk="0" hangingPunct="1">
-              <a:lnSpc>
-                <a:spcPct val="90000"/>
-              </a:lnSpc>
-              <a:spcBef>
-                <a:spcPts val="500"/>
-              </a:spcBef>
-              <a:buFont typeface="Arial" panose="020B0604020202020204" pitchFamily="34" charset="0"/>
-              <a:buChar char="•"/>
-              <a:defRPr sz="1800" kern="1200">
-                <a:solidFill>
-                  <a:schemeClr val="tx1"/>
-                </a:solidFill>
-                <a:latin typeface="+mn-lt"/>
-                <a:ea typeface="+mn-ea"/>
-                <a:cs typeface="+mn-cs"/>
-              </a:defRPr>
-            </a:lvl6pPr>
-            <a:lvl7pPr marL="2971800" indent="-228600" algn="l" defTabSz="914400" rtl="0" eaLnBrk="1" latinLnBrk="0" hangingPunct="1">
-              <a:lnSpc>
-                <a:spcPct val="90000"/>
-              </a:lnSpc>
-              <a:spcBef>
-                <a:spcPts val="500"/>
-              </a:spcBef>
-              <a:buFont typeface="Arial" panose="020B0604020202020204" pitchFamily="34" charset="0"/>
-              <a:buChar char="•"/>
-              <a:defRPr sz="1800" kern="1200">
-                <a:solidFill>
-                  <a:schemeClr val="tx1"/>
-                </a:solidFill>
-                <a:latin typeface="+mn-lt"/>
-                <a:ea typeface="+mn-ea"/>
-                <a:cs typeface="+mn-cs"/>
-              </a:defRPr>
-            </a:lvl7pPr>
-            <a:lvl8pPr marL="3429000" indent="-228600" algn="l" defTabSz="914400" rtl="0" eaLnBrk="1" latinLnBrk="0" hangingPunct="1">
-              <a:lnSpc>
-                <a:spcPct val="90000"/>
-              </a:lnSpc>
-              <a:spcBef>
-                <a:spcPts val="500"/>
-              </a:spcBef>
-              <a:buFont typeface="Arial" panose="020B0604020202020204" pitchFamily="34" charset="0"/>
-              <a:buChar char="•"/>
-              <a:defRPr sz="1800" kern="1200">
-                <a:solidFill>
-                  <a:schemeClr val="tx1"/>
-                </a:solidFill>
-                <a:latin typeface="+mn-lt"/>
-                <a:ea typeface="+mn-ea"/>
-                <a:cs typeface="+mn-cs"/>
-              </a:defRPr>
-            </a:lvl8pPr>
-            <a:lvl9pPr marL="3886200" indent="-228600" algn="l" defTabSz="914400" rtl="0" eaLnBrk="1" latinLnBrk="0" hangingPunct="1">
-              <a:lnSpc>
-                <a:spcPct val="90000"/>
-              </a:lnSpc>
-              <a:spcBef>
-                <a:spcPts val="500"/>
-              </a:spcBef>
-              <a:buFont typeface="Arial" panose="020B0604020202020204" pitchFamily="34" charset="0"/>
-              <a:buChar char="•"/>
-              <a:defRPr sz="1800" kern="1200">
-                <a:solidFill>
-                  <a:schemeClr val="tx1"/>
-                </a:solidFill>
-                <a:latin typeface="+mn-lt"/>
-                <a:ea typeface="+mn-ea"/>
-                <a:cs typeface="+mn-cs"/>
-              </a:defRPr>
-            </a:lvl9pPr>
-          </a:lstStyle>
-          <a:p>
-            <a:pPr marL="0" indent="0">
-              <a:buFont typeface="Arial" panose="020B0604020202020204" pitchFamily="34" charset="0"/>
-              <a:buNone/>
-            </a:pPr>
-            <a:r>
-              <a:rPr lang="de-DE" sz="2000" dirty="0">
-                <a:solidFill>
-                  <a:schemeClr val="bg1">
-                    <a:lumMod val="50000"/>
-                  </a:schemeClr>
-                </a:solidFill>
-                <a:latin typeface="SFMono-Regular"/>
-              </a:rPr>
-              <a:t># Data Exploration</a:t>
-            </a:r>
-          </a:p>
-          <a:p>
-            <a:pPr marL="0" indent="0">
-              <a:buFont typeface="Arial" panose="020B0604020202020204" pitchFamily="34" charset="0"/>
-              <a:buNone/>
-            </a:pPr>
-            <a:r>
-              <a:rPr lang="de-DE" sz="2000" dirty="0" err="1">
-                <a:solidFill>
-                  <a:srgbClr val="333333"/>
-                </a:solidFill>
-                <a:latin typeface="SFMono-Regular"/>
-              </a:rPr>
-              <a:t>tourism_total_trips</a:t>
-            </a:r>
-            <a:r>
-              <a:rPr lang="de-DE" sz="2000" dirty="0">
-                <a:solidFill>
-                  <a:srgbClr val="333333"/>
-                </a:solidFill>
-                <a:latin typeface="SFMono-Regular"/>
-              </a:rPr>
-              <a:t> %&gt;% </a:t>
-            </a:r>
-          </a:p>
-          <a:p>
-            <a:pPr marL="0" indent="0">
-              <a:buFont typeface="Arial" panose="020B0604020202020204" pitchFamily="34" charset="0"/>
-              <a:buNone/>
-            </a:pPr>
-            <a:r>
-              <a:rPr lang="de-DE" sz="2000" dirty="0">
-                <a:solidFill>
-                  <a:srgbClr val="333333"/>
-                </a:solidFill>
-                <a:latin typeface="SFMono-Regular"/>
-              </a:rPr>
-              <a:t>  </a:t>
-            </a:r>
-            <a:r>
-              <a:rPr lang="de-DE" sz="2000" dirty="0" err="1">
-                <a:solidFill>
-                  <a:srgbClr val="333333"/>
-                </a:solidFill>
-                <a:latin typeface="SFMono-Regular"/>
-              </a:rPr>
-              <a:t>autoplot</a:t>
-            </a:r>
-            <a:r>
-              <a:rPr lang="de-DE" sz="2000" dirty="0">
-                <a:solidFill>
-                  <a:srgbClr val="333333"/>
-                </a:solidFill>
-                <a:latin typeface="SFMono-Regular"/>
-              </a:rPr>
-              <a:t>(Trips)</a:t>
-            </a:r>
-            <a:endParaRPr lang="en-GB" sz="2000" dirty="0"/>
-          </a:p>
-        </p:txBody>
-      </p:sp>
+      </p:pic>
+      <p:pic>
+        <p:nvPicPr>
+          <p:cNvPr id="30" name="Grafik 29" descr="Ein Bild, das Tisch enthält.&#10;&#10;Automatisch generierte Beschreibung">
+            <a:extLst>
+              <a:ext uri="{FF2B5EF4-FFF2-40B4-BE49-F238E27FC236}">
+                <a16:creationId xmlns:a16="http://schemas.microsoft.com/office/drawing/2014/main" id="{4FEF5061-51D8-2BC7-E5A5-D2D2F91F1737}"/>
+              </a:ext>
+            </a:extLst>
+          </p:cNvPr>
+          <p:cNvPicPr>
+            <a:picLocks noChangeAspect="1"/>
+          </p:cNvPicPr>
+          <p:nvPr/>
+        </p:nvPicPr>
+        <p:blipFill>
+          <a:blip r:embed="rId7"/>
+          <a:stretch>
+            <a:fillRect/>
+          </a:stretch>
+        </p:blipFill>
+        <p:spPr>
+          <a:xfrm>
+            <a:off x="1125907" y="3968544"/>
+            <a:ext cx="6985000" cy="2311400"/>
+          </a:xfrm>
+          <a:prstGeom prst="rect">
+            <a:avLst/>
+          </a:prstGeom>
+        </p:spPr>
+      </p:pic>
     </p:spTree>
     <p:extLst>
       <p:ext uri="{BB962C8B-B14F-4D97-AF65-F5344CB8AC3E}">
-        <p14:creationId xmlns:p14="http://schemas.microsoft.com/office/powerpoint/2010/main" val="1486188251"/>
+        <p14:creationId xmlns:p14="http://schemas.microsoft.com/office/powerpoint/2010/main" val="3654422286"/>
       </p:ext>
     </p:extLst>
   </p:cSld>
@@ -8209,885 +7672,70 @@
           </a:prstGeom>
         </p:spPr>
       </p:pic>
-      <p:sp>
-        <p:nvSpPr>
-          <p:cNvPr id="6" name="Inhaltsplatzhalter 2">
-            <a:extLst>
-              <a:ext uri="{FF2B5EF4-FFF2-40B4-BE49-F238E27FC236}">
-                <a16:creationId xmlns:a16="http://schemas.microsoft.com/office/drawing/2014/main" id="{24C731EB-458D-8FFD-F2BC-52C0B595C719}"/>
-              </a:ext>
-            </a:extLst>
-          </p:cNvPr>
-          <p:cNvSpPr txBox="1">
-            <a:spLocks/>
-          </p:cNvSpPr>
+      <p:pic>
+        <p:nvPicPr>
+          <p:cNvPr id="24" name="Grafik 23" descr="Ein Bild, das Text enthält.&#10;&#10;Automatisch generierte Beschreibung">
+            <a:extLst>
+              <a:ext uri="{FF2B5EF4-FFF2-40B4-BE49-F238E27FC236}">
+                <a16:creationId xmlns:a16="http://schemas.microsoft.com/office/drawing/2014/main" id="{6940E714-A3D9-B7C4-CCE4-DBE58799E83F}"/>
+              </a:ext>
+            </a:extLst>
+          </p:cNvPr>
+          <p:cNvPicPr>
+            <a:picLocks noChangeAspect="1"/>
+          </p:cNvPicPr>
           <p:nvPr/>
-        </p:nvSpPr>
+        </p:nvPicPr>
+        <p:blipFill>
+          <a:blip r:embed="rId5"/>
+          <a:stretch>
+            <a:fillRect/>
+          </a:stretch>
+        </p:blipFill>
         <p:spPr>
           <a:xfrm>
-            <a:off x="1055713" y="1367441"/>
-            <a:ext cx="7587544" cy="2802764"/>
+            <a:off x="1106599" y="1416623"/>
+            <a:ext cx="6985000" cy="1511300"/>
           </a:xfrm>
           <a:prstGeom prst="rect">
             <a:avLst/>
           </a:prstGeom>
-          <a:solidFill>
-            <a:schemeClr val="bg1">
-              <a:lumMod val="95000"/>
-            </a:schemeClr>
-          </a:solidFill>
         </p:spPr>
-        <p:txBody>
-          <a:bodyPr vert="horz" lIns="91440" tIns="45720" rIns="91440" bIns="45720" rtlCol="0">
-            <a:noAutofit/>
-          </a:bodyPr>
-          <a:lstStyle>
-            <a:lvl1pPr marL="228600" indent="-228600" algn="l" defTabSz="914400" rtl="0" eaLnBrk="1" latinLnBrk="0" hangingPunct="1">
-              <a:lnSpc>
-                <a:spcPct val="90000"/>
-              </a:lnSpc>
-              <a:spcBef>
-                <a:spcPts val="1000"/>
-              </a:spcBef>
-              <a:buFont typeface="Arial" panose="020B0604020202020204" pitchFamily="34" charset="0"/>
-              <a:buChar char="•"/>
-              <a:defRPr sz="2800" kern="1200">
-                <a:solidFill>
-                  <a:schemeClr val="tx1"/>
-                </a:solidFill>
-                <a:latin typeface="+mn-lt"/>
-                <a:ea typeface="+mn-ea"/>
-                <a:cs typeface="+mn-cs"/>
-              </a:defRPr>
-            </a:lvl1pPr>
-            <a:lvl2pPr marL="685800" indent="-228600" algn="l" defTabSz="914400" rtl="0" eaLnBrk="1" latinLnBrk="0" hangingPunct="1">
-              <a:lnSpc>
-                <a:spcPct val="90000"/>
-              </a:lnSpc>
-              <a:spcBef>
-                <a:spcPts val="500"/>
-              </a:spcBef>
-              <a:buFont typeface="Arial" panose="020B0604020202020204" pitchFamily="34" charset="0"/>
-              <a:buChar char="•"/>
-              <a:defRPr sz="2400" kern="1200">
-                <a:solidFill>
-                  <a:schemeClr val="tx1"/>
-                </a:solidFill>
-                <a:latin typeface="+mn-lt"/>
-                <a:ea typeface="+mn-ea"/>
-                <a:cs typeface="+mn-cs"/>
-              </a:defRPr>
-            </a:lvl2pPr>
-            <a:lvl3pPr marL="1143000" indent="-228600" algn="l" defTabSz="914400" rtl="0" eaLnBrk="1" latinLnBrk="0" hangingPunct="1">
-              <a:lnSpc>
-                <a:spcPct val="90000"/>
-              </a:lnSpc>
-              <a:spcBef>
-                <a:spcPts val="500"/>
-              </a:spcBef>
-              <a:buFont typeface="Arial" panose="020B0604020202020204" pitchFamily="34" charset="0"/>
-              <a:buChar char="•"/>
-              <a:defRPr sz="2000" kern="1200">
-                <a:solidFill>
-                  <a:schemeClr val="tx1"/>
-                </a:solidFill>
-                <a:latin typeface="+mn-lt"/>
-                <a:ea typeface="+mn-ea"/>
-                <a:cs typeface="+mn-cs"/>
-              </a:defRPr>
-            </a:lvl3pPr>
-            <a:lvl4pPr marL="1600200" indent="-228600" algn="l" defTabSz="914400" rtl="0" eaLnBrk="1" latinLnBrk="0" hangingPunct="1">
-              <a:lnSpc>
-                <a:spcPct val="90000"/>
-              </a:lnSpc>
-              <a:spcBef>
-                <a:spcPts val="500"/>
-              </a:spcBef>
-              <a:buFont typeface="Arial" panose="020B0604020202020204" pitchFamily="34" charset="0"/>
-              <a:buChar char="•"/>
-              <a:defRPr sz="1800" kern="1200">
-                <a:solidFill>
-                  <a:schemeClr val="tx1"/>
-                </a:solidFill>
-                <a:latin typeface="+mn-lt"/>
-                <a:ea typeface="+mn-ea"/>
-                <a:cs typeface="+mn-cs"/>
-              </a:defRPr>
-            </a:lvl4pPr>
-            <a:lvl5pPr marL="2057400" indent="-228600" algn="l" defTabSz="914400" rtl="0" eaLnBrk="1" latinLnBrk="0" hangingPunct="1">
-              <a:lnSpc>
-                <a:spcPct val="90000"/>
-              </a:lnSpc>
-              <a:spcBef>
-                <a:spcPts val="500"/>
-              </a:spcBef>
-              <a:buFont typeface="Arial" panose="020B0604020202020204" pitchFamily="34" charset="0"/>
-              <a:buChar char="•"/>
-              <a:defRPr sz="1800" kern="1200">
-                <a:solidFill>
-                  <a:schemeClr val="tx1"/>
-                </a:solidFill>
-                <a:latin typeface="+mn-lt"/>
-                <a:ea typeface="+mn-ea"/>
-                <a:cs typeface="+mn-cs"/>
-              </a:defRPr>
-            </a:lvl5pPr>
-            <a:lvl6pPr marL="2514600" indent="-228600" algn="l" defTabSz="914400" rtl="0" eaLnBrk="1" latinLnBrk="0" hangingPunct="1">
-              <a:lnSpc>
-                <a:spcPct val="90000"/>
-              </a:lnSpc>
-              <a:spcBef>
-                <a:spcPts val="500"/>
-              </a:spcBef>
-              <a:buFont typeface="Arial" panose="020B0604020202020204" pitchFamily="34" charset="0"/>
-              <a:buChar char="•"/>
-              <a:defRPr sz="1800" kern="1200">
-                <a:solidFill>
-                  <a:schemeClr val="tx1"/>
-                </a:solidFill>
-                <a:latin typeface="+mn-lt"/>
-                <a:ea typeface="+mn-ea"/>
-                <a:cs typeface="+mn-cs"/>
-              </a:defRPr>
-            </a:lvl6pPr>
-            <a:lvl7pPr marL="2971800" indent="-228600" algn="l" defTabSz="914400" rtl="0" eaLnBrk="1" latinLnBrk="0" hangingPunct="1">
-              <a:lnSpc>
-                <a:spcPct val="90000"/>
-              </a:lnSpc>
-              <a:spcBef>
-                <a:spcPts val="500"/>
-              </a:spcBef>
-              <a:buFont typeface="Arial" panose="020B0604020202020204" pitchFamily="34" charset="0"/>
-              <a:buChar char="•"/>
-              <a:defRPr sz="1800" kern="1200">
-                <a:solidFill>
-                  <a:schemeClr val="tx1"/>
-                </a:solidFill>
-                <a:latin typeface="+mn-lt"/>
-                <a:ea typeface="+mn-ea"/>
-                <a:cs typeface="+mn-cs"/>
-              </a:defRPr>
-            </a:lvl7pPr>
-            <a:lvl8pPr marL="3429000" indent="-228600" algn="l" defTabSz="914400" rtl="0" eaLnBrk="1" latinLnBrk="0" hangingPunct="1">
-              <a:lnSpc>
-                <a:spcPct val="90000"/>
-              </a:lnSpc>
-              <a:spcBef>
-                <a:spcPts val="500"/>
-              </a:spcBef>
-              <a:buFont typeface="Arial" panose="020B0604020202020204" pitchFamily="34" charset="0"/>
-              <a:buChar char="•"/>
-              <a:defRPr sz="1800" kern="1200">
-                <a:solidFill>
-                  <a:schemeClr val="tx1"/>
-                </a:solidFill>
-                <a:latin typeface="+mn-lt"/>
-                <a:ea typeface="+mn-ea"/>
-                <a:cs typeface="+mn-cs"/>
-              </a:defRPr>
-            </a:lvl8pPr>
-            <a:lvl9pPr marL="3886200" indent="-228600" algn="l" defTabSz="914400" rtl="0" eaLnBrk="1" latinLnBrk="0" hangingPunct="1">
-              <a:lnSpc>
-                <a:spcPct val="90000"/>
-              </a:lnSpc>
-              <a:spcBef>
-                <a:spcPts val="500"/>
-              </a:spcBef>
-              <a:buFont typeface="Arial" panose="020B0604020202020204" pitchFamily="34" charset="0"/>
-              <a:buChar char="•"/>
-              <a:defRPr sz="1800" kern="1200">
-                <a:solidFill>
-                  <a:schemeClr val="tx1"/>
-                </a:solidFill>
-                <a:latin typeface="+mn-lt"/>
-                <a:ea typeface="+mn-ea"/>
-                <a:cs typeface="+mn-cs"/>
-              </a:defRPr>
-            </a:lvl9pPr>
-          </a:lstStyle>
-          <a:p>
-            <a:pPr marL="0" indent="0">
-              <a:buFont typeface="Arial" panose="020B0604020202020204" pitchFamily="34" charset="0"/>
-              <a:buNone/>
-            </a:pPr>
-            <a:r>
-              <a:rPr lang="de-DE" sz="2000" dirty="0">
-                <a:solidFill>
-                  <a:schemeClr val="bg1">
-                    <a:lumMod val="50000"/>
-                  </a:schemeClr>
-                </a:solidFill>
-                <a:latin typeface="SFMono-Regular"/>
-              </a:rPr>
-              <a:t># </a:t>
-            </a:r>
-            <a:r>
-              <a:rPr lang="de-DE" sz="2000" dirty="0" err="1">
-                <a:solidFill>
-                  <a:schemeClr val="bg1">
-                    <a:lumMod val="50000"/>
-                  </a:schemeClr>
-                </a:solidFill>
-                <a:latin typeface="SFMono-Regular"/>
-              </a:rPr>
-              <a:t>Comparing</a:t>
-            </a:r>
-            <a:r>
-              <a:rPr lang="de-DE" sz="2000" dirty="0">
-                <a:solidFill>
-                  <a:schemeClr val="bg1">
-                    <a:lumMod val="50000"/>
-                  </a:schemeClr>
-                </a:solidFill>
-                <a:latin typeface="SFMono-Regular"/>
-              </a:rPr>
-              <a:t> multiple </a:t>
-            </a:r>
-            <a:r>
-              <a:rPr lang="de-DE" sz="2000" dirty="0" err="1">
-                <a:solidFill>
-                  <a:schemeClr val="bg1">
-                    <a:lumMod val="50000"/>
-                  </a:schemeClr>
-                </a:solidFill>
-                <a:latin typeface="SFMono-Regular"/>
-              </a:rPr>
-              <a:t>models</a:t>
-            </a:r>
-            <a:endParaRPr lang="de-DE" sz="2000" dirty="0">
-              <a:solidFill>
-                <a:schemeClr val="bg1">
-                  <a:lumMod val="50000"/>
-                </a:schemeClr>
-              </a:solidFill>
-              <a:latin typeface="SFMono-Regular"/>
-            </a:endParaRPr>
-          </a:p>
-          <a:p>
-            <a:pPr marL="0" indent="0">
-              <a:buFont typeface="Arial" panose="020B0604020202020204" pitchFamily="34" charset="0"/>
-              <a:buNone/>
-            </a:pPr>
-            <a:r>
-              <a:rPr lang="de-DE" sz="2000" dirty="0">
-                <a:solidFill>
-                  <a:srgbClr val="333333"/>
-                </a:solidFill>
-                <a:latin typeface="SFMono-Regular"/>
-              </a:rPr>
-              <a:t>fit &lt;- </a:t>
-            </a:r>
-            <a:r>
-              <a:rPr lang="de-DE" sz="2000" dirty="0" err="1">
-                <a:solidFill>
-                  <a:srgbClr val="333333"/>
-                </a:solidFill>
-                <a:latin typeface="SFMono-Regular"/>
-              </a:rPr>
-              <a:t>tourism_t_trips</a:t>
-            </a:r>
-            <a:r>
-              <a:rPr lang="de-DE" sz="2000" dirty="0">
-                <a:solidFill>
-                  <a:srgbClr val="333333"/>
-                </a:solidFill>
-                <a:latin typeface="SFMono-Regular"/>
-              </a:rPr>
-              <a:t> %&gt;% </a:t>
-            </a:r>
-          </a:p>
-          <a:p>
-            <a:pPr marL="0" indent="0">
-              <a:buFont typeface="Arial" panose="020B0604020202020204" pitchFamily="34" charset="0"/>
-              <a:buNone/>
-            </a:pPr>
-            <a:r>
-              <a:rPr lang="de-DE" sz="2000" dirty="0">
-                <a:solidFill>
-                  <a:srgbClr val="333333"/>
-                </a:solidFill>
-                <a:latin typeface="SFMono-Regular"/>
-              </a:rPr>
-              <a:t>  </a:t>
-            </a:r>
-            <a:r>
-              <a:rPr lang="de-DE" sz="2000" dirty="0" err="1">
-                <a:solidFill>
-                  <a:srgbClr val="333333"/>
-                </a:solidFill>
-                <a:latin typeface="SFMono-Regular"/>
-              </a:rPr>
-              <a:t>model</a:t>
-            </a:r>
-            <a:r>
-              <a:rPr lang="de-DE" sz="2000" dirty="0">
-                <a:solidFill>
-                  <a:srgbClr val="333333"/>
-                </a:solidFill>
-                <a:latin typeface="SFMono-Regular"/>
-              </a:rPr>
-              <a:t>(</a:t>
-            </a:r>
-          </a:p>
-          <a:p>
-            <a:pPr marL="0" indent="0">
-              <a:buFont typeface="Arial" panose="020B0604020202020204" pitchFamily="34" charset="0"/>
-              <a:buNone/>
-            </a:pPr>
-            <a:r>
-              <a:rPr lang="de-DE" sz="2000" dirty="0">
-                <a:solidFill>
-                  <a:srgbClr val="333333"/>
-                </a:solidFill>
-                <a:latin typeface="SFMono-Regular"/>
-              </a:rPr>
-              <a:t>    </a:t>
-            </a:r>
-            <a:r>
-              <a:rPr lang="de-DE" sz="2000" dirty="0" err="1">
-                <a:solidFill>
-                  <a:srgbClr val="333333"/>
-                </a:solidFill>
-                <a:latin typeface="SFMono-Regular"/>
-              </a:rPr>
-              <a:t>ets</a:t>
-            </a:r>
-            <a:r>
-              <a:rPr lang="de-DE" sz="2000" dirty="0">
-                <a:solidFill>
-                  <a:srgbClr val="333333"/>
-                </a:solidFill>
-                <a:latin typeface="SFMono-Regular"/>
-              </a:rPr>
-              <a:t> = ETS(Trips),</a:t>
-            </a:r>
-          </a:p>
-          <a:p>
-            <a:pPr marL="0" indent="0">
-              <a:buFont typeface="Arial" panose="020B0604020202020204" pitchFamily="34" charset="0"/>
-              <a:buNone/>
-            </a:pPr>
-            <a:r>
-              <a:rPr lang="de-DE" sz="2000" dirty="0">
-                <a:solidFill>
-                  <a:srgbClr val="333333"/>
-                </a:solidFill>
-                <a:latin typeface="SFMono-Regular"/>
-              </a:rPr>
-              <a:t>    </a:t>
-            </a:r>
-            <a:r>
-              <a:rPr lang="de-DE" sz="2000" dirty="0" err="1">
-                <a:solidFill>
-                  <a:srgbClr val="333333"/>
-                </a:solidFill>
-                <a:latin typeface="SFMono-Regular"/>
-              </a:rPr>
-              <a:t>arima</a:t>
-            </a:r>
-            <a:r>
-              <a:rPr lang="de-DE" sz="2000" dirty="0">
-                <a:solidFill>
-                  <a:srgbClr val="333333"/>
-                </a:solidFill>
-                <a:latin typeface="SFMono-Regular"/>
-              </a:rPr>
-              <a:t> = ARIMA(Trips),</a:t>
-            </a:r>
-          </a:p>
-          <a:p>
-            <a:pPr marL="0" indent="0">
-              <a:buFont typeface="Arial" panose="020B0604020202020204" pitchFamily="34" charset="0"/>
-              <a:buNone/>
-            </a:pPr>
-            <a:r>
-              <a:rPr lang="de-DE" sz="2000" dirty="0">
-                <a:solidFill>
-                  <a:srgbClr val="333333"/>
-                </a:solidFill>
-                <a:latin typeface="SFMono-Regular"/>
-              </a:rPr>
-              <a:t>    lm = TSLM(Trips ~ </a:t>
-            </a:r>
-            <a:r>
-              <a:rPr lang="de-DE" sz="2000" dirty="0" err="1">
-                <a:solidFill>
-                  <a:srgbClr val="333333"/>
-                </a:solidFill>
-                <a:latin typeface="SFMono-Regular"/>
-              </a:rPr>
-              <a:t>trend</a:t>
-            </a:r>
-            <a:r>
-              <a:rPr lang="de-DE" sz="2000" dirty="0">
-                <a:solidFill>
-                  <a:srgbClr val="333333"/>
-                </a:solidFill>
-                <a:latin typeface="SFMono-Regular"/>
-              </a:rPr>
-              <a:t>() + </a:t>
-            </a:r>
-            <a:r>
-              <a:rPr lang="de-DE" sz="2000" dirty="0" err="1">
-                <a:solidFill>
-                  <a:srgbClr val="333333"/>
-                </a:solidFill>
-                <a:latin typeface="SFMono-Regular"/>
-              </a:rPr>
-              <a:t>season</a:t>
-            </a:r>
-            <a:r>
-              <a:rPr lang="de-DE" sz="2000" dirty="0">
-                <a:solidFill>
-                  <a:srgbClr val="333333"/>
-                </a:solidFill>
-                <a:latin typeface="SFMono-Regular"/>
-              </a:rPr>
-              <a:t>())</a:t>
-            </a:r>
-          </a:p>
-          <a:p>
-            <a:pPr marL="0" indent="0">
-              <a:buFont typeface="Arial" panose="020B0604020202020204" pitchFamily="34" charset="0"/>
-              <a:buNone/>
-            </a:pPr>
-            <a:r>
-              <a:rPr lang="de-DE" sz="2000" dirty="0">
-                <a:solidFill>
-                  <a:srgbClr val="333333"/>
-                </a:solidFill>
-                <a:latin typeface="SFMono-Regular"/>
-              </a:rPr>
-              <a:t>  )</a:t>
-            </a:r>
-          </a:p>
-          <a:p>
-            <a:pPr marL="0" indent="0">
-              <a:buFont typeface="Arial" panose="020B0604020202020204" pitchFamily="34" charset="0"/>
-              <a:buNone/>
-            </a:pPr>
-            <a:endParaRPr lang="de-DE" sz="2000" dirty="0">
-              <a:solidFill>
-                <a:srgbClr val="333333"/>
-              </a:solidFill>
-              <a:latin typeface="SFMono-Regular"/>
-            </a:endParaRPr>
-          </a:p>
-        </p:txBody>
-      </p:sp>
-      <p:sp>
-        <p:nvSpPr>
-          <p:cNvPr id="7" name="Inhaltsplatzhalter 2">
-            <a:extLst>
-              <a:ext uri="{FF2B5EF4-FFF2-40B4-BE49-F238E27FC236}">
-                <a16:creationId xmlns:a16="http://schemas.microsoft.com/office/drawing/2014/main" id="{B71C08A0-C059-75BC-C319-EA2F45DDA59B}"/>
-              </a:ext>
-            </a:extLst>
-          </p:cNvPr>
-          <p:cNvSpPr txBox="1">
-            <a:spLocks/>
-          </p:cNvSpPr>
+      </p:pic>
+      <p:pic>
+        <p:nvPicPr>
+          <p:cNvPr id="25" name="Grafik 24">
+            <a:extLst>
+              <a:ext uri="{FF2B5EF4-FFF2-40B4-BE49-F238E27FC236}">
+                <a16:creationId xmlns:a16="http://schemas.microsoft.com/office/drawing/2014/main" id="{32F35A0D-D303-7B0E-0BAE-8BFCF9A118B5}"/>
+              </a:ext>
+            </a:extLst>
+          </p:cNvPr>
+          <p:cNvPicPr>
+            <a:picLocks noChangeAspect="1"/>
+          </p:cNvPicPr>
           <p:nvPr/>
-        </p:nvSpPr>
+        </p:nvPicPr>
+        <p:blipFill>
+          <a:blip r:embed="rId6"/>
+          <a:stretch>
+            <a:fillRect/>
+          </a:stretch>
+        </p:blipFill>
         <p:spPr>
           <a:xfrm>
-            <a:off x="1055713" y="4278852"/>
-            <a:ext cx="7587544" cy="1662113"/>
+            <a:off x="3279063" y="2938337"/>
+            <a:ext cx="4812536" cy="3437526"/>
           </a:xfrm>
           <a:prstGeom prst="rect">
             <a:avLst/>
           </a:prstGeom>
-          <a:solidFill>
-            <a:schemeClr val="bg1">
-              <a:lumMod val="95000"/>
-            </a:schemeClr>
-          </a:solidFill>
         </p:spPr>
-        <p:txBody>
-          <a:bodyPr vert="horz" lIns="91440" tIns="45720" rIns="91440" bIns="45720" rtlCol="0">
-            <a:noAutofit/>
-          </a:bodyPr>
-          <a:lstStyle>
-            <a:lvl1pPr marL="228600" indent="-228600" algn="l" defTabSz="914400" rtl="0" eaLnBrk="1" latinLnBrk="0" hangingPunct="1">
-              <a:lnSpc>
-                <a:spcPct val="90000"/>
-              </a:lnSpc>
-              <a:spcBef>
-                <a:spcPts val="1000"/>
-              </a:spcBef>
-              <a:buFont typeface="Arial" panose="020B0604020202020204" pitchFamily="34" charset="0"/>
-              <a:buChar char="•"/>
-              <a:defRPr sz="2800" kern="1200">
-                <a:solidFill>
-                  <a:schemeClr val="tx1"/>
-                </a:solidFill>
-                <a:latin typeface="+mn-lt"/>
-                <a:ea typeface="+mn-ea"/>
-                <a:cs typeface="+mn-cs"/>
-              </a:defRPr>
-            </a:lvl1pPr>
-            <a:lvl2pPr marL="685800" indent="-228600" algn="l" defTabSz="914400" rtl="0" eaLnBrk="1" latinLnBrk="0" hangingPunct="1">
-              <a:lnSpc>
-                <a:spcPct val="90000"/>
-              </a:lnSpc>
-              <a:spcBef>
-                <a:spcPts val="500"/>
-              </a:spcBef>
-              <a:buFont typeface="Arial" panose="020B0604020202020204" pitchFamily="34" charset="0"/>
-              <a:buChar char="•"/>
-              <a:defRPr sz="2400" kern="1200">
-                <a:solidFill>
-                  <a:schemeClr val="tx1"/>
-                </a:solidFill>
-                <a:latin typeface="+mn-lt"/>
-                <a:ea typeface="+mn-ea"/>
-                <a:cs typeface="+mn-cs"/>
-              </a:defRPr>
-            </a:lvl2pPr>
-            <a:lvl3pPr marL="1143000" indent="-228600" algn="l" defTabSz="914400" rtl="0" eaLnBrk="1" latinLnBrk="0" hangingPunct="1">
-              <a:lnSpc>
-                <a:spcPct val="90000"/>
-              </a:lnSpc>
-              <a:spcBef>
-                <a:spcPts val="500"/>
-              </a:spcBef>
-              <a:buFont typeface="Arial" panose="020B0604020202020204" pitchFamily="34" charset="0"/>
-              <a:buChar char="•"/>
-              <a:defRPr sz="2000" kern="1200">
-                <a:solidFill>
-                  <a:schemeClr val="tx1"/>
-                </a:solidFill>
-                <a:latin typeface="+mn-lt"/>
-                <a:ea typeface="+mn-ea"/>
-                <a:cs typeface="+mn-cs"/>
-              </a:defRPr>
-            </a:lvl3pPr>
-            <a:lvl4pPr marL="1600200" indent="-228600" algn="l" defTabSz="914400" rtl="0" eaLnBrk="1" latinLnBrk="0" hangingPunct="1">
-              <a:lnSpc>
-                <a:spcPct val="90000"/>
-              </a:lnSpc>
-              <a:spcBef>
-                <a:spcPts val="500"/>
-              </a:spcBef>
-              <a:buFont typeface="Arial" panose="020B0604020202020204" pitchFamily="34" charset="0"/>
-              <a:buChar char="•"/>
-              <a:defRPr sz="1800" kern="1200">
-                <a:solidFill>
-                  <a:schemeClr val="tx1"/>
-                </a:solidFill>
-                <a:latin typeface="+mn-lt"/>
-                <a:ea typeface="+mn-ea"/>
-                <a:cs typeface="+mn-cs"/>
-              </a:defRPr>
-            </a:lvl4pPr>
-            <a:lvl5pPr marL="2057400" indent="-228600" algn="l" defTabSz="914400" rtl="0" eaLnBrk="1" latinLnBrk="0" hangingPunct="1">
-              <a:lnSpc>
-                <a:spcPct val="90000"/>
-              </a:lnSpc>
-              <a:spcBef>
-                <a:spcPts val="500"/>
-              </a:spcBef>
-              <a:buFont typeface="Arial" panose="020B0604020202020204" pitchFamily="34" charset="0"/>
-              <a:buChar char="•"/>
-              <a:defRPr sz="1800" kern="1200">
-                <a:solidFill>
-                  <a:schemeClr val="tx1"/>
-                </a:solidFill>
-                <a:latin typeface="+mn-lt"/>
-                <a:ea typeface="+mn-ea"/>
-                <a:cs typeface="+mn-cs"/>
-              </a:defRPr>
-            </a:lvl5pPr>
-            <a:lvl6pPr marL="2514600" indent="-228600" algn="l" defTabSz="914400" rtl="0" eaLnBrk="1" latinLnBrk="0" hangingPunct="1">
-              <a:lnSpc>
-                <a:spcPct val="90000"/>
-              </a:lnSpc>
-              <a:spcBef>
-                <a:spcPts val="500"/>
-              </a:spcBef>
-              <a:buFont typeface="Arial" panose="020B0604020202020204" pitchFamily="34" charset="0"/>
-              <a:buChar char="•"/>
-              <a:defRPr sz="1800" kern="1200">
-                <a:solidFill>
-                  <a:schemeClr val="tx1"/>
-                </a:solidFill>
-                <a:latin typeface="+mn-lt"/>
-                <a:ea typeface="+mn-ea"/>
-                <a:cs typeface="+mn-cs"/>
-              </a:defRPr>
-            </a:lvl6pPr>
-            <a:lvl7pPr marL="2971800" indent="-228600" algn="l" defTabSz="914400" rtl="0" eaLnBrk="1" latinLnBrk="0" hangingPunct="1">
-              <a:lnSpc>
-                <a:spcPct val="90000"/>
-              </a:lnSpc>
-              <a:spcBef>
-                <a:spcPts val="500"/>
-              </a:spcBef>
-              <a:buFont typeface="Arial" panose="020B0604020202020204" pitchFamily="34" charset="0"/>
-              <a:buChar char="•"/>
-              <a:defRPr sz="1800" kern="1200">
-                <a:solidFill>
-                  <a:schemeClr val="tx1"/>
-                </a:solidFill>
-                <a:latin typeface="+mn-lt"/>
-                <a:ea typeface="+mn-ea"/>
-                <a:cs typeface="+mn-cs"/>
-              </a:defRPr>
-            </a:lvl7pPr>
-            <a:lvl8pPr marL="3429000" indent="-228600" algn="l" defTabSz="914400" rtl="0" eaLnBrk="1" latinLnBrk="0" hangingPunct="1">
-              <a:lnSpc>
-                <a:spcPct val="90000"/>
-              </a:lnSpc>
-              <a:spcBef>
-                <a:spcPts val="500"/>
-              </a:spcBef>
-              <a:buFont typeface="Arial" panose="020B0604020202020204" pitchFamily="34" charset="0"/>
-              <a:buChar char="•"/>
-              <a:defRPr sz="1800" kern="1200">
-                <a:solidFill>
-                  <a:schemeClr val="tx1"/>
-                </a:solidFill>
-                <a:latin typeface="+mn-lt"/>
-                <a:ea typeface="+mn-ea"/>
-                <a:cs typeface="+mn-cs"/>
-              </a:defRPr>
-            </a:lvl8pPr>
-            <a:lvl9pPr marL="3886200" indent="-228600" algn="l" defTabSz="914400" rtl="0" eaLnBrk="1" latinLnBrk="0" hangingPunct="1">
-              <a:lnSpc>
-                <a:spcPct val="90000"/>
-              </a:lnSpc>
-              <a:spcBef>
-                <a:spcPts val="500"/>
-              </a:spcBef>
-              <a:buFont typeface="Arial" panose="020B0604020202020204" pitchFamily="34" charset="0"/>
-              <a:buChar char="•"/>
-              <a:defRPr sz="1800" kern="1200">
-                <a:solidFill>
-                  <a:schemeClr val="tx1"/>
-                </a:solidFill>
-                <a:latin typeface="+mn-lt"/>
-                <a:ea typeface="+mn-ea"/>
-                <a:cs typeface="+mn-cs"/>
-              </a:defRPr>
-            </a:lvl9pPr>
-          </a:lstStyle>
-          <a:p>
-            <a:pPr marL="0" indent="0">
-              <a:buFont typeface="Arial" panose="020B0604020202020204" pitchFamily="34" charset="0"/>
-              <a:buNone/>
-            </a:pPr>
-            <a:r>
-              <a:rPr lang="de-DE" sz="2000" dirty="0">
-                <a:solidFill>
-                  <a:schemeClr val="bg1">
-                    <a:lumMod val="50000"/>
-                  </a:schemeClr>
-                </a:solidFill>
-                <a:latin typeface="SFMono-Regular"/>
-              </a:rPr>
-              <a:t># </a:t>
-            </a:r>
-            <a:r>
-              <a:rPr lang="de-DE" sz="2000" dirty="0" err="1">
-                <a:solidFill>
-                  <a:schemeClr val="bg1">
-                    <a:lumMod val="50000"/>
-                  </a:schemeClr>
-                </a:solidFill>
-                <a:latin typeface="SFMono-Regular"/>
-              </a:rPr>
-              <a:t>plot</a:t>
-            </a:r>
-            <a:r>
-              <a:rPr lang="de-DE" sz="2000" dirty="0">
-                <a:solidFill>
-                  <a:schemeClr val="bg1">
-                    <a:lumMod val="50000"/>
-                  </a:schemeClr>
-                </a:solidFill>
-                <a:latin typeface="SFMono-Regular"/>
-              </a:rPr>
-              <a:t> </a:t>
-            </a:r>
-            <a:r>
-              <a:rPr lang="de-DE" sz="2000" dirty="0" err="1">
-                <a:solidFill>
-                  <a:schemeClr val="bg1">
-                    <a:lumMod val="50000"/>
-                  </a:schemeClr>
-                </a:solidFill>
-                <a:latin typeface="SFMono-Regular"/>
-              </a:rPr>
-              <a:t>forecast</a:t>
-            </a:r>
-            <a:endParaRPr lang="de-DE" sz="2000" dirty="0">
-              <a:solidFill>
-                <a:schemeClr val="bg1">
-                  <a:lumMod val="50000"/>
-                </a:schemeClr>
-              </a:solidFill>
-              <a:latin typeface="SFMono-Regular"/>
-            </a:endParaRPr>
-          </a:p>
-          <a:p>
-            <a:pPr marL="0" indent="0">
-              <a:buFont typeface="Arial" panose="020B0604020202020204" pitchFamily="34" charset="0"/>
-              <a:buNone/>
-            </a:pPr>
-            <a:r>
-              <a:rPr lang="de-DE" sz="2000" dirty="0">
-                <a:solidFill>
-                  <a:srgbClr val="333333"/>
-                </a:solidFill>
-                <a:latin typeface="SFMono-Regular"/>
-              </a:rPr>
-              <a:t>fit %&gt;% </a:t>
-            </a:r>
-          </a:p>
-          <a:p>
-            <a:pPr marL="0" indent="0">
-              <a:buFont typeface="Arial" panose="020B0604020202020204" pitchFamily="34" charset="0"/>
-              <a:buNone/>
-            </a:pPr>
-            <a:r>
-              <a:rPr lang="de-DE" sz="2000" dirty="0">
-                <a:solidFill>
-                  <a:srgbClr val="333333"/>
-                </a:solidFill>
-                <a:latin typeface="SFMono-Regular"/>
-              </a:rPr>
-              <a:t>  </a:t>
-            </a:r>
-            <a:r>
-              <a:rPr lang="de-DE" sz="2000" dirty="0" err="1">
-                <a:solidFill>
-                  <a:srgbClr val="333333"/>
-                </a:solidFill>
-                <a:latin typeface="SFMono-Regular"/>
-              </a:rPr>
-              <a:t>forecast</a:t>
-            </a:r>
-            <a:r>
-              <a:rPr lang="de-DE" sz="2000" dirty="0">
-                <a:solidFill>
-                  <a:srgbClr val="333333"/>
-                </a:solidFill>
-                <a:latin typeface="SFMono-Regular"/>
-              </a:rPr>
-              <a:t>(h = "2 </a:t>
-            </a:r>
-            <a:r>
-              <a:rPr lang="de-DE" sz="2000" dirty="0" err="1">
-                <a:solidFill>
-                  <a:srgbClr val="333333"/>
-                </a:solidFill>
-                <a:latin typeface="SFMono-Regular"/>
-              </a:rPr>
-              <a:t>years</a:t>
-            </a:r>
-            <a:r>
-              <a:rPr lang="de-DE" sz="2000" dirty="0">
-                <a:solidFill>
-                  <a:srgbClr val="333333"/>
-                </a:solidFill>
-                <a:latin typeface="SFMono-Regular"/>
-              </a:rPr>
-              <a:t>") %&gt;% </a:t>
-            </a:r>
-          </a:p>
-          <a:p>
-            <a:pPr marL="0" indent="0">
-              <a:buFont typeface="Arial" panose="020B0604020202020204" pitchFamily="34" charset="0"/>
-              <a:buNone/>
-            </a:pPr>
-            <a:r>
-              <a:rPr lang="de-DE" sz="2000" dirty="0">
-                <a:solidFill>
-                  <a:srgbClr val="333333"/>
-                </a:solidFill>
-                <a:latin typeface="SFMono-Regular"/>
-              </a:rPr>
-              <a:t>  </a:t>
-            </a:r>
-            <a:r>
-              <a:rPr lang="de-DE" sz="2000" dirty="0" err="1">
-                <a:solidFill>
-                  <a:srgbClr val="333333"/>
-                </a:solidFill>
-                <a:latin typeface="SFMono-Regular"/>
-              </a:rPr>
-              <a:t>autoplot</a:t>
-            </a:r>
-            <a:r>
-              <a:rPr lang="de-DE" sz="2000" dirty="0">
-                <a:solidFill>
-                  <a:srgbClr val="333333"/>
-                </a:solidFill>
-                <a:latin typeface="SFMono-Regular"/>
-              </a:rPr>
-              <a:t>(</a:t>
-            </a:r>
-            <a:r>
-              <a:rPr lang="de-DE" sz="2000" dirty="0" err="1">
-                <a:solidFill>
-                  <a:srgbClr val="333333"/>
-                </a:solidFill>
-                <a:latin typeface="SFMono-Regular"/>
-              </a:rPr>
-              <a:t>tourism_t_trips</a:t>
-            </a:r>
-            <a:r>
-              <a:rPr lang="de-DE" sz="2000" dirty="0">
-                <a:solidFill>
-                  <a:srgbClr val="333333"/>
-                </a:solidFill>
-                <a:latin typeface="SFMono-Regular"/>
-              </a:rPr>
-              <a:t>, </a:t>
-            </a:r>
-            <a:r>
-              <a:rPr lang="de-DE" sz="2000" dirty="0" err="1">
-                <a:solidFill>
-                  <a:srgbClr val="333333"/>
-                </a:solidFill>
-                <a:latin typeface="SFMono-Regular"/>
-              </a:rPr>
-              <a:t>level</a:t>
-            </a:r>
-            <a:r>
-              <a:rPr lang="de-DE" sz="2000" dirty="0">
-                <a:solidFill>
-                  <a:srgbClr val="333333"/>
-                </a:solidFill>
-                <a:latin typeface="SFMono-Regular"/>
-              </a:rPr>
-              <a:t> = 80, </a:t>
-            </a:r>
-            <a:r>
-              <a:rPr lang="de-DE" sz="2000" dirty="0" err="1">
-                <a:solidFill>
-                  <a:srgbClr val="333333"/>
-                </a:solidFill>
-                <a:latin typeface="SFMono-Regular"/>
-              </a:rPr>
-              <a:t>alpha</a:t>
-            </a:r>
-            <a:r>
-              <a:rPr lang="de-DE" sz="2000" dirty="0">
-                <a:solidFill>
-                  <a:srgbClr val="333333"/>
-                </a:solidFill>
-                <a:latin typeface="SFMono-Regular"/>
-              </a:rPr>
-              <a:t> = 0.5)</a:t>
-            </a:r>
-          </a:p>
-        </p:txBody>
-      </p:sp>
+      </p:pic>
     </p:spTree>
     <p:extLst>
       <p:ext uri="{BB962C8B-B14F-4D97-AF65-F5344CB8AC3E}">
-        <p14:creationId xmlns:p14="http://schemas.microsoft.com/office/powerpoint/2010/main" val="3654422286"/>
+        <p14:creationId xmlns:p14="http://schemas.microsoft.com/office/powerpoint/2010/main" val="1488493014"/>
       </p:ext>
     </p:extLst>
   </p:cSld>
@@ -9547,10 +8195,10 @@
       </p:pic>
       <p:pic>
         <p:nvPicPr>
-          <p:cNvPr id="12" name="Grafik 11">
-            <a:extLst>
-              <a:ext uri="{FF2B5EF4-FFF2-40B4-BE49-F238E27FC236}">
-                <a16:creationId xmlns:a16="http://schemas.microsoft.com/office/drawing/2014/main" id="{45A30F1B-1D6B-CD3C-5408-79542C84C830}"/>
+          <p:cNvPr id="9" name="Grafik 8" descr="Ein Bild, das Text enthält.&#10;&#10;Automatisch generierte Beschreibung">
+            <a:extLst>
+              <a:ext uri="{FF2B5EF4-FFF2-40B4-BE49-F238E27FC236}">
+                <a16:creationId xmlns:a16="http://schemas.microsoft.com/office/drawing/2014/main" id="{6D2E34D6-0F6E-7ADC-0BAA-79C875CFC22B}"/>
               </a:ext>
             </a:extLst>
           </p:cNvPr>
@@ -9567,8 +8215,38 @@
         </p:blipFill>
         <p:spPr>
           <a:xfrm>
-            <a:off x="908906" y="1248487"/>
-            <a:ext cx="7031040" cy="5022171"/>
+            <a:off x="1106599" y="1676241"/>
+            <a:ext cx="6985000" cy="1016000"/>
+          </a:xfrm>
+          <a:prstGeom prst="rect">
+            <a:avLst/>
+          </a:prstGeom>
+        </p:spPr>
+      </p:pic>
+      <p:pic>
+        <p:nvPicPr>
+          <p:cNvPr id="11" name="Grafik 10" descr="Ein Bild, das Tisch enthält.&#10;&#10;Automatisch generierte Beschreibung">
+            <a:extLst>
+              <a:ext uri="{FF2B5EF4-FFF2-40B4-BE49-F238E27FC236}">
+                <a16:creationId xmlns:a16="http://schemas.microsoft.com/office/drawing/2014/main" id="{294239C9-730D-8236-E9D8-D2F2673D3490}"/>
+              </a:ext>
+            </a:extLst>
+          </p:cNvPr>
+          <p:cNvPicPr>
+            <a:picLocks noChangeAspect="1"/>
+          </p:cNvPicPr>
+          <p:nvPr/>
+        </p:nvPicPr>
+        <p:blipFill>
+          <a:blip r:embed="rId6"/>
+          <a:stretch>
+            <a:fillRect/>
+          </a:stretch>
+        </p:blipFill>
+        <p:spPr>
+          <a:xfrm>
+            <a:off x="1178848" y="2848100"/>
+            <a:ext cx="6985000" cy="2298700"/>
           </a:xfrm>
           <a:prstGeom prst="rect">
             <a:avLst/>
@@ -9578,7 +8256,7 @@
     </p:spTree>
     <p:extLst>
       <p:ext uri="{BB962C8B-B14F-4D97-AF65-F5344CB8AC3E}">
-        <p14:creationId xmlns:p14="http://schemas.microsoft.com/office/powerpoint/2010/main" val="1488493014"/>
+        <p14:creationId xmlns:p14="http://schemas.microsoft.com/office/powerpoint/2010/main" val="3580121085"/>
       </p:ext>
     </p:extLst>
   </p:cSld>
@@ -14408,7 +13086,7 @@
         </p:blipFill>
         <p:spPr>
           <a:xfrm>
-            <a:off x="1055714" y="2487874"/>
+            <a:off x="1106599" y="1597160"/>
             <a:ext cx="6997700" cy="1117600"/>
           </a:xfrm>
           <a:prstGeom prst="rect">
@@ -14438,7 +13116,7 @@
         </p:blipFill>
         <p:spPr>
           <a:xfrm>
-            <a:off x="1055714" y="3693150"/>
+            <a:off x="1106599" y="2865420"/>
             <a:ext cx="6997700" cy="622300"/>
           </a:xfrm>
           <a:prstGeom prst="rect">
@@ -14468,7 +13146,7 @@
         </p:blipFill>
         <p:spPr>
           <a:xfrm>
-            <a:off x="5531572" y="3918057"/>
+            <a:off x="1106599" y="3638380"/>
             <a:ext cx="6159685" cy="2461626"/>
           </a:xfrm>
           <a:prstGeom prst="rect">
@@ -14959,7 +13637,7 @@
         </p:blipFill>
         <p:spPr>
           <a:xfrm>
-            <a:off x="1055714" y="2313158"/>
+            <a:off x="1106599" y="1831656"/>
             <a:ext cx="6985000" cy="1257300"/>
           </a:xfrm>
           <a:prstGeom prst="rect">
@@ -14989,7 +13667,7 @@
         </p:blipFill>
         <p:spPr>
           <a:xfrm>
-            <a:off x="1055714" y="3570458"/>
+            <a:off x="1106599" y="3160695"/>
             <a:ext cx="6985000" cy="2730500"/>
           </a:xfrm>
           <a:prstGeom prst="rect">

--- a/tsibble and fable.pptx
+++ b/tsibble and fable.pptx
@@ -212,7 +212,7 @@
           <a:p>
             <a:fld id="{5901746C-36BA-C544-B4A0-7C164F748B1D}" type="datetimeFigureOut">
               <a:rPr lang="en-GB" smtClean="0"/>
-              <a:t>15/11/2022</a:t>
+              <a:t>16/11/2022</a:t>
             </a:fld>
             <a:endParaRPr lang="en-GB"/>
           </a:p>
@@ -5462,12 +5462,25 @@
         </p:blipFill>
         <p:spPr>
           <a:xfrm>
-            <a:off x="8961406" y="178904"/>
-            <a:ext cx="3048000" cy="1714500"/>
+            <a:off x="9495539" y="178904"/>
+            <a:ext cx="1979734" cy="1714500"/>
           </a:xfrm>
-          <a:prstGeom prst="rect">
-            <a:avLst/>
+          <a:prstGeom prst="hexagon">
+            <a:avLst>
+              <a:gd name="adj" fmla="val 29000"/>
+              <a:gd name="vf" fmla="val 115470"/>
+            </a:avLst>
           </a:prstGeom>
+          <a:ln>
+            <a:noFill/>
+          </a:ln>
+          <a:effectLst>
+            <a:outerShdw blurRad="190500" algn="tl" rotWithShape="0">
+              <a:srgbClr val="000000">
+                <a:alpha val="30000"/>
+              </a:srgbClr>
+            </a:outerShdw>
+          </a:effectLst>
         </p:spPr>
       </p:pic>
     </p:spTree>
@@ -6113,12 +6126,25 @@
         </p:blipFill>
         <p:spPr>
           <a:xfrm>
-            <a:off x="8961406" y="178904"/>
-            <a:ext cx="3048000" cy="1714500"/>
+            <a:off x="9495539" y="178904"/>
+            <a:ext cx="1979734" cy="1714500"/>
           </a:xfrm>
-          <a:prstGeom prst="rect">
-            <a:avLst/>
+          <a:prstGeom prst="hexagon">
+            <a:avLst>
+              <a:gd name="adj" fmla="val 29000"/>
+              <a:gd name="vf" fmla="val 115470"/>
+            </a:avLst>
           </a:prstGeom>
+          <a:ln>
+            <a:noFill/>
+          </a:ln>
+          <a:effectLst>
+            <a:outerShdw blurRad="190500" algn="tl" rotWithShape="0">
+              <a:srgbClr val="000000">
+                <a:alpha val="30000"/>
+              </a:srgbClr>
+            </a:outerShdw>
+          </a:effectLst>
         </p:spPr>
       </p:pic>
     </p:spTree>
@@ -6644,12 +6670,25 @@
         </p:blipFill>
         <p:spPr>
           <a:xfrm>
-            <a:off x="8961406" y="178904"/>
-            <a:ext cx="3048000" cy="1714500"/>
+            <a:off x="9495539" y="178904"/>
+            <a:ext cx="1979734" cy="1714500"/>
           </a:xfrm>
-          <a:prstGeom prst="rect">
-            <a:avLst/>
+          <a:prstGeom prst="hexagon">
+            <a:avLst>
+              <a:gd name="adj" fmla="val 29000"/>
+              <a:gd name="vf" fmla="val 115470"/>
+            </a:avLst>
           </a:prstGeom>
+          <a:ln>
+            <a:noFill/>
+          </a:ln>
+          <a:effectLst>
+            <a:outerShdw blurRad="190500" algn="tl" rotWithShape="0">
+              <a:srgbClr val="000000">
+                <a:alpha val="30000"/>
+              </a:srgbClr>
+            </a:outerShdw>
+          </a:effectLst>
         </p:spPr>
       </p:pic>
     </p:spTree>
@@ -7113,12 +7152,25 @@
         </p:blipFill>
         <p:spPr>
           <a:xfrm>
-            <a:off x="8961406" y="178904"/>
-            <a:ext cx="3048000" cy="1714500"/>
+            <a:off x="9495539" y="178904"/>
+            <a:ext cx="1979734" cy="1714500"/>
           </a:xfrm>
-          <a:prstGeom prst="rect">
-            <a:avLst/>
+          <a:prstGeom prst="hexagon">
+            <a:avLst>
+              <a:gd name="adj" fmla="val 29000"/>
+              <a:gd name="vf" fmla="val 115470"/>
+            </a:avLst>
           </a:prstGeom>
+          <a:ln>
+            <a:noFill/>
+          </a:ln>
+          <a:effectLst>
+            <a:outerShdw blurRad="190500" algn="tl" rotWithShape="0">
+              <a:srgbClr val="000000">
+                <a:alpha val="30000"/>
+              </a:srgbClr>
+            </a:outerShdw>
+          </a:effectLst>
         </p:spPr>
       </p:pic>
       <p:pic>
@@ -7664,12 +7716,25 @@
         </p:blipFill>
         <p:spPr>
           <a:xfrm>
-            <a:off x="8961406" y="178904"/>
-            <a:ext cx="3048000" cy="1714500"/>
+            <a:off x="9495539" y="178904"/>
+            <a:ext cx="1979734" cy="1714500"/>
           </a:xfrm>
-          <a:prstGeom prst="rect">
-            <a:avLst/>
+          <a:prstGeom prst="hexagon">
+            <a:avLst>
+              <a:gd name="adj" fmla="val 29000"/>
+              <a:gd name="vf" fmla="val 115470"/>
+            </a:avLst>
           </a:prstGeom>
+          <a:ln>
+            <a:noFill/>
+          </a:ln>
+          <a:effectLst>
+            <a:outerShdw blurRad="190500" algn="tl" rotWithShape="0">
+              <a:srgbClr val="000000">
+                <a:alpha val="30000"/>
+              </a:srgbClr>
+            </a:outerShdw>
+          </a:effectLst>
         </p:spPr>
       </p:pic>
       <p:pic>
@@ -8185,12 +8250,25 @@
         </p:blipFill>
         <p:spPr>
           <a:xfrm>
-            <a:off x="8961406" y="178904"/>
-            <a:ext cx="3048000" cy="1714500"/>
+            <a:off x="9495539" y="178904"/>
+            <a:ext cx="1979734" cy="1714500"/>
           </a:xfrm>
-          <a:prstGeom prst="rect">
-            <a:avLst/>
+          <a:prstGeom prst="hexagon">
+            <a:avLst>
+              <a:gd name="adj" fmla="val 29000"/>
+              <a:gd name="vf" fmla="val 115470"/>
+            </a:avLst>
           </a:prstGeom>
+          <a:ln>
+            <a:noFill/>
+          </a:ln>
+          <a:effectLst>
+            <a:outerShdw blurRad="190500" algn="tl" rotWithShape="0">
+              <a:srgbClr val="000000">
+                <a:alpha val="30000"/>
+              </a:srgbClr>
+            </a:outerShdw>
+          </a:effectLst>
         </p:spPr>
       </p:pic>
       <p:pic>
@@ -8429,12 +8507,25 @@
         </p:blipFill>
         <p:spPr>
           <a:xfrm>
-            <a:off x="8961406" y="178904"/>
-            <a:ext cx="3048000" cy="1714500"/>
+            <a:off x="9495539" y="178904"/>
+            <a:ext cx="1979734" cy="1714500"/>
           </a:xfrm>
-          <a:prstGeom prst="rect">
-            <a:avLst/>
+          <a:prstGeom prst="hexagon">
+            <a:avLst>
+              <a:gd name="adj" fmla="val 29000"/>
+              <a:gd name="vf" fmla="val 115470"/>
+            </a:avLst>
           </a:prstGeom>
+          <a:ln>
+            <a:noFill/>
+          </a:ln>
+          <a:effectLst>
+            <a:outerShdw blurRad="190500" algn="tl" rotWithShape="0">
+              <a:srgbClr val="000000">
+                <a:alpha val="30000"/>
+              </a:srgbClr>
+            </a:outerShdw>
+          </a:effectLst>
         </p:spPr>
       </p:pic>
     </p:spTree>
@@ -9045,12 +9136,25 @@
         </p:blipFill>
         <p:spPr>
           <a:xfrm>
-            <a:off x="8961406" y="178904"/>
-            <a:ext cx="3048000" cy="1714500"/>
+            <a:off x="9495539" y="178904"/>
+            <a:ext cx="1979734" cy="1714500"/>
           </a:xfrm>
-          <a:prstGeom prst="rect">
-            <a:avLst/>
+          <a:prstGeom prst="hexagon">
+            <a:avLst>
+              <a:gd name="adj" fmla="val 29000"/>
+              <a:gd name="vf" fmla="val 115470"/>
+            </a:avLst>
           </a:prstGeom>
+          <a:ln>
+            <a:noFill/>
+          </a:ln>
+          <a:effectLst>
+            <a:outerShdw blurRad="190500" algn="tl" rotWithShape="0">
+              <a:srgbClr val="000000">
+                <a:alpha val="30000"/>
+              </a:srgbClr>
+            </a:outerShdw>
+          </a:effectLst>
         </p:spPr>
       </p:pic>
       <p:grpSp>
@@ -10038,12 +10142,25 @@
         </p:blipFill>
         <p:spPr>
           <a:xfrm>
-            <a:off x="8961406" y="178904"/>
-            <a:ext cx="3048000" cy="1714500"/>
+            <a:off x="9495539" y="178904"/>
+            <a:ext cx="1979734" cy="1714500"/>
           </a:xfrm>
-          <a:prstGeom prst="rect">
-            <a:avLst/>
+          <a:prstGeom prst="hexagon">
+            <a:avLst>
+              <a:gd name="adj" fmla="val 29000"/>
+              <a:gd name="vf" fmla="val 115470"/>
+            </a:avLst>
           </a:prstGeom>
+          <a:ln>
+            <a:noFill/>
+          </a:ln>
+          <a:effectLst>
+            <a:outerShdw blurRad="190500" algn="tl" rotWithShape="0">
+              <a:srgbClr val="000000">
+                <a:alpha val="30000"/>
+              </a:srgbClr>
+            </a:outerShdw>
+          </a:effectLst>
         </p:spPr>
       </p:pic>
       <p:sp>
@@ -11462,12 +11579,25 @@
         </p:blipFill>
         <p:spPr>
           <a:xfrm>
-            <a:off x="8961406" y="178904"/>
-            <a:ext cx="3048000" cy="1714500"/>
+            <a:off x="9495539" y="178904"/>
+            <a:ext cx="1979734" cy="1714500"/>
           </a:xfrm>
-          <a:prstGeom prst="rect">
-            <a:avLst/>
+          <a:prstGeom prst="hexagon">
+            <a:avLst>
+              <a:gd name="adj" fmla="val 29000"/>
+              <a:gd name="vf" fmla="val 115470"/>
+            </a:avLst>
           </a:prstGeom>
+          <a:ln>
+            <a:noFill/>
+          </a:ln>
+          <a:effectLst>
+            <a:outerShdw blurRad="190500" algn="tl" rotWithShape="0">
+              <a:srgbClr val="000000">
+                <a:alpha val="30000"/>
+              </a:srgbClr>
+            </a:outerShdw>
+          </a:effectLst>
         </p:spPr>
       </p:pic>
     </p:spTree>
@@ -12104,12 +12234,25 @@
         </p:blipFill>
         <p:spPr>
           <a:xfrm>
-            <a:off x="8961406" y="178904"/>
-            <a:ext cx="3048000" cy="1714500"/>
+            <a:off x="9495539" y="178904"/>
+            <a:ext cx="1979734" cy="1714500"/>
           </a:xfrm>
-          <a:prstGeom prst="rect">
-            <a:avLst/>
+          <a:prstGeom prst="hexagon">
+            <a:avLst>
+              <a:gd name="adj" fmla="val 29000"/>
+              <a:gd name="vf" fmla="val 115470"/>
+            </a:avLst>
           </a:prstGeom>
+          <a:ln>
+            <a:noFill/>
+          </a:ln>
+          <a:effectLst>
+            <a:outerShdw blurRad="190500" algn="tl" rotWithShape="0">
+              <a:srgbClr val="000000">
+                <a:alpha val="30000"/>
+              </a:srgbClr>
+            </a:outerShdw>
+          </a:effectLst>
         </p:spPr>
       </p:pic>
     </p:spTree>
@@ -12565,12 +12708,25 @@
         </p:blipFill>
         <p:spPr>
           <a:xfrm>
-            <a:off x="8961406" y="178904"/>
-            <a:ext cx="3048000" cy="1714500"/>
+            <a:off x="9495539" y="178904"/>
+            <a:ext cx="1979734" cy="1714500"/>
           </a:xfrm>
-          <a:prstGeom prst="rect">
-            <a:avLst/>
+          <a:prstGeom prst="hexagon">
+            <a:avLst>
+              <a:gd name="adj" fmla="val 29000"/>
+              <a:gd name="vf" fmla="val 115470"/>
+            </a:avLst>
           </a:prstGeom>
+          <a:ln>
+            <a:noFill/>
+          </a:ln>
+          <a:effectLst>
+            <a:outerShdw blurRad="190500" algn="tl" rotWithShape="0">
+              <a:srgbClr val="000000">
+                <a:alpha val="30000"/>
+              </a:srgbClr>
+            </a:outerShdw>
+          </a:effectLst>
         </p:spPr>
       </p:pic>
       <p:pic>
@@ -13056,12 +13212,25 @@
         </p:blipFill>
         <p:spPr>
           <a:xfrm>
-            <a:off x="8961406" y="178904"/>
-            <a:ext cx="3048000" cy="1714500"/>
+            <a:off x="9495539" y="178904"/>
+            <a:ext cx="1979734" cy="1714500"/>
           </a:xfrm>
-          <a:prstGeom prst="rect">
-            <a:avLst/>
+          <a:prstGeom prst="hexagon">
+            <a:avLst>
+              <a:gd name="adj" fmla="val 29000"/>
+              <a:gd name="vf" fmla="val 115470"/>
+            </a:avLst>
           </a:prstGeom>
+          <a:ln>
+            <a:noFill/>
+          </a:ln>
+          <a:effectLst>
+            <a:outerShdw blurRad="190500" algn="tl" rotWithShape="0">
+              <a:srgbClr val="000000">
+                <a:alpha val="30000"/>
+              </a:srgbClr>
+            </a:outerShdw>
+          </a:effectLst>
         </p:spPr>
       </p:pic>
       <p:pic>
@@ -13607,12 +13776,25 @@
         </p:blipFill>
         <p:spPr>
           <a:xfrm>
-            <a:off x="8961406" y="178904"/>
-            <a:ext cx="3048000" cy="1714500"/>
+            <a:off x="9495539" y="178904"/>
+            <a:ext cx="1979734" cy="1714500"/>
           </a:xfrm>
-          <a:prstGeom prst="rect">
-            <a:avLst/>
+          <a:prstGeom prst="hexagon">
+            <a:avLst>
+              <a:gd name="adj" fmla="val 29000"/>
+              <a:gd name="vf" fmla="val 115470"/>
+            </a:avLst>
           </a:prstGeom>
+          <a:ln>
+            <a:noFill/>
+          </a:ln>
+          <a:effectLst>
+            <a:outerShdw blurRad="190500" algn="tl" rotWithShape="0">
+              <a:srgbClr val="000000">
+                <a:alpha val="30000"/>
+              </a:srgbClr>
+            </a:outerShdw>
+          </a:effectLst>
         </p:spPr>
       </p:pic>
       <p:pic>
@@ -14172,12 +14354,25 @@
         </p:blipFill>
         <p:spPr>
           <a:xfrm>
-            <a:off x="8961406" y="178904"/>
-            <a:ext cx="3048000" cy="1714500"/>
+            <a:off x="9495539" y="178904"/>
+            <a:ext cx="1979734" cy="1714500"/>
           </a:xfrm>
-          <a:prstGeom prst="rect">
-            <a:avLst/>
+          <a:prstGeom prst="hexagon">
+            <a:avLst>
+              <a:gd name="adj" fmla="val 29000"/>
+              <a:gd name="vf" fmla="val 115470"/>
+            </a:avLst>
           </a:prstGeom>
+          <a:ln>
+            <a:noFill/>
+          </a:ln>
+          <a:effectLst>
+            <a:outerShdw blurRad="190500" algn="tl" rotWithShape="0">
+              <a:srgbClr val="000000">
+                <a:alpha val="30000"/>
+              </a:srgbClr>
+            </a:outerShdw>
+          </a:effectLst>
         </p:spPr>
       </p:pic>
     </p:spTree>

--- a/tsibble and fable.pptx
+++ b/tsibble and fable.pptx
@@ -5,7 +5,7 @@
     <p:sldMasterId id="2147483648" r:id="rId1"/>
   </p:sldMasterIdLst>
   <p:notesMasterIdLst>
-    <p:notesMasterId r:id="rId18"/>
+    <p:notesMasterId r:id="rId19"/>
   </p:notesMasterIdLst>
   <p:sldIdLst>
     <p:sldId id="256" r:id="rId2"/>
@@ -22,8 +22,9 @@
     <p:sldId id="271" r:id="rId13"/>
     <p:sldId id="274" r:id="rId14"/>
     <p:sldId id="283" r:id="rId15"/>
-    <p:sldId id="262" r:id="rId16"/>
-    <p:sldId id="273" r:id="rId17"/>
+    <p:sldId id="284" r:id="rId16"/>
+    <p:sldId id="262" r:id="rId17"/>
+    <p:sldId id="273" r:id="rId18"/>
   </p:sldIdLst>
   <p:sldSz cx="12192000" cy="6858000"/>
   <p:notesSz cx="6858000" cy="9144000"/>
@@ -1007,6 +1008,90 @@
 </p:notes>
 </file>
 
+<file path=ppt/notesSlides/notesSlide14.xml><?xml version="1.0" encoding="utf-8"?>
+<p:notes xmlns:a="http://schemas.openxmlformats.org/drawingml/2006/main" xmlns:r="http://schemas.openxmlformats.org/officeDocument/2006/relationships" xmlns:p="http://schemas.openxmlformats.org/presentationml/2006/main">
+  <p:cSld>
+    <p:spTree>
+      <p:nvGrpSpPr>
+        <p:cNvPr id="1" name=""/>
+        <p:cNvGrpSpPr/>
+        <p:nvPr/>
+      </p:nvGrpSpPr>
+      <p:grpSpPr>
+        <a:xfrm>
+          <a:off x="0" y="0"/>
+          <a:ext cx="0" cy="0"/>
+          <a:chOff x="0" y="0"/>
+          <a:chExt cx="0" cy="0"/>
+        </a:xfrm>
+      </p:grpSpPr>
+      <p:sp>
+        <p:nvSpPr>
+          <p:cNvPr id="2" name="Folienbildplatzhalter 1"/>
+          <p:cNvSpPr>
+            <a:spLocks noGrp="1" noRot="1" noChangeAspect="1"/>
+          </p:cNvSpPr>
+          <p:nvPr>
+            <p:ph type="sldImg"/>
+          </p:nvPr>
+        </p:nvSpPr>
+        <p:spPr/>
+      </p:sp>
+      <p:sp>
+        <p:nvSpPr>
+          <p:cNvPr id="3" name="Notizenplatzhalter 2"/>
+          <p:cNvSpPr>
+            <a:spLocks noGrp="1"/>
+          </p:cNvSpPr>
+          <p:nvPr>
+            <p:ph type="body" idx="1"/>
+          </p:nvPr>
+        </p:nvSpPr>
+        <p:spPr/>
+        <p:txBody>
+          <a:bodyPr/>
+          <a:lstStyle/>
+          <a:p>
+            <a:endParaRPr lang="en-GB" noProof="0" dirty="0"/>
+          </a:p>
+        </p:txBody>
+      </p:sp>
+      <p:sp>
+        <p:nvSpPr>
+          <p:cNvPr id="4" name="Foliennummernplatzhalter 3"/>
+          <p:cNvSpPr>
+            <a:spLocks noGrp="1"/>
+          </p:cNvSpPr>
+          <p:nvPr>
+            <p:ph type="sldNum" sz="quarter" idx="5"/>
+          </p:nvPr>
+        </p:nvSpPr>
+        <p:spPr/>
+        <p:txBody>
+          <a:bodyPr/>
+          <a:lstStyle/>
+          <a:p>
+            <a:fld id="{809EEC96-AFE4-AB4C-9F77-BF8C435C8FB7}" type="slidenum">
+              <a:rPr lang="en-GB" smtClean="0"/>
+              <a:t>15</a:t>
+            </a:fld>
+            <a:endParaRPr lang="en-GB"/>
+          </a:p>
+        </p:txBody>
+      </p:sp>
+    </p:spTree>
+    <p:extLst>
+      <p:ext uri="{BB962C8B-B14F-4D97-AF65-F5344CB8AC3E}">
+        <p14:creationId xmlns:p14="http://schemas.microsoft.com/office/powerpoint/2010/main" val="3300464981"/>
+      </p:ext>
+    </p:extLst>
+  </p:cSld>
+  <p:clrMapOvr>
+    <a:masterClrMapping/>
+  </p:clrMapOvr>
+</p:notes>
+</file>
+
 <file path=ppt/notesSlides/notesSlide2.xml><?xml version="1.0" encoding="utf-8"?>
 <p:notes xmlns:a="http://schemas.openxmlformats.org/drawingml/2006/main" xmlns:r="http://schemas.openxmlformats.org/officeDocument/2006/relationships" xmlns:p="http://schemas.openxmlformats.org/presentationml/2006/main">
   <p:cSld>
@@ -1051,7 +1136,10 @@
           <a:bodyPr/>
           <a:lstStyle/>
           <a:p>
-            <a:endParaRPr lang="en-GB" dirty="0"/>
+            <a:r>
+              <a:rPr lang="en-GB" dirty="0"/>
+              <a:t>In this Workshop we are introducing you to a workflow to wrangle and forecast time series data.</a:t>
+            </a:r>
           </a:p>
         </p:txBody>
       </p:sp>
@@ -1135,6 +1223,173 @@
           <a:bodyPr/>
           <a:lstStyle/>
           <a:p>
+            <a:r>
+              <a:rPr lang="en-GB" dirty="0"/>
+              <a:t>When we are looking at a graph, plotting temporal data like the one on the right, we can describe time series by analysing </a:t>
+            </a:r>
+            <a:r>
+              <a:rPr lang="en-GB" b="1" dirty="0"/>
+              <a:t>trends</a:t>
+            </a:r>
+            <a:r>
+              <a:rPr lang="en-GB" dirty="0"/>
+              <a:t>, </a:t>
+            </a:r>
+            <a:r>
+              <a:rPr lang="en-GB" b="1" dirty="0"/>
+              <a:t>seasonality</a:t>
+            </a:r>
+            <a:r>
+              <a:rPr lang="en-GB" dirty="0"/>
+              <a:t> and </a:t>
+            </a:r>
+            <a:r>
+              <a:rPr lang="en-GB" b="1" dirty="0"/>
+              <a:t>cycles</a:t>
+            </a:r>
+          </a:p>
+          <a:p>
+            <a:endParaRPr lang="en-GB" b="1" dirty="0"/>
+          </a:p>
+          <a:p>
+            <a:pPr marL="0" marR="0" lvl="0" indent="0" algn="l" defTabSz="914400" rtl="0" eaLnBrk="1" fontAlgn="auto" latinLnBrk="0" hangingPunct="1">
+              <a:lnSpc>
+                <a:spcPct val="100000"/>
+              </a:lnSpc>
+              <a:spcBef>
+                <a:spcPts val="0"/>
+              </a:spcBef>
+              <a:spcAft>
+                <a:spcPts val="0"/>
+              </a:spcAft>
+              <a:buClrTx/>
+              <a:buSzTx/>
+              <a:buFontTx/>
+              <a:buNone/>
+              <a:tabLst/>
+              <a:defRPr/>
+            </a:pPr>
+            <a:r>
+              <a:rPr lang="en-GB" b="0" dirty="0"/>
+              <a:t>Trends describe </a:t>
+            </a:r>
+            <a:r>
+              <a:rPr lang="en-GB" sz="1200" b="0" dirty="0"/>
+              <a:t>l</a:t>
+            </a:r>
+            <a:r>
+              <a:rPr lang="en-GB" sz="1200" dirty="0"/>
+              <a:t>ong-term overall increase or decrease in the Data, which do not have to be linear</a:t>
+            </a:r>
+          </a:p>
+          <a:p>
+            <a:pPr marL="0" marR="0" lvl="0" indent="0" algn="l" defTabSz="914400" rtl="0" eaLnBrk="1" fontAlgn="auto" latinLnBrk="0" hangingPunct="1">
+              <a:lnSpc>
+                <a:spcPct val="100000"/>
+              </a:lnSpc>
+              <a:spcBef>
+                <a:spcPts val="0"/>
+              </a:spcBef>
+              <a:spcAft>
+                <a:spcPts val="0"/>
+              </a:spcAft>
+              <a:buClrTx/>
+              <a:buSzTx/>
+              <a:buFontTx/>
+              <a:buNone/>
+              <a:tabLst/>
+              <a:defRPr/>
+            </a:pPr>
+            <a:endParaRPr lang="en-GB" sz="1200" dirty="0"/>
+          </a:p>
+          <a:p>
+            <a:pPr marL="0" marR="0" lvl="0" indent="0" algn="l" defTabSz="914400" rtl="0" eaLnBrk="1" fontAlgn="auto" latinLnBrk="0" hangingPunct="1">
+              <a:lnSpc>
+                <a:spcPct val="100000"/>
+              </a:lnSpc>
+              <a:spcBef>
+                <a:spcPts val="0"/>
+              </a:spcBef>
+              <a:spcAft>
+                <a:spcPts val="0"/>
+              </a:spcAft>
+              <a:buClrTx/>
+              <a:buSzTx/>
+              <a:buFontTx/>
+              <a:buNone/>
+              <a:tabLst/>
+              <a:defRPr/>
+            </a:pPr>
+            <a:r>
+              <a:rPr lang="en-GB" sz="1200" dirty="0"/>
+              <a:t>Seasonal effects are reoccurring increases or decreases within fixed and known time periods, such as Holidays or climatic seasons.</a:t>
+            </a:r>
+          </a:p>
+          <a:p>
+            <a:pPr marL="0" marR="0" lvl="0" indent="0" algn="l" defTabSz="914400" rtl="0" eaLnBrk="1" fontAlgn="auto" latinLnBrk="0" hangingPunct="1">
+              <a:lnSpc>
+                <a:spcPct val="100000"/>
+              </a:lnSpc>
+              <a:spcBef>
+                <a:spcPts val="0"/>
+              </a:spcBef>
+              <a:spcAft>
+                <a:spcPts val="0"/>
+              </a:spcAft>
+              <a:buClrTx/>
+              <a:buSzTx/>
+              <a:buFontTx/>
+              <a:buNone/>
+              <a:tabLst/>
+              <a:defRPr/>
+            </a:pPr>
+            <a:endParaRPr lang="en-GB" b="0" dirty="0"/>
+          </a:p>
+          <a:p>
+            <a:pPr marL="0" marR="0" lvl="0" indent="0" algn="l" defTabSz="914400" rtl="0" eaLnBrk="1" fontAlgn="auto" latinLnBrk="0" hangingPunct="1">
+              <a:lnSpc>
+                <a:spcPct val="100000"/>
+              </a:lnSpc>
+              <a:spcBef>
+                <a:spcPts val="0"/>
+              </a:spcBef>
+              <a:spcAft>
+                <a:spcPts val="0"/>
+              </a:spcAft>
+              <a:buClrTx/>
+              <a:buSzTx/>
+              <a:buFontTx/>
+              <a:buNone/>
+              <a:tabLst/>
+              <a:defRPr/>
+            </a:pPr>
+            <a:r>
+              <a:rPr lang="en-GB" sz="1200" b="1" dirty="0"/>
+              <a:t>Cyclic</a:t>
+            </a:r>
+            <a:r>
+              <a:rPr lang="en-GB" sz="1200" b="0" dirty="0"/>
+              <a:t> effects are similar effects to seasonality however they are not bound to known frequencies or periods. Examples here would include economic crisis or business cycles</a:t>
+            </a:r>
+            <a:endParaRPr lang="en-GB" b="0" dirty="0"/>
+          </a:p>
+          <a:p>
+            <a:endParaRPr lang="en-GB" dirty="0"/>
+          </a:p>
+          <a:p>
+            <a:r>
+              <a:rPr lang="en-GB" dirty="0"/>
+              <a:t>All over all time series can be thought of as a list of measurements, along some information about at what times those numbers were recorded and therefore creating an index.</a:t>
+            </a:r>
+          </a:p>
+          <a:p>
+            <a:endParaRPr lang="en-GB" dirty="0"/>
+          </a:p>
+          <a:p>
+            <a:r>
+              <a:rPr lang="en-GB" dirty="0"/>
+              <a:t>We will now learn how to store this information within R as a tsibble and what we can do with those.</a:t>
+            </a:r>
             <a:endParaRPr lang="en-GB" noProof="0" dirty="0"/>
           </a:p>
         </p:txBody>
@@ -1220,23 +1475,6 @@
           <a:lstStyle/>
           <a:p>
             <a:r>
-              <a:rPr lang="en-GB" dirty="0"/>
-              <a:t>A time series can be thought of as a list of numbers (the measurements), along with some information about what times those numbers were recorded (the index).</a:t>
-            </a:r>
-          </a:p>
-          <a:p>
-            <a:r>
-              <a:rPr lang="en-GB" dirty="0"/>
-              <a:t>This information can be stored as a tsibble object in R.</a:t>
-            </a:r>
-          </a:p>
-          <a:p>
-            <a:endParaRPr lang="en-GB" dirty="0">
-              <a:effectLst/>
-            </a:endParaRPr>
-          </a:p>
-          <a:p>
-            <a:r>
               <a:rPr lang="en-GB" dirty="0">
                 <a:effectLst/>
               </a:rPr>
@@ -1277,6 +1515,15 @@
                 <a:effectLst/>
               </a:rPr>
               <a:t>.</a:t>
+            </a:r>
+          </a:p>
+          <a:p>
+            <a:endParaRPr lang="en-GB" noProof="0" dirty="0"/>
+          </a:p>
+          <a:p>
+            <a:r>
+              <a:rPr lang="en-GB" noProof="0" dirty="0"/>
+              <a:t>Within tsibble the Index and Key are used to uniquely identify each observation, keeping with the idea of the general tidy workflow. </a:t>
             </a:r>
           </a:p>
           <a:p>
@@ -5493,6 +5740,14 @@
   <p:clrMapOvr>
     <a:masterClrMapping/>
   </p:clrMapOvr>
+  <mc:AlternateContent xmlns:mc="http://schemas.openxmlformats.org/markup-compatibility/2006">
+    <mc:Choice xmlns:p14="http://schemas.microsoft.com/office/powerpoint/2010/main" Requires="p14">
+      <p:transition spd="slow" p14:dur="2000" advTm="11000"/>
+    </mc:Choice>
+    <mc:Fallback>
+      <p:transition spd="slow" advTm="11000"/>
+    </mc:Fallback>
+  </mc:AlternateContent>
 </p:sld>
 </file>
 
@@ -8347,6 +8602,14 @@
 <file path=ppt/slides/slide15.xml><?xml version="1.0" encoding="utf-8"?>
 <p:sld xmlns:a="http://schemas.openxmlformats.org/drawingml/2006/main" xmlns:r="http://schemas.openxmlformats.org/officeDocument/2006/relationships" xmlns:p="http://schemas.openxmlformats.org/presentationml/2006/main">
   <p:cSld>
+    <p:bg>
+      <p:bgPr>
+        <a:solidFill>
+          <a:schemeClr val="bg1"/>
+        </a:solidFill>
+        <a:effectLst/>
+      </p:bgPr>
+    </p:bg>
     <p:spTree>
       <p:nvGrpSpPr>
         <p:cNvPr id="1" name=""/>
@@ -8361,6 +8624,487 @@
           <a:chExt cx="0" cy="0"/>
         </a:xfrm>
       </p:grpSpPr>
+      <p:sp useBgFill="1">
+        <p:nvSpPr>
+          <p:cNvPr id="34" name="Rectangle 8">
+            <a:extLst>
+              <a:ext uri="{FF2B5EF4-FFF2-40B4-BE49-F238E27FC236}">
+                <a16:creationId xmlns:a16="http://schemas.microsoft.com/office/drawing/2014/main" id="{058A14AF-9FB5-4CC7-BA35-E8E85D3EDF0E}"/>
+              </a:ext>
+              <a:ext uri="{C183D7F6-B498-43B3-948B-1728B52AA6E4}">
+                <adec:decorative xmlns:adec="http://schemas.microsoft.com/office/drawing/2017/decorative" val="1"/>
+              </a:ext>
+            </a:extLst>
+          </p:cNvPr>
+          <p:cNvSpPr>
+            <a:spLocks noGrp="1" noRot="1" noChangeAspect="1" noMove="1" noResize="1" noEditPoints="1" noAdjustHandles="1" noChangeArrowheads="1" noChangeShapeType="1" noTextEdit="1"/>
+          </p:cNvSpPr>
+          <p:nvPr>
+            <p:extLst>
+              <p:ext uri="{386F3935-93C4-4BCD-93E2-E3B085C9AB24}">
+                <p16:designElem xmlns:p16="http://schemas.microsoft.com/office/powerpoint/2015/main" val="1"/>
+              </p:ext>
+            </p:extLst>
+          </p:nvPr>
+        </p:nvSpPr>
+        <p:spPr>
+          <a:xfrm>
+            <a:off x="0" y="0"/>
+            <a:ext cx="12191999" cy="6857365"/>
+          </a:xfrm>
+          <a:prstGeom prst="rect">
+            <a:avLst/>
+          </a:prstGeom>
+          <a:ln>
+            <a:noFill/>
+          </a:ln>
+        </p:spPr>
+        <p:style>
+          <a:lnRef idx="2">
+            <a:schemeClr val="accent1">
+              <a:shade val="50000"/>
+            </a:schemeClr>
+          </a:lnRef>
+          <a:fillRef idx="1">
+            <a:schemeClr val="accent1"/>
+          </a:fillRef>
+          <a:effectRef idx="0">
+            <a:schemeClr val="accent1"/>
+          </a:effectRef>
+          <a:fontRef idx="minor">
+            <a:schemeClr val="lt1"/>
+          </a:fontRef>
+        </p:style>
+        <p:txBody>
+          <a:bodyPr rtlCol="0" anchor="ctr"/>
+          <a:lstStyle/>
+          <a:p>
+            <a:pPr algn="ctr"/>
+            <a:endParaRPr lang="en-US"/>
+          </a:p>
+        </p:txBody>
+      </p:sp>
+      <p:sp>
+        <p:nvSpPr>
+          <p:cNvPr id="2" name="Titel 1">
+            <a:extLst>
+              <a:ext uri="{FF2B5EF4-FFF2-40B4-BE49-F238E27FC236}">
+                <a16:creationId xmlns:a16="http://schemas.microsoft.com/office/drawing/2014/main" id="{1739333B-3773-EC66-130B-F17B3BCDA058}"/>
+              </a:ext>
+            </a:extLst>
+          </p:cNvPr>
+          <p:cNvSpPr>
+            <a:spLocks noGrp="1"/>
+          </p:cNvSpPr>
+          <p:nvPr>
+            <p:ph type="title"/>
+          </p:nvPr>
+        </p:nvSpPr>
+        <p:spPr>
+          <a:xfrm>
+            <a:off x="793662" y="386930"/>
+            <a:ext cx="10066122" cy="1298448"/>
+          </a:xfrm>
+        </p:spPr>
+        <p:txBody>
+          <a:bodyPr anchor="b">
+            <a:normAutofit/>
+          </a:bodyPr>
+          <a:lstStyle/>
+          <a:p>
+            <a:r>
+              <a:rPr lang="en-GB" sz="4800" dirty="0"/>
+              <a:t>What have we learned today?</a:t>
+            </a:r>
+          </a:p>
+        </p:txBody>
+      </p:sp>
+      <p:sp>
+        <p:nvSpPr>
+          <p:cNvPr id="11" name="Rectangle 10">
+            <a:extLst>
+              <a:ext uri="{FF2B5EF4-FFF2-40B4-BE49-F238E27FC236}">
+                <a16:creationId xmlns:a16="http://schemas.microsoft.com/office/drawing/2014/main" id="{3A9A4357-BD1D-4622-A4FE-766E6AB8DE84}"/>
+              </a:ext>
+              <a:ext uri="{C183D7F6-B498-43B3-948B-1728B52AA6E4}">
+                <adec:decorative xmlns:adec="http://schemas.microsoft.com/office/drawing/2017/decorative" val="1"/>
+              </a:ext>
+            </a:extLst>
+          </p:cNvPr>
+          <p:cNvSpPr>
+            <a:spLocks noGrp="1" noRot="1" noChangeAspect="1" noMove="1" noResize="1" noEditPoints="1" noAdjustHandles="1" noChangeArrowheads="1" noChangeShapeType="1" noTextEdit="1"/>
+          </p:cNvSpPr>
+          <p:nvPr>
+            <p:extLst>
+              <p:ext uri="{386F3935-93C4-4BCD-93E2-E3B085C9AB24}">
+                <p16:designElem xmlns:p16="http://schemas.microsoft.com/office/powerpoint/2015/main" val="1"/>
+              </p:ext>
+            </p:extLst>
+          </p:nvPr>
+        </p:nvSpPr>
+        <p:spPr>
+          <a:xfrm flipH="1" flipV="1">
+            <a:off x="-2" y="1998845"/>
+            <a:ext cx="11454595" cy="781699"/>
+          </a:xfrm>
+          <a:prstGeom prst="rect">
+            <a:avLst/>
+          </a:prstGeom>
+          <a:solidFill>
+            <a:schemeClr val="accent4"/>
+          </a:solidFill>
+          <a:ln>
+            <a:noFill/>
+          </a:ln>
+        </p:spPr>
+        <p:style>
+          <a:lnRef idx="2">
+            <a:schemeClr val="accent1">
+              <a:shade val="50000"/>
+            </a:schemeClr>
+          </a:lnRef>
+          <a:fillRef idx="1">
+            <a:schemeClr val="accent1"/>
+          </a:fillRef>
+          <a:effectRef idx="0">
+            <a:schemeClr val="accent1"/>
+          </a:effectRef>
+          <a:fontRef idx="minor">
+            <a:schemeClr val="lt1"/>
+          </a:fontRef>
+        </p:style>
+        <p:txBody>
+          <a:bodyPr rtlCol="0" anchor="ctr"/>
+          <a:lstStyle/>
+          <a:p>
+            <a:pPr algn="ctr"/>
+            <a:endParaRPr lang="en-US"/>
+          </a:p>
+        </p:txBody>
+      </p:sp>
+      <p:sp>
+        <p:nvSpPr>
+          <p:cNvPr id="13" name="Rectangle 12">
+            <a:extLst>
+              <a:ext uri="{FF2B5EF4-FFF2-40B4-BE49-F238E27FC236}">
+                <a16:creationId xmlns:a16="http://schemas.microsoft.com/office/drawing/2014/main" id="{E659831F-0D9A-4C63-9EBB-8435B85A440F}"/>
+              </a:ext>
+              <a:ext uri="{C183D7F6-B498-43B3-948B-1728B52AA6E4}">
+                <adec:decorative xmlns:adec="http://schemas.microsoft.com/office/drawing/2017/decorative" val="1"/>
+              </a:ext>
+            </a:extLst>
+          </p:cNvPr>
+          <p:cNvSpPr>
+            <a:spLocks noGrp="1" noRot="1" noChangeAspect="1" noMove="1" noResize="1" noEditPoints="1" noAdjustHandles="1" noChangeArrowheads="1" noChangeShapeType="1" noTextEdit="1"/>
+          </p:cNvSpPr>
+          <p:nvPr>
+            <p:extLst>
+              <p:ext uri="{386F3935-93C4-4BCD-93E2-E3B085C9AB24}">
+                <p16:designElem xmlns:p16="http://schemas.microsoft.com/office/powerpoint/2015/main" val="1"/>
+              </p:ext>
+            </p:extLst>
+          </p:nvPr>
+        </p:nvSpPr>
+        <p:spPr>
+          <a:xfrm>
+            <a:off x="0" y="2203079"/>
+            <a:ext cx="11383362" cy="4267991"/>
+          </a:xfrm>
+          <a:prstGeom prst="rect">
+            <a:avLst/>
+          </a:prstGeom>
+          <a:solidFill>
+            <a:schemeClr val="bg1"/>
+          </a:solidFill>
+          <a:ln>
+            <a:noFill/>
+          </a:ln>
+          <a:effectLst>
+            <a:outerShdw blurRad="139700" dist="127000" dir="5400000" algn="t" rotWithShape="0">
+              <a:prstClr val="black">
+                <a:alpha val="15000"/>
+              </a:prstClr>
+            </a:outerShdw>
+          </a:effectLst>
+        </p:spPr>
+        <p:style>
+          <a:lnRef idx="2">
+            <a:schemeClr val="accent1">
+              <a:shade val="50000"/>
+            </a:schemeClr>
+          </a:lnRef>
+          <a:fillRef idx="1">
+            <a:schemeClr val="accent1"/>
+          </a:fillRef>
+          <a:effectRef idx="0">
+            <a:schemeClr val="accent1"/>
+          </a:effectRef>
+          <a:fontRef idx="minor">
+            <a:schemeClr val="lt1"/>
+          </a:fontRef>
+        </p:style>
+        <p:txBody>
+          <a:bodyPr rtlCol="0" anchor="ctr"/>
+          <a:lstStyle/>
+          <a:p>
+            <a:pPr algn="ctr"/>
+            <a:endParaRPr lang="en-US"/>
+          </a:p>
+        </p:txBody>
+      </p:sp>
+      <p:sp>
+        <p:nvSpPr>
+          <p:cNvPr id="3" name="Inhaltsplatzhalter 2">
+            <a:extLst>
+              <a:ext uri="{FF2B5EF4-FFF2-40B4-BE49-F238E27FC236}">
+                <a16:creationId xmlns:a16="http://schemas.microsoft.com/office/drawing/2014/main" id="{824EFEFD-9F7B-6A02-77BA-FBAB00920466}"/>
+              </a:ext>
+            </a:extLst>
+          </p:cNvPr>
+          <p:cNvSpPr>
+            <a:spLocks noGrp="1"/>
+          </p:cNvSpPr>
+          <p:nvPr>
+            <p:ph idx="1"/>
+          </p:nvPr>
+        </p:nvSpPr>
+        <p:spPr>
+          <a:xfrm>
+            <a:off x="793661" y="2599509"/>
+            <a:ext cx="9849356" cy="3639450"/>
+          </a:xfrm>
+        </p:spPr>
+        <p:txBody>
+          <a:bodyPr anchor="ctr">
+            <a:normAutofit/>
+          </a:bodyPr>
+          <a:lstStyle/>
+          <a:p>
+            <a:r>
+              <a:rPr lang="en-GB" sz="2000" dirty="0">
+                <a:latin typeface="Inconsolatazi4"/>
+                <a:sym typeface="Wingdings" pitchFamily="2" charset="2"/>
+              </a:rPr>
+              <a:t>Time series can be described by Trends, Seasonality, and Cycles.</a:t>
+            </a:r>
+          </a:p>
+          <a:p>
+            <a:r>
+              <a:rPr lang="en-GB" sz="2000" dirty="0">
+                <a:latin typeface="Inconsolatazi4"/>
+                <a:sym typeface="Wingdings" pitchFamily="2" charset="2"/>
+              </a:rPr>
+              <a:t>The tsibble package provides a data class to represent tidy temporal data.</a:t>
+            </a:r>
+          </a:p>
+          <a:p>
+            <a:r>
+              <a:rPr lang="en-GB" sz="2000" dirty="0">
+                <a:latin typeface="Inconsolatazi4"/>
+                <a:sym typeface="Wingdings" pitchFamily="2" charset="2"/>
+              </a:rPr>
+              <a:t>A tsibble consists of a time index, key, and other measured variables in a data-centric format.</a:t>
+            </a:r>
+          </a:p>
+          <a:p>
+            <a:r>
+              <a:rPr lang="en-GB" sz="2000" dirty="0">
+                <a:latin typeface="Inconsolatazi4"/>
+                <a:sym typeface="Wingdings" pitchFamily="2" charset="2"/>
+              </a:rPr>
+              <a:t>Further packages are building upon tsibble to further analyse and visualise temporal data.</a:t>
+            </a:r>
+          </a:p>
+          <a:p>
+            <a:r>
+              <a:rPr lang="en-GB" sz="2000" dirty="0">
+                <a:latin typeface="Inconsolatazi4"/>
+                <a:sym typeface="Wingdings" pitchFamily="2" charset="2"/>
+              </a:rPr>
+              <a:t>Fable helps forecasting for time series data in a table format.</a:t>
+            </a:r>
+          </a:p>
+          <a:p>
+            <a:r>
+              <a:rPr lang="en-GB" sz="2000" dirty="0">
+                <a:latin typeface="Inconsolatazi4"/>
+                <a:sym typeface="Wingdings" pitchFamily="2" charset="2"/>
+              </a:rPr>
+              <a:t>Keeping with the </a:t>
+            </a:r>
+            <a:r>
+              <a:rPr lang="en-GB" sz="2000" dirty="0" err="1">
+                <a:latin typeface="Inconsolatazi4"/>
+                <a:sym typeface="Wingdings" pitchFamily="2" charset="2"/>
+              </a:rPr>
+              <a:t>tidyverse</a:t>
+            </a:r>
+            <a:r>
+              <a:rPr lang="en-GB" sz="2000" dirty="0">
+                <a:latin typeface="Inconsolatazi4"/>
+                <a:sym typeface="Wingdings" pitchFamily="2" charset="2"/>
+              </a:rPr>
+              <a:t> models in fable define the response variable on the left hand side and model specific functions on the right hand side.</a:t>
+            </a:r>
+          </a:p>
+          <a:p>
+            <a:r>
+              <a:rPr lang="en-GB" sz="2000" dirty="0">
+                <a:latin typeface="Inconsolatazi4"/>
+                <a:sym typeface="Wingdings" pitchFamily="2" charset="2"/>
+              </a:rPr>
+              <a:t>Fable can be used to produce forecasts and asses how well different models perform.</a:t>
+            </a:r>
+          </a:p>
+        </p:txBody>
+      </p:sp>
+      <p:sp>
+        <p:nvSpPr>
+          <p:cNvPr id="15" name="Rectangle 14">
+            <a:extLst>
+              <a:ext uri="{FF2B5EF4-FFF2-40B4-BE49-F238E27FC236}">
+                <a16:creationId xmlns:a16="http://schemas.microsoft.com/office/drawing/2014/main" id="{E6995CE5-F890-4ABA-82A2-26507CE8D2A3}"/>
+              </a:ext>
+              <a:ext uri="{C183D7F6-B498-43B3-948B-1728B52AA6E4}">
+                <adec:decorative xmlns:adec="http://schemas.microsoft.com/office/drawing/2017/decorative" val="1"/>
+              </a:ext>
+            </a:extLst>
+          </p:cNvPr>
+          <p:cNvSpPr>
+            <a:spLocks noGrp="1" noRot="1" noChangeAspect="1" noMove="1" noResize="1" noEditPoints="1" noAdjustHandles="1" noChangeArrowheads="1" noChangeShapeType="1" noTextEdit="1"/>
+          </p:cNvSpPr>
+          <p:nvPr>
+            <p:extLst>
+              <p:ext uri="{386F3935-93C4-4BCD-93E2-E3B085C9AB24}">
+                <p16:designElem xmlns:p16="http://schemas.microsoft.com/office/powerpoint/2015/main" val="1"/>
+              </p:ext>
+            </p:extLst>
+          </p:nvPr>
+        </p:nvSpPr>
+        <p:spPr>
+          <a:xfrm rot="5400000">
+            <a:off x="11228040" y="2313027"/>
+            <a:ext cx="781700" cy="152382"/>
+          </a:xfrm>
+          <a:prstGeom prst="rect">
+            <a:avLst/>
+          </a:prstGeom>
+          <a:solidFill>
+            <a:schemeClr val="accent4"/>
+          </a:solidFill>
+          <a:ln>
+            <a:noFill/>
+          </a:ln>
+        </p:spPr>
+        <p:style>
+          <a:lnRef idx="2">
+            <a:schemeClr val="accent1">
+              <a:shade val="50000"/>
+            </a:schemeClr>
+          </a:lnRef>
+          <a:fillRef idx="1">
+            <a:schemeClr val="accent1"/>
+          </a:fillRef>
+          <a:effectRef idx="0">
+            <a:schemeClr val="accent1"/>
+          </a:effectRef>
+          <a:fontRef idx="minor">
+            <a:schemeClr val="lt1"/>
+          </a:fontRef>
+        </p:style>
+        <p:txBody>
+          <a:bodyPr rtlCol="0" anchor="ctr"/>
+          <a:lstStyle/>
+          <a:p>
+            <a:pPr algn="ctr"/>
+            <a:endParaRPr lang="en-US"/>
+          </a:p>
+        </p:txBody>
+      </p:sp>
+      <p:pic>
+        <p:nvPicPr>
+          <p:cNvPr id="5" name="Kamera 4">
+            <a:extLst>
+              <a:ext uri="{FF2B5EF4-FFF2-40B4-BE49-F238E27FC236}">
+                <a16:creationId xmlns:a16="http://schemas.microsoft.com/office/drawing/2014/main" id="{5D0757A2-9332-4E73-0AC6-225A3AB7AFEB}"/>
+              </a:ext>
+            </a:extLst>
+          </p:cNvPr>
+          <p:cNvPicPr>
+            <a:picLocks noChangeAspect="1"/>
+            <a:extLst>
+              <a:ext uri="{51228E76-BA90-4043-B771-695A4F85340A}">
+                <alf:liveFeedProps xmlns:alf="http://schemas.microsoft.com/office/drawing/2021/livefeed"/>
+              </a:ext>
+            </a:extLst>
+          </p:cNvPicPr>
+          <p:nvPr/>
+        </p:nvPicPr>
+        <p:blipFill>
+          <a:blip r:embed="rId3">
+            <a:extLst>
+              <a:ext uri="{96DAC541-7B7A-43D3-8B79-37D633B846F1}">
+                <asvg:svgBlip xmlns:asvg="http://schemas.microsoft.com/office/drawing/2016/SVG/main" r:embed="rId4"/>
+              </a:ext>
+            </a:extLst>
+          </a:blip>
+          <a:stretch>
+            <a:fillRect/>
+          </a:stretch>
+        </p:blipFill>
+        <p:spPr>
+          <a:xfrm>
+            <a:off x="9495539" y="178904"/>
+            <a:ext cx="1979734" cy="1714500"/>
+          </a:xfrm>
+          <a:prstGeom prst="hexagon">
+            <a:avLst>
+              <a:gd name="adj" fmla="val 29000"/>
+              <a:gd name="vf" fmla="val 115470"/>
+            </a:avLst>
+          </a:prstGeom>
+          <a:ln>
+            <a:noFill/>
+          </a:ln>
+          <a:effectLst>
+            <a:outerShdw blurRad="190500" algn="tl" rotWithShape="0">
+              <a:srgbClr val="000000">
+                <a:alpha val="30000"/>
+              </a:srgbClr>
+            </a:outerShdw>
+          </a:effectLst>
+        </p:spPr>
+      </p:pic>
+    </p:spTree>
+    <p:extLst>
+      <p:ext uri="{BB962C8B-B14F-4D97-AF65-F5344CB8AC3E}">
+        <p14:creationId xmlns:p14="http://schemas.microsoft.com/office/powerpoint/2010/main" val="55333767"/>
+      </p:ext>
+    </p:extLst>
+  </p:cSld>
+  <p:clrMapOvr>
+    <a:masterClrMapping/>
+  </p:clrMapOvr>
+</p:sld>
+</file>
+
+<file path=ppt/slides/slide16.xml><?xml version="1.0" encoding="utf-8"?>
+<p:sld xmlns:a="http://schemas.openxmlformats.org/drawingml/2006/main" xmlns:r="http://schemas.openxmlformats.org/officeDocument/2006/relationships" xmlns:p="http://schemas.openxmlformats.org/presentationml/2006/main">
+  <p:cSld>
+    <p:spTree>
+      <p:nvGrpSpPr>
+        <p:cNvPr id="1" name=""/>
+        <p:cNvGrpSpPr/>
+        <p:nvPr/>
+      </p:nvGrpSpPr>
+      <p:grpSpPr>
+        <a:xfrm>
+          <a:off x="0" y="0"/>
+          <a:ext cx="0" cy="0"/>
+          <a:chOff x="0" y="0"/>
+          <a:chExt cx="0" cy="0"/>
+        </a:xfrm>
+      </p:grpSpPr>
       <p:sp>
         <p:nvSpPr>
           <p:cNvPr id="2" name="Titel 1">
@@ -8405,70 +9149,160 @@
             <p:ph idx="1"/>
           </p:nvPr>
         </p:nvSpPr>
-        <p:spPr/>
-        <p:txBody>
-          <a:bodyPr/>
+        <p:spPr>
+          <a:xfrm>
+            <a:off x="838200" y="1690688"/>
+            <a:ext cx="10515600" cy="4761389"/>
+          </a:xfrm>
+        </p:spPr>
+        <p:txBody>
+          <a:bodyPr>
+            <a:noAutofit/>
+          </a:bodyPr>
           <a:lstStyle/>
           <a:p>
             <a:r>
-              <a:rPr lang="en-GB" dirty="0"/>
-              <a:t>https://tsibble.tidyverts.org</a:t>
-            </a:r>
-          </a:p>
-          <a:p>
-            <a:r>
-              <a:rPr lang="en-GB" dirty="0"/>
-              <a:t>https://fable.tidyverts.org</a:t>
-            </a:r>
-          </a:p>
-          <a:p>
-            <a:r>
-              <a:rPr lang="en-GB" dirty="0"/>
-              <a:t>http://cran.nexr.com/web/packages/tsibble/vignettes/intro-tsibble.html</a:t>
-            </a:r>
-          </a:p>
-          <a:p>
-            <a:r>
-              <a:rPr lang="en-GB" dirty="0"/>
-              <a:t>https://cran.r-project.org/web/packages/tsibble/tsibble.pdf</a:t>
-            </a:r>
-          </a:p>
-          <a:p>
-            <a:r>
-              <a:rPr lang="en-GB" dirty="0"/>
-              <a:t>https://</a:t>
-            </a:r>
-            <a:r>
-              <a:rPr lang="en-GB" dirty="0" err="1"/>
+              <a:rPr lang="en-GB" sz="2000" dirty="0" err="1"/>
+              <a:t>Tidyverse</a:t>
+            </a:r>
+            <a:r>
+              <a:rPr lang="en-GB" sz="2000" dirty="0"/>
+              <a:t> Webpage for tsibble: https://</a:t>
+            </a:r>
+            <a:r>
+              <a:rPr lang="en-GB" sz="2000" dirty="0" err="1"/>
+              <a:t>tsibble.tidyverts.org</a:t>
+            </a:r>
+            <a:endParaRPr lang="en-GB" sz="2000" dirty="0"/>
+          </a:p>
+          <a:p>
+            <a:r>
+              <a:rPr lang="en-GB" sz="2000" dirty="0" err="1"/>
+              <a:t>Tidyverse</a:t>
+            </a:r>
+            <a:r>
+              <a:rPr lang="en-GB" sz="2000" dirty="0"/>
+              <a:t> Webpage for fable: https://fable.tidyverts.org</a:t>
+            </a:r>
+          </a:p>
+          <a:p>
+            <a:r>
+              <a:rPr lang="en-GB" sz="2000" dirty="0" err="1"/>
+              <a:t>Cran</a:t>
+            </a:r>
+            <a:r>
+              <a:rPr lang="en-GB" sz="2000" dirty="0"/>
+              <a:t> Webpage by the tsibble creator:</a:t>
+            </a:r>
+          </a:p>
+          <a:p>
+            <a:pPr marL="0" indent="0">
+              <a:buNone/>
+            </a:pPr>
+            <a:r>
+              <a:rPr lang="en-GB" sz="2000" dirty="0"/>
+              <a:t> 	http://cran.nexr.com/web/packages/tsibble/vignettes/intro-tsibble.html</a:t>
+            </a:r>
+          </a:p>
+          <a:p>
+            <a:r>
+              <a:rPr lang="en-GB" sz="2000" dirty="0" err="1"/>
+              <a:t>Cran</a:t>
+            </a:r>
+            <a:r>
+              <a:rPr lang="en-GB" sz="2000" dirty="0"/>
+              <a:t> package description for tsibble:</a:t>
+            </a:r>
+          </a:p>
+          <a:p>
+            <a:pPr marL="0" indent="0">
+              <a:buNone/>
+            </a:pPr>
+            <a:r>
+              <a:rPr lang="en-GB" sz="2000" dirty="0"/>
+              <a:t>	https://</a:t>
+            </a:r>
+            <a:r>
+              <a:rPr lang="en-GB" sz="2000" dirty="0" err="1"/>
               <a:t>cran.r-project.org</a:t>
             </a:r>
             <a:r>
-              <a:rPr lang="en-GB" dirty="0"/>
+              <a:rPr lang="en-GB" sz="2000" dirty="0"/>
+              <a:t>/web/packages/tsibble/</a:t>
+            </a:r>
+            <a:r>
+              <a:rPr lang="en-GB" sz="2000" dirty="0" err="1"/>
+              <a:t>tsibble.pdf</a:t>
+            </a:r>
+            <a:endParaRPr lang="en-GB" sz="2000" dirty="0"/>
+          </a:p>
+          <a:p>
+            <a:r>
+              <a:rPr lang="en-GB" sz="2000" dirty="0" err="1"/>
+              <a:t>Cran</a:t>
+            </a:r>
+            <a:r>
+              <a:rPr lang="en-GB" sz="2000" dirty="0"/>
+              <a:t> package description for fable:</a:t>
+            </a:r>
+          </a:p>
+          <a:p>
+            <a:pPr marL="0" indent="0">
+              <a:buNone/>
+            </a:pPr>
+            <a:r>
+              <a:rPr lang="en-GB" sz="2000" dirty="0"/>
+              <a:t>	https://</a:t>
+            </a:r>
+            <a:r>
+              <a:rPr lang="en-GB" sz="2000" dirty="0" err="1"/>
+              <a:t>cran.r-project.org</a:t>
+            </a:r>
+            <a:r>
+              <a:rPr lang="en-GB" sz="2000" dirty="0"/>
               <a:t>/web/packages/fable/</a:t>
             </a:r>
             <a:r>
-              <a:rPr lang="en-GB" dirty="0" err="1"/>
+              <a:rPr lang="en-GB" sz="2000" dirty="0" err="1"/>
               <a:t>fable.pdf</a:t>
             </a:r>
-            <a:endParaRPr lang="en-GB" dirty="0"/>
-          </a:p>
-          <a:p>
-            <a:r>
-              <a:rPr lang="en-GB" dirty="0"/>
-              <a:t>https://www.mitchelloharawild.com/blog/fable/</a:t>
-            </a:r>
-          </a:p>
-          <a:p>
-            <a:r>
-              <a:rPr lang="en-GB" dirty="0"/>
-              <a:t>https://</a:t>
-            </a:r>
-            <a:r>
-              <a:rPr lang="en-GB" dirty="0" err="1"/>
+            <a:endParaRPr lang="en-GB" sz="2000" dirty="0"/>
+          </a:p>
+          <a:p>
+            <a:r>
+              <a:rPr lang="en-GB" sz="2000" dirty="0"/>
+              <a:t>Introduction to fable by package creator:</a:t>
+            </a:r>
+          </a:p>
+          <a:p>
+            <a:pPr marL="0" indent="0">
+              <a:buNone/>
+            </a:pPr>
+            <a:r>
+              <a:rPr lang="en-GB" sz="2000" dirty="0"/>
+              <a:t>	https://www.mitchelloharawild.com/blog/fable/</a:t>
+            </a:r>
+          </a:p>
+          <a:p>
+            <a:r>
+              <a:rPr lang="en-GB" sz="2000" dirty="0"/>
+              <a:t>Book by Rob J Hyndman on forecasting principles:</a:t>
+            </a:r>
+          </a:p>
+          <a:p>
+            <a:pPr marL="0" indent="0">
+              <a:buNone/>
+            </a:pPr>
+            <a:r>
+              <a:rPr lang="en-GB" sz="2000" dirty="0"/>
+              <a:t>	https://</a:t>
+            </a:r>
+            <a:r>
+              <a:rPr lang="en-GB" sz="2000" dirty="0" err="1"/>
               <a:t>otexts.com</a:t>
             </a:r>
             <a:r>
-              <a:rPr lang="en-GB" dirty="0"/>
+              <a:rPr lang="en-GB" sz="2000" dirty="0"/>
               <a:t>/fpp3/</a:t>
             </a:r>
           </a:p>
@@ -8541,7 +9375,7 @@
 </p:sld>
 </file>
 
-<file path=ppt/slides/slide16.xml><?xml version="1.0" encoding="utf-8"?>
+<file path=ppt/slides/slide17.xml><?xml version="1.0" encoding="utf-8"?>
 <p:sld xmlns:a="http://schemas.openxmlformats.org/drawingml/2006/main" xmlns:r="http://schemas.openxmlformats.org/officeDocument/2006/relationships" xmlns:p="http://schemas.openxmlformats.org/presentationml/2006/main">
   <p:cSld>
     <p:spTree>
@@ -8876,7 +9710,7 @@
         </p:spPr>
         <p:txBody>
           <a:bodyPr vert="horz" lIns="91440" tIns="45720" rIns="91440" bIns="45720" rtlCol="0">
-            <a:normAutofit/>
+            <a:normAutofit lnSpcReduction="10000"/>
           </a:bodyPr>
           <a:lstStyle/>
           <a:p>
@@ -8981,7 +9815,23 @@
                   <a:schemeClr val="bg1"/>
                 </a:solidFill>
               </a:rPr>
-              <a:t>forecasting with tables for time series data</a:t>
+              <a:t>forecasting for time series </a:t>
+            </a:r>
+            <a:r>
+              <a:rPr lang="en-US" sz="2000" dirty="0" err="1">
+                <a:solidFill>
+                  <a:schemeClr val="bg1"/>
+                </a:solidFill>
+              </a:rPr>
+              <a:t>datain</a:t>
+            </a:r>
+            <a:r>
+              <a:rPr lang="en-US" sz="2000" dirty="0">
+                <a:solidFill>
+                  <a:schemeClr val="bg1"/>
+                </a:solidFill>
+              </a:rPr>
+              <a:t> a table format </a:t>
             </a:r>
           </a:p>
           <a:p>
@@ -9790,6 +10640,14 @@
   <p:clrMapOvr>
     <a:masterClrMapping/>
   </p:clrMapOvr>
+  <mc:AlternateContent xmlns:mc="http://schemas.openxmlformats.org/markup-compatibility/2006">
+    <mc:Choice xmlns:p14="http://schemas.microsoft.com/office/powerpoint/2010/main" Requires="p14">
+      <p:transition spd="slow" p14:dur="2000" advTm="7633"/>
+    </mc:Choice>
+    <mc:Fallback>
+      <p:transition spd="slow" advTm="7633"/>
+    </mc:Fallback>
+  </mc:AlternateContent>
 </p:sld>
 </file>
 
@@ -10364,7 +11222,7 @@
             <a:pPr lvl="1"/>
             <a:r>
               <a:rPr lang="en-GB" sz="2000" dirty="0"/>
-              <a:t>Long-term overall Increase or decrease in the Data</a:t>
+              <a:t>Long-term overall increase or decrease in the Data</a:t>
             </a:r>
           </a:p>
           <a:p>
@@ -10456,6 +11314,14 @@
   <p:clrMapOvr>
     <a:masterClrMapping/>
   </p:clrMapOvr>
+  <mc:AlternateContent xmlns:mc="http://schemas.openxmlformats.org/markup-compatibility/2006">
+    <mc:Choice xmlns:p14="http://schemas.microsoft.com/office/powerpoint/2010/main" Requires="p14">
+      <p:transition spd="slow" p14:dur="2000" advTm="4966"/>
+    </mc:Choice>
+    <mc:Fallback>
+      <p:transition spd="slow" advTm="4966"/>
+    </mc:Fallback>
+  </mc:AlternateContent>
 </p:sld>
 </file>
 
@@ -11610,6 +12476,14 @@
   <p:clrMapOvr>
     <a:masterClrMapping/>
   </p:clrMapOvr>
+  <mc:AlternateContent xmlns:mc="http://schemas.openxmlformats.org/markup-compatibility/2006">
+    <mc:Choice xmlns:p14="http://schemas.microsoft.com/office/powerpoint/2010/main" Requires="p14">
+      <p:transition spd="slow" p14:dur="2000" advTm="1933"/>
+    </mc:Choice>
+    <mc:Fallback>
+      <p:transition spd="slow" advTm="1933"/>
+    </mc:Fallback>
+  </mc:AlternateContent>
 </p:sld>
 </file>
 

--- a/tsibble and fable.pptx
+++ b/tsibble and fable.pptx
@@ -525,7 +525,10 @@
           <a:bodyPr/>
           <a:lstStyle/>
           <a:p>
-            <a:endParaRPr lang="en-GB" dirty="0"/>
+            <a:r>
+              <a:rPr lang="en-GB" dirty="0"/>
+              <a:t>Welcome to this short workshop about temporal data with tsibble </a:t>
+            </a:r>
           </a:p>
         </p:txBody>
       </p:sp>

--- a/tsibble and fable.pptx
+++ b/tsibble and fable.pptx
@@ -527,7 +527,13 @@
           <a:p>
             <a:r>
               <a:rPr lang="en-GB" dirty="0"/>
-              <a:t>Welcome to this short workshop about temporal data with tsibble </a:t>
+              <a:t>Welcome to this short workshop.</a:t>
+            </a:r>
+          </a:p>
+          <a:p>
+            <a:r>
+              <a:rPr lang="en-GB" dirty="0"/>
+              <a:t>My name is Justus v. Samson and together with Oskar craft we will introduce you to temporal data with tsibble.</a:t>
             </a:r>
           </a:p>
         </p:txBody>
@@ -1141,7 +1147,7 @@
           <a:p>
             <a:r>
               <a:rPr lang="en-GB" dirty="0"/>
-              <a:t>In this Workshop we are introducing you to a workflow to wrangle and forecast time series data.</a:t>
+              <a:t>In order to do so </a:t>
             </a:r>
           </a:p>
         </p:txBody>

--- a/tsibble and fable.pptx
+++ b/tsibble and fable.pptx
@@ -5,7 +5,7 @@
     <p:sldMasterId id="2147483648" r:id="rId1"/>
   </p:sldMasterIdLst>
   <p:notesMasterIdLst>
-    <p:notesMasterId r:id="rId19"/>
+    <p:notesMasterId r:id="rId22"/>
   </p:notesMasterIdLst>
   <p:sldIdLst>
     <p:sldId id="256" r:id="rId2"/>
@@ -17,14 +17,17 @@
     <p:sldId id="281" r:id="rId8"/>
     <p:sldId id="282" r:id="rId9"/>
     <p:sldId id="263" r:id="rId10"/>
-    <p:sldId id="279" r:id="rId11"/>
-    <p:sldId id="280" r:id="rId12"/>
-    <p:sldId id="271" r:id="rId13"/>
-    <p:sldId id="274" r:id="rId14"/>
-    <p:sldId id="283" r:id="rId15"/>
-    <p:sldId id="284" r:id="rId16"/>
-    <p:sldId id="262" r:id="rId17"/>
-    <p:sldId id="273" r:id="rId18"/>
+    <p:sldId id="290" r:id="rId11"/>
+    <p:sldId id="289" r:id="rId12"/>
+    <p:sldId id="287" r:id="rId13"/>
+    <p:sldId id="279" r:id="rId14"/>
+    <p:sldId id="280" r:id="rId15"/>
+    <p:sldId id="271" r:id="rId16"/>
+    <p:sldId id="274" r:id="rId17"/>
+    <p:sldId id="283" r:id="rId18"/>
+    <p:sldId id="284" r:id="rId19"/>
+    <p:sldId id="262" r:id="rId20"/>
+    <p:sldId id="273" r:id="rId21"/>
   </p:sldIdLst>
   <p:sldSz cx="12192000" cy="6858000"/>
   <p:notesSz cx="6858000" cy="9144000"/>
@@ -372,7 +375,7 @@
           <a:p>
             <a:fld id="{809EEC96-AFE4-AB4C-9F77-BF8C435C8FB7}" type="slidenum">
               <a:rPr lang="en-GB" smtClean="0"/>
-              <a:t>‹Nr.›</a:t>
+              <a:t>‹#›</a:t>
             </a:fld>
             <a:endParaRPr lang="en-GB"/>
           </a:p>
@@ -618,7 +621,10 @@
           <a:bodyPr/>
           <a:lstStyle/>
           <a:p>
-            <a:endParaRPr lang="en-GB" noProof="0" dirty="0"/>
+            <a:r>
+              <a:rPr lang="en-GB" noProof="0" dirty="0"/>
+              <a:t>Before Jumping into fable, we should clarify what we mean by forecasting in data science! </a:t>
+            </a:r>
           </a:p>
         </p:txBody>
       </p:sp>
@@ -639,7 +645,7 @@
           <a:p>
             <a:fld id="{809EEC96-AFE4-AB4C-9F77-BF8C435C8FB7}" type="slidenum">
               <a:rPr lang="en-GB" smtClean="0"/>
-              <a:t>11</a:t>
+              <a:t>10</a:t>
             </a:fld>
             <a:endParaRPr lang="en-GB"/>
           </a:p>
@@ -648,7 +654,7 @@
     </p:spTree>
     <p:extLst>
       <p:ext uri="{BB962C8B-B14F-4D97-AF65-F5344CB8AC3E}">
-        <p14:creationId xmlns:p14="http://schemas.microsoft.com/office/powerpoint/2010/main" val="2230137575"/>
+        <p14:creationId xmlns:p14="http://schemas.microsoft.com/office/powerpoint/2010/main" val="3087525768"/>
       </p:ext>
     </p:extLst>
   </p:cSld>
@@ -702,96 +708,316 @@
           <a:bodyPr/>
           <a:lstStyle/>
           <a:p>
-            <a:r>
-              <a:rPr lang="en-GB" dirty="0"/>
-              <a:t>.</a:t>
-            </a:r>
-          </a:p>
-          <a:p>
-            <a:r>
-              <a:rPr lang="en-GB" sz="2000" dirty="0"/>
-              <a:t>Models in fable are specified using model </a:t>
-            </a:r>
-            <a:r>
-              <a:rPr lang="en-GB" sz="2000" b="1" dirty="0"/>
-              <a:t>functions</a:t>
-            </a:r>
-          </a:p>
-          <a:p>
-            <a:pPr marL="457200" lvl="1" indent="0">
+            <a:pPr marL="0" marR="0" lvl="0" indent="0" algn="l" defTabSz="914400" rtl="0" eaLnBrk="1" fontAlgn="auto" latinLnBrk="0" hangingPunct="1">
+              <a:lnSpc>
+                <a:spcPct val="100000"/>
+              </a:lnSpc>
+              <a:spcBef>
+                <a:spcPts val="0"/>
+              </a:spcBef>
+              <a:spcAft>
+                <a:spcPts val="0"/>
+              </a:spcAft>
+              <a:buClrTx/>
+              <a:buSzTx/>
+              <a:buFontTx/>
+              <a:buNone/>
+              <a:tabLst/>
+              <a:defRPr/>
+            </a:pPr>
+            <a:r>
+              <a:rPr lang="en-GB" sz="1200" dirty="0">
+                <a:latin typeface="Inconsolatazi4"/>
+                <a:sym typeface="Wingdings" pitchFamily="2" charset="2"/>
+              </a:rPr>
+              <a:t>Forecasting is about predicting as accurately as possible given all information available that might impact the future.</a:t>
+            </a:r>
+          </a:p>
+          <a:p>
+            <a:pPr marL="0" marR="0" lvl="0" indent="0" algn="l" defTabSz="914400" rtl="0" eaLnBrk="1" fontAlgn="auto" latinLnBrk="0" hangingPunct="1">
+              <a:lnSpc>
+                <a:spcPct val="100000"/>
+              </a:lnSpc>
+              <a:spcBef>
+                <a:spcPts val="0"/>
+              </a:spcBef>
+              <a:spcAft>
+                <a:spcPts val="0"/>
+              </a:spcAft>
+              <a:buClrTx/>
+              <a:buSzTx/>
+              <a:buFontTx/>
+              <a:buNone/>
+              <a:tabLst/>
+              <a:defRPr/>
+            </a:pPr>
+            <a:endParaRPr lang="en-GB" sz="1200" dirty="0">
+              <a:latin typeface="Inconsolatazi4"/>
+              <a:sym typeface="Wingdings" pitchFamily="2" charset="2"/>
+            </a:endParaRPr>
+          </a:p>
+          <a:p>
+            <a:pPr marL="0" marR="0" lvl="0" indent="0" algn="l" defTabSz="914400" rtl="0" eaLnBrk="1" fontAlgn="auto" latinLnBrk="0" hangingPunct="1">
+              <a:lnSpc>
+                <a:spcPct val="100000"/>
+              </a:lnSpc>
+              <a:spcBef>
+                <a:spcPts val="0"/>
+              </a:spcBef>
+              <a:spcAft>
+                <a:spcPts val="0"/>
+              </a:spcAft>
+              <a:buClrTx/>
+              <a:buSzTx/>
+              <a:buFontTx/>
+              <a:buNone/>
+              <a:tabLst/>
+              <a:defRPr/>
+            </a:pPr>
+            <a:r>
+              <a:rPr lang="en-GB" sz="1200" dirty="0">
+                <a:latin typeface="Inconsolatazi4"/>
+                <a:sym typeface="Wingdings" pitchFamily="2" charset="2"/>
+              </a:rPr>
+              <a:t>What differentiates bad forecasts from good ones?</a:t>
+            </a:r>
+          </a:p>
+          <a:p>
+            <a:pPr marL="0" marR="0" lvl="0" indent="0" algn="l" defTabSz="914400" rtl="0" eaLnBrk="1" fontAlgn="auto" latinLnBrk="0" hangingPunct="1">
+              <a:lnSpc>
+                <a:spcPct val="100000"/>
+              </a:lnSpc>
+              <a:spcBef>
+                <a:spcPts val="0"/>
+              </a:spcBef>
+              <a:spcAft>
+                <a:spcPts val="0"/>
+              </a:spcAft>
+              <a:buClrTx/>
+              <a:buSzTx/>
+              <a:buFontTx/>
+              <a:buNone/>
+              <a:tabLst/>
+              <a:defRPr/>
+            </a:pPr>
+            <a:endParaRPr lang="en-GB" sz="1200" dirty="0">
+              <a:latin typeface="Inconsolatazi4"/>
+              <a:sym typeface="Wingdings" pitchFamily="2" charset="2"/>
+            </a:endParaRPr>
+          </a:p>
+          <a:p>
+            <a:pPr marL="0" marR="0" lvl="0" indent="0" algn="l" defTabSz="914400" rtl="0" eaLnBrk="1" fontAlgn="auto" latinLnBrk="0" hangingPunct="1">
+              <a:lnSpc>
+                <a:spcPct val="100000"/>
+              </a:lnSpc>
+              <a:spcBef>
+                <a:spcPts val="0"/>
+              </a:spcBef>
+              <a:spcAft>
+                <a:spcPts val="0"/>
+              </a:spcAft>
+              <a:buClrTx/>
+              <a:buSzTx/>
+              <a:buFontTx/>
+              <a:buNone/>
+              <a:tabLst/>
+              <a:defRPr/>
+            </a:pPr>
+            <a:r>
+              <a:rPr lang="en-GB" sz="1200" dirty="0">
+                <a:latin typeface="Inconsolatazi4"/>
+                <a:sym typeface="Wingdings" pitchFamily="2" charset="2"/>
+              </a:rPr>
+              <a:t>Here you can see four criteria.</a:t>
+            </a:r>
+          </a:p>
+          <a:p>
+            <a:pPr marL="0" marR="0" lvl="0" indent="0" algn="l" defTabSz="914400" rtl="0" eaLnBrk="1" fontAlgn="auto" latinLnBrk="0" hangingPunct="1">
+              <a:lnSpc>
+                <a:spcPct val="100000"/>
+              </a:lnSpc>
+              <a:spcBef>
+                <a:spcPts val="0"/>
+              </a:spcBef>
+              <a:spcAft>
+                <a:spcPts val="0"/>
+              </a:spcAft>
+              <a:buClrTx/>
+              <a:buSzTx/>
+              <a:buFontTx/>
+              <a:buNone/>
+              <a:tabLst/>
+              <a:defRPr/>
+            </a:pPr>
+            <a:endParaRPr lang="en-GB" sz="1200" dirty="0">
+              <a:latin typeface="Inconsolatazi4"/>
+              <a:sym typeface="Wingdings" pitchFamily="2" charset="2"/>
+            </a:endParaRPr>
+          </a:p>
+          <a:p>
+            <a:pPr marL="0" indent="0">
               <a:buNone/>
             </a:pPr>
             <a:r>
-              <a:rPr lang="en-GB" sz="2000" dirty="0"/>
-              <a:t>(y  </a:t>
-            </a:r>
-            <a:r>
-              <a:rPr lang="en-GB" sz="2000" dirty="0">
-                <a:effectLst/>
+              <a:rPr lang="en-GB" sz="1200" dirty="0">
+                <a:latin typeface="Inconsolatazi4"/>
+                <a:sym typeface="Wingdings" pitchFamily="2" charset="2"/>
               </a:rPr>
-              <a:t>~ </a:t>
-            </a:r>
-            <a:r>
-              <a:rPr lang="en-GB" sz="2000" dirty="0"/>
-              <a:t> X) </a:t>
-            </a:r>
-          </a:p>
-          <a:p>
-            <a:pPr marL="228600" lvl="1">
+              <a:t>The predictability of an event or a quantity depends on several factors including:</a:t>
+            </a:r>
+          </a:p>
+          <a:p>
+            <a:pPr marL="457200" indent="-457200">
+              <a:buAutoNum type="arabicPeriod"/>
+            </a:pPr>
+            <a:r>
+              <a:rPr lang="en-GB" sz="1200" dirty="0">
+                <a:latin typeface="Inconsolatazi4"/>
+                <a:sym typeface="Wingdings" pitchFamily="2" charset="2"/>
+              </a:rPr>
+              <a:t>how well we understand the </a:t>
+            </a:r>
+            <a:r>
+              <a:rPr lang="en-GB" sz="1200" b="1" dirty="0">
+                <a:latin typeface="Inconsolatazi4"/>
+                <a:sym typeface="Wingdings" pitchFamily="2" charset="2"/>
+              </a:rPr>
+              <a:t>factors </a:t>
+            </a:r>
+            <a:r>
+              <a:rPr lang="en-GB" sz="1200" dirty="0">
+                <a:latin typeface="Inconsolatazi4"/>
+                <a:sym typeface="Wingdings" pitchFamily="2" charset="2"/>
+              </a:rPr>
+              <a:t>that contribute to it;</a:t>
+            </a:r>
+          </a:p>
+          <a:p>
+            <a:pPr marL="457200" indent="-457200">
+              <a:buAutoNum type="arabicPeriod"/>
+            </a:pPr>
+            <a:r>
+              <a:rPr lang="en-GB" sz="1200" dirty="0">
+                <a:latin typeface="Inconsolatazi4"/>
+                <a:sym typeface="Wingdings" pitchFamily="2" charset="2"/>
+              </a:rPr>
+              <a:t>how much </a:t>
+            </a:r>
+            <a:r>
+              <a:rPr lang="en-GB" sz="1200" b="1" dirty="0">
+                <a:latin typeface="Inconsolatazi4"/>
+                <a:sym typeface="Wingdings" pitchFamily="2" charset="2"/>
+              </a:rPr>
+              <a:t>data </a:t>
+            </a:r>
+            <a:r>
+              <a:rPr lang="en-GB" sz="1200" dirty="0">
+                <a:latin typeface="Inconsolatazi4"/>
+                <a:sym typeface="Wingdings" pitchFamily="2" charset="2"/>
+              </a:rPr>
+              <a:t>is available;</a:t>
+            </a:r>
+          </a:p>
+          <a:p>
+            <a:pPr marL="457200" indent="-457200">
+              <a:buAutoNum type="arabicPeriod"/>
+            </a:pPr>
+            <a:r>
+              <a:rPr lang="en-GB" sz="1200" b="1" dirty="0">
+                <a:latin typeface="Inconsolatazi4"/>
+                <a:sym typeface="Wingdings" pitchFamily="2" charset="2"/>
+              </a:rPr>
+              <a:t>how similar the future is to the past</a:t>
+            </a:r>
+            <a:r>
+              <a:rPr lang="en-GB" sz="1200" dirty="0">
+                <a:latin typeface="Inconsolatazi4"/>
+                <a:sym typeface="Wingdings" pitchFamily="2" charset="2"/>
+              </a:rPr>
+              <a:t>;</a:t>
+            </a:r>
+          </a:p>
+          <a:p>
+            <a:pPr marL="457200" indent="-457200">
+              <a:buAutoNum type="arabicPeriod"/>
+            </a:pPr>
+            <a:r>
+              <a:rPr lang="en-GB" sz="1200" b="1" dirty="0">
+                <a:latin typeface="Inconsolatazi4"/>
+                <a:sym typeface="Wingdings" pitchFamily="2" charset="2"/>
+              </a:rPr>
+              <a:t>whether the forecasts can affect the thing we are trying to forecast</a:t>
+            </a:r>
+            <a:r>
+              <a:rPr lang="en-GB" sz="1200" dirty="0">
+                <a:latin typeface="Inconsolatazi4"/>
+                <a:sym typeface="Wingdings" pitchFamily="2" charset="2"/>
+              </a:rPr>
+              <a:t>.</a:t>
+            </a:r>
+          </a:p>
+          <a:p>
+            <a:pPr marL="0" marR="0" lvl="0" indent="0" algn="l" defTabSz="914400" rtl="0" eaLnBrk="1" fontAlgn="auto" latinLnBrk="0" hangingPunct="1">
+              <a:lnSpc>
+                <a:spcPct val="100000"/>
+              </a:lnSpc>
               <a:spcBef>
-                <a:spcPts val="1000"/>
+                <a:spcPts val="0"/>
               </a:spcBef>
+              <a:spcAft>
+                <a:spcPts val="0"/>
+              </a:spcAft>
+              <a:buClrTx/>
+              <a:buSzTx/>
+              <a:buFontTx/>
+              <a:buNone/>
+              <a:tabLst/>
+              <a:defRPr/>
             </a:pPr>
-            <a:r>
-              <a:rPr lang="en-GB" sz="2000" dirty="0"/>
-              <a:t>Response variable(s) are specified </a:t>
-            </a:r>
-            <a:r>
-              <a:rPr lang="en-GB" sz="2000" b="1" dirty="0"/>
-              <a:t>on the left</a:t>
-            </a:r>
-            <a:r>
-              <a:rPr lang="en-GB" sz="2000" dirty="0"/>
-              <a:t> of the formula</a:t>
-            </a:r>
-          </a:p>
-          <a:p>
-            <a:pPr marL="228600" lvl="1">
+            <a:endParaRPr lang="en-GB" sz="1200" dirty="0">
+              <a:latin typeface="Inconsolatazi4"/>
+              <a:sym typeface="Wingdings" pitchFamily="2" charset="2"/>
+            </a:endParaRPr>
+          </a:p>
+          <a:p>
+            <a:pPr marL="0" marR="0" lvl="0" indent="0" algn="l" defTabSz="914400" rtl="0" eaLnBrk="1" fontAlgn="auto" latinLnBrk="0" hangingPunct="1">
+              <a:lnSpc>
+                <a:spcPct val="100000"/>
+              </a:lnSpc>
               <a:spcBef>
-                <a:spcPts val="1000"/>
+                <a:spcPts val="0"/>
               </a:spcBef>
+              <a:spcAft>
+                <a:spcPts val="0"/>
+              </a:spcAft>
+              <a:buClrTx/>
+              <a:buSzTx/>
+              <a:buFontTx/>
+              <a:buNone/>
+              <a:tabLst/>
+              <a:defRPr/>
             </a:pPr>
             <a:r>
-              <a:rPr lang="en-GB" sz="2000" dirty="0"/>
-              <a:t>Structure of the model is written </a:t>
-            </a:r>
-            <a:r>
-              <a:rPr lang="en-GB" sz="2000" b="1" dirty="0"/>
-              <a:t>on the right</a:t>
-            </a:r>
-          </a:p>
-          <a:p>
-            <a:pPr marL="685800" lvl="2">
-              <a:spcBef>
-                <a:spcPts val="1000"/>
-              </a:spcBef>
-            </a:pPr>
-            <a:r>
-              <a:rPr lang="en-GB" dirty="0"/>
-              <a:t>One or more model specifications can be estimated using the model() function.</a:t>
-            </a:r>
-          </a:p>
-          <a:p>
-            <a:endParaRPr lang="en-GB" dirty="0"/>
-          </a:p>
-          <a:p>
-            <a:endParaRPr lang="en-GB" dirty="0"/>
-          </a:p>
-          <a:p>
-            <a:endParaRPr lang="en-GB" dirty="0"/>
-          </a:p>
-          <a:p>
-            <a:endParaRPr lang="en-GB" dirty="0"/>
+              <a:rPr lang="en-GB" sz="1200" dirty="0">
+                <a:latin typeface="Inconsolatazi4"/>
+                <a:sym typeface="Wingdings" pitchFamily="2" charset="2"/>
+              </a:rPr>
+              <a:t>Over the last year, there was a lot of discussion around the inflation forecasts of central banks. However, forecasts from central banks affect market expectations. Thus, we should not place too much faith in the face value of their forecasts.</a:t>
+            </a:r>
+          </a:p>
+          <a:p>
+            <a:endParaRPr lang="en-GB" noProof="0" dirty="0"/>
+          </a:p>
+          <a:p>
+            <a:r>
+              <a:rPr lang="en-GB" noProof="0" dirty="0"/>
+              <a:t>With that out of the way, lets look at the package fable and where it fits into the </a:t>
+            </a:r>
+            <a:r>
+              <a:rPr lang="en-GB" noProof="0" dirty="0" err="1"/>
+              <a:t>worklow</a:t>
+            </a:r>
+            <a:endParaRPr lang="en-GB" noProof="0" dirty="0"/>
           </a:p>
         </p:txBody>
       </p:sp>
@@ -812,7 +1038,7 @@
           <a:p>
             <a:fld id="{809EEC96-AFE4-AB4C-9F77-BF8C435C8FB7}" type="slidenum">
               <a:rPr lang="en-GB" smtClean="0"/>
-              <a:t>12</a:t>
+              <a:t>11</a:t>
             </a:fld>
             <a:endParaRPr lang="en-GB"/>
           </a:p>
@@ -821,7 +1047,7 @@
     </p:spTree>
     <p:extLst>
       <p:ext uri="{BB962C8B-B14F-4D97-AF65-F5344CB8AC3E}">
-        <p14:creationId xmlns:p14="http://schemas.microsoft.com/office/powerpoint/2010/main" val="1768124088"/>
+        <p14:creationId xmlns:p14="http://schemas.microsoft.com/office/powerpoint/2010/main" val="4071243381"/>
       </p:ext>
     </p:extLst>
   </p:cSld>
@@ -877,8 +1103,48 @@
           <a:p>
             <a:r>
               <a:rPr lang="en-GB" dirty="0"/>
-              <a:t>.</a:t>
-            </a:r>
+              <a:t>So where does fable shine? Fable’s main application is in the model part of the workflow.</a:t>
+            </a:r>
+          </a:p>
+          <a:p>
+            <a:endParaRPr lang="en-GB" dirty="0"/>
+          </a:p>
+          <a:p>
+            <a:pPr marL="0" marR="0" lvl="0" indent="0" algn="l" defTabSz="914400" rtl="0" eaLnBrk="1" fontAlgn="auto" latinLnBrk="0" hangingPunct="1">
+              <a:lnSpc>
+                <a:spcPct val="100000"/>
+              </a:lnSpc>
+              <a:spcBef>
+                <a:spcPts val="0"/>
+              </a:spcBef>
+              <a:spcAft>
+                <a:spcPts val="0"/>
+              </a:spcAft>
+              <a:buClrTx/>
+              <a:buSzTx/>
+              <a:buFontTx/>
+              <a:buNone/>
+              <a:tabLst/>
+              <a:defRPr/>
+            </a:pPr>
+            <a:r>
+              <a:rPr lang="en-GB" dirty="0"/>
+              <a:t>The main specified goal of the package is to integrate nicely into the </a:t>
+            </a:r>
+            <a:r>
+              <a:rPr lang="en-GB" dirty="0" err="1"/>
+              <a:t>tidyverse</a:t>
+            </a:r>
+            <a:r>
+              <a:rPr lang="en-GB" dirty="0"/>
+              <a:t> and this shows in the model syntax of fable.</a:t>
+            </a:r>
+          </a:p>
+          <a:p>
+            <a:endParaRPr lang="en-GB" dirty="0"/>
+          </a:p>
+          <a:p>
+            <a:endParaRPr lang="en-GB" dirty="0"/>
           </a:p>
           <a:p>
             <a:endParaRPr lang="en-GB" dirty="0"/>
@@ -905,7 +1171,7 @@
           <a:p>
             <a:fld id="{809EEC96-AFE4-AB4C-9F77-BF8C435C8FB7}" type="slidenum">
               <a:rPr lang="en-GB" smtClean="0"/>
-              <a:t>13</a:t>
+              <a:t>12</a:t>
             </a:fld>
             <a:endParaRPr lang="en-GB"/>
           </a:p>
@@ -914,7 +1180,7 @@
     </p:spTree>
     <p:extLst>
       <p:ext uri="{BB962C8B-B14F-4D97-AF65-F5344CB8AC3E}">
-        <p14:creationId xmlns:p14="http://schemas.microsoft.com/office/powerpoint/2010/main" val="3339186179"/>
+        <p14:creationId xmlns:p14="http://schemas.microsoft.com/office/powerpoint/2010/main" val="3725288710"/>
       </p:ext>
     </p:extLst>
   </p:cSld>
@@ -969,15 +1235,35 @@
           <a:lstStyle/>
           <a:p>
             <a:r>
-              <a:rPr lang="en-GB" dirty="0"/>
-              <a:t>.</a:t>
-            </a:r>
-          </a:p>
-          <a:p>
-            <a:endParaRPr lang="en-GB" dirty="0"/>
-          </a:p>
-          <a:p>
-            <a:endParaRPr lang="en-GB" dirty="0"/>
+              <a:rPr lang="en-GB" noProof="0" dirty="0"/>
+              <a:t>The model syntax is compatible with formula syntax in the </a:t>
+            </a:r>
+            <a:r>
+              <a:rPr lang="en-GB" noProof="0" dirty="0" err="1"/>
+              <a:t>tidyverse</a:t>
+            </a:r>
+            <a:r>
+              <a:rPr lang="en-GB" noProof="0" dirty="0"/>
+              <a:t>. </a:t>
+            </a:r>
+          </a:p>
+          <a:p>
+            <a:endParaRPr lang="en-GB" noProof="0" dirty="0"/>
+          </a:p>
+          <a:p>
+            <a:r>
+              <a:rPr lang="en-GB" noProof="0" dirty="0"/>
+              <a:t>However, we will not spend much time on specifying the models we will use as this would require theoretical knowledge that is beyond the scope of this workshop. </a:t>
+            </a:r>
+          </a:p>
+          <a:p>
+            <a:endParaRPr lang="en-GB" noProof="0" dirty="0"/>
+          </a:p>
+          <a:p>
+            <a:r>
+              <a:rPr lang="en-GB" noProof="0" dirty="0"/>
+              <a:t>For everyone who wants to dive deeper into forecast modelling, you can find additional resources at the end of the presentation.</a:t>
+            </a:r>
           </a:p>
         </p:txBody>
       </p:sp>
@@ -998,7 +1284,7 @@
           <a:p>
             <a:fld id="{809EEC96-AFE4-AB4C-9F77-BF8C435C8FB7}" type="slidenum">
               <a:rPr lang="en-GB" smtClean="0"/>
-              <a:t>14</a:t>
+              <a:t>13</a:t>
             </a:fld>
             <a:endParaRPr lang="en-GB"/>
           </a:p>
@@ -1007,7 +1293,7 @@
     </p:spTree>
     <p:extLst>
       <p:ext uri="{BB962C8B-B14F-4D97-AF65-F5344CB8AC3E}">
-        <p14:creationId xmlns:p14="http://schemas.microsoft.com/office/powerpoint/2010/main" val="2097614118"/>
+        <p14:creationId xmlns:p14="http://schemas.microsoft.com/office/powerpoint/2010/main" val="2686880782"/>
       </p:ext>
     </p:extLst>
   </p:cSld>
@@ -1061,6 +1347,568 @@
           <a:bodyPr/>
           <a:lstStyle/>
           <a:p>
+            <a:r>
+              <a:rPr lang="en-GB" b="0" i="0" dirty="0">
+                <a:solidFill>
+                  <a:srgbClr val="333333"/>
+                </a:solidFill>
+                <a:effectLst/>
+                <a:latin typeface="Merriweather" panose="020B0604020202020204" pitchFamily="2" charset="0"/>
+              </a:rPr>
+              <a:t>Let’s briefly talk about some of the most important verbs and models used within fable!</a:t>
+            </a:r>
+          </a:p>
+          <a:p>
+            <a:endParaRPr lang="en-GB" b="0" i="0" dirty="0">
+              <a:solidFill>
+                <a:srgbClr val="333333"/>
+              </a:solidFill>
+              <a:effectLst/>
+              <a:latin typeface="Merriweather" panose="020B0604020202020204" pitchFamily="2" charset="0"/>
+            </a:endParaRPr>
+          </a:p>
+          <a:p>
+            <a:r>
+              <a:rPr lang="en-GB" b="0" i="0" dirty="0">
+                <a:solidFill>
+                  <a:srgbClr val="333333"/>
+                </a:solidFill>
+                <a:effectLst/>
+                <a:latin typeface="Merriweather" panose="020B0604020202020204" pitchFamily="2" charset="0"/>
+              </a:rPr>
+              <a:t>After we have prepared and transformed the data into a tidy </a:t>
+            </a:r>
+            <a:r>
+              <a:rPr lang="en-GB" b="0" i="0" dirty="0" err="1">
+                <a:solidFill>
+                  <a:srgbClr val="333333"/>
+                </a:solidFill>
+                <a:effectLst/>
+                <a:latin typeface="Merriweather" panose="020B0604020202020204" pitchFamily="2" charset="0"/>
+              </a:rPr>
+              <a:t>tsibble</a:t>
+            </a:r>
+            <a:r>
+              <a:rPr lang="en-GB" b="0" i="0" dirty="0">
+                <a:solidFill>
+                  <a:srgbClr val="333333"/>
+                </a:solidFill>
+                <a:effectLst/>
+                <a:latin typeface="Merriweather" panose="020B0604020202020204" pitchFamily="2" charset="0"/>
+              </a:rPr>
+              <a:t> that contains useful information for our analysis, we specify our models through listing them inside the Model() function.</a:t>
+            </a:r>
+          </a:p>
+          <a:p>
+            <a:endParaRPr lang="en-GB" b="0" i="0" dirty="0">
+              <a:solidFill>
+                <a:srgbClr val="333333"/>
+              </a:solidFill>
+              <a:effectLst/>
+              <a:latin typeface="Merriweather" panose="020B0604020202020204" pitchFamily="2" charset="0"/>
+            </a:endParaRPr>
+          </a:p>
+          <a:p>
+            <a:r>
+              <a:rPr lang="en-GB" b="0" i="0" dirty="0">
+                <a:solidFill>
+                  <a:srgbClr val="333333"/>
+                </a:solidFill>
+                <a:effectLst/>
+                <a:latin typeface="Merriweather" panose="020B0604020202020204" pitchFamily="2" charset="0"/>
+              </a:rPr>
+              <a:t>Two of the </a:t>
+            </a:r>
+            <a:r>
+              <a:rPr lang="en-GB" b="0" i="0">
+                <a:solidFill>
+                  <a:srgbClr val="333333"/>
+                </a:solidFill>
+                <a:effectLst/>
+                <a:latin typeface="Merriweather" panose="020B0604020202020204" pitchFamily="2" charset="0"/>
+              </a:rPr>
+              <a:t>most popular models are.</a:t>
+            </a:r>
+            <a:endParaRPr lang="en-GB" b="0" i="0" dirty="0">
+              <a:solidFill>
+                <a:srgbClr val="333333"/>
+              </a:solidFill>
+              <a:effectLst/>
+              <a:latin typeface="Merriweather" panose="020B0604020202020204" pitchFamily="2" charset="0"/>
+            </a:endParaRPr>
+          </a:p>
+          <a:p>
+            <a:endParaRPr lang="en-GB" b="0" i="0" dirty="0">
+              <a:solidFill>
+                <a:srgbClr val="333333"/>
+              </a:solidFill>
+              <a:effectLst/>
+              <a:latin typeface="Merriweather" panose="020B0604020202020204" pitchFamily="2" charset="0"/>
+            </a:endParaRPr>
+          </a:p>
+          <a:p>
+            <a:r>
+              <a:rPr lang="en-GB" b="0" i="0" dirty="0">
+                <a:solidFill>
+                  <a:srgbClr val="333333"/>
+                </a:solidFill>
+                <a:effectLst/>
+                <a:latin typeface="Merriweather" panose="020B0604020202020204" pitchFamily="2" charset="0"/>
+              </a:rPr>
+              <a:t>Exponential smoothing was proposed in the late 1950s (</a:t>
+            </a:r>
+            <a:r>
+              <a:rPr lang="en-GB" b="0" i="0" u="none" strike="noStrike" dirty="0">
+                <a:solidFill>
+                  <a:srgbClr val="333333"/>
+                </a:solidFill>
+                <a:effectLst/>
+                <a:latin typeface="Merriweather" panose="020B0604020202020204" pitchFamily="2" charset="0"/>
+                <a:hlinkClick r:id="rId3"/>
+              </a:rPr>
+              <a:t>Brown, 1959</a:t>
+            </a:r>
+            <a:r>
+              <a:rPr lang="en-GB" b="0" i="0" dirty="0">
+                <a:solidFill>
+                  <a:srgbClr val="333333"/>
+                </a:solidFill>
+                <a:effectLst/>
+                <a:latin typeface="Merriweather" panose="020B0604020202020204" pitchFamily="2" charset="0"/>
+              </a:rPr>
+              <a:t>; </a:t>
+            </a:r>
+            <a:r>
+              <a:rPr lang="en-GB" b="0" i="0" u="none" strike="noStrike" dirty="0">
+                <a:solidFill>
+                  <a:srgbClr val="333333"/>
+                </a:solidFill>
+                <a:effectLst/>
+                <a:latin typeface="Merriweather" panose="020B0604020202020204" pitchFamily="2" charset="0"/>
+                <a:hlinkClick r:id="rId4"/>
+              </a:rPr>
+              <a:t>Holt, 1957</a:t>
+            </a:r>
+            <a:r>
+              <a:rPr lang="en-GB" b="0" i="0" dirty="0">
+                <a:solidFill>
+                  <a:srgbClr val="333333"/>
+                </a:solidFill>
+                <a:effectLst/>
+                <a:latin typeface="Merriweather" panose="020B0604020202020204" pitchFamily="2" charset="0"/>
+              </a:rPr>
+              <a:t>; </a:t>
+            </a:r>
+            <a:r>
+              <a:rPr lang="en-GB" b="0" i="0" u="none" strike="noStrike" dirty="0">
+                <a:solidFill>
+                  <a:srgbClr val="333333"/>
+                </a:solidFill>
+                <a:effectLst/>
+                <a:latin typeface="Merriweather" panose="020B0604020202020204" pitchFamily="2" charset="0"/>
+                <a:hlinkClick r:id="rId5"/>
+              </a:rPr>
+              <a:t>Winters, 1960</a:t>
+            </a:r>
+            <a:r>
+              <a:rPr lang="en-GB" b="0" i="0" dirty="0">
+                <a:solidFill>
+                  <a:srgbClr val="333333"/>
+                </a:solidFill>
+                <a:effectLst/>
+                <a:latin typeface="Merriweather" panose="020B0604020202020204" pitchFamily="2" charset="0"/>
+              </a:rPr>
+              <a:t>), and has motivated some of the most successful forecasting methods. Forecasts produced using exponential smoothing methods are weighted averages of past observations, with the weights decaying exponentially as the observations get older. In other words, the more recent the observation the higher the associated weight. This framework generates reliable forecasts quickly and for a wide range of time series, which is a great advantage and of major importance to applications in industry.</a:t>
+            </a:r>
+          </a:p>
+          <a:p>
+            <a:endParaRPr lang="en-GB" b="0" i="0" noProof="0" dirty="0">
+              <a:solidFill>
+                <a:srgbClr val="333333"/>
+              </a:solidFill>
+              <a:effectLst/>
+              <a:latin typeface="Merriweather" panose="020B0604020202020204" pitchFamily="2" charset="0"/>
+            </a:endParaRPr>
+          </a:p>
+          <a:p>
+            <a:pPr marL="0" marR="0" lvl="0" indent="0" algn="l" defTabSz="914400" rtl="0" eaLnBrk="1" fontAlgn="auto" latinLnBrk="0" hangingPunct="1">
+              <a:lnSpc>
+                <a:spcPct val="100000"/>
+              </a:lnSpc>
+              <a:spcBef>
+                <a:spcPts val="0"/>
+              </a:spcBef>
+              <a:spcAft>
+                <a:spcPts val="0"/>
+              </a:spcAft>
+              <a:buClrTx/>
+              <a:buSzTx/>
+              <a:buFontTx/>
+              <a:buNone/>
+              <a:tabLst/>
+              <a:defRPr/>
+            </a:pPr>
+            <a:r>
+              <a:rPr lang="en-GB" b="0" i="0" dirty="0">
+                <a:solidFill>
+                  <a:srgbClr val="333333"/>
+                </a:solidFill>
+                <a:effectLst/>
+                <a:latin typeface="Merriweather" panose="00000500000000000000" pitchFamily="2" charset="0"/>
+              </a:rPr>
+              <a:t>ARIMA models provide another approach to time series forecasting. Exponential smoothing and ARIMA models are the two most widely used approaches to time series forecasting, and provide complementary approaches to the problem. While exponential smoothing models are based on a description of the trend and seasonality in the data, ARIMA models aim to describe the autocorrelations in the data.</a:t>
+            </a:r>
+            <a:endParaRPr lang="en-GB" b="0" i="0" dirty="0">
+              <a:solidFill>
+                <a:srgbClr val="333333"/>
+              </a:solidFill>
+              <a:effectLst/>
+              <a:latin typeface="Merriweather" panose="020B0604020202020204" pitchFamily="2" charset="0"/>
+            </a:endParaRPr>
+          </a:p>
+          <a:p>
+            <a:endParaRPr lang="en-GB" noProof="0" dirty="0"/>
+          </a:p>
+          <a:p>
+            <a:pPr algn="l"/>
+            <a:r>
+              <a:rPr lang="en-GB" b="0" i="0" dirty="0">
+                <a:solidFill>
+                  <a:srgbClr val="333333"/>
+                </a:solidFill>
+                <a:effectLst/>
+                <a:latin typeface="Merriweather" panose="00000500000000000000" pitchFamily="2" charset="0"/>
+              </a:rPr>
+              <a:t>In this chapter we discuss regression models. The basic concept is that we forecast the time series of interest </a:t>
+            </a:r>
+            <a:r>
+              <a:rPr lang="en-GB" b="0" i="0" dirty="0" err="1">
+                <a:solidFill>
+                  <a:srgbClr val="333333"/>
+                </a:solidFill>
+                <a:effectLst/>
+                <a:latin typeface="MJXc-TeX-math-I"/>
+              </a:rPr>
+              <a:t>y</a:t>
+            </a:r>
+            <a:r>
+              <a:rPr lang="en-GB" b="0" i="0" dirty="0" err="1">
+                <a:solidFill>
+                  <a:srgbClr val="333333"/>
+                </a:solidFill>
+                <a:effectLst/>
+                <a:latin typeface="Merriweather" panose="00000500000000000000" pitchFamily="2" charset="0"/>
+              </a:rPr>
+              <a:t>y</a:t>
+            </a:r>
+            <a:r>
+              <a:rPr lang="en-GB" b="0" i="0" dirty="0">
+                <a:solidFill>
+                  <a:srgbClr val="333333"/>
+                </a:solidFill>
+                <a:effectLst/>
+                <a:latin typeface="Merriweather" panose="00000500000000000000" pitchFamily="2" charset="0"/>
+              </a:rPr>
+              <a:t> assuming that it has a linear relationship with other time series </a:t>
+            </a:r>
+            <a:r>
+              <a:rPr lang="en-GB" b="0" i="0" dirty="0">
+                <a:solidFill>
+                  <a:srgbClr val="333333"/>
+                </a:solidFill>
+                <a:effectLst/>
+                <a:latin typeface="MJXc-TeX-math-I"/>
+              </a:rPr>
+              <a:t>x</a:t>
+            </a:r>
+            <a:r>
+              <a:rPr lang="en-GB" b="0" i="0" dirty="0">
+                <a:solidFill>
+                  <a:srgbClr val="333333"/>
+                </a:solidFill>
+                <a:effectLst/>
+                <a:latin typeface="Merriweather" panose="00000500000000000000" pitchFamily="2" charset="0"/>
+              </a:rPr>
+              <a:t>x.</a:t>
+            </a:r>
+          </a:p>
+          <a:p>
+            <a:pPr algn="l"/>
+            <a:r>
+              <a:rPr lang="en-GB" b="0" i="0" dirty="0">
+                <a:solidFill>
+                  <a:srgbClr val="333333"/>
+                </a:solidFill>
+                <a:effectLst/>
+                <a:latin typeface="Merriweather" panose="00000500000000000000" pitchFamily="2" charset="0"/>
+              </a:rPr>
+              <a:t>For example, we might wish to forecast monthly sales </a:t>
+            </a:r>
+            <a:r>
+              <a:rPr lang="en-GB" b="0" i="0" dirty="0" err="1">
+                <a:solidFill>
+                  <a:srgbClr val="333333"/>
+                </a:solidFill>
+                <a:effectLst/>
+                <a:latin typeface="MJXc-TeX-math-I"/>
+              </a:rPr>
+              <a:t>y</a:t>
+            </a:r>
+            <a:r>
+              <a:rPr lang="en-GB" b="0" i="0" dirty="0" err="1">
+                <a:solidFill>
+                  <a:srgbClr val="333333"/>
+                </a:solidFill>
+                <a:effectLst/>
+                <a:latin typeface="Merriweather" panose="00000500000000000000" pitchFamily="2" charset="0"/>
+              </a:rPr>
+              <a:t>y</a:t>
+            </a:r>
+            <a:r>
+              <a:rPr lang="en-GB" b="0" i="0" dirty="0">
+                <a:solidFill>
+                  <a:srgbClr val="333333"/>
+                </a:solidFill>
+                <a:effectLst/>
+                <a:latin typeface="Merriweather" panose="00000500000000000000" pitchFamily="2" charset="0"/>
+              </a:rPr>
+              <a:t> using total advertising spend </a:t>
+            </a:r>
+            <a:r>
+              <a:rPr lang="en-GB" b="0" i="0" dirty="0">
+                <a:solidFill>
+                  <a:srgbClr val="333333"/>
+                </a:solidFill>
+                <a:effectLst/>
+                <a:latin typeface="MJXc-TeX-math-I"/>
+              </a:rPr>
+              <a:t>x</a:t>
+            </a:r>
+            <a:r>
+              <a:rPr lang="en-GB" b="0" i="0" dirty="0">
+                <a:solidFill>
+                  <a:srgbClr val="333333"/>
+                </a:solidFill>
+                <a:effectLst/>
+                <a:latin typeface="Merriweather" panose="00000500000000000000" pitchFamily="2" charset="0"/>
+              </a:rPr>
+              <a:t>x as a predictor. Or we might forecast daily electricity demand </a:t>
+            </a:r>
+            <a:r>
+              <a:rPr lang="en-GB" b="0" i="0" dirty="0" err="1">
+                <a:solidFill>
+                  <a:srgbClr val="333333"/>
+                </a:solidFill>
+                <a:effectLst/>
+                <a:latin typeface="MJXc-TeX-math-I"/>
+              </a:rPr>
+              <a:t>y</a:t>
+            </a:r>
+            <a:r>
+              <a:rPr lang="en-GB" b="0" i="0" dirty="0" err="1">
+                <a:solidFill>
+                  <a:srgbClr val="333333"/>
+                </a:solidFill>
+                <a:effectLst/>
+                <a:latin typeface="Merriweather" panose="00000500000000000000" pitchFamily="2" charset="0"/>
+              </a:rPr>
+              <a:t>y</a:t>
+            </a:r>
+            <a:r>
+              <a:rPr lang="en-GB" b="0" i="0" dirty="0">
+                <a:solidFill>
+                  <a:srgbClr val="333333"/>
+                </a:solidFill>
+                <a:effectLst/>
+                <a:latin typeface="Merriweather" panose="00000500000000000000" pitchFamily="2" charset="0"/>
+              </a:rPr>
+              <a:t> using temperature </a:t>
+            </a:r>
+            <a:r>
+              <a:rPr lang="en-GB" b="0" i="0" dirty="0">
+                <a:solidFill>
+                  <a:srgbClr val="333333"/>
+                </a:solidFill>
+                <a:effectLst/>
+                <a:latin typeface="MJXc-TeX-math-I"/>
+              </a:rPr>
+              <a:t>x</a:t>
+            </a:r>
+            <a:r>
+              <a:rPr lang="en-GB" b="0" i="0" dirty="0">
+                <a:solidFill>
+                  <a:srgbClr val="333333"/>
+                </a:solidFill>
+                <a:effectLst/>
+                <a:latin typeface="MJXc-TeX-main-R"/>
+              </a:rPr>
+              <a:t>1</a:t>
+            </a:r>
+            <a:r>
+              <a:rPr lang="en-GB" b="0" i="0" dirty="0">
+                <a:solidFill>
+                  <a:srgbClr val="333333"/>
+                </a:solidFill>
+                <a:effectLst/>
+                <a:latin typeface="Merriweather" panose="00000500000000000000" pitchFamily="2" charset="0"/>
+              </a:rPr>
+              <a:t>x1 and the day of week </a:t>
+            </a:r>
+            <a:r>
+              <a:rPr lang="en-GB" b="0" i="0" dirty="0">
+                <a:solidFill>
+                  <a:srgbClr val="333333"/>
+                </a:solidFill>
+                <a:effectLst/>
+                <a:latin typeface="MJXc-TeX-math-I"/>
+              </a:rPr>
+              <a:t>x</a:t>
+            </a:r>
+            <a:r>
+              <a:rPr lang="en-GB" b="0" i="0" dirty="0">
+                <a:solidFill>
+                  <a:srgbClr val="333333"/>
+                </a:solidFill>
+                <a:effectLst/>
+                <a:latin typeface="MJXc-TeX-main-R"/>
+              </a:rPr>
+              <a:t>2</a:t>
+            </a:r>
+            <a:r>
+              <a:rPr lang="en-GB" b="0" i="0" dirty="0">
+                <a:solidFill>
+                  <a:srgbClr val="333333"/>
+                </a:solidFill>
+                <a:effectLst/>
+                <a:latin typeface="Merriweather" panose="00000500000000000000" pitchFamily="2" charset="0"/>
+              </a:rPr>
+              <a:t>x2 as predictors.</a:t>
+            </a:r>
+          </a:p>
+          <a:p>
+            <a:pPr algn="l"/>
+            <a:r>
+              <a:rPr lang="en-GB" b="0" i="0" dirty="0">
+                <a:solidFill>
+                  <a:srgbClr val="333333"/>
+                </a:solidFill>
+                <a:effectLst/>
+                <a:latin typeface="Merriweather" panose="00000500000000000000" pitchFamily="2" charset="0"/>
+              </a:rPr>
+              <a:t>The </a:t>
+            </a:r>
+            <a:r>
+              <a:rPr lang="en-GB" b="1" i="0" dirty="0">
+                <a:solidFill>
+                  <a:srgbClr val="333333"/>
+                </a:solidFill>
+                <a:effectLst/>
+                <a:latin typeface="Merriweather" panose="00000500000000000000" pitchFamily="2" charset="0"/>
+              </a:rPr>
+              <a:t>forecast variable</a:t>
+            </a:r>
+            <a:r>
+              <a:rPr lang="en-GB" b="0" i="0" dirty="0">
+                <a:solidFill>
+                  <a:srgbClr val="333333"/>
+                </a:solidFill>
+                <a:effectLst/>
+                <a:latin typeface="Merriweather" panose="00000500000000000000" pitchFamily="2" charset="0"/>
+              </a:rPr>
+              <a:t> </a:t>
+            </a:r>
+            <a:r>
+              <a:rPr lang="en-GB" b="0" i="0" dirty="0" err="1">
+                <a:solidFill>
+                  <a:srgbClr val="333333"/>
+                </a:solidFill>
+                <a:effectLst/>
+                <a:latin typeface="MJXc-TeX-math-I"/>
+              </a:rPr>
+              <a:t>y</a:t>
+            </a:r>
+            <a:r>
+              <a:rPr lang="en-GB" b="0" i="0" dirty="0" err="1">
+                <a:solidFill>
+                  <a:srgbClr val="333333"/>
+                </a:solidFill>
+                <a:effectLst/>
+                <a:latin typeface="Merriweather" panose="00000500000000000000" pitchFamily="2" charset="0"/>
+              </a:rPr>
+              <a:t>y</a:t>
+            </a:r>
+            <a:r>
+              <a:rPr lang="en-GB" b="0" i="0" dirty="0">
+                <a:solidFill>
+                  <a:srgbClr val="333333"/>
+                </a:solidFill>
+                <a:effectLst/>
+                <a:latin typeface="Merriweather" panose="00000500000000000000" pitchFamily="2" charset="0"/>
+              </a:rPr>
+              <a:t> is sometimes also called the </a:t>
+            </a:r>
+            <a:r>
+              <a:rPr lang="en-GB" b="0" i="0" dirty="0" err="1">
+                <a:solidFill>
+                  <a:srgbClr val="333333"/>
+                </a:solidFill>
+                <a:effectLst/>
+                <a:latin typeface="Merriweather" panose="00000500000000000000" pitchFamily="2" charset="0"/>
+              </a:rPr>
+              <a:t>regressand</a:t>
+            </a:r>
+            <a:r>
+              <a:rPr lang="en-GB" b="0" i="0" dirty="0">
+                <a:solidFill>
+                  <a:srgbClr val="333333"/>
+                </a:solidFill>
+                <a:effectLst/>
+                <a:latin typeface="Merriweather" panose="00000500000000000000" pitchFamily="2" charset="0"/>
+              </a:rPr>
+              <a:t>, dependent or explained variable. The </a:t>
+            </a:r>
+            <a:r>
+              <a:rPr lang="en-GB" b="1" i="0" dirty="0">
+                <a:solidFill>
+                  <a:srgbClr val="333333"/>
+                </a:solidFill>
+                <a:effectLst/>
+                <a:latin typeface="Merriweather" panose="00000500000000000000" pitchFamily="2" charset="0"/>
+              </a:rPr>
+              <a:t>predictor variables</a:t>
+            </a:r>
+            <a:r>
+              <a:rPr lang="en-GB" b="0" i="0" dirty="0">
+                <a:solidFill>
+                  <a:srgbClr val="333333"/>
+                </a:solidFill>
+                <a:effectLst/>
+                <a:latin typeface="Merriweather" panose="00000500000000000000" pitchFamily="2" charset="0"/>
+              </a:rPr>
+              <a:t> </a:t>
+            </a:r>
+            <a:r>
+              <a:rPr lang="en-GB" b="0" i="0" dirty="0">
+                <a:solidFill>
+                  <a:srgbClr val="333333"/>
+                </a:solidFill>
+                <a:effectLst/>
+                <a:latin typeface="MJXc-TeX-math-I"/>
+              </a:rPr>
+              <a:t>x</a:t>
+            </a:r>
+            <a:r>
+              <a:rPr lang="en-GB" b="0" i="0" dirty="0">
+                <a:solidFill>
+                  <a:srgbClr val="333333"/>
+                </a:solidFill>
+                <a:effectLst/>
+                <a:latin typeface="Merriweather" panose="00000500000000000000" pitchFamily="2" charset="0"/>
+              </a:rPr>
+              <a:t>x are sometimes also called the regressors, independent or explanatory variables. In this book we will always refer to them as the “forecast” variable and “predictor” variables.</a:t>
+            </a:r>
+          </a:p>
+          <a:p>
             <a:endParaRPr lang="en-GB" noProof="0" dirty="0"/>
           </a:p>
         </p:txBody>
@@ -1082,7 +1930,450 @@
           <a:p>
             <a:fld id="{809EEC96-AFE4-AB4C-9F77-BF8C435C8FB7}" type="slidenum">
               <a:rPr lang="en-GB" smtClean="0"/>
+              <a:t>14</a:t>
+            </a:fld>
+            <a:endParaRPr lang="en-GB"/>
+          </a:p>
+        </p:txBody>
+      </p:sp>
+    </p:spTree>
+    <p:extLst>
+      <p:ext uri="{BB962C8B-B14F-4D97-AF65-F5344CB8AC3E}">
+        <p14:creationId xmlns:p14="http://schemas.microsoft.com/office/powerpoint/2010/main" val="2230137575"/>
+      </p:ext>
+    </p:extLst>
+  </p:cSld>
+  <p:clrMapOvr>
+    <a:masterClrMapping/>
+  </p:clrMapOvr>
+</p:notes>
+</file>
+
+<file path=ppt/notesSlides/notesSlide15.xml><?xml version="1.0" encoding="utf-8"?>
+<p:notes xmlns:a="http://schemas.openxmlformats.org/drawingml/2006/main" xmlns:r="http://schemas.openxmlformats.org/officeDocument/2006/relationships" xmlns:p="http://schemas.openxmlformats.org/presentationml/2006/main">
+  <p:cSld>
+    <p:spTree>
+      <p:nvGrpSpPr>
+        <p:cNvPr id="1" name=""/>
+        <p:cNvGrpSpPr/>
+        <p:nvPr/>
+      </p:nvGrpSpPr>
+      <p:grpSpPr>
+        <a:xfrm>
+          <a:off x="0" y="0"/>
+          <a:ext cx="0" cy="0"/>
+          <a:chOff x="0" y="0"/>
+          <a:chExt cx="0" cy="0"/>
+        </a:xfrm>
+      </p:grpSpPr>
+      <p:sp>
+        <p:nvSpPr>
+          <p:cNvPr id="2" name="Folienbildplatzhalter 1"/>
+          <p:cNvSpPr>
+            <a:spLocks noGrp="1" noRot="1" noChangeAspect="1"/>
+          </p:cNvSpPr>
+          <p:nvPr>
+            <p:ph type="sldImg"/>
+          </p:nvPr>
+        </p:nvSpPr>
+        <p:spPr/>
+      </p:sp>
+      <p:sp>
+        <p:nvSpPr>
+          <p:cNvPr id="3" name="Notizenplatzhalter 2"/>
+          <p:cNvSpPr>
+            <a:spLocks noGrp="1"/>
+          </p:cNvSpPr>
+          <p:nvPr>
+            <p:ph type="body" idx="1"/>
+          </p:nvPr>
+        </p:nvSpPr>
+        <p:spPr/>
+        <p:txBody>
+          <a:bodyPr/>
+          <a:lstStyle/>
+          <a:p>
+            <a:r>
+              <a:rPr lang="en-GB" dirty="0"/>
+              <a:t>.</a:t>
+            </a:r>
+          </a:p>
+          <a:p>
+            <a:r>
+              <a:rPr lang="en-GB" sz="2000" dirty="0"/>
+              <a:t>Models in fable are specified using model </a:t>
+            </a:r>
+            <a:r>
+              <a:rPr lang="en-GB" sz="2000" b="1" dirty="0"/>
+              <a:t>functions</a:t>
+            </a:r>
+          </a:p>
+          <a:p>
+            <a:pPr marL="457200" lvl="1" indent="0">
+              <a:buNone/>
+            </a:pPr>
+            <a:r>
+              <a:rPr lang="en-GB" sz="2000" dirty="0"/>
+              <a:t>(y  </a:t>
+            </a:r>
+            <a:r>
+              <a:rPr lang="en-GB" sz="2000" dirty="0">
+                <a:effectLst/>
+              </a:rPr>
+              <a:t>~ </a:t>
+            </a:r>
+            <a:r>
+              <a:rPr lang="en-GB" sz="2000" dirty="0"/>
+              <a:t> X) </a:t>
+            </a:r>
+          </a:p>
+          <a:p>
+            <a:pPr marL="228600" lvl="1">
+              <a:spcBef>
+                <a:spcPts val="1000"/>
+              </a:spcBef>
+            </a:pPr>
+            <a:r>
+              <a:rPr lang="en-GB" sz="2000" dirty="0"/>
+              <a:t>Response variable(s) are specified </a:t>
+            </a:r>
+            <a:r>
+              <a:rPr lang="en-GB" sz="2000" b="1" dirty="0"/>
+              <a:t>on the left</a:t>
+            </a:r>
+            <a:r>
+              <a:rPr lang="en-GB" sz="2000" dirty="0"/>
+              <a:t> of the formula</a:t>
+            </a:r>
+          </a:p>
+          <a:p>
+            <a:pPr marL="228600" lvl="1">
+              <a:spcBef>
+                <a:spcPts val="1000"/>
+              </a:spcBef>
+            </a:pPr>
+            <a:r>
+              <a:rPr lang="en-GB" sz="2000" dirty="0"/>
+              <a:t>Structure of the model is written </a:t>
+            </a:r>
+            <a:r>
+              <a:rPr lang="en-GB" sz="2000" b="1" dirty="0"/>
+              <a:t>on the right</a:t>
+            </a:r>
+          </a:p>
+          <a:p>
+            <a:pPr marL="685800" lvl="2">
+              <a:spcBef>
+                <a:spcPts val="1000"/>
+              </a:spcBef>
+            </a:pPr>
+            <a:r>
+              <a:rPr lang="en-GB" dirty="0"/>
+              <a:t>One or more model specifications can be estimated using the model() function.</a:t>
+            </a:r>
+          </a:p>
+          <a:p>
+            <a:endParaRPr lang="en-GB" dirty="0"/>
+          </a:p>
+          <a:p>
+            <a:endParaRPr lang="en-GB" dirty="0"/>
+          </a:p>
+          <a:p>
+            <a:endParaRPr lang="en-GB" dirty="0"/>
+          </a:p>
+          <a:p>
+            <a:endParaRPr lang="en-GB" dirty="0"/>
+          </a:p>
+        </p:txBody>
+      </p:sp>
+      <p:sp>
+        <p:nvSpPr>
+          <p:cNvPr id="4" name="Foliennummernplatzhalter 3"/>
+          <p:cNvSpPr>
+            <a:spLocks noGrp="1"/>
+          </p:cNvSpPr>
+          <p:nvPr>
+            <p:ph type="sldNum" sz="quarter" idx="5"/>
+          </p:nvPr>
+        </p:nvSpPr>
+        <p:spPr/>
+        <p:txBody>
+          <a:bodyPr/>
+          <a:lstStyle/>
+          <a:p>
+            <a:fld id="{809EEC96-AFE4-AB4C-9F77-BF8C435C8FB7}" type="slidenum">
+              <a:rPr lang="en-GB" smtClean="0"/>
               <a:t>15</a:t>
+            </a:fld>
+            <a:endParaRPr lang="en-GB"/>
+          </a:p>
+        </p:txBody>
+      </p:sp>
+    </p:spTree>
+    <p:extLst>
+      <p:ext uri="{BB962C8B-B14F-4D97-AF65-F5344CB8AC3E}">
+        <p14:creationId xmlns:p14="http://schemas.microsoft.com/office/powerpoint/2010/main" val="1768124088"/>
+      </p:ext>
+    </p:extLst>
+  </p:cSld>
+  <p:clrMapOvr>
+    <a:masterClrMapping/>
+  </p:clrMapOvr>
+</p:notes>
+</file>
+
+<file path=ppt/notesSlides/notesSlide16.xml><?xml version="1.0" encoding="utf-8"?>
+<p:notes xmlns:a="http://schemas.openxmlformats.org/drawingml/2006/main" xmlns:r="http://schemas.openxmlformats.org/officeDocument/2006/relationships" xmlns:p="http://schemas.openxmlformats.org/presentationml/2006/main">
+  <p:cSld>
+    <p:spTree>
+      <p:nvGrpSpPr>
+        <p:cNvPr id="1" name=""/>
+        <p:cNvGrpSpPr/>
+        <p:nvPr/>
+      </p:nvGrpSpPr>
+      <p:grpSpPr>
+        <a:xfrm>
+          <a:off x="0" y="0"/>
+          <a:ext cx="0" cy="0"/>
+          <a:chOff x="0" y="0"/>
+          <a:chExt cx="0" cy="0"/>
+        </a:xfrm>
+      </p:grpSpPr>
+      <p:sp>
+        <p:nvSpPr>
+          <p:cNvPr id="2" name="Folienbildplatzhalter 1"/>
+          <p:cNvSpPr>
+            <a:spLocks noGrp="1" noRot="1" noChangeAspect="1"/>
+          </p:cNvSpPr>
+          <p:nvPr>
+            <p:ph type="sldImg"/>
+          </p:nvPr>
+        </p:nvSpPr>
+        <p:spPr/>
+      </p:sp>
+      <p:sp>
+        <p:nvSpPr>
+          <p:cNvPr id="3" name="Notizenplatzhalter 2"/>
+          <p:cNvSpPr>
+            <a:spLocks noGrp="1"/>
+          </p:cNvSpPr>
+          <p:nvPr>
+            <p:ph type="body" idx="1"/>
+          </p:nvPr>
+        </p:nvSpPr>
+        <p:spPr/>
+        <p:txBody>
+          <a:bodyPr/>
+          <a:lstStyle/>
+          <a:p>
+            <a:r>
+              <a:rPr lang="en-GB" dirty="0"/>
+              <a:t>.</a:t>
+            </a:r>
+          </a:p>
+          <a:p>
+            <a:endParaRPr lang="en-GB" dirty="0"/>
+          </a:p>
+          <a:p>
+            <a:endParaRPr lang="en-GB" dirty="0"/>
+          </a:p>
+        </p:txBody>
+      </p:sp>
+      <p:sp>
+        <p:nvSpPr>
+          <p:cNvPr id="4" name="Foliennummernplatzhalter 3"/>
+          <p:cNvSpPr>
+            <a:spLocks noGrp="1"/>
+          </p:cNvSpPr>
+          <p:nvPr>
+            <p:ph type="sldNum" sz="quarter" idx="5"/>
+          </p:nvPr>
+        </p:nvSpPr>
+        <p:spPr/>
+        <p:txBody>
+          <a:bodyPr/>
+          <a:lstStyle/>
+          <a:p>
+            <a:fld id="{809EEC96-AFE4-AB4C-9F77-BF8C435C8FB7}" type="slidenum">
+              <a:rPr lang="en-GB" smtClean="0"/>
+              <a:t>16</a:t>
+            </a:fld>
+            <a:endParaRPr lang="en-GB"/>
+          </a:p>
+        </p:txBody>
+      </p:sp>
+    </p:spTree>
+    <p:extLst>
+      <p:ext uri="{BB962C8B-B14F-4D97-AF65-F5344CB8AC3E}">
+        <p14:creationId xmlns:p14="http://schemas.microsoft.com/office/powerpoint/2010/main" val="3339186179"/>
+      </p:ext>
+    </p:extLst>
+  </p:cSld>
+  <p:clrMapOvr>
+    <a:masterClrMapping/>
+  </p:clrMapOvr>
+</p:notes>
+</file>
+
+<file path=ppt/notesSlides/notesSlide17.xml><?xml version="1.0" encoding="utf-8"?>
+<p:notes xmlns:a="http://schemas.openxmlformats.org/drawingml/2006/main" xmlns:r="http://schemas.openxmlformats.org/officeDocument/2006/relationships" xmlns:p="http://schemas.openxmlformats.org/presentationml/2006/main">
+  <p:cSld>
+    <p:spTree>
+      <p:nvGrpSpPr>
+        <p:cNvPr id="1" name=""/>
+        <p:cNvGrpSpPr/>
+        <p:nvPr/>
+      </p:nvGrpSpPr>
+      <p:grpSpPr>
+        <a:xfrm>
+          <a:off x="0" y="0"/>
+          <a:ext cx="0" cy="0"/>
+          <a:chOff x="0" y="0"/>
+          <a:chExt cx="0" cy="0"/>
+        </a:xfrm>
+      </p:grpSpPr>
+      <p:sp>
+        <p:nvSpPr>
+          <p:cNvPr id="2" name="Folienbildplatzhalter 1"/>
+          <p:cNvSpPr>
+            <a:spLocks noGrp="1" noRot="1" noChangeAspect="1"/>
+          </p:cNvSpPr>
+          <p:nvPr>
+            <p:ph type="sldImg"/>
+          </p:nvPr>
+        </p:nvSpPr>
+        <p:spPr/>
+      </p:sp>
+      <p:sp>
+        <p:nvSpPr>
+          <p:cNvPr id="3" name="Notizenplatzhalter 2"/>
+          <p:cNvSpPr>
+            <a:spLocks noGrp="1"/>
+          </p:cNvSpPr>
+          <p:nvPr>
+            <p:ph type="body" idx="1"/>
+          </p:nvPr>
+        </p:nvSpPr>
+        <p:spPr/>
+        <p:txBody>
+          <a:bodyPr/>
+          <a:lstStyle/>
+          <a:p>
+            <a:r>
+              <a:rPr lang="en-GB" dirty="0"/>
+              <a:t>.</a:t>
+            </a:r>
+          </a:p>
+          <a:p>
+            <a:endParaRPr lang="en-GB" dirty="0"/>
+          </a:p>
+          <a:p>
+            <a:endParaRPr lang="en-GB" dirty="0"/>
+          </a:p>
+        </p:txBody>
+      </p:sp>
+      <p:sp>
+        <p:nvSpPr>
+          <p:cNvPr id="4" name="Foliennummernplatzhalter 3"/>
+          <p:cNvSpPr>
+            <a:spLocks noGrp="1"/>
+          </p:cNvSpPr>
+          <p:nvPr>
+            <p:ph type="sldNum" sz="quarter" idx="5"/>
+          </p:nvPr>
+        </p:nvSpPr>
+        <p:spPr/>
+        <p:txBody>
+          <a:bodyPr/>
+          <a:lstStyle/>
+          <a:p>
+            <a:fld id="{809EEC96-AFE4-AB4C-9F77-BF8C435C8FB7}" type="slidenum">
+              <a:rPr lang="en-GB" smtClean="0"/>
+              <a:t>17</a:t>
+            </a:fld>
+            <a:endParaRPr lang="en-GB"/>
+          </a:p>
+        </p:txBody>
+      </p:sp>
+    </p:spTree>
+    <p:extLst>
+      <p:ext uri="{BB962C8B-B14F-4D97-AF65-F5344CB8AC3E}">
+        <p14:creationId xmlns:p14="http://schemas.microsoft.com/office/powerpoint/2010/main" val="2097614118"/>
+      </p:ext>
+    </p:extLst>
+  </p:cSld>
+  <p:clrMapOvr>
+    <a:masterClrMapping/>
+  </p:clrMapOvr>
+</p:notes>
+</file>
+
+<file path=ppt/notesSlides/notesSlide18.xml><?xml version="1.0" encoding="utf-8"?>
+<p:notes xmlns:a="http://schemas.openxmlformats.org/drawingml/2006/main" xmlns:r="http://schemas.openxmlformats.org/officeDocument/2006/relationships" xmlns:p="http://schemas.openxmlformats.org/presentationml/2006/main">
+  <p:cSld>
+    <p:spTree>
+      <p:nvGrpSpPr>
+        <p:cNvPr id="1" name=""/>
+        <p:cNvGrpSpPr/>
+        <p:nvPr/>
+      </p:nvGrpSpPr>
+      <p:grpSpPr>
+        <a:xfrm>
+          <a:off x="0" y="0"/>
+          <a:ext cx="0" cy="0"/>
+          <a:chOff x="0" y="0"/>
+          <a:chExt cx="0" cy="0"/>
+        </a:xfrm>
+      </p:grpSpPr>
+      <p:sp>
+        <p:nvSpPr>
+          <p:cNvPr id="2" name="Folienbildplatzhalter 1"/>
+          <p:cNvSpPr>
+            <a:spLocks noGrp="1" noRot="1" noChangeAspect="1"/>
+          </p:cNvSpPr>
+          <p:nvPr>
+            <p:ph type="sldImg"/>
+          </p:nvPr>
+        </p:nvSpPr>
+        <p:spPr/>
+      </p:sp>
+      <p:sp>
+        <p:nvSpPr>
+          <p:cNvPr id="3" name="Notizenplatzhalter 2"/>
+          <p:cNvSpPr>
+            <a:spLocks noGrp="1"/>
+          </p:cNvSpPr>
+          <p:nvPr>
+            <p:ph type="body" idx="1"/>
+          </p:nvPr>
+        </p:nvSpPr>
+        <p:spPr/>
+        <p:txBody>
+          <a:bodyPr/>
+          <a:lstStyle/>
+          <a:p>
+            <a:endParaRPr lang="en-GB" noProof="0" dirty="0"/>
+          </a:p>
+        </p:txBody>
+      </p:sp>
+      <p:sp>
+        <p:nvSpPr>
+          <p:cNvPr id="4" name="Foliennummernplatzhalter 3"/>
+          <p:cNvSpPr>
+            <a:spLocks noGrp="1"/>
+          </p:cNvSpPr>
+          <p:nvPr>
+            <p:ph type="sldNum" sz="quarter" idx="5"/>
+          </p:nvPr>
+        </p:nvSpPr>
+        <p:spPr/>
+        <p:txBody>
+          <a:bodyPr/>
+          <a:lstStyle/>
+          <a:p>
+            <a:fld id="{809EEC96-AFE4-AB4C-9F77-BF8C435C8FB7}" type="slidenum">
+              <a:rPr lang="en-GB" smtClean="0"/>
+              <a:t>18</a:t>
             </a:fld>
             <a:endParaRPr lang="en-GB"/>
           </a:p>
@@ -1972,7 +3263,7 @@
       </p:grpSpPr>
       <p:sp>
         <p:nvSpPr>
-          <p:cNvPr id="2" name="Folienbildplatzhalter 1"/>
+          <p:cNvPr id="2" name="Slide Image Placeholder 1"/>
           <p:cNvSpPr>
             <a:spLocks noGrp="1" noRot="1" noChangeAspect="1"/>
           </p:cNvSpPr>
@@ -1984,7 +3275,7 @@
       </p:sp>
       <p:sp>
         <p:nvSpPr>
-          <p:cNvPr id="3" name="Notizenplatzhalter 2"/>
+          <p:cNvPr id="3" name="Notes Placeholder 2"/>
           <p:cNvSpPr>
             <a:spLocks noGrp="1"/>
           </p:cNvSpPr>
@@ -1997,13 +3288,43 @@
           <a:bodyPr/>
           <a:lstStyle/>
           <a:p>
-            <a:endParaRPr lang="en-GB" noProof="0" dirty="0"/>
+            <a:r>
+              <a:rPr lang="en-GB" dirty="0"/>
+              <a:t>Thank you Justus!</a:t>
+            </a:r>
+            <a:br>
+              <a:rPr lang="en-GB" dirty="0"/>
+            </a:br>
+            <a:br>
+              <a:rPr lang="en-GB" dirty="0"/>
+            </a:br>
+            <a:r>
+              <a:rPr lang="en-GB" dirty="0"/>
+              <a:t>Now, we will lead you through a forecasting workflow with Fable. </a:t>
+            </a:r>
+          </a:p>
+          <a:p>
+            <a:endParaRPr lang="en-GB" dirty="0"/>
+          </a:p>
+          <a:p>
+            <a:r>
+              <a:rPr lang="en-GB" dirty="0"/>
+              <a:t>Fable was built as a successor of the “forecast” package and builds on the </a:t>
+            </a:r>
+            <a:r>
+              <a:rPr lang="en-GB" dirty="0" err="1"/>
+              <a:t>tsibble</a:t>
+            </a:r>
+            <a:r>
+              <a:rPr lang="en-GB" dirty="0"/>
+              <a:t> data structure. </a:t>
+            </a:r>
           </a:p>
         </p:txBody>
       </p:sp>
       <p:sp>
         <p:nvSpPr>
-          <p:cNvPr id="4" name="Foliennummernplatzhalter 3"/>
+          <p:cNvPr id="4" name="Slide Number Placeholder 3"/>
           <p:cNvSpPr>
             <a:spLocks noGrp="1"/>
           </p:cNvSpPr>
@@ -2018,7 +3339,7 @@
           <a:p>
             <a:fld id="{809EEC96-AFE4-AB4C-9F77-BF8C435C8FB7}" type="slidenum">
               <a:rPr lang="en-GB" smtClean="0"/>
-              <a:t>10</a:t>
+              <a:t>9</a:t>
             </a:fld>
             <a:endParaRPr lang="en-GB"/>
           </a:p>
@@ -2027,7 +3348,7 @@
     </p:spTree>
     <p:extLst>
       <p:ext uri="{BB962C8B-B14F-4D97-AF65-F5344CB8AC3E}">
-        <p14:creationId xmlns:p14="http://schemas.microsoft.com/office/powerpoint/2010/main" val="2686880782"/>
+        <p14:creationId xmlns:p14="http://schemas.microsoft.com/office/powerpoint/2010/main" val="1291894073"/>
       </p:ext>
     </p:extLst>
   </p:cSld>
@@ -2403,7 +3724,7 @@
           <a:p>
             <a:fld id="{D841047C-AC16-3847-8358-E80D41A378BA}" type="slidenum">
               <a:rPr lang="de-DE" smtClean="0"/>
-              <a:t>‹Nr.›</a:t>
+              <a:t>‹#›</a:t>
             </a:fld>
             <a:endParaRPr lang="de-DE"/>
           </a:p>
@@ -2644,7 +3965,7 @@
           <a:p>
             <a:fld id="{D841047C-AC16-3847-8358-E80D41A378BA}" type="slidenum">
               <a:rPr lang="de-DE" smtClean="0"/>
-              <a:t>‹Nr.›</a:t>
+              <a:t>‹#›</a:t>
             </a:fld>
             <a:endParaRPr lang="de-DE"/>
           </a:p>
@@ -2813,7 +4134,7 @@
           <a:p>
             <a:fld id="{D841047C-AC16-3847-8358-E80D41A378BA}" type="slidenum">
               <a:rPr lang="de-DE" smtClean="0"/>
-              <a:t>‹Nr.›</a:t>
+              <a:t>‹#›</a:t>
             </a:fld>
             <a:endParaRPr lang="de-DE"/>
           </a:p>
@@ -3349,7 +4670,7 @@
           <a:p>
             <a:fld id="{D841047C-AC16-3847-8358-E80D41A378BA}" type="slidenum">
               <a:rPr lang="de-DE" smtClean="0"/>
-              <a:t>‹Nr.›</a:t>
+              <a:t>‹#›</a:t>
             </a:fld>
             <a:endParaRPr lang="de-DE"/>
           </a:p>
@@ -3761,7 +5082,7 @@
           <a:p>
             <a:fld id="{D841047C-AC16-3847-8358-E80D41A378BA}" type="slidenum">
               <a:rPr lang="de-DE" smtClean="0"/>
-              <a:t>‹Nr.›</a:t>
+              <a:t>‹#›</a:t>
             </a:fld>
             <a:endParaRPr lang="de-DE"/>
           </a:p>
@@ -3902,7 +5223,7 @@
           <a:p>
             <a:fld id="{D841047C-AC16-3847-8358-E80D41A378BA}" type="slidenum">
               <a:rPr lang="de-DE" smtClean="0"/>
-              <a:t>‹Nr.›</a:t>
+              <a:t>‹#›</a:t>
             </a:fld>
             <a:endParaRPr lang="de-DE"/>
           </a:p>
@@ -4015,7 +5336,7 @@
           <a:p>
             <a:fld id="{D841047C-AC16-3847-8358-E80D41A378BA}" type="slidenum">
               <a:rPr lang="de-DE" smtClean="0"/>
-              <a:t>‹Nr.›</a:t>
+              <a:t>‹#›</a:t>
             </a:fld>
             <a:endParaRPr lang="de-DE"/>
           </a:p>
@@ -4326,7 +5647,7 @@
           <a:p>
             <a:fld id="{D841047C-AC16-3847-8358-E80D41A378BA}" type="slidenum">
               <a:rPr lang="de-DE" smtClean="0"/>
-              <a:t>‹Nr.›</a:t>
+              <a:t>‹#›</a:t>
             </a:fld>
             <a:endParaRPr lang="de-DE"/>
           </a:p>
@@ -4614,7 +5935,7 @@
           <a:p>
             <a:fld id="{D841047C-AC16-3847-8358-E80D41A378BA}" type="slidenum">
               <a:rPr lang="de-DE" smtClean="0"/>
-              <a:t>‹Nr.›</a:t>
+              <a:t>‹#›</a:t>
             </a:fld>
             <a:endParaRPr lang="de-DE"/>
           </a:p>
@@ -5749,11 +7070,11 @@
   <p:clrMapOvr>
     <a:masterClrMapping/>
   </p:clrMapOvr>
-  <mc:AlternateContent xmlns:mc="http://schemas.openxmlformats.org/markup-compatibility/2006">
-    <mc:Choice xmlns:p14="http://schemas.microsoft.com/office/powerpoint/2010/main" Requires="p14">
+  <mc:AlternateContent xmlns:mc="http://schemas.openxmlformats.org/markup-compatibility/2006" xmlns:p14="http://schemas.microsoft.com/office/powerpoint/2010/main">
+    <mc:Choice Requires="p14">
       <p:transition spd="slow" p14:dur="2000" advTm="11000"/>
     </mc:Choice>
-    <mc:Fallback>
+    <mc:Fallback xmlns="">
       <p:transition spd="slow" advTm="11000"/>
     </mc:Fallback>
   </mc:AlternateContent>
@@ -5875,7 +7196,2199 @@
           <a:p>
             <a:r>
               <a:rPr lang="en-GB" sz="4800" dirty="0"/>
-              <a:t>The syntax of fable</a:t>
+              <a:t>What even is Forecasting?</a:t>
+            </a:r>
+          </a:p>
+        </p:txBody>
+      </p:sp>
+      <p:sp>
+        <p:nvSpPr>
+          <p:cNvPr id="11" name="Rectangle 10">
+            <a:extLst>
+              <a:ext uri="{FF2B5EF4-FFF2-40B4-BE49-F238E27FC236}">
+                <a16:creationId xmlns:a16="http://schemas.microsoft.com/office/drawing/2014/main" id="{3A9A4357-BD1D-4622-A4FE-766E6AB8DE84}"/>
+              </a:ext>
+              <a:ext uri="{C183D7F6-B498-43B3-948B-1728B52AA6E4}">
+                <adec:decorative xmlns:adec="http://schemas.microsoft.com/office/drawing/2017/decorative" val="1"/>
+              </a:ext>
+            </a:extLst>
+          </p:cNvPr>
+          <p:cNvSpPr>
+            <a:spLocks noGrp="1" noRot="1" noChangeAspect="1" noMove="1" noResize="1" noEditPoints="1" noAdjustHandles="1" noChangeArrowheads="1" noChangeShapeType="1" noTextEdit="1"/>
+          </p:cNvSpPr>
+          <p:nvPr>
+            <p:extLst>
+              <p:ext uri="{386F3935-93C4-4BCD-93E2-E3B085C9AB24}">
+                <p16:designElem xmlns:p16="http://schemas.microsoft.com/office/powerpoint/2015/main" val="1"/>
+              </p:ext>
+            </p:extLst>
+          </p:nvPr>
+        </p:nvSpPr>
+        <p:spPr>
+          <a:xfrm flipH="1" flipV="1">
+            <a:off x="-2" y="1998845"/>
+            <a:ext cx="11454595" cy="781699"/>
+          </a:xfrm>
+          <a:prstGeom prst="rect">
+            <a:avLst/>
+          </a:prstGeom>
+          <a:solidFill>
+            <a:schemeClr val="accent4"/>
+          </a:solidFill>
+          <a:ln>
+            <a:noFill/>
+          </a:ln>
+        </p:spPr>
+        <p:style>
+          <a:lnRef idx="2">
+            <a:schemeClr val="accent1">
+              <a:shade val="50000"/>
+            </a:schemeClr>
+          </a:lnRef>
+          <a:fillRef idx="1">
+            <a:schemeClr val="accent1"/>
+          </a:fillRef>
+          <a:effectRef idx="0">
+            <a:schemeClr val="accent1"/>
+          </a:effectRef>
+          <a:fontRef idx="minor">
+            <a:schemeClr val="lt1"/>
+          </a:fontRef>
+        </p:style>
+        <p:txBody>
+          <a:bodyPr rtlCol="0" anchor="ctr"/>
+          <a:lstStyle/>
+          <a:p>
+            <a:pPr algn="ctr"/>
+            <a:endParaRPr lang="en-US"/>
+          </a:p>
+        </p:txBody>
+      </p:sp>
+      <p:sp>
+        <p:nvSpPr>
+          <p:cNvPr id="13" name="Rectangle 12">
+            <a:extLst>
+              <a:ext uri="{FF2B5EF4-FFF2-40B4-BE49-F238E27FC236}">
+                <a16:creationId xmlns:a16="http://schemas.microsoft.com/office/drawing/2014/main" id="{E659831F-0D9A-4C63-9EBB-8435B85A440F}"/>
+              </a:ext>
+              <a:ext uri="{C183D7F6-B498-43B3-948B-1728B52AA6E4}">
+                <adec:decorative xmlns:adec="http://schemas.microsoft.com/office/drawing/2017/decorative" val="1"/>
+              </a:ext>
+            </a:extLst>
+          </p:cNvPr>
+          <p:cNvSpPr>
+            <a:spLocks noGrp="1" noRot="1" noChangeAspect="1" noMove="1" noResize="1" noEditPoints="1" noAdjustHandles="1" noChangeArrowheads="1" noChangeShapeType="1" noTextEdit="1"/>
+          </p:cNvSpPr>
+          <p:nvPr>
+            <p:extLst>
+              <p:ext uri="{386F3935-93C4-4BCD-93E2-E3B085C9AB24}">
+                <p16:designElem xmlns:p16="http://schemas.microsoft.com/office/powerpoint/2015/main" val="1"/>
+              </p:ext>
+            </p:extLst>
+          </p:nvPr>
+        </p:nvSpPr>
+        <p:spPr>
+          <a:xfrm>
+            <a:off x="0" y="2203079"/>
+            <a:ext cx="11383362" cy="4267991"/>
+          </a:xfrm>
+          <a:prstGeom prst="rect">
+            <a:avLst/>
+          </a:prstGeom>
+          <a:solidFill>
+            <a:schemeClr val="bg1"/>
+          </a:solidFill>
+          <a:ln>
+            <a:noFill/>
+          </a:ln>
+          <a:effectLst>
+            <a:outerShdw blurRad="139700" dist="127000" dir="5400000" algn="t" rotWithShape="0">
+              <a:prstClr val="black">
+                <a:alpha val="15000"/>
+              </a:prstClr>
+            </a:outerShdw>
+          </a:effectLst>
+        </p:spPr>
+        <p:style>
+          <a:lnRef idx="2">
+            <a:schemeClr val="accent1">
+              <a:shade val="50000"/>
+            </a:schemeClr>
+          </a:lnRef>
+          <a:fillRef idx="1">
+            <a:schemeClr val="accent1"/>
+          </a:fillRef>
+          <a:effectRef idx="0">
+            <a:schemeClr val="accent1"/>
+          </a:effectRef>
+          <a:fontRef idx="minor">
+            <a:schemeClr val="lt1"/>
+          </a:fontRef>
+        </p:style>
+        <p:txBody>
+          <a:bodyPr rtlCol="0" anchor="ctr"/>
+          <a:lstStyle/>
+          <a:p>
+            <a:pPr algn="ctr"/>
+            <a:endParaRPr lang="en-US"/>
+          </a:p>
+        </p:txBody>
+      </p:sp>
+      <p:sp>
+        <p:nvSpPr>
+          <p:cNvPr id="15" name="Rectangle 14">
+            <a:extLst>
+              <a:ext uri="{FF2B5EF4-FFF2-40B4-BE49-F238E27FC236}">
+                <a16:creationId xmlns:a16="http://schemas.microsoft.com/office/drawing/2014/main" id="{E6995CE5-F890-4ABA-82A2-26507CE8D2A3}"/>
+              </a:ext>
+              <a:ext uri="{C183D7F6-B498-43B3-948B-1728B52AA6E4}">
+                <adec:decorative xmlns:adec="http://schemas.microsoft.com/office/drawing/2017/decorative" val="1"/>
+              </a:ext>
+            </a:extLst>
+          </p:cNvPr>
+          <p:cNvSpPr>
+            <a:spLocks noGrp="1" noRot="1" noChangeAspect="1" noMove="1" noResize="1" noEditPoints="1" noAdjustHandles="1" noChangeArrowheads="1" noChangeShapeType="1" noTextEdit="1"/>
+          </p:cNvSpPr>
+          <p:nvPr>
+            <p:extLst>
+              <p:ext uri="{386F3935-93C4-4BCD-93E2-E3B085C9AB24}">
+                <p16:designElem xmlns:p16="http://schemas.microsoft.com/office/powerpoint/2015/main" val="1"/>
+              </p:ext>
+            </p:extLst>
+          </p:nvPr>
+        </p:nvSpPr>
+        <p:spPr>
+          <a:xfrm rot="5400000">
+            <a:off x="11228040" y="2313027"/>
+            <a:ext cx="781700" cy="152382"/>
+          </a:xfrm>
+          <a:prstGeom prst="rect">
+            <a:avLst/>
+          </a:prstGeom>
+          <a:solidFill>
+            <a:schemeClr val="accent4"/>
+          </a:solidFill>
+          <a:ln>
+            <a:noFill/>
+          </a:ln>
+        </p:spPr>
+        <p:style>
+          <a:lnRef idx="2">
+            <a:schemeClr val="accent1">
+              <a:shade val="50000"/>
+            </a:schemeClr>
+          </a:lnRef>
+          <a:fillRef idx="1">
+            <a:schemeClr val="accent1"/>
+          </a:fillRef>
+          <a:effectRef idx="0">
+            <a:schemeClr val="accent1"/>
+          </a:effectRef>
+          <a:fontRef idx="minor">
+            <a:schemeClr val="lt1"/>
+          </a:fontRef>
+        </p:style>
+        <p:txBody>
+          <a:bodyPr rtlCol="0" anchor="ctr"/>
+          <a:lstStyle/>
+          <a:p>
+            <a:pPr algn="ctr"/>
+            <a:endParaRPr lang="en-US"/>
+          </a:p>
+        </p:txBody>
+      </p:sp>
+      <p:pic>
+        <p:nvPicPr>
+          <p:cNvPr id="5" name="Kamera 4">
+            <a:extLst>
+              <a:ext uri="{FF2B5EF4-FFF2-40B4-BE49-F238E27FC236}">
+                <a16:creationId xmlns:a16="http://schemas.microsoft.com/office/drawing/2014/main" id="{5D0757A2-9332-4E73-0AC6-225A3AB7AFEB}"/>
+              </a:ext>
+            </a:extLst>
+          </p:cNvPr>
+          <p:cNvPicPr>
+            <a:picLocks noChangeAspect="1"/>
+            <a:extLst>
+              <a:ext uri="{51228E76-BA90-4043-B771-695A4F85340A}">
+                <alf:liveFeedProps xmlns:alf="http://schemas.microsoft.com/office/drawing/2021/livefeed"/>
+              </a:ext>
+            </a:extLst>
+          </p:cNvPicPr>
+          <p:nvPr/>
+        </p:nvPicPr>
+        <p:blipFill>
+          <a:blip r:embed="rId3">
+            <a:extLst>
+              <a:ext uri="{96DAC541-7B7A-43D3-8B79-37D633B846F1}">
+                <asvg:svgBlip xmlns:asvg="http://schemas.microsoft.com/office/drawing/2016/SVG/main" r:embed="rId4"/>
+              </a:ext>
+            </a:extLst>
+          </a:blip>
+          <a:stretch>
+            <a:fillRect/>
+          </a:stretch>
+        </p:blipFill>
+        <p:spPr>
+          <a:xfrm>
+            <a:off x="9495539" y="178904"/>
+            <a:ext cx="1979734" cy="1714500"/>
+          </a:xfrm>
+          <a:prstGeom prst="hexagon">
+            <a:avLst>
+              <a:gd name="adj" fmla="val 29000"/>
+              <a:gd name="vf" fmla="val 115470"/>
+            </a:avLst>
+          </a:prstGeom>
+          <a:ln>
+            <a:noFill/>
+          </a:ln>
+          <a:effectLst>
+            <a:outerShdw blurRad="190500" algn="tl" rotWithShape="0">
+              <a:srgbClr val="000000">
+                <a:alpha val="30000"/>
+              </a:srgbClr>
+            </a:outerShdw>
+          </a:effectLst>
+        </p:spPr>
+      </p:pic>
+      <p:sp>
+        <p:nvSpPr>
+          <p:cNvPr id="4" name="TextBox 3">
+            <a:extLst>
+              <a:ext uri="{FF2B5EF4-FFF2-40B4-BE49-F238E27FC236}">
+                <a16:creationId xmlns:a16="http://schemas.microsoft.com/office/drawing/2014/main" id="{2242B11C-297D-EB5F-DDCF-730154579D99}"/>
+              </a:ext>
+            </a:extLst>
+          </p:cNvPr>
+          <p:cNvSpPr txBox="1"/>
+          <p:nvPr/>
+        </p:nvSpPr>
+        <p:spPr>
+          <a:xfrm>
+            <a:off x="8642979" y="6078015"/>
+            <a:ext cx="2635559" cy="276999"/>
+          </a:xfrm>
+          <a:prstGeom prst="rect">
+            <a:avLst/>
+          </a:prstGeom>
+          <a:noFill/>
+        </p:spPr>
+        <p:txBody>
+          <a:bodyPr wrap="square" rtlCol="0">
+            <a:spAutoFit/>
+          </a:bodyPr>
+          <a:lstStyle/>
+          <a:p>
+            <a:r>
+              <a:rPr lang="en-GB" sz="1200" dirty="0">
+                <a:latin typeface="Inconsolatazi4"/>
+                <a:hlinkClick r:id="rId5"/>
+              </a:rPr>
+              <a:t>Image Source</a:t>
+            </a:r>
+            <a:r>
+              <a:rPr lang="en-GB" sz="1200" dirty="0">
+                <a:latin typeface="Inconsolatazi4"/>
+              </a:rPr>
+              <a:t> (last access: 16.11.2022</a:t>
+            </a:r>
+          </a:p>
+        </p:txBody>
+      </p:sp>
+      <p:pic>
+        <p:nvPicPr>
+          <p:cNvPr id="2050" name="Picture 2" descr="Fed Forecasts Are Wrong on Growth &amp; Inflation 70% of the Time - fed forecast crystal ball">
+            <a:extLst>
+              <a:ext uri="{FF2B5EF4-FFF2-40B4-BE49-F238E27FC236}">
+                <a16:creationId xmlns:a16="http://schemas.microsoft.com/office/drawing/2014/main" id="{D41D87AB-8515-C781-665E-90018E4E839A}"/>
+              </a:ext>
+            </a:extLst>
+          </p:cNvPr>
+          <p:cNvPicPr>
+            <a:picLocks noChangeAspect="1" noChangeArrowheads="1"/>
+          </p:cNvPicPr>
+          <p:nvPr/>
+        </p:nvPicPr>
+        <p:blipFill>
+          <a:blip r:embed="rId6">
+            <a:extLst>
+              <a:ext uri="{28A0092B-C50C-407E-A947-70E740481C1C}">
+                <a14:useLocalDpi xmlns:a14="http://schemas.microsoft.com/office/drawing/2010/main" val="0"/>
+              </a:ext>
+            </a:extLst>
+          </a:blip>
+          <a:srcRect/>
+          <a:stretch>
+            <a:fillRect/>
+          </a:stretch>
+        </p:blipFill>
+        <p:spPr bwMode="auto">
+          <a:xfrm>
+            <a:off x="2698149" y="2251327"/>
+            <a:ext cx="5890742" cy="3652260"/>
+          </a:xfrm>
+          <a:prstGeom prst="rect">
+            <a:avLst/>
+          </a:prstGeom>
+          <a:noFill/>
+          <a:extLst>
+            <a:ext uri="{909E8E84-426E-40DD-AFC4-6F175D3DCCD1}">
+              <a14:hiddenFill xmlns:a14="http://schemas.microsoft.com/office/drawing/2010/main">
+                <a:solidFill>
+                  <a:srgbClr val="FFFFFF"/>
+                </a:solidFill>
+              </a14:hiddenFill>
+            </a:ext>
+          </a:extLst>
+        </p:spPr>
+      </p:pic>
+    </p:spTree>
+    <p:extLst>
+      <p:ext uri="{BB962C8B-B14F-4D97-AF65-F5344CB8AC3E}">
+        <p14:creationId xmlns:p14="http://schemas.microsoft.com/office/powerpoint/2010/main" val="1569617443"/>
+      </p:ext>
+    </p:extLst>
+  </p:cSld>
+  <p:clrMapOvr>
+    <a:masterClrMapping/>
+  </p:clrMapOvr>
+</p:sld>
+</file>
+
+<file path=ppt/slides/slide11.xml><?xml version="1.0" encoding="utf-8"?>
+<p:sld xmlns:a="http://schemas.openxmlformats.org/drawingml/2006/main" xmlns:r="http://schemas.openxmlformats.org/officeDocument/2006/relationships" xmlns:p="http://schemas.openxmlformats.org/presentationml/2006/main">
+  <p:cSld>
+    <p:bg>
+      <p:bgPr>
+        <a:solidFill>
+          <a:schemeClr val="bg1"/>
+        </a:solidFill>
+        <a:effectLst/>
+      </p:bgPr>
+    </p:bg>
+    <p:spTree>
+      <p:nvGrpSpPr>
+        <p:cNvPr id="1" name=""/>
+        <p:cNvGrpSpPr/>
+        <p:nvPr/>
+      </p:nvGrpSpPr>
+      <p:grpSpPr>
+        <a:xfrm>
+          <a:off x="0" y="0"/>
+          <a:ext cx="0" cy="0"/>
+          <a:chOff x="0" y="0"/>
+          <a:chExt cx="0" cy="0"/>
+        </a:xfrm>
+      </p:grpSpPr>
+      <p:sp useBgFill="1">
+        <p:nvSpPr>
+          <p:cNvPr id="34" name="Rectangle 8">
+            <a:extLst>
+              <a:ext uri="{FF2B5EF4-FFF2-40B4-BE49-F238E27FC236}">
+                <a16:creationId xmlns:a16="http://schemas.microsoft.com/office/drawing/2014/main" id="{058A14AF-9FB5-4CC7-BA35-E8E85D3EDF0E}"/>
+              </a:ext>
+              <a:ext uri="{C183D7F6-B498-43B3-948B-1728B52AA6E4}">
+                <adec:decorative xmlns:adec="http://schemas.microsoft.com/office/drawing/2017/decorative" val="1"/>
+              </a:ext>
+            </a:extLst>
+          </p:cNvPr>
+          <p:cNvSpPr>
+            <a:spLocks noGrp="1" noRot="1" noChangeAspect="1" noMove="1" noResize="1" noEditPoints="1" noAdjustHandles="1" noChangeArrowheads="1" noChangeShapeType="1" noTextEdit="1"/>
+          </p:cNvSpPr>
+          <p:nvPr>
+            <p:extLst>
+              <p:ext uri="{386F3935-93C4-4BCD-93E2-E3B085C9AB24}">
+                <p16:designElem xmlns:p16="http://schemas.microsoft.com/office/powerpoint/2015/main" val="1"/>
+              </p:ext>
+            </p:extLst>
+          </p:nvPr>
+        </p:nvSpPr>
+        <p:spPr>
+          <a:xfrm>
+            <a:off x="0" y="0"/>
+            <a:ext cx="12191999" cy="6857365"/>
+          </a:xfrm>
+          <a:prstGeom prst="rect">
+            <a:avLst/>
+          </a:prstGeom>
+          <a:ln>
+            <a:noFill/>
+          </a:ln>
+        </p:spPr>
+        <p:style>
+          <a:lnRef idx="2">
+            <a:schemeClr val="accent1">
+              <a:shade val="50000"/>
+            </a:schemeClr>
+          </a:lnRef>
+          <a:fillRef idx="1">
+            <a:schemeClr val="accent1"/>
+          </a:fillRef>
+          <a:effectRef idx="0">
+            <a:schemeClr val="accent1"/>
+          </a:effectRef>
+          <a:fontRef idx="minor">
+            <a:schemeClr val="lt1"/>
+          </a:fontRef>
+        </p:style>
+        <p:txBody>
+          <a:bodyPr rtlCol="0" anchor="ctr"/>
+          <a:lstStyle/>
+          <a:p>
+            <a:pPr algn="ctr"/>
+            <a:endParaRPr lang="en-US"/>
+          </a:p>
+        </p:txBody>
+      </p:sp>
+      <p:sp>
+        <p:nvSpPr>
+          <p:cNvPr id="2" name="Titel 1">
+            <a:extLst>
+              <a:ext uri="{FF2B5EF4-FFF2-40B4-BE49-F238E27FC236}">
+                <a16:creationId xmlns:a16="http://schemas.microsoft.com/office/drawing/2014/main" id="{1739333B-3773-EC66-130B-F17B3BCDA058}"/>
+              </a:ext>
+            </a:extLst>
+          </p:cNvPr>
+          <p:cNvSpPr>
+            <a:spLocks noGrp="1"/>
+          </p:cNvSpPr>
+          <p:nvPr>
+            <p:ph type="title"/>
+          </p:nvPr>
+        </p:nvSpPr>
+        <p:spPr>
+          <a:xfrm>
+            <a:off x="793662" y="386930"/>
+            <a:ext cx="10066122" cy="1298448"/>
+          </a:xfrm>
+        </p:spPr>
+        <p:txBody>
+          <a:bodyPr anchor="b">
+            <a:normAutofit/>
+          </a:bodyPr>
+          <a:lstStyle/>
+          <a:p>
+            <a:r>
+              <a:rPr lang="en-GB" sz="4800" dirty="0"/>
+              <a:t>What even is Forecasting?</a:t>
+            </a:r>
+          </a:p>
+        </p:txBody>
+      </p:sp>
+      <p:sp>
+        <p:nvSpPr>
+          <p:cNvPr id="11" name="Rectangle 10">
+            <a:extLst>
+              <a:ext uri="{FF2B5EF4-FFF2-40B4-BE49-F238E27FC236}">
+                <a16:creationId xmlns:a16="http://schemas.microsoft.com/office/drawing/2014/main" id="{3A9A4357-BD1D-4622-A4FE-766E6AB8DE84}"/>
+              </a:ext>
+              <a:ext uri="{C183D7F6-B498-43B3-948B-1728B52AA6E4}">
+                <adec:decorative xmlns:adec="http://schemas.microsoft.com/office/drawing/2017/decorative" val="1"/>
+              </a:ext>
+            </a:extLst>
+          </p:cNvPr>
+          <p:cNvSpPr>
+            <a:spLocks noGrp="1" noRot="1" noChangeAspect="1" noMove="1" noResize="1" noEditPoints="1" noAdjustHandles="1" noChangeArrowheads="1" noChangeShapeType="1" noTextEdit="1"/>
+          </p:cNvSpPr>
+          <p:nvPr>
+            <p:extLst>
+              <p:ext uri="{386F3935-93C4-4BCD-93E2-E3B085C9AB24}">
+                <p16:designElem xmlns:p16="http://schemas.microsoft.com/office/powerpoint/2015/main" val="1"/>
+              </p:ext>
+            </p:extLst>
+          </p:nvPr>
+        </p:nvSpPr>
+        <p:spPr>
+          <a:xfrm flipH="1" flipV="1">
+            <a:off x="-2" y="1998845"/>
+            <a:ext cx="11454595" cy="781699"/>
+          </a:xfrm>
+          <a:prstGeom prst="rect">
+            <a:avLst/>
+          </a:prstGeom>
+          <a:solidFill>
+            <a:schemeClr val="accent4"/>
+          </a:solidFill>
+          <a:ln>
+            <a:noFill/>
+          </a:ln>
+        </p:spPr>
+        <p:style>
+          <a:lnRef idx="2">
+            <a:schemeClr val="accent1">
+              <a:shade val="50000"/>
+            </a:schemeClr>
+          </a:lnRef>
+          <a:fillRef idx="1">
+            <a:schemeClr val="accent1"/>
+          </a:fillRef>
+          <a:effectRef idx="0">
+            <a:schemeClr val="accent1"/>
+          </a:effectRef>
+          <a:fontRef idx="minor">
+            <a:schemeClr val="lt1"/>
+          </a:fontRef>
+        </p:style>
+        <p:txBody>
+          <a:bodyPr rtlCol="0" anchor="ctr"/>
+          <a:lstStyle/>
+          <a:p>
+            <a:pPr algn="ctr"/>
+            <a:endParaRPr lang="en-US"/>
+          </a:p>
+        </p:txBody>
+      </p:sp>
+      <p:sp>
+        <p:nvSpPr>
+          <p:cNvPr id="13" name="Rectangle 12">
+            <a:extLst>
+              <a:ext uri="{FF2B5EF4-FFF2-40B4-BE49-F238E27FC236}">
+                <a16:creationId xmlns:a16="http://schemas.microsoft.com/office/drawing/2014/main" id="{E659831F-0D9A-4C63-9EBB-8435B85A440F}"/>
+              </a:ext>
+              <a:ext uri="{C183D7F6-B498-43B3-948B-1728B52AA6E4}">
+                <adec:decorative xmlns:adec="http://schemas.microsoft.com/office/drawing/2017/decorative" val="1"/>
+              </a:ext>
+            </a:extLst>
+          </p:cNvPr>
+          <p:cNvSpPr>
+            <a:spLocks noGrp="1" noRot="1" noChangeAspect="1" noMove="1" noResize="1" noEditPoints="1" noAdjustHandles="1" noChangeArrowheads="1" noChangeShapeType="1" noTextEdit="1"/>
+          </p:cNvSpPr>
+          <p:nvPr>
+            <p:extLst>
+              <p:ext uri="{386F3935-93C4-4BCD-93E2-E3B085C9AB24}">
+                <p16:designElem xmlns:p16="http://schemas.microsoft.com/office/powerpoint/2015/main" val="1"/>
+              </p:ext>
+            </p:extLst>
+          </p:nvPr>
+        </p:nvSpPr>
+        <p:spPr>
+          <a:xfrm>
+            <a:off x="0" y="2203079"/>
+            <a:ext cx="11383362" cy="4267991"/>
+          </a:xfrm>
+          <a:prstGeom prst="rect">
+            <a:avLst/>
+          </a:prstGeom>
+          <a:solidFill>
+            <a:schemeClr val="bg1"/>
+          </a:solidFill>
+          <a:ln>
+            <a:noFill/>
+          </a:ln>
+          <a:effectLst>
+            <a:outerShdw blurRad="139700" dist="127000" dir="5400000" algn="t" rotWithShape="0">
+              <a:prstClr val="black">
+                <a:alpha val="15000"/>
+              </a:prstClr>
+            </a:outerShdw>
+          </a:effectLst>
+        </p:spPr>
+        <p:style>
+          <a:lnRef idx="2">
+            <a:schemeClr val="accent1">
+              <a:shade val="50000"/>
+            </a:schemeClr>
+          </a:lnRef>
+          <a:fillRef idx="1">
+            <a:schemeClr val="accent1"/>
+          </a:fillRef>
+          <a:effectRef idx="0">
+            <a:schemeClr val="accent1"/>
+          </a:effectRef>
+          <a:fontRef idx="minor">
+            <a:schemeClr val="lt1"/>
+          </a:fontRef>
+        </p:style>
+        <p:txBody>
+          <a:bodyPr rtlCol="0" anchor="ctr"/>
+          <a:lstStyle/>
+          <a:p>
+            <a:pPr algn="ctr"/>
+            <a:endParaRPr lang="en-US"/>
+          </a:p>
+        </p:txBody>
+      </p:sp>
+      <p:sp>
+        <p:nvSpPr>
+          <p:cNvPr id="3" name="Inhaltsplatzhalter 2">
+            <a:extLst>
+              <a:ext uri="{FF2B5EF4-FFF2-40B4-BE49-F238E27FC236}">
+                <a16:creationId xmlns:a16="http://schemas.microsoft.com/office/drawing/2014/main" id="{824EFEFD-9F7B-6A02-77BA-FBAB00920466}"/>
+              </a:ext>
+            </a:extLst>
+          </p:cNvPr>
+          <p:cNvSpPr>
+            <a:spLocks noGrp="1"/>
+          </p:cNvSpPr>
+          <p:nvPr>
+            <p:ph idx="1"/>
+          </p:nvPr>
+        </p:nvSpPr>
+        <p:spPr>
+          <a:xfrm>
+            <a:off x="793661" y="2599509"/>
+            <a:ext cx="9849356" cy="3639450"/>
+          </a:xfrm>
+        </p:spPr>
+        <p:txBody>
+          <a:bodyPr anchor="ctr">
+            <a:normAutofit/>
+          </a:bodyPr>
+          <a:lstStyle/>
+          <a:p>
+            <a:pPr marL="0" indent="0">
+              <a:buNone/>
+            </a:pPr>
+            <a:r>
+              <a:rPr lang="en-GB" sz="2000" i="1" dirty="0">
+                <a:latin typeface="Inconsolatazi4"/>
+                <a:sym typeface="Wingdings" pitchFamily="2" charset="2"/>
+              </a:rPr>
+              <a:t>"Forecasting is about predicting the future as accurately as possible, given all of the information available, including historical data and knowledge of any future events that might impact the forecasts.“</a:t>
+            </a:r>
+          </a:p>
+          <a:p>
+            <a:pPr marL="0" indent="0">
+              <a:buNone/>
+            </a:pPr>
+            <a:endParaRPr lang="en-GB" sz="2000" dirty="0">
+              <a:latin typeface="Inconsolatazi4"/>
+              <a:sym typeface="Wingdings" pitchFamily="2" charset="2"/>
+            </a:endParaRPr>
+          </a:p>
+          <a:p>
+            <a:pPr marL="0" indent="0">
+              <a:buNone/>
+            </a:pPr>
+            <a:r>
+              <a:rPr lang="en-GB" sz="2000" dirty="0">
+                <a:latin typeface="Inconsolatazi4"/>
+                <a:sym typeface="Wingdings" pitchFamily="2" charset="2"/>
+              </a:rPr>
+              <a:t>The predictability of an event or a quantity depends on several factors including:</a:t>
+            </a:r>
+          </a:p>
+          <a:p>
+            <a:pPr marL="457200" indent="-457200">
+              <a:buAutoNum type="arabicPeriod"/>
+            </a:pPr>
+            <a:r>
+              <a:rPr lang="en-GB" sz="2000" dirty="0">
+                <a:latin typeface="Inconsolatazi4"/>
+                <a:sym typeface="Wingdings" pitchFamily="2" charset="2"/>
+              </a:rPr>
+              <a:t>how well we understand the </a:t>
+            </a:r>
+            <a:r>
+              <a:rPr lang="en-GB" sz="2000" b="1" dirty="0">
+                <a:latin typeface="Inconsolatazi4"/>
+                <a:sym typeface="Wingdings" pitchFamily="2" charset="2"/>
+              </a:rPr>
+              <a:t>factors </a:t>
+            </a:r>
+            <a:r>
+              <a:rPr lang="en-GB" sz="2000" dirty="0">
+                <a:latin typeface="Inconsolatazi4"/>
+                <a:sym typeface="Wingdings" pitchFamily="2" charset="2"/>
+              </a:rPr>
+              <a:t>that contribute to it;</a:t>
+            </a:r>
+          </a:p>
+          <a:p>
+            <a:pPr marL="457200" indent="-457200">
+              <a:buAutoNum type="arabicPeriod"/>
+            </a:pPr>
+            <a:r>
+              <a:rPr lang="en-GB" sz="2000" dirty="0">
+                <a:latin typeface="Inconsolatazi4"/>
+                <a:sym typeface="Wingdings" pitchFamily="2" charset="2"/>
+              </a:rPr>
+              <a:t>how much </a:t>
+            </a:r>
+            <a:r>
+              <a:rPr lang="en-GB" sz="2000" b="1" dirty="0">
+                <a:latin typeface="Inconsolatazi4"/>
+                <a:sym typeface="Wingdings" pitchFamily="2" charset="2"/>
+              </a:rPr>
+              <a:t>data </a:t>
+            </a:r>
+            <a:r>
+              <a:rPr lang="en-GB" sz="2000" dirty="0">
+                <a:latin typeface="Inconsolatazi4"/>
+                <a:sym typeface="Wingdings" pitchFamily="2" charset="2"/>
+              </a:rPr>
+              <a:t>is available;</a:t>
+            </a:r>
+          </a:p>
+          <a:p>
+            <a:pPr marL="457200" indent="-457200">
+              <a:buAutoNum type="arabicPeriod"/>
+            </a:pPr>
+            <a:r>
+              <a:rPr lang="en-GB" sz="2000" b="1" dirty="0">
+                <a:latin typeface="Inconsolatazi4"/>
+                <a:sym typeface="Wingdings" pitchFamily="2" charset="2"/>
+              </a:rPr>
+              <a:t>how similar the future is to the past</a:t>
+            </a:r>
+            <a:r>
+              <a:rPr lang="en-GB" sz="2000" dirty="0">
+                <a:latin typeface="Inconsolatazi4"/>
+                <a:sym typeface="Wingdings" pitchFamily="2" charset="2"/>
+              </a:rPr>
+              <a:t>;</a:t>
+            </a:r>
+          </a:p>
+          <a:p>
+            <a:pPr marL="457200" indent="-457200">
+              <a:buAutoNum type="arabicPeriod"/>
+            </a:pPr>
+            <a:r>
+              <a:rPr lang="en-GB" sz="2000" b="1" dirty="0">
+                <a:latin typeface="Inconsolatazi4"/>
+                <a:sym typeface="Wingdings" pitchFamily="2" charset="2"/>
+              </a:rPr>
+              <a:t>whether the forecasts can affect the thing we are trying to forecast</a:t>
+            </a:r>
+            <a:r>
+              <a:rPr lang="en-GB" sz="2000" dirty="0">
+                <a:latin typeface="Inconsolatazi4"/>
+                <a:sym typeface="Wingdings" pitchFamily="2" charset="2"/>
+              </a:rPr>
+              <a:t>.</a:t>
+            </a:r>
+          </a:p>
+          <a:p>
+            <a:pPr marL="0" indent="0">
+              <a:buNone/>
+            </a:pPr>
+            <a:endParaRPr lang="en-GB" sz="2000" dirty="0">
+              <a:latin typeface="Inconsolatazi4"/>
+              <a:sym typeface="Wingdings" pitchFamily="2" charset="2"/>
+            </a:endParaRPr>
+          </a:p>
+        </p:txBody>
+      </p:sp>
+      <p:sp>
+        <p:nvSpPr>
+          <p:cNvPr id="15" name="Rectangle 14">
+            <a:extLst>
+              <a:ext uri="{FF2B5EF4-FFF2-40B4-BE49-F238E27FC236}">
+                <a16:creationId xmlns:a16="http://schemas.microsoft.com/office/drawing/2014/main" id="{E6995CE5-F890-4ABA-82A2-26507CE8D2A3}"/>
+              </a:ext>
+              <a:ext uri="{C183D7F6-B498-43B3-948B-1728B52AA6E4}">
+                <adec:decorative xmlns:adec="http://schemas.microsoft.com/office/drawing/2017/decorative" val="1"/>
+              </a:ext>
+            </a:extLst>
+          </p:cNvPr>
+          <p:cNvSpPr>
+            <a:spLocks noGrp="1" noRot="1" noChangeAspect="1" noMove="1" noResize="1" noEditPoints="1" noAdjustHandles="1" noChangeArrowheads="1" noChangeShapeType="1" noTextEdit="1"/>
+          </p:cNvSpPr>
+          <p:nvPr>
+            <p:extLst>
+              <p:ext uri="{386F3935-93C4-4BCD-93E2-E3B085C9AB24}">
+                <p16:designElem xmlns:p16="http://schemas.microsoft.com/office/powerpoint/2015/main" val="1"/>
+              </p:ext>
+            </p:extLst>
+          </p:nvPr>
+        </p:nvSpPr>
+        <p:spPr>
+          <a:xfrm rot="5400000">
+            <a:off x="11228040" y="2313027"/>
+            <a:ext cx="781700" cy="152382"/>
+          </a:xfrm>
+          <a:prstGeom prst="rect">
+            <a:avLst/>
+          </a:prstGeom>
+          <a:solidFill>
+            <a:schemeClr val="accent4"/>
+          </a:solidFill>
+          <a:ln>
+            <a:noFill/>
+          </a:ln>
+        </p:spPr>
+        <p:style>
+          <a:lnRef idx="2">
+            <a:schemeClr val="accent1">
+              <a:shade val="50000"/>
+            </a:schemeClr>
+          </a:lnRef>
+          <a:fillRef idx="1">
+            <a:schemeClr val="accent1"/>
+          </a:fillRef>
+          <a:effectRef idx="0">
+            <a:schemeClr val="accent1"/>
+          </a:effectRef>
+          <a:fontRef idx="minor">
+            <a:schemeClr val="lt1"/>
+          </a:fontRef>
+        </p:style>
+        <p:txBody>
+          <a:bodyPr rtlCol="0" anchor="ctr"/>
+          <a:lstStyle/>
+          <a:p>
+            <a:pPr algn="ctr"/>
+            <a:endParaRPr lang="en-US"/>
+          </a:p>
+        </p:txBody>
+      </p:sp>
+      <p:pic>
+        <p:nvPicPr>
+          <p:cNvPr id="5" name="Kamera 4">
+            <a:extLst>
+              <a:ext uri="{FF2B5EF4-FFF2-40B4-BE49-F238E27FC236}">
+                <a16:creationId xmlns:a16="http://schemas.microsoft.com/office/drawing/2014/main" id="{5D0757A2-9332-4E73-0AC6-225A3AB7AFEB}"/>
+              </a:ext>
+            </a:extLst>
+          </p:cNvPr>
+          <p:cNvPicPr>
+            <a:picLocks noChangeAspect="1"/>
+            <a:extLst>
+              <a:ext uri="{51228E76-BA90-4043-B771-695A4F85340A}">
+                <alf:liveFeedProps xmlns:alf="http://schemas.microsoft.com/office/drawing/2021/livefeed"/>
+              </a:ext>
+            </a:extLst>
+          </p:cNvPicPr>
+          <p:nvPr/>
+        </p:nvPicPr>
+        <p:blipFill>
+          <a:blip r:embed="rId3">
+            <a:extLst>
+              <a:ext uri="{96DAC541-7B7A-43D3-8B79-37D633B846F1}">
+                <asvg:svgBlip xmlns:asvg="http://schemas.microsoft.com/office/drawing/2016/SVG/main" r:embed="rId4"/>
+              </a:ext>
+            </a:extLst>
+          </a:blip>
+          <a:stretch>
+            <a:fillRect/>
+          </a:stretch>
+        </p:blipFill>
+        <p:spPr>
+          <a:xfrm>
+            <a:off x="9495539" y="178904"/>
+            <a:ext cx="1979734" cy="1714500"/>
+          </a:xfrm>
+          <a:prstGeom prst="hexagon">
+            <a:avLst>
+              <a:gd name="adj" fmla="val 29000"/>
+              <a:gd name="vf" fmla="val 115470"/>
+            </a:avLst>
+          </a:prstGeom>
+          <a:ln>
+            <a:noFill/>
+          </a:ln>
+          <a:effectLst>
+            <a:outerShdw blurRad="190500" algn="tl" rotWithShape="0">
+              <a:srgbClr val="000000">
+                <a:alpha val="30000"/>
+              </a:srgbClr>
+            </a:outerShdw>
+          </a:effectLst>
+        </p:spPr>
+      </p:pic>
+      <p:sp>
+        <p:nvSpPr>
+          <p:cNvPr id="4" name="TextBox 3">
+            <a:extLst>
+              <a:ext uri="{FF2B5EF4-FFF2-40B4-BE49-F238E27FC236}">
+                <a16:creationId xmlns:a16="http://schemas.microsoft.com/office/drawing/2014/main" id="{2242B11C-297D-EB5F-DDCF-730154579D99}"/>
+              </a:ext>
+            </a:extLst>
+          </p:cNvPr>
+          <p:cNvSpPr txBox="1"/>
+          <p:nvPr/>
+        </p:nvSpPr>
+        <p:spPr>
+          <a:xfrm>
+            <a:off x="7829288" y="6016608"/>
+            <a:ext cx="5312235" cy="276999"/>
+          </a:xfrm>
+          <a:prstGeom prst="rect">
+            <a:avLst/>
+          </a:prstGeom>
+          <a:noFill/>
+        </p:spPr>
+        <p:txBody>
+          <a:bodyPr wrap="square" rtlCol="0">
+            <a:spAutoFit/>
+          </a:bodyPr>
+          <a:lstStyle/>
+          <a:p>
+            <a:r>
+              <a:rPr lang="en-GB" sz="1200" dirty="0">
+                <a:latin typeface="Inconsolatazi4"/>
+              </a:rPr>
+              <a:t>Source: Hyndman, R.J., &amp; Athanasopoulos, G. (2021)</a:t>
+            </a:r>
+          </a:p>
+        </p:txBody>
+      </p:sp>
+    </p:spTree>
+    <p:extLst>
+      <p:ext uri="{BB962C8B-B14F-4D97-AF65-F5344CB8AC3E}">
+        <p14:creationId xmlns:p14="http://schemas.microsoft.com/office/powerpoint/2010/main" val="2055111376"/>
+      </p:ext>
+    </p:extLst>
+  </p:cSld>
+  <p:clrMapOvr>
+    <a:masterClrMapping/>
+  </p:clrMapOvr>
+</p:sld>
+</file>
+
+<file path=ppt/slides/slide12.xml><?xml version="1.0" encoding="utf-8"?>
+<p:sld xmlns:a="http://schemas.openxmlformats.org/drawingml/2006/main" xmlns:r="http://schemas.openxmlformats.org/officeDocument/2006/relationships" xmlns:p="http://schemas.openxmlformats.org/presentationml/2006/main">
+  <p:cSld>
+    <p:bg>
+      <p:bgPr>
+        <a:solidFill>
+          <a:schemeClr val="bg1"/>
+        </a:solidFill>
+        <a:effectLst/>
+      </p:bgPr>
+    </p:bg>
+    <p:spTree>
+      <p:nvGrpSpPr>
+        <p:cNvPr id="1" name=""/>
+        <p:cNvGrpSpPr/>
+        <p:nvPr/>
+      </p:nvGrpSpPr>
+      <p:grpSpPr>
+        <a:xfrm>
+          <a:off x="0" y="0"/>
+          <a:ext cx="0" cy="0"/>
+          <a:chOff x="0" y="0"/>
+          <a:chExt cx="0" cy="0"/>
+        </a:xfrm>
+      </p:grpSpPr>
+      <p:sp useBgFill="1">
+        <p:nvSpPr>
+          <p:cNvPr id="15" name="Rectangle 14">
+            <a:extLst>
+              <a:ext uri="{FF2B5EF4-FFF2-40B4-BE49-F238E27FC236}">
+                <a16:creationId xmlns:a16="http://schemas.microsoft.com/office/drawing/2014/main" id="{149FB5C3-7336-4FE0-A30C-CC0A3646D499}"/>
+              </a:ext>
+              <a:ext uri="{C183D7F6-B498-43B3-948B-1728B52AA6E4}">
+                <adec:decorative xmlns:adec="http://schemas.microsoft.com/office/drawing/2017/decorative" val="1"/>
+              </a:ext>
+            </a:extLst>
+          </p:cNvPr>
+          <p:cNvSpPr>
+            <a:spLocks noGrp="1" noRot="1" noChangeAspect="1" noMove="1" noResize="1" noEditPoints="1" noAdjustHandles="1" noChangeArrowheads="1" noChangeShapeType="1" noTextEdit="1"/>
+          </p:cNvSpPr>
+          <p:nvPr>
+            <p:extLst>
+              <p:ext uri="{386F3935-93C4-4BCD-93E2-E3B085C9AB24}">
+                <p16:designElem xmlns:p16="http://schemas.microsoft.com/office/powerpoint/2015/main" val="1"/>
+              </p:ext>
+            </p:extLst>
+          </p:nvPr>
+        </p:nvSpPr>
+        <p:spPr>
+          <a:xfrm>
+            <a:off x="0" y="0"/>
+            <a:ext cx="12191999" cy="6857365"/>
+          </a:xfrm>
+          <a:prstGeom prst="rect">
+            <a:avLst/>
+          </a:prstGeom>
+          <a:ln>
+            <a:noFill/>
+          </a:ln>
+        </p:spPr>
+        <p:style>
+          <a:lnRef idx="2">
+            <a:schemeClr val="accent1">
+              <a:shade val="50000"/>
+            </a:schemeClr>
+          </a:lnRef>
+          <a:fillRef idx="1">
+            <a:schemeClr val="accent1"/>
+          </a:fillRef>
+          <a:effectRef idx="0">
+            <a:schemeClr val="accent1"/>
+          </a:effectRef>
+          <a:fontRef idx="minor">
+            <a:schemeClr val="lt1"/>
+          </a:fontRef>
+        </p:style>
+        <p:txBody>
+          <a:bodyPr rtlCol="0" anchor="ctr"/>
+          <a:lstStyle/>
+          <a:p>
+            <a:pPr algn="ctr"/>
+            <a:endParaRPr lang="en-US"/>
+          </a:p>
+        </p:txBody>
+      </p:sp>
+      <p:grpSp>
+        <p:nvGrpSpPr>
+          <p:cNvPr id="17" name="Group 16">
+            <a:extLst>
+              <a:ext uri="{FF2B5EF4-FFF2-40B4-BE49-F238E27FC236}">
+                <a16:creationId xmlns:a16="http://schemas.microsoft.com/office/drawing/2014/main" id="{19A6B5CE-CB1D-48EE-8B43-E952235C8371}"/>
+              </a:ext>
+              <a:ext uri="{C183D7F6-B498-43B3-948B-1728B52AA6E4}">
+                <adec:decorative xmlns:adec="http://schemas.microsoft.com/office/drawing/2017/decorative" val="1"/>
+              </a:ext>
+            </a:extLst>
+          </p:cNvPr>
+          <p:cNvGrpSpPr>
+            <a:grpSpLocks noGrp="1" noUngrp="1" noRot="1" noChangeAspect="1" noMove="1" noResize="1"/>
+          </p:cNvGrpSpPr>
+          <p:nvPr>
+            <p:extLst>
+              <p:ext uri="{386F3935-93C4-4BCD-93E2-E3B085C9AB24}">
+                <p16:designElem xmlns:p16="http://schemas.microsoft.com/office/powerpoint/2015/main" val="1"/>
+              </p:ext>
+            </p:extLst>
+          </p:nvPr>
+        </p:nvGrpSpPr>
+        <p:grpSpPr>
+          <a:xfrm rot="5400000">
+            <a:off x="-2340441" y="2666183"/>
+            <a:ext cx="5860051" cy="527712"/>
+            <a:chOff x="6081624" y="1998368"/>
+            <a:chExt cx="5613457" cy="782175"/>
+          </a:xfrm>
+          <a:solidFill>
+            <a:schemeClr val="accent4"/>
+          </a:solidFill>
+        </p:grpSpPr>
+        <p:sp>
+          <p:nvSpPr>
+            <p:cNvPr id="18" name="Rectangle 17">
+              <a:extLst>
+                <a:ext uri="{FF2B5EF4-FFF2-40B4-BE49-F238E27FC236}">
+                  <a16:creationId xmlns:a16="http://schemas.microsoft.com/office/drawing/2014/main" id="{E3F3EAA5-4E15-400B-BBA3-82B3F49A2178}"/>
+                </a:ext>
+                <a:ext uri="{C183D7F6-B498-43B3-948B-1728B52AA6E4}">
+                  <adec:decorative xmlns:adec="http://schemas.microsoft.com/office/drawing/2017/decorative" val="1"/>
+                </a:ext>
+              </a:extLst>
+            </p:cNvPr>
+            <p:cNvSpPr/>
+            <p:nvPr>
+              <p:extLst>
+                <p:ext uri="{386F3935-93C4-4BCD-93E2-E3B085C9AB24}">
+                  <p16:designElem xmlns:p16="http://schemas.microsoft.com/office/powerpoint/2015/main" val="1"/>
+                </p:ext>
+              </p:extLst>
+            </p:nvPr>
+          </p:nvSpPr>
+          <p:spPr>
+            <a:xfrm rot="5400000">
+              <a:off x="11228040" y="2313027"/>
+              <a:ext cx="781700" cy="152382"/>
+            </a:xfrm>
+            <a:prstGeom prst="rect">
+              <a:avLst/>
+            </a:prstGeom>
+            <a:grpFill/>
+            <a:ln>
+              <a:noFill/>
+            </a:ln>
+          </p:spPr>
+          <p:style>
+            <a:lnRef idx="2">
+              <a:schemeClr val="accent1">
+                <a:shade val="50000"/>
+              </a:schemeClr>
+            </a:lnRef>
+            <a:fillRef idx="1">
+              <a:schemeClr val="accent1"/>
+            </a:fillRef>
+            <a:effectRef idx="0">
+              <a:schemeClr val="accent1"/>
+            </a:effectRef>
+            <a:fontRef idx="minor">
+              <a:schemeClr val="lt1"/>
+            </a:fontRef>
+          </p:style>
+          <p:txBody>
+            <a:bodyPr rtlCol="0" anchor="ctr"/>
+            <a:lstStyle/>
+            <a:p>
+              <a:pPr algn="ctr"/>
+              <a:endParaRPr lang="en-US"/>
+            </a:p>
+          </p:txBody>
+        </p:sp>
+        <p:sp>
+          <p:nvSpPr>
+            <p:cNvPr id="19" name="Rectangle 18">
+              <a:extLst>
+                <a:ext uri="{FF2B5EF4-FFF2-40B4-BE49-F238E27FC236}">
+                  <a16:creationId xmlns:a16="http://schemas.microsoft.com/office/drawing/2014/main" id="{72BA2E40-BE9B-4C54-9CDD-40EE804CCE64}"/>
+                </a:ext>
+                <a:ext uri="{C183D7F6-B498-43B3-948B-1728B52AA6E4}">
+                  <adec:decorative xmlns:adec="http://schemas.microsoft.com/office/drawing/2017/decorative" val="1"/>
+                </a:ext>
+              </a:extLst>
+            </p:cNvPr>
+            <p:cNvSpPr/>
+            <p:nvPr>
+              <p:extLst>
+                <p:ext uri="{386F3935-93C4-4BCD-93E2-E3B085C9AB24}">
+                  <p16:designElem xmlns:p16="http://schemas.microsoft.com/office/powerpoint/2015/main" val="1"/>
+                </p:ext>
+              </p:extLst>
+            </p:nvPr>
+          </p:nvSpPr>
+          <p:spPr>
+            <a:xfrm flipH="1" flipV="1">
+              <a:off x="6081624" y="1998844"/>
+              <a:ext cx="5372968" cy="781699"/>
+            </a:xfrm>
+            <a:prstGeom prst="rect">
+              <a:avLst/>
+            </a:prstGeom>
+            <a:grpFill/>
+            <a:ln>
+              <a:noFill/>
+            </a:ln>
+          </p:spPr>
+          <p:style>
+            <a:lnRef idx="2">
+              <a:schemeClr val="accent1">
+                <a:shade val="50000"/>
+              </a:schemeClr>
+            </a:lnRef>
+            <a:fillRef idx="1">
+              <a:schemeClr val="accent1"/>
+            </a:fillRef>
+            <a:effectRef idx="0">
+              <a:schemeClr val="accent1"/>
+            </a:effectRef>
+            <a:fontRef idx="minor">
+              <a:schemeClr val="lt1"/>
+            </a:fontRef>
+          </p:style>
+          <p:txBody>
+            <a:bodyPr rtlCol="0" anchor="ctr"/>
+            <a:lstStyle/>
+            <a:p>
+              <a:pPr algn="ctr"/>
+              <a:endParaRPr lang="en-US"/>
+            </a:p>
+          </p:txBody>
+        </p:sp>
+      </p:grpSp>
+      <p:sp>
+        <p:nvSpPr>
+          <p:cNvPr id="21" name="Rectangle 20">
+            <a:extLst>
+              <a:ext uri="{FF2B5EF4-FFF2-40B4-BE49-F238E27FC236}">
+                <a16:creationId xmlns:a16="http://schemas.microsoft.com/office/drawing/2014/main" id="{0DA909B4-15FF-46A6-8A7F-7AEF977FE9ED}"/>
+              </a:ext>
+              <a:ext uri="{C183D7F6-B498-43B3-948B-1728B52AA6E4}">
+                <adec:decorative xmlns:adec="http://schemas.microsoft.com/office/drawing/2017/decorative" val="1"/>
+              </a:ext>
+            </a:extLst>
+          </p:cNvPr>
+          <p:cNvSpPr>
+            <a:spLocks noGrp="1" noRot="1" noChangeAspect="1" noMove="1" noResize="1" noEditPoints="1" noAdjustHandles="1" noChangeArrowheads="1" noChangeShapeType="1" noTextEdit="1"/>
+          </p:cNvSpPr>
+          <p:nvPr>
+            <p:extLst>
+              <p:ext uri="{386F3935-93C4-4BCD-93E2-E3B085C9AB24}">
+                <p16:designElem xmlns:p16="http://schemas.microsoft.com/office/powerpoint/2015/main" val="1"/>
+              </p:ext>
+            </p:extLst>
+          </p:nvPr>
+        </p:nvSpPr>
+        <p:spPr>
+          <a:xfrm>
+            <a:off x="579528" y="517897"/>
+            <a:ext cx="11111729" cy="5857966"/>
+          </a:xfrm>
+          <a:prstGeom prst="rect">
+            <a:avLst/>
+          </a:prstGeom>
+          <a:solidFill>
+            <a:schemeClr val="bg1"/>
+          </a:solidFill>
+          <a:ln>
+            <a:noFill/>
+          </a:ln>
+          <a:effectLst>
+            <a:outerShdw blurRad="139700" dist="127000" dir="5400000" algn="t" rotWithShape="0">
+              <a:prstClr val="black">
+                <a:alpha val="15000"/>
+              </a:prstClr>
+            </a:outerShdw>
+          </a:effectLst>
+        </p:spPr>
+        <p:style>
+          <a:lnRef idx="2">
+            <a:schemeClr val="accent1">
+              <a:shade val="50000"/>
+            </a:schemeClr>
+          </a:lnRef>
+          <a:fillRef idx="1">
+            <a:schemeClr val="accent1"/>
+          </a:fillRef>
+          <a:effectRef idx="0">
+            <a:schemeClr val="accent1"/>
+          </a:effectRef>
+          <a:fontRef idx="minor">
+            <a:schemeClr val="lt1"/>
+          </a:fontRef>
+        </p:style>
+        <p:txBody>
+          <a:bodyPr rtlCol="0" anchor="ctr"/>
+          <a:lstStyle/>
+          <a:p>
+            <a:pPr algn="ctr"/>
+            <a:endParaRPr lang="en-US"/>
+          </a:p>
+        </p:txBody>
+      </p:sp>
+      <p:sp>
+        <p:nvSpPr>
+          <p:cNvPr id="2" name="Titel 1">
+            <a:extLst>
+              <a:ext uri="{FF2B5EF4-FFF2-40B4-BE49-F238E27FC236}">
+                <a16:creationId xmlns:a16="http://schemas.microsoft.com/office/drawing/2014/main" id="{F6655BA3-676A-D955-E13C-5A2890900397}"/>
+              </a:ext>
+            </a:extLst>
+          </p:cNvPr>
+          <p:cNvSpPr>
+            <a:spLocks noGrp="1"/>
+          </p:cNvSpPr>
+          <p:nvPr>
+            <p:ph type="title"/>
+          </p:nvPr>
+        </p:nvSpPr>
+        <p:spPr>
+          <a:xfrm>
+            <a:off x="1055713" y="663695"/>
+            <a:ext cx="7845156" cy="1169585"/>
+          </a:xfrm>
+        </p:spPr>
+        <p:txBody>
+          <a:bodyPr anchor="t">
+            <a:normAutofit/>
+          </a:bodyPr>
+          <a:lstStyle/>
+          <a:p>
+            <a:r>
+              <a:rPr lang="en-GB" sz="3700" dirty="0"/>
+              <a:t>Fable in the Tidy Workflow</a:t>
+            </a:r>
+          </a:p>
+        </p:txBody>
+      </p:sp>
+      <p:sp>
+        <p:nvSpPr>
+          <p:cNvPr id="23" name="Rectangle 22">
+            <a:extLst>
+              <a:ext uri="{FF2B5EF4-FFF2-40B4-BE49-F238E27FC236}">
+                <a16:creationId xmlns:a16="http://schemas.microsoft.com/office/drawing/2014/main" id="{1382A32C-5B0C-4B1C-A074-76C6DBCC9F87}"/>
+              </a:ext>
+              <a:ext uri="{C183D7F6-B498-43B3-948B-1728B52AA6E4}">
+                <adec:decorative xmlns:adec="http://schemas.microsoft.com/office/drawing/2017/decorative" val="1"/>
+              </a:ext>
+            </a:extLst>
+          </p:cNvPr>
+          <p:cNvSpPr>
+            <a:spLocks noGrp="1" noRot="1" noChangeAspect="1" noMove="1" noResize="1" noEditPoints="1" noAdjustHandles="1" noChangeArrowheads="1" noChangeShapeType="1" noTextEdit="1"/>
+          </p:cNvSpPr>
+          <p:nvPr>
+            <p:extLst>
+              <p:ext uri="{386F3935-93C4-4BCD-93E2-E3B085C9AB24}">
+                <p16:designElem xmlns:p16="http://schemas.microsoft.com/office/powerpoint/2015/main" val="1"/>
+              </p:ext>
+            </p:extLst>
+          </p:nvPr>
+        </p:nvSpPr>
+        <p:spPr>
+          <a:xfrm flipH="1">
+            <a:off x="1055714" y="2263365"/>
+            <a:ext cx="4937760" cy="27432"/>
+          </a:xfrm>
+          <a:prstGeom prst="rect">
+            <a:avLst/>
+          </a:prstGeom>
+          <a:solidFill>
+            <a:schemeClr val="accent4"/>
+          </a:solidFill>
+          <a:ln>
+            <a:noFill/>
+          </a:ln>
+        </p:spPr>
+        <p:style>
+          <a:lnRef idx="2">
+            <a:schemeClr val="accent1">
+              <a:shade val="50000"/>
+            </a:schemeClr>
+          </a:lnRef>
+          <a:fillRef idx="1">
+            <a:schemeClr val="accent1"/>
+          </a:fillRef>
+          <a:effectRef idx="0">
+            <a:schemeClr val="accent1"/>
+          </a:effectRef>
+          <a:fontRef idx="minor">
+            <a:schemeClr val="lt1"/>
+          </a:fontRef>
+        </p:style>
+        <p:txBody>
+          <a:bodyPr rtlCol="0" anchor="ctr"/>
+          <a:lstStyle/>
+          <a:p>
+            <a:pPr algn="ctr"/>
+            <a:endParaRPr lang="en-US"/>
+          </a:p>
+        </p:txBody>
+      </p:sp>
+      <p:pic>
+        <p:nvPicPr>
+          <p:cNvPr id="3" name="Kamera 2">
+            <a:extLst>
+              <a:ext uri="{FF2B5EF4-FFF2-40B4-BE49-F238E27FC236}">
+                <a16:creationId xmlns:a16="http://schemas.microsoft.com/office/drawing/2014/main" id="{18C3FFBC-239F-FC30-2E9D-D5022F0510C7}"/>
+              </a:ext>
+            </a:extLst>
+          </p:cNvPr>
+          <p:cNvPicPr>
+            <a:picLocks noChangeAspect="1"/>
+            <a:extLst>
+              <a:ext uri="{51228E76-BA90-4043-B771-695A4F85340A}">
+                <alf:liveFeedProps xmlns:alf="http://schemas.microsoft.com/office/drawing/2021/livefeed"/>
+              </a:ext>
+            </a:extLst>
+          </p:cNvPicPr>
+          <p:nvPr/>
+        </p:nvPicPr>
+        <p:blipFill>
+          <a:blip r:embed="rId3">
+            <a:extLst>
+              <a:ext uri="{96DAC541-7B7A-43D3-8B79-37D633B846F1}">
+                <asvg:svgBlip xmlns:asvg="http://schemas.microsoft.com/office/drawing/2016/SVG/main" r:embed="rId4"/>
+              </a:ext>
+            </a:extLst>
+          </a:blip>
+          <a:stretch>
+            <a:fillRect/>
+          </a:stretch>
+        </p:blipFill>
+        <p:spPr>
+          <a:xfrm>
+            <a:off x="9495539" y="178904"/>
+            <a:ext cx="1979734" cy="1714500"/>
+          </a:xfrm>
+          <a:prstGeom prst="hexagon">
+            <a:avLst>
+              <a:gd name="adj" fmla="val 29000"/>
+              <a:gd name="vf" fmla="val 115470"/>
+            </a:avLst>
+          </a:prstGeom>
+          <a:ln>
+            <a:noFill/>
+          </a:ln>
+          <a:effectLst>
+            <a:outerShdw blurRad="190500" algn="tl" rotWithShape="0">
+              <a:srgbClr val="000000">
+                <a:alpha val="30000"/>
+              </a:srgbClr>
+            </a:outerShdw>
+          </a:effectLst>
+        </p:spPr>
+      </p:pic>
+      <p:grpSp>
+        <p:nvGrpSpPr>
+          <p:cNvPr id="4" name="Gruppieren 30">
+            <a:extLst>
+              <a:ext uri="{FF2B5EF4-FFF2-40B4-BE49-F238E27FC236}">
+                <a16:creationId xmlns:a16="http://schemas.microsoft.com/office/drawing/2014/main" id="{FE8F5D76-57E7-3008-2606-09372731008C}"/>
+              </a:ext>
+            </a:extLst>
+          </p:cNvPr>
+          <p:cNvGrpSpPr/>
+          <p:nvPr/>
+        </p:nvGrpSpPr>
+        <p:grpSpPr>
+          <a:xfrm>
+            <a:off x="2041019" y="2800422"/>
+            <a:ext cx="5874544" cy="1873661"/>
+            <a:chOff x="661147" y="4407069"/>
+            <a:chExt cx="5874544" cy="1873661"/>
+          </a:xfrm>
+        </p:grpSpPr>
+        <p:sp>
+          <p:nvSpPr>
+            <p:cNvPr id="6" name="Textfeld 10">
+              <a:extLst>
+                <a:ext uri="{FF2B5EF4-FFF2-40B4-BE49-F238E27FC236}">
+                  <a16:creationId xmlns:a16="http://schemas.microsoft.com/office/drawing/2014/main" id="{52F62F3C-275B-4DA6-0EE7-6E0B1FB6855E}"/>
+                </a:ext>
+              </a:extLst>
+            </p:cNvPr>
+            <p:cNvSpPr txBox="1"/>
+            <p:nvPr/>
+          </p:nvSpPr>
+          <p:spPr>
+            <a:xfrm>
+              <a:off x="661147" y="5182815"/>
+              <a:ext cx="661988" cy="371475"/>
+            </a:xfrm>
+            <a:prstGeom prst="rect">
+              <a:avLst/>
+            </a:prstGeom>
+            <a:noFill/>
+          </p:spPr>
+          <p:txBody>
+            <a:bodyPr wrap="square" rtlCol="0">
+              <a:spAutoFit/>
+            </a:bodyPr>
+            <a:lstStyle/>
+            <a:p>
+              <a:r>
+                <a:rPr lang="en-GB" dirty="0">
+                  <a:solidFill>
+                    <a:schemeClr val="bg1"/>
+                  </a:solidFill>
+                </a:rPr>
+                <a:t>Tidy</a:t>
+              </a:r>
+            </a:p>
+          </p:txBody>
+        </p:sp>
+        <p:pic>
+          <p:nvPicPr>
+            <p:cNvPr id="7" name="Grafik 12" descr="Pfeil nach oben Silhouette">
+              <a:extLst>
+                <a:ext uri="{FF2B5EF4-FFF2-40B4-BE49-F238E27FC236}">
+                  <a16:creationId xmlns:a16="http://schemas.microsoft.com/office/drawing/2014/main" id="{DEB3F7D9-94E2-9C0E-BAFE-7C90AA3B6C5D}"/>
+                </a:ext>
+              </a:extLst>
+            </p:cNvPr>
+            <p:cNvPicPr>
+              <a:picLocks noChangeAspect="1"/>
+            </p:cNvPicPr>
+            <p:nvPr/>
+          </p:nvPicPr>
+          <p:blipFill>
+            <a:blip r:embed="rId5">
+              <a:extLst>
+                <a:ext uri="{96DAC541-7B7A-43D3-8B79-37D633B846F1}">
+                  <asvg:svgBlip xmlns:asvg="http://schemas.microsoft.com/office/drawing/2016/SVG/main" r:embed="rId6"/>
+                </a:ext>
+              </a:extLst>
+            </a:blip>
+            <a:stretch>
+              <a:fillRect/>
+            </a:stretch>
+          </p:blipFill>
+          <p:spPr>
+            <a:xfrm rot="5400000">
+              <a:off x="1231421" y="4911352"/>
+              <a:ext cx="914400" cy="914400"/>
+            </a:xfrm>
+            <a:prstGeom prst="rect">
+              <a:avLst/>
+            </a:prstGeom>
+          </p:spPr>
+        </p:pic>
+        <p:sp>
+          <p:nvSpPr>
+            <p:cNvPr id="8" name="Textfeld 14">
+              <a:extLst>
+                <a:ext uri="{FF2B5EF4-FFF2-40B4-BE49-F238E27FC236}">
+                  <a16:creationId xmlns:a16="http://schemas.microsoft.com/office/drawing/2014/main" id="{D4830C90-FE1A-3A3B-7FC2-4EDA77466DED}"/>
+                </a:ext>
+              </a:extLst>
+            </p:cNvPr>
+            <p:cNvSpPr txBox="1"/>
+            <p:nvPr/>
+          </p:nvSpPr>
+          <p:spPr>
+            <a:xfrm>
+              <a:off x="2093888" y="5193970"/>
+              <a:ext cx="1049361" cy="369332"/>
+            </a:xfrm>
+            <a:prstGeom prst="rect">
+              <a:avLst/>
+            </a:prstGeom>
+            <a:noFill/>
+          </p:spPr>
+          <p:txBody>
+            <a:bodyPr wrap="square" rtlCol="0">
+              <a:spAutoFit/>
+            </a:bodyPr>
+            <a:lstStyle/>
+            <a:p>
+              <a:r>
+                <a:rPr lang="en-GB" dirty="0">
+                  <a:solidFill>
+                    <a:schemeClr val="bg1"/>
+                  </a:solidFill>
+                </a:rPr>
+                <a:t>Visualise</a:t>
+              </a:r>
+            </a:p>
+          </p:txBody>
+        </p:sp>
+        <p:sp>
+          <p:nvSpPr>
+            <p:cNvPr id="9" name="Textfeld 15">
+              <a:extLst>
+                <a:ext uri="{FF2B5EF4-FFF2-40B4-BE49-F238E27FC236}">
+                  <a16:creationId xmlns:a16="http://schemas.microsoft.com/office/drawing/2014/main" id="{3113DF9E-2293-D7B1-0F11-563C227A5B6E}"/>
+                </a:ext>
+              </a:extLst>
+            </p:cNvPr>
+            <p:cNvSpPr txBox="1"/>
+            <p:nvPr/>
+          </p:nvSpPr>
+          <p:spPr>
+            <a:xfrm>
+              <a:off x="3088831" y="4407069"/>
+              <a:ext cx="892969" cy="369332"/>
+            </a:xfrm>
+            <a:prstGeom prst="rect">
+              <a:avLst/>
+            </a:prstGeom>
+            <a:noFill/>
+          </p:spPr>
+          <p:txBody>
+            <a:bodyPr wrap="square" rtlCol="0">
+              <a:spAutoFit/>
+            </a:bodyPr>
+            <a:lstStyle/>
+            <a:p>
+              <a:r>
+                <a:rPr lang="en-GB" dirty="0">
+                  <a:solidFill>
+                    <a:schemeClr val="bg1"/>
+                  </a:solidFill>
+                </a:rPr>
+                <a:t>Specify</a:t>
+              </a:r>
+            </a:p>
+          </p:txBody>
+        </p:sp>
+        <p:sp>
+          <p:nvSpPr>
+            <p:cNvPr id="10" name="Textfeld 16">
+              <a:extLst>
+                <a:ext uri="{FF2B5EF4-FFF2-40B4-BE49-F238E27FC236}">
+                  <a16:creationId xmlns:a16="http://schemas.microsoft.com/office/drawing/2014/main" id="{1380FEE2-B6A3-C86B-3375-DF2E4B0372D5}"/>
+                </a:ext>
+              </a:extLst>
+            </p:cNvPr>
+            <p:cNvSpPr txBox="1"/>
+            <p:nvPr/>
+          </p:nvSpPr>
+          <p:spPr>
+            <a:xfrm>
+              <a:off x="3048769" y="5911398"/>
+              <a:ext cx="973092" cy="369332"/>
+            </a:xfrm>
+            <a:prstGeom prst="rect">
+              <a:avLst/>
+            </a:prstGeom>
+            <a:noFill/>
+          </p:spPr>
+          <p:txBody>
+            <a:bodyPr wrap="square" rtlCol="0">
+              <a:spAutoFit/>
+            </a:bodyPr>
+            <a:lstStyle/>
+            <a:p>
+              <a:r>
+                <a:rPr lang="en-GB" dirty="0">
+                  <a:solidFill>
+                    <a:schemeClr val="bg1"/>
+                  </a:solidFill>
+                </a:rPr>
+                <a:t>Evaluate</a:t>
+              </a:r>
+            </a:p>
+          </p:txBody>
+        </p:sp>
+        <p:sp>
+          <p:nvSpPr>
+            <p:cNvPr id="11" name="Textfeld 17">
+              <a:extLst>
+                <a:ext uri="{FF2B5EF4-FFF2-40B4-BE49-F238E27FC236}">
+                  <a16:creationId xmlns:a16="http://schemas.microsoft.com/office/drawing/2014/main" id="{7B833510-ED3F-E61C-7FB8-92736BB262E5}"/>
+                </a:ext>
+              </a:extLst>
+            </p:cNvPr>
+            <p:cNvSpPr txBox="1"/>
+            <p:nvPr/>
+          </p:nvSpPr>
+          <p:spPr>
+            <a:xfrm>
+              <a:off x="3914002" y="5208836"/>
+              <a:ext cx="1003193" cy="369332"/>
+            </a:xfrm>
+            <a:prstGeom prst="rect">
+              <a:avLst/>
+            </a:prstGeom>
+            <a:noFill/>
+          </p:spPr>
+          <p:txBody>
+            <a:bodyPr wrap="square" rtlCol="0">
+              <a:spAutoFit/>
+            </a:bodyPr>
+            <a:lstStyle/>
+            <a:p>
+              <a:r>
+                <a:rPr lang="en-GB" dirty="0">
+                  <a:solidFill>
+                    <a:schemeClr val="bg1"/>
+                  </a:solidFill>
+                </a:rPr>
+                <a:t>Estimate</a:t>
+              </a:r>
+            </a:p>
+          </p:txBody>
+        </p:sp>
+        <p:sp>
+          <p:nvSpPr>
+            <p:cNvPr id="12" name="Textfeld 18">
+              <a:extLst>
+                <a:ext uri="{FF2B5EF4-FFF2-40B4-BE49-F238E27FC236}">
+                  <a16:creationId xmlns:a16="http://schemas.microsoft.com/office/drawing/2014/main" id="{C56A4832-32E6-88BE-CE7C-340FD5A2D039}"/>
+                </a:ext>
+              </a:extLst>
+            </p:cNvPr>
+            <p:cNvSpPr txBox="1"/>
+            <p:nvPr/>
+          </p:nvSpPr>
+          <p:spPr>
+            <a:xfrm>
+              <a:off x="5486330" y="5208836"/>
+              <a:ext cx="1049361" cy="369332"/>
+            </a:xfrm>
+            <a:prstGeom prst="rect">
+              <a:avLst/>
+            </a:prstGeom>
+            <a:noFill/>
+          </p:spPr>
+          <p:txBody>
+            <a:bodyPr wrap="square" rtlCol="0">
+              <a:spAutoFit/>
+            </a:bodyPr>
+            <a:lstStyle/>
+            <a:p>
+              <a:r>
+                <a:rPr lang="en-GB" dirty="0">
+                  <a:solidFill>
+                    <a:schemeClr val="bg1"/>
+                  </a:solidFill>
+                </a:rPr>
+                <a:t>Forecast</a:t>
+              </a:r>
+            </a:p>
+          </p:txBody>
+        </p:sp>
+        <p:pic>
+          <p:nvPicPr>
+            <p:cNvPr id="13" name="Grafik 19" descr="Pfeil nach oben Silhouette">
+              <a:extLst>
+                <a:ext uri="{FF2B5EF4-FFF2-40B4-BE49-F238E27FC236}">
+                  <a16:creationId xmlns:a16="http://schemas.microsoft.com/office/drawing/2014/main" id="{96DB10CB-6742-C70E-E57B-A376319D4C7E}"/>
+                </a:ext>
+              </a:extLst>
+            </p:cNvPr>
+            <p:cNvPicPr>
+              <a:picLocks noChangeAspect="1"/>
+            </p:cNvPicPr>
+            <p:nvPr/>
+          </p:nvPicPr>
+          <p:blipFill>
+            <a:blip r:embed="rId5">
+              <a:extLst>
+                <a:ext uri="{96DAC541-7B7A-43D3-8B79-37D633B846F1}">
+                  <asvg:svgBlip xmlns:asvg="http://schemas.microsoft.com/office/drawing/2016/SVG/main" r:embed="rId6"/>
+                </a:ext>
+              </a:extLst>
+            </a:blip>
+            <a:stretch>
+              <a:fillRect/>
+            </a:stretch>
+          </p:blipFill>
+          <p:spPr>
+            <a:xfrm rot="5400000">
+              <a:off x="4737390" y="5071798"/>
+              <a:ext cx="914400" cy="613676"/>
+            </a:xfrm>
+            <a:prstGeom prst="rect">
+              <a:avLst/>
+            </a:prstGeom>
+          </p:spPr>
+        </p:pic>
+        <p:sp>
+          <p:nvSpPr>
+            <p:cNvPr id="14" name="Rechteckiger Pfeil 23">
+              <a:extLst>
+                <a:ext uri="{FF2B5EF4-FFF2-40B4-BE49-F238E27FC236}">
+                  <a16:creationId xmlns:a16="http://schemas.microsoft.com/office/drawing/2014/main" id="{8F9C309B-22BE-43F0-9618-17F4EA609B09}"/>
+                </a:ext>
+              </a:extLst>
+            </p:cNvPr>
+            <p:cNvSpPr/>
+            <p:nvPr/>
+          </p:nvSpPr>
+          <p:spPr>
+            <a:xfrm>
+              <a:off x="2468726" y="4453467"/>
+              <a:ext cx="600074" cy="729347"/>
+            </a:xfrm>
+            <a:prstGeom prst="bentArrow">
+              <a:avLst>
+                <a:gd name="adj1" fmla="val 4130"/>
+                <a:gd name="adj2" fmla="val 25000"/>
+                <a:gd name="adj3" fmla="val 25000"/>
+                <a:gd name="adj4" fmla="val 43750"/>
+              </a:avLst>
+            </a:prstGeom>
+            <a:solidFill>
+              <a:schemeClr val="bg1"/>
+            </a:solidFill>
+            <a:ln>
+              <a:noFill/>
+            </a:ln>
+          </p:spPr>
+          <p:style>
+            <a:lnRef idx="2">
+              <a:schemeClr val="accent1">
+                <a:shade val="50000"/>
+              </a:schemeClr>
+            </a:lnRef>
+            <a:fillRef idx="1">
+              <a:schemeClr val="accent1"/>
+            </a:fillRef>
+            <a:effectRef idx="0">
+              <a:schemeClr val="accent1"/>
+            </a:effectRef>
+            <a:fontRef idx="minor">
+              <a:schemeClr val="lt1"/>
+            </a:fontRef>
+          </p:style>
+          <p:txBody>
+            <a:bodyPr rtlCol="0" anchor="ctr"/>
+            <a:lstStyle/>
+            <a:p>
+              <a:pPr algn="ctr"/>
+              <a:endParaRPr lang="en-GB">
+                <a:solidFill>
+                  <a:schemeClr val="bg1"/>
+                </a:solidFill>
+              </a:endParaRPr>
+            </a:p>
+          </p:txBody>
+        </p:sp>
+        <p:sp>
+          <p:nvSpPr>
+            <p:cNvPr id="16" name="Rechteckiger Pfeil 25">
+              <a:extLst>
+                <a:ext uri="{FF2B5EF4-FFF2-40B4-BE49-F238E27FC236}">
+                  <a16:creationId xmlns:a16="http://schemas.microsoft.com/office/drawing/2014/main" id="{6B38FD80-E92C-45E1-F64A-4D96373A2B06}"/>
+                </a:ext>
+              </a:extLst>
+            </p:cNvPr>
+            <p:cNvSpPr/>
+            <p:nvPr/>
+          </p:nvSpPr>
+          <p:spPr>
+            <a:xfrm rot="5400000">
+              <a:off x="3966330" y="4557338"/>
+              <a:ext cx="600074" cy="729347"/>
+            </a:xfrm>
+            <a:prstGeom prst="bentArrow">
+              <a:avLst>
+                <a:gd name="adj1" fmla="val 4130"/>
+                <a:gd name="adj2" fmla="val 25000"/>
+                <a:gd name="adj3" fmla="val 25000"/>
+                <a:gd name="adj4" fmla="val 43750"/>
+              </a:avLst>
+            </a:prstGeom>
+            <a:solidFill>
+              <a:schemeClr val="bg1"/>
+            </a:solidFill>
+            <a:ln>
+              <a:noFill/>
+            </a:ln>
+          </p:spPr>
+          <p:style>
+            <a:lnRef idx="2">
+              <a:schemeClr val="accent1">
+                <a:shade val="50000"/>
+              </a:schemeClr>
+            </a:lnRef>
+            <a:fillRef idx="1">
+              <a:schemeClr val="accent1"/>
+            </a:fillRef>
+            <a:effectRef idx="0">
+              <a:schemeClr val="accent1"/>
+            </a:effectRef>
+            <a:fontRef idx="minor">
+              <a:schemeClr val="lt1"/>
+            </a:fontRef>
+          </p:style>
+          <p:txBody>
+            <a:bodyPr rtlCol="0" anchor="ctr"/>
+            <a:lstStyle/>
+            <a:p>
+              <a:pPr algn="ctr"/>
+              <a:endParaRPr lang="en-GB">
+                <a:solidFill>
+                  <a:schemeClr val="bg1"/>
+                </a:solidFill>
+              </a:endParaRPr>
+            </a:p>
+          </p:txBody>
+        </p:sp>
+        <p:sp>
+          <p:nvSpPr>
+            <p:cNvPr id="20" name="Rechteckiger Pfeil 27">
+              <a:extLst>
+                <a:ext uri="{FF2B5EF4-FFF2-40B4-BE49-F238E27FC236}">
+                  <a16:creationId xmlns:a16="http://schemas.microsoft.com/office/drawing/2014/main" id="{DA74AFC3-420D-0F8C-688E-52948555C77A}"/>
+                </a:ext>
+              </a:extLst>
+            </p:cNvPr>
+            <p:cNvSpPr/>
+            <p:nvPr/>
+          </p:nvSpPr>
+          <p:spPr>
+            <a:xfrm rot="10800000">
+              <a:off x="4004036" y="5543497"/>
+              <a:ext cx="483324" cy="689349"/>
+            </a:xfrm>
+            <a:prstGeom prst="bentArrow">
+              <a:avLst>
+                <a:gd name="adj1" fmla="val 4130"/>
+                <a:gd name="adj2" fmla="val 25000"/>
+                <a:gd name="adj3" fmla="val 25000"/>
+                <a:gd name="adj4" fmla="val 43750"/>
+              </a:avLst>
+            </a:prstGeom>
+            <a:solidFill>
+              <a:schemeClr val="bg1"/>
+            </a:solidFill>
+            <a:ln>
+              <a:noFill/>
+            </a:ln>
+          </p:spPr>
+          <p:style>
+            <a:lnRef idx="2">
+              <a:schemeClr val="accent1">
+                <a:shade val="50000"/>
+              </a:schemeClr>
+            </a:lnRef>
+            <a:fillRef idx="1">
+              <a:schemeClr val="accent1"/>
+            </a:fillRef>
+            <a:effectRef idx="0">
+              <a:schemeClr val="accent1"/>
+            </a:effectRef>
+            <a:fontRef idx="minor">
+              <a:schemeClr val="lt1"/>
+            </a:fontRef>
+          </p:style>
+          <p:txBody>
+            <a:bodyPr rtlCol="0" anchor="ctr"/>
+            <a:lstStyle/>
+            <a:p>
+              <a:pPr algn="ctr"/>
+              <a:endParaRPr lang="en-GB">
+                <a:solidFill>
+                  <a:schemeClr val="bg1"/>
+                </a:solidFill>
+              </a:endParaRPr>
+            </a:p>
+          </p:txBody>
+        </p:sp>
+        <p:sp>
+          <p:nvSpPr>
+            <p:cNvPr id="22" name="Rechteckiger Pfeil 29">
+              <a:extLst>
+                <a:ext uri="{FF2B5EF4-FFF2-40B4-BE49-F238E27FC236}">
+                  <a16:creationId xmlns:a16="http://schemas.microsoft.com/office/drawing/2014/main" id="{F73225A5-38FF-ABF2-0A1B-B57F495803A9}"/>
+                </a:ext>
+              </a:extLst>
+            </p:cNvPr>
+            <p:cNvSpPr/>
+            <p:nvPr/>
+          </p:nvSpPr>
+          <p:spPr>
+            <a:xfrm rot="16200000">
+              <a:off x="2393829" y="5491161"/>
+              <a:ext cx="573865" cy="689349"/>
+            </a:xfrm>
+            <a:prstGeom prst="bentArrow">
+              <a:avLst>
+                <a:gd name="adj1" fmla="val 4130"/>
+                <a:gd name="adj2" fmla="val 25000"/>
+                <a:gd name="adj3" fmla="val 25000"/>
+                <a:gd name="adj4" fmla="val 43750"/>
+              </a:avLst>
+            </a:prstGeom>
+            <a:solidFill>
+              <a:schemeClr val="bg1"/>
+            </a:solidFill>
+            <a:ln>
+              <a:noFill/>
+            </a:ln>
+          </p:spPr>
+          <p:style>
+            <a:lnRef idx="2">
+              <a:schemeClr val="accent1">
+                <a:shade val="50000"/>
+              </a:schemeClr>
+            </a:lnRef>
+            <a:fillRef idx="1">
+              <a:schemeClr val="accent1"/>
+            </a:fillRef>
+            <a:effectRef idx="0">
+              <a:schemeClr val="accent1"/>
+            </a:effectRef>
+            <a:fontRef idx="minor">
+              <a:schemeClr val="lt1"/>
+            </a:fontRef>
+          </p:style>
+          <p:txBody>
+            <a:bodyPr rtlCol="0" anchor="ctr"/>
+            <a:lstStyle/>
+            <a:p>
+              <a:pPr algn="ctr"/>
+              <a:endParaRPr lang="en-GB">
+                <a:solidFill>
+                  <a:schemeClr val="bg1"/>
+                </a:solidFill>
+              </a:endParaRPr>
+            </a:p>
+          </p:txBody>
+        </p:sp>
+      </p:grpSp>
+      <p:pic>
+        <p:nvPicPr>
+          <p:cNvPr id="1026" name="Picture 2" descr="2 Introduction | R for Data Science">
+            <a:extLst>
+              <a:ext uri="{FF2B5EF4-FFF2-40B4-BE49-F238E27FC236}">
+                <a16:creationId xmlns:a16="http://schemas.microsoft.com/office/drawing/2014/main" id="{0A41CDFB-7457-E48D-451C-A516477B16E6}"/>
+              </a:ext>
+            </a:extLst>
+          </p:cNvPr>
+          <p:cNvPicPr>
+            <a:picLocks noChangeAspect="1" noChangeArrowheads="1"/>
+          </p:cNvPicPr>
+          <p:nvPr/>
+        </p:nvPicPr>
+        <p:blipFill>
+          <a:blip r:embed="rId7">
+            <a:extLst>
+              <a:ext uri="{28A0092B-C50C-407E-A947-70E740481C1C}">
+                <a14:useLocalDpi xmlns:a14="http://schemas.microsoft.com/office/drawing/2010/main" val="0"/>
+              </a:ext>
+            </a:extLst>
+          </a:blip>
+          <a:srcRect/>
+          <a:stretch>
+            <a:fillRect/>
+          </a:stretch>
+        </p:blipFill>
+        <p:spPr bwMode="auto">
+          <a:xfrm>
+            <a:off x="1055713" y="2192602"/>
+            <a:ext cx="9944441" cy="3654630"/>
+          </a:xfrm>
+          <a:prstGeom prst="rect">
+            <a:avLst/>
+          </a:prstGeom>
+          <a:noFill/>
+          <a:extLst>
+            <a:ext uri="{909E8E84-426E-40DD-AFC4-6F175D3DCCD1}">
+              <a14:hiddenFill xmlns:a14="http://schemas.microsoft.com/office/drawing/2010/main">
+                <a:solidFill>
+                  <a:srgbClr val="FFFFFF"/>
+                </a:solidFill>
+              </a14:hiddenFill>
+            </a:ext>
+          </a:extLst>
+        </p:spPr>
+      </p:pic>
+      <p:sp>
+        <p:nvSpPr>
+          <p:cNvPr id="29" name="Arrow: Left 28">
+            <a:extLst>
+              <a:ext uri="{FF2B5EF4-FFF2-40B4-BE49-F238E27FC236}">
+                <a16:creationId xmlns:a16="http://schemas.microsoft.com/office/drawing/2014/main" id="{ED9BBAF1-3FD2-31BF-F50A-5F4D163E0D2A}"/>
+              </a:ext>
+            </a:extLst>
+          </p:cNvPr>
+          <p:cNvSpPr/>
+          <p:nvPr/>
+        </p:nvSpPr>
+        <p:spPr>
+          <a:xfrm rot="620833">
+            <a:off x="7502144" y="4462587"/>
+            <a:ext cx="1863098" cy="689350"/>
+          </a:xfrm>
+          <a:prstGeom prst="leftArrow">
+            <a:avLst/>
+          </a:prstGeom>
+        </p:spPr>
+        <p:style>
+          <a:lnRef idx="2">
+            <a:schemeClr val="accent1">
+              <a:shade val="50000"/>
+            </a:schemeClr>
+          </a:lnRef>
+          <a:fillRef idx="1">
+            <a:schemeClr val="accent1"/>
+          </a:fillRef>
+          <a:effectRef idx="0">
+            <a:schemeClr val="accent1"/>
+          </a:effectRef>
+          <a:fontRef idx="minor">
+            <a:schemeClr val="lt1"/>
+          </a:fontRef>
+        </p:style>
+        <p:txBody>
+          <a:bodyPr rtlCol="0" anchor="ctr"/>
+          <a:lstStyle/>
+          <a:p>
+            <a:pPr algn="ctr"/>
+            <a:endParaRPr lang="en-GB"/>
+          </a:p>
+        </p:txBody>
+      </p:sp>
+    </p:spTree>
+    <p:extLst>
+      <p:ext uri="{BB962C8B-B14F-4D97-AF65-F5344CB8AC3E}">
+        <p14:creationId xmlns:p14="http://schemas.microsoft.com/office/powerpoint/2010/main" val="2553369230"/>
+      </p:ext>
+    </p:extLst>
+  </p:cSld>
+  <p:clrMapOvr>
+    <a:masterClrMapping/>
+  </p:clrMapOvr>
+</p:sld>
+</file>
+
+<file path=ppt/slides/slide13.xml><?xml version="1.0" encoding="utf-8"?>
+<p:sld xmlns:a="http://schemas.openxmlformats.org/drawingml/2006/main" xmlns:r="http://schemas.openxmlformats.org/officeDocument/2006/relationships" xmlns:p="http://schemas.openxmlformats.org/presentationml/2006/main">
+  <p:cSld>
+    <p:bg>
+      <p:bgPr>
+        <a:solidFill>
+          <a:schemeClr val="bg1"/>
+        </a:solidFill>
+        <a:effectLst/>
+      </p:bgPr>
+    </p:bg>
+    <p:spTree>
+      <p:nvGrpSpPr>
+        <p:cNvPr id="1" name=""/>
+        <p:cNvGrpSpPr/>
+        <p:nvPr/>
+      </p:nvGrpSpPr>
+      <p:grpSpPr>
+        <a:xfrm>
+          <a:off x="0" y="0"/>
+          <a:ext cx="0" cy="0"/>
+          <a:chOff x="0" y="0"/>
+          <a:chExt cx="0" cy="0"/>
+        </a:xfrm>
+      </p:grpSpPr>
+      <p:sp useBgFill="1">
+        <p:nvSpPr>
+          <p:cNvPr id="34" name="Rectangle 8">
+            <a:extLst>
+              <a:ext uri="{FF2B5EF4-FFF2-40B4-BE49-F238E27FC236}">
+                <a16:creationId xmlns:a16="http://schemas.microsoft.com/office/drawing/2014/main" id="{058A14AF-9FB5-4CC7-BA35-E8E85D3EDF0E}"/>
+              </a:ext>
+              <a:ext uri="{C183D7F6-B498-43B3-948B-1728B52AA6E4}">
+                <adec:decorative xmlns:adec="http://schemas.microsoft.com/office/drawing/2017/decorative" val="1"/>
+              </a:ext>
+            </a:extLst>
+          </p:cNvPr>
+          <p:cNvSpPr>
+            <a:spLocks noGrp="1" noRot="1" noChangeAspect="1" noMove="1" noResize="1" noEditPoints="1" noAdjustHandles="1" noChangeArrowheads="1" noChangeShapeType="1" noTextEdit="1"/>
+          </p:cNvSpPr>
+          <p:nvPr>
+            <p:extLst>
+              <p:ext uri="{386F3935-93C4-4BCD-93E2-E3B085C9AB24}">
+                <p16:designElem xmlns:p16="http://schemas.microsoft.com/office/powerpoint/2015/main" val="1"/>
+              </p:ext>
+            </p:extLst>
+          </p:nvPr>
+        </p:nvSpPr>
+        <p:spPr>
+          <a:xfrm>
+            <a:off x="0" y="0"/>
+            <a:ext cx="12191999" cy="6857365"/>
+          </a:xfrm>
+          <a:prstGeom prst="rect">
+            <a:avLst/>
+          </a:prstGeom>
+          <a:ln>
+            <a:noFill/>
+          </a:ln>
+        </p:spPr>
+        <p:style>
+          <a:lnRef idx="2">
+            <a:schemeClr val="accent1">
+              <a:shade val="50000"/>
+            </a:schemeClr>
+          </a:lnRef>
+          <a:fillRef idx="1">
+            <a:schemeClr val="accent1"/>
+          </a:fillRef>
+          <a:effectRef idx="0">
+            <a:schemeClr val="accent1"/>
+          </a:effectRef>
+          <a:fontRef idx="minor">
+            <a:schemeClr val="lt1"/>
+          </a:fontRef>
+        </p:style>
+        <p:txBody>
+          <a:bodyPr rtlCol="0" anchor="ctr"/>
+          <a:lstStyle/>
+          <a:p>
+            <a:pPr algn="ctr"/>
+            <a:endParaRPr lang="en-US"/>
+          </a:p>
+        </p:txBody>
+      </p:sp>
+      <p:sp>
+        <p:nvSpPr>
+          <p:cNvPr id="2" name="Titel 1">
+            <a:extLst>
+              <a:ext uri="{FF2B5EF4-FFF2-40B4-BE49-F238E27FC236}">
+                <a16:creationId xmlns:a16="http://schemas.microsoft.com/office/drawing/2014/main" id="{1739333B-3773-EC66-130B-F17B3BCDA058}"/>
+              </a:ext>
+            </a:extLst>
+          </p:cNvPr>
+          <p:cNvSpPr>
+            <a:spLocks noGrp="1"/>
+          </p:cNvSpPr>
+          <p:nvPr>
+            <p:ph type="title"/>
+          </p:nvPr>
+        </p:nvSpPr>
+        <p:spPr>
+          <a:xfrm>
+            <a:off x="793662" y="386930"/>
+            <a:ext cx="10066122" cy="1298448"/>
+          </a:xfrm>
+        </p:spPr>
+        <p:txBody>
+          <a:bodyPr anchor="b">
+            <a:normAutofit/>
+          </a:bodyPr>
+          <a:lstStyle/>
+          <a:p>
+            <a:r>
+              <a:rPr lang="en-GB" sz="4800" dirty="0"/>
+              <a:t>The tidy model syntax of fable</a:t>
             </a:r>
           </a:p>
         </p:txBody>
@@ -6424,7 +9937,7 @@
 </p:sld>
 </file>
 
-<file path=ppt/slides/slide11.xml><?xml version="1.0" encoding="utf-8"?>
+<file path=ppt/slides/slide14.xml><?xml version="1.0" encoding="utf-8"?>
 <p:sld xmlns:a="http://schemas.openxmlformats.org/drawingml/2006/main" xmlns:r="http://schemas.openxmlformats.org/officeDocument/2006/relationships" xmlns:p="http://schemas.openxmlformats.org/presentationml/2006/main">
   <p:cSld>
     <p:bg>
@@ -6539,7 +10052,7 @@
           <a:p>
             <a:r>
               <a:rPr lang="en-GB" sz="4800" dirty="0"/>
-              <a:t>Common verbs used in fable</a:t>
+              <a:t>Common fable verbs and models</a:t>
             </a:r>
           </a:p>
         </p:txBody>
@@ -6710,27 +10223,41 @@
                 <a:latin typeface="Inconsolatazi4"/>
                 <a:sym typeface="Wingdings" pitchFamily="2" charset="2"/>
               </a:rPr>
-              <a:t>Model()  Model specification</a:t>
+              <a:t>Model()  Model specification using models such as:</a:t>
             </a:r>
           </a:p>
           <a:p>
             <a:pPr lvl="1"/>
+            <a:r>
+              <a:rPr lang="en-GB" sz="2000" b="1" dirty="0">
+                <a:latin typeface="Inconsolatazi4"/>
+                <a:sym typeface="Wingdings" pitchFamily="2" charset="2"/>
+              </a:rPr>
+              <a:t>ETS()</a:t>
+            </a:r>
             <a:r>
               <a:rPr lang="en-GB" sz="2000" dirty="0">
                 <a:latin typeface="Inconsolatazi4"/>
                 <a:sym typeface="Wingdings" pitchFamily="2" charset="2"/>
               </a:rPr>
-              <a:t>ETS()  Exponential smoothing state space model</a:t>
+              <a:t>  Exponential smoothing state space model</a:t>
             </a:r>
           </a:p>
           <a:p>
             <a:pPr lvl="1"/>
+            <a:r>
+              <a:rPr lang="en-GB" sz="2000" b="1" dirty="0">
+                <a:latin typeface="Inconsolatazi4"/>
+                <a:sym typeface="Wingdings" pitchFamily="2" charset="2"/>
+              </a:rPr>
+              <a:t>ARIMA()</a:t>
+            </a:r>
             <a:r>
               <a:rPr lang="en-GB" sz="2000" dirty="0">
                 <a:latin typeface="Inconsolatazi4"/>
                 <a:sym typeface="Wingdings" pitchFamily="2" charset="2"/>
               </a:rPr>
-              <a:t>ARIMA()  Autoregressive integrated moving average model</a:t>
+              <a:t>  Autoregressive integrated moving average model</a:t>
             </a:r>
           </a:p>
           <a:p>
@@ -6820,7 +10347,7 @@
               <a:rPr lang="en-GB" sz="2000" dirty="0">
                 <a:latin typeface="Inconsolatazi4"/>
               </a:rPr>
-              <a:t>accuracy() </a:t>
+              <a:t>Evaluation metrics e.g. accuracy() </a:t>
             </a:r>
             <a:r>
               <a:rPr lang="en-GB" sz="2000" dirty="0">
@@ -6968,7 +10495,7 @@
 </p:sld>
 </file>
 
-<file path=ppt/slides/slide12.xml><?xml version="1.0" encoding="utf-8"?>
+<file path=ppt/slides/slide15.xml><?xml version="1.0" encoding="utf-8"?>
 <p:sld xmlns:a="http://schemas.openxmlformats.org/drawingml/2006/main" xmlns:r="http://schemas.openxmlformats.org/officeDocument/2006/relationships" xmlns:p="http://schemas.openxmlformats.org/presentationml/2006/main">
   <p:cSld>
     <p:bg>
@@ -7540,7 +11067,7 @@
 </p:sld>
 </file>
 
-<file path=ppt/slides/slide13.xml><?xml version="1.0" encoding="utf-8"?>
+<file path=ppt/slides/slide16.xml><?xml version="1.0" encoding="utf-8"?>
 <p:sld xmlns:a="http://schemas.openxmlformats.org/drawingml/2006/main" xmlns:r="http://schemas.openxmlformats.org/officeDocument/2006/relationships" xmlns:p="http://schemas.openxmlformats.org/presentationml/2006/main">
   <p:cSld>
     <p:bg>
@@ -8074,7 +11601,7 @@
 </p:sld>
 </file>
 
-<file path=ppt/slides/slide14.xml><?xml version="1.0" encoding="utf-8"?>
+<file path=ppt/slides/slide17.xml><?xml version="1.0" encoding="utf-8"?>
 <p:sld xmlns:a="http://schemas.openxmlformats.org/drawingml/2006/main" xmlns:r="http://schemas.openxmlformats.org/officeDocument/2006/relationships" xmlns:p="http://schemas.openxmlformats.org/presentationml/2006/main">
   <p:cSld>
     <p:bg>
@@ -8608,7 +12135,7 @@
 </p:sld>
 </file>
 
-<file path=ppt/slides/slide15.xml><?xml version="1.0" encoding="utf-8"?>
+<file path=ppt/slides/slide18.xml><?xml version="1.0" encoding="utf-8"?>
 <p:sld xmlns:a="http://schemas.openxmlformats.org/drawingml/2006/main" xmlns:r="http://schemas.openxmlformats.org/officeDocument/2006/relationships" xmlns:p="http://schemas.openxmlformats.org/presentationml/2006/main">
   <p:cSld>
     <p:bg>
@@ -9097,7 +12624,7 @@
 </p:sld>
 </file>
 
-<file path=ppt/slides/slide16.xml><?xml version="1.0" encoding="utf-8"?>
+<file path=ppt/slides/slide19.xml><?xml version="1.0" encoding="utf-8"?>
 <p:sld xmlns:a="http://schemas.openxmlformats.org/drawingml/2006/main" xmlns:r="http://schemas.openxmlformats.org/officeDocument/2006/relationships" xmlns:p="http://schemas.openxmlformats.org/presentationml/2006/main">
   <p:cSld>
     <p:spTree>
@@ -9375,81 +12902,6 @@
     <p:extLst>
       <p:ext uri="{BB962C8B-B14F-4D97-AF65-F5344CB8AC3E}">
         <p14:creationId xmlns:p14="http://schemas.microsoft.com/office/powerpoint/2010/main" val="3193531583"/>
-      </p:ext>
-    </p:extLst>
-  </p:cSld>
-  <p:clrMapOvr>
-    <a:masterClrMapping/>
-  </p:clrMapOvr>
-</p:sld>
-</file>
-
-<file path=ppt/slides/slide17.xml><?xml version="1.0" encoding="utf-8"?>
-<p:sld xmlns:a="http://schemas.openxmlformats.org/drawingml/2006/main" xmlns:r="http://schemas.openxmlformats.org/officeDocument/2006/relationships" xmlns:p="http://schemas.openxmlformats.org/presentationml/2006/main">
-  <p:cSld>
-    <p:spTree>
-      <p:nvGrpSpPr>
-        <p:cNvPr id="1" name=""/>
-        <p:cNvGrpSpPr/>
-        <p:nvPr/>
-      </p:nvGrpSpPr>
-      <p:grpSpPr>
-        <a:xfrm>
-          <a:off x="0" y="0"/>
-          <a:ext cx="0" cy="0"/>
-          <a:chOff x="0" y="0"/>
-          <a:chExt cx="0" cy="0"/>
-        </a:xfrm>
-      </p:grpSpPr>
-      <p:pic>
-        <p:nvPicPr>
-          <p:cNvPr id="1026" name="Picture 2">
-            <a:extLst>
-              <a:ext uri="{FF2B5EF4-FFF2-40B4-BE49-F238E27FC236}">
-                <a16:creationId xmlns:a16="http://schemas.microsoft.com/office/drawing/2014/main" id="{B95F7455-4579-907F-6CC7-61770B56C0B3}"/>
-              </a:ext>
-            </a:extLst>
-          </p:cNvPr>
-          <p:cNvPicPr>
-            <a:picLocks noChangeAspect="1" noChangeArrowheads="1"/>
-          </p:cNvPicPr>
-          <p:nvPr/>
-        </p:nvPicPr>
-        <p:blipFill rotWithShape="1">
-          <a:blip r:embed="rId2">
-            <a:extLst>
-              <a:ext uri="{28A0092B-C50C-407E-A947-70E740481C1C}">
-                <a14:useLocalDpi xmlns:a14="http://schemas.microsoft.com/office/drawing/2010/main" val="0"/>
-              </a:ext>
-            </a:extLst>
-          </a:blip>
-          <a:srcRect b="11475"/>
-          <a:stretch/>
-        </p:blipFill>
-        <p:spPr bwMode="auto">
-          <a:xfrm>
-            <a:off x="3071812" y="393492"/>
-            <a:ext cx="6048375" cy="6071016"/>
-          </a:xfrm>
-          <a:prstGeom prst="rect">
-            <a:avLst/>
-          </a:prstGeom>
-          <a:noFill/>
-          <a:extLst>
-            <a:ext uri="{909E8E84-426E-40DD-AFC4-6F175D3DCCD1}">
-              <a14:hiddenFill xmlns:a14="http://schemas.microsoft.com/office/drawing/2010/main">
-                <a:solidFill>
-                  <a:srgbClr val="FFFFFF"/>
-                </a:solidFill>
-              </a14:hiddenFill>
-            </a:ext>
-          </a:extLst>
-        </p:spPr>
-      </p:pic>
-    </p:spTree>
-    <p:extLst>
-      <p:ext uri="{BB962C8B-B14F-4D97-AF65-F5344CB8AC3E}">
-        <p14:creationId xmlns:p14="http://schemas.microsoft.com/office/powerpoint/2010/main" val="3339227301"/>
       </p:ext>
     </p:extLst>
   </p:cSld>
@@ -10649,14 +14101,89 @@
   <p:clrMapOvr>
     <a:masterClrMapping/>
   </p:clrMapOvr>
-  <mc:AlternateContent xmlns:mc="http://schemas.openxmlformats.org/markup-compatibility/2006">
-    <mc:Choice xmlns:p14="http://schemas.microsoft.com/office/powerpoint/2010/main" Requires="p14">
+  <mc:AlternateContent xmlns:mc="http://schemas.openxmlformats.org/markup-compatibility/2006" xmlns:p14="http://schemas.microsoft.com/office/powerpoint/2010/main">
+    <mc:Choice Requires="p14">
       <p:transition spd="slow" p14:dur="2000" advTm="7633"/>
     </mc:Choice>
-    <mc:Fallback>
+    <mc:Fallback xmlns="">
       <p:transition spd="slow" advTm="7633"/>
     </mc:Fallback>
   </mc:AlternateContent>
+</p:sld>
+</file>
+
+<file path=ppt/slides/slide20.xml><?xml version="1.0" encoding="utf-8"?>
+<p:sld xmlns:a="http://schemas.openxmlformats.org/drawingml/2006/main" xmlns:r="http://schemas.openxmlformats.org/officeDocument/2006/relationships" xmlns:p="http://schemas.openxmlformats.org/presentationml/2006/main">
+  <p:cSld>
+    <p:spTree>
+      <p:nvGrpSpPr>
+        <p:cNvPr id="1" name=""/>
+        <p:cNvGrpSpPr/>
+        <p:nvPr/>
+      </p:nvGrpSpPr>
+      <p:grpSpPr>
+        <a:xfrm>
+          <a:off x="0" y="0"/>
+          <a:ext cx="0" cy="0"/>
+          <a:chOff x="0" y="0"/>
+          <a:chExt cx="0" cy="0"/>
+        </a:xfrm>
+      </p:grpSpPr>
+      <p:pic>
+        <p:nvPicPr>
+          <p:cNvPr id="1026" name="Picture 2">
+            <a:extLst>
+              <a:ext uri="{FF2B5EF4-FFF2-40B4-BE49-F238E27FC236}">
+                <a16:creationId xmlns:a16="http://schemas.microsoft.com/office/drawing/2014/main" id="{B95F7455-4579-907F-6CC7-61770B56C0B3}"/>
+              </a:ext>
+            </a:extLst>
+          </p:cNvPr>
+          <p:cNvPicPr>
+            <a:picLocks noChangeAspect="1" noChangeArrowheads="1"/>
+          </p:cNvPicPr>
+          <p:nvPr/>
+        </p:nvPicPr>
+        <p:blipFill rotWithShape="1">
+          <a:blip r:embed="rId2">
+            <a:extLst>
+              <a:ext uri="{28A0092B-C50C-407E-A947-70E740481C1C}">
+                <a14:useLocalDpi xmlns:a14="http://schemas.microsoft.com/office/drawing/2010/main" val="0"/>
+              </a:ext>
+            </a:extLst>
+          </a:blip>
+          <a:srcRect b="11475"/>
+          <a:stretch/>
+        </p:blipFill>
+        <p:spPr bwMode="auto">
+          <a:xfrm>
+            <a:off x="3071812" y="393492"/>
+            <a:ext cx="6048375" cy="6071016"/>
+          </a:xfrm>
+          <a:prstGeom prst="rect">
+            <a:avLst/>
+          </a:prstGeom>
+          <a:noFill/>
+          <a:extLst>
+            <a:ext uri="{909E8E84-426E-40DD-AFC4-6F175D3DCCD1}">
+              <a14:hiddenFill xmlns:a14="http://schemas.microsoft.com/office/drawing/2010/main">
+                <a:solidFill>
+                  <a:srgbClr val="FFFFFF"/>
+                </a:solidFill>
+              </a14:hiddenFill>
+            </a:ext>
+          </a:extLst>
+        </p:spPr>
+      </p:pic>
+    </p:spTree>
+    <p:extLst>
+      <p:ext uri="{BB962C8B-B14F-4D97-AF65-F5344CB8AC3E}">
+        <p14:creationId xmlns:p14="http://schemas.microsoft.com/office/powerpoint/2010/main" val="3339227301"/>
+      </p:ext>
+    </p:extLst>
+  </p:cSld>
+  <p:clrMapOvr>
+    <a:masterClrMapping/>
+  </p:clrMapOvr>
 </p:sld>
 </file>
 
@@ -11323,11 +14850,11 @@
   <p:clrMapOvr>
     <a:masterClrMapping/>
   </p:clrMapOvr>
-  <mc:AlternateContent xmlns:mc="http://schemas.openxmlformats.org/markup-compatibility/2006">
-    <mc:Choice xmlns:p14="http://schemas.microsoft.com/office/powerpoint/2010/main" Requires="p14">
+  <mc:AlternateContent xmlns:mc="http://schemas.openxmlformats.org/markup-compatibility/2006" xmlns:p14="http://schemas.microsoft.com/office/powerpoint/2010/main">
+    <mc:Choice Requires="p14">
       <p:transition spd="slow" p14:dur="2000" advTm="4966"/>
     </mc:Choice>
-    <mc:Fallback>
+    <mc:Fallback xmlns="">
       <p:transition spd="slow" advTm="4966"/>
     </mc:Fallback>
   </mc:AlternateContent>
@@ -12485,11 +16012,11 @@
   <p:clrMapOvr>
     <a:masterClrMapping/>
   </p:clrMapOvr>
-  <mc:AlternateContent xmlns:mc="http://schemas.openxmlformats.org/markup-compatibility/2006">
-    <mc:Choice xmlns:p14="http://schemas.microsoft.com/office/powerpoint/2010/main" Requires="p14">
+  <mc:AlternateContent xmlns:mc="http://schemas.openxmlformats.org/markup-compatibility/2006" xmlns:p14="http://schemas.microsoft.com/office/powerpoint/2010/main">
+    <mc:Choice Requires="p14">
       <p:transition spd="slow" p14:dur="2000" advTm="1933"/>
     </mc:Choice>
-    <mc:Fallback>
+    <mc:Fallback xmlns="">
       <p:transition spd="slow" advTm="1933"/>
     </mc:Fallback>
   </mc:AlternateContent>
@@ -13614,10 +17141,10 @@
       </p:pic>
       <p:pic>
         <p:nvPicPr>
-          <p:cNvPr id="24" name="Grafik 23" descr="Ein Bild, das Text enthält.&#10;&#10;Automatisch generierte Beschreibung">
-            <a:extLst>
-              <a:ext uri="{FF2B5EF4-FFF2-40B4-BE49-F238E27FC236}">
-                <a16:creationId xmlns:a16="http://schemas.microsoft.com/office/drawing/2014/main" id="{6625B826-6590-2960-583B-2BB4A0C62E4E}"/>
+          <p:cNvPr id="5" name="Picture 4">
+            <a:extLst>
+              <a:ext uri="{FF2B5EF4-FFF2-40B4-BE49-F238E27FC236}">
+                <a16:creationId xmlns:a16="http://schemas.microsoft.com/office/drawing/2014/main" id="{DB4B5C44-4BA7-16C7-48E4-03BC4DBF7D76}"/>
               </a:ext>
             </a:extLst>
           </p:cNvPr>
@@ -13634,8 +17161,8 @@
         </p:blipFill>
         <p:spPr>
           <a:xfrm>
-            <a:off x="1055714" y="2693360"/>
-            <a:ext cx="6997700" cy="2628900"/>
+            <a:off x="1055714" y="2629790"/>
+            <a:ext cx="8164748" cy="2796309"/>
           </a:xfrm>
           <a:prstGeom prst="rect">
             <a:avLst/>
@@ -14682,10 +18209,10 @@
       </p:pic>
       <p:pic>
         <p:nvPicPr>
-          <p:cNvPr id="11" name="Grafik 10" descr="Ein Bild, das Text enthält.&#10;&#10;Automatisch generierte Beschreibung">
-            <a:extLst>
-              <a:ext uri="{FF2B5EF4-FFF2-40B4-BE49-F238E27FC236}">
-                <a16:creationId xmlns:a16="http://schemas.microsoft.com/office/drawing/2014/main" id="{D7AA0ED8-4A5E-1057-4344-FB05131D5239}"/>
+          <p:cNvPr id="5" name="Picture 4">
+            <a:extLst>
+              <a:ext uri="{FF2B5EF4-FFF2-40B4-BE49-F238E27FC236}">
+                <a16:creationId xmlns:a16="http://schemas.microsoft.com/office/drawing/2014/main" id="{373DC670-02C2-04F4-432A-478F4ADE81A3}"/>
               </a:ext>
             </a:extLst>
           </p:cNvPr>
@@ -14702,38 +18229,8 @@
         </p:blipFill>
         <p:spPr>
           <a:xfrm>
-            <a:off x="1106599" y="1831656"/>
-            <a:ext cx="6985000" cy="1257300"/>
-          </a:xfrm>
-          <a:prstGeom prst="rect">
-            <a:avLst/>
-          </a:prstGeom>
-        </p:spPr>
-      </p:pic>
-      <p:pic>
-        <p:nvPicPr>
-          <p:cNvPr id="13" name="Grafik 12" descr="Ein Bild, das Tisch enthält.&#10;&#10;Automatisch generierte Beschreibung">
-            <a:extLst>
-              <a:ext uri="{FF2B5EF4-FFF2-40B4-BE49-F238E27FC236}">
-                <a16:creationId xmlns:a16="http://schemas.microsoft.com/office/drawing/2014/main" id="{D170421E-87FE-8A97-6D5A-AC435E8A394C}"/>
-              </a:ext>
-            </a:extLst>
-          </p:cNvPr>
-          <p:cNvPicPr>
-            <a:picLocks noChangeAspect="1"/>
-          </p:cNvPicPr>
-          <p:nvPr/>
-        </p:nvPicPr>
-        <p:blipFill>
-          <a:blip r:embed="rId6"/>
-          <a:stretch>
-            <a:fillRect/>
-          </a:stretch>
-        </p:blipFill>
-        <p:spPr>
-          <a:xfrm>
-            <a:off x="1106599" y="3160695"/>
-            <a:ext cx="6985000" cy="2730500"/>
+            <a:off x="1055714" y="3063757"/>
+            <a:ext cx="9407137" cy="1349661"/>
           </a:xfrm>
           <a:prstGeom prst="rect">
             <a:avLst/>
@@ -14853,7 +18350,7 @@
           <p:nvPr/>
         </p:nvPicPr>
         <p:blipFill rotWithShape="1">
-          <a:blip r:embed="rId2"/>
+          <a:blip r:embed="rId3"/>
           <a:srcRect l="15312" r="2" b="2"/>
           <a:stretch/>
         </p:blipFill>
@@ -15224,10 +18721,10 @@
           <p:nvPr/>
         </p:nvPicPr>
         <p:blipFill>
-          <a:blip r:embed="rId3">
+          <a:blip r:embed="rId4">
             <a:extLst>
               <a:ext uri="{96DAC541-7B7A-43D3-8B79-37D633B846F1}">
-                <asvg:svgBlip xmlns:asvg="http://schemas.microsoft.com/office/drawing/2016/SVG/main" r:embed="rId4"/>
+                <asvg:svgBlip xmlns:asvg="http://schemas.microsoft.com/office/drawing/2016/SVG/main" r:embed="rId5"/>
               </a:ext>
             </a:extLst>
           </a:blip>

--- a/tsibble and fable.pptx
+++ b/tsibble and fable.pptx
@@ -1417,18 +1417,58 @@
                 <a:effectLst/>
                 <a:latin typeface="Merriweather" panose="020B0604020202020204" pitchFamily="2" charset="0"/>
               </a:rPr>
-              <a:t>Two of the </a:t>
-            </a:r>
-            <a:r>
-              <a:rPr lang="en-GB" b="0" i="0">
+              <a:t>Two of the most popular models to produce forecasts are exponential smoothing and ARIMA.</a:t>
+            </a:r>
+            <a:br>
+              <a:rPr lang="en-GB" b="0" i="0" dirty="0">
                 <a:solidFill>
                   <a:srgbClr val="333333"/>
                 </a:solidFill>
                 <a:effectLst/>
                 <a:latin typeface="Merriweather" panose="020B0604020202020204" pitchFamily="2" charset="0"/>
               </a:rPr>
-              <a:t>most popular models are.</a:t>
-            </a:r>
+            </a:br>
+            <a:br>
+              <a:rPr lang="en-GB" b="0" i="0" dirty="0">
+                <a:solidFill>
+                  <a:srgbClr val="333333"/>
+                </a:solidFill>
+                <a:effectLst/>
+                <a:latin typeface="Merriweather" panose="020B0604020202020204" pitchFamily="2" charset="0"/>
+              </a:rPr>
+            </a:br>
+            <a:r>
+              <a:rPr lang="en-GB" b="0" i="0" dirty="0">
+                <a:solidFill>
+                  <a:srgbClr val="333333"/>
+                </a:solidFill>
+                <a:effectLst/>
+                <a:latin typeface="Merriweather" panose="020B0604020202020204" pitchFamily="2" charset="0"/>
+              </a:rPr>
+              <a:t>The basic idea behind </a:t>
+            </a:r>
+            <a:r>
+              <a:rPr lang="en-GB" b="0" i="0" dirty="0" err="1">
+                <a:solidFill>
+                  <a:srgbClr val="333333"/>
+                </a:solidFill>
+                <a:effectLst/>
+                <a:latin typeface="Merriweather" panose="020B0604020202020204" pitchFamily="2" charset="0"/>
+              </a:rPr>
+              <a:t>expontential</a:t>
+            </a:r>
+            <a:r>
+              <a:rPr lang="en-GB" b="0" i="0" dirty="0">
+                <a:solidFill>
+                  <a:srgbClr val="333333"/>
+                </a:solidFill>
+                <a:effectLst/>
+                <a:latin typeface="Merriweather" panose="020B0604020202020204" pitchFamily="2" charset="0"/>
+              </a:rPr>
+              <a:t> smoothing as proposed in the late 1950s is the computation of weighted averages of past observations. The weights decay exponentially as the observations get older. In other words, the more recent the observation, the more weight it has for the prediction.</a:t>
+            </a:r>
+          </a:p>
+          <a:p>
             <a:endParaRPr lang="en-GB" b="0" i="0" dirty="0">
               <a:solidFill>
                 <a:srgbClr val="333333"/>
@@ -1438,15 +1478,6 @@
             </a:endParaRPr>
           </a:p>
           <a:p>
-            <a:endParaRPr lang="en-GB" b="0" i="0" dirty="0">
-              <a:solidFill>
-                <a:srgbClr val="333333"/>
-              </a:solidFill>
-              <a:effectLst/>
-              <a:latin typeface="Merriweather" panose="020B0604020202020204" pitchFamily="2" charset="0"/>
-            </a:endParaRPr>
-          </a:p>
-          <a:p>
             <a:r>
               <a:rPr lang="en-GB" b="0" i="0" dirty="0">
                 <a:solidFill>
@@ -1455,70 +1486,7 @@
                 <a:effectLst/>
                 <a:latin typeface="Merriweather" panose="020B0604020202020204" pitchFamily="2" charset="0"/>
               </a:rPr>
-              <a:t>Exponential smoothing was proposed in the late 1950s (</a:t>
-            </a:r>
-            <a:r>
-              <a:rPr lang="en-GB" b="0" i="0" u="none" strike="noStrike" dirty="0">
-                <a:solidFill>
-                  <a:srgbClr val="333333"/>
-                </a:solidFill>
-                <a:effectLst/>
-                <a:latin typeface="Merriweather" panose="020B0604020202020204" pitchFamily="2" charset="0"/>
-                <a:hlinkClick r:id="rId3"/>
-              </a:rPr>
-              <a:t>Brown, 1959</a:t>
-            </a:r>
-            <a:r>
-              <a:rPr lang="en-GB" b="0" i="0" dirty="0">
-                <a:solidFill>
-                  <a:srgbClr val="333333"/>
-                </a:solidFill>
-                <a:effectLst/>
-                <a:latin typeface="Merriweather" panose="020B0604020202020204" pitchFamily="2" charset="0"/>
-              </a:rPr>
-              <a:t>; </a:t>
-            </a:r>
-            <a:r>
-              <a:rPr lang="en-GB" b="0" i="0" u="none" strike="noStrike" dirty="0">
-                <a:solidFill>
-                  <a:srgbClr val="333333"/>
-                </a:solidFill>
-                <a:effectLst/>
-                <a:latin typeface="Merriweather" panose="020B0604020202020204" pitchFamily="2" charset="0"/>
-                <a:hlinkClick r:id="rId4"/>
-              </a:rPr>
-              <a:t>Holt, 1957</a:t>
-            </a:r>
-            <a:r>
-              <a:rPr lang="en-GB" b="0" i="0" dirty="0">
-                <a:solidFill>
-                  <a:srgbClr val="333333"/>
-                </a:solidFill>
-                <a:effectLst/>
-                <a:latin typeface="Merriweather" panose="020B0604020202020204" pitchFamily="2" charset="0"/>
-              </a:rPr>
-              <a:t>; </a:t>
-            </a:r>
-            <a:r>
-              <a:rPr lang="en-GB" b="0" i="0" u="none" strike="noStrike" dirty="0">
-                <a:solidFill>
-                  <a:srgbClr val="333333"/>
-                </a:solidFill>
-                <a:effectLst/>
-                <a:latin typeface="Merriweather" panose="020B0604020202020204" pitchFamily="2" charset="0"/>
-                <a:hlinkClick r:id="rId5"/>
-              </a:rPr>
-              <a:t>Winters, 1960</a:t>
-            </a:r>
-            <a:r>
-              <a:rPr lang="en-GB" b="0" i="0" dirty="0">
-                <a:solidFill>
-                  <a:srgbClr val="333333"/>
-                </a:solidFill>
-                <a:effectLst/>
-                <a:latin typeface="Merriweather" panose="020B0604020202020204" pitchFamily="2" charset="0"/>
-              </a:rPr>
-              <a:t>), and has motivated some of the most successful forecasting methods. Forecasts produced using exponential smoothing methods are weighted averages of past observations, with the weights decaying exponentially as the observations get older. In other words, the more recent the observation the higher the associated weight. This framework generates reliable forecasts quickly and for a wide range of time series, which is a great advantage and of major importance to applications in industry.</a:t>
+              <a:t>This framework generates reliable forecasts quickly and for a wide range of time series, which is a great advantage and of major importance to applications in the industry.</a:t>
             </a:r>
           </a:p>
           <a:p>
@@ -1556,7 +1524,7 @@
                 <a:effectLst/>
                 <a:latin typeface="Merriweather" panose="00000500000000000000" pitchFamily="2" charset="0"/>
               </a:rPr>
-              <a:t>ARIMA models provide another approach to time series forecasting. Exponential smoothing and ARIMA models are the two most widely used approaches to time series forecasting, and provide complementary approaches to the problem. While exponential smoothing models are based on a description of the trend and seasonality in the data, ARIMA models aim to describe the autocorrelations in the data.</a:t>
+              <a:t>ARIMA models provide another approach to time series forecasting and represent a complementary approach to exponential smoothing. While exponential smoothing models are based on a description of the trend and seasonality in the data, ARIMA models aim to describe the autocorrelations in the data.</a:t>
             </a:r>
             <a:endParaRPr lang="en-GB" b="0" i="0" dirty="0">
               <a:solidFill>
@@ -1579,337 +1547,33 @@
                 <a:effectLst/>
                 <a:latin typeface="Merriweather" panose="00000500000000000000" pitchFamily="2" charset="0"/>
               </a:rPr>
-              <a:t>In this chapter we discuss regression models. The basic concept is that we forecast the time series of interest </a:t>
-            </a:r>
-            <a:r>
-              <a:rPr lang="en-GB" b="0" i="0" dirty="0" err="1">
-                <a:solidFill>
-                  <a:srgbClr val="333333"/>
-                </a:solidFill>
-                <a:effectLst/>
-                <a:latin typeface="MJXc-TeX-math-I"/>
-              </a:rPr>
-              <a:t>y</a:t>
-            </a:r>
-            <a:r>
-              <a:rPr lang="en-GB" b="0" i="0" dirty="0" err="1">
-                <a:solidFill>
-                  <a:srgbClr val="333333"/>
-                </a:solidFill>
-                <a:effectLst/>
-                <a:latin typeface="Merriweather" panose="00000500000000000000" pitchFamily="2" charset="0"/>
-              </a:rPr>
-              <a:t>y</a:t>
-            </a:r>
-            <a:r>
-              <a:rPr lang="en-GB" b="0" i="0" dirty="0">
-                <a:solidFill>
-                  <a:srgbClr val="333333"/>
-                </a:solidFill>
-                <a:effectLst/>
-                <a:latin typeface="Merriweather" panose="00000500000000000000" pitchFamily="2" charset="0"/>
-              </a:rPr>
-              <a:t> assuming that it has a linear relationship with other time series </a:t>
-            </a:r>
-            <a:r>
-              <a:rPr lang="en-GB" b="0" i="0" dirty="0">
-                <a:solidFill>
-                  <a:srgbClr val="333333"/>
-                </a:solidFill>
-                <a:effectLst/>
-                <a:latin typeface="MJXc-TeX-math-I"/>
-              </a:rPr>
-              <a:t>x</a:t>
-            </a:r>
-            <a:r>
-              <a:rPr lang="en-GB" b="0" i="0" dirty="0">
-                <a:solidFill>
-                  <a:srgbClr val="333333"/>
-                </a:solidFill>
-                <a:effectLst/>
-                <a:latin typeface="Merriweather" panose="00000500000000000000" pitchFamily="2" charset="0"/>
-              </a:rPr>
-              <a:t>x.</a:t>
+              <a:t>Lastly, the basic idea behind the time series linear regression model is the assumption of a linear relationship of one time series with another..</a:t>
             </a:r>
           </a:p>
           <a:p>
             <a:pPr algn="l"/>
-            <a:r>
-              <a:rPr lang="en-GB" b="0" i="0" dirty="0">
-                <a:solidFill>
-                  <a:srgbClr val="333333"/>
-                </a:solidFill>
-                <a:effectLst/>
-                <a:latin typeface="Merriweather" panose="00000500000000000000" pitchFamily="2" charset="0"/>
-              </a:rPr>
-              <a:t>For example, we might wish to forecast monthly sales </a:t>
-            </a:r>
-            <a:r>
-              <a:rPr lang="en-GB" b="0" i="0" dirty="0" err="1">
-                <a:solidFill>
-                  <a:srgbClr val="333333"/>
-                </a:solidFill>
-                <a:effectLst/>
-                <a:latin typeface="MJXc-TeX-math-I"/>
-              </a:rPr>
-              <a:t>y</a:t>
-            </a:r>
-            <a:r>
-              <a:rPr lang="en-GB" b="0" i="0" dirty="0" err="1">
-                <a:solidFill>
-                  <a:srgbClr val="333333"/>
-                </a:solidFill>
-                <a:effectLst/>
-                <a:latin typeface="Merriweather" panose="00000500000000000000" pitchFamily="2" charset="0"/>
-              </a:rPr>
-              <a:t>y</a:t>
-            </a:r>
-            <a:r>
-              <a:rPr lang="en-GB" b="0" i="0" dirty="0">
-                <a:solidFill>
-                  <a:srgbClr val="333333"/>
-                </a:solidFill>
-                <a:effectLst/>
-                <a:latin typeface="Merriweather" panose="00000500000000000000" pitchFamily="2" charset="0"/>
-              </a:rPr>
-              <a:t> using total advertising spend </a:t>
-            </a:r>
-            <a:r>
-              <a:rPr lang="en-GB" b="0" i="0" dirty="0">
-                <a:solidFill>
-                  <a:srgbClr val="333333"/>
-                </a:solidFill>
-                <a:effectLst/>
-                <a:latin typeface="MJXc-TeX-math-I"/>
-              </a:rPr>
-              <a:t>x</a:t>
-            </a:r>
-            <a:r>
-              <a:rPr lang="en-GB" b="0" i="0" dirty="0">
-                <a:solidFill>
-                  <a:srgbClr val="333333"/>
-                </a:solidFill>
-                <a:effectLst/>
-                <a:latin typeface="Merriweather" panose="00000500000000000000" pitchFamily="2" charset="0"/>
-              </a:rPr>
-              <a:t>x as a predictor. Or we might forecast daily electricity demand </a:t>
-            </a:r>
-            <a:r>
-              <a:rPr lang="en-GB" b="0" i="0" dirty="0" err="1">
-                <a:solidFill>
-                  <a:srgbClr val="333333"/>
-                </a:solidFill>
-                <a:effectLst/>
-                <a:latin typeface="MJXc-TeX-math-I"/>
-              </a:rPr>
-              <a:t>y</a:t>
-            </a:r>
-            <a:r>
-              <a:rPr lang="en-GB" b="0" i="0" dirty="0" err="1">
-                <a:solidFill>
-                  <a:srgbClr val="333333"/>
-                </a:solidFill>
-                <a:effectLst/>
-                <a:latin typeface="Merriweather" panose="00000500000000000000" pitchFamily="2" charset="0"/>
-              </a:rPr>
-              <a:t>y</a:t>
-            </a:r>
-            <a:r>
-              <a:rPr lang="en-GB" b="0" i="0" dirty="0">
-                <a:solidFill>
-                  <a:srgbClr val="333333"/>
-                </a:solidFill>
-                <a:effectLst/>
-                <a:latin typeface="Merriweather" panose="00000500000000000000" pitchFamily="2" charset="0"/>
-              </a:rPr>
-              <a:t> using temperature </a:t>
-            </a:r>
-            <a:r>
-              <a:rPr lang="en-GB" b="0" i="0" dirty="0">
-                <a:solidFill>
-                  <a:srgbClr val="333333"/>
-                </a:solidFill>
-                <a:effectLst/>
-                <a:latin typeface="MJXc-TeX-math-I"/>
-              </a:rPr>
-              <a:t>x</a:t>
-            </a:r>
-            <a:r>
-              <a:rPr lang="en-GB" b="0" i="0" dirty="0">
-                <a:solidFill>
-                  <a:srgbClr val="333333"/>
-                </a:solidFill>
-                <a:effectLst/>
-                <a:latin typeface="MJXc-TeX-main-R"/>
-              </a:rPr>
-              <a:t>1</a:t>
-            </a:r>
-            <a:r>
-              <a:rPr lang="en-GB" b="0" i="0" dirty="0">
-                <a:solidFill>
-                  <a:srgbClr val="333333"/>
-                </a:solidFill>
-                <a:effectLst/>
-                <a:latin typeface="Merriweather" panose="00000500000000000000" pitchFamily="2" charset="0"/>
-              </a:rPr>
-              <a:t>x1 and the day of week </a:t>
-            </a:r>
-            <a:r>
-              <a:rPr lang="en-GB" b="0" i="0" dirty="0">
-                <a:solidFill>
-                  <a:srgbClr val="333333"/>
-                </a:solidFill>
-                <a:effectLst/>
-                <a:latin typeface="MJXc-TeX-math-I"/>
-              </a:rPr>
-              <a:t>x</a:t>
-            </a:r>
-            <a:r>
-              <a:rPr lang="en-GB" b="0" i="0" dirty="0">
-                <a:solidFill>
-                  <a:srgbClr val="333333"/>
-                </a:solidFill>
-                <a:effectLst/>
-                <a:latin typeface="MJXc-TeX-main-R"/>
-              </a:rPr>
-              <a:t>2</a:t>
-            </a:r>
-            <a:r>
-              <a:rPr lang="en-GB" b="0" i="0" dirty="0">
-                <a:solidFill>
-                  <a:srgbClr val="333333"/>
-                </a:solidFill>
-                <a:effectLst/>
-                <a:latin typeface="Merriweather" panose="00000500000000000000" pitchFamily="2" charset="0"/>
-              </a:rPr>
-              <a:t>x2 as predictors.</a:t>
-            </a:r>
-          </a:p>
-          <a:p>
-            <a:pPr algn="l"/>
-            <a:r>
-              <a:rPr lang="en-GB" b="0" i="0" dirty="0">
-                <a:solidFill>
-                  <a:srgbClr val="333333"/>
-                </a:solidFill>
-                <a:effectLst/>
-                <a:latin typeface="Merriweather" panose="00000500000000000000" pitchFamily="2" charset="0"/>
-              </a:rPr>
-              <a:t>The </a:t>
-            </a:r>
-            <a:r>
-              <a:rPr lang="en-GB" b="1" i="0" dirty="0">
-                <a:solidFill>
-                  <a:srgbClr val="333333"/>
-                </a:solidFill>
-                <a:effectLst/>
-                <a:latin typeface="Merriweather" panose="00000500000000000000" pitchFamily="2" charset="0"/>
-              </a:rPr>
-              <a:t>forecast variable</a:t>
-            </a:r>
-            <a:r>
-              <a:rPr lang="en-GB" b="0" i="0" dirty="0">
-                <a:solidFill>
-                  <a:srgbClr val="333333"/>
-                </a:solidFill>
-                <a:effectLst/>
-                <a:latin typeface="Merriweather" panose="00000500000000000000" pitchFamily="2" charset="0"/>
-              </a:rPr>
-              <a:t> </a:t>
-            </a:r>
-            <a:r>
-              <a:rPr lang="en-GB" b="0" i="0" dirty="0" err="1">
-                <a:solidFill>
-                  <a:srgbClr val="333333"/>
-                </a:solidFill>
-                <a:effectLst/>
-                <a:latin typeface="MJXc-TeX-math-I"/>
-              </a:rPr>
-              <a:t>y</a:t>
-            </a:r>
-            <a:r>
-              <a:rPr lang="en-GB" b="0" i="0" dirty="0" err="1">
-                <a:solidFill>
-                  <a:srgbClr val="333333"/>
-                </a:solidFill>
-                <a:effectLst/>
-                <a:latin typeface="Merriweather" panose="00000500000000000000" pitchFamily="2" charset="0"/>
-              </a:rPr>
-              <a:t>y</a:t>
-            </a:r>
-            <a:r>
-              <a:rPr lang="en-GB" b="0" i="0" dirty="0">
-                <a:solidFill>
-                  <a:srgbClr val="333333"/>
-                </a:solidFill>
-                <a:effectLst/>
-                <a:latin typeface="Merriweather" panose="00000500000000000000" pitchFamily="2" charset="0"/>
-              </a:rPr>
-              <a:t> is sometimes also called the </a:t>
-            </a:r>
-            <a:r>
-              <a:rPr lang="en-GB" b="0" i="0" dirty="0" err="1">
-                <a:solidFill>
-                  <a:srgbClr val="333333"/>
-                </a:solidFill>
-                <a:effectLst/>
-                <a:latin typeface="Merriweather" panose="00000500000000000000" pitchFamily="2" charset="0"/>
-              </a:rPr>
-              <a:t>regressand</a:t>
-            </a:r>
-            <a:r>
-              <a:rPr lang="en-GB" b="0" i="0" dirty="0">
-                <a:solidFill>
-                  <a:srgbClr val="333333"/>
-                </a:solidFill>
-                <a:effectLst/>
-                <a:latin typeface="Merriweather" panose="00000500000000000000" pitchFamily="2" charset="0"/>
-              </a:rPr>
-              <a:t>, dependent or explained variable. The </a:t>
-            </a:r>
-            <a:r>
-              <a:rPr lang="en-GB" b="1" i="0" dirty="0">
-                <a:solidFill>
-                  <a:srgbClr val="333333"/>
-                </a:solidFill>
-                <a:effectLst/>
-                <a:latin typeface="Merriweather" panose="00000500000000000000" pitchFamily="2" charset="0"/>
-              </a:rPr>
-              <a:t>predictor variables</a:t>
-            </a:r>
-            <a:r>
-              <a:rPr lang="en-GB" b="0" i="0" dirty="0">
-                <a:solidFill>
-                  <a:srgbClr val="333333"/>
-                </a:solidFill>
-                <a:effectLst/>
-                <a:latin typeface="Merriweather" panose="00000500000000000000" pitchFamily="2" charset="0"/>
-              </a:rPr>
-              <a:t> </a:t>
-            </a:r>
-            <a:r>
-              <a:rPr lang="en-GB" b="0" i="0" dirty="0">
-                <a:solidFill>
-                  <a:srgbClr val="333333"/>
-                </a:solidFill>
-                <a:effectLst/>
-                <a:latin typeface="MJXc-TeX-math-I"/>
-              </a:rPr>
-              <a:t>x</a:t>
-            </a:r>
-            <a:r>
-              <a:rPr lang="en-GB" b="0" i="0" dirty="0">
-                <a:solidFill>
-                  <a:srgbClr val="333333"/>
-                </a:solidFill>
-                <a:effectLst/>
-                <a:latin typeface="Merriweather" panose="00000500000000000000" pitchFamily="2" charset="0"/>
-              </a:rPr>
-              <a:t>x are sometimes also called the regressors, independent or explanatory variables. In this book we will always refer to them as the “forecast” variable and “predictor” variables.</a:t>
+            <a:endParaRPr lang="en-GB" b="0" i="0" dirty="0">
+              <a:solidFill>
+                <a:srgbClr val="333333"/>
+              </a:solidFill>
+              <a:effectLst/>
+              <a:latin typeface="Merriweather" panose="00000500000000000000" pitchFamily="2" charset="0"/>
+            </a:endParaRPr>
+          </a:p>
+          <a:p>
+            <a:r>
+              <a:rPr lang="en-GB" noProof="0" dirty="0"/>
+              <a:t>Another crucial verb in the fable package is the forecast function which, as the name already gives away, forecasts data using the specified models.</a:t>
             </a:r>
           </a:p>
           <a:p>
             <a:endParaRPr lang="en-GB" noProof="0" dirty="0"/>
+          </a:p>
+          <a:p>
+            <a:r>
+              <a:rPr lang="en-GB" noProof="0" dirty="0"/>
+              <a:t>Lastly, we can use glance to inspect our models and use model evaluation metrics such as the accuracy function to evaluate the performance of our models.</a:t>
+            </a:r>
           </a:p>
         </p:txBody>
       </p:sp>
@@ -1995,82 +1659,83 @@
           <a:p>
             <a:r>
               <a:rPr lang="en-GB" dirty="0"/>
-              <a:t>.</a:t>
-            </a:r>
-          </a:p>
-          <a:p>
-            <a:r>
-              <a:rPr lang="en-GB" sz="2000" dirty="0"/>
-              <a:t>Models in fable are specified using model </a:t>
-            </a:r>
-            <a:r>
-              <a:rPr lang="en-GB" sz="2000" b="1" dirty="0"/>
-              <a:t>functions</a:t>
-            </a:r>
-          </a:p>
-          <a:p>
-            <a:pPr marL="457200" lvl="1" indent="0">
-              <a:buNone/>
-            </a:pPr>
-            <a:r>
-              <a:rPr lang="en-GB" sz="2000" dirty="0"/>
-              <a:t>(y  </a:t>
-            </a:r>
-            <a:r>
-              <a:rPr lang="en-GB" sz="2000" dirty="0">
-                <a:effectLst/>
-              </a:rPr>
-              <a:t>~ </a:t>
-            </a:r>
-            <a:r>
-              <a:rPr lang="en-GB" sz="2000" dirty="0"/>
-              <a:t> X) </a:t>
-            </a:r>
-          </a:p>
-          <a:p>
-            <a:pPr marL="228600" lvl="1">
-              <a:spcBef>
-                <a:spcPts val="1000"/>
-              </a:spcBef>
-            </a:pPr>
-            <a:r>
-              <a:rPr lang="en-GB" sz="2000" dirty="0"/>
-              <a:t>Response variable(s) are specified </a:t>
-            </a:r>
-            <a:r>
-              <a:rPr lang="en-GB" sz="2000" b="1" dirty="0"/>
-              <a:t>on the left</a:t>
-            </a:r>
-            <a:r>
-              <a:rPr lang="en-GB" sz="2000" dirty="0"/>
-              <a:t> of the formula</a:t>
-            </a:r>
-          </a:p>
-          <a:p>
-            <a:pPr marL="228600" lvl="1">
-              <a:spcBef>
-                <a:spcPts val="1000"/>
-              </a:spcBef>
-            </a:pPr>
-            <a:r>
-              <a:rPr lang="en-GB" sz="2000" dirty="0"/>
-              <a:t>Structure of the model is written </a:t>
-            </a:r>
-            <a:r>
-              <a:rPr lang="en-GB" sz="2000" b="1" dirty="0"/>
-              <a:t>on the right</a:t>
-            </a:r>
-          </a:p>
-          <a:p>
-            <a:pPr marL="685800" lvl="2">
-              <a:spcBef>
-                <a:spcPts val="1000"/>
-              </a:spcBef>
-            </a:pPr>
+              <a:t>Now, lets finally move to the code and apply fable.</a:t>
+            </a:r>
+          </a:p>
+          <a:p>
+            <a:endParaRPr lang="en-GB" dirty="0"/>
+          </a:p>
+          <a:p>
             <a:r>
               <a:rPr lang="en-GB" dirty="0"/>
-              <a:t>One or more model specifications can be estimated using the model() function.</a:t>
-            </a:r>
+              <a:t>In this code, we are using a </a:t>
+            </a:r>
+            <a:r>
+              <a:rPr lang="en-GB" dirty="0" err="1"/>
+              <a:t>tsibble</a:t>
+            </a:r>
+            <a:r>
+              <a:rPr lang="en-GB" dirty="0"/>
+              <a:t> object that contains data on the total number of quarterly domestic overnight trips in Australia.</a:t>
+            </a:r>
+          </a:p>
+          <a:p>
+            <a:endParaRPr lang="en-GB" dirty="0"/>
+          </a:p>
+          <a:p>
+            <a:r>
+              <a:rPr lang="en-GB" dirty="0"/>
+              <a:t>Of course, we have already inspected and explored our data, and used the </a:t>
+            </a:r>
+            <a:r>
+              <a:rPr lang="en-GB" dirty="0" err="1"/>
+              <a:t>tsibble</a:t>
+            </a:r>
+            <a:r>
+              <a:rPr lang="en-GB" dirty="0"/>
+              <a:t> functionality to fill implicit gaps when needed.</a:t>
+            </a:r>
+          </a:p>
+          <a:p>
+            <a:endParaRPr lang="en-GB" dirty="0"/>
+          </a:p>
+          <a:p>
+            <a:r>
+              <a:rPr lang="en-GB" dirty="0"/>
+              <a:t>What you can see in the first code chunk is a pipe that effectively removes the last 3 years from the data that our three models are being trained on.</a:t>
+            </a:r>
+          </a:p>
+          <a:p>
+            <a:endParaRPr lang="en-GB" dirty="0"/>
+          </a:p>
+          <a:p>
+            <a:r>
+              <a:rPr lang="en-GB" dirty="0"/>
+              <a:t>The model function shows the specification of a default exponential smoothing model, a default </a:t>
+            </a:r>
+            <a:r>
+              <a:rPr lang="en-GB" dirty="0" err="1"/>
+              <a:t>arima</a:t>
+            </a:r>
+            <a:r>
+              <a:rPr lang="en-GB" dirty="0"/>
+              <a:t> model, and a linear model that includes a linear time trend () and a dummy seasonality ()</a:t>
+            </a:r>
+          </a:p>
+          <a:p>
+            <a:endParaRPr lang="en-GB" dirty="0"/>
+          </a:p>
+          <a:p>
+            <a:r>
+              <a:rPr lang="en-GB" dirty="0"/>
+              <a:t>Afterwards, we inspect our models by using glance.</a:t>
+            </a:r>
+          </a:p>
+          <a:p>
+            <a:endParaRPr lang="en-GB" dirty="0"/>
+          </a:p>
+          <a:p>
+            <a:endParaRPr lang="en-GB" dirty="0"/>
           </a:p>
           <a:p>
             <a:endParaRPr lang="en-GB" dirty="0"/>
@@ -2175,7 +1840,94 @@
             <a:endParaRPr lang="en-GB" dirty="0"/>
           </a:p>
           <a:p>
+            <a:r>
+              <a:rPr lang="en-GB" dirty="0"/>
+              <a:t>Now we are ready to create forecasts using our trained models.</a:t>
+            </a:r>
+          </a:p>
+          <a:p>
             <a:endParaRPr lang="en-GB" dirty="0"/>
+          </a:p>
+          <a:p>
+            <a:r>
+              <a:rPr lang="en-GB" dirty="0"/>
+              <a:t>The forecast function in the code chunk takes the trained models and asks them to forecast the total trips for the next three years (which represents the original time range).</a:t>
+            </a:r>
+          </a:p>
+          <a:p>
+            <a:endParaRPr lang="en-GB" dirty="0"/>
+          </a:p>
+          <a:p>
+            <a:r>
+              <a:rPr lang="en-GB" dirty="0"/>
+              <a:t>We then use the </a:t>
+            </a:r>
+            <a:r>
+              <a:rPr lang="en-GB" dirty="0" err="1"/>
+              <a:t>autoplot</a:t>
+            </a:r>
+            <a:r>
+              <a:rPr lang="en-GB" dirty="0"/>
+              <a:t> function to create plot that shows the three forecasts.</a:t>
+            </a:r>
+          </a:p>
+          <a:p>
+            <a:endParaRPr lang="en-GB" dirty="0"/>
+          </a:p>
+          <a:p>
+            <a:r>
+              <a:rPr lang="en-GB" dirty="0"/>
+              <a:t>As we can see:</a:t>
+            </a:r>
+          </a:p>
+          <a:p>
+            <a:pPr marL="228600" indent="-228600">
+              <a:buAutoNum type="arabicPeriod"/>
+            </a:pPr>
+            <a:r>
+              <a:rPr lang="en-GB" dirty="0"/>
+              <a:t>The linear model seems to have produced the worst forecasts</a:t>
+            </a:r>
+          </a:p>
+          <a:p>
+            <a:pPr marL="228600" indent="-228600">
+              <a:buAutoNum type="arabicPeriod"/>
+            </a:pPr>
+            <a:r>
+              <a:rPr lang="en-GB" dirty="0"/>
+              <a:t>All models captured the seasonality of the data well, however, the </a:t>
+            </a:r>
+            <a:r>
+              <a:rPr lang="en-GB" dirty="0" err="1"/>
+              <a:t>arima</a:t>
+            </a:r>
+            <a:r>
+              <a:rPr lang="en-GB" dirty="0"/>
+              <a:t> model was able to capture the positive trend in the data the best.</a:t>
+            </a:r>
+          </a:p>
+          <a:p>
+            <a:pPr marL="228600" indent="-228600">
+              <a:buAutoNum type="arabicPeriod"/>
+            </a:pPr>
+            <a:endParaRPr lang="en-GB" dirty="0"/>
+          </a:p>
+          <a:p>
+            <a:pPr marL="0" indent="0">
+              <a:buNone/>
+            </a:pPr>
+            <a:r>
+              <a:rPr lang="en-GB" dirty="0"/>
+              <a:t>Thus, the </a:t>
+            </a:r>
+            <a:r>
+              <a:rPr lang="en-GB" dirty="0" err="1"/>
+              <a:t>arima</a:t>
+            </a:r>
+            <a:r>
+              <a:rPr lang="en-GB" dirty="0"/>
+              <a:t> model, according to this plot seems to have produced the best forecast.</a:t>
+            </a:r>
           </a:p>
         </p:txBody>
       </p:sp>
@@ -2265,10 +2017,37 @@
             </a:r>
           </a:p>
           <a:p>
+            <a:r>
+              <a:rPr lang="en-GB" dirty="0"/>
+              <a:t>Of course, can also compare the model performance based on more than just looking at plots.</a:t>
+            </a:r>
+          </a:p>
+          <a:p>
             <a:endParaRPr lang="en-GB" dirty="0"/>
           </a:p>
           <a:p>
+            <a:r>
+              <a:rPr lang="en-GB" dirty="0"/>
+              <a:t>For example, we can compare them based on the accuracy metric as shown by the code chunk.</a:t>
+            </a:r>
+          </a:p>
+          <a:p>
             <a:endParaRPr lang="en-GB" dirty="0"/>
+          </a:p>
+          <a:p>
+            <a:r>
+              <a:rPr lang="en-GB" dirty="0"/>
+              <a:t>Furthermore, can try to tweak our model specification to create even better forecasts.</a:t>
+            </a:r>
+          </a:p>
+          <a:p>
+            <a:endParaRPr lang="en-GB" dirty="0"/>
+          </a:p>
+          <a:p>
+            <a:r>
+              <a:rPr lang="en-GB" dirty="0"/>
+              <a:t>All of this, however, is beyond our scope here today. </a:t>
+            </a:r>
           </a:p>
         </p:txBody>
       </p:sp>
@@ -2352,7 +2131,10 @@
           <a:bodyPr/>
           <a:lstStyle/>
           <a:p>
-            <a:endParaRPr lang="en-GB" noProof="0" dirty="0"/>
+            <a:r>
+              <a:rPr lang="en-GB" noProof="0" dirty="0"/>
+              <a:t>So what have we learned?</a:t>
+            </a:r>
           </a:p>
         </p:txBody>
       </p:sp>
@@ -2383,6 +2165,93 @@
     <p:extLst>
       <p:ext uri="{BB962C8B-B14F-4D97-AF65-F5344CB8AC3E}">
         <p14:creationId xmlns:p14="http://schemas.microsoft.com/office/powerpoint/2010/main" val="3300464981"/>
+      </p:ext>
+    </p:extLst>
+  </p:cSld>
+  <p:clrMapOvr>
+    <a:masterClrMapping/>
+  </p:clrMapOvr>
+</p:notes>
+</file>
+
+<file path=ppt/notesSlides/notesSlide19.xml><?xml version="1.0" encoding="utf-8"?>
+<p:notes xmlns:a="http://schemas.openxmlformats.org/drawingml/2006/main" xmlns:r="http://schemas.openxmlformats.org/officeDocument/2006/relationships" xmlns:p="http://schemas.openxmlformats.org/presentationml/2006/main">
+  <p:cSld>
+    <p:spTree>
+      <p:nvGrpSpPr>
+        <p:cNvPr id="1" name=""/>
+        <p:cNvGrpSpPr/>
+        <p:nvPr/>
+      </p:nvGrpSpPr>
+      <p:grpSpPr>
+        <a:xfrm>
+          <a:off x="0" y="0"/>
+          <a:ext cx="0" cy="0"/>
+          <a:chOff x="0" y="0"/>
+          <a:chExt cx="0" cy="0"/>
+        </a:xfrm>
+      </p:grpSpPr>
+      <p:sp>
+        <p:nvSpPr>
+          <p:cNvPr id="2" name="Slide Image Placeholder 1"/>
+          <p:cNvSpPr>
+            <a:spLocks noGrp="1" noRot="1" noChangeAspect="1"/>
+          </p:cNvSpPr>
+          <p:nvPr>
+            <p:ph type="sldImg"/>
+          </p:nvPr>
+        </p:nvSpPr>
+        <p:spPr/>
+      </p:sp>
+      <p:sp>
+        <p:nvSpPr>
+          <p:cNvPr id="3" name="Notes Placeholder 2"/>
+          <p:cNvSpPr>
+            <a:spLocks noGrp="1"/>
+          </p:cNvSpPr>
+          <p:nvPr>
+            <p:ph type="body" idx="1"/>
+          </p:nvPr>
+        </p:nvSpPr>
+        <p:spPr/>
+        <p:txBody>
+          <a:bodyPr/>
+          <a:lstStyle/>
+          <a:p>
+            <a:r>
+              <a:rPr lang="en-GB" dirty="0"/>
+              <a:t>Thanks for paying attention and we hope you have fun completing the exercises!</a:t>
+            </a:r>
+          </a:p>
+        </p:txBody>
+      </p:sp>
+      <p:sp>
+        <p:nvSpPr>
+          <p:cNvPr id="4" name="Slide Number Placeholder 3"/>
+          <p:cNvSpPr>
+            <a:spLocks noGrp="1"/>
+          </p:cNvSpPr>
+          <p:nvPr>
+            <p:ph type="sldNum" sz="quarter" idx="5"/>
+          </p:nvPr>
+        </p:nvSpPr>
+        <p:spPr/>
+        <p:txBody>
+          <a:bodyPr/>
+          <a:lstStyle/>
+          <a:p>
+            <a:fld id="{809EEC96-AFE4-AB4C-9F77-BF8C435C8FB7}" type="slidenum">
+              <a:rPr lang="en-GB" smtClean="0"/>
+              <a:t>20</a:t>
+            </a:fld>
+            <a:endParaRPr lang="en-GB"/>
+          </a:p>
+        </p:txBody>
+      </p:sp>
+    </p:spTree>
+    <p:extLst>
+      <p:ext uri="{BB962C8B-B14F-4D97-AF65-F5344CB8AC3E}">
+        <p14:creationId xmlns:p14="http://schemas.microsoft.com/office/powerpoint/2010/main" val="1460334491"/>
       </p:ext>
     </p:extLst>
   </p:cSld>
@@ -10240,7 +10109,7 @@
                 <a:latin typeface="Inconsolatazi4"/>
                 <a:sym typeface="Wingdings" pitchFamily="2" charset="2"/>
               </a:rPr>
-              <a:t>  Exponential smoothing state space model</a:t>
+              <a:t>  Exponential smoothing</a:t>
             </a:r>
           </a:p>
           <a:p>
@@ -14144,7 +14013,7 @@
           <p:nvPr/>
         </p:nvPicPr>
         <p:blipFill rotWithShape="1">
-          <a:blip r:embed="rId2">
+          <a:blip r:embed="rId3">
             <a:extLst>
               <a:ext uri="{28A0092B-C50C-407E-A947-70E740481C1C}">
                 <a14:useLocalDpi xmlns:a14="http://schemas.microsoft.com/office/drawing/2010/main" val="0"/>

--- a/tsibble and fable.pptx
+++ b/tsibble and fable.pptx
@@ -375,7 +375,7 @@
           <a:p>
             <a:fld id="{809EEC96-AFE4-AB4C-9F77-BF8C435C8FB7}" type="slidenum">
               <a:rPr lang="en-GB" smtClean="0"/>
-              <a:t>‹#›</a:t>
+              <a:t>‹Nr.›</a:t>
             </a:fld>
             <a:endParaRPr lang="en-GB"/>
           </a:p>
@@ -530,13 +530,21 @@
           <a:p>
             <a:r>
               <a:rPr lang="en-GB" dirty="0"/>
-              <a:t>Welcome to this short workshop.</a:t>
+              <a:t>Welcome to our short workshop.</a:t>
             </a:r>
           </a:p>
           <a:p>
             <a:r>
               <a:rPr lang="en-GB" dirty="0"/>
-              <a:t>My name is Justus v. Samson and together with Oskar craft we will introduce you to temporal data with tsibble.</a:t>
+              <a:t>My name is Justus v. Samson and together with Oskar </a:t>
+            </a:r>
+            <a:r>
+              <a:rPr lang="en-GB" dirty="0" err="1"/>
+              <a:t>Krafft</a:t>
+            </a:r>
+            <a:r>
+              <a:rPr lang="en-GB" dirty="0"/>
+              <a:t> we will now introduce you to temporal data and how to handle those using the two R packages tsibble and fable</a:t>
             </a:r>
           </a:p>
         </p:txBody>
@@ -2307,7 +2315,41 @@
           <a:p>
             <a:r>
               <a:rPr lang="en-GB" dirty="0"/>
-              <a:t>In order to do so </a:t>
+              <a:t>In order to do so we are going to introduce you to a workflow in R </a:t>
+            </a:r>
+            <a:r>
+              <a:rPr lang="en-GB" dirty="0" err="1"/>
+              <a:t>wich</a:t>
+            </a:r>
+            <a:r>
+              <a:rPr lang="en-GB" dirty="0"/>
+              <a:t> builds on the </a:t>
+            </a:r>
+            <a:r>
+              <a:rPr lang="en-GB" dirty="0" err="1"/>
+              <a:t>tidyverse</a:t>
+            </a:r>
+            <a:r>
+              <a:rPr lang="en-GB" dirty="0"/>
+              <a:t> by utilising two packages. </a:t>
+            </a:r>
+          </a:p>
+          <a:p>
+            <a:endParaRPr lang="en-GB" dirty="0"/>
+          </a:p>
+          <a:p>
+            <a:r>
+              <a:rPr lang="en-GB" dirty="0"/>
+              <a:t>First tidying, wrangling, and inspecting the Data will be done with the help of the tsibble package.</a:t>
+            </a:r>
+          </a:p>
+          <a:p>
+            <a:endParaRPr lang="en-GB" dirty="0"/>
+          </a:p>
+          <a:p>
+            <a:r>
+              <a:rPr lang="en-GB" dirty="0"/>
+              <a:t>With the help of the fable package we will then use some forecasting models and visualise our Data</a:t>
             </a:r>
           </a:p>
         </p:txBody>
@@ -2394,7 +2436,7 @@
           <a:p>
             <a:r>
               <a:rPr lang="en-GB" dirty="0"/>
-              <a:t>When we are looking at a graph, plotting temporal data like the one on the right, we can describe time series by analysing </a:t>
+              <a:t>In General when we are looking at a graph, which is plotting temporal data like the one on the right, we can describe the time series by analysing </a:t>
             </a:r>
             <a:r>
               <a:rPr lang="en-GB" b="1" dirty="0"/>
@@ -2439,8 +2481,12 @@
               <a:defRPr/>
             </a:pPr>
             <a:r>
+              <a:rPr lang="en-GB" b="1" dirty="0"/>
+              <a:t>Trends</a:t>
+            </a:r>
+            <a:r>
               <a:rPr lang="en-GB" b="0" dirty="0"/>
-              <a:t>Trends describe </a:t>
+              <a:t> describe </a:t>
             </a:r>
             <a:r>
               <a:rPr lang="en-GB" sz="1200" b="0" dirty="0"/>
@@ -2448,7 +2494,30 @@
             </a:r>
             <a:r>
               <a:rPr lang="en-GB" sz="1200" dirty="0"/>
-              <a:t>ong-term overall increase or decrease in the Data, which do not have to be linear</a:t>
+              <a:t>ong-term overall increase or decrease in the Data, which do not have to be linear.</a:t>
+            </a:r>
+          </a:p>
+          <a:p>
+            <a:pPr marL="0" marR="0" lvl="0" indent="0" algn="l" defTabSz="914400" rtl="0" eaLnBrk="1" fontAlgn="auto" latinLnBrk="0" hangingPunct="1">
+              <a:lnSpc>
+                <a:spcPct val="100000"/>
+              </a:lnSpc>
+              <a:spcBef>
+                <a:spcPts val="0"/>
+              </a:spcBef>
+              <a:spcAft>
+                <a:spcPts val="0"/>
+              </a:spcAft>
+              <a:buClrTx/>
+              <a:buSzTx/>
+              <a:buFontTx/>
+              <a:buNone/>
+              <a:tabLst/>
+              <a:defRPr/>
+            </a:pPr>
+            <a:r>
+              <a:rPr lang="en-GB" sz="1200" dirty="0"/>
+              <a:t>For example we can see a clear upwards trend from 2010 onwards</a:t>
             </a:r>
           </a:p>
           <a:p>
@@ -2490,8 +2559,35 @@
               <a:defRPr/>
             </a:pPr>
             <a:r>
+              <a:rPr lang="en-GB" sz="1200" b="1" dirty="0"/>
+              <a:t>Seasonal effects </a:t>
+            </a:r>
+            <a:r>
               <a:rPr lang="en-GB" sz="1200" dirty="0"/>
-              <a:t>Seasonal effects are reoccurring increases or decreases within fixed and known time periods, such as Holidays or climatic seasons.</a:t>
+              <a:t>are reoccurring increases or decreases within fixed and known time periods, such as Holidays or climatic seasons.</a:t>
+            </a:r>
+          </a:p>
+          <a:p>
+            <a:pPr marL="0" marR="0" lvl="0" indent="0" algn="l" defTabSz="914400" rtl="0" eaLnBrk="1" fontAlgn="auto" latinLnBrk="0" hangingPunct="1">
+              <a:lnSpc>
+                <a:spcPct val="100000"/>
+              </a:lnSpc>
+              <a:spcBef>
+                <a:spcPts val="0"/>
+              </a:spcBef>
+              <a:spcAft>
+                <a:spcPts val="0"/>
+              </a:spcAft>
+              <a:buClrTx/>
+              <a:buSzTx/>
+              <a:buFontTx/>
+              <a:buNone/>
+              <a:tabLst/>
+              <a:defRPr/>
+            </a:pPr>
+            <a:r>
+              <a:rPr lang="en-GB" sz="1200" dirty="0"/>
+              <a:t>In the dataset on the right we can assume that the spikes occur in correlation to holidays within Australia and therefore are seasonal effects.</a:t>
             </a:r>
           </a:p>
           <a:p>
@@ -2538,7 +2634,7 @@
             </a:r>
             <a:r>
               <a:rPr lang="en-GB" sz="1200" b="0" dirty="0"/>
-              <a:t> effects are similar effects to seasonality however they are not bound to known frequencies or periods. Examples here would include economic crisis or business cycles</a:t>
+              <a:t> effects are similar effects to seasonality however they are not bound to known frequencies or periods. Examples here would include economic crisis or business cycles.</a:t>
             </a:r>
             <a:endParaRPr lang="en-GB" b="0" dirty="0"/>
           </a:p>
@@ -2548,7 +2644,15 @@
           <a:p>
             <a:r>
               <a:rPr lang="en-GB" dirty="0"/>
-              <a:t>All over all time series can be thought of as a list of measurements, along some information about at what times those numbers were recorded and therefore creating an index.</a:t>
+              <a:t>All over all time series can be thought of as a series of data </a:t>
+            </a:r>
+            <a:r>
+              <a:rPr lang="en-GB" dirty="0" err="1"/>
+              <a:t>points,wich</a:t>
+            </a:r>
+            <a:r>
+              <a:rPr lang="en-GB" dirty="0"/>
+              <a:t> are indexed along some information about at what times those measurements were recorded.</a:t>
             </a:r>
           </a:p>
           <a:p>
@@ -2659,31 +2763,30 @@
               <a:rPr lang="en-GB" dirty="0">
                 <a:effectLst/>
               </a:rPr>
-              <a:t> package provides a data class of </a:t>
-            </a:r>
-            <a:r>
-              <a:rPr lang="en-GB" dirty="0" err="1">
-                <a:effectLst/>
-              </a:rPr>
-              <a:t>tbl_ts</a:t>
-            </a:r>
+              <a:t> package provides a data class in order to represent temporal data in a Tidy Tibble format.</a:t>
+            </a:r>
+          </a:p>
+          <a:p>
+            <a:endParaRPr lang="en-GB" dirty="0">
+              <a:effectLst/>
+            </a:endParaRPr>
+          </a:p>
+          <a:p>
             <a:r>
               <a:rPr lang="en-GB" dirty="0">
                 <a:effectLst/>
               </a:rPr>
-              <a:t> to represent tidy temporal data. A tsibble consists of a time index, key, and other measured variables in a data-centric format, which is built on top of the </a:t>
-            </a:r>
-            <a:r>
-              <a:rPr lang="en-GB" dirty="0" err="1">
-                <a:effectLst/>
-              </a:rPr>
-              <a:t>tibble</a:t>
+              <a:t>A tsibble consists of a time index, key consisting of </a:t>
+            </a:r>
+            <a:r>
+              <a:rPr lang="en-GB" sz="1200" dirty="0"/>
+              <a:t>a set of variables that define the observational units</a:t>
             </a:r>
             <a:r>
               <a:rPr lang="en-GB" dirty="0">
                 <a:effectLst/>
               </a:rPr>
-              <a:t>.</a:t>
+              <a:t>, and other measured variables.</a:t>
             </a:r>
           </a:p>
           <a:p>
@@ -2699,6 +2802,10 @@
             <a:endParaRPr lang="en-GB" noProof="0" dirty="0"/>
           </a:p>
           <a:p>
+            <a:r>
+              <a:rPr lang="en-GB" noProof="0" dirty="0"/>
+              <a:t>The Key can be a single or multiple variables and </a:t>
+            </a:r>
             <a:r>
               <a:rPr lang="en-GB" b="0" i="0" u="none" strike="noStrike" dirty="0">
                 <a:solidFill>
@@ -2707,7 +2814,36 @@
                 <a:effectLst/>
                 <a:latin typeface="Source Sans Pro" panose="020B0503030403020204" pitchFamily="34" charset="0"/>
               </a:rPr>
-              <a:t>Tsibble supports arbitrary index classes, as long as they can be ordered from past to future.</a:t>
+              <a:t>can be created in conjunction with tidy selectors like the </a:t>
+            </a:r>
+            <a:r>
+              <a:rPr lang="en-GB" b="0" i="0" u="none" strike="noStrike" dirty="0" err="1">
+                <a:solidFill>
+                  <a:srgbClr val="333333"/>
+                </a:solidFill>
+                <a:effectLst/>
+                <a:latin typeface="Source Sans Pro" panose="020B0503030403020204" pitchFamily="34" charset="0"/>
+              </a:rPr>
+              <a:t>starts_with</a:t>
+            </a:r>
+            <a:r>
+              <a:rPr lang="en-GB" b="0" i="0" u="none" strike="noStrike" dirty="0">
+                <a:solidFill>
+                  <a:srgbClr val="333333"/>
+                </a:solidFill>
+                <a:effectLst/>
+                <a:latin typeface="Source Sans Pro" panose="020B0503030403020204" pitchFamily="34" charset="0"/>
+              </a:rPr>
+              <a:t>() </a:t>
+            </a:r>
+            <a:r>
+              <a:rPr lang="en-GB" u="none" strike="noStrike" dirty="0">
+                <a:solidFill>
+                  <a:srgbClr val="375F84"/>
+                </a:solidFill>
+                <a:effectLst/>
+              </a:rPr>
+              <a:t>function.</a:t>
             </a:r>
             <a:endParaRPr lang="en-GB" noProof="0" dirty="0"/>
           </a:p>
@@ -2716,12 +2852,49 @@
           </a:p>
           <a:p>
             <a:r>
+              <a:rPr lang="en-GB" b="0" i="0" u="none" strike="noStrike" dirty="0">
+                <a:solidFill>
+                  <a:srgbClr val="333333"/>
+                </a:solidFill>
+                <a:effectLst/>
+                <a:latin typeface="Source Sans Pro" panose="020B0503030403020204" pitchFamily="34" charset="0"/>
+              </a:rPr>
+              <a:t>Furthermore Tsibble supports Regular as well as arbitrary index classes. However it must pe possible to ordered both Regular the same as Irregular indices from the past to the future.</a:t>
+            </a:r>
+          </a:p>
+          <a:p>
+            <a:endParaRPr lang="en-GB" b="0" i="0" u="none" strike="noStrike" noProof="0" dirty="0">
+              <a:solidFill>
+                <a:srgbClr val="333333"/>
+              </a:solidFill>
+              <a:effectLst/>
+              <a:latin typeface="Source Sans Pro" panose="020B0503030403020204" pitchFamily="34" charset="0"/>
+            </a:endParaRPr>
+          </a:p>
+          <a:p>
+            <a:r>
+              <a:rPr lang="en-GB" b="0" i="0" u="none" strike="noStrike" noProof="0" dirty="0">
+                <a:solidFill>
+                  <a:srgbClr val="333333"/>
+                </a:solidFill>
+                <a:effectLst/>
+                <a:latin typeface="Source Sans Pro" panose="020B0503030403020204" pitchFamily="34" charset="0"/>
+              </a:rPr>
+              <a:t>Those intervals can range from nanoseconds up to years. We have listed a few commonly used Intervals and there Grammar on right hand side of this slide. </a:t>
+            </a:r>
+            <a:endParaRPr lang="en-GB" noProof="0" dirty="0"/>
+          </a:p>
+          <a:p>
+            <a:endParaRPr lang="en-GB" noProof="0" dirty="0"/>
+          </a:p>
+          <a:p>
+            <a:r>
               <a:rPr lang="en-GB" noProof="0" dirty="0"/>
-              <a:t>In comparison to </a:t>
+              <a:t>In comparison to general </a:t>
             </a:r>
             <a:r>
               <a:rPr lang="en-GB" noProof="0" dirty="0" err="1"/>
-              <a:t>tibble</a:t>
+              <a:t>tibbles</a:t>
             </a:r>
             <a:r>
               <a:rPr lang="en-GB" noProof="0" dirty="0"/>
@@ -2735,7 +2908,7 @@
                 <a:effectLst/>
                 <a:latin typeface="-apple-system"/>
               </a:rPr>
-              <a:t>the column of data specifying the observation’s measurement time is now actually used in the data</a:t>
+              <a:t>the column which is specifying the observation’s measurement time is now actually used with in the data.</a:t>
             </a:r>
             <a:endParaRPr lang="en-GB" noProof="0" dirty="0"/>
           </a:p>
@@ -2821,6 +2994,106 @@
           <a:bodyPr/>
           <a:lstStyle/>
           <a:p>
+            <a:r>
+              <a:rPr lang="en-GB" noProof="0" dirty="0"/>
+              <a:t>Here, we now see some commonly used functions from the tsibble package.</a:t>
+            </a:r>
+          </a:p>
+          <a:p>
+            <a:r>
+              <a:rPr lang="en-GB" noProof="0" dirty="0"/>
+              <a:t>First up with </a:t>
+            </a:r>
+            <a:r>
+              <a:rPr lang="en-GB" noProof="0" dirty="0" err="1"/>
+              <a:t>as_tsibble</a:t>
+            </a:r>
+            <a:r>
+              <a:rPr lang="en-GB" noProof="0" dirty="0"/>
+              <a:t> we can create a tsibble object by coercing the data.</a:t>
+            </a:r>
+          </a:p>
+          <a:p>
+            <a:r>
+              <a:rPr lang="en-GB" noProof="0" dirty="0"/>
+              <a:t>The next three help us wrangle data </a:t>
+            </a:r>
+            <a:r>
+              <a:rPr lang="en-GB" noProof="0" dirty="0" err="1"/>
+              <a:t>wich</a:t>
+            </a:r>
+            <a:r>
+              <a:rPr lang="en-GB" noProof="0" dirty="0"/>
+              <a:t> has some gaps in them. That would be the case for example if one time series starts a a later point then the other. In This case we can first count the implicit gaps with the help of the </a:t>
+            </a:r>
+            <a:r>
+              <a:rPr lang="en-GB" noProof="0" dirty="0" err="1"/>
+              <a:t>count_gaps</a:t>
+            </a:r>
+            <a:r>
+              <a:rPr lang="en-GB" noProof="0" dirty="0"/>
+              <a:t> function and then utilising </a:t>
+            </a:r>
+            <a:r>
+              <a:rPr lang="en-GB" noProof="0" dirty="0" err="1"/>
+              <a:t>fill_gaps</a:t>
+            </a:r>
+            <a:r>
+              <a:rPr lang="en-GB" noProof="0" dirty="0"/>
+              <a:t> we can decide if we want to treat </a:t>
+            </a:r>
+            <a:r>
+              <a:rPr lang="en-GB" sz="1200" dirty="0">
+                <a:latin typeface="Inconsolatazi4"/>
+                <a:sym typeface="Wingdings" pitchFamily="2" charset="2"/>
+              </a:rPr>
+              <a:t>implicit gaps</a:t>
+            </a:r>
+            <a:r>
+              <a:rPr lang="en-GB" noProof="0" dirty="0"/>
+              <a:t> as NA/s, set them to 0 or for example equal to the mean. With </a:t>
+            </a:r>
+            <a:r>
+              <a:rPr lang="en-GB" noProof="0" dirty="0" err="1"/>
+              <a:t>has_gaps</a:t>
+            </a:r>
+            <a:r>
+              <a:rPr lang="en-GB" noProof="0" dirty="0"/>
+              <a:t> we could also simply check if a tsibble has implicit gaps at all. </a:t>
+            </a:r>
+          </a:p>
+          <a:p>
+            <a:endParaRPr lang="en-GB" noProof="0" dirty="0"/>
+          </a:p>
+          <a:p>
+            <a:r>
+              <a:rPr lang="en-GB" noProof="0" dirty="0"/>
+              <a:t>Next up we can filter the time index with </a:t>
+            </a:r>
+            <a:r>
+              <a:rPr lang="en-GB" noProof="0" dirty="0" err="1"/>
+              <a:t>filter_index</a:t>
+            </a:r>
+            <a:r>
+              <a:rPr lang="en-GB" noProof="0" dirty="0"/>
+              <a:t> as well as group by the time index with </a:t>
+            </a:r>
+            <a:r>
+              <a:rPr lang="en-GB" noProof="0" dirty="0" err="1"/>
+              <a:t>index_by</a:t>
+            </a:r>
+            <a:endParaRPr lang="en-GB" noProof="0" dirty="0"/>
+          </a:p>
+          <a:p>
+            <a:endParaRPr lang="en-GB" noProof="0" dirty="0"/>
+          </a:p>
+          <a:p>
+            <a:r>
+              <a:rPr lang="en-GB" noProof="0" dirty="0"/>
+              <a:t>Otherwise we could also group by key.</a:t>
+            </a:r>
+          </a:p>
+          <a:p>
             <a:endParaRPr lang="en-GB" noProof="0" dirty="0"/>
           </a:p>
         </p:txBody>
@@ -2905,6 +3178,170 @@
           <a:bodyPr/>
           <a:lstStyle/>
           <a:p>
+            <a:pPr marL="0" marR="0" lvl="0" indent="0" algn="l" defTabSz="914400" rtl="0" eaLnBrk="1" fontAlgn="auto" latinLnBrk="0" hangingPunct="1">
+              <a:lnSpc>
+                <a:spcPct val="100000"/>
+              </a:lnSpc>
+              <a:spcBef>
+                <a:spcPts val="0"/>
+              </a:spcBef>
+              <a:spcAft>
+                <a:spcPts val="0"/>
+              </a:spcAft>
+              <a:buClrTx/>
+              <a:buSzTx/>
+              <a:buFontTx/>
+              <a:buNone/>
+              <a:tabLst/>
+              <a:defRPr/>
+            </a:pPr>
+            <a:r>
+              <a:rPr lang="en-GB" noProof="0" dirty="0"/>
+              <a:t>Having now gotten to know the functionalities of tsibble we can </a:t>
+            </a:r>
+            <a:r>
+              <a:rPr lang="en-GB" sz="1800" noProof="0" dirty="0">
+                <a:effectLst/>
+                <a:latin typeface="Inconsolatazi4"/>
+              </a:rPr>
+              <a:t>create </a:t>
+            </a:r>
+            <a:r>
+              <a:rPr lang="en-GB" sz="1800" noProof="0" dirty="0"/>
+              <a:t>our first object</a:t>
+            </a:r>
+            <a:r>
+              <a:rPr lang="en-GB" sz="1800" noProof="0" dirty="0">
+                <a:effectLst/>
+                <a:latin typeface="Inconsolatazi4"/>
+              </a:rPr>
+              <a:t> with multiple variables for key </a:t>
+            </a:r>
+            <a:endParaRPr lang="en-GB" noProof="0" dirty="0"/>
+          </a:p>
+          <a:p>
+            <a:endParaRPr lang="en-GB" noProof="0" dirty="0"/>
+          </a:p>
+          <a:p>
+            <a:endParaRPr lang="en-GB" noProof="0" dirty="0"/>
+          </a:p>
+          <a:p>
+            <a:r>
+              <a:rPr lang="en-GB" noProof="0" dirty="0"/>
+              <a:t>In this case we have an interval of 26 </a:t>
+            </a:r>
+            <a:r>
+              <a:rPr lang="en-GB" b="0" i="0" u="none" strike="noStrike" dirty="0">
+                <a:solidFill>
+                  <a:srgbClr val="000000"/>
+                </a:solidFill>
+                <a:effectLst/>
+                <a:latin typeface="Open Sans" panose="020F0502020204030204" pitchFamily="34" charset="0"/>
+              </a:rPr>
+              <a:t>regularly spaced dates giving us the index to plot against.</a:t>
+            </a:r>
+          </a:p>
+          <a:p>
+            <a:r>
+              <a:rPr lang="en-GB" b="0" i="0" u="none" strike="noStrike" dirty="0">
+                <a:solidFill>
+                  <a:srgbClr val="000000"/>
+                </a:solidFill>
+                <a:effectLst/>
+                <a:latin typeface="Open Sans" panose="020F0502020204030204" pitchFamily="34" charset="0"/>
+              </a:rPr>
+              <a:t>And the key consisting of the two vectors </a:t>
+            </a:r>
+            <a:r>
+              <a:rPr lang="en-GB" b="0" i="0" u="none" strike="noStrike" dirty="0" err="1">
+                <a:solidFill>
+                  <a:srgbClr val="000000"/>
+                </a:solidFill>
+                <a:effectLst/>
+                <a:latin typeface="Open Sans" panose="020F0502020204030204" pitchFamily="34" charset="0"/>
+              </a:rPr>
+              <a:t>a_observation</a:t>
+            </a:r>
+            <a:r>
+              <a:rPr lang="en-GB" b="0" i="0" u="none" strike="noStrike" dirty="0">
+                <a:solidFill>
+                  <a:srgbClr val="000000"/>
+                </a:solidFill>
+                <a:effectLst/>
+                <a:latin typeface="Open Sans" panose="020F0502020204030204" pitchFamily="34" charset="0"/>
+              </a:rPr>
+              <a:t> and </a:t>
+            </a:r>
+            <a:r>
+              <a:rPr lang="en-GB" b="0" i="0" u="none" strike="noStrike" dirty="0" err="1">
+                <a:solidFill>
+                  <a:srgbClr val="000000"/>
+                </a:solidFill>
+                <a:effectLst/>
+                <a:latin typeface="Open Sans" panose="020F0502020204030204" pitchFamily="34" charset="0"/>
+              </a:rPr>
+              <a:t>b_observation</a:t>
+            </a:r>
+            <a:r>
+              <a:rPr lang="en-GB" b="0" i="0" u="none" strike="noStrike" dirty="0">
+                <a:solidFill>
+                  <a:srgbClr val="000000"/>
+                </a:solidFill>
+                <a:effectLst/>
+                <a:latin typeface="Open Sans" panose="020F0502020204030204" pitchFamily="34" charset="0"/>
+              </a:rPr>
+              <a:t>.</a:t>
+            </a:r>
+          </a:p>
+          <a:p>
+            <a:r>
+              <a:rPr lang="en-GB" b="0" i="0" u="none" strike="noStrike" dirty="0">
+                <a:solidFill>
+                  <a:srgbClr val="000000"/>
+                </a:solidFill>
+                <a:effectLst/>
+                <a:latin typeface="Open Sans" panose="020F0502020204030204" pitchFamily="34" charset="0"/>
+              </a:rPr>
+              <a:t>By setting the value = </a:t>
+            </a:r>
+            <a:r>
+              <a:rPr lang="en-GB" b="0" i="0" u="none" strike="noStrike" dirty="0" err="1">
+                <a:solidFill>
+                  <a:srgbClr val="000000"/>
+                </a:solidFill>
+                <a:effectLst/>
+                <a:latin typeface="Open Sans" panose="020F0502020204030204" pitchFamily="34" charset="0"/>
+              </a:rPr>
+              <a:t>rnorm</a:t>
+            </a:r>
+            <a:r>
+              <a:rPr lang="en-GB" b="0" i="0" u="none" strike="noStrike" dirty="0">
+                <a:solidFill>
+                  <a:srgbClr val="000000"/>
+                </a:solidFill>
+                <a:effectLst/>
+                <a:latin typeface="Open Sans" panose="020F0502020204030204" pitchFamily="34" charset="0"/>
+              </a:rPr>
+              <a:t>(27), </a:t>
+            </a:r>
+            <a:r>
+              <a:rPr lang="en-GB" dirty="0" err="1"/>
+              <a:t>rnorm</a:t>
+            </a:r>
+            <a:r>
+              <a:rPr lang="en-GB" dirty="0"/>
+              <a:t> </a:t>
+            </a:r>
+            <a:r>
+              <a:rPr lang="en-GB" b="0" i="0" u="none" strike="noStrike" dirty="0">
+                <a:effectLst/>
+                <a:latin typeface="Lato" panose="020F0502020204030203" pitchFamily="34" charset="0"/>
+              </a:rPr>
+              <a:t>generates random deviates with a length of 27 results.</a:t>
+            </a:r>
+            <a:endParaRPr lang="en-GB" noProof="0" dirty="0"/>
+          </a:p>
+          <a:p>
             <a:endParaRPr lang="en-GB" dirty="0"/>
           </a:p>
         </p:txBody>
@@ -2989,6 +3426,173 @@
           <a:bodyPr/>
           <a:lstStyle/>
           <a:p>
+            <a:r>
+              <a:rPr lang="en-GB" noProof="0" dirty="0"/>
+              <a:t>On this slide we are taking a dataset which contains </a:t>
+            </a:r>
+            <a:r>
+              <a:rPr lang="en-GB" b="0" i="0" u="none" strike="noStrike" noProof="0" dirty="0">
+                <a:solidFill>
+                  <a:srgbClr val="374151"/>
+                </a:solidFill>
+                <a:effectLst/>
+                <a:latin typeface="Studio-Feixen-Sans"/>
+              </a:rPr>
+              <a:t>hourly counts of pedestrians from 4 sensors around Melbourne.</a:t>
+            </a:r>
+          </a:p>
+          <a:p>
+            <a:endParaRPr lang="en-GB" b="0" i="0" u="none" strike="noStrike" noProof="0" dirty="0">
+              <a:solidFill>
+                <a:srgbClr val="374151"/>
+              </a:solidFill>
+              <a:effectLst/>
+              <a:latin typeface="Studio-Feixen-Sans"/>
+            </a:endParaRPr>
+          </a:p>
+          <a:p>
+            <a:r>
+              <a:rPr lang="en-GB" b="0" i="0" u="none" strike="noStrike" noProof="0" dirty="0">
+                <a:solidFill>
+                  <a:srgbClr val="374151"/>
+                </a:solidFill>
+                <a:effectLst/>
+                <a:latin typeface="Studio-Feixen-Sans"/>
+              </a:rPr>
+              <a:t>Using the </a:t>
+            </a:r>
+            <a:r>
+              <a:rPr lang="en-GB" b="0" i="0" u="none" strike="noStrike" noProof="0" dirty="0" err="1">
+                <a:solidFill>
+                  <a:srgbClr val="374151"/>
+                </a:solidFill>
+                <a:effectLst/>
+                <a:latin typeface="Studio-Feixen-Sans"/>
+              </a:rPr>
+              <a:t>as_tsibble</a:t>
+            </a:r>
+            <a:r>
+              <a:rPr lang="en-GB" b="0" i="0" u="none" strike="noStrike" noProof="0" dirty="0">
+                <a:solidFill>
+                  <a:srgbClr val="374151"/>
+                </a:solidFill>
+                <a:effectLst/>
+                <a:latin typeface="Studio-Feixen-Sans"/>
+              </a:rPr>
+              <a:t> function we are co</a:t>
+            </a:r>
+            <a:r>
+              <a:rPr lang="en-GB" noProof="0" dirty="0"/>
+              <a:t>ercing the data into a tsibble object and setting the key equal to the Sensor column and are indexing those against the </a:t>
+            </a:r>
+            <a:r>
+              <a:rPr lang="en-GB" b="0" i="0" u="none" strike="noStrike" dirty="0">
+                <a:solidFill>
+                  <a:srgbClr val="374151"/>
+                </a:solidFill>
+                <a:effectLst/>
+                <a:latin typeface="Studio-Feixen-Sans"/>
+              </a:rPr>
+              <a:t>time that the count was taken by using the </a:t>
+            </a:r>
+            <a:r>
+              <a:rPr lang="en-GB" b="0" i="0" u="none" strike="noStrike" dirty="0" err="1">
+                <a:solidFill>
+                  <a:srgbClr val="374151"/>
+                </a:solidFill>
+                <a:effectLst/>
+                <a:latin typeface="Studio-Feixen-Sans"/>
+              </a:rPr>
+              <a:t>Date_Time</a:t>
+            </a:r>
+            <a:r>
+              <a:rPr lang="en-GB" b="0" i="0" u="none" strike="noStrike" dirty="0">
+                <a:solidFill>
+                  <a:srgbClr val="374151"/>
+                </a:solidFill>
+                <a:effectLst/>
+                <a:latin typeface="Studio-Feixen-Sans"/>
+              </a:rPr>
+              <a:t> class.</a:t>
+            </a:r>
+          </a:p>
+          <a:p>
+            <a:endParaRPr lang="en-GB" b="0" i="0" u="none" strike="noStrike" noProof="0" dirty="0">
+              <a:solidFill>
+                <a:srgbClr val="374151"/>
+              </a:solidFill>
+              <a:effectLst/>
+              <a:latin typeface="Studio-Feixen-Sans"/>
+            </a:endParaRPr>
+          </a:p>
+          <a:p>
+            <a:r>
+              <a:rPr lang="en-GB" b="0" i="0" u="none" strike="noStrike" noProof="0" dirty="0">
+                <a:solidFill>
+                  <a:srgbClr val="374151"/>
+                </a:solidFill>
+                <a:effectLst/>
+                <a:latin typeface="Studio-Feixen-Sans"/>
+              </a:rPr>
+              <a:t>After doing so we can see that all four sensors are having gaps in their data by using the </a:t>
+            </a:r>
+            <a:r>
+              <a:rPr lang="en-GB" b="0" i="0" u="none" strike="noStrike" noProof="0" dirty="0" err="1">
+                <a:solidFill>
+                  <a:srgbClr val="374151"/>
+                </a:solidFill>
+                <a:effectLst/>
+                <a:latin typeface="Studio-Feixen-Sans"/>
+              </a:rPr>
+              <a:t>has_gaps</a:t>
+            </a:r>
+            <a:r>
+              <a:rPr lang="en-GB" b="0" i="0" u="none" strike="noStrike" noProof="0" dirty="0">
+                <a:solidFill>
+                  <a:srgbClr val="374151"/>
+                </a:solidFill>
+                <a:effectLst/>
+                <a:latin typeface="Studio-Feixen-Sans"/>
+              </a:rPr>
+              <a:t> function.</a:t>
+            </a:r>
+          </a:p>
+          <a:p>
+            <a:r>
+              <a:rPr lang="en-GB" b="0" i="0" u="none" strike="noStrike" noProof="0" dirty="0">
+                <a:solidFill>
+                  <a:srgbClr val="374151"/>
+                </a:solidFill>
+                <a:effectLst/>
+                <a:latin typeface="Studio-Feixen-Sans"/>
+              </a:rPr>
+              <a:t>By setting the Argument .full equal to True we are inserting</a:t>
+            </a:r>
+            <a:r>
+              <a:rPr lang="en-GB" b="0" i="0" u="none" strike="noStrike" dirty="0">
+                <a:effectLst/>
+                <a:latin typeface="Lato" panose="020F0502020204030204" pitchFamily="34" charset="0"/>
+              </a:rPr>
+              <a:t> </a:t>
+            </a:r>
+            <a:r>
+              <a:rPr lang="en-GB" dirty="0" err="1"/>
+              <a:t>Nas</a:t>
+            </a:r>
+            <a:r>
+              <a:rPr lang="en-GB" dirty="0"/>
+              <a:t> in each gap,</a:t>
+            </a:r>
+            <a:r>
+              <a:rPr lang="en-GB" b="0" i="0" u="none" strike="noStrike" dirty="0">
+                <a:effectLst/>
+                <a:latin typeface="Lato" panose="020F0502020204030203" pitchFamily="34" charset="0"/>
+              </a:rPr>
+              <a:t> over the entire time span of the data, If we would have chosen False than this would only have happen within every period and gaps before or after would stay untouched.</a:t>
+            </a:r>
+            <a:endParaRPr lang="en-GB" noProof="0" dirty="0"/>
+          </a:p>
+          <a:p>
             <a:endParaRPr lang="en-GB" dirty="0"/>
           </a:p>
         </p:txBody>
@@ -3072,6 +3676,89 @@
         <p:txBody>
           <a:bodyPr/>
           <a:lstStyle/>
+          <a:p>
+            <a:r>
+              <a:rPr lang="en-GB" noProof="0" dirty="0"/>
+              <a:t>Another method to handle </a:t>
+            </a:r>
+            <a:r>
+              <a:rPr lang="en-GB" b="0" i="0" u="none" strike="noStrike" noProof="0" dirty="0">
+                <a:solidFill>
+                  <a:srgbClr val="333333"/>
+                </a:solidFill>
+                <a:effectLst/>
+                <a:latin typeface="Source Sans Pro" panose="020B0503030403020204" pitchFamily="34" charset="0"/>
+              </a:rPr>
+              <a:t>implicit </a:t>
+            </a:r>
+            <a:r>
+              <a:rPr lang="en-GB" noProof="0" dirty="0"/>
+              <a:t>gaps</a:t>
+            </a:r>
+            <a:r>
+              <a:rPr lang="en-GB" b="0" i="0" u="none" strike="noStrike" noProof="0" dirty="0">
+                <a:solidFill>
+                  <a:srgbClr val="333333"/>
+                </a:solidFill>
+                <a:effectLst/>
+                <a:latin typeface="Source Sans Pro" panose="020B0503030403020204" pitchFamily="34" charset="0"/>
+              </a:rPr>
+              <a:t> in our temporal data would be the </a:t>
+            </a:r>
+            <a:r>
+              <a:rPr lang="en-GB" b="0" i="0" u="none" strike="noStrike" noProof="0" dirty="0" err="1">
+                <a:solidFill>
+                  <a:srgbClr val="333333"/>
+                </a:solidFill>
+                <a:effectLst/>
+                <a:latin typeface="Source Sans Pro" panose="020B0503030403020204" pitchFamily="34" charset="0"/>
+              </a:rPr>
+              <a:t>fill_gaps</a:t>
+            </a:r>
+            <a:r>
+              <a:rPr lang="en-GB" b="0" i="0" u="none" strike="noStrike" noProof="0" dirty="0">
+                <a:solidFill>
+                  <a:srgbClr val="333333"/>
+                </a:solidFill>
+                <a:effectLst/>
+                <a:latin typeface="Source Sans Pro" panose="020B0503030403020204" pitchFamily="34" charset="0"/>
+              </a:rPr>
+              <a:t> function.</a:t>
+            </a:r>
+          </a:p>
+          <a:p>
+            <a:endParaRPr lang="en-GB" b="0" i="0" u="none" strike="noStrike" noProof="0" dirty="0">
+              <a:solidFill>
+                <a:srgbClr val="333333"/>
+              </a:solidFill>
+              <a:effectLst/>
+              <a:latin typeface="Source Sans Pro" panose="020B0503030403020204" pitchFamily="34" charset="0"/>
+            </a:endParaRPr>
+          </a:p>
+          <a:p>
+            <a:r>
+              <a:rPr lang="en-GB" b="0" i="0" u="none" strike="noStrike" noProof="0" dirty="0">
+                <a:solidFill>
+                  <a:srgbClr val="333333"/>
+                </a:solidFill>
+                <a:effectLst/>
+                <a:latin typeface="Source Sans Pro" panose="020B0503030403020204" pitchFamily="34" charset="0"/>
+              </a:rPr>
+              <a:t>Here we can specify  what we want to fill the gaps with. In our case we are computing the mean and inserting it once again </a:t>
+            </a:r>
+            <a:r>
+              <a:rPr lang="en-GB" dirty="0"/>
+              <a:t>in each gap,</a:t>
+            </a:r>
+            <a:r>
+              <a:rPr lang="en-GB" b="0" i="0" u="none" strike="noStrike" dirty="0">
+                <a:effectLst/>
+                <a:latin typeface="Lato" panose="020F0502020204030203" pitchFamily="34" charset="0"/>
+              </a:rPr>
+              <a:t> over the entire time span of the data since we still are setting the .full argument equal to True. </a:t>
+            </a:r>
+            <a:endParaRPr lang="en-GB" noProof="0"/>
+          </a:p>
           <a:p>
             <a:endParaRPr lang="en-GB" dirty="0"/>
           </a:p>
@@ -3593,7 +4280,7 @@
           <a:p>
             <a:fld id="{D841047C-AC16-3847-8358-E80D41A378BA}" type="slidenum">
               <a:rPr lang="de-DE" smtClean="0"/>
-              <a:t>‹#›</a:t>
+              <a:t>‹Nr.›</a:t>
             </a:fld>
             <a:endParaRPr lang="de-DE"/>
           </a:p>
@@ -3834,7 +4521,7 @@
           <a:p>
             <a:fld id="{D841047C-AC16-3847-8358-E80D41A378BA}" type="slidenum">
               <a:rPr lang="de-DE" smtClean="0"/>
-              <a:t>‹#›</a:t>
+              <a:t>‹Nr.›</a:t>
             </a:fld>
             <a:endParaRPr lang="de-DE"/>
           </a:p>
@@ -4003,7 +4690,7 @@
           <a:p>
             <a:fld id="{D841047C-AC16-3847-8358-E80D41A378BA}" type="slidenum">
               <a:rPr lang="de-DE" smtClean="0"/>
-              <a:t>‹#›</a:t>
+              <a:t>‹Nr.›</a:t>
             </a:fld>
             <a:endParaRPr lang="de-DE"/>
           </a:p>
@@ -4539,7 +5226,7 @@
           <a:p>
             <a:fld id="{D841047C-AC16-3847-8358-E80D41A378BA}" type="slidenum">
               <a:rPr lang="de-DE" smtClean="0"/>
-              <a:t>‹#›</a:t>
+              <a:t>‹Nr.›</a:t>
             </a:fld>
             <a:endParaRPr lang="de-DE"/>
           </a:p>
@@ -4951,7 +5638,7 @@
           <a:p>
             <a:fld id="{D841047C-AC16-3847-8358-E80D41A378BA}" type="slidenum">
               <a:rPr lang="de-DE" smtClean="0"/>
-              <a:t>‹#›</a:t>
+              <a:t>‹Nr.›</a:t>
             </a:fld>
             <a:endParaRPr lang="de-DE"/>
           </a:p>
@@ -5092,7 +5779,7 @@
           <a:p>
             <a:fld id="{D841047C-AC16-3847-8358-E80D41A378BA}" type="slidenum">
               <a:rPr lang="de-DE" smtClean="0"/>
-              <a:t>‹#›</a:t>
+              <a:t>‹Nr.›</a:t>
             </a:fld>
             <a:endParaRPr lang="de-DE"/>
           </a:p>
@@ -5205,7 +5892,7 @@
           <a:p>
             <a:fld id="{D841047C-AC16-3847-8358-E80D41A378BA}" type="slidenum">
               <a:rPr lang="de-DE" smtClean="0"/>
-              <a:t>‹#›</a:t>
+              <a:t>‹Nr.›</a:t>
             </a:fld>
             <a:endParaRPr lang="de-DE"/>
           </a:p>
@@ -5516,7 +6203,7 @@
           <a:p>
             <a:fld id="{D841047C-AC16-3847-8358-E80D41A378BA}" type="slidenum">
               <a:rPr lang="de-DE" smtClean="0"/>
-              <a:t>‹#›</a:t>
+              <a:t>‹Nr.›</a:t>
             </a:fld>
             <a:endParaRPr lang="de-DE"/>
           </a:p>
@@ -5804,7 +6491,7 @@
           <a:p>
             <a:fld id="{D841047C-AC16-3847-8358-E80D41A378BA}" type="slidenum">
               <a:rPr lang="de-DE" smtClean="0"/>
-              <a:t>‹#›</a:t>
+              <a:t>‹Nr.›</a:t>
             </a:fld>
             <a:endParaRPr lang="de-DE"/>
           </a:p>
